--- a/wls_gated_dlc_triangulation/Weighted_Least_Squares.pptx
+++ b/wls_gated_dlc_triangulation/Weighted_Least_Squares.pptx
@@ -7,19 +7,26 @@
   <p:sldIdLst>
     <p:sldId id="256" r:id="rId2"/>
     <p:sldId id="258" r:id="rId3"/>
-    <p:sldId id="262" r:id="rId4"/>
-    <p:sldId id="259" r:id="rId5"/>
-    <p:sldId id="257" r:id="rId6"/>
-    <p:sldId id="261" r:id="rId7"/>
-    <p:sldId id="260" r:id="rId8"/>
-    <p:sldId id="263" r:id="rId9"/>
-    <p:sldId id="264" r:id="rId10"/>
-    <p:sldId id="265" r:id="rId11"/>
-    <p:sldId id="266" r:id="rId12"/>
-    <p:sldId id="267" r:id="rId13"/>
-    <p:sldId id="268" r:id="rId14"/>
-    <p:sldId id="269" r:id="rId15"/>
-    <p:sldId id="270" r:id="rId16"/>
+    <p:sldId id="272" r:id="rId4"/>
+    <p:sldId id="274" r:id="rId5"/>
+    <p:sldId id="275" r:id="rId6"/>
+    <p:sldId id="277" r:id="rId7"/>
+    <p:sldId id="278" r:id="rId8"/>
+    <p:sldId id="271" r:id="rId9"/>
+    <p:sldId id="273" r:id="rId10"/>
+    <p:sldId id="262" r:id="rId11"/>
+    <p:sldId id="259" r:id="rId12"/>
+    <p:sldId id="257" r:id="rId13"/>
+    <p:sldId id="261" r:id="rId14"/>
+    <p:sldId id="260" r:id="rId15"/>
+    <p:sldId id="263" r:id="rId16"/>
+    <p:sldId id="264" r:id="rId17"/>
+    <p:sldId id="265" r:id="rId18"/>
+    <p:sldId id="266" r:id="rId19"/>
+    <p:sldId id="267" r:id="rId20"/>
+    <p:sldId id="268" r:id="rId21"/>
+    <p:sldId id="269" r:id="rId22"/>
+    <p:sldId id="270" r:id="rId23"/>
   </p:sldIdLst>
   <p:sldSz cx="20104100" cy="11309350"/>
   <p:notesSz cx="20104100" cy="11309350"/>
@@ -1518,7 +1525,7 @@
 </file>
 
 <file path=ppt/slides/slide10.xml><?xml version="1.0" encoding="utf-8"?>
-<p:sld xmlns:a="http://schemas.openxmlformats.org/drawingml/2006/main" xmlns:r="http://schemas.openxmlformats.org/officeDocument/2006/relationships" xmlns:p="http://schemas.openxmlformats.org/presentationml/2006/main">
+<p:sld xmlns:a="http://schemas.openxmlformats.org/drawingml/2006/main" xmlns:r="http://schemas.openxmlformats.org/officeDocument/2006/relationships" xmlns:p="http://schemas.openxmlformats.org/presentationml/2006/main" showMasterSp="0">
   <p:cSld>
     <p:spTree>
       <p:nvGrpSpPr>
@@ -1542,32 +1549,225 @@
           </p:cNvPicPr>
           <p:nvPr/>
         </p:nvPicPr>
+        <p:blipFill rotWithShape="1">
+          <a:blip r:embed="rId2" cstate="print"/>
+          <a:srcRect r="353"/>
+          <a:stretch/>
+        </p:blipFill>
+        <p:spPr>
+          <a:xfrm>
+            <a:off x="37915" y="30116"/>
+            <a:ext cx="20032941" cy="11251966"/>
+          </a:xfrm>
+          <a:prstGeom prst="rect">
+            <a:avLst/>
+          </a:prstGeom>
+        </p:spPr>
+      </p:pic>
+      <p:pic>
+        <p:nvPicPr>
+          <p:cNvPr id="3" name="object 3"/>
+          <p:cNvPicPr/>
+          <p:nvPr/>
+        </p:nvPicPr>
         <p:blipFill>
-          <a:blip r:embed="rId2" cstate="print"/>
+          <a:blip r:embed="rId3" cstate="print"/>
           <a:stretch>
             <a:fillRect/>
           </a:stretch>
         </p:blipFill>
         <p:spPr>
           <a:xfrm>
-            <a:off x="0" y="0"/>
-            <a:ext cx="20104100" cy="11308556"/>
+            <a:off x="460779" y="8439489"/>
+            <a:ext cx="1350720" cy="1811459"/>
           </a:xfrm>
           <a:prstGeom prst="rect">
             <a:avLst/>
           </a:prstGeom>
         </p:spPr>
       </p:pic>
-      <p:sp>
-        <p:nvSpPr>
-          <p:cNvPr id="3" name="object 3"/>
+      <p:pic>
+        <p:nvPicPr>
+          <p:cNvPr id="4" name="object 4"/>
+          <p:cNvPicPr/>
+          <p:nvPr/>
+        </p:nvPicPr>
+        <p:blipFill>
+          <a:blip r:embed="rId3" cstate="print"/>
+          <a:stretch>
+            <a:fillRect/>
+          </a:stretch>
+        </p:blipFill>
+        <p:spPr>
+          <a:xfrm>
+            <a:off x="1947636" y="8439489"/>
+            <a:ext cx="1350750" cy="1811459"/>
+          </a:xfrm>
+          <a:prstGeom prst="rect">
+            <a:avLst/>
+          </a:prstGeom>
+        </p:spPr>
+      </p:pic>
+      <p:pic>
+        <p:nvPicPr>
+          <p:cNvPr id="5" name="object 5"/>
+          <p:cNvPicPr/>
+          <p:nvPr/>
+        </p:nvPicPr>
+        <p:blipFill>
+          <a:blip r:embed="rId3" cstate="print"/>
+          <a:stretch>
+            <a:fillRect/>
+          </a:stretch>
+        </p:blipFill>
+        <p:spPr>
+          <a:xfrm>
+            <a:off x="3444970" y="8439489"/>
+            <a:ext cx="1350752" cy="1811459"/>
+          </a:xfrm>
+          <a:prstGeom prst="rect">
+            <a:avLst/>
+          </a:prstGeom>
+        </p:spPr>
+      </p:pic>
+      <p:pic>
+        <p:nvPicPr>
+          <p:cNvPr id="6" name="object 6"/>
+          <p:cNvPicPr/>
+          <p:nvPr/>
+        </p:nvPicPr>
+        <p:blipFill>
+          <a:blip r:embed="rId3" cstate="print"/>
+          <a:stretch>
+            <a:fillRect/>
+          </a:stretch>
+        </p:blipFill>
+        <p:spPr>
+          <a:xfrm>
+            <a:off x="4942305" y="8439489"/>
+            <a:ext cx="1350750" cy="1811459"/>
+          </a:xfrm>
+          <a:prstGeom prst="rect">
+            <a:avLst/>
+          </a:prstGeom>
+        </p:spPr>
+      </p:pic>
+      <p:sp>
+        <p:nvSpPr>
+          <p:cNvPr id="8" name="object 8"/>
           <p:cNvSpPr txBox="1"/>
           <p:nvPr/>
         </p:nvSpPr>
         <p:spPr>
           <a:xfrm>
+            <a:off x="381541" y="10580816"/>
+            <a:ext cx="5995035" cy="314960"/>
+          </a:xfrm>
+          <a:prstGeom prst="rect">
+            <a:avLst/>
+          </a:prstGeom>
+        </p:spPr>
+        <p:txBody>
+          <a:bodyPr vert="horz" wrap="square" lIns="0" tIns="12065" rIns="0" bIns="0" rtlCol="0">
+            <a:spAutoFit/>
+          </a:bodyPr>
+          <a:lstStyle/>
+          <a:p>
+            <a:pPr marL="12700">
+              <a:lnSpc>
+                <a:spcPct val="100000"/>
+              </a:lnSpc>
+              <a:spcBef>
+                <a:spcPts val="95"/>
+              </a:spcBef>
+            </a:pPr>
+            <a:r>
+              <a:rPr sz="1900" spc="-5" dirty="0">
+                <a:latin typeface="Diagramm"/>
+                <a:cs typeface="Diagramm"/>
+              </a:rPr>
+              <a:t>COURTINE</a:t>
+            </a:r>
+            <a:r>
+              <a:rPr sz="1900" spc="-10" dirty="0">
+                <a:latin typeface="Diagramm"/>
+                <a:cs typeface="Diagramm"/>
+              </a:rPr>
+              <a:t> </a:t>
+            </a:r>
+            <a:r>
+              <a:rPr sz="1900" spc="-5" dirty="0">
+                <a:latin typeface="Diagramm"/>
+                <a:cs typeface="Diagramm"/>
+              </a:rPr>
+              <a:t>ET AL. </a:t>
+            </a:r>
+            <a:r>
+              <a:rPr sz="1900" dirty="0">
+                <a:latin typeface="Diagramm"/>
+                <a:cs typeface="Diagramm"/>
+              </a:rPr>
+              <a:t>¦</a:t>
+            </a:r>
+            <a:r>
+              <a:rPr sz="1900" spc="-10" dirty="0">
+                <a:latin typeface="Diagramm"/>
+                <a:cs typeface="Diagramm"/>
+              </a:rPr>
+              <a:t> </a:t>
+            </a:r>
+            <a:r>
+              <a:rPr sz="1900" spc="-30" dirty="0">
+                <a:latin typeface="Diagramm"/>
+                <a:cs typeface="Diagramm"/>
+              </a:rPr>
+              <a:t>NATURE</a:t>
+            </a:r>
+            <a:r>
+              <a:rPr sz="1900" spc="-5" dirty="0">
+                <a:latin typeface="Diagramm"/>
+                <a:cs typeface="Diagramm"/>
+              </a:rPr>
+              <a:t> NEUROSCIENCE </a:t>
+            </a:r>
+            <a:r>
+              <a:rPr sz="1900" dirty="0">
+                <a:latin typeface="Diagramm"/>
+                <a:cs typeface="Diagramm"/>
+              </a:rPr>
+              <a:t>¦</a:t>
+            </a:r>
+            <a:r>
+              <a:rPr sz="1900" spc="-10" dirty="0">
+                <a:latin typeface="Diagramm"/>
+                <a:cs typeface="Diagramm"/>
+              </a:rPr>
+              <a:t> </a:t>
+            </a:r>
+            <a:r>
+              <a:rPr sz="1900" spc="-5" dirty="0">
+                <a:latin typeface="Diagramm"/>
+                <a:cs typeface="Diagramm"/>
+              </a:rPr>
+              <a:t>2009</a:t>
+            </a:r>
+            <a:endParaRPr sz="1900" dirty="0">
+              <a:latin typeface="Diagramm"/>
+              <a:cs typeface="Diagramm"/>
+            </a:endParaRPr>
+          </a:p>
+        </p:txBody>
+      </p:sp>
+      <p:sp>
+        <p:nvSpPr>
+          <p:cNvPr id="9" name="object 9"/>
+          <p:cNvSpPr txBox="1"/>
+          <p:nvPr/>
+        </p:nvSpPr>
+        <p:spPr>
+          <a:xfrm>
             <a:off x="507192" y="1659609"/>
-            <a:ext cx="636270" cy="402590"/>
+            <a:ext cx="1029969" cy="402590"/>
           </a:xfrm>
           <a:prstGeom prst="rect">
             <a:avLst/>
@@ -1588,32 +1788,25 @@
               </a:spcBef>
             </a:pPr>
             <a:r>
-              <a:rPr sz="2450" spc="-254" dirty="0">
+              <a:rPr sz="2450" spc="15" dirty="0">
                 <a:latin typeface="Diagramm"/>
                 <a:cs typeface="Diagramm"/>
               </a:rPr>
               <a:t>T</a:t>
             </a:r>
             <a:r>
-              <a:rPr sz="2450" spc="-40" dirty="0">
-                <a:latin typeface="Diagramm"/>
-                <a:cs typeface="Diagramm"/>
-              </a:rPr>
-              <a:t>e</a:t>
-            </a:r>
-            <a:r>
-              <a:rPr sz="2450" spc="-5" dirty="0">
-                <a:latin typeface="Diagramm"/>
-                <a:cs typeface="Diagramm"/>
-              </a:rPr>
-              <a:t>x</a:t>
-            </a:r>
-            <a:r>
-              <a:rPr sz="2450" spc="-90" dirty="0">
-                <a:latin typeface="Diagramm"/>
-                <a:cs typeface="Diagramm"/>
-              </a:rPr>
-              <a:t>t</a:t>
+              <a:rPr sz="2450" spc="20" dirty="0">
+                <a:latin typeface="Diagramm"/>
+                <a:cs typeface="Diagramm"/>
+              </a:rPr>
+              <a:t>E</a:t>
+            </a:r>
+            <a:r>
+              <a:rPr sz="2450" spc="15" dirty="0">
+                <a:latin typeface="Diagramm"/>
+                <a:cs typeface="Diagramm"/>
+              </a:rPr>
+              <a:t>XTE</a:t>
             </a:r>
             <a:endParaRPr sz="2450">
               <a:latin typeface="Diagramm"/>
@@ -1624,15 +1817,15 @@
       </p:sp>
       <p:sp>
         <p:nvSpPr>
-          <p:cNvPr id="4" name="object 4"/>
-          <p:cNvSpPr txBox="1">
-            <a:spLocks noGrp="1"/>
-          </p:cNvSpPr>
-          <p:nvPr>
-            <p:ph type="title"/>
-          </p:nvPr>
-        </p:nvSpPr>
-        <p:spPr>
+          <p:cNvPr id="10" name="object 10"/>
+          <p:cNvSpPr txBox="1"/>
+          <p:nvPr/>
+        </p:nvSpPr>
+        <p:spPr>
+          <a:xfrm>
+            <a:off x="8072676" y="4920431"/>
+            <a:ext cx="10955655" cy="1030605"/>
+          </a:xfrm>
           <a:prstGeom prst="rect">
             <a:avLst/>
           </a:prstGeom>
@@ -1642,6 +1835,114 @@
             <a:spAutoFit/>
           </a:bodyPr>
           <a:lstStyle/>
+          <a:p>
+            <a:pPr marL="12700">
+              <a:lnSpc>
+                <a:spcPct val="100000"/>
+              </a:lnSpc>
+              <a:spcBef>
+                <a:spcPts val="95"/>
+              </a:spcBef>
+            </a:pPr>
+            <a:r>
+              <a:rPr sz="6600" b="1" spc="-200" dirty="0">
+                <a:solidFill>
+                  <a:schemeClr val="bg1"/>
+                </a:solidFill>
+                <a:latin typeface="Diagramm Bold"/>
+                <a:cs typeface="Diagramm Bold"/>
+              </a:rPr>
+              <a:t>VIDEO/IMAGE</a:t>
+            </a:r>
+            <a:r>
+              <a:rPr sz="6600" b="1" spc="409" dirty="0">
+                <a:solidFill>
+                  <a:schemeClr val="bg1"/>
+                </a:solidFill>
+                <a:latin typeface="Diagramm Bold"/>
+                <a:cs typeface="Diagramm Bold"/>
+              </a:rPr>
+              <a:t> </a:t>
+            </a:r>
+            <a:r>
+              <a:rPr sz="6600" b="1" spc="-195" dirty="0">
+                <a:solidFill>
+                  <a:schemeClr val="bg1"/>
+                </a:solidFill>
+                <a:latin typeface="Diagramm Bold"/>
+                <a:cs typeface="Diagramm Bold"/>
+              </a:rPr>
+              <a:t>2/3</a:t>
+            </a:r>
+            <a:r>
+              <a:rPr sz="6600" b="1" spc="409" dirty="0">
+                <a:solidFill>
+                  <a:schemeClr val="bg1"/>
+                </a:solidFill>
+                <a:latin typeface="Diagramm Bold"/>
+                <a:cs typeface="Diagramm Bold"/>
+              </a:rPr>
+              <a:t> </a:t>
+            </a:r>
+            <a:r>
+              <a:rPr sz="6600" b="1" spc="-225" dirty="0">
+                <a:solidFill>
+                  <a:schemeClr val="bg1"/>
+                </a:solidFill>
+                <a:latin typeface="Diagramm Bold"/>
+                <a:cs typeface="Diagramm Bold"/>
+              </a:rPr>
+              <a:t>SCREEN</a:t>
+            </a:r>
+            <a:endParaRPr sz="6600" dirty="0">
+              <a:solidFill>
+                <a:schemeClr val="bg1"/>
+              </a:solidFill>
+              <a:latin typeface="Diagramm Bold"/>
+              <a:cs typeface="Diagramm Bold"/>
+            </a:endParaRPr>
+          </a:p>
+        </p:txBody>
+      </p:sp>
+      <p:sp>
+        <p:nvSpPr>
+          <p:cNvPr id="20" name="object 4">
+            <a:extLst>
+              <a:ext uri="{FF2B5EF4-FFF2-40B4-BE49-F238E27FC236}">
+                <a16:creationId xmlns:a16="http://schemas.microsoft.com/office/drawing/2014/main" id="{DDAE9862-73D7-D202-68EF-49F8DBF665EA}"/>
+              </a:ext>
+            </a:extLst>
+          </p:cNvPr>
+          <p:cNvSpPr txBox="1">
+            <a:spLocks/>
+          </p:cNvSpPr>
+          <p:nvPr/>
+        </p:nvSpPr>
+        <p:spPr>
+          <a:xfrm>
+            <a:off x="492946" y="382194"/>
+            <a:ext cx="19118207" cy="1021562"/>
+          </a:xfrm>
+          <a:prstGeom prst="rect">
+            <a:avLst/>
+          </a:prstGeom>
+        </p:spPr>
+        <p:txBody>
+          <a:bodyPr vert="horz" wrap="square" lIns="0" tIns="12065" rIns="0" bIns="0" rtlCol="0">
+            <a:spAutoFit/>
+          </a:bodyPr>
+          <a:lstStyle>
+            <a:lvl1pPr>
+              <a:defRPr sz="3300" b="1" i="0">
+                <a:solidFill>
+                  <a:schemeClr val="tx1"/>
+                </a:solidFill>
+                <a:latin typeface="Diagramm Bold"/>
+                <a:ea typeface="+mj-ea"/>
+                <a:cs typeface="Diagramm Bold"/>
+              </a:defRPr>
+            </a:lvl1pPr>
+          </a:lstStyle>
           <a:p>
             <a:pPr marL="12799060">
               <a:lnSpc>
@@ -1652,17 +1953,32 @@
               </a:spcBef>
             </a:pPr>
             <a:r>
-              <a:rPr lang="en-US" kern="0" spc="-5" dirty="0"/>
+              <a:rPr lang="en-US" kern="0" spc="-5" dirty="0">
+                <a:solidFill>
+                  <a:schemeClr val="bg1"/>
+                </a:solidFill>
+              </a:rPr>
               <a:t>Weighted Least Squares Estimation </a:t>
             </a:r>
             <a:br>
-              <a:rPr lang="en-US" kern="0" spc="-5" dirty="0"/>
+              <a:rPr lang="en-US" kern="0" spc="-5" dirty="0">
+                <a:solidFill>
+                  <a:schemeClr val="bg1"/>
+                </a:solidFill>
+              </a:rPr>
             </a:br>
             <a:r>
-              <a:rPr lang="en-US" b="0" kern="0" spc="-5" dirty="0"/>
+              <a:rPr lang="en-US" b="0" kern="0" spc="-5" dirty="0">
+                <a:solidFill>
+                  <a:schemeClr val="bg1"/>
+                </a:solidFill>
+              </a:rPr>
               <a:t>3D Body Part Trajectories</a:t>
             </a:r>
             <a:endParaRPr lang="en-US" b="0" kern="0" spc="-10" dirty="0">
+              <a:solidFill>
+                <a:schemeClr val="bg1"/>
+              </a:solidFill>
               <a:latin typeface="Diagramm Light"/>
               <a:cs typeface="Diagramm Light"/>
             </a:endParaRPr>
@@ -1678,7 +1994,7 @@
 </file>
 
 <file path=ppt/slides/slide11.xml><?xml version="1.0" encoding="utf-8"?>
-<p:sld xmlns:a="http://schemas.openxmlformats.org/drawingml/2006/main" xmlns:r="http://schemas.openxmlformats.org/officeDocument/2006/relationships" xmlns:p="http://schemas.openxmlformats.org/presentationml/2006/main">
+<p:sld xmlns:a="http://schemas.openxmlformats.org/drawingml/2006/main" xmlns:r="http://schemas.openxmlformats.org/officeDocument/2006/relationships" xmlns:p="http://schemas.openxmlformats.org/presentationml/2006/main" showMasterSp="0">
   <p:cSld>
     <p:spTree>
       <p:nvGrpSpPr>
@@ -1718,16 +2034,385 @@
           </a:prstGeom>
         </p:spPr>
       </p:pic>
-      <p:sp>
-        <p:nvSpPr>
+      <p:pic>
+        <p:nvPicPr>
           <p:cNvPr id="3" name="object 3"/>
+          <p:cNvPicPr/>
+          <p:nvPr/>
+        </p:nvPicPr>
+        <p:blipFill>
+          <a:blip r:embed="rId3" cstate="print"/>
+          <a:stretch>
+            <a:fillRect/>
+          </a:stretch>
+        </p:blipFill>
+        <p:spPr>
+          <a:xfrm>
+            <a:off x="575958" y="8439489"/>
+            <a:ext cx="1350720" cy="1811459"/>
+          </a:xfrm>
+          <a:prstGeom prst="rect">
+            <a:avLst/>
+          </a:prstGeom>
+        </p:spPr>
+      </p:pic>
+      <p:pic>
+        <p:nvPicPr>
+          <p:cNvPr id="4" name="object 4"/>
+          <p:cNvPicPr/>
+          <p:nvPr/>
+        </p:nvPicPr>
+        <p:blipFill>
+          <a:blip r:embed="rId3" cstate="print"/>
+          <a:stretch>
+            <a:fillRect/>
+          </a:stretch>
+        </p:blipFill>
+        <p:spPr>
+          <a:xfrm>
+            <a:off x="2062813" y="8439489"/>
+            <a:ext cx="1350750" cy="1811459"/>
+          </a:xfrm>
+          <a:prstGeom prst="rect">
+            <a:avLst/>
+          </a:prstGeom>
+        </p:spPr>
+      </p:pic>
+      <p:pic>
+        <p:nvPicPr>
+          <p:cNvPr id="5" name="object 5"/>
+          <p:cNvPicPr/>
+          <p:nvPr/>
+        </p:nvPicPr>
+        <p:blipFill>
+          <a:blip r:embed="rId3" cstate="print"/>
+          <a:stretch>
+            <a:fillRect/>
+          </a:stretch>
+        </p:blipFill>
+        <p:spPr>
+          <a:xfrm>
+            <a:off x="3560148" y="8439489"/>
+            <a:ext cx="1350750" cy="1811459"/>
+          </a:xfrm>
+          <a:prstGeom prst="rect">
+            <a:avLst/>
+          </a:prstGeom>
+        </p:spPr>
+      </p:pic>
+      <p:pic>
+        <p:nvPicPr>
+          <p:cNvPr id="6" name="object 6"/>
+          <p:cNvPicPr/>
+          <p:nvPr/>
+        </p:nvPicPr>
+        <p:blipFill>
+          <a:blip r:embed="rId3" cstate="print"/>
+          <a:stretch>
+            <a:fillRect/>
+          </a:stretch>
+        </p:blipFill>
+        <p:spPr>
+          <a:xfrm>
+            <a:off x="5057481" y="8439489"/>
+            <a:ext cx="1350752" cy="1811459"/>
+          </a:xfrm>
+          <a:prstGeom prst="rect">
+            <a:avLst/>
+          </a:prstGeom>
+        </p:spPr>
+      </p:pic>
+      <p:pic>
+        <p:nvPicPr>
+          <p:cNvPr id="7" name="object 7"/>
+          <p:cNvPicPr/>
+          <p:nvPr/>
+        </p:nvPicPr>
+        <p:blipFill>
+          <a:blip r:embed="rId3" cstate="print"/>
+          <a:stretch>
+            <a:fillRect/>
+          </a:stretch>
+        </p:blipFill>
+        <p:spPr>
+          <a:xfrm>
+            <a:off x="6554816" y="8439489"/>
+            <a:ext cx="1350752" cy="1811459"/>
+          </a:xfrm>
+          <a:prstGeom prst="rect">
+            <a:avLst/>
+          </a:prstGeom>
+        </p:spPr>
+      </p:pic>
+      <p:pic>
+        <p:nvPicPr>
+          <p:cNvPr id="8" name="object 8"/>
+          <p:cNvPicPr/>
+          <p:nvPr/>
+        </p:nvPicPr>
+        <p:blipFill>
+          <a:blip r:embed="rId3" cstate="print"/>
+          <a:stretch>
+            <a:fillRect/>
+          </a:stretch>
+        </p:blipFill>
+        <p:spPr>
+          <a:xfrm>
+            <a:off x="8052152" y="8439489"/>
+            <a:ext cx="1350750" cy="1811459"/>
+          </a:xfrm>
+          <a:prstGeom prst="rect">
+            <a:avLst/>
+          </a:prstGeom>
+        </p:spPr>
+      </p:pic>
+      <p:sp>
+        <p:nvSpPr>
+          <p:cNvPr id="9" name="object 9"/>
           <p:cNvSpPr txBox="1"/>
           <p:nvPr/>
         </p:nvSpPr>
         <p:spPr>
           <a:xfrm>
-            <a:off x="507192" y="1659609"/>
-            <a:ext cx="636270" cy="402590"/>
+            <a:off x="1983343" y="10570298"/>
+            <a:ext cx="5995035" cy="314960"/>
+          </a:xfrm>
+          <a:prstGeom prst="rect">
+            <a:avLst/>
+          </a:prstGeom>
+        </p:spPr>
+        <p:txBody>
+          <a:bodyPr vert="horz" wrap="square" lIns="0" tIns="12065" rIns="0" bIns="0" rtlCol="0">
+            <a:spAutoFit/>
+          </a:bodyPr>
+          <a:lstStyle/>
+          <a:p>
+            <a:pPr marL="12700">
+              <a:lnSpc>
+                <a:spcPct val="100000"/>
+              </a:lnSpc>
+              <a:spcBef>
+                <a:spcPts val="95"/>
+              </a:spcBef>
+            </a:pPr>
+            <a:r>
+              <a:rPr sz="1900" spc="-5" dirty="0">
+                <a:latin typeface="Diagramm"/>
+                <a:cs typeface="Diagramm"/>
+              </a:rPr>
+              <a:t>COURTINE</a:t>
+            </a:r>
+            <a:r>
+              <a:rPr sz="1900" spc="-10" dirty="0">
+                <a:latin typeface="Diagramm"/>
+                <a:cs typeface="Diagramm"/>
+              </a:rPr>
+              <a:t> </a:t>
+            </a:r>
+            <a:r>
+              <a:rPr sz="1900" spc="-5" dirty="0">
+                <a:latin typeface="Diagramm"/>
+                <a:cs typeface="Diagramm"/>
+              </a:rPr>
+              <a:t>ET AL. </a:t>
+            </a:r>
+            <a:r>
+              <a:rPr sz="1900" dirty="0">
+                <a:latin typeface="Diagramm"/>
+                <a:cs typeface="Diagramm"/>
+              </a:rPr>
+              <a:t>¦</a:t>
+            </a:r>
+            <a:r>
+              <a:rPr sz="1900" spc="-10" dirty="0">
+                <a:latin typeface="Diagramm"/>
+                <a:cs typeface="Diagramm"/>
+              </a:rPr>
+              <a:t> </a:t>
+            </a:r>
+            <a:r>
+              <a:rPr sz="1900" spc="-30" dirty="0">
+                <a:latin typeface="Diagramm"/>
+                <a:cs typeface="Diagramm"/>
+              </a:rPr>
+              <a:t>NATURE</a:t>
+            </a:r>
+            <a:r>
+              <a:rPr sz="1900" spc="-5" dirty="0">
+                <a:latin typeface="Diagramm"/>
+                <a:cs typeface="Diagramm"/>
+              </a:rPr>
+              <a:t> NEUROSCIENCE </a:t>
+            </a:r>
+            <a:r>
+              <a:rPr sz="1900" dirty="0">
+                <a:latin typeface="Diagramm"/>
+                <a:cs typeface="Diagramm"/>
+              </a:rPr>
+              <a:t>¦</a:t>
+            </a:r>
+            <a:r>
+              <a:rPr sz="1900" spc="-10" dirty="0">
+                <a:latin typeface="Diagramm"/>
+                <a:cs typeface="Diagramm"/>
+              </a:rPr>
+              <a:t> </a:t>
+            </a:r>
+            <a:r>
+              <a:rPr sz="1900" spc="-5" dirty="0">
+                <a:latin typeface="Diagramm"/>
+                <a:cs typeface="Diagramm"/>
+              </a:rPr>
+              <a:t>2009</a:t>
+            </a:r>
+            <a:endParaRPr sz="1900" dirty="0">
+              <a:latin typeface="Diagramm"/>
+              <a:cs typeface="Diagramm"/>
+            </a:endParaRPr>
+          </a:p>
+        </p:txBody>
+      </p:sp>
+      <p:pic>
+        <p:nvPicPr>
+          <p:cNvPr id="10" name="object 10"/>
+          <p:cNvPicPr/>
+          <p:nvPr/>
+        </p:nvPicPr>
+        <p:blipFill>
+          <a:blip r:embed="rId4" cstate="print"/>
+          <a:stretch>
+            <a:fillRect/>
+          </a:stretch>
+        </p:blipFill>
+        <p:spPr>
+          <a:xfrm>
+            <a:off x="10093918" y="3"/>
+            <a:ext cx="10010181" cy="11308549"/>
+          </a:xfrm>
+          <a:prstGeom prst="rect">
+            <a:avLst/>
+          </a:prstGeom>
+        </p:spPr>
+      </p:pic>
+      <p:sp>
+        <p:nvSpPr>
+          <p:cNvPr id="11" name="object 11"/>
+          <p:cNvSpPr txBox="1"/>
+          <p:nvPr/>
+        </p:nvSpPr>
+        <p:spPr>
+          <a:xfrm>
+            <a:off x="12194899" y="4920431"/>
+            <a:ext cx="5748020" cy="1030605"/>
+          </a:xfrm>
+          <a:prstGeom prst="rect">
+            <a:avLst/>
+          </a:prstGeom>
+        </p:spPr>
+        <p:txBody>
+          <a:bodyPr vert="horz" wrap="square" lIns="0" tIns="12065" rIns="0" bIns="0" rtlCol="0">
+            <a:spAutoFit/>
+          </a:bodyPr>
+          <a:lstStyle/>
+          <a:p>
+            <a:pPr marL="12700">
+              <a:lnSpc>
+                <a:spcPct val="100000"/>
+              </a:lnSpc>
+              <a:spcBef>
+                <a:spcPts val="95"/>
+              </a:spcBef>
+            </a:pPr>
+            <a:r>
+              <a:rPr sz="6600" b="1" spc="-110" dirty="0">
+                <a:solidFill>
+                  <a:schemeClr val="bg1"/>
+                </a:solidFill>
+                <a:latin typeface="Diagramm Bold"/>
+                <a:cs typeface="Diagramm Bold"/>
+              </a:rPr>
+              <a:t>VIDE</a:t>
+            </a:r>
+            <a:r>
+              <a:rPr sz="6600" b="1" spc="-480" dirty="0">
+                <a:solidFill>
+                  <a:schemeClr val="bg1"/>
+                </a:solidFill>
+                <a:latin typeface="Diagramm Bold"/>
+                <a:cs typeface="Diagramm Bold"/>
+              </a:rPr>
+              <a:t>O</a:t>
+            </a:r>
+            <a:r>
+              <a:rPr sz="6600" b="1" spc="25" dirty="0">
+                <a:solidFill>
+                  <a:schemeClr val="bg1"/>
+                </a:solidFill>
+                <a:latin typeface="Diagramm Bold"/>
+                <a:cs typeface="Diagramm Bold"/>
+              </a:rPr>
+              <a:t>/</a:t>
+            </a:r>
+            <a:r>
+              <a:rPr sz="6600" b="1" spc="-135" dirty="0">
+                <a:solidFill>
+                  <a:schemeClr val="bg1"/>
+                </a:solidFill>
+                <a:latin typeface="Diagramm Bold"/>
+                <a:cs typeface="Diagramm Bold"/>
+              </a:rPr>
+              <a:t>IM</a:t>
+            </a:r>
+            <a:r>
+              <a:rPr sz="6600" b="1" spc="-409" dirty="0">
+                <a:solidFill>
+                  <a:schemeClr val="bg1"/>
+                </a:solidFill>
+                <a:latin typeface="Diagramm Bold"/>
+                <a:cs typeface="Diagramm Bold"/>
+              </a:rPr>
+              <a:t>A</a:t>
+            </a:r>
+            <a:r>
+              <a:rPr sz="6600" b="1" spc="-220" dirty="0">
+                <a:solidFill>
+                  <a:schemeClr val="bg1"/>
+                </a:solidFill>
+                <a:latin typeface="Diagramm Bold"/>
+                <a:cs typeface="Diagramm Bold"/>
+              </a:rPr>
+              <a:t>G</a:t>
+            </a:r>
+            <a:r>
+              <a:rPr sz="6600" b="1" spc="-430" dirty="0">
+                <a:solidFill>
+                  <a:schemeClr val="bg1"/>
+                </a:solidFill>
+                <a:latin typeface="Diagramm Bold"/>
+                <a:cs typeface="Diagramm Bold"/>
+              </a:rPr>
+              <a:t>E</a:t>
+            </a:r>
+            <a:endParaRPr sz="6600" dirty="0">
+              <a:solidFill>
+                <a:schemeClr val="bg1"/>
+              </a:solidFill>
+              <a:latin typeface="Diagramm Bold"/>
+              <a:cs typeface="Diagramm Bold"/>
+            </a:endParaRPr>
+          </a:p>
+        </p:txBody>
+      </p:sp>
+      <p:sp>
+        <p:nvSpPr>
+          <p:cNvPr id="12" name="object 12"/>
+          <p:cNvSpPr txBox="1"/>
+          <p:nvPr/>
+        </p:nvSpPr>
+        <p:spPr>
+          <a:xfrm>
+            <a:off x="14017993" y="5820886"/>
+            <a:ext cx="2101850" cy="402590"/>
           </a:xfrm>
           <a:prstGeom prst="rect">
             <a:avLst/>
@@ -1748,43 +2433,48 @@
               </a:spcBef>
             </a:pPr>
             <a:r>
-              <a:rPr sz="2450" spc="-254" dirty="0">
-                <a:latin typeface="Diagramm"/>
-                <a:cs typeface="Diagramm"/>
-              </a:rPr>
-              <a:t>T</a:t>
-            </a:r>
-            <a:r>
-              <a:rPr sz="2450" spc="-40" dirty="0">
-                <a:latin typeface="Diagramm"/>
-                <a:cs typeface="Diagramm"/>
-              </a:rPr>
-              <a:t>e</a:t>
-            </a:r>
-            <a:r>
-              <a:rPr sz="2450" spc="-5" dirty="0">
-                <a:latin typeface="Diagramm"/>
-                <a:cs typeface="Diagramm"/>
-              </a:rPr>
-              <a:t>x</a:t>
-            </a:r>
-            <a:r>
-              <a:rPr sz="2450" spc="-90" dirty="0">
-                <a:latin typeface="Diagramm"/>
-                <a:cs typeface="Diagramm"/>
-              </a:rPr>
-              <a:t>t</a:t>
-            </a:r>
-            <a:endParaRPr sz="2450">
-              <a:latin typeface="Diagramm"/>
-              <a:cs typeface="Diagramm"/>
+              <a:rPr sz="2450" b="1" spc="-70" dirty="0">
+                <a:solidFill>
+                  <a:schemeClr val="bg1"/>
+                </a:solidFill>
+                <a:latin typeface="Diagramm Bold"/>
+                <a:cs typeface="Diagramm Bold"/>
+              </a:rPr>
+              <a:t>(NO</a:t>
+            </a:r>
+            <a:r>
+              <a:rPr sz="2450" b="1" spc="114" dirty="0">
+                <a:solidFill>
+                  <a:schemeClr val="bg1"/>
+                </a:solidFill>
+                <a:latin typeface="Diagramm Bold"/>
+                <a:cs typeface="Diagramm Bold"/>
+              </a:rPr>
+              <a:t> </a:t>
+            </a:r>
+            <a:r>
+              <a:rPr sz="2450" b="1" spc="-55" dirty="0">
+                <a:solidFill>
+                  <a:schemeClr val="bg1"/>
+                </a:solidFill>
+                <a:latin typeface="Diagramm Bold"/>
+                <a:cs typeface="Diagramm Bold"/>
+              </a:rPr>
+              <a:t>BORDER)</a:t>
+            </a:r>
+            <a:endParaRPr sz="2450" dirty="0">
+              <a:solidFill>
+                <a:schemeClr val="bg1"/>
+              </a:solidFill>
+              <a:latin typeface="Diagramm Bold"/>
+              <a:cs typeface="Diagramm Bold"/>
             </a:endParaRPr>
           </a:p>
         </p:txBody>
       </p:sp>
       <p:sp>
         <p:nvSpPr>
-          <p:cNvPr id="4" name="object 4"/>
+          <p:cNvPr id="13" name="object 13"/>
           <p:cNvSpPr txBox="1">
             <a:spLocks noGrp="1"/>
           </p:cNvSpPr>
@@ -1812,19 +2502,91 @@
               </a:spcBef>
             </a:pPr>
             <a:r>
-              <a:rPr lang="en-US" kern="0" spc="-5" dirty="0"/>
+              <a:rPr lang="en-US" kern="0" spc="-5" dirty="0">
+                <a:solidFill>
+                  <a:schemeClr val="bg1"/>
+                </a:solidFill>
+              </a:rPr>
               <a:t>Weighted Least Squares Estimation </a:t>
             </a:r>
             <a:br>
-              <a:rPr lang="en-US" kern="0" spc="-5" dirty="0"/>
+              <a:rPr lang="en-US" kern="0" spc="-5" dirty="0">
+                <a:solidFill>
+                  <a:schemeClr val="bg1"/>
+                </a:solidFill>
+              </a:rPr>
             </a:br>
             <a:r>
-              <a:rPr lang="en-US" b="0" kern="0" spc="-5" dirty="0"/>
+              <a:rPr lang="en-US" b="0" kern="0" spc="-5" dirty="0">
+                <a:solidFill>
+                  <a:schemeClr val="bg1"/>
+                </a:solidFill>
+              </a:rPr>
               <a:t>3D Body Part Trajectories</a:t>
             </a:r>
             <a:endParaRPr lang="en-US" b="0" kern="0" spc="-10" dirty="0">
+              <a:solidFill>
+                <a:schemeClr val="bg1"/>
+              </a:solidFill>
               <a:latin typeface="Diagramm Light"/>
               <a:cs typeface="Diagramm Light"/>
+            </a:endParaRPr>
+          </a:p>
+        </p:txBody>
+      </p:sp>
+      <p:sp>
+        <p:nvSpPr>
+          <p:cNvPr id="14" name="object 14"/>
+          <p:cNvSpPr txBox="1"/>
+          <p:nvPr/>
+        </p:nvSpPr>
+        <p:spPr>
+          <a:xfrm>
+            <a:off x="507192" y="1659609"/>
+            <a:ext cx="1029969" cy="402590"/>
+          </a:xfrm>
+          <a:prstGeom prst="rect">
+            <a:avLst/>
+          </a:prstGeom>
+        </p:spPr>
+        <p:txBody>
+          <a:bodyPr vert="horz" wrap="square" lIns="0" tIns="15240" rIns="0" bIns="0" rtlCol="0">
+            <a:spAutoFit/>
+          </a:bodyPr>
+          <a:lstStyle/>
+          <a:p>
+            <a:pPr marL="12700">
+              <a:lnSpc>
+                <a:spcPct val="100000"/>
+              </a:lnSpc>
+              <a:spcBef>
+                <a:spcPts val="120"/>
+              </a:spcBef>
+            </a:pPr>
+            <a:r>
+              <a:rPr sz="2450" spc="15" dirty="0">
+                <a:latin typeface="Diagramm"/>
+                <a:cs typeface="Diagramm"/>
+              </a:rPr>
+              <a:t>T</a:t>
+            </a:r>
+            <a:r>
+              <a:rPr sz="2450" spc="20" dirty="0">
+                <a:latin typeface="Diagramm"/>
+                <a:cs typeface="Diagramm"/>
+              </a:rPr>
+              <a:t>E</a:t>
+            </a:r>
+            <a:r>
+              <a:rPr sz="2450" spc="15" dirty="0">
+                <a:latin typeface="Diagramm"/>
+                <a:cs typeface="Diagramm"/>
+              </a:rPr>
+              <a:t>XTE</a:t>
+            </a:r>
+            <a:endParaRPr sz="2450">
+              <a:latin typeface="Diagramm"/>
+              <a:cs typeface="Diagramm"/>
             </a:endParaRPr>
           </a:p>
         </p:txBody>
@@ -1838,7 +2600,7 @@
 </file>
 
 <file path=ppt/slides/slide12.xml><?xml version="1.0" encoding="utf-8"?>
-<p:sld xmlns:a="http://schemas.openxmlformats.org/drawingml/2006/main" xmlns:r="http://schemas.openxmlformats.org/officeDocument/2006/relationships" xmlns:p="http://schemas.openxmlformats.org/presentationml/2006/main">
+<p:sld xmlns:a="http://schemas.openxmlformats.org/drawingml/2006/main" xmlns:r="http://schemas.openxmlformats.org/officeDocument/2006/relationships" xmlns:p="http://schemas.openxmlformats.org/presentationml/2006/main" showMasterSp="0">
   <p:cSld>
     <p:spTree>
       <p:nvGrpSpPr>
@@ -1886,15 +2648,15 @@
         </p:nvSpPr>
         <p:spPr>
           <a:xfrm>
-            <a:off x="507192" y="1659609"/>
-            <a:ext cx="636270" cy="402590"/>
-          </a:xfrm>
-          <a:prstGeom prst="rect">
-            <a:avLst/>
-          </a:prstGeom>
-        </p:spPr>
-        <p:txBody>
-          <a:bodyPr vert="horz" wrap="square" lIns="0" tIns="15240" rIns="0" bIns="0" rtlCol="0">
+            <a:off x="4215863" y="4920431"/>
+            <a:ext cx="11653520" cy="1030605"/>
+          </a:xfrm>
+          <a:prstGeom prst="rect">
+            <a:avLst/>
+          </a:prstGeom>
+        </p:spPr>
+        <p:txBody>
+          <a:bodyPr vert="horz" wrap="square" lIns="0" tIns="12065" rIns="0" bIns="0" rtlCol="0">
             <a:spAutoFit/>
           </a:bodyPr>
           <a:lstStyle/>
@@ -1904,55 +2666,47 @@
                 <a:spcPct val="100000"/>
               </a:lnSpc>
               <a:spcBef>
-                <a:spcPts val="120"/>
+                <a:spcPts val="95"/>
               </a:spcBef>
             </a:pPr>
             <a:r>
-              <a:rPr sz="2450" spc="-254" dirty="0">
-                <a:solidFill>
-                  <a:schemeClr val="bg1"/>
-                </a:solidFill>
-                <a:latin typeface="Diagramm"/>
-                <a:cs typeface="Diagramm"/>
-              </a:rPr>
-              <a:t>T</a:t>
-            </a:r>
-            <a:r>
-              <a:rPr sz="2450" spc="-40" dirty="0">
-                <a:solidFill>
-                  <a:schemeClr val="bg1"/>
-                </a:solidFill>
-                <a:latin typeface="Diagramm"/>
-                <a:cs typeface="Diagramm"/>
-              </a:rPr>
-              <a:t>e</a:t>
-            </a:r>
-            <a:r>
-              <a:rPr sz="2450" spc="-5" dirty="0">
-                <a:solidFill>
-                  <a:schemeClr val="bg1"/>
-                </a:solidFill>
-                <a:latin typeface="Diagramm"/>
-                <a:cs typeface="Diagramm"/>
-              </a:rPr>
-              <a:t>x</a:t>
-            </a:r>
-            <a:r>
-              <a:rPr sz="2450" spc="-90" dirty="0">
-                <a:solidFill>
-                  <a:schemeClr val="bg1"/>
-                </a:solidFill>
-                <a:latin typeface="Diagramm"/>
-                <a:cs typeface="Diagramm"/>
-              </a:rPr>
-              <a:t>t</a:t>
-            </a:r>
-            <a:endParaRPr sz="2450" dirty="0">
-              <a:solidFill>
-                <a:schemeClr val="bg1"/>
-              </a:solidFill>
-              <a:latin typeface="Diagramm"/>
-              <a:cs typeface="Diagramm"/>
+              <a:rPr sz="6600" b="1" spc="-200" dirty="0">
+                <a:latin typeface="Diagramm Bold"/>
+                <a:cs typeface="Diagramm Bold"/>
+              </a:rPr>
+              <a:t>VIDEO/IMAGE</a:t>
+            </a:r>
+            <a:r>
+              <a:rPr sz="6600" b="1" spc="405" dirty="0">
+                <a:latin typeface="Diagramm Bold"/>
+                <a:cs typeface="Diagramm Bold"/>
+              </a:rPr>
+              <a:t> </a:t>
+            </a:r>
+            <a:r>
+              <a:rPr sz="6600" b="1" spc="-204" dirty="0">
+                <a:latin typeface="Diagramm Bold"/>
+                <a:cs typeface="Diagramm Bold"/>
+              </a:rPr>
+              <a:t>FULL</a:t>
+            </a:r>
+            <a:r>
+              <a:rPr sz="6600" b="1" spc="409" dirty="0">
+                <a:latin typeface="Diagramm Bold"/>
+                <a:cs typeface="Diagramm Bold"/>
+              </a:rPr>
+              <a:t> </a:t>
+            </a:r>
+            <a:r>
+              <a:rPr sz="6600" b="1" spc="-225" dirty="0">
+                <a:latin typeface="Diagramm Bold"/>
+                <a:cs typeface="Diagramm Bold"/>
+              </a:rPr>
+              <a:t>SCREEN</a:t>
+            </a:r>
+            <a:endParaRPr sz="6600">
+              <a:latin typeface="Diagramm Bold"/>
+              <a:cs typeface="Diagramm Bold"/>
             </a:endParaRPr>
           </a:p>
         </p:txBody>
@@ -1964,7 +2718,7 @@
             <a:spLocks noGrp="1"/>
           </p:cNvSpPr>
           <p:nvPr>
-            <p:ph type="title"/>
+            <p:ph type="ctrTitle"/>
           </p:nvPr>
         </p:nvSpPr>
         <p:spPr>
@@ -2028,7 +2782,7 @@
 </file>
 
 <file path=ppt/slides/slide13.xml><?xml version="1.0" encoding="utf-8"?>
-<p:sld xmlns:a="http://schemas.openxmlformats.org/drawingml/2006/main" xmlns:r="http://schemas.openxmlformats.org/officeDocument/2006/relationships" xmlns:p="http://schemas.openxmlformats.org/presentationml/2006/main">
+<p:sld xmlns:a="http://schemas.openxmlformats.org/drawingml/2006/main" xmlns:r="http://schemas.openxmlformats.org/officeDocument/2006/relationships" xmlns:p="http://schemas.openxmlformats.org/presentationml/2006/main" showMasterSp="0">
   <p:cSld>
     <p:spTree>
       <p:nvGrpSpPr>
@@ -2068,16 +2822,265 @@
           </a:prstGeom>
         </p:spPr>
       </p:pic>
-      <p:sp>
-        <p:nvSpPr>
+      <p:pic>
+        <p:nvPicPr>
           <p:cNvPr id="3" name="object 3"/>
+          <p:cNvPicPr/>
+          <p:nvPr/>
+        </p:nvPicPr>
+        <p:blipFill>
+          <a:blip r:embed="rId3" cstate="print"/>
+          <a:stretch>
+            <a:fillRect/>
+          </a:stretch>
+        </p:blipFill>
+        <p:spPr>
+          <a:xfrm>
+            <a:off x="6753723" y="3"/>
+            <a:ext cx="13350376" cy="11308549"/>
+          </a:xfrm>
+          <a:prstGeom prst="rect">
+            <a:avLst/>
+          </a:prstGeom>
+        </p:spPr>
+      </p:pic>
+      <p:pic>
+        <p:nvPicPr>
+          <p:cNvPr id="4" name="object 4"/>
+          <p:cNvPicPr/>
+          <p:nvPr/>
+        </p:nvPicPr>
+        <p:blipFill>
+          <a:blip r:embed="rId4" cstate="print"/>
+          <a:stretch>
+            <a:fillRect/>
+          </a:stretch>
+        </p:blipFill>
+        <p:spPr>
+          <a:xfrm>
+            <a:off x="460779" y="8439489"/>
+            <a:ext cx="1350720" cy="1811459"/>
+          </a:xfrm>
+          <a:prstGeom prst="rect">
+            <a:avLst/>
+          </a:prstGeom>
+        </p:spPr>
+      </p:pic>
+      <p:pic>
+        <p:nvPicPr>
+          <p:cNvPr id="5" name="object 5"/>
+          <p:cNvPicPr/>
+          <p:nvPr/>
+        </p:nvPicPr>
+        <p:blipFill>
+          <a:blip r:embed="rId4" cstate="print"/>
+          <a:stretch>
+            <a:fillRect/>
+          </a:stretch>
+        </p:blipFill>
+        <p:spPr>
+          <a:xfrm>
+            <a:off x="1947636" y="8439489"/>
+            <a:ext cx="1350750" cy="1811459"/>
+          </a:xfrm>
+          <a:prstGeom prst="rect">
+            <a:avLst/>
+          </a:prstGeom>
+        </p:spPr>
+      </p:pic>
+      <p:pic>
+        <p:nvPicPr>
+          <p:cNvPr id="6" name="object 6"/>
+          <p:cNvPicPr/>
+          <p:nvPr/>
+        </p:nvPicPr>
+        <p:blipFill>
+          <a:blip r:embed="rId4" cstate="print"/>
+          <a:stretch>
+            <a:fillRect/>
+          </a:stretch>
+        </p:blipFill>
+        <p:spPr>
+          <a:xfrm>
+            <a:off x="3444970" y="8439489"/>
+            <a:ext cx="1350752" cy="1811459"/>
+          </a:xfrm>
+          <a:prstGeom prst="rect">
+            <a:avLst/>
+          </a:prstGeom>
+        </p:spPr>
+      </p:pic>
+      <p:pic>
+        <p:nvPicPr>
+          <p:cNvPr id="7" name="object 7"/>
+          <p:cNvPicPr/>
+          <p:nvPr/>
+        </p:nvPicPr>
+        <p:blipFill>
+          <a:blip r:embed="rId4" cstate="print"/>
+          <a:stretch>
+            <a:fillRect/>
+          </a:stretch>
+        </p:blipFill>
+        <p:spPr>
+          <a:xfrm>
+            <a:off x="4942305" y="8439489"/>
+            <a:ext cx="1350750" cy="1811459"/>
+          </a:xfrm>
+          <a:prstGeom prst="rect">
+            <a:avLst/>
+          </a:prstGeom>
+        </p:spPr>
+      </p:pic>
+      <p:sp>
+        <p:nvSpPr>
+          <p:cNvPr id="8" name="object 8"/>
           <p:cNvSpPr txBox="1"/>
           <p:nvPr/>
         </p:nvSpPr>
         <p:spPr>
           <a:xfrm>
+            <a:off x="381541" y="10580816"/>
+            <a:ext cx="5995035" cy="314960"/>
+          </a:xfrm>
+          <a:prstGeom prst="rect">
+            <a:avLst/>
+          </a:prstGeom>
+        </p:spPr>
+        <p:txBody>
+          <a:bodyPr vert="horz" wrap="square" lIns="0" tIns="12065" rIns="0" bIns="0" rtlCol="0">
+            <a:spAutoFit/>
+          </a:bodyPr>
+          <a:lstStyle/>
+          <a:p>
+            <a:pPr marL="12700">
+              <a:lnSpc>
+                <a:spcPct val="100000"/>
+              </a:lnSpc>
+              <a:spcBef>
+                <a:spcPts val="95"/>
+              </a:spcBef>
+            </a:pPr>
+            <a:r>
+              <a:rPr sz="1900" spc="-5" dirty="0">
+                <a:solidFill>
+                  <a:schemeClr val="bg1"/>
+                </a:solidFill>
+                <a:latin typeface="Diagramm"/>
+                <a:cs typeface="Diagramm"/>
+              </a:rPr>
+              <a:t>COURTINE</a:t>
+            </a:r>
+            <a:r>
+              <a:rPr sz="1900" spc="-10" dirty="0">
+                <a:solidFill>
+                  <a:schemeClr val="bg1"/>
+                </a:solidFill>
+                <a:latin typeface="Diagramm"/>
+                <a:cs typeface="Diagramm"/>
+              </a:rPr>
+              <a:t> </a:t>
+            </a:r>
+            <a:r>
+              <a:rPr sz="1900" spc="-5" dirty="0">
+                <a:solidFill>
+                  <a:schemeClr val="bg1"/>
+                </a:solidFill>
+                <a:latin typeface="Diagramm"/>
+                <a:cs typeface="Diagramm"/>
+              </a:rPr>
+              <a:t>ET AL. </a:t>
+            </a:r>
+            <a:r>
+              <a:rPr sz="1900" dirty="0">
+                <a:solidFill>
+                  <a:schemeClr val="bg1"/>
+                </a:solidFill>
+                <a:latin typeface="Diagramm"/>
+                <a:cs typeface="Diagramm"/>
+              </a:rPr>
+              <a:t>¦</a:t>
+            </a:r>
+            <a:r>
+              <a:rPr sz="1900" spc="-10" dirty="0">
+                <a:solidFill>
+                  <a:schemeClr val="bg1"/>
+                </a:solidFill>
+                <a:latin typeface="Diagramm"/>
+                <a:cs typeface="Diagramm"/>
+              </a:rPr>
+              <a:t> </a:t>
+            </a:r>
+            <a:r>
+              <a:rPr sz="1900" spc="-30" dirty="0">
+                <a:solidFill>
+                  <a:schemeClr val="bg1"/>
+                </a:solidFill>
+                <a:latin typeface="Diagramm"/>
+                <a:cs typeface="Diagramm"/>
+              </a:rPr>
+              <a:t>NATURE</a:t>
+            </a:r>
+            <a:r>
+              <a:rPr sz="1900" spc="-5" dirty="0">
+                <a:solidFill>
+                  <a:schemeClr val="bg1"/>
+                </a:solidFill>
+                <a:latin typeface="Diagramm"/>
+                <a:cs typeface="Diagramm"/>
+              </a:rPr>
+              <a:t> NEUROSCIENCE </a:t>
+            </a:r>
+            <a:r>
+              <a:rPr sz="1900" dirty="0">
+                <a:solidFill>
+                  <a:schemeClr val="bg1"/>
+                </a:solidFill>
+                <a:latin typeface="Diagramm"/>
+                <a:cs typeface="Diagramm"/>
+              </a:rPr>
+              <a:t>¦</a:t>
+            </a:r>
+            <a:r>
+              <a:rPr sz="1900" spc="-10" dirty="0">
+                <a:solidFill>
+                  <a:schemeClr val="bg1"/>
+                </a:solidFill>
+                <a:latin typeface="Diagramm"/>
+                <a:cs typeface="Diagramm"/>
+              </a:rPr>
+              <a:t> </a:t>
+            </a:r>
+            <a:r>
+              <a:rPr sz="1900" spc="-5" dirty="0">
+                <a:solidFill>
+                  <a:schemeClr val="bg1"/>
+                </a:solidFill>
+                <a:latin typeface="Diagramm"/>
+                <a:cs typeface="Diagramm"/>
+              </a:rPr>
+              <a:t>2009</a:t>
+            </a:r>
+            <a:endParaRPr sz="1900" dirty="0">
+              <a:solidFill>
+                <a:schemeClr val="bg1"/>
+              </a:solidFill>
+              <a:latin typeface="Diagramm"/>
+              <a:cs typeface="Diagramm"/>
+            </a:endParaRPr>
+          </a:p>
+        </p:txBody>
+      </p:sp>
+      <p:sp>
+        <p:nvSpPr>
+          <p:cNvPr id="9" name="object 9"/>
+          <p:cNvSpPr txBox="1"/>
+          <p:nvPr/>
+        </p:nvSpPr>
+        <p:spPr>
+          <a:xfrm>
             <a:off x="507192" y="1659609"/>
-            <a:ext cx="636270" cy="402590"/>
+            <a:ext cx="1029969" cy="402590"/>
           </a:xfrm>
           <a:prstGeom prst="rect">
             <a:avLst/>
@@ -2098,7 +3101,7 @@
               </a:spcBef>
             </a:pPr>
             <a:r>
-              <a:rPr sz="2450" spc="-254" dirty="0">
+              <a:rPr sz="2450" spc="15" dirty="0">
                 <a:solidFill>
                   <a:schemeClr val="bg1"/>
                 </a:solidFill>
@@ -2108,34 +3111,24 @@
               <a:t>T</a:t>
             </a:r>
             <a:r>
-              <a:rPr sz="2450" spc="-40" dirty="0">
-                <a:solidFill>
-                  <a:schemeClr val="bg1"/>
-                </a:solidFill>
-                <a:latin typeface="Diagramm"/>
-                <a:cs typeface="Diagramm"/>
-              </a:rPr>
-              <a:t>e</a:t>
-            </a:r>
-            <a:r>
-              <a:rPr sz="2450" spc="-5" dirty="0">
-                <a:solidFill>
-                  <a:schemeClr val="bg1"/>
-                </a:solidFill>
-                <a:latin typeface="Diagramm"/>
-                <a:cs typeface="Diagramm"/>
-              </a:rPr>
-              <a:t>x</a:t>
-            </a:r>
-            <a:r>
-              <a:rPr sz="2450" spc="-90" dirty="0">
-                <a:solidFill>
-                  <a:schemeClr val="bg1"/>
-                </a:solidFill>
-                <a:latin typeface="Diagramm"/>
-                <a:cs typeface="Diagramm"/>
-              </a:rPr>
-              <a:t>t</a:t>
+              <a:rPr sz="2450" spc="20" dirty="0">
+                <a:solidFill>
+                  <a:schemeClr val="bg1"/>
+                </a:solidFill>
+                <a:latin typeface="Diagramm"/>
+                <a:cs typeface="Diagramm"/>
+              </a:rPr>
+              <a:t>E</a:t>
+            </a:r>
+            <a:r>
+              <a:rPr sz="2450" spc="15" dirty="0">
+                <a:solidFill>
+                  <a:schemeClr val="bg1"/>
+                </a:solidFill>
+                <a:latin typeface="Diagramm"/>
+                <a:cs typeface="Diagramm"/>
+              </a:rPr>
+              <a:t>XTE</a:t>
             </a:r>
             <a:endParaRPr sz="2450" dirty="0">
               <a:solidFill>
@@ -2149,7 +3142,96 @@
       </p:sp>
       <p:sp>
         <p:nvSpPr>
-          <p:cNvPr id="4" name="object 4"/>
+          <p:cNvPr id="10" name="object 10"/>
+          <p:cNvSpPr txBox="1"/>
+          <p:nvPr/>
+        </p:nvSpPr>
+        <p:spPr>
+          <a:xfrm>
+            <a:off x="8072676" y="4920431"/>
+            <a:ext cx="10955655" cy="1030605"/>
+          </a:xfrm>
+          <a:prstGeom prst="rect">
+            <a:avLst/>
+          </a:prstGeom>
+        </p:spPr>
+        <p:txBody>
+          <a:bodyPr vert="horz" wrap="square" lIns="0" tIns="12065" rIns="0" bIns="0" rtlCol="0">
+            <a:spAutoFit/>
+          </a:bodyPr>
+          <a:lstStyle/>
+          <a:p>
+            <a:pPr marL="12700">
+              <a:lnSpc>
+                <a:spcPct val="100000"/>
+              </a:lnSpc>
+              <a:spcBef>
+                <a:spcPts val="95"/>
+              </a:spcBef>
+            </a:pPr>
+            <a:r>
+              <a:rPr sz="6600" b="1" spc="-200" dirty="0">
+                <a:solidFill>
+                  <a:schemeClr val="bg1"/>
+                </a:solidFill>
+                <a:latin typeface="Diagramm Bold"/>
+                <a:cs typeface="Diagramm Bold"/>
+              </a:rPr>
+              <a:t>VIDEO/IMAGE</a:t>
+            </a:r>
+            <a:r>
+              <a:rPr sz="6600" b="1" spc="409" dirty="0">
+                <a:solidFill>
+                  <a:schemeClr val="bg1"/>
+                </a:solidFill>
+                <a:latin typeface="Diagramm Bold"/>
+                <a:cs typeface="Diagramm Bold"/>
+              </a:rPr>
+              <a:t> </a:t>
+            </a:r>
+            <a:r>
+              <a:rPr sz="6600" b="1" spc="-195" dirty="0">
+                <a:solidFill>
+                  <a:schemeClr val="bg1"/>
+                </a:solidFill>
+                <a:latin typeface="Diagramm Bold"/>
+                <a:cs typeface="Diagramm Bold"/>
+              </a:rPr>
+              <a:t>2/3</a:t>
+            </a:r>
+            <a:r>
+              <a:rPr sz="6600" b="1" spc="409" dirty="0">
+                <a:solidFill>
+                  <a:schemeClr val="bg1"/>
+                </a:solidFill>
+                <a:latin typeface="Diagramm Bold"/>
+                <a:cs typeface="Diagramm Bold"/>
+              </a:rPr>
+              <a:t> </a:t>
+            </a:r>
+            <a:r>
+              <a:rPr sz="6600" b="1" spc="-225" dirty="0">
+                <a:solidFill>
+                  <a:schemeClr val="bg1"/>
+                </a:solidFill>
+                <a:latin typeface="Diagramm Bold"/>
+                <a:cs typeface="Diagramm Bold"/>
+              </a:rPr>
+              <a:t>SCREEN</a:t>
+            </a:r>
+            <a:endParaRPr sz="6600" dirty="0">
+              <a:solidFill>
+                <a:schemeClr val="bg1"/>
+              </a:solidFill>
+              <a:latin typeface="Diagramm Bold"/>
+              <a:cs typeface="Diagramm Bold"/>
+            </a:endParaRPr>
+          </a:p>
+        </p:txBody>
+      </p:sp>
+      <p:sp>
+        <p:nvSpPr>
+          <p:cNvPr id="11" name="object 11"/>
           <p:cNvSpPr txBox="1">
             <a:spLocks noGrp="1"/>
           </p:cNvSpPr>
@@ -2158,6 +3240,10 @@
           </p:nvPr>
         </p:nvSpPr>
         <p:spPr>
+          <a:xfrm>
+            <a:off x="478701" y="396875"/>
+            <a:ext cx="19118207" cy="1031240"/>
+          </a:xfrm>
           <a:prstGeom prst="rect">
             <a:avLst/>
           </a:prstGeom>
@@ -2218,7 +3304,7 @@
 </file>
 
 <file path=ppt/slides/slide14.xml><?xml version="1.0" encoding="utf-8"?>
-<p:sld xmlns:a="http://schemas.openxmlformats.org/drawingml/2006/main" xmlns:r="http://schemas.openxmlformats.org/officeDocument/2006/relationships" xmlns:p="http://schemas.openxmlformats.org/presentationml/2006/main">
+<p:sld xmlns:a="http://schemas.openxmlformats.org/drawingml/2006/main" xmlns:r="http://schemas.openxmlformats.org/officeDocument/2006/relationships" xmlns:p="http://schemas.openxmlformats.org/presentationml/2006/main" showMasterSp="0">
   <p:cSld>
     <p:spTree>
       <p:nvGrpSpPr>
@@ -2251,23 +3337,425 @@
         <p:spPr>
           <a:xfrm>
             <a:off x="0" y="0"/>
-            <a:ext cx="20104100" cy="11277143"/>
+            <a:ext cx="20104100" cy="11308556"/>
           </a:xfrm>
           <a:prstGeom prst="rect">
             <a:avLst/>
           </a:prstGeom>
         </p:spPr>
       </p:pic>
-      <p:sp>
-        <p:nvSpPr>
+      <p:pic>
+        <p:nvPicPr>
           <p:cNvPr id="3" name="object 3"/>
+          <p:cNvPicPr/>
+          <p:nvPr/>
+        </p:nvPicPr>
+        <p:blipFill>
+          <a:blip r:embed="rId3" cstate="print"/>
+          <a:stretch>
+            <a:fillRect/>
+          </a:stretch>
+        </p:blipFill>
+        <p:spPr>
+          <a:xfrm>
+            <a:off x="575958" y="8439489"/>
+            <a:ext cx="1350720" cy="1811459"/>
+          </a:xfrm>
+          <a:prstGeom prst="rect">
+            <a:avLst/>
+          </a:prstGeom>
+        </p:spPr>
+      </p:pic>
+      <p:pic>
+        <p:nvPicPr>
+          <p:cNvPr id="4" name="object 4"/>
+          <p:cNvPicPr/>
+          <p:nvPr/>
+        </p:nvPicPr>
+        <p:blipFill>
+          <a:blip r:embed="rId3" cstate="print"/>
+          <a:stretch>
+            <a:fillRect/>
+          </a:stretch>
+        </p:blipFill>
+        <p:spPr>
+          <a:xfrm>
+            <a:off x="2062813" y="8439489"/>
+            <a:ext cx="1350750" cy="1811459"/>
+          </a:xfrm>
+          <a:prstGeom prst="rect">
+            <a:avLst/>
+          </a:prstGeom>
+        </p:spPr>
+      </p:pic>
+      <p:pic>
+        <p:nvPicPr>
+          <p:cNvPr id="5" name="object 5"/>
+          <p:cNvPicPr/>
+          <p:nvPr/>
+        </p:nvPicPr>
+        <p:blipFill>
+          <a:blip r:embed="rId3" cstate="print"/>
+          <a:stretch>
+            <a:fillRect/>
+          </a:stretch>
+        </p:blipFill>
+        <p:spPr>
+          <a:xfrm>
+            <a:off x="3560148" y="8439489"/>
+            <a:ext cx="1350750" cy="1811459"/>
+          </a:xfrm>
+          <a:prstGeom prst="rect">
+            <a:avLst/>
+          </a:prstGeom>
+        </p:spPr>
+      </p:pic>
+      <p:pic>
+        <p:nvPicPr>
+          <p:cNvPr id="6" name="object 6"/>
+          <p:cNvPicPr/>
+          <p:nvPr/>
+        </p:nvPicPr>
+        <p:blipFill>
+          <a:blip r:embed="rId3" cstate="print"/>
+          <a:stretch>
+            <a:fillRect/>
+          </a:stretch>
+        </p:blipFill>
+        <p:spPr>
+          <a:xfrm>
+            <a:off x="5057481" y="8439489"/>
+            <a:ext cx="1350752" cy="1811459"/>
+          </a:xfrm>
+          <a:prstGeom prst="rect">
+            <a:avLst/>
+          </a:prstGeom>
+        </p:spPr>
+      </p:pic>
+      <p:pic>
+        <p:nvPicPr>
+          <p:cNvPr id="7" name="object 7"/>
+          <p:cNvPicPr/>
+          <p:nvPr/>
+        </p:nvPicPr>
+        <p:blipFill>
+          <a:blip r:embed="rId3" cstate="print"/>
+          <a:stretch>
+            <a:fillRect/>
+          </a:stretch>
+        </p:blipFill>
+        <p:spPr>
+          <a:xfrm>
+            <a:off x="6554816" y="8439489"/>
+            <a:ext cx="1350752" cy="1811459"/>
+          </a:xfrm>
+          <a:prstGeom prst="rect">
+            <a:avLst/>
+          </a:prstGeom>
+        </p:spPr>
+      </p:pic>
+      <p:pic>
+        <p:nvPicPr>
+          <p:cNvPr id="8" name="object 8"/>
+          <p:cNvPicPr/>
+          <p:nvPr/>
+        </p:nvPicPr>
+        <p:blipFill>
+          <a:blip r:embed="rId3" cstate="print"/>
+          <a:stretch>
+            <a:fillRect/>
+          </a:stretch>
+        </p:blipFill>
+        <p:spPr>
+          <a:xfrm>
+            <a:off x="8052152" y="8439489"/>
+            <a:ext cx="1350750" cy="1811459"/>
+          </a:xfrm>
+          <a:prstGeom prst="rect">
+            <a:avLst/>
+          </a:prstGeom>
+        </p:spPr>
+      </p:pic>
+      <p:sp>
+        <p:nvSpPr>
+          <p:cNvPr id="9" name="object 9"/>
           <p:cNvSpPr txBox="1"/>
           <p:nvPr/>
         </p:nvSpPr>
         <p:spPr>
           <a:xfrm>
-            <a:off x="507192" y="1659609"/>
-            <a:ext cx="636270" cy="402590"/>
+            <a:off x="1983343" y="10570298"/>
+            <a:ext cx="5995035" cy="314960"/>
+          </a:xfrm>
+          <a:prstGeom prst="rect">
+            <a:avLst/>
+          </a:prstGeom>
+        </p:spPr>
+        <p:txBody>
+          <a:bodyPr vert="horz" wrap="square" lIns="0" tIns="12065" rIns="0" bIns="0" rtlCol="0">
+            <a:spAutoFit/>
+          </a:bodyPr>
+          <a:lstStyle/>
+          <a:p>
+            <a:pPr marL="12700">
+              <a:lnSpc>
+                <a:spcPct val="100000"/>
+              </a:lnSpc>
+              <a:spcBef>
+                <a:spcPts val="95"/>
+              </a:spcBef>
+            </a:pPr>
+            <a:r>
+              <a:rPr sz="1900" spc="-5" dirty="0">
+                <a:solidFill>
+                  <a:schemeClr val="bg1"/>
+                </a:solidFill>
+                <a:latin typeface="Diagramm"/>
+                <a:cs typeface="Diagramm"/>
+              </a:rPr>
+              <a:t>COURTINE</a:t>
+            </a:r>
+            <a:r>
+              <a:rPr sz="1900" spc="-10" dirty="0">
+                <a:solidFill>
+                  <a:schemeClr val="bg1"/>
+                </a:solidFill>
+                <a:latin typeface="Diagramm"/>
+                <a:cs typeface="Diagramm"/>
+              </a:rPr>
+              <a:t> </a:t>
+            </a:r>
+            <a:r>
+              <a:rPr sz="1900" spc="-5" dirty="0">
+                <a:solidFill>
+                  <a:schemeClr val="bg1"/>
+                </a:solidFill>
+                <a:latin typeface="Diagramm"/>
+                <a:cs typeface="Diagramm"/>
+              </a:rPr>
+              <a:t>ET AL. </a:t>
+            </a:r>
+            <a:r>
+              <a:rPr sz="1900" dirty="0">
+                <a:solidFill>
+                  <a:schemeClr val="bg1"/>
+                </a:solidFill>
+                <a:latin typeface="Diagramm"/>
+                <a:cs typeface="Diagramm"/>
+              </a:rPr>
+              <a:t>¦</a:t>
+            </a:r>
+            <a:r>
+              <a:rPr sz="1900" spc="-10" dirty="0">
+                <a:solidFill>
+                  <a:schemeClr val="bg1"/>
+                </a:solidFill>
+                <a:latin typeface="Diagramm"/>
+                <a:cs typeface="Diagramm"/>
+              </a:rPr>
+              <a:t> </a:t>
+            </a:r>
+            <a:r>
+              <a:rPr sz="1900" spc="-30" dirty="0">
+                <a:solidFill>
+                  <a:schemeClr val="bg1"/>
+                </a:solidFill>
+                <a:latin typeface="Diagramm"/>
+                <a:cs typeface="Diagramm"/>
+              </a:rPr>
+              <a:t>NATURE</a:t>
+            </a:r>
+            <a:r>
+              <a:rPr sz="1900" spc="-5" dirty="0">
+                <a:solidFill>
+                  <a:schemeClr val="bg1"/>
+                </a:solidFill>
+                <a:latin typeface="Diagramm"/>
+                <a:cs typeface="Diagramm"/>
+              </a:rPr>
+              <a:t> NEUROSCIENCE </a:t>
+            </a:r>
+            <a:r>
+              <a:rPr sz="1900" dirty="0">
+                <a:solidFill>
+                  <a:schemeClr val="bg1"/>
+                </a:solidFill>
+                <a:latin typeface="Diagramm"/>
+                <a:cs typeface="Diagramm"/>
+              </a:rPr>
+              <a:t>¦</a:t>
+            </a:r>
+            <a:r>
+              <a:rPr sz="1900" spc="-10" dirty="0">
+                <a:solidFill>
+                  <a:schemeClr val="bg1"/>
+                </a:solidFill>
+                <a:latin typeface="Diagramm"/>
+                <a:cs typeface="Diagramm"/>
+              </a:rPr>
+              <a:t> </a:t>
+            </a:r>
+            <a:r>
+              <a:rPr sz="1900" spc="-5" dirty="0">
+                <a:solidFill>
+                  <a:schemeClr val="bg1"/>
+                </a:solidFill>
+                <a:latin typeface="Diagramm"/>
+                <a:cs typeface="Diagramm"/>
+              </a:rPr>
+              <a:t>2009</a:t>
+            </a:r>
+            <a:endParaRPr sz="1900" dirty="0">
+              <a:solidFill>
+                <a:schemeClr val="bg1"/>
+              </a:solidFill>
+              <a:latin typeface="Diagramm"/>
+              <a:cs typeface="Diagramm"/>
+            </a:endParaRPr>
+          </a:p>
+        </p:txBody>
+      </p:sp>
+      <p:pic>
+        <p:nvPicPr>
+          <p:cNvPr id="10" name="object 10"/>
+          <p:cNvPicPr/>
+          <p:nvPr/>
+        </p:nvPicPr>
+        <p:blipFill>
+          <a:blip r:embed="rId4" cstate="print"/>
+          <a:stretch>
+            <a:fillRect/>
+          </a:stretch>
+        </p:blipFill>
+        <p:spPr>
+          <a:xfrm>
+            <a:off x="10093918" y="3"/>
+            <a:ext cx="10010181" cy="11308549"/>
+          </a:xfrm>
+          <a:prstGeom prst="rect">
+            <a:avLst/>
+          </a:prstGeom>
+        </p:spPr>
+      </p:pic>
+      <p:sp>
+        <p:nvSpPr>
+          <p:cNvPr id="11" name="object 11"/>
+          <p:cNvSpPr txBox="1"/>
+          <p:nvPr/>
+        </p:nvSpPr>
+        <p:spPr>
+          <a:xfrm>
+            <a:off x="12194899" y="4920431"/>
+            <a:ext cx="5748020" cy="1030605"/>
+          </a:xfrm>
+          <a:prstGeom prst="rect">
+            <a:avLst/>
+          </a:prstGeom>
+        </p:spPr>
+        <p:txBody>
+          <a:bodyPr vert="horz" wrap="square" lIns="0" tIns="12065" rIns="0" bIns="0" rtlCol="0">
+            <a:spAutoFit/>
+          </a:bodyPr>
+          <a:lstStyle/>
+          <a:p>
+            <a:pPr marL="12700">
+              <a:lnSpc>
+                <a:spcPct val="100000"/>
+              </a:lnSpc>
+              <a:spcBef>
+                <a:spcPts val="95"/>
+              </a:spcBef>
+            </a:pPr>
+            <a:r>
+              <a:rPr sz="6600" b="1" spc="-110" dirty="0">
+                <a:solidFill>
+                  <a:schemeClr val="bg1"/>
+                </a:solidFill>
+                <a:latin typeface="Diagramm Bold"/>
+                <a:cs typeface="Diagramm Bold"/>
+              </a:rPr>
+              <a:t>VIDE</a:t>
+            </a:r>
+            <a:r>
+              <a:rPr sz="6600" b="1" spc="-480" dirty="0">
+                <a:solidFill>
+                  <a:schemeClr val="bg1"/>
+                </a:solidFill>
+                <a:latin typeface="Diagramm Bold"/>
+                <a:cs typeface="Diagramm Bold"/>
+              </a:rPr>
+              <a:t>O</a:t>
+            </a:r>
+            <a:r>
+              <a:rPr sz="6600" b="1" spc="25" dirty="0">
+                <a:solidFill>
+                  <a:schemeClr val="bg1"/>
+                </a:solidFill>
+                <a:latin typeface="Diagramm Bold"/>
+                <a:cs typeface="Diagramm Bold"/>
+              </a:rPr>
+              <a:t>/</a:t>
+            </a:r>
+            <a:r>
+              <a:rPr sz="6600" b="1" spc="-135" dirty="0">
+                <a:solidFill>
+                  <a:schemeClr val="bg1"/>
+                </a:solidFill>
+                <a:latin typeface="Diagramm Bold"/>
+                <a:cs typeface="Diagramm Bold"/>
+              </a:rPr>
+              <a:t>IM</a:t>
+            </a:r>
+            <a:r>
+              <a:rPr sz="6600" b="1" spc="-409" dirty="0">
+                <a:solidFill>
+                  <a:schemeClr val="bg1"/>
+                </a:solidFill>
+                <a:latin typeface="Diagramm Bold"/>
+                <a:cs typeface="Diagramm Bold"/>
+              </a:rPr>
+              <a:t>A</a:t>
+            </a:r>
+            <a:r>
+              <a:rPr sz="6600" b="1" spc="-220" dirty="0">
+                <a:solidFill>
+                  <a:schemeClr val="bg1"/>
+                </a:solidFill>
+                <a:latin typeface="Diagramm Bold"/>
+                <a:cs typeface="Diagramm Bold"/>
+              </a:rPr>
+              <a:t>G</a:t>
+            </a:r>
+            <a:r>
+              <a:rPr sz="6600" b="1" spc="-430" dirty="0">
+                <a:solidFill>
+                  <a:schemeClr val="bg1"/>
+                </a:solidFill>
+                <a:latin typeface="Diagramm Bold"/>
+                <a:cs typeface="Diagramm Bold"/>
+              </a:rPr>
+              <a:t>E</a:t>
+            </a:r>
+            <a:endParaRPr sz="6600" dirty="0">
+              <a:solidFill>
+                <a:schemeClr val="bg1"/>
+              </a:solidFill>
+              <a:latin typeface="Diagramm Bold"/>
+              <a:cs typeface="Diagramm Bold"/>
+            </a:endParaRPr>
+          </a:p>
+        </p:txBody>
+      </p:sp>
+      <p:sp>
+        <p:nvSpPr>
+          <p:cNvPr id="12" name="object 12"/>
+          <p:cNvSpPr txBox="1"/>
+          <p:nvPr/>
+        </p:nvSpPr>
+        <p:spPr>
+          <a:xfrm>
+            <a:off x="14017993" y="5820886"/>
+            <a:ext cx="2101850" cy="402590"/>
           </a:xfrm>
           <a:prstGeom prst="rect">
             <a:avLst/>
@@ -2288,49 +3776,48 @@
               </a:spcBef>
             </a:pPr>
             <a:r>
-              <a:rPr sz="2450" spc="-254" dirty="0">
-                <a:latin typeface="Diagramm"/>
-                <a:cs typeface="Diagramm"/>
-              </a:rPr>
-              <a:t>T</a:t>
-            </a:r>
-            <a:r>
-              <a:rPr sz="2450" spc="-40" dirty="0">
-                <a:latin typeface="Diagramm"/>
-                <a:cs typeface="Diagramm"/>
-              </a:rPr>
-              <a:t>e</a:t>
-            </a:r>
-            <a:r>
-              <a:rPr sz="2450" spc="-5" dirty="0">
-                <a:latin typeface="Diagramm"/>
-                <a:cs typeface="Diagramm"/>
-              </a:rPr>
-              <a:t>x</a:t>
-            </a:r>
-            <a:r>
-              <a:rPr sz="2450" spc="-90" dirty="0">
-                <a:latin typeface="Diagramm"/>
-                <a:cs typeface="Diagramm"/>
-              </a:rPr>
-              <a:t>t</a:t>
-            </a:r>
-            <a:endParaRPr sz="2450">
-              <a:latin typeface="Diagramm"/>
-              <a:cs typeface="Diagramm"/>
+              <a:rPr sz="2450" b="1" spc="-70" dirty="0">
+                <a:solidFill>
+                  <a:schemeClr val="bg1"/>
+                </a:solidFill>
+                <a:latin typeface="Diagramm Bold"/>
+                <a:cs typeface="Diagramm Bold"/>
+              </a:rPr>
+              <a:t>(NO</a:t>
+            </a:r>
+            <a:r>
+              <a:rPr sz="2450" b="1" spc="114" dirty="0">
+                <a:solidFill>
+                  <a:schemeClr val="bg1"/>
+                </a:solidFill>
+                <a:latin typeface="Diagramm Bold"/>
+                <a:cs typeface="Diagramm Bold"/>
+              </a:rPr>
+              <a:t> </a:t>
+            </a:r>
+            <a:r>
+              <a:rPr sz="2450" b="1" spc="-55" dirty="0">
+                <a:solidFill>
+                  <a:schemeClr val="bg1"/>
+                </a:solidFill>
+                <a:latin typeface="Diagramm Bold"/>
+                <a:cs typeface="Diagramm Bold"/>
+              </a:rPr>
+              <a:t>BORDER)</a:t>
+            </a:r>
+            <a:endParaRPr sz="2450" dirty="0">
+              <a:solidFill>
+                <a:schemeClr val="bg1"/>
+              </a:solidFill>
+              <a:latin typeface="Diagramm Bold"/>
+              <a:cs typeface="Diagramm Bold"/>
             </a:endParaRPr>
           </a:p>
         </p:txBody>
       </p:sp>
       <p:sp>
         <p:nvSpPr>
-          <p:cNvPr id="7" name="object 4">
-            <a:extLst>
-              <a:ext uri="{FF2B5EF4-FFF2-40B4-BE49-F238E27FC236}">
-                <a16:creationId xmlns:a16="http://schemas.microsoft.com/office/drawing/2014/main" id="{499D3297-56CD-5700-363A-7B6A4F0CB2D9}"/>
-              </a:ext>
-            </a:extLst>
-          </p:cNvPr>
+          <p:cNvPr id="13" name="object 13"/>
           <p:cNvSpPr txBox="1">
             <a:spLocks noGrp="1"/>
           </p:cNvSpPr>
@@ -2339,10 +3826,6 @@
           </p:nvPr>
         </p:nvSpPr>
         <p:spPr>
-          <a:xfrm>
-            <a:off x="492946" y="382194"/>
-            <a:ext cx="19118207" cy="1031240"/>
-          </a:xfrm>
           <a:prstGeom prst="rect">
             <a:avLst/>
           </a:prstGeom>
@@ -2362,19 +3845,103 @@
               </a:spcBef>
             </a:pPr>
             <a:r>
-              <a:rPr lang="en-US" kern="0" spc="-5" dirty="0"/>
+              <a:rPr lang="en-US" kern="0" spc="-5" dirty="0">
+                <a:solidFill>
+                  <a:schemeClr val="bg1"/>
+                </a:solidFill>
+              </a:rPr>
               <a:t>Weighted Least Squares Estimation </a:t>
             </a:r>
             <a:br>
-              <a:rPr lang="en-US" kern="0" spc="-5" dirty="0"/>
+              <a:rPr lang="en-US" kern="0" spc="-5" dirty="0">
+                <a:solidFill>
+                  <a:schemeClr val="bg1"/>
+                </a:solidFill>
+              </a:rPr>
             </a:br>
             <a:r>
-              <a:rPr lang="en-US" b="0" kern="0" spc="-5" dirty="0"/>
+              <a:rPr lang="en-US" b="0" kern="0" spc="-5" dirty="0">
+                <a:solidFill>
+                  <a:schemeClr val="bg1"/>
+                </a:solidFill>
+              </a:rPr>
               <a:t>3D Body Part Trajectories</a:t>
             </a:r>
             <a:endParaRPr lang="en-US" b="0" kern="0" spc="-10" dirty="0">
+              <a:solidFill>
+                <a:schemeClr val="bg1"/>
+              </a:solidFill>
               <a:latin typeface="Diagramm Light"/>
               <a:cs typeface="Diagramm Light"/>
+            </a:endParaRPr>
+          </a:p>
+        </p:txBody>
+      </p:sp>
+      <p:sp>
+        <p:nvSpPr>
+          <p:cNvPr id="14" name="object 14"/>
+          <p:cNvSpPr txBox="1"/>
+          <p:nvPr/>
+        </p:nvSpPr>
+        <p:spPr>
+          <a:xfrm>
+            <a:off x="507192" y="1659609"/>
+            <a:ext cx="1029969" cy="402590"/>
+          </a:xfrm>
+          <a:prstGeom prst="rect">
+            <a:avLst/>
+          </a:prstGeom>
+        </p:spPr>
+        <p:txBody>
+          <a:bodyPr vert="horz" wrap="square" lIns="0" tIns="15240" rIns="0" bIns="0" rtlCol="0">
+            <a:spAutoFit/>
+          </a:bodyPr>
+          <a:lstStyle/>
+          <a:p>
+            <a:pPr marL="12700">
+              <a:lnSpc>
+                <a:spcPct val="100000"/>
+              </a:lnSpc>
+              <a:spcBef>
+                <a:spcPts val="120"/>
+              </a:spcBef>
+            </a:pPr>
+            <a:r>
+              <a:rPr sz="2450" spc="15" dirty="0">
+                <a:solidFill>
+                  <a:schemeClr val="bg1"/>
+                </a:solidFill>
+                <a:latin typeface="Diagramm"/>
+                <a:cs typeface="Diagramm"/>
+              </a:rPr>
+              <a:t>T</a:t>
+            </a:r>
+            <a:r>
+              <a:rPr sz="2450" spc="20" dirty="0">
+                <a:solidFill>
+                  <a:schemeClr val="bg1"/>
+                </a:solidFill>
+                <a:latin typeface="Diagramm"/>
+                <a:cs typeface="Diagramm"/>
+              </a:rPr>
+              <a:t>E</a:t>
+            </a:r>
+            <a:r>
+              <a:rPr sz="2450" spc="15" dirty="0">
+                <a:solidFill>
+                  <a:schemeClr val="bg1"/>
+                </a:solidFill>
+                <a:latin typeface="Diagramm"/>
+                <a:cs typeface="Diagramm"/>
+              </a:rPr>
+              <a:t>XTE</a:t>
+            </a:r>
+            <a:endParaRPr sz="2450" dirty="0">
+              <a:solidFill>
+                <a:schemeClr val="bg1"/>
+              </a:solidFill>
+              <a:latin typeface="Diagramm"/>
+              <a:cs typeface="Diagramm"/>
             </a:endParaRPr>
           </a:p>
         </p:txBody>
@@ -2421,7 +3988,7 @@
         <p:spPr>
           <a:xfrm>
             <a:off x="0" y="0"/>
-            <a:ext cx="20104100" cy="11224789"/>
+            <a:ext cx="20104100" cy="11308556"/>
           </a:xfrm>
           <a:prstGeom prst="rect">
             <a:avLst/>
@@ -2459,6 +4026,9 @@
             </a:pPr>
             <a:r>
               <a:rPr sz="2450" spc="-254" dirty="0">
+                <a:solidFill>
+                  <a:schemeClr val="bg1"/>
+                </a:solidFill>
                 <a:latin typeface="Diagramm"/>
                 <a:cs typeface="Diagramm"/>
               </a:rPr>
@@ -2466,6 +4036,9 @@
             </a:r>
             <a:r>
               <a:rPr sz="2450" spc="-40" dirty="0">
+                <a:solidFill>
+                  <a:schemeClr val="bg1"/>
+                </a:solidFill>
                 <a:latin typeface="Diagramm"/>
                 <a:cs typeface="Diagramm"/>
               </a:rPr>
@@ -2473,6 +4046,9 @@
             </a:r>
             <a:r>
               <a:rPr sz="2450" spc="-5" dirty="0">
+                <a:solidFill>
+                  <a:schemeClr val="bg1"/>
+                </a:solidFill>
                 <a:latin typeface="Diagramm"/>
                 <a:cs typeface="Diagramm"/>
               </a:rPr>
@@ -2480,12 +4056,18 @@
             </a:r>
             <a:r>
               <a:rPr sz="2450" spc="-90" dirty="0">
+                <a:solidFill>
+                  <a:schemeClr val="bg1"/>
+                </a:solidFill>
                 <a:latin typeface="Diagramm"/>
                 <a:cs typeface="Diagramm"/>
               </a:rPr>
               <a:t>t</a:t>
             </a:r>
-            <a:endParaRPr sz="2450">
+            <a:endParaRPr sz="2450" dirty="0">
+              <a:solidFill>
+                <a:schemeClr val="bg1"/>
+              </a:solidFill>
               <a:latin typeface="Diagramm"/>
               <a:cs typeface="Diagramm"/>
             </a:endParaRPr>
@@ -2494,13 +4076,7 @@
       </p:sp>
       <p:sp>
         <p:nvSpPr>
-          <p:cNvPr id="7" name="object 4">
-            <a:extLst>
-              <a:ext uri="{FF2B5EF4-FFF2-40B4-BE49-F238E27FC236}">
-                <a16:creationId xmlns:a16="http://schemas.microsoft.com/office/drawing/2014/main" id="{E522C6E9-4561-7A9E-1DA7-A300F23EFC12}"/>
-              </a:ext>
-            </a:extLst>
-          </p:cNvPr>
+          <p:cNvPr id="4" name="object 4"/>
           <p:cNvSpPr txBox="1">
             <a:spLocks noGrp="1"/>
           </p:cNvSpPr>
@@ -2509,10 +4085,6 @@
           </p:nvPr>
         </p:nvSpPr>
         <p:spPr>
-          <a:xfrm>
-            <a:off x="492946" y="382194"/>
-            <a:ext cx="19118207" cy="1031240"/>
-          </a:xfrm>
           <a:prstGeom prst="rect">
             <a:avLst/>
           </a:prstGeom>
@@ -2532,6 +4104,371 @@
               </a:spcBef>
             </a:pPr>
             <a:r>
+              <a:rPr lang="en-US" kern="0" spc="-5" dirty="0">
+                <a:solidFill>
+                  <a:schemeClr val="bg1"/>
+                </a:solidFill>
+              </a:rPr>
+              <a:t>Weighted Least Squares Estimation </a:t>
+            </a:r>
+            <a:br>
+              <a:rPr lang="en-US" kern="0" spc="-5" dirty="0">
+                <a:solidFill>
+                  <a:schemeClr val="bg1"/>
+                </a:solidFill>
+              </a:rPr>
+            </a:br>
+            <a:r>
+              <a:rPr lang="en-US" b="0" kern="0" spc="-5" dirty="0">
+                <a:solidFill>
+                  <a:schemeClr val="bg1"/>
+                </a:solidFill>
+              </a:rPr>
+              <a:t>3D Body Part Trajectories</a:t>
+            </a:r>
+            <a:endParaRPr lang="en-US" b="0" kern="0" spc="-10" dirty="0">
+              <a:solidFill>
+                <a:schemeClr val="bg1"/>
+              </a:solidFill>
+              <a:latin typeface="Diagramm Light"/>
+              <a:cs typeface="Diagramm Light"/>
+            </a:endParaRPr>
+          </a:p>
+        </p:txBody>
+      </p:sp>
+    </p:spTree>
+  </p:cSld>
+  <p:clrMapOvr>
+    <a:masterClrMapping/>
+  </p:clrMapOvr>
+</p:sld>
+</file>
+
+<file path=ppt/slides/slide16.xml><?xml version="1.0" encoding="utf-8"?>
+<p:sld xmlns:a="http://schemas.openxmlformats.org/drawingml/2006/main" xmlns:r="http://schemas.openxmlformats.org/officeDocument/2006/relationships" xmlns:p="http://schemas.openxmlformats.org/presentationml/2006/main">
+  <p:cSld>
+    <p:spTree>
+      <p:nvGrpSpPr>
+        <p:cNvPr id="1" name=""/>
+        <p:cNvGrpSpPr/>
+        <p:nvPr/>
+      </p:nvGrpSpPr>
+      <p:grpSpPr>
+        <a:xfrm>
+          <a:off x="0" y="0"/>
+          <a:ext cx="0" cy="0"/>
+          <a:chOff x="0" y="0"/>
+          <a:chExt cx="0" cy="0"/>
+        </a:xfrm>
+      </p:grpSpPr>
+      <p:pic>
+        <p:nvPicPr>
+          <p:cNvPr id="2" name="object 2"/>
+          <p:cNvPicPr>
+            <a:picLocks noGrp="1" noRot="1" noMove="1" noResize="1" noEditPoints="1" noAdjustHandles="1" noChangeArrowheads="1" noChangeShapeType="1" noCrop="1"/>
+          </p:cNvPicPr>
+          <p:nvPr/>
+        </p:nvPicPr>
+        <p:blipFill>
+          <a:blip r:embed="rId2" cstate="print"/>
+          <a:stretch>
+            <a:fillRect/>
+          </a:stretch>
+        </p:blipFill>
+        <p:spPr>
+          <a:xfrm>
+            <a:off x="0" y="0"/>
+            <a:ext cx="20104100" cy="11308556"/>
+          </a:xfrm>
+          <a:prstGeom prst="rect">
+            <a:avLst/>
+          </a:prstGeom>
+        </p:spPr>
+      </p:pic>
+      <p:sp>
+        <p:nvSpPr>
+          <p:cNvPr id="3" name="object 3"/>
+          <p:cNvSpPr txBox="1"/>
+          <p:nvPr/>
+        </p:nvSpPr>
+        <p:spPr>
+          <a:xfrm>
+            <a:off x="507192" y="1659609"/>
+            <a:ext cx="636270" cy="402590"/>
+          </a:xfrm>
+          <a:prstGeom prst="rect">
+            <a:avLst/>
+          </a:prstGeom>
+        </p:spPr>
+        <p:txBody>
+          <a:bodyPr vert="horz" wrap="square" lIns="0" tIns="15240" rIns="0" bIns="0" rtlCol="0">
+            <a:spAutoFit/>
+          </a:bodyPr>
+          <a:lstStyle/>
+          <a:p>
+            <a:pPr marL="12700">
+              <a:lnSpc>
+                <a:spcPct val="100000"/>
+              </a:lnSpc>
+              <a:spcBef>
+                <a:spcPts val="120"/>
+              </a:spcBef>
+            </a:pPr>
+            <a:r>
+              <a:rPr sz="2450" spc="-254" dirty="0">
+                <a:solidFill>
+                  <a:schemeClr val="bg1"/>
+                </a:solidFill>
+                <a:latin typeface="Diagramm"/>
+                <a:cs typeface="Diagramm"/>
+              </a:rPr>
+              <a:t>T</a:t>
+            </a:r>
+            <a:r>
+              <a:rPr sz="2450" spc="-40" dirty="0">
+                <a:solidFill>
+                  <a:schemeClr val="bg1"/>
+                </a:solidFill>
+                <a:latin typeface="Diagramm"/>
+                <a:cs typeface="Diagramm"/>
+              </a:rPr>
+              <a:t>e</a:t>
+            </a:r>
+            <a:r>
+              <a:rPr sz="2450" spc="-5" dirty="0">
+                <a:solidFill>
+                  <a:schemeClr val="bg1"/>
+                </a:solidFill>
+                <a:latin typeface="Diagramm"/>
+                <a:cs typeface="Diagramm"/>
+              </a:rPr>
+              <a:t>x</a:t>
+            </a:r>
+            <a:r>
+              <a:rPr sz="2450" spc="-90" dirty="0">
+                <a:solidFill>
+                  <a:schemeClr val="bg1"/>
+                </a:solidFill>
+                <a:latin typeface="Diagramm"/>
+                <a:cs typeface="Diagramm"/>
+              </a:rPr>
+              <a:t>t</a:t>
+            </a:r>
+            <a:endParaRPr sz="2450" dirty="0">
+              <a:solidFill>
+                <a:schemeClr val="bg1"/>
+              </a:solidFill>
+              <a:latin typeface="Diagramm"/>
+              <a:cs typeface="Diagramm"/>
+            </a:endParaRPr>
+          </a:p>
+        </p:txBody>
+      </p:sp>
+      <p:sp>
+        <p:nvSpPr>
+          <p:cNvPr id="4" name="object 4"/>
+          <p:cNvSpPr txBox="1">
+            <a:spLocks noGrp="1"/>
+          </p:cNvSpPr>
+          <p:nvPr>
+            <p:ph type="title"/>
+          </p:nvPr>
+        </p:nvSpPr>
+        <p:spPr>
+          <a:prstGeom prst="rect">
+            <a:avLst/>
+          </a:prstGeom>
+        </p:spPr>
+        <p:txBody>
+          <a:bodyPr vert="horz" wrap="square" lIns="0" tIns="12065" rIns="0" bIns="0" rtlCol="0">
+            <a:spAutoFit/>
+          </a:bodyPr>
+          <a:lstStyle/>
+          <a:p>
+            <a:pPr marL="12799060">
+              <a:lnSpc>
+                <a:spcPts val="3960"/>
+              </a:lnSpc>
+              <a:spcBef>
+                <a:spcPts val="95"/>
+              </a:spcBef>
+            </a:pPr>
+            <a:r>
+              <a:rPr lang="en-US" kern="0" spc="-5" dirty="0">
+                <a:solidFill>
+                  <a:schemeClr val="bg1"/>
+                </a:solidFill>
+              </a:rPr>
+              <a:t>Weighted Least Squares Estimation </a:t>
+            </a:r>
+            <a:br>
+              <a:rPr lang="en-US" kern="0" spc="-5" dirty="0">
+                <a:solidFill>
+                  <a:schemeClr val="bg1"/>
+                </a:solidFill>
+              </a:rPr>
+            </a:br>
+            <a:r>
+              <a:rPr lang="en-US" b="0" kern="0" spc="-5" dirty="0">
+                <a:solidFill>
+                  <a:schemeClr val="bg1"/>
+                </a:solidFill>
+              </a:rPr>
+              <a:t>3D Body Part Trajectories</a:t>
+            </a:r>
+            <a:endParaRPr lang="en-US" b="0" kern="0" spc="-10" dirty="0">
+              <a:solidFill>
+                <a:schemeClr val="bg1"/>
+              </a:solidFill>
+              <a:latin typeface="Diagramm Light"/>
+              <a:cs typeface="Diagramm Light"/>
+            </a:endParaRPr>
+          </a:p>
+        </p:txBody>
+      </p:sp>
+    </p:spTree>
+  </p:cSld>
+  <p:clrMapOvr>
+    <a:masterClrMapping/>
+  </p:clrMapOvr>
+</p:sld>
+</file>
+
+<file path=ppt/slides/slide17.xml><?xml version="1.0" encoding="utf-8"?>
+<p:sld xmlns:a="http://schemas.openxmlformats.org/drawingml/2006/main" xmlns:r="http://schemas.openxmlformats.org/officeDocument/2006/relationships" xmlns:p="http://schemas.openxmlformats.org/presentationml/2006/main">
+  <p:cSld>
+    <p:spTree>
+      <p:nvGrpSpPr>
+        <p:cNvPr id="1" name=""/>
+        <p:cNvGrpSpPr/>
+        <p:nvPr/>
+      </p:nvGrpSpPr>
+      <p:grpSpPr>
+        <a:xfrm>
+          <a:off x="0" y="0"/>
+          <a:ext cx="0" cy="0"/>
+          <a:chOff x="0" y="0"/>
+          <a:chExt cx="0" cy="0"/>
+        </a:xfrm>
+      </p:grpSpPr>
+      <p:pic>
+        <p:nvPicPr>
+          <p:cNvPr id="2" name="object 2"/>
+          <p:cNvPicPr>
+            <a:picLocks noGrp="1" noRot="1" noMove="1" noResize="1" noEditPoints="1" noAdjustHandles="1" noChangeArrowheads="1" noChangeShapeType="1" noCrop="1"/>
+          </p:cNvPicPr>
+          <p:nvPr/>
+        </p:nvPicPr>
+        <p:blipFill>
+          <a:blip r:embed="rId2" cstate="print"/>
+          <a:stretch>
+            <a:fillRect/>
+          </a:stretch>
+        </p:blipFill>
+        <p:spPr>
+          <a:xfrm>
+            <a:off x="0" y="0"/>
+            <a:ext cx="20104100" cy="11308556"/>
+          </a:xfrm>
+          <a:prstGeom prst="rect">
+            <a:avLst/>
+          </a:prstGeom>
+        </p:spPr>
+      </p:pic>
+      <p:sp>
+        <p:nvSpPr>
+          <p:cNvPr id="3" name="object 3"/>
+          <p:cNvSpPr txBox="1"/>
+          <p:nvPr/>
+        </p:nvSpPr>
+        <p:spPr>
+          <a:xfrm>
+            <a:off x="507192" y="1659609"/>
+            <a:ext cx="636270" cy="402590"/>
+          </a:xfrm>
+          <a:prstGeom prst="rect">
+            <a:avLst/>
+          </a:prstGeom>
+        </p:spPr>
+        <p:txBody>
+          <a:bodyPr vert="horz" wrap="square" lIns="0" tIns="15240" rIns="0" bIns="0" rtlCol="0">
+            <a:spAutoFit/>
+          </a:bodyPr>
+          <a:lstStyle/>
+          <a:p>
+            <a:pPr marL="12700">
+              <a:lnSpc>
+                <a:spcPct val="100000"/>
+              </a:lnSpc>
+              <a:spcBef>
+                <a:spcPts val="120"/>
+              </a:spcBef>
+            </a:pPr>
+            <a:r>
+              <a:rPr sz="2450" spc="-254" dirty="0">
+                <a:latin typeface="Diagramm"/>
+                <a:cs typeface="Diagramm"/>
+              </a:rPr>
+              <a:t>T</a:t>
+            </a:r>
+            <a:r>
+              <a:rPr sz="2450" spc="-40" dirty="0">
+                <a:latin typeface="Diagramm"/>
+                <a:cs typeface="Diagramm"/>
+              </a:rPr>
+              <a:t>e</a:t>
+            </a:r>
+            <a:r>
+              <a:rPr sz="2450" spc="-5" dirty="0">
+                <a:latin typeface="Diagramm"/>
+                <a:cs typeface="Diagramm"/>
+              </a:rPr>
+              <a:t>x</a:t>
+            </a:r>
+            <a:r>
+              <a:rPr sz="2450" spc="-90" dirty="0">
+                <a:latin typeface="Diagramm"/>
+                <a:cs typeface="Diagramm"/>
+              </a:rPr>
+              <a:t>t</a:t>
+            </a:r>
+            <a:endParaRPr sz="2450">
+              <a:latin typeface="Diagramm"/>
+              <a:cs typeface="Diagramm"/>
+            </a:endParaRPr>
+          </a:p>
+        </p:txBody>
+      </p:sp>
+      <p:sp>
+        <p:nvSpPr>
+          <p:cNvPr id="4" name="object 4"/>
+          <p:cNvSpPr txBox="1">
+            <a:spLocks noGrp="1"/>
+          </p:cNvSpPr>
+          <p:nvPr>
+            <p:ph type="title"/>
+          </p:nvPr>
+        </p:nvSpPr>
+        <p:spPr>
+          <a:prstGeom prst="rect">
+            <a:avLst/>
+          </a:prstGeom>
+        </p:spPr>
+        <p:txBody>
+          <a:bodyPr vert="horz" wrap="square" lIns="0" tIns="12065" rIns="0" bIns="0" rtlCol="0">
+            <a:spAutoFit/>
+          </a:bodyPr>
+          <a:lstStyle/>
+          <a:p>
+            <a:pPr marL="12799060">
+              <a:lnSpc>
+                <a:spcPts val="3960"/>
+              </a:lnSpc>
+              <a:spcBef>
+                <a:spcPts val="95"/>
+              </a:spcBef>
+            </a:pPr>
+            <a:r>
               <a:rPr lang="en-US" kern="0" spc="-5" dirty="0"/>
               <a:t>Weighted Least Squares Estimation </a:t>
             </a:r>
@@ -2543,6 +4480,356 @@
               <a:t>3D Body Part Trajectories</a:t>
             </a:r>
             <a:endParaRPr lang="en-US" b="0" kern="0" spc="-10" dirty="0">
+              <a:latin typeface="Diagramm Light"/>
+              <a:cs typeface="Diagramm Light"/>
+            </a:endParaRPr>
+          </a:p>
+        </p:txBody>
+      </p:sp>
+    </p:spTree>
+  </p:cSld>
+  <p:clrMapOvr>
+    <a:masterClrMapping/>
+  </p:clrMapOvr>
+</p:sld>
+</file>
+
+<file path=ppt/slides/slide18.xml><?xml version="1.0" encoding="utf-8"?>
+<p:sld xmlns:a="http://schemas.openxmlformats.org/drawingml/2006/main" xmlns:r="http://schemas.openxmlformats.org/officeDocument/2006/relationships" xmlns:p="http://schemas.openxmlformats.org/presentationml/2006/main">
+  <p:cSld>
+    <p:spTree>
+      <p:nvGrpSpPr>
+        <p:cNvPr id="1" name=""/>
+        <p:cNvGrpSpPr/>
+        <p:nvPr/>
+      </p:nvGrpSpPr>
+      <p:grpSpPr>
+        <a:xfrm>
+          <a:off x="0" y="0"/>
+          <a:ext cx="0" cy="0"/>
+          <a:chOff x="0" y="0"/>
+          <a:chExt cx="0" cy="0"/>
+        </a:xfrm>
+      </p:grpSpPr>
+      <p:pic>
+        <p:nvPicPr>
+          <p:cNvPr id="2" name="object 2"/>
+          <p:cNvPicPr>
+            <a:picLocks noGrp="1" noRot="1" noMove="1" noResize="1" noEditPoints="1" noAdjustHandles="1" noChangeArrowheads="1" noChangeShapeType="1" noCrop="1"/>
+          </p:cNvPicPr>
+          <p:nvPr/>
+        </p:nvPicPr>
+        <p:blipFill>
+          <a:blip r:embed="rId2" cstate="print"/>
+          <a:stretch>
+            <a:fillRect/>
+          </a:stretch>
+        </p:blipFill>
+        <p:spPr>
+          <a:xfrm>
+            <a:off x="0" y="0"/>
+            <a:ext cx="20104100" cy="11308556"/>
+          </a:xfrm>
+          <a:prstGeom prst="rect">
+            <a:avLst/>
+          </a:prstGeom>
+        </p:spPr>
+      </p:pic>
+      <p:sp>
+        <p:nvSpPr>
+          <p:cNvPr id="3" name="object 3"/>
+          <p:cNvSpPr txBox="1"/>
+          <p:nvPr/>
+        </p:nvSpPr>
+        <p:spPr>
+          <a:xfrm>
+            <a:off x="507192" y="1659609"/>
+            <a:ext cx="636270" cy="402590"/>
+          </a:xfrm>
+          <a:prstGeom prst="rect">
+            <a:avLst/>
+          </a:prstGeom>
+        </p:spPr>
+        <p:txBody>
+          <a:bodyPr vert="horz" wrap="square" lIns="0" tIns="15240" rIns="0" bIns="0" rtlCol="0">
+            <a:spAutoFit/>
+          </a:bodyPr>
+          <a:lstStyle/>
+          <a:p>
+            <a:pPr marL="12700">
+              <a:lnSpc>
+                <a:spcPct val="100000"/>
+              </a:lnSpc>
+              <a:spcBef>
+                <a:spcPts val="120"/>
+              </a:spcBef>
+            </a:pPr>
+            <a:r>
+              <a:rPr sz="2450" spc="-254" dirty="0">
+                <a:latin typeface="Diagramm"/>
+                <a:cs typeface="Diagramm"/>
+              </a:rPr>
+              <a:t>T</a:t>
+            </a:r>
+            <a:r>
+              <a:rPr sz="2450" spc="-40" dirty="0">
+                <a:latin typeface="Diagramm"/>
+                <a:cs typeface="Diagramm"/>
+              </a:rPr>
+              <a:t>e</a:t>
+            </a:r>
+            <a:r>
+              <a:rPr sz="2450" spc="-5" dirty="0">
+                <a:latin typeface="Diagramm"/>
+                <a:cs typeface="Diagramm"/>
+              </a:rPr>
+              <a:t>x</a:t>
+            </a:r>
+            <a:r>
+              <a:rPr sz="2450" spc="-90" dirty="0">
+                <a:latin typeface="Diagramm"/>
+                <a:cs typeface="Diagramm"/>
+              </a:rPr>
+              <a:t>t</a:t>
+            </a:r>
+            <a:endParaRPr sz="2450">
+              <a:latin typeface="Diagramm"/>
+              <a:cs typeface="Diagramm"/>
+            </a:endParaRPr>
+          </a:p>
+        </p:txBody>
+      </p:sp>
+      <p:sp>
+        <p:nvSpPr>
+          <p:cNvPr id="4" name="object 4"/>
+          <p:cNvSpPr txBox="1">
+            <a:spLocks noGrp="1"/>
+          </p:cNvSpPr>
+          <p:nvPr>
+            <p:ph type="title"/>
+          </p:nvPr>
+        </p:nvSpPr>
+        <p:spPr>
+          <a:prstGeom prst="rect">
+            <a:avLst/>
+          </a:prstGeom>
+        </p:spPr>
+        <p:txBody>
+          <a:bodyPr vert="horz" wrap="square" lIns="0" tIns="12065" rIns="0" bIns="0" rtlCol="0">
+            <a:spAutoFit/>
+          </a:bodyPr>
+          <a:lstStyle/>
+          <a:p>
+            <a:pPr marL="12799060">
+              <a:lnSpc>
+                <a:spcPts val="3960"/>
+              </a:lnSpc>
+              <a:spcBef>
+                <a:spcPts val="95"/>
+              </a:spcBef>
+            </a:pPr>
+            <a:r>
+              <a:rPr lang="en-US" kern="0" spc="-5" dirty="0"/>
+              <a:t>Weighted Least Squares Estimation </a:t>
+            </a:r>
+            <a:br>
+              <a:rPr lang="en-US" kern="0" spc="-5" dirty="0"/>
+            </a:br>
+            <a:r>
+              <a:rPr lang="en-US" b="0" kern="0" spc="-5" dirty="0"/>
+              <a:t>3D Body Part Trajectories</a:t>
+            </a:r>
+            <a:endParaRPr lang="en-US" b="0" kern="0" spc="-10" dirty="0">
+              <a:latin typeface="Diagramm Light"/>
+              <a:cs typeface="Diagramm Light"/>
+            </a:endParaRPr>
+          </a:p>
+        </p:txBody>
+      </p:sp>
+    </p:spTree>
+  </p:cSld>
+  <p:clrMapOvr>
+    <a:masterClrMapping/>
+  </p:clrMapOvr>
+</p:sld>
+</file>
+
+<file path=ppt/slides/slide19.xml><?xml version="1.0" encoding="utf-8"?>
+<p:sld xmlns:a="http://schemas.openxmlformats.org/drawingml/2006/main" xmlns:r="http://schemas.openxmlformats.org/officeDocument/2006/relationships" xmlns:p="http://schemas.openxmlformats.org/presentationml/2006/main">
+  <p:cSld>
+    <p:spTree>
+      <p:nvGrpSpPr>
+        <p:cNvPr id="1" name=""/>
+        <p:cNvGrpSpPr/>
+        <p:nvPr/>
+      </p:nvGrpSpPr>
+      <p:grpSpPr>
+        <a:xfrm>
+          <a:off x="0" y="0"/>
+          <a:ext cx="0" cy="0"/>
+          <a:chOff x="0" y="0"/>
+          <a:chExt cx="0" cy="0"/>
+        </a:xfrm>
+      </p:grpSpPr>
+      <p:pic>
+        <p:nvPicPr>
+          <p:cNvPr id="2" name="object 2"/>
+          <p:cNvPicPr>
+            <a:picLocks noGrp="1" noRot="1" noMove="1" noResize="1" noEditPoints="1" noAdjustHandles="1" noChangeArrowheads="1" noChangeShapeType="1" noCrop="1"/>
+          </p:cNvPicPr>
+          <p:nvPr/>
+        </p:nvPicPr>
+        <p:blipFill>
+          <a:blip r:embed="rId2" cstate="print"/>
+          <a:stretch>
+            <a:fillRect/>
+          </a:stretch>
+        </p:blipFill>
+        <p:spPr>
+          <a:xfrm>
+            <a:off x="0" y="0"/>
+            <a:ext cx="20104100" cy="11308556"/>
+          </a:xfrm>
+          <a:prstGeom prst="rect">
+            <a:avLst/>
+          </a:prstGeom>
+        </p:spPr>
+      </p:pic>
+      <p:sp>
+        <p:nvSpPr>
+          <p:cNvPr id="3" name="object 3"/>
+          <p:cNvSpPr txBox="1"/>
+          <p:nvPr/>
+        </p:nvSpPr>
+        <p:spPr>
+          <a:xfrm>
+            <a:off x="507192" y="1659609"/>
+            <a:ext cx="636270" cy="402590"/>
+          </a:xfrm>
+          <a:prstGeom prst="rect">
+            <a:avLst/>
+          </a:prstGeom>
+        </p:spPr>
+        <p:txBody>
+          <a:bodyPr vert="horz" wrap="square" lIns="0" tIns="15240" rIns="0" bIns="0" rtlCol="0">
+            <a:spAutoFit/>
+          </a:bodyPr>
+          <a:lstStyle/>
+          <a:p>
+            <a:pPr marL="12700">
+              <a:lnSpc>
+                <a:spcPct val="100000"/>
+              </a:lnSpc>
+              <a:spcBef>
+                <a:spcPts val="120"/>
+              </a:spcBef>
+            </a:pPr>
+            <a:r>
+              <a:rPr sz="2450" spc="-254" dirty="0">
+                <a:solidFill>
+                  <a:schemeClr val="bg1"/>
+                </a:solidFill>
+                <a:latin typeface="Diagramm"/>
+                <a:cs typeface="Diagramm"/>
+              </a:rPr>
+              <a:t>T</a:t>
+            </a:r>
+            <a:r>
+              <a:rPr sz="2450" spc="-40" dirty="0">
+                <a:solidFill>
+                  <a:schemeClr val="bg1"/>
+                </a:solidFill>
+                <a:latin typeface="Diagramm"/>
+                <a:cs typeface="Diagramm"/>
+              </a:rPr>
+              <a:t>e</a:t>
+            </a:r>
+            <a:r>
+              <a:rPr sz="2450" spc="-5" dirty="0">
+                <a:solidFill>
+                  <a:schemeClr val="bg1"/>
+                </a:solidFill>
+                <a:latin typeface="Diagramm"/>
+                <a:cs typeface="Diagramm"/>
+              </a:rPr>
+              <a:t>x</a:t>
+            </a:r>
+            <a:r>
+              <a:rPr sz="2450" spc="-90" dirty="0">
+                <a:solidFill>
+                  <a:schemeClr val="bg1"/>
+                </a:solidFill>
+                <a:latin typeface="Diagramm"/>
+                <a:cs typeface="Diagramm"/>
+              </a:rPr>
+              <a:t>t</a:t>
+            </a:r>
+            <a:endParaRPr sz="2450" dirty="0">
+              <a:solidFill>
+                <a:schemeClr val="bg1"/>
+              </a:solidFill>
+              <a:latin typeface="Diagramm"/>
+              <a:cs typeface="Diagramm"/>
+            </a:endParaRPr>
+          </a:p>
+        </p:txBody>
+      </p:sp>
+      <p:sp>
+        <p:nvSpPr>
+          <p:cNvPr id="4" name="object 4"/>
+          <p:cNvSpPr txBox="1">
+            <a:spLocks noGrp="1"/>
+          </p:cNvSpPr>
+          <p:nvPr>
+            <p:ph type="title"/>
+          </p:nvPr>
+        </p:nvSpPr>
+        <p:spPr>
+          <a:prstGeom prst="rect">
+            <a:avLst/>
+          </a:prstGeom>
+        </p:spPr>
+        <p:txBody>
+          <a:bodyPr vert="horz" wrap="square" lIns="0" tIns="12065" rIns="0" bIns="0" rtlCol="0">
+            <a:spAutoFit/>
+          </a:bodyPr>
+          <a:lstStyle/>
+          <a:p>
+            <a:pPr marL="12799060">
+              <a:lnSpc>
+                <a:spcPts val="3960"/>
+              </a:lnSpc>
+              <a:spcBef>
+                <a:spcPts val="95"/>
+              </a:spcBef>
+            </a:pPr>
+            <a:r>
+              <a:rPr lang="en-US" kern="0" spc="-5" dirty="0">
+                <a:solidFill>
+                  <a:schemeClr val="bg1"/>
+                </a:solidFill>
+              </a:rPr>
+              <a:t>Weighted Least Squares Estimation </a:t>
+            </a:r>
+            <a:br>
+              <a:rPr lang="en-US" kern="0" spc="-5" dirty="0">
+                <a:solidFill>
+                  <a:schemeClr val="bg1"/>
+                </a:solidFill>
+              </a:rPr>
+            </a:br>
+            <a:r>
+              <a:rPr lang="en-US" b="0" kern="0" spc="-5" dirty="0">
+                <a:solidFill>
+                  <a:schemeClr val="bg1"/>
+                </a:solidFill>
+              </a:rPr>
+              <a:t>3D Body Part Trajectories</a:t>
+            </a:r>
+            <a:endParaRPr lang="en-US" b="0" kern="0" spc="-10" dirty="0">
+              <a:solidFill>
+                <a:schemeClr val="bg1"/>
+              </a:solidFill>
               <a:latin typeface="Diagramm Light"/>
               <a:cs typeface="Diagramm Light"/>
             </a:endParaRPr>
@@ -2619,7 +4906,7 @@
           </a:bodyPr>
           <a:lstStyle/>
           <a:p>
-            <a:pPr marL="12700">
+            <a:pPr marL="12700" algn="ctr">
               <a:lnSpc>
                 <a:spcPct val="100000"/>
               </a:lnSpc>
@@ -2628,56 +4915,16 @@
               </a:spcBef>
             </a:pPr>
             <a:r>
-              <a:rPr sz="6600" b="1" spc="-195" dirty="0">
+              <a:rPr lang="en-US" sz="6600" b="1" dirty="0">
                 <a:solidFill>
                   <a:schemeClr val="bg1"/>
                 </a:solidFill>
                 <a:latin typeface="Diagramm Bold"/>
                 <a:cs typeface="Diagramm Bold"/>
               </a:rPr>
-              <a:t>VIDEO/IMAGES</a:t>
-            </a:r>
-            <a:r>
-              <a:rPr sz="6600" b="1" spc="405" dirty="0">
-                <a:solidFill>
-                  <a:schemeClr val="bg1"/>
-                </a:solidFill>
-                <a:latin typeface="Diagramm Bold"/>
-                <a:cs typeface="Diagramm Bold"/>
-              </a:rPr>
-              <a:t> </a:t>
-            </a:r>
-            <a:r>
-              <a:rPr sz="6600" b="1" spc="-204" dirty="0">
-                <a:solidFill>
-                  <a:schemeClr val="bg1"/>
-                </a:solidFill>
-                <a:latin typeface="Diagramm Bold"/>
-                <a:cs typeface="Diagramm Bold"/>
-              </a:rPr>
-              <a:t>FULL</a:t>
-            </a:r>
-            <a:r>
-              <a:rPr sz="6600" b="1" spc="409" dirty="0">
-                <a:solidFill>
-                  <a:schemeClr val="bg1"/>
-                </a:solidFill>
-                <a:latin typeface="Diagramm Bold"/>
-                <a:cs typeface="Diagramm Bold"/>
-              </a:rPr>
-              <a:t> </a:t>
-            </a:r>
-            <a:r>
-              <a:rPr sz="6600" b="1" spc="-225" dirty="0">
-                <a:solidFill>
-                  <a:schemeClr val="bg1"/>
-                </a:solidFill>
-                <a:latin typeface="Diagramm Bold"/>
-                <a:cs typeface="Diagramm Bold"/>
-              </a:rPr>
-              <a:t>SCREEN</a:t>
-            </a:r>
-            <a:endParaRPr sz="6600" dirty="0">
+              <a:t>FORMULAS</a:t>
+            </a:r>
+            <a:endParaRPr sz="6600" b="1" dirty="0">
               <a:solidFill>
                 <a:schemeClr val="bg1"/>
               </a:solidFill>
@@ -2761,8 +5008,8 @@
 </p:sld>
 </file>
 
-<file path=ppt/slides/slide3.xml><?xml version="1.0" encoding="utf-8"?>
-<p:sld xmlns:a="http://schemas.openxmlformats.org/drawingml/2006/main" xmlns:r="http://schemas.openxmlformats.org/officeDocument/2006/relationships" xmlns:p="http://schemas.openxmlformats.org/presentationml/2006/main" showMasterSp="0">
+<file path=ppt/slides/slide20.xml><?xml version="1.0" encoding="utf-8"?>
+<p:sld xmlns:a="http://schemas.openxmlformats.org/drawingml/2006/main" xmlns:r="http://schemas.openxmlformats.org/officeDocument/2006/relationships" xmlns:p="http://schemas.openxmlformats.org/presentationml/2006/main">
   <p:cSld>
     <p:spTree>
       <p:nvGrpSpPr>
@@ -2786,225 +5033,32 @@
           </p:cNvPicPr>
           <p:nvPr/>
         </p:nvPicPr>
-        <p:blipFill rotWithShape="1">
+        <p:blipFill>
           <a:blip r:embed="rId2" cstate="print"/>
-          <a:srcRect r="353"/>
-          <a:stretch/>
-        </p:blipFill>
-        <p:spPr>
-          <a:xfrm>
-            <a:off x="37915" y="30116"/>
-            <a:ext cx="20032941" cy="11251966"/>
-          </a:xfrm>
-          <a:prstGeom prst="rect">
-            <a:avLst/>
-          </a:prstGeom>
-        </p:spPr>
-      </p:pic>
-      <p:pic>
-        <p:nvPicPr>
-          <p:cNvPr id="3" name="object 3"/>
-          <p:cNvPicPr/>
-          <p:nvPr/>
-        </p:nvPicPr>
-        <p:blipFill>
-          <a:blip r:embed="rId3" cstate="print"/>
           <a:stretch>
             <a:fillRect/>
           </a:stretch>
         </p:blipFill>
         <p:spPr>
           <a:xfrm>
-            <a:off x="460779" y="8439489"/>
-            <a:ext cx="1350720" cy="1811459"/>
+            <a:off x="0" y="0"/>
+            <a:ext cx="20104100" cy="11308556"/>
           </a:xfrm>
           <a:prstGeom prst="rect">
             <a:avLst/>
           </a:prstGeom>
         </p:spPr>
       </p:pic>
-      <p:pic>
-        <p:nvPicPr>
-          <p:cNvPr id="4" name="object 4"/>
-          <p:cNvPicPr/>
-          <p:nvPr/>
-        </p:nvPicPr>
-        <p:blipFill>
-          <a:blip r:embed="rId3" cstate="print"/>
-          <a:stretch>
-            <a:fillRect/>
-          </a:stretch>
-        </p:blipFill>
-        <p:spPr>
-          <a:xfrm>
-            <a:off x="1947636" y="8439489"/>
-            <a:ext cx="1350750" cy="1811459"/>
-          </a:xfrm>
-          <a:prstGeom prst="rect">
-            <a:avLst/>
-          </a:prstGeom>
-        </p:spPr>
-      </p:pic>
-      <p:pic>
-        <p:nvPicPr>
-          <p:cNvPr id="5" name="object 5"/>
-          <p:cNvPicPr/>
-          <p:nvPr/>
-        </p:nvPicPr>
-        <p:blipFill>
-          <a:blip r:embed="rId3" cstate="print"/>
-          <a:stretch>
-            <a:fillRect/>
-          </a:stretch>
-        </p:blipFill>
-        <p:spPr>
-          <a:xfrm>
-            <a:off x="3444970" y="8439489"/>
-            <a:ext cx="1350752" cy="1811459"/>
-          </a:xfrm>
-          <a:prstGeom prst="rect">
-            <a:avLst/>
-          </a:prstGeom>
-        </p:spPr>
-      </p:pic>
-      <p:pic>
-        <p:nvPicPr>
-          <p:cNvPr id="6" name="object 6"/>
-          <p:cNvPicPr/>
-          <p:nvPr/>
-        </p:nvPicPr>
-        <p:blipFill>
-          <a:blip r:embed="rId3" cstate="print"/>
-          <a:stretch>
-            <a:fillRect/>
-          </a:stretch>
-        </p:blipFill>
-        <p:spPr>
-          <a:xfrm>
-            <a:off x="4942305" y="8439489"/>
-            <a:ext cx="1350750" cy="1811459"/>
-          </a:xfrm>
-          <a:prstGeom prst="rect">
-            <a:avLst/>
-          </a:prstGeom>
-        </p:spPr>
-      </p:pic>
-      <p:sp>
-        <p:nvSpPr>
-          <p:cNvPr id="8" name="object 8"/>
+      <p:sp>
+        <p:nvSpPr>
+          <p:cNvPr id="3" name="object 3"/>
           <p:cNvSpPr txBox="1"/>
           <p:nvPr/>
         </p:nvSpPr>
         <p:spPr>
           <a:xfrm>
-            <a:off x="381541" y="10580816"/>
-            <a:ext cx="5995035" cy="314960"/>
-          </a:xfrm>
-          <a:prstGeom prst="rect">
-            <a:avLst/>
-          </a:prstGeom>
-        </p:spPr>
-        <p:txBody>
-          <a:bodyPr vert="horz" wrap="square" lIns="0" tIns="12065" rIns="0" bIns="0" rtlCol="0">
-            <a:spAutoFit/>
-          </a:bodyPr>
-          <a:lstStyle/>
-          <a:p>
-            <a:pPr marL="12700">
-              <a:lnSpc>
-                <a:spcPct val="100000"/>
-              </a:lnSpc>
-              <a:spcBef>
-                <a:spcPts val="95"/>
-              </a:spcBef>
-            </a:pPr>
-            <a:r>
-              <a:rPr sz="1900" spc="-5" dirty="0">
-                <a:latin typeface="Diagramm"/>
-                <a:cs typeface="Diagramm"/>
-              </a:rPr>
-              <a:t>COURTINE</a:t>
-            </a:r>
-            <a:r>
-              <a:rPr sz="1900" spc="-10" dirty="0">
-                <a:latin typeface="Diagramm"/>
-                <a:cs typeface="Diagramm"/>
-              </a:rPr>
-              <a:t> </a:t>
-            </a:r>
-            <a:r>
-              <a:rPr sz="1900" spc="-5" dirty="0">
-                <a:latin typeface="Diagramm"/>
-                <a:cs typeface="Diagramm"/>
-              </a:rPr>
-              <a:t>ET AL. </a:t>
-            </a:r>
-            <a:r>
-              <a:rPr sz="1900" dirty="0">
-                <a:latin typeface="Diagramm"/>
-                <a:cs typeface="Diagramm"/>
-              </a:rPr>
-              <a:t>¦</a:t>
-            </a:r>
-            <a:r>
-              <a:rPr sz="1900" spc="-10" dirty="0">
-                <a:latin typeface="Diagramm"/>
-                <a:cs typeface="Diagramm"/>
-              </a:rPr>
-              <a:t> </a:t>
-            </a:r>
-            <a:r>
-              <a:rPr sz="1900" spc="-30" dirty="0">
-                <a:latin typeface="Diagramm"/>
-                <a:cs typeface="Diagramm"/>
-              </a:rPr>
-              <a:t>NATURE</a:t>
-            </a:r>
-            <a:r>
-              <a:rPr sz="1900" spc="-5" dirty="0">
-                <a:latin typeface="Diagramm"/>
-                <a:cs typeface="Diagramm"/>
-              </a:rPr>
-              <a:t> NEUROSCIENCE </a:t>
-            </a:r>
-            <a:r>
-              <a:rPr sz="1900" dirty="0">
-                <a:latin typeface="Diagramm"/>
-                <a:cs typeface="Diagramm"/>
-              </a:rPr>
-              <a:t>¦</a:t>
-            </a:r>
-            <a:r>
-              <a:rPr sz="1900" spc="-10" dirty="0">
-                <a:latin typeface="Diagramm"/>
-                <a:cs typeface="Diagramm"/>
-              </a:rPr>
-              <a:t> </a:t>
-            </a:r>
-            <a:r>
-              <a:rPr sz="1900" spc="-5" dirty="0">
-                <a:latin typeface="Diagramm"/>
-                <a:cs typeface="Diagramm"/>
-              </a:rPr>
-              <a:t>2009</a:t>
-            </a:r>
-            <a:endParaRPr sz="1900" dirty="0">
-              <a:latin typeface="Diagramm"/>
-              <a:cs typeface="Diagramm"/>
-            </a:endParaRPr>
-          </a:p>
-        </p:txBody>
-      </p:sp>
-      <p:sp>
-        <p:nvSpPr>
-          <p:cNvPr id="9" name="object 9"/>
-          <p:cNvSpPr txBox="1"/>
-          <p:nvPr/>
-        </p:nvSpPr>
-        <p:spPr>
-          <a:xfrm>
             <a:off x="507192" y="1659609"/>
-            <a:ext cx="1029969" cy="402590"/>
+            <a:ext cx="636270" cy="402590"/>
           </a:xfrm>
           <a:prstGeom prst="rect">
             <a:avLst/>
@@ -3025,27 +5079,49 @@
               </a:spcBef>
             </a:pPr>
             <a:r>
-              <a:rPr sz="2450" spc="15" dirty="0">
+              <a:rPr sz="2450" spc="-254" dirty="0">
+                <a:solidFill>
+                  <a:schemeClr val="bg1"/>
+                </a:solidFill>
                 <a:latin typeface="Diagramm"/>
                 <a:cs typeface="Diagramm"/>
               </a:rPr>
               <a:t>T</a:t>
             </a:r>
             <a:r>
-              <a:rPr sz="2450" spc="20" dirty="0">
-                <a:latin typeface="Diagramm"/>
-                <a:cs typeface="Diagramm"/>
-              </a:rPr>
-              <a:t>E</a:t>
-            </a:r>
-            <a:r>
-              <a:rPr sz="2450" spc="15" dirty="0">
-                <a:latin typeface="Diagramm"/>
-                <a:cs typeface="Diagramm"/>
-              </a:rPr>
-              <a:t>XTE</a:t>
-            </a:r>
-            <a:endParaRPr sz="2450">
+              <a:rPr sz="2450" spc="-40" dirty="0">
+                <a:solidFill>
+                  <a:schemeClr val="bg1"/>
+                </a:solidFill>
+                <a:latin typeface="Diagramm"/>
+                <a:cs typeface="Diagramm"/>
+              </a:rPr>
+              <a:t>e</a:t>
+            </a:r>
+            <a:r>
+              <a:rPr sz="2450" spc="-5" dirty="0">
+                <a:solidFill>
+                  <a:schemeClr val="bg1"/>
+                </a:solidFill>
+                <a:latin typeface="Diagramm"/>
+                <a:cs typeface="Diagramm"/>
+              </a:rPr>
+              <a:t>x</a:t>
+            </a:r>
+            <a:r>
+              <a:rPr sz="2450" spc="-90" dirty="0">
+                <a:solidFill>
+                  <a:schemeClr val="bg1"/>
+                </a:solidFill>
+                <a:latin typeface="Diagramm"/>
+                <a:cs typeface="Diagramm"/>
+              </a:rPr>
+              <a:t>t</a:t>
+            </a:r>
+            <a:endParaRPr sz="2450" dirty="0">
+              <a:solidFill>
+                <a:schemeClr val="bg1"/>
+              </a:solidFill>
               <a:latin typeface="Diagramm"/>
               <a:cs typeface="Diagramm"/>
             </a:endParaRPr>
@@ -3054,15 +5130,15 @@
       </p:sp>
       <p:sp>
         <p:nvSpPr>
-          <p:cNvPr id="10" name="object 10"/>
-          <p:cNvSpPr txBox="1"/>
-          <p:nvPr/>
-        </p:nvSpPr>
-        <p:spPr>
-          <a:xfrm>
-            <a:off x="8072676" y="4920431"/>
-            <a:ext cx="10955655" cy="1030605"/>
-          </a:xfrm>
+          <p:cNvPr id="4" name="object 4"/>
+          <p:cNvSpPr txBox="1">
+            <a:spLocks noGrp="1"/>
+          </p:cNvSpPr>
+          <p:nvPr>
+            <p:ph type="title"/>
+          </p:nvPr>
+        </p:nvSpPr>
+        <p:spPr>
           <a:prstGeom prst="rect">
             <a:avLst/>
           </a:prstGeom>
@@ -3072,114 +5148,6 @@
             <a:spAutoFit/>
           </a:bodyPr>
           <a:lstStyle/>
-          <a:p>
-            <a:pPr marL="12700">
-              <a:lnSpc>
-                <a:spcPct val="100000"/>
-              </a:lnSpc>
-              <a:spcBef>
-                <a:spcPts val="95"/>
-              </a:spcBef>
-            </a:pPr>
-            <a:r>
-              <a:rPr sz="6600" b="1" spc="-200" dirty="0">
-                <a:solidFill>
-                  <a:schemeClr val="bg1"/>
-                </a:solidFill>
-                <a:latin typeface="Diagramm Bold"/>
-                <a:cs typeface="Diagramm Bold"/>
-              </a:rPr>
-              <a:t>VIDEO/IMAGE</a:t>
-            </a:r>
-            <a:r>
-              <a:rPr sz="6600" b="1" spc="409" dirty="0">
-                <a:solidFill>
-                  <a:schemeClr val="bg1"/>
-                </a:solidFill>
-                <a:latin typeface="Diagramm Bold"/>
-                <a:cs typeface="Diagramm Bold"/>
-              </a:rPr>
-              <a:t> </a:t>
-            </a:r>
-            <a:r>
-              <a:rPr sz="6600" b="1" spc="-195" dirty="0">
-                <a:solidFill>
-                  <a:schemeClr val="bg1"/>
-                </a:solidFill>
-                <a:latin typeface="Diagramm Bold"/>
-                <a:cs typeface="Diagramm Bold"/>
-              </a:rPr>
-              <a:t>2/3</a:t>
-            </a:r>
-            <a:r>
-              <a:rPr sz="6600" b="1" spc="409" dirty="0">
-                <a:solidFill>
-                  <a:schemeClr val="bg1"/>
-                </a:solidFill>
-                <a:latin typeface="Diagramm Bold"/>
-                <a:cs typeface="Diagramm Bold"/>
-              </a:rPr>
-              <a:t> </a:t>
-            </a:r>
-            <a:r>
-              <a:rPr sz="6600" b="1" spc="-225" dirty="0">
-                <a:solidFill>
-                  <a:schemeClr val="bg1"/>
-                </a:solidFill>
-                <a:latin typeface="Diagramm Bold"/>
-                <a:cs typeface="Diagramm Bold"/>
-              </a:rPr>
-              <a:t>SCREEN</a:t>
-            </a:r>
-            <a:endParaRPr sz="6600" dirty="0">
-              <a:solidFill>
-                <a:schemeClr val="bg1"/>
-              </a:solidFill>
-              <a:latin typeface="Diagramm Bold"/>
-              <a:cs typeface="Diagramm Bold"/>
-            </a:endParaRPr>
-          </a:p>
-        </p:txBody>
-      </p:sp>
-      <p:sp>
-        <p:nvSpPr>
-          <p:cNvPr id="20" name="object 4">
-            <a:extLst>
-              <a:ext uri="{FF2B5EF4-FFF2-40B4-BE49-F238E27FC236}">
-                <a16:creationId xmlns:a16="http://schemas.microsoft.com/office/drawing/2014/main" id="{DDAE9862-73D7-D202-68EF-49F8DBF665EA}"/>
-              </a:ext>
-            </a:extLst>
-          </p:cNvPr>
-          <p:cNvSpPr txBox="1">
-            <a:spLocks/>
-          </p:cNvSpPr>
-          <p:nvPr/>
-        </p:nvSpPr>
-        <p:spPr>
-          <a:xfrm>
-            <a:off x="492946" y="382194"/>
-            <a:ext cx="19118207" cy="1021562"/>
-          </a:xfrm>
-          <a:prstGeom prst="rect">
-            <a:avLst/>
-          </a:prstGeom>
-        </p:spPr>
-        <p:txBody>
-          <a:bodyPr vert="horz" wrap="square" lIns="0" tIns="12065" rIns="0" bIns="0" rtlCol="0">
-            <a:spAutoFit/>
-          </a:bodyPr>
-          <a:lstStyle>
-            <a:lvl1pPr>
-              <a:defRPr sz="3300" b="1" i="0">
-                <a:solidFill>
-                  <a:schemeClr val="tx1"/>
-                </a:solidFill>
-                <a:latin typeface="Diagramm Bold"/>
-                <a:ea typeface="+mj-ea"/>
-                <a:cs typeface="Diagramm Bold"/>
-              </a:defRPr>
-            </a:lvl1pPr>
-          </a:lstStyle>
           <a:p>
             <a:pPr marL="12799060">
               <a:lnSpc>
@@ -3230,8 +5198,8 @@
 </p:sld>
 </file>
 
-<file path=ppt/slides/slide4.xml><?xml version="1.0" encoding="utf-8"?>
-<p:sld xmlns:a="http://schemas.openxmlformats.org/drawingml/2006/main" xmlns:r="http://schemas.openxmlformats.org/officeDocument/2006/relationships" xmlns:p="http://schemas.openxmlformats.org/presentationml/2006/main" showMasterSp="0">
+<file path=ppt/slides/slide21.xml><?xml version="1.0" encoding="utf-8"?>
+<p:sld xmlns:a="http://schemas.openxmlformats.org/drawingml/2006/main" xmlns:r="http://schemas.openxmlformats.org/officeDocument/2006/relationships" xmlns:p="http://schemas.openxmlformats.org/presentationml/2006/main">
   <p:cSld>
     <p:spTree>
       <p:nvGrpSpPr>
@@ -3264,392 +5232,23 @@
         <p:spPr>
           <a:xfrm>
             <a:off x="0" y="0"/>
-            <a:ext cx="20104100" cy="11308556"/>
+            <a:ext cx="20104100" cy="11277143"/>
           </a:xfrm>
           <a:prstGeom prst="rect">
             <a:avLst/>
           </a:prstGeom>
         </p:spPr>
       </p:pic>
-      <p:pic>
-        <p:nvPicPr>
+      <p:sp>
+        <p:nvSpPr>
           <p:cNvPr id="3" name="object 3"/>
-          <p:cNvPicPr/>
-          <p:nvPr/>
-        </p:nvPicPr>
-        <p:blipFill>
-          <a:blip r:embed="rId3" cstate="print"/>
-          <a:stretch>
-            <a:fillRect/>
-          </a:stretch>
-        </p:blipFill>
-        <p:spPr>
-          <a:xfrm>
-            <a:off x="575958" y="8439489"/>
-            <a:ext cx="1350720" cy="1811459"/>
-          </a:xfrm>
-          <a:prstGeom prst="rect">
-            <a:avLst/>
-          </a:prstGeom>
-        </p:spPr>
-      </p:pic>
-      <p:pic>
-        <p:nvPicPr>
-          <p:cNvPr id="4" name="object 4"/>
-          <p:cNvPicPr/>
-          <p:nvPr/>
-        </p:nvPicPr>
-        <p:blipFill>
-          <a:blip r:embed="rId3" cstate="print"/>
-          <a:stretch>
-            <a:fillRect/>
-          </a:stretch>
-        </p:blipFill>
-        <p:spPr>
-          <a:xfrm>
-            <a:off x="2062813" y="8439489"/>
-            <a:ext cx="1350750" cy="1811459"/>
-          </a:xfrm>
-          <a:prstGeom prst="rect">
-            <a:avLst/>
-          </a:prstGeom>
-        </p:spPr>
-      </p:pic>
-      <p:pic>
-        <p:nvPicPr>
-          <p:cNvPr id="5" name="object 5"/>
-          <p:cNvPicPr/>
-          <p:nvPr/>
-        </p:nvPicPr>
-        <p:blipFill>
-          <a:blip r:embed="rId3" cstate="print"/>
-          <a:stretch>
-            <a:fillRect/>
-          </a:stretch>
-        </p:blipFill>
-        <p:spPr>
-          <a:xfrm>
-            <a:off x="3560148" y="8439489"/>
-            <a:ext cx="1350750" cy="1811459"/>
-          </a:xfrm>
-          <a:prstGeom prst="rect">
-            <a:avLst/>
-          </a:prstGeom>
-        </p:spPr>
-      </p:pic>
-      <p:pic>
-        <p:nvPicPr>
-          <p:cNvPr id="6" name="object 6"/>
-          <p:cNvPicPr/>
-          <p:nvPr/>
-        </p:nvPicPr>
-        <p:blipFill>
-          <a:blip r:embed="rId3" cstate="print"/>
-          <a:stretch>
-            <a:fillRect/>
-          </a:stretch>
-        </p:blipFill>
-        <p:spPr>
-          <a:xfrm>
-            <a:off x="5057481" y="8439489"/>
-            <a:ext cx="1350752" cy="1811459"/>
-          </a:xfrm>
-          <a:prstGeom prst="rect">
-            <a:avLst/>
-          </a:prstGeom>
-        </p:spPr>
-      </p:pic>
-      <p:pic>
-        <p:nvPicPr>
-          <p:cNvPr id="7" name="object 7"/>
-          <p:cNvPicPr/>
-          <p:nvPr/>
-        </p:nvPicPr>
-        <p:blipFill>
-          <a:blip r:embed="rId3" cstate="print"/>
-          <a:stretch>
-            <a:fillRect/>
-          </a:stretch>
-        </p:blipFill>
-        <p:spPr>
-          <a:xfrm>
-            <a:off x="6554816" y="8439489"/>
-            <a:ext cx="1350752" cy="1811459"/>
-          </a:xfrm>
-          <a:prstGeom prst="rect">
-            <a:avLst/>
-          </a:prstGeom>
-        </p:spPr>
-      </p:pic>
-      <p:pic>
-        <p:nvPicPr>
-          <p:cNvPr id="8" name="object 8"/>
-          <p:cNvPicPr/>
-          <p:nvPr/>
-        </p:nvPicPr>
-        <p:blipFill>
-          <a:blip r:embed="rId3" cstate="print"/>
-          <a:stretch>
-            <a:fillRect/>
-          </a:stretch>
-        </p:blipFill>
-        <p:spPr>
-          <a:xfrm>
-            <a:off x="8052152" y="8439489"/>
-            <a:ext cx="1350750" cy="1811459"/>
-          </a:xfrm>
-          <a:prstGeom prst="rect">
-            <a:avLst/>
-          </a:prstGeom>
-        </p:spPr>
-      </p:pic>
-      <p:sp>
-        <p:nvSpPr>
-          <p:cNvPr id="9" name="object 9"/>
           <p:cNvSpPr txBox="1"/>
           <p:nvPr/>
         </p:nvSpPr>
         <p:spPr>
           <a:xfrm>
-            <a:off x="1983343" y="10570298"/>
-            <a:ext cx="5995035" cy="314960"/>
-          </a:xfrm>
-          <a:prstGeom prst="rect">
-            <a:avLst/>
-          </a:prstGeom>
-        </p:spPr>
-        <p:txBody>
-          <a:bodyPr vert="horz" wrap="square" lIns="0" tIns="12065" rIns="0" bIns="0" rtlCol="0">
-            <a:spAutoFit/>
-          </a:bodyPr>
-          <a:lstStyle/>
-          <a:p>
-            <a:pPr marL="12700">
-              <a:lnSpc>
-                <a:spcPct val="100000"/>
-              </a:lnSpc>
-              <a:spcBef>
-                <a:spcPts val="95"/>
-              </a:spcBef>
-            </a:pPr>
-            <a:r>
-              <a:rPr sz="1900" spc="-5" dirty="0">
-                <a:latin typeface="Diagramm"/>
-                <a:cs typeface="Diagramm"/>
-              </a:rPr>
-              <a:t>COURTINE</a:t>
-            </a:r>
-            <a:r>
-              <a:rPr sz="1900" spc="-10" dirty="0">
-                <a:latin typeface="Diagramm"/>
-                <a:cs typeface="Diagramm"/>
-              </a:rPr>
-              <a:t> </a:t>
-            </a:r>
-            <a:r>
-              <a:rPr sz="1900" spc="-5" dirty="0">
-                <a:latin typeface="Diagramm"/>
-                <a:cs typeface="Diagramm"/>
-              </a:rPr>
-              <a:t>ET AL. </a:t>
-            </a:r>
-            <a:r>
-              <a:rPr sz="1900" dirty="0">
-                <a:latin typeface="Diagramm"/>
-                <a:cs typeface="Diagramm"/>
-              </a:rPr>
-              <a:t>¦</a:t>
-            </a:r>
-            <a:r>
-              <a:rPr sz="1900" spc="-10" dirty="0">
-                <a:latin typeface="Diagramm"/>
-                <a:cs typeface="Diagramm"/>
-              </a:rPr>
-              <a:t> </a:t>
-            </a:r>
-            <a:r>
-              <a:rPr sz="1900" spc="-30" dirty="0">
-                <a:latin typeface="Diagramm"/>
-                <a:cs typeface="Diagramm"/>
-              </a:rPr>
-              <a:t>NATURE</a:t>
-            </a:r>
-            <a:r>
-              <a:rPr sz="1900" spc="-5" dirty="0">
-                <a:latin typeface="Diagramm"/>
-                <a:cs typeface="Diagramm"/>
-              </a:rPr>
-              <a:t> NEUROSCIENCE </a:t>
-            </a:r>
-            <a:r>
-              <a:rPr sz="1900" dirty="0">
-                <a:latin typeface="Diagramm"/>
-                <a:cs typeface="Diagramm"/>
-              </a:rPr>
-              <a:t>¦</a:t>
-            </a:r>
-            <a:r>
-              <a:rPr sz="1900" spc="-10" dirty="0">
-                <a:latin typeface="Diagramm"/>
-                <a:cs typeface="Diagramm"/>
-              </a:rPr>
-              <a:t> </a:t>
-            </a:r>
-            <a:r>
-              <a:rPr sz="1900" spc="-5" dirty="0">
-                <a:latin typeface="Diagramm"/>
-                <a:cs typeface="Diagramm"/>
-              </a:rPr>
-              <a:t>2009</a:t>
-            </a:r>
-            <a:endParaRPr sz="1900" dirty="0">
-              <a:latin typeface="Diagramm"/>
-              <a:cs typeface="Diagramm"/>
-            </a:endParaRPr>
-          </a:p>
-        </p:txBody>
-      </p:sp>
-      <p:pic>
-        <p:nvPicPr>
-          <p:cNvPr id="10" name="object 10"/>
-          <p:cNvPicPr/>
-          <p:nvPr/>
-        </p:nvPicPr>
-        <p:blipFill>
-          <a:blip r:embed="rId4" cstate="print"/>
-          <a:stretch>
-            <a:fillRect/>
-          </a:stretch>
-        </p:blipFill>
-        <p:spPr>
-          <a:xfrm>
-            <a:off x="10093918" y="3"/>
-            <a:ext cx="10010181" cy="11308549"/>
-          </a:xfrm>
-          <a:prstGeom prst="rect">
-            <a:avLst/>
-          </a:prstGeom>
-        </p:spPr>
-      </p:pic>
-      <p:sp>
-        <p:nvSpPr>
-          <p:cNvPr id="11" name="object 11"/>
-          <p:cNvSpPr txBox="1"/>
-          <p:nvPr/>
-        </p:nvSpPr>
-        <p:spPr>
-          <a:xfrm>
-            <a:off x="12194899" y="4920431"/>
-            <a:ext cx="5748020" cy="1030605"/>
-          </a:xfrm>
-          <a:prstGeom prst="rect">
-            <a:avLst/>
-          </a:prstGeom>
-        </p:spPr>
-        <p:txBody>
-          <a:bodyPr vert="horz" wrap="square" lIns="0" tIns="12065" rIns="0" bIns="0" rtlCol="0">
-            <a:spAutoFit/>
-          </a:bodyPr>
-          <a:lstStyle/>
-          <a:p>
-            <a:pPr marL="12700">
-              <a:lnSpc>
-                <a:spcPct val="100000"/>
-              </a:lnSpc>
-              <a:spcBef>
-                <a:spcPts val="95"/>
-              </a:spcBef>
-            </a:pPr>
-            <a:r>
-              <a:rPr sz="6600" b="1" spc="-110" dirty="0">
-                <a:solidFill>
-                  <a:schemeClr val="bg1"/>
-                </a:solidFill>
-                <a:latin typeface="Diagramm Bold"/>
-                <a:cs typeface="Diagramm Bold"/>
-              </a:rPr>
-              <a:t>VIDE</a:t>
-            </a:r>
-            <a:r>
-              <a:rPr sz="6600" b="1" spc="-480" dirty="0">
-                <a:solidFill>
-                  <a:schemeClr val="bg1"/>
-                </a:solidFill>
-                <a:latin typeface="Diagramm Bold"/>
-                <a:cs typeface="Diagramm Bold"/>
-              </a:rPr>
-              <a:t>O</a:t>
-            </a:r>
-            <a:r>
-              <a:rPr sz="6600" b="1" spc="25" dirty="0">
-                <a:solidFill>
-                  <a:schemeClr val="bg1"/>
-                </a:solidFill>
-                <a:latin typeface="Diagramm Bold"/>
-                <a:cs typeface="Diagramm Bold"/>
-              </a:rPr>
-              <a:t>/</a:t>
-            </a:r>
-            <a:r>
-              <a:rPr sz="6600" b="1" spc="-135" dirty="0">
-                <a:solidFill>
-                  <a:schemeClr val="bg1"/>
-                </a:solidFill>
-                <a:latin typeface="Diagramm Bold"/>
-                <a:cs typeface="Diagramm Bold"/>
-              </a:rPr>
-              <a:t>IM</a:t>
-            </a:r>
-            <a:r>
-              <a:rPr sz="6600" b="1" spc="-409" dirty="0">
-                <a:solidFill>
-                  <a:schemeClr val="bg1"/>
-                </a:solidFill>
-                <a:latin typeface="Diagramm Bold"/>
-                <a:cs typeface="Diagramm Bold"/>
-              </a:rPr>
-              <a:t>A</a:t>
-            </a:r>
-            <a:r>
-              <a:rPr sz="6600" b="1" spc="-220" dirty="0">
-                <a:solidFill>
-                  <a:schemeClr val="bg1"/>
-                </a:solidFill>
-                <a:latin typeface="Diagramm Bold"/>
-                <a:cs typeface="Diagramm Bold"/>
-              </a:rPr>
-              <a:t>G</a:t>
-            </a:r>
-            <a:r>
-              <a:rPr sz="6600" b="1" spc="-430" dirty="0">
-                <a:solidFill>
-                  <a:schemeClr val="bg1"/>
-                </a:solidFill>
-                <a:latin typeface="Diagramm Bold"/>
-                <a:cs typeface="Diagramm Bold"/>
-              </a:rPr>
-              <a:t>E</a:t>
-            </a:r>
-            <a:endParaRPr sz="6600" dirty="0">
-              <a:solidFill>
-                <a:schemeClr val="bg1"/>
-              </a:solidFill>
-              <a:latin typeface="Diagramm Bold"/>
-              <a:cs typeface="Diagramm Bold"/>
-            </a:endParaRPr>
-          </a:p>
-        </p:txBody>
-      </p:sp>
-      <p:sp>
-        <p:nvSpPr>
-          <p:cNvPr id="12" name="object 12"/>
-          <p:cNvSpPr txBox="1"/>
-          <p:nvPr/>
-        </p:nvSpPr>
-        <p:spPr>
-          <a:xfrm>
-            <a:off x="14017993" y="5820886"/>
-            <a:ext cx="2101850" cy="402590"/>
+            <a:off x="507192" y="1659609"/>
+            <a:ext cx="636270" cy="402590"/>
           </a:xfrm>
           <a:prstGeom prst="rect">
             <a:avLst/>
@@ -3670,48 +5269,49 @@
               </a:spcBef>
             </a:pPr>
             <a:r>
-              <a:rPr sz="2450" b="1" spc="-70" dirty="0">
-                <a:solidFill>
-                  <a:schemeClr val="bg1"/>
-                </a:solidFill>
-                <a:latin typeface="Diagramm Bold"/>
-                <a:cs typeface="Diagramm Bold"/>
-              </a:rPr>
-              <a:t>(NO</a:t>
-            </a:r>
-            <a:r>
-              <a:rPr sz="2450" b="1" spc="114" dirty="0">
-                <a:solidFill>
-                  <a:schemeClr val="bg1"/>
-                </a:solidFill>
-                <a:latin typeface="Diagramm Bold"/>
-                <a:cs typeface="Diagramm Bold"/>
-              </a:rPr>
-              <a:t> </a:t>
-            </a:r>
-            <a:r>
-              <a:rPr sz="2450" b="1" spc="-55" dirty="0">
-                <a:solidFill>
-                  <a:schemeClr val="bg1"/>
-                </a:solidFill>
-                <a:latin typeface="Diagramm Bold"/>
-                <a:cs typeface="Diagramm Bold"/>
-              </a:rPr>
-              <a:t>BORDER)</a:t>
-            </a:r>
-            <a:endParaRPr sz="2450" dirty="0">
-              <a:solidFill>
-                <a:schemeClr val="bg1"/>
-              </a:solidFill>
-              <a:latin typeface="Diagramm Bold"/>
-              <a:cs typeface="Diagramm Bold"/>
+              <a:rPr sz="2450" spc="-254" dirty="0">
+                <a:latin typeface="Diagramm"/>
+                <a:cs typeface="Diagramm"/>
+              </a:rPr>
+              <a:t>T</a:t>
+            </a:r>
+            <a:r>
+              <a:rPr sz="2450" spc="-40" dirty="0">
+                <a:latin typeface="Diagramm"/>
+                <a:cs typeface="Diagramm"/>
+              </a:rPr>
+              <a:t>e</a:t>
+            </a:r>
+            <a:r>
+              <a:rPr sz="2450" spc="-5" dirty="0">
+                <a:latin typeface="Diagramm"/>
+                <a:cs typeface="Diagramm"/>
+              </a:rPr>
+              <a:t>x</a:t>
+            </a:r>
+            <a:r>
+              <a:rPr sz="2450" spc="-90" dirty="0">
+                <a:latin typeface="Diagramm"/>
+                <a:cs typeface="Diagramm"/>
+              </a:rPr>
+              <a:t>t</a:t>
+            </a:r>
+            <a:endParaRPr sz="2450">
+              <a:latin typeface="Diagramm"/>
+              <a:cs typeface="Diagramm"/>
             </a:endParaRPr>
           </a:p>
         </p:txBody>
       </p:sp>
       <p:sp>
         <p:nvSpPr>
-          <p:cNvPr id="13" name="object 13"/>
+          <p:cNvPr id="7" name="object 4">
+            <a:extLst>
+              <a:ext uri="{FF2B5EF4-FFF2-40B4-BE49-F238E27FC236}">
+                <a16:creationId xmlns:a16="http://schemas.microsoft.com/office/drawing/2014/main" id="{499D3297-56CD-5700-363A-7B6A4F0CB2D9}"/>
+              </a:ext>
+            </a:extLst>
+          </p:cNvPr>
           <p:cNvSpPr txBox="1">
             <a:spLocks noGrp="1"/>
           </p:cNvSpPr>
@@ -3720,6 +5320,10 @@
           </p:nvPr>
         </p:nvSpPr>
         <p:spPr>
+          <a:xfrm>
+            <a:off x="492946" y="382194"/>
+            <a:ext cx="19118207" cy="1031240"/>
+          </a:xfrm>
           <a:prstGeom prst="rect">
             <a:avLst/>
           </a:prstGeom>
@@ -3739,91 +5343,19 @@
               </a:spcBef>
             </a:pPr>
             <a:r>
-              <a:rPr lang="en-US" kern="0" spc="-5" dirty="0">
-                <a:solidFill>
-                  <a:schemeClr val="bg1"/>
-                </a:solidFill>
-              </a:rPr>
+              <a:rPr lang="en-US" kern="0" spc="-5" dirty="0"/>
               <a:t>Weighted Least Squares Estimation </a:t>
             </a:r>
             <a:br>
-              <a:rPr lang="en-US" kern="0" spc="-5" dirty="0">
-                <a:solidFill>
-                  <a:schemeClr val="bg1"/>
-                </a:solidFill>
-              </a:rPr>
+              <a:rPr lang="en-US" kern="0" spc="-5" dirty="0"/>
             </a:br>
             <a:r>
-              <a:rPr lang="en-US" b="0" kern="0" spc="-5" dirty="0">
-                <a:solidFill>
-                  <a:schemeClr val="bg1"/>
-                </a:solidFill>
-              </a:rPr>
+              <a:rPr lang="en-US" b="0" kern="0" spc="-5" dirty="0"/>
               <a:t>3D Body Part Trajectories</a:t>
             </a:r>
             <a:endParaRPr lang="en-US" b="0" kern="0" spc="-10" dirty="0">
-              <a:solidFill>
-                <a:schemeClr val="bg1"/>
-              </a:solidFill>
               <a:latin typeface="Diagramm Light"/>
               <a:cs typeface="Diagramm Light"/>
-            </a:endParaRPr>
-          </a:p>
-        </p:txBody>
-      </p:sp>
-      <p:sp>
-        <p:nvSpPr>
-          <p:cNvPr id="14" name="object 14"/>
-          <p:cNvSpPr txBox="1"/>
-          <p:nvPr/>
-        </p:nvSpPr>
-        <p:spPr>
-          <a:xfrm>
-            <a:off x="507192" y="1659609"/>
-            <a:ext cx="1029969" cy="402590"/>
-          </a:xfrm>
-          <a:prstGeom prst="rect">
-            <a:avLst/>
-          </a:prstGeom>
-        </p:spPr>
-        <p:txBody>
-          <a:bodyPr vert="horz" wrap="square" lIns="0" tIns="15240" rIns="0" bIns="0" rtlCol="0">
-            <a:spAutoFit/>
-          </a:bodyPr>
-          <a:lstStyle/>
-          <a:p>
-            <a:pPr marL="12700">
-              <a:lnSpc>
-                <a:spcPct val="100000"/>
-              </a:lnSpc>
-              <a:spcBef>
-                <a:spcPts val="120"/>
-              </a:spcBef>
-            </a:pPr>
-            <a:r>
-              <a:rPr sz="2450" spc="15" dirty="0">
-                <a:latin typeface="Diagramm"/>
-                <a:cs typeface="Diagramm"/>
-              </a:rPr>
-              <a:t>T</a:t>
-            </a:r>
-            <a:r>
-              <a:rPr sz="2450" spc="20" dirty="0">
-                <a:latin typeface="Diagramm"/>
-                <a:cs typeface="Diagramm"/>
-              </a:rPr>
-              <a:t>E</a:t>
-            </a:r>
-            <a:r>
-              <a:rPr sz="2450" spc="15" dirty="0">
-                <a:latin typeface="Diagramm"/>
-                <a:cs typeface="Diagramm"/>
-              </a:rPr>
-              <a:t>XTE</a:t>
-            </a:r>
-            <a:endParaRPr sz="2450">
-              <a:latin typeface="Diagramm"/>
-              <a:cs typeface="Diagramm"/>
             </a:endParaRPr>
           </a:p>
         </p:txBody>
@@ -3836,8 +5368,8 @@
 </p:sld>
 </file>
 
-<file path=ppt/slides/slide5.xml><?xml version="1.0" encoding="utf-8"?>
-<p:sld xmlns:a="http://schemas.openxmlformats.org/drawingml/2006/main" xmlns:r="http://schemas.openxmlformats.org/officeDocument/2006/relationships" xmlns:p="http://schemas.openxmlformats.org/presentationml/2006/main" showMasterSp="0">
+<file path=ppt/slides/slide22.xml><?xml version="1.0" encoding="utf-8"?>
+<p:sld xmlns:a="http://schemas.openxmlformats.org/drawingml/2006/main" xmlns:r="http://schemas.openxmlformats.org/officeDocument/2006/relationships" xmlns:p="http://schemas.openxmlformats.org/presentationml/2006/main">
   <p:cSld>
     <p:spTree>
       <p:nvGrpSpPr>
@@ -3870,7 +5402,7 @@
         <p:spPr>
           <a:xfrm>
             <a:off x="0" y="0"/>
-            <a:ext cx="20104100" cy="11308556"/>
+            <a:ext cx="20104100" cy="11224789"/>
           </a:xfrm>
           <a:prstGeom prst="rect">
             <a:avLst/>
@@ -3885,15 +5417,15 @@
         </p:nvSpPr>
         <p:spPr>
           <a:xfrm>
-            <a:off x="4215863" y="4920431"/>
-            <a:ext cx="11653520" cy="1030605"/>
-          </a:xfrm>
-          <a:prstGeom prst="rect">
-            <a:avLst/>
-          </a:prstGeom>
-        </p:spPr>
-        <p:txBody>
-          <a:bodyPr vert="horz" wrap="square" lIns="0" tIns="12065" rIns="0" bIns="0" rtlCol="0">
+            <a:off x="507192" y="1659609"/>
+            <a:ext cx="636270" cy="402590"/>
+          </a:xfrm>
+          <a:prstGeom prst="rect">
+            <a:avLst/>
+          </a:prstGeom>
+        </p:spPr>
+        <p:txBody>
+          <a:bodyPr vert="horz" wrap="square" lIns="0" tIns="15240" rIns="0" bIns="0" rtlCol="0">
             <a:spAutoFit/>
           </a:bodyPr>
           <a:lstStyle/>
@@ -3903,62 +5435,65 @@
                 <a:spcPct val="100000"/>
               </a:lnSpc>
               <a:spcBef>
-                <a:spcPts val="95"/>
+                <a:spcPts val="120"/>
               </a:spcBef>
             </a:pPr>
             <a:r>
-              <a:rPr sz="6600" b="1" spc="-200" dirty="0">
-                <a:latin typeface="Diagramm Bold"/>
-                <a:cs typeface="Diagramm Bold"/>
-              </a:rPr>
-              <a:t>VIDEO/IMAGE</a:t>
-            </a:r>
-            <a:r>
-              <a:rPr sz="6600" b="1" spc="405" dirty="0">
-                <a:latin typeface="Diagramm Bold"/>
-                <a:cs typeface="Diagramm Bold"/>
-              </a:rPr>
-              <a:t> </a:t>
-            </a:r>
-            <a:r>
-              <a:rPr sz="6600" b="1" spc="-204" dirty="0">
-                <a:latin typeface="Diagramm Bold"/>
-                <a:cs typeface="Diagramm Bold"/>
-              </a:rPr>
-              <a:t>FULL</a:t>
-            </a:r>
-            <a:r>
-              <a:rPr sz="6600" b="1" spc="409" dirty="0">
-                <a:latin typeface="Diagramm Bold"/>
-                <a:cs typeface="Diagramm Bold"/>
-              </a:rPr>
-              <a:t> </a:t>
-            </a:r>
-            <a:r>
-              <a:rPr sz="6600" b="1" spc="-225" dirty="0">
-                <a:latin typeface="Diagramm Bold"/>
-                <a:cs typeface="Diagramm Bold"/>
-              </a:rPr>
-              <a:t>SCREEN</a:t>
-            </a:r>
-            <a:endParaRPr sz="6600">
-              <a:latin typeface="Diagramm Bold"/>
-              <a:cs typeface="Diagramm Bold"/>
+              <a:rPr sz="2450" spc="-254" dirty="0">
+                <a:latin typeface="Diagramm"/>
+                <a:cs typeface="Diagramm"/>
+              </a:rPr>
+              <a:t>T</a:t>
+            </a:r>
+            <a:r>
+              <a:rPr sz="2450" spc="-40" dirty="0">
+                <a:latin typeface="Diagramm"/>
+                <a:cs typeface="Diagramm"/>
+              </a:rPr>
+              <a:t>e</a:t>
+            </a:r>
+            <a:r>
+              <a:rPr sz="2450" spc="-5" dirty="0">
+                <a:latin typeface="Diagramm"/>
+                <a:cs typeface="Diagramm"/>
+              </a:rPr>
+              <a:t>x</a:t>
+            </a:r>
+            <a:r>
+              <a:rPr sz="2450" spc="-90" dirty="0">
+                <a:latin typeface="Diagramm"/>
+                <a:cs typeface="Diagramm"/>
+              </a:rPr>
+              <a:t>t</a:t>
+            </a:r>
+            <a:endParaRPr sz="2450">
+              <a:latin typeface="Diagramm"/>
+              <a:cs typeface="Diagramm"/>
             </a:endParaRPr>
           </a:p>
         </p:txBody>
       </p:sp>
       <p:sp>
         <p:nvSpPr>
-          <p:cNvPr id="4" name="object 4"/>
+          <p:cNvPr id="7" name="object 4">
+            <a:extLst>
+              <a:ext uri="{FF2B5EF4-FFF2-40B4-BE49-F238E27FC236}">
+                <a16:creationId xmlns:a16="http://schemas.microsoft.com/office/drawing/2014/main" id="{E522C6E9-4561-7A9E-1DA7-A300F23EFC12}"/>
+              </a:ext>
+            </a:extLst>
+          </p:cNvPr>
           <p:cNvSpPr txBox="1">
             <a:spLocks noGrp="1"/>
           </p:cNvSpPr>
           <p:nvPr>
-            <p:ph type="ctrTitle"/>
+            <p:ph type="title"/>
           </p:nvPr>
         </p:nvSpPr>
         <p:spPr>
+          <a:xfrm>
+            <a:off x="492946" y="382194"/>
+            <a:ext cx="19118207" cy="1031240"/>
+          </a:xfrm>
           <a:prstGeom prst="rect">
             <a:avLst/>
           </a:prstGeom>
@@ -3978,32 +5513,17 @@
               </a:spcBef>
             </a:pPr>
             <a:r>
-              <a:rPr lang="en-US" kern="0" spc="-5" dirty="0">
-                <a:solidFill>
-                  <a:schemeClr val="bg1"/>
-                </a:solidFill>
-              </a:rPr>
+              <a:rPr lang="en-US" kern="0" spc="-5" dirty="0"/>
               <a:t>Weighted Least Squares Estimation </a:t>
             </a:r>
             <a:br>
-              <a:rPr lang="en-US" kern="0" spc="-5" dirty="0">
-                <a:solidFill>
-                  <a:schemeClr val="bg1"/>
-                </a:solidFill>
-              </a:rPr>
+              <a:rPr lang="en-US" kern="0" spc="-5" dirty="0"/>
             </a:br>
             <a:r>
-              <a:rPr lang="en-US" b="0" kern="0" spc="-5" dirty="0">
-                <a:solidFill>
-                  <a:schemeClr val="bg1"/>
-                </a:solidFill>
-              </a:rPr>
+              <a:rPr lang="en-US" b="0" kern="0" spc="-5" dirty="0"/>
               <a:t>3D Body Part Trajectories</a:t>
             </a:r>
             <a:endParaRPr lang="en-US" b="0" kern="0" spc="-10" dirty="0">
-              <a:solidFill>
-                <a:schemeClr val="bg1"/>
-              </a:solidFill>
               <a:latin typeface="Diagramm Light"/>
               <a:cs typeface="Diagramm Light"/>
             </a:endParaRPr>
@@ -4018,8 +5538,8 @@
 </p:sld>
 </file>
 
-<file path=ppt/slides/slide6.xml><?xml version="1.0" encoding="utf-8"?>
-<p:sld xmlns:a="http://schemas.openxmlformats.org/drawingml/2006/main" xmlns:r="http://schemas.openxmlformats.org/officeDocument/2006/relationships" xmlns:p="http://schemas.openxmlformats.org/presentationml/2006/main" showMasterSp="0">
+<file path=ppt/slides/slide3.xml><?xml version="1.0" encoding="utf-8"?>
+<p:sld xmlns:a="http://schemas.openxmlformats.org/drawingml/2006/main" xmlns:r="http://schemas.openxmlformats.org/officeDocument/2006/relationships" xmlns:p="http://schemas.openxmlformats.org/presentationml/2006/main">
   <p:cSld>
     <p:spTree>
       <p:nvGrpSpPr>
@@ -4052,423 +5572,22 @@
         <p:spPr>
           <a:xfrm>
             <a:off x="0" y="0"/>
-            <a:ext cx="20104100" cy="11308556"/>
+            <a:ext cx="20104100" cy="11277143"/>
           </a:xfrm>
           <a:prstGeom prst="rect">
             <a:avLst/>
           </a:prstGeom>
         </p:spPr>
       </p:pic>
-      <p:pic>
-        <p:nvPicPr>
-          <p:cNvPr id="3" name="object 3"/>
-          <p:cNvPicPr/>
-          <p:nvPr/>
-        </p:nvPicPr>
-        <p:blipFill>
-          <a:blip r:embed="rId3" cstate="print"/>
-          <a:stretch>
-            <a:fillRect/>
-          </a:stretch>
-        </p:blipFill>
-        <p:spPr>
-          <a:xfrm>
-            <a:off x="6753723" y="3"/>
-            <a:ext cx="13350376" cy="11308549"/>
-          </a:xfrm>
-          <a:prstGeom prst="rect">
-            <a:avLst/>
-          </a:prstGeom>
-        </p:spPr>
-      </p:pic>
-      <p:pic>
-        <p:nvPicPr>
-          <p:cNvPr id="4" name="object 4"/>
-          <p:cNvPicPr/>
-          <p:nvPr/>
-        </p:nvPicPr>
-        <p:blipFill>
-          <a:blip r:embed="rId4" cstate="print"/>
-          <a:stretch>
-            <a:fillRect/>
-          </a:stretch>
-        </p:blipFill>
-        <p:spPr>
-          <a:xfrm>
-            <a:off x="460779" y="8439489"/>
-            <a:ext cx="1350720" cy="1811459"/>
-          </a:xfrm>
-          <a:prstGeom prst="rect">
-            <a:avLst/>
-          </a:prstGeom>
-        </p:spPr>
-      </p:pic>
-      <p:pic>
-        <p:nvPicPr>
-          <p:cNvPr id="5" name="object 5"/>
-          <p:cNvPicPr/>
-          <p:nvPr/>
-        </p:nvPicPr>
-        <p:blipFill>
-          <a:blip r:embed="rId4" cstate="print"/>
-          <a:stretch>
-            <a:fillRect/>
-          </a:stretch>
-        </p:blipFill>
-        <p:spPr>
-          <a:xfrm>
-            <a:off x="1947636" y="8439489"/>
-            <a:ext cx="1350750" cy="1811459"/>
-          </a:xfrm>
-          <a:prstGeom prst="rect">
-            <a:avLst/>
-          </a:prstGeom>
-        </p:spPr>
-      </p:pic>
-      <p:pic>
-        <p:nvPicPr>
-          <p:cNvPr id="6" name="object 6"/>
-          <p:cNvPicPr/>
-          <p:nvPr/>
-        </p:nvPicPr>
-        <p:blipFill>
-          <a:blip r:embed="rId4" cstate="print"/>
-          <a:stretch>
-            <a:fillRect/>
-          </a:stretch>
-        </p:blipFill>
-        <p:spPr>
-          <a:xfrm>
-            <a:off x="3444970" y="8439489"/>
-            <a:ext cx="1350752" cy="1811459"/>
-          </a:xfrm>
-          <a:prstGeom prst="rect">
-            <a:avLst/>
-          </a:prstGeom>
-        </p:spPr>
-      </p:pic>
-      <p:pic>
-        <p:nvPicPr>
-          <p:cNvPr id="7" name="object 7"/>
-          <p:cNvPicPr/>
-          <p:nvPr/>
-        </p:nvPicPr>
-        <p:blipFill>
-          <a:blip r:embed="rId4" cstate="print"/>
-          <a:stretch>
-            <a:fillRect/>
-          </a:stretch>
-        </p:blipFill>
-        <p:spPr>
-          <a:xfrm>
-            <a:off x="4942305" y="8439489"/>
-            <a:ext cx="1350750" cy="1811459"/>
-          </a:xfrm>
-          <a:prstGeom prst="rect">
-            <a:avLst/>
-          </a:prstGeom>
-        </p:spPr>
-      </p:pic>
-      <p:sp>
-        <p:nvSpPr>
-          <p:cNvPr id="8" name="object 8"/>
-          <p:cNvSpPr txBox="1"/>
-          <p:nvPr/>
-        </p:nvSpPr>
-        <p:spPr>
-          <a:xfrm>
-            <a:off x="381541" y="10580816"/>
-            <a:ext cx="5995035" cy="314960"/>
-          </a:xfrm>
-          <a:prstGeom prst="rect">
-            <a:avLst/>
-          </a:prstGeom>
-        </p:spPr>
-        <p:txBody>
-          <a:bodyPr vert="horz" wrap="square" lIns="0" tIns="12065" rIns="0" bIns="0" rtlCol="0">
-            <a:spAutoFit/>
-          </a:bodyPr>
-          <a:lstStyle/>
-          <a:p>
-            <a:pPr marL="12700">
-              <a:lnSpc>
-                <a:spcPct val="100000"/>
-              </a:lnSpc>
-              <a:spcBef>
-                <a:spcPts val="95"/>
-              </a:spcBef>
-            </a:pPr>
-            <a:r>
-              <a:rPr sz="1900" spc="-5" dirty="0">
-                <a:solidFill>
-                  <a:schemeClr val="bg1"/>
-                </a:solidFill>
-                <a:latin typeface="Diagramm"/>
-                <a:cs typeface="Diagramm"/>
-              </a:rPr>
-              <a:t>COURTINE</a:t>
-            </a:r>
-            <a:r>
-              <a:rPr sz="1900" spc="-10" dirty="0">
-                <a:solidFill>
-                  <a:schemeClr val="bg1"/>
-                </a:solidFill>
-                <a:latin typeface="Diagramm"/>
-                <a:cs typeface="Diagramm"/>
-              </a:rPr>
-              <a:t> </a:t>
-            </a:r>
-            <a:r>
-              <a:rPr sz="1900" spc="-5" dirty="0">
-                <a:solidFill>
-                  <a:schemeClr val="bg1"/>
-                </a:solidFill>
-                <a:latin typeface="Diagramm"/>
-                <a:cs typeface="Diagramm"/>
-              </a:rPr>
-              <a:t>ET AL. </a:t>
-            </a:r>
-            <a:r>
-              <a:rPr sz="1900" dirty="0">
-                <a:solidFill>
-                  <a:schemeClr val="bg1"/>
-                </a:solidFill>
-                <a:latin typeface="Diagramm"/>
-                <a:cs typeface="Diagramm"/>
-              </a:rPr>
-              <a:t>¦</a:t>
-            </a:r>
-            <a:r>
-              <a:rPr sz="1900" spc="-10" dirty="0">
-                <a:solidFill>
-                  <a:schemeClr val="bg1"/>
-                </a:solidFill>
-                <a:latin typeface="Diagramm"/>
-                <a:cs typeface="Diagramm"/>
-              </a:rPr>
-              <a:t> </a:t>
-            </a:r>
-            <a:r>
-              <a:rPr sz="1900" spc="-30" dirty="0">
-                <a:solidFill>
-                  <a:schemeClr val="bg1"/>
-                </a:solidFill>
-                <a:latin typeface="Diagramm"/>
-                <a:cs typeface="Diagramm"/>
-              </a:rPr>
-              <a:t>NATURE</a:t>
-            </a:r>
-            <a:r>
-              <a:rPr sz="1900" spc="-5" dirty="0">
-                <a:solidFill>
-                  <a:schemeClr val="bg1"/>
-                </a:solidFill>
-                <a:latin typeface="Diagramm"/>
-                <a:cs typeface="Diagramm"/>
-              </a:rPr>
-              <a:t> NEUROSCIENCE </a:t>
-            </a:r>
-            <a:r>
-              <a:rPr sz="1900" dirty="0">
-                <a:solidFill>
-                  <a:schemeClr val="bg1"/>
-                </a:solidFill>
-                <a:latin typeface="Diagramm"/>
-                <a:cs typeface="Diagramm"/>
-              </a:rPr>
-              <a:t>¦</a:t>
-            </a:r>
-            <a:r>
-              <a:rPr sz="1900" spc="-10" dirty="0">
-                <a:solidFill>
-                  <a:schemeClr val="bg1"/>
-                </a:solidFill>
-                <a:latin typeface="Diagramm"/>
-                <a:cs typeface="Diagramm"/>
-              </a:rPr>
-              <a:t> </a:t>
-            </a:r>
-            <a:r>
-              <a:rPr sz="1900" spc="-5" dirty="0">
-                <a:solidFill>
-                  <a:schemeClr val="bg1"/>
-                </a:solidFill>
-                <a:latin typeface="Diagramm"/>
-                <a:cs typeface="Diagramm"/>
-              </a:rPr>
-              <a:t>2009</a:t>
-            </a:r>
-            <a:endParaRPr sz="1900" dirty="0">
-              <a:solidFill>
-                <a:schemeClr val="bg1"/>
-              </a:solidFill>
-              <a:latin typeface="Diagramm"/>
-              <a:cs typeface="Diagramm"/>
-            </a:endParaRPr>
-          </a:p>
-        </p:txBody>
-      </p:sp>
-      <p:sp>
-        <p:nvSpPr>
-          <p:cNvPr id="9" name="object 9"/>
-          <p:cNvSpPr txBox="1"/>
-          <p:nvPr/>
-        </p:nvSpPr>
-        <p:spPr>
-          <a:xfrm>
-            <a:off x="507192" y="1659609"/>
-            <a:ext cx="1029969" cy="402590"/>
-          </a:xfrm>
-          <a:prstGeom prst="rect">
-            <a:avLst/>
-          </a:prstGeom>
-        </p:spPr>
-        <p:txBody>
-          <a:bodyPr vert="horz" wrap="square" lIns="0" tIns="15240" rIns="0" bIns="0" rtlCol="0">
-            <a:spAutoFit/>
-          </a:bodyPr>
-          <a:lstStyle/>
-          <a:p>
-            <a:pPr marL="12700">
-              <a:lnSpc>
-                <a:spcPct val="100000"/>
-              </a:lnSpc>
-              <a:spcBef>
-                <a:spcPts val="120"/>
-              </a:spcBef>
-            </a:pPr>
-            <a:r>
-              <a:rPr sz="2450" spc="15" dirty="0">
-                <a:solidFill>
-                  <a:schemeClr val="bg1"/>
-                </a:solidFill>
-                <a:latin typeface="Diagramm"/>
-                <a:cs typeface="Diagramm"/>
-              </a:rPr>
-              <a:t>T</a:t>
-            </a:r>
-            <a:r>
-              <a:rPr sz="2450" spc="20" dirty="0">
-                <a:solidFill>
-                  <a:schemeClr val="bg1"/>
-                </a:solidFill>
-                <a:latin typeface="Diagramm"/>
-                <a:cs typeface="Diagramm"/>
-              </a:rPr>
-              <a:t>E</a:t>
-            </a:r>
-            <a:r>
-              <a:rPr sz="2450" spc="15" dirty="0">
-                <a:solidFill>
-                  <a:schemeClr val="bg1"/>
-                </a:solidFill>
-                <a:latin typeface="Diagramm"/>
-                <a:cs typeface="Diagramm"/>
-              </a:rPr>
-              <a:t>XTE</a:t>
-            </a:r>
-            <a:endParaRPr sz="2450" dirty="0">
-              <a:solidFill>
-                <a:schemeClr val="bg1"/>
-              </a:solidFill>
-              <a:latin typeface="Diagramm"/>
-              <a:cs typeface="Diagramm"/>
-            </a:endParaRPr>
-          </a:p>
-        </p:txBody>
-      </p:sp>
-      <p:sp>
-        <p:nvSpPr>
-          <p:cNvPr id="10" name="object 10"/>
-          <p:cNvSpPr txBox="1"/>
-          <p:nvPr/>
-        </p:nvSpPr>
-        <p:spPr>
-          <a:xfrm>
-            <a:off x="8072676" y="4920431"/>
-            <a:ext cx="10955655" cy="1030605"/>
-          </a:xfrm>
-          <a:prstGeom prst="rect">
-            <a:avLst/>
-          </a:prstGeom>
-        </p:spPr>
-        <p:txBody>
-          <a:bodyPr vert="horz" wrap="square" lIns="0" tIns="12065" rIns="0" bIns="0" rtlCol="0">
-            <a:spAutoFit/>
-          </a:bodyPr>
-          <a:lstStyle/>
-          <a:p>
-            <a:pPr marL="12700">
-              <a:lnSpc>
-                <a:spcPct val="100000"/>
-              </a:lnSpc>
-              <a:spcBef>
-                <a:spcPts val="95"/>
-              </a:spcBef>
-            </a:pPr>
-            <a:r>
-              <a:rPr sz="6600" b="1" spc="-200" dirty="0">
-                <a:solidFill>
-                  <a:schemeClr val="bg1"/>
-                </a:solidFill>
-                <a:latin typeface="Diagramm Bold"/>
-                <a:cs typeface="Diagramm Bold"/>
-              </a:rPr>
-              <a:t>VIDEO/IMAGE</a:t>
-            </a:r>
-            <a:r>
-              <a:rPr sz="6600" b="1" spc="409" dirty="0">
-                <a:solidFill>
-                  <a:schemeClr val="bg1"/>
-                </a:solidFill>
-                <a:latin typeface="Diagramm Bold"/>
-                <a:cs typeface="Diagramm Bold"/>
-              </a:rPr>
-              <a:t> </a:t>
-            </a:r>
-            <a:r>
-              <a:rPr sz="6600" b="1" spc="-195" dirty="0">
-                <a:solidFill>
-                  <a:schemeClr val="bg1"/>
-                </a:solidFill>
-                <a:latin typeface="Diagramm Bold"/>
-                <a:cs typeface="Diagramm Bold"/>
-              </a:rPr>
-              <a:t>2/3</a:t>
-            </a:r>
-            <a:r>
-              <a:rPr sz="6600" b="1" spc="409" dirty="0">
-                <a:solidFill>
-                  <a:schemeClr val="bg1"/>
-                </a:solidFill>
-                <a:latin typeface="Diagramm Bold"/>
-                <a:cs typeface="Diagramm Bold"/>
-              </a:rPr>
-              <a:t> </a:t>
-            </a:r>
-            <a:r>
-              <a:rPr sz="6600" b="1" spc="-225" dirty="0">
-                <a:solidFill>
-                  <a:schemeClr val="bg1"/>
-                </a:solidFill>
-                <a:latin typeface="Diagramm Bold"/>
-                <a:cs typeface="Diagramm Bold"/>
-              </a:rPr>
-              <a:t>SCREEN</a:t>
-            </a:r>
-            <a:endParaRPr sz="6600" dirty="0">
-              <a:solidFill>
-                <a:schemeClr val="bg1"/>
-              </a:solidFill>
-              <a:latin typeface="Diagramm Bold"/>
-              <a:cs typeface="Diagramm Bold"/>
-            </a:endParaRPr>
-          </a:p>
-        </p:txBody>
-      </p:sp>
-      <p:sp>
-        <p:nvSpPr>
-          <p:cNvPr id="11" name="object 11"/>
+      <p:sp>
+        <p:nvSpPr>
+          <p:cNvPr id="7" name="object 4">
+            <a:extLst>
+              <a:ext uri="{FF2B5EF4-FFF2-40B4-BE49-F238E27FC236}">
+                <a16:creationId xmlns:a16="http://schemas.microsoft.com/office/drawing/2014/main" id="{499D3297-56CD-5700-363A-7B6A4F0CB2D9}"/>
+              </a:ext>
+            </a:extLst>
+          </p:cNvPr>
           <p:cNvSpPr txBox="1">
             <a:spLocks noGrp="1"/>
           </p:cNvSpPr>
@@ -4478,7 +5597,7 @@
         </p:nvSpPr>
         <p:spPr>
           <a:xfrm>
-            <a:off x="478701" y="396875"/>
+            <a:off x="492946" y="382194"/>
             <a:ext cx="19118207" cy="1031240"/>
           </a:xfrm>
           <a:prstGeom prst="rect">
@@ -4500,39 +5619,65 @@
               </a:spcBef>
             </a:pPr>
             <a:r>
-              <a:rPr lang="en-US" kern="0" spc="-5" dirty="0">
-                <a:solidFill>
-                  <a:schemeClr val="bg1"/>
-                </a:solidFill>
-              </a:rPr>
+              <a:rPr lang="en-US" kern="0" spc="-5" dirty="0"/>
               <a:t>Weighted Least Squares Estimation </a:t>
             </a:r>
             <a:br>
-              <a:rPr lang="en-US" kern="0" spc="-5" dirty="0">
-                <a:solidFill>
-                  <a:schemeClr val="bg1"/>
-                </a:solidFill>
-              </a:rPr>
+              <a:rPr lang="en-US" kern="0" spc="-5" dirty="0"/>
             </a:br>
             <a:r>
-              <a:rPr lang="en-US" b="0" kern="0" spc="-5" dirty="0">
-                <a:solidFill>
-                  <a:schemeClr val="bg1"/>
-                </a:solidFill>
-              </a:rPr>
+              <a:rPr lang="en-US" b="0" kern="0" spc="-5" dirty="0"/>
               <a:t>3D Body Part Trajectories</a:t>
             </a:r>
             <a:endParaRPr lang="en-US" b="0" kern="0" spc="-10" dirty="0">
-              <a:solidFill>
-                <a:schemeClr val="bg1"/>
-              </a:solidFill>
               <a:latin typeface="Diagramm Light"/>
               <a:cs typeface="Diagramm Light"/>
             </a:endParaRPr>
           </a:p>
         </p:txBody>
       </p:sp>
+      <p:pic>
+        <p:nvPicPr>
+          <p:cNvPr id="10" name="Picture 9" descr="A white paper with black text&#10;&#10;Description automatically generated">
+            <a:extLst>
+              <a:ext uri="{FF2B5EF4-FFF2-40B4-BE49-F238E27FC236}">
+                <a16:creationId xmlns:a16="http://schemas.microsoft.com/office/drawing/2014/main" id="{FCE6AC14-2A5A-3EC3-7F7F-01892B36D0B8}"/>
+              </a:ext>
+            </a:extLst>
+          </p:cNvPr>
+          <p:cNvPicPr>
+            <a:picLocks noChangeAspect="1"/>
+          </p:cNvPicPr>
+          <p:nvPr/>
+        </p:nvPicPr>
+        <p:blipFill>
+          <a:blip r:embed="rId3">
+            <a:extLst>
+              <a:ext uri="{28A0092B-C50C-407E-A947-70E740481C1C}">
+                <a14:useLocalDpi xmlns:a14="http://schemas.microsoft.com/office/drawing/2010/main" val="0"/>
+              </a:ext>
+            </a:extLst>
+          </a:blip>
+          <a:stretch>
+            <a:fillRect/>
+          </a:stretch>
+        </p:blipFill>
+        <p:spPr>
+          <a:xfrm>
+            <a:off x="2114550" y="3072312"/>
+            <a:ext cx="15176500" cy="4937478"/>
+          </a:xfrm>
+          <a:prstGeom prst="rect">
+            <a:avLst/>
+          </a:prstGeom>
+        </p:spPr>
+      </p:pic>
     </p:spTree>
+    <p:extLst>
+      <p:ext uri="{BB962C8B-B14F-4D97-AF65-F5344CB8AC3E}">
+        <p14:creationId xmlns:p14="http://schemas.microsoft.com/office/powerpoint/2010/main" val="838194314"/>
+      </p:ext>
+    </p:extLst>
   </p:cSld>
   <p:clrMapOvr>
     <a:masterClrMapping/>
@@ -4540,8 +5685,8 @@
 </p:sld>
 </file>
 
-<file path=ppt/slides/slide7.xml><?xml version="1.0" encoding="utf-8"?>
-<p:sld xmlns:a="http://schemas.openxmlformats.org/drawingml/2006/main" xmlns:r="http://schemas.openxmlformats.org/officeDocument/2006/relationships" xmlns:p="http://schemas.openxmlformats.org/presentationml/2006/main" showMasterSp="0">
+<file path=ppt/slides/slide4.xml><?xml version="1.0" encoding="utf-8"?>
+<p:sld xmlns:a="http://schemas.openxmlformats.org/drawingml/2006/main" xmlns:r="http://schemas.openxmlformats.org/officeDocument/2006/relationships" xmlns:p="http://schemas.openxmlformats.org/presentationml/2006/main">
   <p:cSld>
     <p:spTree>
       <p:nvGrpSpPr>
@@ -4574,487 +5719,22 @@
         <p:spPr>
           <a:xfrm>
             <a:off x="0" y="0"/>
-            <a:ext cx="20104100" cy="11308556"/>
+            <a:ext cx="20104100" cy="11277143"/>
           </a:xfrm>
           <a:prstGeom prst="rect">
             <a:avLst/>
           </a:prstGeom>
         </p:spPr>
       </p:pic>
-      <p:pic>
-        <p:nvPicPr>
-          <p:cNvPr id="3" name="object 3"/>
-          <p:cNvPicPr/>
-          <p:nvPr/>
-        </p:nvPicPr>
-        <p:blipFill>
-          <a:blip r:embed="rId3" cstate="print"/>
-          <a:stretch>
-            <a:fillRect/>
-          </a:stretch>
-        </p:blipFill>
-        <p:spPr>
-          <a:xfrm>
-            <a:off x="575958" y="8439489"/>
-            <a:ext cx="1350720" cy="1811459"/>
-          </a:xfrm>
-          <a:prstGeom prst="rect">
-            <a:avLst/>
-          </a:prstGeom>
-        </p:spPr>
-      </p:pic>
-      <p:pic>
-        <p:nvPicPr>
-          <p:cNvPr id="4" name="object 4"/>
-          <p:cNvPicPr/>
-          <p:nvPr/>
-        </p:nvPicPr>
-        <p:blipFill>
-          <a:blip r:embed="rId3" cstate="print"/>
-          <a:stretch>
-            <a:fillRect/>
-          </a:stretch>
-        </p:blipFill>
-        <p:spPr>
-          <a:xfrm>
-            <a:off x="2062813" y="8439489"/>
-            <a:ext cx="1350750" cy="1811459"/>
-          </a:xfrm>
-          <a:prstGeom prst="rect">
-            <a:avLst/>
-          </a:prstGeom>
-        </p:spPr>
-      </p:pic>
-      <p:pic>
-        <p:nvPicPr>
-          <p:cNvPr id="5" name="object 5"/>
-          <p:cNvPicPr/>
-          <p:nvPr/>
-        </p:nvPicPr>
-        <p:blipFill>
-          <a:blip r:embed="rId3" cstate="print"/>
-          <a:stretch>
-            <a:fillRect/>
-          </a:stretch>
-        </p:blipFill>
-        <p:spPr>
-          <a:xfrm>
-            <a:off x="3560148" y="8439489"/>
-            <a:ext cx="1350750" cy="1811459"/>
-          </a:xfrm>
-          <a:prstGeom prst="rect">
-            <a:avLst/>
-          </a:prstGeom>
-        </p:spPr>
-      </p:pic>
-      <p:pic>
-        <p:nvPicPr>
-          <p:cNvPr id="6" name="object 6"/>
-          <p:cNvPicPr/>
-          <p:nvPr/>
-        </p:nvPicPr>
-        <p:blipFill>
-          <a:blip r:embed="rId3" cstate="print"/>
-          <a:stretch>
-            <a:fillRect/>
-          </a:stretch>
-        </p:blipFill>
-        <p:spPr>
-          <a:xfrm>
-            <a:off x="5057481" y="8439489"/>
-            <a:ext cx="1350752" cy="1811459"/>
-          </a:xfrm>
-          <a:prstGeom prst="rect">
-            <a:avLst/>
-          </a:prstGeom>
-        </p:spPr>
-      </p:pic>
-      <p:pic>
-        <p:nvPicPr>
-          <p:cNvPr id="7" name="object 7"/>
-          <p:cNvPicPr/>
-          <p:nvPr/>
-        </p:nvPicPr>
-        <p:blipFill>
-          <a:blip r:embed="rId3" cstate="print"/>
-          <a:stretch>
-            <a:fillRect/>
-          </a:stretch>
-        </p:blipFill>
-        <p:spPr>
-          <a:xfrm>
-            <a:off x="6554816" y="8439489"/>
-            <a:ext cx="1350752" cy="1811459"/>
-          </a:xfrm>
-          <a:prstGeom prst="rect">
-            <a:avLst/>
-          </a:prstGeom>
-        </p:spPr>
-      </p:pic>
-      <p:pic>
-        <p:nvPicPr>
-          <p:cNvPr id="8" name="object 8"/>
-          <p:cNvPicPr/>
-          <p:nvPr/>
-        </p:nvPicPr>
-        <p:blipFill>
-          <a:blip r:embed="rId3" cstate="print"/>
-          <a:stretch>
-            <a:fillRect/>
-          </a:stretch>
-        </p:blipFill>
-        <p:spPr>
-          <a:xfrm>
-            <a:off x="8052152" y="8439489"/>
-            <a:ext cx="1350750" cy="1811459"/>
-          </a:xfrm>
-          <a:prstGeom prst="rect">
-            <a:avLst/>
-          </a:prstGeom>
-        </p:spPr>
-      </p:pic>
-      <p:sp>
-        <p:nvSpPr>
-          <p:cNvPr id="9" name="object 9"/>
-          <p:cNvSpPr txBox="1"/>
-          <p:nvPr/>
-        </p:nvSpPr>
-        <p:spPr>
-          <a:xfrm>
-            <a:off x="1983343" y="10570298"/>
-            <a:ext cx="5995035" cy="314960"/>
-          </a:xfrm>
-          <a:prstGeom prst="rect">
-            <a:avLst/>
-          </a:prstGeom>
-        </p:spPr>
-        <p:txBody>
-          <a:bodyPr vert="horz" wrap="square" lIns="0" tIns="12065" rIns="0" bIns="0" rtlCol="0">
-            <a:spAutoFit/>
-          </a:bodyPr>
-          <a:lstStyle/>
-          <a:p>
-            <a:pPr marL="12700">
-              <a:lnSpc>
-                <a:spcPct val="100000"/>
-              </a:lnSpc>
-              <a:spcBef>
-                <a:spcPts val="95"/>
-              </a:spcBef>
-            </a:pPr>
-            <a:r>
-              <a:rPr sz="1900" spc="-5" dirty="0">
-                <a:solidFill>
-                  <a:schemeClr val="bg1"/>
-                </a:solidFill>
-                <a:latin typeface="Diagramm"/>
-                <a:cs typeface="Diagramm"/>
-              </a:rPr>
-              <a:t>COURTINE</a:t>
-            </a:r>
-            <a:r>
-              <a:rPr sz="1900" spc="-10" dirty="0">
-                <a:solidFill>
-                  <a:schemeClr val="bg1"/>
-                </a:solidFill>
-                <a:latin typeface="Diagramm"/>
-                <a:cs typeface="Diagramm"/>
-              </a:rPr>
-              <a:t> </a:t>
-            </a:r>
-            <a:r>
-              <a:rPr sz="1900" spc="-5" dirty="0">
-                <a:solidFill>
-                  <a:schemeClr val="bg1"/>
-                </a:solidFill>
-                <a:latin typeface="Diagramm"/>
-                <a:cs typeface="Diagramm"/>
-              </a:rPr>
-              <a:t>ET AL. </a:t>
-            </a:r>
-            <a:r>
-              <a:rPr sz="1900" dirty="0">
-                <a:solidFill>
-                  <a:schemeClr val="bg1"/>
-                </a:solidFill>
-                <a:latin typeface="Diagramm"/>
-                <a:cs typeface="Diagramm"/>
-              </a:rPr>
-              <a:t>¦</a:t>
-            </a:r>
-            <a:r>
-              <a:rPr sz="1900" spc="-10" dirty="0">
-                <a:solidFill>
-                  <a:schemeClr val="bg1"/>
-                </a:solidFill>
-                <a:latin typeface="Diagramm"/>
-                <a:cs typeface="Diagramm"/>
-              </a:rPr>
-              <a:t> </a:t>
-            </a:r>
-            <a:r>
-              <a:rPr sz="1900" spc="-30" dirty="0">
-                <a:solidFill>
-                  <a:schemeClr val="bg1"/>
-                </a:solidFill>
-                <a:latin typeface="Diagramm"/>
-                <a:cs typeface="Diagramm"/>
-              </a:rPr>
-              <a:t>NATURE</a:t>
-            </a:r>
-            <a:r>
-              <a:rPr sz="1900" spc="-5" dirty="0">
-                <a:solidFill>
-                  <a:schemeClr val="bg1"/>
-                </a:solidFill>
-                <a:latin typeface="Diagramm"/>
-                <a:cs typeface="Diagramm"/>
-              </a:rPr>
-              <a:t> NEUROSCIENCE </a:t>
-            </a:r>
-            <a:r>
-              <a:rPr sz="1900" dirty="0">
-                <a:solidFill>
-                  <a:schemeClr val="bg1"/>
-                </a:solidFill>
-                <a:latin typeface="Diagramm"/>
-                <a:cs typeface="Diagramm"/>
-              </a:rPr>
-              <a:t>¦</a:t>
-            </a:r>
-            <a:r>
-              <a:rPr sz="1900" spc="-10" dirty="0">
-                <a:solidFill>
-                  <a:schemeClr val="bg1"/>
-                </a:solidFill>
-                <a:latin typeface="Diagramm"/>
-                <a:cs typeface="Diagramm"/>
-              </a:rPr>
-              <a:t> </a:t>
-            </a:r>
-            <a:r>
-              <a:rPr sz="1900" spc="-5" dirty="0">
-                <a:solidFill>
-                  <a:schemeClr val="bg1"/>
-                </a:solidFill>
-                <a:latin typeface="Diagramm"/>
-                <a:cs typeface="Diagramm"/>
-              </a:rPr>
-              <a:t>2009</a:t>
-            </a:r>
-            <a:endParaRPr sz="1900" dirty="0">
-              <a:solidFill>
-                <a:schemeClr val="bg1"/>
-              </a:solidFill>
-              <a:latin typeface="Diagramm"/>
-              <a:cs typeface="Diagramm"/>
-            </a:endParaRPr>
-          </a:p>
-        </p:txBody>
-      </p:sp>
-      <p:pic>
-        <p:nvPicPr>
-          <p:cNvPr id="10" name="object 10"/>
-          <p:cNvPicPr/>
-          <p:nvPr/>
-        </p:nvPicPr>
-        <p:blipFill>
-          <a:blip r:embed="rId4" cstate="print"/>
-          <a:stretch>
-            <a:fillRect/>
-          </a:stretch>
-        </p:blipFill>
-        <p:spPr>
-          <a:xfrm>
-            <a:off x="10093918" y="3"/>
-            <a:ext cx="10010181" cy="11308549"/>
-          </a:xfrm>
-          <a:prstGeom prst="rect">
-            <a:avLst/>
-          </a:prstGeom>
-        </p:spPr>
-      </p:pic>
-      <p:sp>
-        <p:nvSpPr>
-          <p:cNvPr id="11" name="object 11"/>
-          <p:cNvSpPr txBox="1"/>
-          <p:nvPr/>
-        </p:nvSpPr>
-        <p:spPr>
-          <a:xfrm>
-            <a:off x="12194899" y="4920431"/>
-            <a:ext cx="5748020" cy="1030605"/>
-          </a:xfrm>
-          <a:prstGeom prst="rect">
-            <a:avLst/>
-          </a:prstGeom>
-        </p:spPr>
-        <p:txBody>
-          <a:bodyPr vert="horz" wrap="square" lIns="0" tIns="12065" rIns="0" bIns="0" rtlCol="0">
-            <a:spAutoFit/>
-          </a:bodyPr>
-          <a:lstStyle/>
-          <a:p>
-            <a:pPr marL="12700">
-              <a:lnSpc>
-                <a:spcPct val="100000"/>
-              </a:lnSpc>
-              <a:spcBef>
-                <a:spcPts val="95"/>
-              </a:spcBef>
-            </a:pPr>
-            <a:r>
-              <a:rPr sz="6600" b="1" spc="-110" dirty="0">
-                <a:solidFill>
-                  <a:schemeClr val="bg1"/>
-                </a:solidFill>
-                <a:latin typeface="Diagramm Bold"/>
-                <a:cs typeface="Diagramm Bold"/>
-              </a:rPr>
-              <a:t>VIDE</a:t>
-            </a:r>
-            <a:r>
-              <a:rPr sz="6600" b="1" spc="-480" dirty="0">
-                <a:solidFill>
-                  <a:schemeClr val="bg1"/>
-                </a:solidFill>
-                <a:latin typeface="Diagramm Bold"/>
-                <a:cs typeface="Diagramm Bold"/>
-              </a:rPr>
-              <a:t>O</a:t>
-            </a:r>
-            <a:r>
-              <a:rPr sz="6600" b="1" spc="25" dirty="0">
-                <a:solidFill>
-                  <a:schemeClr val="bg1"/>
-                </a:solidFill>
-                <a:latin typeface="Diagramm Bold"/>
-                <a:cs typeface="Diagramm Bold"/>
-              </a:rPr>
-              <a:t>/</a:t>
-            </a:r>
-            <a:r>
-              <a:rPr sz="6600" b="1" spc="-135" dirty="0">
-                <a:solidFill>
-                  <a:schemeClr val="bg1"/>
-                </a:solidFill>
-                <a:latin typeface="Diagramm Bold"/>
-                <a:cs typeface="Diagramm Bold"/>
-              </a:rPr>
-              <a:t>IM</a:t>
-            </a:r>
-            <a:r>
-              <a:rPr sz="6600" b="1" spc="-409" dirty="0">
-                <a:solidFill>
-                  <a:schemeClr val="bg1"/>
-                </a:solidFill>
-                <a:latin typeface="Diagramm Bold"/>
-                <a:cs typeface="Diagramm Bold"/>
-              </a:rPr>
-              <a:t>A</a:t>
-            </a:r>
-            <a:r>
-              <a:rPr sz="6600" b="1" spc="-220" dirty="0">
-                <a:solidFill>
-                  <a:schemeClr val="bg1"/>
-                </a:solidFill>
-                <a:latin typeface="Diagramm Bold"/>
-                <a:cs typeface="Diagramm Bold"/>
-              </a:rPr>
-              <a:t>G</a:t>
-            </a:r>
-            <a:r>
-              <a:rPr sz="6600" b="1" spc="-430" dirty="0">
-                <a:solidFill>
-                  <a:schemeClr val="bg1"/>
-                </a:solidFill>
-                <a:latin typeface="Diagramm Bold"/>
-                <a:cs typeface="Diagramm Bold"/>
-              </a:rPr>
-              <a:t>E</a:t>
-            </a:r>
-            <a:endParaRPr sz="6600" dirty="0">
-              <a:solidFill>
-                <a:schemeClr val="bg1"/>
-              </a:solidFill>
-              <a:latin typeface="Diagramm Bold"/>
-              <a:cs typeface="Diagramm Bold"/>
-            </a:endParaRPr>
-          </a:p>
-        </p:txBody>
-      </p:sp>
-      <p:sp>
-        <p:nvSpPr>
-          <p:cNvPr id="12" name="object 12"/>
-          <p:cNvSpPr txBox="1"/>
-          <p:nvPr/>
-        </p:nvSpPr>
-        <p:spPr>
-          <a:xfrm>
-            <a:off x="14017993" y="5820886"/>
-            <a:ext cx="2101850" cy="402590"/>
-          </a:xfrm>
-          <a:prstGeom prst="rect">
-            <a:avLst/>
-          </a:prstGeom>
-        </p:spPr>
-        <p:txBody>
-          <a:bodyPr vert="horz" wrap="square" lIns="0" tIns="15240" rIns="0" bIns="0" rtlCol="0">
-            <a:spAutoFit/>
-          </a:bodyPr>
-          <a:lstStyle/>
-          <a:p>
-            <a:pPr marL="12700">
-              <a:lnSpc>
-                <a:spcPct val="100000"/>
-              </a:lnSpc>
-              <a:spcBef>
-                <a:spcPts val="120"/>
-              </a:spcBef>
-            </a:pPr>
-            <a:r>
-              <a:rPr sz="2450" b="1" spc="-70" dirty="0">
-                <a:solidFill>
-                  <a:schemeClr val="bg1"/>
-                </a:solidFill>
-                <a:latin typeface="Diagramm Bold"/>
-                <a:cs typeface="Diagramm Bold"/>
-              </a:rPr>
-              <a:t>(NO</a:t>
-            </a:r>
-            <a:r>
-              <a:rPr sz="2450" b="1" spc="114" dirty="0">
-                <a:solidFill>
-                  <a:schemeClr val="bg1"/>
-                </a:solidFill>
-                <a:latin typeface="Diagramm Bold"/>
-                <a:cs typeface="Diagramm Bold"/>
-              </a:rPr>
-              <a:t> </a:t>
-            </a:r>
-            <a:r>
-              <a:rPr sz="2450" b="1" spc="-55" dirty="0">
-                <a:solidFill>
-                  <a:schemeClr val="bg1"/>
-                </a:solidFill>
-                <a:latin typeface="Diagramm Bold"/>
-                <a:cs typeface="Diagramm Bold"/>
-              </a:rPr>
-              <a:t>BORDER)</a:t>
-            </a:r>
-            <a:endParaRPr sz="2450" dirty="0">
-              <a:solidFill>
-                <a:schemeClr val="bg1"/>
-              </a:solidFill>
-              <a:latin typeface="Diagramm Bold"/>
-              <a:cs typeface="Diagramm Bold"/>
-            </a:endParaRPr>
-          </a:p>
-        </p:txBody>
-      </p:sp>
-      <p:sp>
-        <p:nvSpPr>
-          <p:cNvPr id="13" name="object 13"/>
+      <p:sp>
+        <p:nvSpPr>
+          <p:cNvPr id="7" name="object 4">
+            <a:extLst>
+              <a:ext uri="{FF2B5EF4-FFF2-40B4-BE49-F238E27FC236}">
+                <a16:creationId xmlns:a16="http://schemas.microsoft.com/office/drawing/2014/main" id="{499D3297-56CD-5700-363A-7B6A4F0CB2D9}"/>
+              </a:ext>
+            </a:extLst>
+          </p:cNvPr>
           <p:cNvSpPr txBox="1">
             <a:spLocks noGrp="1"/>
           </p:cNvSpPr>
@@ -5063,6 +5743,10 @@
           </p:nvPr>
         </p:nvSpPr>
         <p:spPr>
+          <a:xfrm>
+            <a:off x="492946" y="382194"/>
+            <a:ext cx="19118207" cy="1031240"/>
+          </a:xfrm>
           <a:prstGeom prst="rect">
             <a:avLst/>
           </a:prstGeom>
@@ -5082,108 +5766,470 @@
               </a:spcBef>
             </a:pPr>
             <a:r>
-              <a:rPr lang="en-US" kern="0" spc="-5" dirty="0">
-                <a:solidFill>
-                  <a:schemeClr val="bg1"/>
-                </a:solidFill>
-              </a:rPr>
+              <a:rPr lang="en-US" kern="0" spc="-5" dirty="0"/>
               <a:t>Weighted Least Squares Estimation </a:t>
             </a:r>
             <a:br>
-              <a:rPr lang="en-US" kern="0" spc="-5" dirty="0">
-                <a:solidFill>
-                  <a:schemeClr val="bg1"/>
-                </a:solidFill>
-              </a:rPr>
+              <a:rPr lang="en-US" kern="0" spc="-5" dirty="0"/>
             </a:br>
             <a:r>
-              <a:rPr lang="en-US" b="0" kern="0" spc="-5" dirty="0">
-                <a:solidFill>
-                  <a:schemeClr val="bg1"/>
-                </a:solidFill>
-              </a:rPr>
+              <a:rPr lang="en-US" b="0" kern="0" spc="-5" dirty="0"/>
               <a:t>3D Body Part Trajectories</a:t>
             </a:r>
             <a:endParaRPr lang="en-US" b="0" kern="0" spc="-10" dirty="0">
-              <a:solidFill>
-                <a:schemeClr val="bg1"/>
-              </a:solidFill>
               <a:latin typeface="Diagramm Light"/>
               <a:cs typeface="Diagramm Light"/>
             </a:endParaRPr>
           </a:p>
         </p:txBody>
       </p:sp>
-      <p:sp>
-        <p:nvSpPr>
-          <p:cNvPr id="14" name="object 14"/>
-          <p:cNvSpPr txBox="1"/>
-          <p:nvPr/>
-        </p:nvSpPr>
-        <p:spPr>
-          <a:xfrm>
-            <a:off x="507192" y="1659609"/>
-            <a:ext cx="1029969" cy="402590"/>
-          </a:xfrm>
-          <a:prstGeom prst="rect">
-            <a:avLst/>
-          </a:prstGeom>
-        </p:spPr>
-        <p:txBody>
-          <a:bodyPr vert="horz" wrap="square" lIns="0" tIns="15240" rIns="0" bIns="0" rtlCol="0">
+      <p:pic>
+        <p:nvPicPr>
+          <p:cNvPr id="6" name="Picture 5" descr="A white text with black text&#10;&#10;Description automatically generated">
+            <a:extLst>
+              <a:ext uri="{FF2B5EF4-FFF2-40B4-BE49-F238E27FC236}">
+                <a16:creationId xmlns:a16="http://schemas.microsoft.com/office/drawing/2014/main" id="{337AAA7B-4E99-981C-7899-943FC4046398}"/>
+              </a:ext>
+            </a:extLst>
+          </p:cNvPr>
+          <p:cNvPicPr>
+            <a:picLocks noChangeAspect="1"/>
+          </p:cNvPicPr>
+          <p:nvPr/>
+        </p:nvPicPr>
+        <p:blipFill>
+          <a:blip r:embed="rId3">
+            <a:extLst>
+              <a:ext uri="{28A0092B-C50C-407E-A947-70E740481C1C}">
+                <a14:useLocalDpi xmlns:a14="http://schemas.microsoft.com/office/drawing/2010/main" val="0"/>
+              </a:ext>
+            </a:extLst>
+          </a:blip>
+          <a:stretch>
+            <a:fillRect/>
+          </a:stretch>
+        </p:blipFill>
+        <p:spPr>
+          <a:xfrm>
+            <a:off x="3603805" y="2682875"/>
+            <a:ext cx="12896490" cy="5943600"/>
+          </a:xfrm>
+          <a:prstGeom prst="rect">
+            <a:avLst/>
+          </a:prstGeom>
+        </p:spPr>
+      </p:pic>
+    </p:spTree>
+    <p:extLst>
+      <p:ext uri="{BB962C8B-B14F-4D97-AF65-F5344CB8AC3E}">
+        <p14:creationId xmlns:p14="http://schemas.microsoft.com/office/powerpoint/2010/main" val="478744987"/>
+      </p:ext>
+    </p:extLst>
+  </p:cSld>
+  <p:clrMapOvr>
+    <a:masterClrMapping/>
+  </p:clrMapOvr>
+</p:sld>
+</file>
+
+<file path=ppt/slides/slide5.xml><?xml version="1.0" encoding="utf-8"?>
+<p:sld xmlns:a="http://schemas.openxmlformats.org/drawingml/2006/main" xmlns:r="http://schemas.openxmlformats.org/officeDocument/2006/relationships" xmlns:p="http://schemas.openxmlformats.org/presentationml/2006/main">
+  <p:cSld>
+    <p:spTree>
+      <p:nvGrpSpPr>
+        <p:cNvPr id="1" name=""/>
+        <p:cNvGrpSpPr/>
+        <p:nvPr/>
+      </p:nvGrpSpPr>
+      <p:grpSpPr>
+        <a:xfrm>
+          <a:off x="0" y="0"/>
+          <a:ext cx="0" cy="0"/>
+          <a:chOff x="0" y="0"/>
+          <a:chExt cx="0" cy="0"/>
+        </a:xfrm>
+      </p:grpSpPr>
+      <p:pic>
+        <p:nvPicPr>
+          <p:cNvPr id="2" name="object 2"/>
+          <p:cNvPicPr>
+            <a:picLocks noGrp="1" noRot="1" noMove="1" noResize="1" noEditPoints="1" noAdjustHandles="1" noChangeArrowheads="1" noChangeShapeType="1" noCrop="1"/>
+          </p:cNvPicPr>
+          <p:nvPr/>
+        </p:nvPicPr>
+        <p:blipFill>
+          <a:blip r:embed="rId2" cstate="print"/>
+          <a:stretch>
+            <a:fillRect/>
+          </a:stretch>
+        </p:blipFill>
+        <p:spPr>
+          <a:xfrm>
+            <a:off x="0" y="0"/>
+            <a:ext cx="20104100" cy="11277143"/>
+          </a:xfrm>
+          <a:prstGeom prst="rect">
+            <a:avLst/>
+          </a:prstGeom>
+        </p:spPr>
+      </p:pic>
+      <p:sp>
+        <p:nvSpPr>
+          <p:cNvPr id="7" name="object 4">
+            <a:extLst>
+              <a:ext uri="{FF2B5EF4-FFF2-40B4-BE49-F238E27FC236}">
+                <a16:creationId xmlns:a16="http://schemas.microsoft.com/office/drawing/2014/main" id="{499D3297-56CD-5700-363A-7B6A4F0CB2D9}"/>
+              </a:ext>
+            </a:extLst>
+          </p:cNvPr>
+          <p:cNvSpPr txBox="1">
+            <a:spLocks noGrp="1"/>
+          </p:cNvSpPr>
+          <p:nvPr>
+            <p:ph type="title"/>
+          </p:nvPr>
+        </p:nvSpPr>
+        <p:spPr>
+          <a:xfrm>
+            <a:off x="492946" y="382194"/>
+            <a:ext cx="19118207" cy="1031240"/>
+          </a:xfrm>
+          <a:prstGeom prst="rect">
+            <a:avLst/>
+          </a:prstGeom>
+        </p:spPr>
+        <p:txBody>
+          <a:bodyPr vert="horz" wrap="square" lIns="0" tIns="12065" rIns="0" bIns="0" rtlCol="0">
             <a:spAutoFit/>
           </a:bodyPr>
           <a:lstStyle/>
           <a:p>
-            <a:pPr marL="12700">
+            <a:pPr marL="12799060">
               <a:lnSpc>
-                <a:spcPct val="100000"/>
+                <a:spcPts val="3960"/>
               </a:lnSpc>
               <a:spcBef>
-                <a:spcPts val="120"/>
+                <a:spcPts val="95"/>
               </a:spcBef>
             </a:pPr>
             <a:r>
-              <a:rPr sz="2450" spc="15" dirty="0">
-                <a:solidFill>
-                  <a:schemeClr val="bg1"/>
-                </a:solidFill>
-                <a:latin typeface="Diagramm"/>
-                <a:cs typeface="Diagramm"/>
-              </a:rPr>
-              <a:t>T</a:t>
-            </a:r>
-            <a:r>
-              <a:rPr sz="2450" spc="20" dirty="0">
-                <a:solidFill>
-                  <a:schemeClr val="bg1"/>
-                </a:solidFill>
-                <a:latin typeface="Diagramm"/>
-                <a:cs typeface="Diagramm"/>
-              </a:rPr>
-              <a:t>E</a:t>
-            </a:r>
-            <a:r>
-              <a:rPr sz="2450" spc="15" dirty="0">
-                <a:solidFill>
-                  <a:schemeClr val="bg1"/>
-                </a:solidFill>
-                <a:latin typeface="Diagramm"/>
-                <a:cs typeface="Diagramm"/>
-              </a:rPr>
-              <a:t>XTE</a:t>
-            </a:r>
-            <a:endParaRPr sz="2450" dirty="0">
-              <a:solidFill>
-                <a:schemeClr val="bg1"/>
-              </a:solidFill>
-              <a:latin typeface="Diagramm"/>
-              <a:cs typeface="Diagramm"/>
+              <a:rPr lang="en-US" kern="0" spc="-5" dirty="0"/>
+              <a:t>Weighted Least Squares Estimation </a:t>
+            </a:r>
+            <a:br>
+              <a:rPr lang="en-US" kern="0" spc="-5" dirty="0"/>
+            </a:br>
+            <a:r>
+              <a:rPr lang="en-US" b="0" kern="0" spc="-5" dirty="0"/>
+              <a:t>3D Body Part Trajectories</a:t>
+            </a:r>
+            <a:endParaRPr lang="en-US" b="0" kern="0" spc="-10" dirty="0">
+              <a:latin typeface="Diagramm Light"/>
+              <a:cs typeface="Diagramm Light"/>
             </a:endParaRPr>
           </a:p>
         </p:txBody>
       </p:sp>
+      <p:pic>
+        <p:nvPicPr>
+          <p:cNvPr id="6" name="Picture 5" descr="A white text with black text&#10;&#10;Description automatically generated with medium confidence">
+            <a:extLst>
+              <a:ext uri="{FF2B5EF4-FFF2-40B4-BE49-F238E27FC236}">
+                <a16:creationId xmlns:a16="http://schemas.microsoft.com/office/drawing/2014/main" id="{6F8245B1-1AF0-85BD-B6E0-2ADA37003657}"/>
+              </a:ext>
+            </a:extLst>
+          </p:cNvPr>
+          <p:cNvPicPr>
+            <a:picLocks noChangeAspect="1"/>
+          </p:cNvPicPr>
+          <p:nvPr/>
+        </p:nvPicPr>
+        <p:blipFill>
+          <a:blip r:embed="rId3">
+            <a:extLst>
+              <a:ext uri="{28A0092B-C50C-407E-A947-70E740481C1C}">
+                <a14:useLocalDpi xmlns:a14="http://schemas.microsoft.com/office/drawing/2010/main" val="0"/>
+              </a:ext>
+            </a:extLst>
+          </a:blip>
+          <a:stretch>
+            <a:fillRect/>
+          </a:stretch>
+        </p:blipFill>
+        <p:spPr>
+          <a:xfrm>
+            <a:off x="5175250" y="1675437"/>
+            <a:ext cx="9753600" cy="8475038"/>
+          </a:xfrm>
+          <a:prstGeom prst="rect">
+            <a:avLst/>
+          </a:prstGeom>
+        </p:spPr>
+      </p:pic>
     </p:spTree>
+    <p:extLst>
+      <p:ext uri="{BB962C8B-B14F-4D97-AF65-F5344CB8AC3E}">
+        <p14:creationId xmlns:p14="http://schemas.microsoft.com/office/powerpoint/2010/main" val="200841347"/>
+      </p:ext>
+    </p:extLst>
+  </p:cSld>
+  <p:clrMapOvr>
+    <a:masterClrMapping/>
+  </p:clrMapOvr>
+</p:sld>
+</file>
+
+<file path=ppt/slides/slide6.xml><?xml version="1.0" encoding="utf-8"?>
+<p:sld xmlns:a="http://schemas.openxmlformats.org/drawingml/2006/main" xmlns:r="http://schemas.openxmlformats.org/officeDocument/2006/relationships" xmlns:p="http://schemas.openxmlformats.org/presentationml/2006/main">
+  <p:cSld>
+    <p:spTree>
+      <p:nvGrpSpPr>
+        <p:cNvPr id="1" name=""/>
+        <p:cNvGrpSpPr/>
+        <p:nvPr/>
+      </p:nvGrpSpPr>
+      <p:grpSpPr>
+        <a:xfrm>
+          <a:off x="0" y="0"/>
+          <a:ext cx="0" cy="0"/>
+          <a:chOff x="0" y="0"/>
+          <a:chExt cx="0" cy="0"/>
+        </a:xfrm>
+      </p:grpSpPr>
+      <p:pic>
+        <p:nvPicPr>
+          <p:cNvPr id="2" name="object 2"/>
+          <p:cNvPicPr>
+            <a:picLocks noGrp="1" noRot="1" noMove="1" noResize="1" noEditPoints="1" noAdjustHandles="1" noChangeArrowheads="1" noChangeShapeType="1" noCrop="1"/>
+          </p:cNvPicPr>
+          <p:nvPr/>
+        </p:nvPicPr>
+        <p:blipFill>
+          <a:blip r:embed="rId2" cstate="print"/>
+          <a:stretch>
+            <a:fillRect/>
+          </a:stretch>
+        </p:blipFill>
+        <p:spPr>
+          <a:xfrm>
+            <a:off x="0" y="0"/>
+            <a:ext cx="20104100" cy="11277143"/>
+          </a:xfrm>
+          <a:prstGeom prst="rect">
+            <a:avLst/>
+          </a:prstGeom>
+        </p:spPr>
+      </p:pic>
+      <p:sp>
+        <p:nvSpPr>
+          <p:cNvPr id="7" name="object 4">
+            <a:extLst>
+              <a:ext uri="{FF2B5EF4-FFF2-40B4-BE49-F238E27FC236}">
+                <a16:creationId xmlns:a16="http://schemas.microsoft.com/office/drawing/2014/main" id="{499D3297-56CD-5700-363A-7B6A4F0CB2D9}"/>
+              </a:ext>
+            </a:extLst>
+          </p:cNvPr>
+          <p:cNvSpPr txBox="1">
+            <a:spLocks noGrp="1"/>
+          </p:cNvSpPr>
+          <p:nvPr>
+            <p:ph type="title"/>
+          </p:nvPr>
+        </p:nvSpPr>
+        <p:spPr>
+          <a:xfrm>
+            <a:off x="492946" y="382194"/>
+            <a:ext cx="19118207" cy="1031240"/>
+          </a:xfrm>
+          <a:prstGeom prst="rect">
+            <a:avLst/>
+          </a:prstGeom>
+        </p:spPr>
+        <p:txBody>
+          <a:bodyPr vert="horz" wrap="square" lIns="0" tIns="12065" rIns="0" bIns="0" rtlCol="0">
+            <a:spAutoFit/>
+          </a:bodyPr>
+          <a:lstStyle/>
+          <a:p>
+            <a:pPr marL="12799060">
+              <a:lnSpc>
+                <a:spcPts val="3960"/>
+              </a:lnSpc>
+              <a:spcBef>
+                <a:spcPts val="95"/>
+              </a:spcBef>
+            </a:pPr>
+            <a:r>
+              <a:rPr lang="en-US" kern="0" spc="-5" dirty="0"/>
+              <a:t>Weighted Least Squares Estimation </a:t>
+            </a:r>
+            <a:br>
+              <a:rPr lang="en-US" kern="0" spc="-5" dirty="0"/>
+            </a:br>
+            <a:r>
+              <a:rPr lang="en-US" b="0" kern="0" spc="-5" dirty="0"/>
+              <a:t>3D Body Part Trajectories</a:t>
+            </a:r>
+            <a:endParaRPr lang="en-US" b="0" kern="0" spc="-10" dirty="0">
+              <a:latin typeface="Diagramm Light"/>
+              <a:cs typeface="Diagramm Light"/>
+            </a:endParaRPr>
+          </a:p>
+        </p:txBody>
+      </p:sp>
+      <p:pic>
+        <p:nvPicPr>
+          <p:cNvPr id="4" name="Picture 3" descr="A math equation with black text&#10;&#10;Description automatically generated">
+            <a:extLst>
+              <a:ext uri="{FF2B5EF4-FFF2-40B4-BE49-F238E27FC236}">
+                <a16:creationId xmlns:a16="http://schemas.microsoft.com/office/drawing/2014/main" id="{A6AA7827-6E32-4785-C40F-9381D34A9C30}"/>
+              </a:ext>
+            </a:extLst>
+          </p:cNvPr>
+          <p:cNvPicPr>
+            <a:picLocks noChangeAspect="1"/>
+          </p:cNvPicPr>
+          <p:nvPr/>
+        </p:nvPicPr>
+        <p:blipFill>
+          <a:blip r:embed="rId3">
+            <a:extLst>
+              <a:ext uri="{28A0092B-C50C-407E-A947-70E740481C1C}">
+                <a14:useLocalDpi xmlns:a14="http://schemas.microsoft.com/office/drawing/2010/main" val="0"/>
+              </a:ext>
+            </a:extLst>
+          </a:blip>
+          <a:stretch>
+            <a:fillRect/>
+          </a:stretch>
+        </p:blipFill>
+        <p:spPr>
+          <a:xfrm>
+            <a:off x="3236710" y="2530475"/>
+            <a:ext cx="13630680" cy="6248400"/>
+          </a:xfrm>
+          <a:prstGeom prst="rect">
+            <a:avLst/>
+          </a:prstGeom>
+        </p:spPr>
+      </p:pic>
+    </p:spTree>
+    <p:extLst>
+      <p:ext uri="{BB962C8B-B14F-4D97-AF65-F5344CB8AC3E}">
+        <p14:creationId xmlns:p14="http://schemas.microsoft.com/office/powerpoint/2010/main" val="3629387249"/>
+      </p:ext>
+    </p:extLst>
+  </p:cSld>
+  <p:clrMapOvr>
+    <a:masterClrMapping/>
+  </p:clrMapOvr>
+</p:sld>
+</file>
+
+<file path=ppt/slides/slide7.xml><?xml version="1.0" encoding="utf-8"?>
+<p:sld xmlns:a="http://schemas.openxmlformats.org/drawingml/2006/main" xmlns:r="http://schemas.openxmlformats.org/officeDocument/2006/relationships" xmlns:p="http://schemas.openxmlformats.org/presentationml/2006/main">
+  <p:cSld>
+    <p:spTree>
+      <p:nvGrpSpPr>
+        <p:cNvPr id="1" name=""/>
+        <p:cNvGrpSpPr/>
+        <p:nvPr/>
+      </p:nvGrpSpPr>
+      <p:grpSpPr>
+        <a:xfrm>
+          <a:off x="0" y="0"/>
+          <a:ext cx="0" cy="0"/>
+          <a:chOff x="0" y="0"/>
+          <a:chExt cx="0" cy="0"/>
+        </a:xfrm>
+      </p:grpSpPr>
+      <p:pic>
+        <p:nvPicPr>
+          <p:cNvPr id="2" name="object 2"/>
+          <p:cNvPicPr>
+            <a:picLocks noGrp="1" noRot="1" noMove="1" noResize="1" noEditPoints="1" noAdjustHandles="1" noChangeArrowheads="1" noChangeShapeType="1" noCrop="1"/>
+          </p:cNvPicPr>
+          <p:nvPr/>
+        </p:nvPicPr>
+        <p:blipFill>
+          <a:blip r:embed="rId2" cstate="print"/>
+          <a:stretch>
+            <a:fillRect/>
+          </a:stretch>
+        </p:blipFill>
+        <p:spPr>
+          <a:xfrm>
+            <a:off x="0" y="0"/>
+            <a:ext cx="20104100" cy="11277143"/>
+          </a:xfrm>
+          <a:prstGeom prst="rect">
+            <a:avLst/>
+          </a:prstGeom>
+        </p:spPr>
+      </p:pic>
+      <p:sp>
+        <p:nvSpPr>
+          <p:cNvPr id="7" name="object 4">
+            <a:extLst>
+              <a:ext uri="{FF2B5EF4-FFF2-40B4-BE49-F238E27FC236}">
+                <a16:creationId xmlns:a16="http://schemas.microsoft.com/office/drawing/2014/main" id="{499D3297-56CD-5700-363A-7B6A4F0CB2D9}"/>
+              </a:ext>
+            </a:extLst>
+          </p:cNvPr>
+          <p:cNvSpPr txBox="1">
+            <a:spLocks noGrp="1"/>
+          </p:cNvSpPr>
+          <p:nvPr>
+            <p:ph type="title"/>
+          </p:nvPr>
+        </p:nvSpPr>
+        <p:spPr>
+          <a:xfrm>
+            <a:off x="492946" y="382194"/>
+            <a:ext cx="19118207" cy="1031240"/>
+          </a:xfrm>
+          <a:prstGeom prst="rect">
+            <a:avLst/>
+          </a:prstGeom>
+        </p:spPr>
+        <p:txBody>
+          <a:bodyPr vert="horz" wrap="square" lIns="0" tIns="12065" rIns="0" bIns="0" rtlCol="0">
+            <a:spAutoFit/>
+          </a:bodyPr>
+          <a:lstStyle/>
+          <a:p>
+            <a:pPr marL="12799060">
+              <a:lnSpc>
+                <a:spcPts val="3960"/>
+              </a:lnSpc>
+              <a:spcBef>
+                <a:spcPts val="95"/>
+              </a:spcBef>
+            </a:pPr>
+            <a:r>
+              <a:rPr lang="en-US" kern="0" spc="-5" dirty="0"/>
+              <a:t>Weighted Least Squares Estimation </a:t>
+            </a:r>
+            <a:br>
+              <a:rPr lang="en-US" kern="0" spc="-5" dirty="0"/>
+            </a:br>
+            <a:r>
+              <a:rPr lang="en-US" b="0" kern="0" spc="-5" dirty="0"/>
+              <a:t>3D Body Part Trajectories</a:t>
+            </a:r>
+            <a:endParaRPr lang="en-US" b="0" kern="0" spc="-10" dirty="0">
+              <a:latin typeface="Diagramm Light"/>
+              <a:cs typeface="Diagramm Light"/>
+            </a:endParaRPr>
+          </a:p>
+        </p:txBody>
+      </p:sp>
+    </p:spTree>
+    <p:extLst>
+      <p:ext uri="{BB962C8B-B14F-4D97-AF65-F5344CB8AC3E}">
+        <p14:creationId xmlns:p14="http://schemas.microsoft.com/office/powerpoint/2010/main" val="1164438190"/>
+      </p:ext>
+    </p:extLst>
   </p:cSld>
   <p:clrMapOvr>
     <a:masterClrMapping/>
@@ -5240,73 +6286,43 @@
         </p:nvSpPr>
         <p:spPr>
           <a:xfrm>
-            <a:off x="507192" y="1659609"/>
-            <a:ext cx="636270" cy="402590"/>
-          </a:xfrm>
-          <a:prstGeom prst="rect">
-            <a:avLst/>
-          </a:prstGeom>
-        </p:spPr>
-        <p:txBody>
-          <a:bodyPr vert="horz" wrap="square" lIns="0" tIns="15240" rIns="0" bIns="0" rtlCol="0">
+            <a:off x="3947850" y="4920431"/>
+            <a:ext cx="12190095" cy="1030605"/>
+          </a:xfrm>
+          <a:prstGeom prst="rect">
+            <a:avLst/>
+          </a:prstGeom>
+        </p:spPr>
+        <p:txBody>
+          <a:bodyPr vert="horz" wrap="square" lIns="0" tIns="12065" rIns="0" bIns="0" rtlCol="0">
             <a:spAutoFit/>
           </a:bodyPr>
           <a:lstStyle/>
           <a:p>
-            <a:pPr marL="12700">
+            <a:pPr marL="12700" algn="ctr">
               <a:lnSpc>
                 <a:spcPct val="100000"/>
               </a:lnSpc>
               <a:spcBef>
-                <a:spcPts val="120"/>
+                <a:spcPts val="95"/>
               </a:spcBef>
             </a:pPr>
             <a:r>
-              <a:rPr sz="2450" spc="-254" dirty="0">
-                <a:solidFill>
-                  <a:schemeClr val="bg1"/>
-                </a:solidFill>
-                <a:latin typeface="Diagramm"/>
-                <a:cs typeface="Diagramm"/>
-              </a:rPr>
-              <a:t>T</a:t>
-            </a:r>
-            <a:r>
-              <a:rPr sz="2450" spc="-40" dirty="0">
-                <a:solidFill>
-                  <a:schemeClr val="bg1"/>
-                </a:solidFill>
-                <a:latin typeface="Diagramm"/>
-                <a:cs typeface="Diagramm"/>
-              </a:rPr>
-              <a:t>e</a:t>
-            </a:r>
-            <a:r>
-              <a:rPr sz="2450" spc="-5" dirty="0">
-                <a:solidFill>
-                  <a:schemeClr val="bg1"/>
-                </a:solidFill>
-                <a:latin typeface="Diagramm"/>
-                <a:cs typeface="Diagramm"/>
-              </a:rPr>
-              <a:t>x</a:t>
-            </a:r>
-            <a:r>
-              <a:rPr sz="2450" spc="-90" dirty="0">
-                <a:solidFill>
-                  <a:schemeClr val="bg1"/>
-                </a:solidFill>
-                <a:latin typeface="Diagramm"/>
-                <a:cs typeface="Diagramm"/>
-              </a:rPr>
-              <a:t>t</a:t>
-            </a:r>
-            <a:endParaRPr sz="2450" dirty="0">
+              <a:rPr lang="en-US" sz="6600" b="1" dirty="0">
+                <a:solidFill>
+                  <a:schemeClr val="bg1"/>
+                </a:solidFill>
+                <a:latin typeface="Diagramm Bold"/>
+                <a:cs typeface="Diagramm Bold"/>
+              </a:rPr>
+              <a:t>PERFORMANCE</a:t>
+            </a:r>
+            <a:endParaRPr sz="6600" b="1" dirty="0">
               <a:solidFill>
                 <a:schemeClr val="bg1"/>
               </a:solidFill>
-              <a:latin typeface="Diagramm"/>
-              <a:cs typeface="Diagramm"/>
+              <a:latin typeface="Diagramm Bold"/>
+              <a:cs typeface="Diagramm Bold"/>
             </a:endParaRPr>
           </a:p>
         </p:txBody>
@@ -5318,10 +6334,14 @@
             <a:spLocks noGrp="1"/>
           </p:cNvSpPr>
           <p:nvPr>
-            <p:ph type="title"/>
+            <p:ph type="ctrTitle"/>
           </p:nvPr>
         </p:nvSpPr>
         <p:spPr>
+          <a:xfrm>
+            <a:off x="492946" y="382194"/>
+            <a:ext cx="19118207" cy="1021562"/>
+          </a:xfrm>
           <a:prstGeom prst="rect">
             <a:avLst/>
           </a:prstGeom>
@@ -5341,7 +6361,7 @@
               </a:spcBef>
             </a:pPr>
             <a:r>
-              <a:rPr lang="en-US" kern="0" spc="-5" dirty="0">
+              <a:rPr lang="en-US" spc="-5" dirty="0">
                 <a:solidFill>
                   <a:schemeClr val="bg1"/>
                 </a:solidFill>
@@ -5349,21 +6369,21 @@
               <a:t>Weighted Least Squares Estimation </a:t>
             </a:r>
             <a:br>
-              <a:rPr lang="en-US" kern="0" spc="-5" dirty="0">
+              <a:rPr lang="en-US" spc="-5" dirty="0">
                 <a:solidFill>
                   <a:schemeClr val="bg1"/>
                 </a:solidFill>
               </a:rPr>
             </a:br>
             <a:r>
-              <a:rPr lang="en-US" b="0" kern="0" spc="-5" dirty="0">
+              <a:rPr lang="en-US" b="0" spc="-5" dirty="0">
                 <a:solidFill>
                   <a:schemeClr val="bg1"/>
                 </a:solidFill>
               </a:rPr>
               <a:t>3D Body Part Trajectories</a:t>
             </a:r>
-            <a:endParaRPr lang="en-US" b="0" kern="0" spc="-10" dirty="0">
+            <a:endParaRPr lang="en-US" b="0" spc="-10" dirty="0">
               <a:solidFill>
                 <a:schemeClr val="bg1"/>
               </a:solidFill>
@@ -5374,6 +6394,11 @@
         </p:txBody>
       </p:sp>
     </p:spTree>
+    <p:extLst>
+      <p:ext uri="{BB962C8B-B14F-4D97-AF65-F5344CB8AC3E}">
+        <p14:creationId xmlns:p14="http://schemas.microsoft.com/office/powerpoint/2010/main" val="3394863383"/>
+      </p:ext>
+    </p:extLst>
   </p:cSld>
   <p:clrMapOvr>
     <a:masterClrMapping/>
@@ -5415,7 +6440,7 @@
         <p:spPr>
           <a:xfrm>
             <a:off x="0" y="0"/>
-            <a:ext cx="20104100" cy="11308556"/>
+            <a:ext cx="20104100" cy="11277143"/>
           </a:xfrm>
           <a:prstGeom prst="rect">
             <a:avLst/>
@@ -5453,9 +6478,6 @@
             </a:pPr>
             <a:r>
               <a:rPr sz="2450" spc="-254" dirty="0">
-                <a:solidFill>
-                  <a:schemeClr val="bg1"/>
-                </a:solidFill>
                 <a:latin typeface="Diagramm"/>
                 <a:cs typeface="Diagramm"/>
               </a:rPr>
@@ -5463,9 +6485,6 @@
             </a:r>
             <a:r>
               <a:rPr sz="2450" spc="-40" dirty="0">
-                <a:solidFill>
-                  <a:schemeClr val="bg1"/>
-                </a:solidFill>
                 <a:latin typeface="Diagramm"/>
                 <a:cs typeface="Diagramm"/>
               </a:rPr>
@@ -5473,9 +6492,6 @@
             </a:r>
             <a:r>
               <a:rPr sz="2450" spc="-5" dirty="0">
-                <a:solidFill>
-                  <a:schemeClr val="bg1"/>
-                </a:solidFill>
                 <a:latin typeface="Diagramm"/>
                 <a:cs typeface="Diagramm"/>
               </a:rPr>
@@ -5483,18 +6499,12 @@
             </a:r>
             <a:r>
               <a:rPr sz="2450" spc="-90" dirty="0">
-                <a:solidFill>
-                  <a:schemeClr val="bg1"/>
-                </a:solidFill>
                 <a:latin typeface="Diagramm"/>
                 <a:cs typeface="Diagramm"/>
               </a:rPr>
               <a:t>t</a:t>
             </a:r>
-            <a:endParaRPr sz="2450" dirty="0">
-              <a:solidFill>
-                <a:schemeClr val="bg1"/>
-              </a:solidFill>
+            <a:endParaRPr sz="2450">
               <a:latin typeface="Diagramm"/>
               <a:cs typeface="Diagramm"/>
             </a:endParaRPr>
@@ -5503,7 +6513,13 @@
       </p:sp>
       <p:sp>
         <p:nvSpPr>
-          <p:cNvPr id="4" name="object 4"/>
+          <p:cNvPr id="7" name="object 4">
+            <a:extLst>
+              <a:ext uri="{FF2B5EF4-FFF2-40B4-BE49-F238E27FC236}">
+                <a16:creationId xmlns:a16="http://schemas.microsoft.com/office/drawing/2014/main" id="{499D3297-56CD-5700-363A-7B6A4F0CB2D9}"/>
+              </a:ext>
+            </a:extLst>
+          </p:cNvPr>
           <p:cNvSpPr txBox="1">
             <a:spLocks noGrp="1"/>
           </p:cNvSpPr>
@@ -5512,6 +6528,10 @@
           </p:nvPr>
         </p:nvSpPr>
         <p:spPr>
+          <a:xfrm>
+            <a:off x="492946" y="382194"/>
+            <a:ext cx="19118207" cy="1031240"/>
+          </a:xfrm>
           <a:prstGeom prst="rect">
             <a:avLst/>
           </a:prstGeom>
@@ -5531,32 +6551,17 @@
               </a:spcBef>
             </a:pPr>
             <a:r>
-              <a:rPr lang="en-US" kern="0" spc="-5" dirty="0">
-                <a:solidFill>
-                  <a:schemeClr val="bg1"/>
-                </a:solidFill>
-              </a:rPr>
+              <a:rPr lang="en-US" kern="0" spc="-5" dirty="0"/>
               <a:t>Weighted Least Squares Estimation </a:t>
             </a:r>
             <a:br>
-              <a:rPr lang="en-US" kern="0" spc="-5" dirty="0">
-                <a:solidFill>
-                  <a:schemeClr val="bg1"/>
-                </a:solidFill>
-              </a:rPr>
+              <a:rPr lang="en-US" kern="0" spc="-5" dirty="0"/>
             </a:br>
             <a:r>
-              <a:rPr lang="en-US" b="0" kern="0" spc="-5" dirty="0">
-                <a:solidFill>
-                  <a:schemeClr val="bg1"/>
-                </a:solidFill>
-              </a:rPr>
+              <a:rPr lang="en-US" b="0" kern="0" spc="-5" dirty="0"/>
               <a:t>3D Body Part Trajectories</a:t>
             </a:r>
             <a:endParaRPr lang="en-US" b="0" kern="0" spc="-10" dirty="0">
-              <a:solidFill>
-                <a:schemeClr val="bg1"/>
-              </a:solidFill>
               <a:latin typeface="Diagramm Light"/>
               <a:cs typeface="Diagramm Light"/>
             </a:endParaRPr>
@@ -5564,6 +6569,11 @@
         </p:txBody>
       </p:sp>
     </p:spTree>
+    <p:extLst>
+      <p:ext uri="{BB962C8B-B14F-4D97-AF65-F5344CB8AC3E}">
+        <p14:creationId xmlns:p14="http://schemas.microsoft.com/office/powerpoint/2010/main" val="430438349"/>
+      </p:ext>
+    </p:extLst>
   </p:cSld>
   <p:clrMapOvr>
     <a:masterClrMapping/>

--- a/wls_gated_dlc_triangulation/Weighted_Least_Squares.pptx
+++ b/wls_gated_dlc_triangulation/Weighted_Least_Squares.pptx
@@ -14,19 +14,21 @@
     <p:sldId id="278" r:id="rId8"/>
     <p:sldId id="271" r:id="rId9"/>
     <p:sldId id="273" r:id="rId10"/>
-    <p:sldId id="262" r:id="rId11"/>
-    <p:sldId id="259" r:id="rId12"/>
-    <p:sldId id="257" r:id="rId13"/>
-    <p:sldId id="261" r:id="rId14"/>
-    <p:sldId id="260" r:id="rId15"/>
-    <p:sldId id="263" r:id="rId16"/>
-    <p:sldId id="264" r:id="rId17"/>
-    <p:sldId id="265" r:id="rId18"/>
-    <p:sldId id="266" r:id="rId19"/>
-    <p:sldId id="267" r:id="rId20"/>
-    <p:sldId id="268" r:id="rId21"/>
-    <p:sldId id="269" r:id="rId22"/>
-    <p:sldId id="270" r:id="rId23"/>
+    <p:sldId id="280" r:id="rId11"/>
+    <p:sldId id="279" r:id="rId12"/>
+    <p:sldId id="262" r:id="rId13"/>
+    <p:sldId id="259" r:id="rId14"/>
+    <p:sldId id="257" r:id="rId15"/>
+    <p:sldId id="261" r:id="rId16"/>
+    <p:sldId id="260" r:id="rId17"/>
+    <p:sldId id="263" r:id="rId18"/>
+    <p:sldId id="264" r:id="rId19"/>
+    <p:sldId id="265" r:id="rId20"/>
+    <p:sldId id="266" r:id="rId21"/>
+    <p:sldId id="267" r:id="rId22"/>
+    <p:sldId id="268" r:id="rId23"/>
+    <p:sldId id="269" r:id="rId24"/>
+    <p:sldId id="270" r:id="rId25"/>
   </p:sldIdLst>
   <p:sldSz cx="20104100" cy="11309350"/>
   <p:notesSz cx="20104100" cy="11309350"/>
@@ -289,7 +291,7 @@
           <a:p>
             <a:fld id="{1D8BD707-D9CF-40AE-B4C6-C98DA3205C09}" type="datetimeFigureOut">
               <a:rPr lang="en-US"/>
-              <a:t>7/5/24</a:t>
+              <a:t>7/8/24</a:t>
             </a:fld>
             <a:endParaRPr lang="en-US"/>
           </a:p>
@@ -460,7 +462,7 @@
           <a:p>
             <a:fld id="{1D8BD707-D9CF-40AE-B4C6-C98DA3205C09}" type="datetimeFigureOut">
               <a:rPr lang="en-US"/>
-              <a:t>7/5/24</a:t>
+              <a:t>7/8/24</a:t>
             </a:fld>
             <a:endParaRPr lang="en-US"/>
           </a:p>
@@ -674,7 +676,7 @@
           <a:p>
             <a:fld id="{1D8BD707-D9CF-40AE-B4C6-C98DA3205C09}" type="datetimeFigureOut">
               <a:rPr lang="en-US"/>
-              <a:t>7/5/24</a:t>
+              <a:t>7/8/24</a:t>
             </a:fld>
             <a:endParaRPr lang="en-US"/>
           </a:p>
@@ -880,7 +882,7 @@
           <a:p>
             <a:fld id="{1D8BD707-D9CF-40AE-B4C6-C98DA3205C09}" type="datetimeFigureOut">
               <a:rPr lang="en-US"/>
-              <a:t>7/5/24</a:t>
+              <a:t>7/8/24</a:t>
             </a:fld>
             <a:endParaRPr lang="en-US"/>
           </a:p>
@@ -999,7 +1001,7 @@
           <a:p>
             <a:fld id="{1D8BD707-D9CF-40AE-B4C6-C98DA3205C09}" type="datetimeFigureOut">
               <a:rPr lang="en-US"/>
-              <a:t>7/5/24</a:t>
+              <a:t>7/8/24</a:t>
             </a:fld>
             <a:endParaRPr lang="en-US"/>
           </a:p>
@@ -1218,7 +1220,7 @@
           <a:p>
             <a:fld id="{1D8BD707-D9CF-40AE-B4C6-C98DA3205C09}" type="datetimeFigureOut">
               <a:rPr lang="en-US"/>
-              <a:t>7/5/24</a:t>
+              <a:t>7/8/24</a:t>
             </a:fld>
             <a:endParaRPr lang="en-US"/>
           </a:p>
@@ -1525,7 +1527,7 @@
 </file>
 
 <file path=ppt/slides/slide10.xml><?xml version="1.0" encoding="utf-8"?>
-<p:sld xmlns:a="http://schemas.openxmlformats.org/drawingml/2006/main" xmlns:r="http://schemas.openxmlformats.org/officeDocument/2006/relationships" xmlns:p="http://schemas.openxmlformats.org/presentationml/2006/main" showMasterSp="0">
+<p:sld xmlns:a="http://schemas.openxmlformats.org/drawingml/2006/main" xmlns:r="http://schemas.openxmlformats.org/officeDocument/2006/relationships" xmlns:p="http://schemas.openxmlformats.org/presentationml/2006/main">
   <p:cSld>
     <p:spTree>
       <p:nvGrpSpPr>
@@ -1549,225 +1551,32 @@
           </p:cNvPicPr>
           <p:nvPr/>
         </p:nvPicPr>
-        <p:blipFill rotWithShape="1">
+        <p:blipFill>
           <a:blip r:embed="rId2" cstate="print"/>
-          <a:srcRect r="353"/>
-          <a:stretch/>
-        </p:blipFill>
-        <p:spPr>
-          <a:xfrm>
-            <a:off x="37915" y="30116"/>
-            <a:ext cx="20032941" cy="11251966"/>
-          </a:xfrm>
-          <a:prstGeom prst="rect">
-            <a:avLst/>
-          </a:prstGeom>
-        </p:spPr>
-      </p:pic>
-      <p:pic>
-        <p:nvPicPr>
-          <p:cNvPr id="3" name="object 3"/>
-          <p:cNvPicPr/>
-          <p:nvPr/>
-        </p:nvPicPr>
-        <p:blipFill>
-          <a:blip r:embed="rId3" cstate="print"/>
           <a:stretch>
             <a:fillRect/>
           </a:stretch>
         </p:blipFill>
         <p:spPr>
           <a:xfrm>
-            <a:off x="460779" y="8439489"/>
-            <a:ext cx="1350720" cy="1811459"/>
+            <a:off x="0" y="0"/>
+            <a:ext cx="20104100" cy="11277143"/>
           </a:xfrm>
           <a:prstGeom prst="rect">
             <a:avLst/>
           </a:prstGeom>
         </p:spPr>
       </p:pic>
-      <p:pic>
-        <p:nvPicPr>
-          <p:cNvPr id="4" name="object 4"/>
-          <p:cNvPicPr/>
-          <p:nvPr/>
-        </p:nvPicPr>
-        <p:blipFill>
-          <a:blip r:embed="rId3" cstate="print"/>
-          <a:stretch>
-            <a:fillRect/>
-          </a:stretch>
-        </p:blipFill>
-        <p:spPr>
-          <a:xfrm>
-            <a:off x="1947636" y="8439489"/>
-            <a:ext cx="1350750" cy="1811459"/>
-          </a:xfrm>
-          <a:prstGeom prst="rect">
-            <a:avLst/>
-          </a:prstGeom>
-        </p:spPr>
-      </p:pic>
-      <p:pic>
-        <p:nvPicPr>
-          <p:cNvPr id="5" name="object 5"/>
-          <p:cNvPicPr/>
-          <p:nvPr/>
-        </p:nvPicPr>
-        <p:blipFill>
-          <a:blip r:embed="rId3" cstate="print"/>
-          <a:stretch>
-            <a:fillRect/>
-          </a:stretch>
-        </p:blipFill>
-        <p:spPr>
-          <a:xfrm>
-            <a:off x="3444970" y="8439489"/>
-            <a:ext cx="1350752" cy="1811459"/>
-          </a:xfrm>
-          <a:prstGeom prst="rect">
-            <a:avLst/>
-          </a:prstGeom>
-        </p:spPr>
-      </p:pic>
-      <p:pic>
-        <p:nvPicPr>
-          <p:cNvPr id="6" name="object 6"/>
-          <p:cNvPicPr/>
-          <p:nvPr/>
-        </p:nvPicPr>
-        <p:blipFill>
-          <a:blip r:embed="rId3" cstate="print"/>
-          <a:stretch>
-            <a:fillRect/>
-          </a:stretch>
-        </p:blipFill>
-        <p:spPr>
-          <a:xfrm>
-            <a:off x="4942305" y="8439489"/>
-            <a:ext cx="1350750" cy="1811459"/>
-          </a:xfrm>
-          <a:prstGeom prst="rect">
-            <a:avLst/>
-          </a:prstGeom>
-        </p:spPr>
-      </p:pic>
-      <p:sp>
-        <p:nvSpPr>
-          <p:cNvPr id="8" name="object 8"/>
+      <p:sp>
+        <p:nvSpPr>
+          <p:cNvPr id="3" name="object 3"/>
           <p:cNvSpPr txBox="1"/>
           <p:nvPr/>
         </p:nvSpPr>
         <p:spPr>
           <a:xfrm>
-            <a:off x="381541" y="10580816"/>
-            <a:ext cx="5995035" cy="314960"/>
-          </a:xfrm>
-          <a:prstGeom prst="rect">
-            <a:avLst/>
-          </a:prstGeom>
-        </p:spPr>
-        <p:txBody>
-          <a:bodyPr vert="horz" wrap="square" lIns="0" tIns="12065" rIns="0" bIns="0" rtlCol="0">
-            <a:spAutoFit/>
-          </a:bodyPr>
-          <a:lstStyle/>
-          <a:p>
-            <a:pPr marL="12700">
-              <a:lnSpc>
-                <a:spcPct val="100000"/>
-              </a:lnSpc>
-              <a:spcBef>
-                <a:spcPts val="95"/>
-              </a:spcBef>
-            </a:pPr>
-            <a:r>
-              <a:rPr sz="1900" spc="-5" dirty="0">
-                <a:latin typeface="Diagramm"/>
-                <a:cs typeface="Diagramm"/>
-              </a:rPr>
-              <a:t>COURTINE</a:t>
-            </a:r>
-            <a:r>
-              <a:rPr sz="1900" spc="-10" dirty="0">
-                <a:latin typeface="Diagramm"/>
-                <a:cs typeface="Diagramm"/>
-              </a:rPr>
-              <a:t> </a:t>
-            </a:r>
-            <a:r>
-              <a:rPr sz="1900" spc="-5" dirty="0">
-                <a:latin typeface="Diagramm"/>
-                <a:cs typeface="Diagramm"/>
-              </a:rPr>
-              <a:t>ET AL. </a:t>
-            </a:r>
-            <a:r>
-              <a:rPr sz="1900" dirty="0">
-                <a:latin typeface="Diagramm"/>
-                <a:cs typeface="Diagramm"/>
-              </a:rPr>
-              <a:t>¦</a:t>
-            </a:r>
-            <a:r>
-              <a:rPr sz="1900" spc="-10" dirty="0">
-                <a:latin typeface="Diagramm"/>
-                <a:cs typeface="Diagramm"/>
-              </a:rPr>
-              <a:t> </a:t>
-            </a:r>
-            <a:r>
-              <a:rPr sz="1900" spc="-30" dirty="0">
-                <a:latin typeface="Diagramm"/>
-                <a:cs typeface="Diagramm"/>
-              </a:rPr>
-              <a:t>NATURE</a:t>
-            </a:r>
-            <a:r>
-              <a:rPr sz="1900" spc="-5" dirty="0">
-                <a:latin typeface="Diagramm"/>
-                <a:cs typeface="Diagramm"/>
-              </a:rPr>
-              <a:t> NEUROSCIENCE </a:t>
-            </a:r>
-            <a:r>
-              <a:rPr sz="1900" dirty="0">
-                <a:latin typeface="Diagramm"/>
-                <a:cs typeface="Diagramm"/>
-              </a:rPr>
-              <a:t>¦</a:t>
-            </a:r>
-            <a:r>
-              <a:rPr sz="1900" spc="-10" dirty="0">
-                <a:latin typeface="Diagramm"/>
-                <a:cs typeface="Diagramm"/>
-              </a:rPr>
-              <a:t> </a:t>
-            </a:r>
-            <a:r>
-              <a:rPr sz="1900" spc="-5" dirty="0">
-                <a:latin typeface="Diagramm"/>
-                <a:cs typeface="Diagramm"/>
-              </a:rPr>
-              <a:t>2009</a:t>
-            </a:r>
-            <a:endParaRPr sz="1900" dirty="0">
-              <a:latin typeface="Diagramm"/>
-              <a:cs typeface="Diagramm"/>
-            </a:endParaRPr>
-          </a:p>
-        </p:txBody>
-      </p:sp>
-      <p:sp>
-        <p:nvSpPr>
-          <p:cNvPr id="9" name="object 9"/>
-          <p:cNvSpPr txBox="1"/>
-          <p:nvPr/>
-        </p:nvSpPr>
-        <p:spPr>
-          <a:xfrm>
-            <a:off x="507192" y="1659609"/>
-            <a:ext cx="1029969" cy="402590"/>
+            <a:off x="755650" y="2280803"/>
+            <a:ext cx="6248400" cy="7409721"/>
           </a:xfrm>
           <a:prstGeom prst="rect">
             <a:avLst/>
@@ -1788,140 +1597,122 @@
               </a:spcBef>
             </a:pPr>
             <a:r>
-              <a:rPr sz="2450" spc="15" dirty="0">
-                <a:latin typeface="Diagramm"/>
-                <a:cs typeface="Diagramm"/>
-              </a:rPr>
-              <a:t>T</a:t>
-            </a:r>
-            <a:r>
-              <a:rPr sz="2450" spc="20" dirty="0">
-                <a:latin typeface="Diagramm"/>
-                <a:cs typeface="Diagramm"/>
-              </a:rPr>
-              <a:t>E</a:t>
-            </a:r>
-            <a:r>
-              <a:rPr sz="2450" spc="15" dirty="0">
-                <a:latin typeface="Diagramm"/>
-                <a:cs typeface="Diagramm"/>
-              </a:rPr>
-              <a:t>XTE</a:t>
-            </a:r>
-            <a:endParaRPr sz="2450">
-              <a:latin typeface="Diagramm"/>
-              <a:cs typeface="Diagramm"/>
-            </a:endParaRPr>
-          </a:p>
-        </p:txBody>
-      </p:sp>
-      <p:sp>
-        <p:nvSpPr>
-          <p:cNvPr id="10" name="object 10"/>
-          <p:cNvSpPr txBox="1"/>
-          <p:nvPr/>
-        </p:nvSpPr>
-        <p:spPr>
-          <a:xfrm>
-            <a:off x="8072676" y="4920431"/>
-            <a:ext cx="10955655" cy="1030605"/>
-          </a:xfrm>
-          <a:prstGeom prst="rect">
-            <a:avLst/>
-          </a:prstGeom>
-        </p:spPr>
-        <p:txBody>
-          <a:bodyPr vert="horz" wrap="square" lIns="0" tIns="12065" rIns="0" bIns="0" rtlCol="0">
-            <a:spAutoFit/>
-          </a:bodyPr>
-          <a:lstStyle/>
+              <a:rPr lang="en-US" sz="6000" b="1" spc="-254" dirty="0">
+                <a:latin typeface="Diagramm"/>
+                <a:cs typeface="Diagramm"/>
+              </a:rPr>
+              <a:t>TASK #1</a:t>
+            </a:r>
+          </a:p>
           <a:p>
             <a:pPr marL="12700">
               <a:lnSpc>
                 <a:spcPct val="100000"/>
               </a:lnSpc>
               <a:spcBef>
-                <a:spcPts val="95"/>
+                <a:spcPts val="120"/>
               </a:spcBef>
             </a:pPr>
-            <a:r>
-              <a:rPr sz="6600" b="1" spc="-200" dirty="0">
-                <a:solidFill>
-                  <a:schemeClr val="bg1"/>
-                </a:solidFill>
-                <a:latin typeface="Diagramm Bold"/>
-                <a:cs typeface="Diagramm Bold"/>
-              </a:rPr>
-              <a:t>VIDEO/IMAGE</a:t>
-            </a:r>
-            <a:r>
-              <a:rPr sz="6600" b="1" spc="409" dirty="0">
-                <a:solidFill>
-                  <a:schemeClr val="bg1"/>
-                </a:solidFill>
-                <a:latin typeface="Diagramm Bold"/>
-                <a:cs typeface="Diagramm Bold"/>
-              </a:rPr>
-              <a:t> </a:t>
-            </a:r>
-            <a:r>
-              <a:rPr sz="6600" b="1" spc="-195" dirty="0">
-                <a:solidFill>
-                  <a:schemeClr val="bg1"/>
-                </a:solidFill>
-                <a:latin typeface="Diagramm Bold"/>
-                <a:cs typeface="Diagramm Bold"/>
-              </a:rPr>
-              <a:t>2/3</a:t>
-            </a:r>
-            <a:r>
-              <a:rPr sz="6600" b="1" spc="409" dirty="0">
-                <a:solidFill>
-                  <a:schemeClr val="bg1"/>
-                </a:solidFill>
-                <a:latin typeface="Diagramm Bold"/>
-                <a:cs typeface="Diagramm Bold"/>
-              </a:rPr>
-              <a:t> </a:t>
-            </a:r>
-            <a:r>
-              <a:rPr sz="6600" b="1" spc="-225" dirty="0">
-                <a:solidFill>
-                  <a:schemeClr val="bg1"/>
-                </a:solidFill>
-                <a:latin typeface="Diagramm Bold"/>
-                <a:cs typeface="Diagramm Bold"/>
-              </a:rPr>
-              <a:t>SCREEN</a:t>
-            </a:r>
-            <a:endParaRPr sz="6600" dirty="0">
-              <a:solidFill>
-                <a:schemeClr val="bg1"/>
-              </a:solidFill>
-              <a:latin typeface="Diagramm Bold"/>
-              <a:cs typeface="Diagramm Bold"/>
+            <a:endParaRPr lang="en-US" b="1" spc="-254" dirty="0">
+              <a:latin typeface="Diagramm"/>
+              <a:cs typeface="Diagramm"/>
             </a:endParaRPr>
           </a:p>
-        </p:txBody>
-      </p:sp>
-      <p:sp>
-        <p:nvSpPr>
-          <p:cNvPr id="20" name="object 4">
+          <a:p>
+            <a:pPr marL="12700">
+              <a:lnSpc>
+                <a:spcPct val="150000"/>
+              </a:lnSpc>
+              <a:spcBef>
+                <a:spcPts val="120"/>
+              </a:spcBef>
+            </a:pPr>
+            <a:r>
+              <a:rPr lang="en-US" sz="4000" spc="-254" dirty="0">
+                <a:latin typeface="Diagramm"/>
+                <a:cs typeface="Diagramm"/>
+              </a:rPr>
+              <a:t>Retrain DLC model to follow </a:t>
+            </a:r>
+            <a:r>
+              <a:rPr lang="en-US" sz="4000" spc="-254" dirty="0" err="1">
+                <a:latin typeface="Diagramm"/>
+                <a:cs typeface="Diagramm"/>
+              </a:rPr>
+              <a:t>keypoints</a:t>
+            </a:r>
+            <a:r>
+              <a:rPr lang="en-US" sz="4000" spc="-254" dirty="0">
+                <a:latin typeface="Diagramm"/>
+                <a:cs typeface="Diagramm"/>
+              </a:rPr>
+              <a:t>. Write </a:t>
+            </a:r>
+            <a:r>
+              <a:rPr lang="en-US" sz="4000" spc="-254" dirty="0" err="1">
+                <a:latin typeface="Diagramm"/>
+                <a:cs typeface="Diagramm"/>
+              </a:rPr>
+              <a:t>Matlab</a:t>
+            </a:r>
+            <a:r>
+              <a:rPr lang="en-US" sz="4000" spc="-254" dirty="0">
+                <a:latin typeface="Diagramm"/>
+                <a:cs typeface="Diagramm"/>
+              </a:rPr>
+              <a:t> script to convert noisy tracking data for </a:t>
+            </a:r>
+            <a:r>
+              <a:rPr lang="en-US" sz="4000" spc="-254" dirty="0" err="1">
+                <a:latin typeface="Diagramm"/>
+                <a:cs typeface="Diagramm"/>
+              </a:rPr>
+              <a:t>keypoints</a:t>
+            </a:r>
+            <a:r>
+              <a:rPr lang="en-US" sz="4000" spc="-254" dirty="0">
+                <a:latin typeface="Diagramm"/>
+                <a:cs typeface="Diagramm"/>
+              </a:rPr>
+              <a:t> into discrete positions + transition times.</a:t>
+            </a:r>
+          </a:p>
+          <a:p>
+            <a:pPr marL="12700">
+              <a:lnSpc>
+                <a:spcPct val="100000"/>
+              </a:lnSpc>
+              <a:spcBef>
+                <a:spcPts val="120"/>
+              </a:spcBef>
+            </a:pPr>
+            <a:endParaRPr lang="en-US" sz="4000" b="1" spc="-254" dirty="0">
+              <a:latin typeface="Diagramm"/>
+              <a:cs typeface="Diagramm"/>
+            </a:endParaRPr>
+          </a:p>
+        </p:txBody>
+      </p:sp>
+      <p:sp>
+        <p:nvSpPr>
+          <p:cNvPr id="7" name="object 4">
             <a:extLst>
               <a:ext uri="{FF2B5EF4-FFF2-40B4-BE49-F238E27FC236}">
-                <a16:creationId xmlns:a16="http://schemas.microsoft.com/office/drawing/2014/main" id="{DDAE9862-73D7-D202-68EF-49F8DBF665EA}"/>
+                <a16:creationId xmlns:a16="http://schemas.microsoft.com/office/drawing/2014/main" id="{499D3297-56CD-5700-363A-7B6A4F0CB2D9}"/>
               </a:ext>
             </a:extLst>
           </p:cNvPr>
           <p:cNvSpPr txBox="1">
-            <a:spLocks/>
+            <a:spLocks noGrp="1"/>
           </p:cNvSpPr>
-          <p:nvPr/>
+          <p:nvPr>
+            <p:ph type="title"/>
+          </p:nvPr>
         </p:nvSpPr>
         <p:spPr>
           <a:xfrm>
             <a:off x="492946" y="382194"/>
-            <a:ext cx="19118207" cy="1021562"/>
+            <a:ext cx="19118207" cy="1031240"/>
           </a:xfrm>
           <a:prstGeom prst="rect">
             <a:avLst/>
@@ -1931,18 +1722,7 @@
           <a:bodyPr vert="horz" wrap="square" lIns="0" tIns="12065" rIns="0" bIns="0" rtlCol="0">
             <a:spAutoFit/>
           </a:bodyPr>
-          <a:lstStyle>
-            <a:lvl1pPr>
-              <a:defRPr sz="3300" b="1" i="0">
-                <a:solidFill>
-                  <a:schemeClr val="tx1"/>
-                </a:solidFill>
-                <a:latin typeface="Diagramm Bold"/>
-                <a:ea typeface="+mj-ea"/>
-                <a:cs typeface="Diagramm Bold"/>
-              </a:defRPr>
-            </a:lvl1pPr>
-          </a:lstStyle>
+          <a:lstStyle/>
           <a:p>
             <a:pPr marL="12799060">
               <a:lnSpc>
@@ -1953,39 +1733,195 @@
               </a:spcBef>
             </a:pPr>
             <a:r>
-              <a:rPr lang="en-US" kern="0" spc="-5" dirty="0">
-                <a:solidFill>
-                  <a:schemeClr val="bg1"/>
-                </a:solidFill>
-              </a:rPr>
+              <a:rPr lang="en-US" kern="0" spc="-5" dirty="0"/>
               <a:t>Weighted Least Squares Estimation </a:t>
             </a:r>
             <a:br>
-              <a:rPr lang="en-US" kern="0" spc="-5" dirty="0">
-                <a:solidFill>
-                  <a:schemeClr val="bg1"/>
-                </a:solidFill>
-              </a:rPr>
+              <a:rPr lang="en-US" kern="0" spc="-5" dirty="0"/>
             </a:br>
             <a:r>
-              <a:rPr lang="en-US" b="0" kern="0" spc="-5" dirty="0">
-                <a:solidFill>
-                  <a:schemeClr val="bg1"/>
-                </a:solidFill>
-              </a:rPr>
+              <a:rPr lang="en-US" b="0" kern="0" spc="-5" dirty="0"/>
               <a:t>3D Body Part Trajectories</a:t>
             </a:r>
             <a:endParaRPr lang="en-US" b="0" kern="0" spc="-10" dirty="0">
-              <a:solidFill>
-                <a:schemeClr val="bg1"/>
-              </a:solidFill>
               <a:latin typeface="Diagramm Light"/>
               <a:cs typeface="Diagramm Light"/>
             </a:endParaRPr>
           </a:p>
         </p:txBody>
       </p:sp>
+      <p:sp>
+        <p:nvSpPr>
+          <p:cNvPr id="4" name="object 3">
+            <a:extLst>
+              <a:ext uri="{FF2B5EF4-FFF2-40B4-BE49-F238E27FC236}">
+                <a16:creationId xmlns:a16="http://schemas.microsoft.com/office/drawing/2014/main" id="{7C0022F7-75DB-FC2E-84AF-4FF8AE895313}"/>
+              </a:ext>
+            </a:extLst>
+          </p:cNvPr>
+          <p:cNvSpPr txBox="1"/>
+          <p:nvPr/>
+        </p:nvSpPr>
+        <p:spPr>
+          <a:xfrm>
+            <a:off x="7305675" y="2280803"/>
+            <a:ext cx="6248400" cy="8889613"/>
+          </a:xfrm>
+          <a:prstGeom prst="rect">
+            <a:avLst/>
+          </a:prstGeom>
+        </p:spPr>
+        <p:txBody>
+          <a:bodyPr vert="horz" wrap="square" lIns="0" tIns="15240" rIns="0" bIns="0" rtlCol="0">
+            <a:spAutoFit/>
+          </a:bodyPr>
+          <a:lstStyle/>
+          <a:p>
+            <a:pPr marL="12700">
+              <a:lnSpc>
+                <a:spcPct val="100000"/>
+              </a:lnSpc>
+              <a:spcBef>
+                <a:spcPts val="120"/>
+              </a:spcBef>
+            </a:pPr>
+            <a:r>
+              <a:rPr lang="en-US" sz="6000" b="1" spc="-254" dirty="0">
+                <a:latin typeface="Diagramm"/>
+                <a:cs typeface="Diagramm"/>
+              </a:rPr>
+              <a:t>TASK #2</a:t>
+            </a:r>
+          </a:p>
+          <a:p>
+            <a:pPr marL="12700">
+              <a:lnSpc>
+                <a:spcPct val="100000"/>
+              </a:lnSpc>
+              <a:spcBef>
+                <a:spcPts val="120"/>
+              </a:spcBef>
+            </a:pPr>
+            <a:endParaRPr lang="en-US" b="1" spc="-254" dirty="0">
+              <a:latin typeface="Diagramm"/>
+              <a:cs typeface="Diagramm"/>
+            </a:endParaRPr>
+          </a:p>
+          <a:p>
+            <a:pPr marL="12700">
+              <a:lnSpc>
+                <a:spcPct val="150000"/>
+              </a:lnSpc>
+              <a:spcBef>
+                <a:spcPts val="120"/>
+              </a:spcBef>
+            </a:pPr>
+            <a:r>
+              <a:rPr lang="en-US" sz="4000" spc="-254" dirty="0">
+                <a:latin typeface="Diagramm"/>
+                <a:cs typeface="Diagramm"/>
+              </a:rPr>
+              <a:t>Refactor Rust WLS implementation to store frame-associated projections and to estimate 3D points individually. Implement likelihood and slew-rate gating, then interpolate missing points.</a:t>
+            </a:r>
+          </a:p>
+        </p:txBody>
+      </p:sp>
+      <p:sp>
+        <p:nvSpPr>
+          <p:cNvPr id="5" name="object 3">
+            <a:extLst>
+              <a:ext uri="{FF2B5EF4-FFF2-40B4-BE49-F238E27FC236}">
+                <a16:creationId xmlns:a16="http://schemas.microsoft.com/office/drawing/2014/main" id="{B4DB72D3-5037-884D-ADD9-0F2E56122BF7}"/>
+              </a:ext>
+            </a:extLst>
+          </p:cNvPr>
+          <p:cNvSpPr txBox="1"/>
+          <p:nvPr/>
+        </p:nvSpPr>
+        <p:spPr>
+          <a:xfrm>
+            <a:off x="13855700" y="2280803"/>
+            <a:ext cx="6026150" cy="7627729"/>
+          </a:xfrm>
+          <a:prstGeom prst="rect">
+            <a:avLst/>
+          </a:prstGeom>
+        </p:spPr>
+        <p:txBody>
+          <a:bodyPr vert="horz" wrap="square" lIns="0" tIns="15240" rIns="0" bIns="0" rtlCol="0">
+            <a:spAutoFit/>
+          </a:bodyPr>
+          <a:lstStyle/>
+          <a:p>
+            <a:pPr marL="12700">
+              <a:lnSpc>
+                <a:spcPct val="100000"/>
+              </a:lnSpc>
+              <a:spcBef>
+                <a:spcPts val="120"/>
+              </a:spcBef>
+            </a:pPr>
+            <a:r>
+              <a:rPr lang="en-US" sz="6000" b="1" spc="-254" dirty="0">
+                <a:latin typeface="Diagramm"/>
+                <a:cs typeface="Diagramm"/>
+              </a:rPr>
+              <a:t>TASK #3</a:t>
+            </a:r>
+          </a:p>
+          <a:p>
+            <a:pPr marL="12700">
+              <a:lnSpc>
+                <a:spcPct val="100000"/>
+              </a:lnSpc>
+              <a:spcBef>
+                <a:spcPts val="120"/>
+              </a:spcBef>
+            </a:pPr>
+            <a:endParaRPr lang="en-US" b="1" spc="-254" dirty="0">
+              <a:latin typeface="Diagramm"/>
+              <a:cs typeface="Diagramm"/>
+            </a:endParaRPr>
+          </a:p>
+          <a:p>
+            <a:pPr marL="12700">
+              <a:lnSpc>
+                <a:spcPct val="150000"/>
+              </a:lnSpc>
+              <a:spcBef>
+                <a:spcPts val="120"/>
+              </a:spcBef>
+            </a:pPr>
+            <a:r>
+              <a:rPr lang="en-US" sz="4000" spc="-254" dirty="0">
+                <a:latin typeface="Diagramm"/>
+                <a:cs typeface="Diagramm"/>
+              </a:rPr>
+              <a:t>Verify performance at each stage; Overlay random selection of </a:t>
+            </a:r>
+            <a:r>
+              <a:rPr lang="en-US" sz="4000" spc="-254" dirty="0" err="1">
+                <a:latin typeface="Diagramm"/>
+                <a:cs typeface="Diagramm"/>
+              </a:rPr>
+              <a:t>keypoints</a:t>
+            </a:r>
+            <a:r>
+              <a:rPr lang="en-US" sz="4000" spc="-254" dirty="0">
+                <a:latin typeface="Diagramm"/>
+                <a:cs typeface="Diagramm"/>
+              </a:rPr>
+              <a:t> from processed coordinates; Estimate 5 3D points before and after a projection change.</a:t>
+            </a:r>
+          </a:p>
+        </p:txBody>
+      </p:sp>
     </p:spTree>
+    <p:extLst>
+      <p:ext uri="{BB962C8B-B14F-4D97-AF65-F5344CB8AC3E}">
+        <p14:creationId xmlns:p14="http://schemas.microsoft.com/office/powerpoint/2010/main" val="2156972579"/>
+      </p:ext>
+    </p:extLst>
   </p:cSld>
   <p:clrMapOvr>
     <a:masterClrMapping/>
@@ -1994,7 +1930,7 @@
 </file>
 
 <file path=ppt/slides/slide11.xml><?xml version="1.0" encoding="utf-8"?>
-<p:sld xmlns:a="http://schemas.openxmlformats.org/drawingml/2006/main" xmlns:r="http://schemas.openxmlformats.org/officeDocument/2006/relationships" xmlns:p="http://schemas.openxmlformats.org/presentationml/2006/main" showMasterSp="0">
+<p:sld xmlns:a="http://schemas.openxmlformats.org/drawingml/2006/main" xmlns:r="http://schemas.openxmlformats.org/officeDocument/2006/relationships" xmlns:p="http://schemas.openxmlformats.org/presentationml/2006/main">
   <p:cSld>
     <p:spTree>
       <p:nvGrpSpPr>
@@ -2034,148 +1970,16 @@
           </a:prstGeom>
         </p:spPr>
       </p:pic>
-      <p:pic>
-        <p:nvPicPr>
+      <p:sp>
+        <p:nvSpPr>
           <p:cNvPr id="3" name="object 3"/>
-          <p:cNvPicPr/>
-          <p:nvPr/>
-        </p:nvPicPr>
-        <p:blipFill>
-          <a:blip r:embed="rId3" cstate="print"/>
-          <a:stretch>
-            <a:fillRect/>
-          </a:stretch>
-        </p:blipFill>
-        <p:spPr>
-          <a:xfrm>
-            <a:off x="575958" y="8439489"/>
-            <a:ext cx="1350720" cy="1811459"/>
-          </a:xfrm>
-          <a:prstGeom prst="rect">
-            <a:avLst/>
-          </a:prstGeom>
-        </p:spPr>
-      </p:pic>
-      <p:pic>
-        <p:nvPicPr>
-          <p:cNvPr id="4" name="object 4"/>
-          <p:cNvPicPr/>
-          <p:nvPr/>
-        </p:nvPicPr>
-        <p:blipFill>
-          <a:blip r:embed="rId3" cstate="print"/>
-          <a:stretch>
-            <a:fillRect/>
-          </a:stretch>
-        </p:blipFill>
-        <p:spPr>
-          <a:xfrm>
-            <a:off x="2062813" y="8439489"/>
-            <a:ext cx="1350750" cy="1811459"/>
-          </a:xfrm>
-          <a:prstGeom prst="rect">
-            <a:avLst/>
-          </a:prstGeom>
-        </p:spPr>
-      </p:pic>
-      <p:pic>
-        <p:nvPicPr>
-          <p:cNvPr id="5" name="object 5"/>
-          <p:cNvPicPr/>
-          <p:nvPr/>
-        </p:nvPicPr>
-        <p:blipFill>
-          <a:blip r:embed="rId3" cstate="print"/>
-          <a:stretch>
-            <a:fillRect/>
-          </a:stretch>
-        </p:blipFill>
-        <p:spPr>
-          <a:xfrm>
-            <a:off x="3560148" y="8439489"/>
-            <a:ext cx="1350750" cy="1811459"/>
-          </a:xfrm>
-          <a:prstGeom prst="rect">
-            <a:avLst/>
-          </a:prstGeom>
-        </p:spPr>
-      </p:pic>
-      <p:pic>
-        <p:nvPicPr>
-          <p:cNvPr id="6" name="object 6"/>
-          <p:cNvPicPr/>
-          <p:nvPr/>
-        </p:nvPicPr>
-        <p:blipFill>
-          <a:blip r:embed="rId3" cstate="print"/>
-          <a:stretch>
-            <a:fillRect/>
-          </a:stretch>
-        </p:blipFill>
-        <p:spPr>
-          <a:xfrm>
-            <a:off x="5057481" y="8439489"/>
-            <a:ext cx="1350752" cy="1811459"/>
-          </a:xfrm>
-          <a:prstGeom prst="rect">
-            <a:avLst/>
-          </a:prstGeom>
-        </p:spPr>
-      </p:pic>
-      <p:pic>
-        <p:nvPicPr>
-          <p:cNvPr id="7" name="object 7"/>
-          <p:cNvPicPr/>
-          <p:nvPr/>
-        </p:nvPicPr>
-        <p:blipFill>
-          <a:blip r:embed="rId3" cstate="print"/>
-          <a:stretch>
-            <a:fillRect/>
-          </a:stretch>
-        </p:blipFill>
-        <p:spPr>
-          <a:xfrm>
-            <a:off x="6554816" y="8439489"/>
-            <a:ext cx="1350752" cy="1811459"/>
-          </a:xfrm>
-          <a:prstGeom prst="rect">
-            <a:avLst/>
-          </a:prstGeom>
-        </p:spPr>
-      </p:pic>
-      <p:pic>
-        <p:nvPicPr>
-          <p:cNvPr id="8" name="object 8"/>
-          <p:cNvPicPr/>
-          <p:nvPr/>
-        </p:nvPicPr>
-        <p:blipFill>
-          <a:blip r:embed="rId3" cstate="print"/>
-          <a:stretch>
-            <a:fillRect/>
-          </a:stretch>
-        </p:blipFill>
-        <p:spPr>
-          <a:xfrm>
-            <a:off x="8052152" y="8439489"/>
-            <a:ext cx="1350750" cy="1811459"/>
-          </a:xfrm>
-          <a:prstGeom prst="rect">
-            <a:avLst/>
-          </a:prstGeom>
-        </p:spPr>
-      </p:pic>
-      <p:sp>
-        <p:nvSpPr>
-          <p:cNvPr id="9" name="object 9"/>
           <p:cNvSpPr txBox="1"/>
           <p:nvPr/>
         </p:nvSpPr>
         <p:spPr>
           <a:xfrm>
-            <a:off x="1983343" y="10570298"/>
-            <a:ext cx="5995035" cy="314960"/>
+            <a:off x="3947850" y="4920431"/>
+            <a:ext cx="12190095" cy="1030605"/>
           </a:xfrm>
           <a:prstGeom prst="rect">
             <a:avLst/>
@@ -2187,7 +1991,7 @@
           </a:bodyPr>
           <a:lstStyle/>
           <a:p>
-            <a:pPr marL="12700">
+            <a:pPr marL="12700" algn="ctr">
               <a:lnSpc>
                 <a:spcPct val="100000"/>
               </a:lnSpc>
@@ -2196,204 +2000,16 @@
               </a:spcBef>
             </a:pPr>
             <a:r>
-              <a:rPr sz="1900" spc="-5" dirty="0">
-                <a:latin typeface="Diagramm"/>
-                <a:cs typeface="Diagramm"/>
-              </a:rPr>
-              <a:t>COURTINE</a:t>
-            </a:r>
-            <a:r>
-              <a:rPr sz="1900" spc="-10" dirty="0">
-                <a:latin typeface="Diagramm"/>
-                <a:cs typeface="Diagramm"/>
-              </a:rPr>
-              <a:t> </a:t>
-            </a:r>
-            <a:r>
-              <a:rPr sz="1900" spc="-5" dirty="0">
-                <a:latin typeface="Diagramm"/>
-                <a:cs typeface="Diagramm"/>
-              </a:rPr>
-              <a:t>ET AL. </a:t>
-            </a:r>
-            <a:r>
-              <a:rPr sz="1900" dirty="0">
-                <a:latin typeface="Diagramm"/>
-                <a:cs typeface="Diagramm"/>
-              </a:rPr>
-              <a:t>¦</a:t>
-            </a:r>
-            <a:r>
-              <a:rPr sz="1900" spc="-10" dirty="0">
-                <a:latin typeface="Diagramm"/>
-                <a:cs typeface="Diagramm"/>
-              </a:rPr>
-              <a:t> </a:t>
-            </a:r>
-            <a:r>
-              <a:rPr sz="1900" spc="-30" dirty="0">
-                <a:latin typeface="Diagramm"/>
-                <a:cs typeface="Diagramm"/>
-              </a:rPr>
-              <a:t>NATURE</a:t>
-            </a:r>
-            <a:r>
-              <a:rPr sz="1900" spc="-5" dirty="0">
-                <a:latin typeface="Diagramm"/>
-                <a:cs typeface="Diagramm"/>
-              </a:rPr>
-              <a:t> NEUROSCIENCE </a:t>
-            </a:r>
-            <a:r>
-              <a:rPr sz="1900" dirty="0">
-                <a:latin typeface="Diagramm"/>
-                <a:cs typeface="Diagramm"/>
-              </a:rPr>
-              <a:t>¦</a:t>
-            </a:r>
-            <a:r>
-              <a:rPr sz="1900" spc="-10" dirty="0">
-                <a:latin typeface="Diagramm"/>
-                <a:cs typeface="Diagramm"/>
-              </a:rPr>
-              <a:t> </a:t>
-            </a:r>
-            <a:r>
-              <a:rPr sz="1900" spc="-5" dirty="0">
-                <a:latin typeface="Diagramm"/>
-                <a:cs typeface="Diagramm"/>
-              </a:rPr>
-              <a:t>2009</a:t>
-            </a:r>
-            <a:endParaRPr sz="1900" dirty="0">
-              <a:latin typeface="Diagramm"/>
-              <a:cs typeface="Diagramm"/>
-            </a:endParaRPr>
-          </a:p>
-        </p:txBody>
-      </p:sp>
-      <p:pic>
-        <p:nvPicPr>
-          <p:cNvPr id="10" name="object 10"/>
-          <p:cNvPicPr/>
-          <p:nvPr/>
-        </p:nvPicPr>
-        <p:blipFill>
-          <a:blip r:embed="rId4" cstate="print"/>
-          <a:stretch>
-            <a:fillRect/>
-          </a:stretch>
-        </p:blipFill>
-        <p:spPr>
-          <a:xfrm>
-            <a:off x="10093918" y="3"/>
-            <a:ext cx="10010181" cy="11308549"/>
-          </a:xfrm>
-          <a:prstGeom prst="rect">
-            <a:avLst/>
-          </a:prstGeom>
-        </p:spPr>
-      </p:pic>
-      <p:sp>
-        <p:nvSpPr>
-          <p:cNvPr id="11" name="object 11"/>
-          <p:cNvSpPr txBox="1"/>
-          <p:nvPr/>
-        </p:nvSpPr>
-        <p:spPr>
-          <a:xfrm>
-            <a:off x="12194899" y="4920431"/>
-            <a:ext cx="5748020" cy="1030605"/>
-          </a:xfrm>
-          <a:prstGeom prst="rect">
-            <a:avLst/>
-          </a:prstGeom>
-        </p:spPr>
-        <p:txBody>
-          <a:bodyPr vert="horz" wrap="square" lIns="0" tIns="12065" rIns="0" bIns="0" rtlCol="0">
-            <a:spAutoFit/>
-          </a:bodyPr>
-          <a:lstStyle/>
-          <a:p>
-            <a:pPr marL="12700">
-              <a:lnSpc>
-                <a:spcPct val="100000"/>
-              </a:lnSpc>
-              <a:spcBef>
-                <a:spcPts val="95"/>
-              </a:spcBef>
-            </a:pPr>
-            <a:r>
-              <a:rPr sz="6600" b="1" spc="-110" dirty="0">
+              <a:rPr lang="en-US" sz="6600" b="1" dirty="0">
                 <a:solidFill>
                   <a:schemeClr val="bg1"/>
                 </a:solidFill>
                 <a:latin typeface="Diagramm Bold"/>
                 <a:cs typeface="Diagramm Bold"/>
               </a:rPr>
-              <a:t>VIDE</a:t>
-            </a:r>
-            <a:r>
-              <a:rPr sz="6600" b="1" spc="-480" dirty="0">
-                <a:solidFill>
-                  <a:schemeClr val="bg1"/>
-                </a:solidFill>
-                <a:latin typeface="Diagramm Bold"/>
-                <a:cs typeface="Diagramm Bold"/>
-              </a:rPr>
-              <a:t>O</a:t>
-            </a:r>
-            <a:r>
-              <a:rPr sz="6600" b="1" spc="25" dirty="0">
-                <a:solidFill>
-                  <a:schemeClr val="bg1"/>
-                </a:solidFill>
-                <a:latin typeface="Diagramm Bold"/>
-                <a:cs typeface="Diagramm Bold"/>
-              </a:rPr>
-              <a:t>/</a:t>
-            </a:r>
-            <a:r>
-              <a:rPr sz="6600" b="1" spc="-135" dirty="0">
-                <a:solidFill>
-                  <a:schemeClr val="bg1"/>
-                </a:solidFill>
-                <a:latin typeface="Diagramm Bold"/>
-                <a:cs typeface="Diagramm Bold"/>
-              </a:rPr>
-              <a:t>IM</a:t>
-            </a:r>
-            <a:r>
-              <a:rPr sz="6600" b="1" spc="-409" dirty="0">
-                <a:solidFill>
-                  <a:schemeClr val="bg1"/>
-                </a:solidFill>
-                <a:latin typeface="Diagramm Bold"/>
-                <a:cs typeface="Diagramm Bold"/>
-              </a:rPr>
-              <a:t>A</a:t>
-            </a:r>
-            <a:r>
-              <a:rPr sz="6600" b="1" spc="-220" dirty="0">
-                <a:solidFill>
-                  <a:schemeClr val="bg1"/>
-                </a:solidFill>
-                <a:latin typeface="Diagramm Bold"/>
-                <a:cs typeface="Diagramm Bold"/>
-              </a:rPr>
-              <a:t>G</a:t>
-            </a:r>
-            <a:r>
-              <a:rPr sz="6600" b="1" spc="-430" dirty="0">
-                <a:solidFill>
-                  <a:schemeClr val="bg1"/>
-                </a:solidFill>
-                <a:latin typeface="Diagramm Bold"/>
-                <a:cs typeface="Diagramm Bold"/>
-              </a:rPr>
-              <a:t>E</a:t>
-            </a:r>
-            <a:endParaRPr sz="6600" dirty="0">
+              <a:t>TITLE</a:t>
+            </a:r>
+            <a:endParaRPr sz="6600" b="1" dirty="0">
               <a:solidFill>
                 <a:schemeClr val="bg1"/>
               </a:solidFill>
@@ -2405,84 +2021,19 @@
       </p:sp>
       <p:sp>
         <p:nvSpPr>
-          <p:cNvPr id="12" name="object 12"/>
-          <p:cNvSpPr txBox="1"/>
-          <p:nvPr/>
-        </p:nvSpPr>
-        <p:spPr>
-          <a:xfrm>
-            <a:off x="14017993" y="5820886"/>
-            <a:ext cx="2101850" cy="402590"/>
-          </a:xfrm>
-          <a:prstGeom prst="rect">
-            <a:avLst/>
-          </a:prstGeom>
-        </p:spPr>
-        <p:txBody>
-          <a:bodyPr vert="horz" wrap="square" lIns="0" tIns="15240" rIns="0" bIns="0" rtlCol="0">
-            <a:spAutoFit/>
-          </a:bodyPr>
-          <a:lstStyle/>
-          <a:p>
-            <a:pPr marL="12700">
-              <a:lnSpc>
-                <a:spcPct val="100000"/>
-              </a:lnSpc>
-              <a:spcBef>
-                <a:spcPts val="120"/>
-              </a:spcBef>
-            </a:pPr>
-            <a:r>
-              <a:rPr sz="2450" b="1" spc="-70" dirty="0">
-                <a:solidFill>
-                  <a:schemeClr val="bg1"/>
-                </a:solidFill>
-                <a:latin typeface="Diagramm Bold"/>
-                <a:cs typeface="Diagramm Bold"/>
-              </a:rPr>
-              <a:t>(NO</a:t>
-            </a:r>
-            <a:r>
-              <a:rPr sz="2450" b="1" spc="114" dirty="0">
-                <a:solidFill>
-                  <a:schemeClr val="bg1"/>
-                </a:solidFill>
-                <a:latin typeface="Diagramm Bold"/>
-                <a:cs typeface="Diagramm Bold"/>
-              </a:rPr>
-              <a:t> </a:t>
-            </a:r>
-            <a:r>
-              <a:rPr sz="2450" b="1" spc="-55" dirty="0">
-                <a:solidFill>
-                  <a:schemeClr val="bg1"/>
-                </a:solidFill>
-                <a:latin typeface="Diagramm Bold"/>
-                <a:cs typeface="Diagramm Bold"/>
-              </a:rPr>
-              <a:t>BORDER)</a:t>
-            </a:r>
-            <a:endParaRPr sz="2450" dirty="0">
-              <a:solidFill>
-                <a:schemeClr val="bg1"/>
-              </a:solidFill>
-              <a:latin typeface="Diagramm Bold"/>
-              <a:cs typeface="Diagramm Bold"/>
-            </a:endParaRPr>
-          </a:p>
-        </p:txBody>
-      </p:sp>
-      <p:sp>
-        <p:nvSpPr>
-          <p:cNvPr id="13" name="object 13"/>
+          <p:cNvPr id="4" name="object 4"/>
           <p:cNvSpPr txBox="1">
             <a:spLocks noGrp="1"/>
           </p:cNvSpPr>
           <p:nvPr>
-            <p:ph type="title"/>
+            <p:ph type="ctrTitle"/>
           </p:nvPr>
         </p:nvSpPr>
         <p:spPr>
+          <a:xfrm>
+            <a:off x="492946" y="382194"/>
+            <a:ext cx="19118207" cy="1021562"/>
+          </a:xfrm>
           <a:prstGeom prst="rect">
             <a:avLst/>
           </a:prstGeom>
@@ -2502,7 +2053,7 @@
               </a:spcBef>
             </a:pPr>
             <a:r>
-              <a:rPr lang="en-US" kern="0" spc="-5" dirty="0">
+              <a:rPr lang="en-US" spc="-5" dirty="0">
                 <a:solidFill>
                   <a:schemeClr val="bg1"/>
                 </a:solidFill>
@@ -2510,21 +2061,21 @@
               <a:t>Weighted Least Squares Estimation </a:t>
             </a:r>
             <a:br>
-              <a:rPr lang="en-US" kern="0" spc="-5" dirty="0">
+              <a:rPr lang="en-US" spc="-5" dirty="0">
                 <a:solidFill>
                   <a:schemeClr val="bg1"/>
                 </a:solidFill>
               </a:rPr>
             </a:br>
             <a:r>
-              <a:rPr lang="en-US" b="0" kern="0" spc="-5" dirty="0">
+              <a:rPr lang="en-US" b="0" spc="-5" dirty="0">
                 <a:solidFill>
                   <a:schemeClr val="bg1"/>
                 </a:solidFill>
               </a:rPr>
               <a:t>3D Body Part Trajectories</a:t>
             </a:r>
-            <a:endParaRPr lang="en-US" b="0" kern="0" spc="-10" dirty="0">
+            <a:endParaRPr lang="en-US" b="0" spc="-10" dirty="0">
               <a:solidFill>
                 <a:schemeClr val="bg1"/>
               </a:solidFill>
@@ -2534,64 +2085,12 @@
           </a:p>
         </p:txBody>
       </p:sp>
-      <p:sp>
-        <p:nvSpPr>
-          <p:cNvPr id="14" name="object 14"/>
-          <p:cNvSpPr txBox="1"/>
-          <p:nvPr/>
-        </p:nvSpPr>
-        <p:spPr>
-          <a:xfrm>
-            <a:off x="507192" y="1659609"/>
-            <a:ext cx="1029969" cy="402590"/>
-          </a:xfrm>
-          <a:prstGeom prst="rect">
-            <a:avLst/>
-          </a:prstGeom>
-        </p:spPr>
-        <p:txBody>
-          <a:bodyPr vert="horz" wrap="square" lIns="0" tIns="15240" rIns="0" bIns="0" rtlCol="0">
-            <a:spAutoFit/>
-          </a:bodyPr>
-          <a:lstStyle/>
-          <a:p>
-            <a:pPr marL="12700">
-              <a:lnSpc>
-                <a:spcPct val="100000"/>
-              </a:lnSpc>
-              <a:spcBef>
-                <a:spcPts val="120"/>
-              </a:spcBef>
-            </a:pPr>
-            <a:r>
-              <a:rPr sz="2450" spc="15" dirty="0">
-                <a:latin typeface="Diagramm"/>
-                <a:cs typeface="Diagramm"/>
-              </a:rPr>
-              <a:t>T</a:t>
-            </a:r>
-            <a:r>
-              <a:rPr sz="2450" spc="20" dirty="0">
-                <a:latin typeface="Diagramm"/>
-                <a:cs typeface="Diagramm"/>
-              </a:rPr>
-              <a:t>E</a:t>
-            </a:r>
-            <a:r>
-              <a:rPr sz="2450" spc="15" dirty="0">
-                <a:latin typeface="Diagramm"/>
-                <a:cs typeface="Diagramm"/>
-              </a:rPr>
-              <a:t>XTE</a:t>
-            </a:r>
-            <a:endParaRPr sz="2450">
-              <a:latin typeface="Diagramm"/>
-              <a:cs typeface="Diagramm"/>
-            </a:endParaRPr>
-          </a:p>
-        </p:txBody>
-      </p:sp>
     </p:spTree>
+    <p:extLst>
+      <p:ext uri="{BB962C8B-B14F-4D97-AF65-F5344CB8AC3E}">
+        <p14:creationId xmlns:p14="http://schemas.microsoft.com/office/powerpoint/2010/main" val="2606771728"/>
+      </p:ext>
+    </p:extLst>
   </p:cSld>
   <p:clrMapOvr>
     <a:masterClrMapping/>
@@ -2624,32 +2123,119 @@
           </p:cNvPicPr>
           <p:nvPr/>
         </p:nvPicPr>
+        <p:blipFill rotWithShape="1">
+          <a:blip r:embed="rId2" cstate="print"/>
+          <a:srcRect r="353"/>
+          <a:stretch/>
+        </p:blipFill>
+        <p:spPr>
+          <a:xfrm>
+            <a:off x="37915" y="30116"/>
+            <a:ext cx="20032941" cy="11251966"/>
+          </a:xfrm>
+          <a:prstGeom prst="rect">
+            <a:avLst/>
+          </a:prstGeom>
+        </p:spPr>
+      </p:pic>
+      <p:pic>
+        <p:nvPicPr>
+          <p:cNvPr id="3" name="object 3"/>
+          <p:cNvPicPr/>
+          <p:nvPr/>
+        </p:nvPicPr>
         <p:blipFill>
-          <a:blip r:embed="rId2" cstate="print"/>
+          <a:blip r:embed="rId3" cstate="print"/>
           <a:stretch>
             <a:fillRect/>
           </a:stretch>
         </p:blipFill>
         <p:spPr>
           <a:xfrm>
-            <a:off x="0" y="0"/>
-            <a:ext cx="20104100" cy="11308556"/>
+            <a:off x="460779" y="8439489"/>
+            <a:ext cx="1350720" cy="1811459"/>
           </a:xfrm>
           <a:prstGeom prst="rect">
             <a:avLst/>
           </a:prstGeom>
         </p:spPr>
       </p:pic>
-      <p:sp>
-        <p:nvSpPr>
-          <p:cNvPr id="3" name="object 3"/>
+      <p:pic>
+        <p:nvPicPr>
+          <p:cNvPr id="4" name="object 4"/>
+          <p:cNvPicPr/>
+          <p:nvPr/>
+        </p:nvPicPr>
+        <p:blipFill>
+          <a:blip r:embed="rId3" cstate="print"/>
+          <a:stretch>
+            <a:fillRect/>
+          </a:stretch>
+        </p:blipFill>
+        <p:spPr>
+          <a:xfrm>
+            <a:off x="1947636" y="8439489"/>
+            <a:ext cx="1350750" cy="1811459"/>
+          </a:xfrm>
+          <a:prstGeom prst="rect">
+            <a:avLst/>
+          </a:prstGeom>
+        </p:spPr>
+      </p:pic>
+      <p:pic>
+        <p:nvPicPr>
+          <p:cNvPr id="5" name="object 5"/>
+          <p:cNvPicPr/>
+          <p:nvPr/>
+        </p:nvPicPr>
+        <p:blipFill>
+          <a:blip r:embed="rId3" cstate="print"/>
+          <a:stretch>
+            <a:fillRect/>
+          </a:stretch>
+        </p:blipFill>
+        <p:spPr>
+          <a:xfrm>
+            <a:off x="3444970" y="8439489"/>
+            <a:ext cx="1350752" cy="1811459"/>
+          </a:xfrm>
+          <a:prstGeom prst="rect">
+            <a:avLst/>
+          </a:prstGeom>
+        </p:spPr>
+      </p:pic>
+      <p:pic>
+        <p:nvPicPr>
+          <p:cNvPr id="6" name="object 6"/>
+          <p:cNvPicPr/>
+          <p:nvPr/>
+        </p:nvPicPr>
+        <p:blipFill>
+          <a:blip r:embed="rId3" cstate="print"/>
+          <a:stretch>
+            <a:fillRect/>
+          </a:stretch>
+        </p:blipFill>
+        <p:spPr>
+          <a:xfrm>
+            <a:off x="4942305" y="8439489"/>
+            <a:ext cx="1350750" cy="1811459"/>
+          </a:xfrm>
+          <a:prstGeom prst="rect">
+            <a:avLst/>
+          </a:prstGeom>
+        </p:spPr>
+      </p:pic>
+      <p:sp>
+        <p:nvSpPr>
+          <p:cNvPr id="8" name="object 8"/>
           <p:cNvSpPr txBox="1"/>
           <p:nvPr/>
         </p:nvSpPr>
         <p:spPr>
           <a:xfrm>
-            <a:off x="4215863" y="4920431"/>
-            <a:ext cx="11653520" cy="1030605"/>
+            <a:off x="381541" y="10580816"/>
+            <a:ext cx="5995035" cy="314960"/>
           </a:xfrm>
           <a:prstGeom prst="rect">
             <a:avLst/>
@@ -2670,58 +2256,150 @@
               </a:spcBef>
             </a:pPr>
             <a:r>
-              <a:rPr sz="6600" b="1" spc="-200" dirty="0">
-                <a:latin typeface="Diagramm Bold"/>
-                <a:cs typeface="Diagramm Bold"/>
-              </a:rPr>
-              <a:t>VIDEO/IMAGE</a:t>
-            </a:r>
-            <a:r>
-              <a:rPr sz="6600" b="1" spc="405" dirty="0">
-                <a:latin typeface="Diagramm Bold"/>
-                <a:cs typeface="Diagramm Bold"/>
+              <a:rPr sz="1900" spc="-5" dirty="0">
+                <a:latin typeface="Diagramm"/>
+                <a:cs typeface="Diagramm"/>
+              </a:rPr>
+              <a:t>COURTINE</a:t>
+            </a:r>
+            <a:r>
+              <a:rPr sz="1900" spc="-10" dirty="0">
+                <a:latin typeface="Diagramm"/>
+                <a:cs typeface="Diagramm"/>
               </a:rPr>
               <a:t> </a:t>
             </a:r>
             <a:r>
-              <a:rPr sz="6600" b="1" spc="-204" dirty="0">
-                <a:latin typeface="Diagramm Bold"/>
-                <a:cs typeface="Diagramm Bold"/>
-              </a:rPr>
-              <a:t>FULL</a:t>
-            </a:r>
-            <a:r>
-              <a:rPr sz="6600" b="1" spc="409" dirty="0">
-                <a:latin typeface="Diagramm Bold"/>
-                <a:cs typeface="Diagramm Bold"/>
+              <a:rPr sz="1900" spc="-5" dirty="0">
+                <a:latin typeface="Diagramm"/>
+                <a:cs typeface="Diagramm"/>
+              </a:rPr>
+              <a:t>ET AL. </a:t>
+            </a:r>
+            <a:r>
+              <a:rPr sz="1900" dirty="0">
+                <a:latin typeface="Diagramm"/>
+                <a:cs typeface="Diagramm"/>
+              </a:rPr>
+              <a:t>¦</a:t>
+            </a:r>
+            <a:r>
+              <a:rPr sz="1900" spc="-10" dirty="0">
+                <a:latin typeface="Diagramm"/>
+                <a:cs typeface="Diagramm"/>
               </a:rPr>
               <a:t> </a:t>
             </a:r>
             <a:r>
-              <a:rPr sz="6600" b="1" spc="-225" dirty="0">
-                <a:latin typeface="Diagramm Bold"/>
-                <a:cs typeface="Diagramm Bold"/>
-              </a:rPr>
-              <a:t>SCREEN</a:t>
-            </a:r>
-            <a:endParaRPr sz="6600">
-              <a:latin typeface="Diagramm Bold"/>
-              <a:cs typeface="Diagramm Bold"/>
+              <a:rPr sz="1900" spc="-30" dirty="0">
+                <a:latin typeface="Diagramm"/>
+                <a:cs typeface="Diagramm"/>
+              </a:rPr>
+              <a:t>NATURE</a:t>
+            </a:r>
+            <a:r>
+              <a:rPr sz="1900" spc="-5" dirty="0">
+                <a:latin typeface="Diagramm"/>
+                <a:cs typeface="Diagramm"/>
+              </a:rPr>
+              <a:t> NEUROSCIENCE </a:t>
+            </a:r>
+            <a:r>
+              <a:rPr sz="1900" dirty="0">
+                <a:latin typeface="Diagramm"/>
+                <a:cs typeface="Diagramm"/>
+              </a:rPr>
+              <a:t>¦</a:t>
+            </a:r>
+            <a:r>
+              <a:rPr sz="1900" spc="-10" dirty="0">
+                <a:latin typeface="Diagramm"/>
+                <a:cs typeface="Diagramm"/>
+              </a:rPr>
+              <a:t> </a:t>
+            </a:r>
+            <a:r>
+              <a:rPr sz="1900" spc="-5" dirty="0">
+                <a:latin typeface="Diagramm"/>
+                <a:cs typeface="Diagramm"/>
+              </a:rPr>
+              <a:t>2009</a:t>
+            </a:r>
+            <a:endParaRPr sz="1900" dirty="0">
+              <a:latin typeface="Diagramm"/>
+              <a:cs typeface="Diagramm"/>
             </a:endParaRPr>
           </a:p>
         </p:txBody>
       </p:sp>
       <p:sp>
         <p:nvSpPr>
-          <p:cNvPr id="4" name="object 4"/>
-          <p:cNvSpPr txBox="1">
-            <a:spLocks noGrp="1"/>
-          </p:cNvSpPr>
-          <p:nvPr>
-            <p:ph type="ctrTitle"/>
-          </p:nvPr>
-        </p:nvSpPr>
-        <p:spPr>
+          <p:cNvPr id="9" name="object 9"/>
+          <p:cNvSpPr txBox="1"/>
+          <p:nvPr/>
+        </p:nvSpPr>
+        <p:spPr>
+          <a:xfrm>
+            <a:off x="507192" y="1659609"/>
+            <a:ext cx="1029969" cy="402590"/>
+          </a:xfrm>
+          <a:prstGeom prst="rect">
+            <a:avLst/>
+          </a:prstGeom>
+        </p:spPr>
+        <p:txBody>
+          <a:bodyPr vert="horz" wrap="square" lIns="0" tIns="15240" rIns="0" bIns="0" rtlCol="0">
+            <a:spAutoFit/>
+          </a:bodyPr>
+          <a:lstStyle/>
+          <a:p>
+            <a:pPr marL="12700">
+              <a:lnSpc>
+                <a:spcPct val="100000"/>
+              </a:lnSpc>
+              <a:spcBef>
+                <a:spcPts val="120"/>
+              </a:spcBef>
+            </a:pPr>
+            <a:r>
+              <a:rPr sz="2450" spc="15" dirty="0">
+                <a:latin typeface="Diagramm"/>
+                <a:cs typeface="Diagramm"/>
+              </a:rPr>
+              <a:t>T</a:t>
+            </a:r>
+            <a:r>
+              <a:rPr sz="2450" spc="20" dirty="0">
+                <a:latin typeface="Diagramm"/>
+                <a:cs typeface="Diagramm"/>
+              </a:rPr>
+              <a:t>E</a:t>
+            </a:r>
+            <a:r>
+              <a:rPr sz="2450" spc="15" dirty="0">
+                <a:latin typeface="Diagramm"/>
+                <a:cs typeface="Diagramm"/>
+              </a:rPr>
+              <a:t>XTE</a:t>
+            </a:r>
+            <a:endParaRPr sz="2450">
+              <a:latin typeface="Diagramm"/>
+              <a:cs typeface="Diagramm"/>
+            </a:endParaRPr>
+          </a:p>
+        </p:txBody>
+      </p:sp>
+      <p:sp>
+        <p:nvSpPr>
+          <p:cNvPr id="10" name="object 10"/>
+          <p:cNvSpPr txBox="1"/>
+          <p:nvPr/>
+        </p:nvSpPr>
+        <p:spPr>
+          <a:xfrm>
+            <a:off x="8072676" y="4920431"/>
+            <a:ext cx="10955655" cy="1030605"/>
+          </a:xfrm>
           <a:prstGeom prst="rect">
             <a:avLst/>
           </a:prstGeom>
@@ -2731,6 +2409,114 @@
             <a:spAutoFit/>
           </a:bodyPr>
           <a:lstStyle/>
+          <a:p>
+            <a:pPr marL="12700">
+              <a:lnSpc>
+                <a:spcPct val="100000"/>
+              </a:lnSpc>
+              <a:spcBef>
+                <a:spcPts val="95"/>
+              </a:spcBef>
+            </a:pPr>
+            <a:r>
+              <a:rPr sz="6600" b="1" spc="-200" dirty="0">
+                <a:solidFill>
+                  <a:schemeClr val="bg1"/>
+                </a:solidFill>
+                <a:latin typeface="Diagramm Bold"/>
+                <a:cs typeface="Diagramm Bold"/>
+              </a:rPr>
+              <a:t>VIDEO/IMAGE</a:t>
+            </a:r>
+            <a:r>
+              <a:rPr sz="6600" b="1" spc="409" dirty="0">
+                <a:solidFill>
+                  <a:schemeClr val="bg1"/>
+                </a:solidFill>
+                <a:latin typeface="Diagramm Bold"/>
+                <a:cs typeface="Diagramm Bold"/>
+              </a:rPr>
+              <a:t> </a:t>
+            </a:r>
+            <a:r>
+              <a:rPr sz="6600" b="1" spc="-195" dirty="0">
+                <a:solidFill>
+                  <a:schemeClr val="bg1"/>
+                </a:solidFill>
+                <a:latin typeface="Diagramm Bold"/>
+                <a:cs typeface="Diagramm Bold"/>
+              </a:rPr>
+              <a:t>2/3</a:t>
+            </a:r>
+            <a:r>
+              <a:rPr sz="6600" b="1" spc="409" dirty="0">
+                <a:solidFill>
+                  <a:schemeClr val="bg1"/>
+                </a:solidFill>
+                <a:latin typeface="Diagramm Bold"/>
+                <a:cs typeface="Diagramm Bold"/>
+              </a:rPr>
+              <a:t> </a:t>
+            </a:r>
+            <a:r>
+              <a:rPr sz="6600" b="1" spc="-225" dirty="0">
+                <a:solidFill>
+                  <a:schemeClr val="bg1"/>
+                </a:solidFill>
+                <a:latin typeface="Diagramm Bold"/>
+                <a:cs typeface="Diagramm Bold"/>
+              </a:rPr>
+              <a:t>SCREEN</a:t>
+            </a:r>
+            <a:endParaRPr sz="6600" dirty="0">
+              <a:solidFill>
+                <a:schemeClr val="bg1"/>
+              </a:solidFill>
+              <a:latin typeface="Diagramm Bold"/>
+              <a:cs typeface="Diagramm Bold"/>
+            </a:endParaRPr>
+          </a:p>
+        </p:txBody>
+      </p:sp>
+      <p:sp>
+        <p:nvSpPr>
+          <p:cNvPr id="20" name="object 4">
+            <a:extLst>
+              <a:ext uri="{FF2B5EF4-FFF2-40B4-BE49-F238E27FC236}">
+                <a16:creationId xmlns:a16="http://schemas.microsoft.com/office/drawing/2014/main" id="{DDAE9862-73D7-D202-68EF-49F8DBF665EA}"/>
+              </a:ext>
+            </a:extLst>
+          </p:cNvPr>
+          <p:cNvSpPr txBox="1">
+            <a:spLocks/>
+          </p:cNvSpPr>
+          <p:nvPr/>
+        </p:nvSpPr>
+        <p:spPr>
+          <a:xfrm>
+            <a:off x="492946" y="382194"/>
+            <a:ext cx="19118207" cy="1021562"/>
+          </a:xfrm>
+          <a:prstGeom prst="rect">
+            <a:avLst/>
+          </a:prstGeom>
+        </p:spPr>
+        <p:txBody>
+          <a:bodyPr vert="horz" wrap="square" lIns="0" tIns="12065" rIns="0" bIns="0" rtlCol="0">
+            <a:spAutoFit/>
+          </a:bodyPr>
+          <a:lstStyle>
+            <a:lvl1pPr>
+              <a:defRPr sz="3300" b="1" i="0">
+                <a:solidFill>
+                  <a:schemeClr val="tx1"/>
+                </a:solidFill>
+                <a:latin typeface="Diagramm Bold"/>
+                <a:ea typeface="+mj-ea"/>
+                <a:cs typeface="Diagramm Bold"/>
+              </a:defRPr>
+            </a:lvl1pPr>
+          </a:lstStyle>
           <a:p>
             <a:pPr marL="12799060">
               <a:lnSpc>
@@ -2836,8 +2622,8 @@
         </p:blipFill>
         <p:spPr>
           <a:xfrm>
-            <a:off x="6753723" y="3"/>
-            <a:ext cx="13350376" cy="11308549"/>
+            <a:off x="575958" y="8439489"/>
+            <a:ext cx="1350720" cy="1811459"/>
           </a:xfrm>
           <a:prstGeom prst="rect">
             <a:avLst/>
@@ -2851,15 +2637,15 @@
           <p:nvPr/>
         </p:nvPicPr>
         <p:blipFill>
-          <a:blip r:embed="rId4" cstate="print"/>
+          <a:blip r:embed="rId3" cstate="print"/>
           <a:stretch>
             <a:fillRect/>
           </a:stretch>
         </p:blipFill>
         <p:spPr>
           <a:xfrm>
-            <a:off x="460779" y="8439489"/>
-            <a:ext cx="1350720" cy="1811459"/>
+            <a:off x="2062813" y="8439489"/>
+            <a:ext cx="1350750" cy="1811459"/>
           </a:xfrm>
           <a:prstGeom prst="rect">
             <a:avLst/>
@@ -2873,14 +2659,14 @@
           <p:nvPr/>
         </p:nvPicPr>
         <p:blipFill>
-          <a:blip r:embed="rId4" cstate="print"/>
+          <a:blip r:embed="rId3" cstate="print"/>
           <a:stretch>
             <a:fillRect/>
           </a:stretch>
         </p:blipFill>
         <p:spPr>
           <a:xfrm>
-            <a:off x="1947636" y="8439489"/>
+            <a:off x="3560148" y="8439489"/>
             <a:ext cx="1350750" cy="1811459"/>
           </a:xfrm>
           <a:prstGeom prst="rect">
@@ -2895,14 +2681,14 @@
           <p:nvPr/>
         </p:nvPicPr>
         <p:blipFill>
-          <a:blip r:embed="rId4" cstate="print"/>
+          <a:blip r:embed="rId3" cstate="print"/>
           <a:stretch>
             <a:fillRect/>
           </a:stretch>
         </p:blipFill>
         <p:spPr>
           <a:xfrm>
-            <a:off x="3444970" y="8439489"/>
+            <a:off x="5057481" y="8439489"/>
             <a:ext cx="1350752" cy="1811459"/>
           </a:xfrm>
           <a:prstGeom prst="rect">
@@ -2917,14 +2703,36 @@
           <p:nvPr/>
         </p:nvPicPr>
         <p:blipFill>
-          <a:blip r:embed="rId4" cstate="print"/>
+          <a:blip r:embed="rId3" cstate="print"/>
           <a:stretch>
             <a:fillRect/>
           </a:stretch>
         </p:blipFill>
         <p:spPr>
           <a:xfrm>
-            <a:off x="4942305" y="8439489"/>
+            <a:off x="6554816" y="8439489"/>
+            <a:ext cx="1350752" cy="1811459"/>
+          </a:xfrm>
+          <a:prstGeom prst="rect">
+            <a:avLst/>
+          </a:prstGeom>
+        </p:spPr>
+      </p:pic>
+      <p:pic>
+        <p:nvPicPr>
+          <p:cNvPr id="8" name="object 8"/>
+          <p:cNvPicPr/>
+          <p:nvPr/>
+        </p:nvPicPr>
+        <p:blipFill>
+          <a:blip r:embed="rId3" cstate="print"/>
+          <a:stretch>
+            <a:fillRect/>
+          </a:stretch>
+        </p:blipFill>
+        <p:spPr>
+          <a:xfrm>
+            <a:off x="8052152" y="8439489"/>
             <a:ext cx="1350750" cy="1811459"/>
           </a:xfrm>
           <a:prstGeom prst="rect">
@@ -2934,13 +2742,13 @@
       </p:pic>
       <p:sp>
         <p:nvSpPr>
-          <p:cNvPr id="8" name="object 8"/>
+          <p:cNvPr id="9" name="object 9"/>
           <p:cNvSpPr txBox="1"/>
           <p:nvPr/>
         </p:nvSpPr>
         <p:spPr>
           <a:xfrm>
-            <a:off x="381541" y="10580816"/>
+            <a:off x="1983343" y="10570298"/>
             <a:ext cx="5995035" cy="314960"/>
           </a:xfrm>
           <a:prstGeom prst="rect">
@@ -2963,9 +2771,6 @@
             </a:pPr>
             <a:r>
               <a:rPr sz="1900" spc="-5" dirty="0">
-                <a:solidFill>
-                  <a:schemeClr val="bg1"/>
-                </a:solidFill>
                 <a:latin typeface="Diagramm"/>
                 <a:cs typeface="Diagramm"/>
               </a:rPr>
@@ -2973,9 +2778,6 @@
             </a:r>
             <a:r>
               <a:rPr sz="1900" spc="-10" dirty="0">
-                <a:solidFill>
-                  <a:schemeClr val="bg1"/>
-                </a:solidFill>
                 <a:latin typeface="Diagramm"/>
                 <a:cs typeface="Diagramm"/>
               </a:rPr>
@@ -2983,9 +2785,6 @@
             </a:r>
             <a:r>
               <a:rPr sz="1900" spc="-5" dirty="0">
-                <a:solidFill>
-                  <a:schemeClr val="bg1"/>
-                </a:solidFill>
                 <a:latin typeface="Diagramm"/>
                 <a:cs typeface="Diagramm"/>
               </a:rPr>
@@ -2993,9 +2792,6 @@
             </a:r>
             <a:r>
               <a:rPr sz="1900" dirty="0">
-                <a:solidFill>
-                  <a:schemeClr val="bg1"/>
-                </a:solidFill>
                 <a:latin typeface="Diagramm"/>
                 <a:cs typeface="Diagramm"/>
               </a:rPr>
@@ -3003,9 +2799,6 @@
             </a:r>
             <a:r>
               <a:rPr sz="1900" spc="-10" dirty="0">
-                <a:solidFill>
-                  <a:schemeClr val="bg1"/>
-                </a:solidFill>
                 <a:latin typeface="Diagramm"/>
                 <a:cs typeface="Diagramm"/>
               </a:rPr>
@@ -3013,9 +2806,6 @@
             </a:r>
             <a:r>
               <a:rPr sz="1900" spc="-30" dirty="0">
-                <a:solidFill>
-                  <a:schemeClr val="bg1"/>
-                </a:solidFill>
                 <a:latin typeface="Diagramm"/>
                 <a:cs typeface="Diagramm"/>
               </a:rPr>
@@ -3023,9 +2813,6 @@
             </a:r>
             <a:r>
               <a:rPr sz="1900" spc="-5" dirty="0">
-                <a:solidFill>
-                  <a:schemeClr val="bg1"/>
-                </a:solidFill>
                 <a:latin typeface="Diagramm"/>
                 <a:cs typeface="Diagramm"/>
               </a:rPr>
@@ -3033,9 +2820,6 @@
             </a:r>
             <a:r>
               <a:rPr sz="1900" dirty="0">
-                <a:solidFill>
-                  <a:schemeClr val="bg1"/>
-                </a:solidFill>
                 <a:latin typeface="Diagramm"/>
                 <a:cs typeface="Diagramm"/>
               </a:rPr>
@@ -3043,9 +2827,6 @@
             </a:r>
             <a:r>
               <a:rPr sz="1900" spc="-10" dirty="0">
-                <a:solidFill>
-                  <a:schemeClr val="bg1"/>
-                </a:solidFill>
                 <a:latin typeface="Diagramm"/>
                 <a:cs typeface="Diagramm"/>
               </a:rPr>
@@ -3053,34 +2834,159 @@
             </a:r>
             <a:r>
               <a:rPr sz="1900" spc="-5" dirty="0">
-                <a:solidFill>
-                  <a:schemeClr val="bg1"/>
-                </a:solidFill>
                 <a:latin typeface="Diagramm"/>
                 <a:cs typeface="Diagramm"/>
               </a:rPr>
               <a:t>2009</a:t>
             </a:r>
             <a:endParaRPr sz="1900" dirty="0">
+              <a:latin typeface="Diagramm"/>
+              <a:cs typeface="Diagramm"/>
+            </a:endParaRPr>
+          </a:p>
+        </p:txBody>
+      </p:sp>
+      <p:pic>
+        <p:nvPicPr>
+          <p:cNvPr id="10" name="object 10"/>
+          <p:cNvPicPr/>
+          <p:nvPr/>
+        </p:nvPicPr>
+        <p:blipFill>
+          <a:blip r:embed="rId4" cstate="print"/>
+          <a:stretch>
+            <a:fillRect/>
+          </a:stretch>
+        </p:blipFill>
+        <p:spPr>
+          <a:xfrm>
+            <a:off x="10093918" y="3"/>
+            <a:ext cx="10010181" cy="11308549"/>
+          </a:xfrm>
+          <a:prstGeom prst="rect">
+            <a:avLst/>
+          </a:prstGeom>
+        </p:spPr>
+      </p:pic>
+      <p:sp>
+        <p:nvSpPr>
+          <p:cNvPr id="11" name="object 11"/>
+          <p:cNvSpPr txBox="1"/>
+          <p:nvPr/>
+        </p:nvSpPr>
+        <p:spPr>
+          <a:xfrm>
+            <a:off x="12194899" y="4920431"/>
+            <a:ext cx="5748020" cy="1030605"/>
+          </a:xfrm>
+          <a:prstGeom prst="rect">
+            <a:avLst/>
+          </a:prstGeom>
+        </p:spPr>
+        <p:txBody>
+          <a:bodyPr vert="horz" wrap="square" lIns="0" tIns="12065" rIns="0" bIns="0" rtlCol="0">
+            <a:spAutoFit/>
+          </a:bodyPr>
+          <a:lstStyle/>
+          <a:p>
+            <a:pPr marL="12700">
+              <a:lnSpc>
+                <a:spcPct val="100000"/>
+              </a:lnSpc>
+              <a:spcBef>
+                <a:spcPts val="95"/>
+              </a:spcBef>
+            </a:pPr>
+            <a:r>
+              <a:rPr sz="6600" b="1" spc="-110" dirty="0">
+                <a:solidFill>
+                  <a:schemeClr val="bg1"/>
+                </a:solidFill>
+                <a:latin typeface="Diagramm Bold"/>
+                <a:cs typeface="Diagramm Bold"/>
+              </a:rPr>
+              <a:t>VIDE</a:t>
+            </a:r>
+            <a:r>
+              <a:rPr sz="6600" b="1" spc="-480" dirty="0">
+                <a:solidFill>
+                  <a:schemeClr val="bg1"/>
+                </a:solidFill>
+                <a:latin typeface="Diagramm Bold"/>
+                <a:cs typeface="Diagramm Bold"/>
+              </a:rPr>
+              <a:t>O</a:t>
+            </a:r>
+            <a:r>
+              <a:rPr sz="6600" b="1" spc="25" dirty="0">
+                <a:solidFill>
+                  <a:schemeClr val="bg1"/>
+                </a:solidFill>
+                <a:latin typeface="Diagramm Bold"/>
+                <a:cs typeface="Diagramm Bold"/>
+              </a:rPr>
+              <a:t>/</a:t>
+            </a:r>
+            <a:r>
+              <a:rPr sz="6600" b="1" spc="-135" dirty="0">
+                <a:solidFill>
+                  <a:schemeClr val="bg1"/>
+                </a:solidFill>
+                <a:latin typeface="Diagramm Bold"/>
+                <a:cs typeface="Diagramm Bold"/>
+              </a:rPr>
+              <a:t>IM</a:t>
+            </a:r>
+            <a:r>
+              <a:rPr sz="6600" b="1" spc="-409" dirty="0">
+                <a:solidFill>
+                  <a:schemeClr val="bg1"/>
+                </a:solidFill>
+                <a:latin typeface="Diagramm Bold"/>
+                <a:cs typeface="Diagramm Bold"/>
+              </a:rPr>
+              <a:t>A</a:t>
+            </a:r>
+            <a:r>
+              <a:rPr sz="6600" b="1" spc="-220" dirty="0">
+                <a:solidFill>
+                  <a:schemeClr val="bg1"/>
+                </a:solidFill>
+                <a:latin typeface="Diagramm Bold"/>
+                <a:cs typeface="Diagramm Bold"/>
+              </a:rPr>
+              <a:t>G</a:t>
+            </a:r>
+            <a:r>
+              <a:rPr sz="6600" b="1" spc="-430" dirty="0">
+                <a:solidFill>
+                  <a:schemeClr val="bg1"/>
+                </a:solidFill>
+                <a:latin typeface="Diagramm Bold"/>
+                <a:cs typeface="Diagramm Bold"/>
+              </a:rPr>
+              <a:t>E</a:t>
+            </a:r>
+            <a:endParaRPr sz="6600" dirty="0">
               <a:solidFill>
                 <a:schemeClr val="bg1"/>
               </a:solidFill>
-              <a:latin typeface="Diagramm"/>
-              <a:cs typeface="Diagramm"/>
+              <a:latin typeface="Diagramm Bold"/>
+              <a:cs typeface="Diagramm Bold"/>
             </a:endParaRPr>
           </a:p>
         </p:txBody>
       </p:sp>
       <p:sp>
         <p:nvSpPr>
-          <p:cNvPr id="9" name="object 9"/>
+          <p:cNvPr id="12" name="object 12"/>
           <p:cNvSpPr txBox="1"/>
           <p:nvPr/>
         </p:nvSpPr>
         <p:spPr>
           <a:xfrm>
-            <a:off x="507192" y="1659609"/>
-            <a:ext cx="1029969" cy="402590"/>
+            <a:off x="14017993" y="5820886"/>
+            <a:ext cx="2101850" cy="402590"/>
           </a:xfrm>
           <a:prstGeom prst="rect">
             <a:avLst/>
@@ -3101,86 +3007,17 @@
               </a:spcBef>
             </a:pPr>
             <a:r>
-              <a:rPr sz="2450" spc="15" dirty="0">
-                <a:solidFill>
-                  <a:schemeClr val="bg1"/>
-                </a:solidFill>
-                <a:latin typeface="Diagramm"/>
-                <a:cs typeface="Diagramm"/>
-              </a:rPr>
-              <a:t>T</a:t>
-            </a:r>
-            <a:r>
-              <a:rPr sz="2450" spc="20" dirty="0">
-                <a:solidFill>
-                  <a:schemeClr val="bg1"/>
-                </a:solidFill>
-                <a:latin typeface="Diagramm"/>
-                <a:cs typeface="Diagramm"/>
-              </a:rPr>
-              <a:t>E</a:t>
-            </a:r>
-            <a:r>
-              <a:rPr sz="2450" spc="15" dirty="0">
-                <a:solidFill>
-                  <a:schemeClr val="bg1"/>
-                </a:solidFill>
-                <a:latin typeface="Diagramm"/>
-                <a:cs typeface="Diagramm"/>
-              </a:rPr>
-              <a:t>XTE</a:t>
-            </a:r>
-            <a:endParaRPr sz="2450" dirty="0">
-              <a:solidFill>
-                <a:schemeClr val="bg1"/>
-              </a:solidFill>
-              <a:latin typeface="Diagramm"/>
-              <a:cs typeface="Diagramm"/>
-            </a:endParaRPr>
-          </a:p>
-        </p:txBody>
-      </p:sp>
-      <p:sp>
-        <p:nvSpPr>
-          <p:cNvPr id="10" name="object 10"/>
-          <p:cNvSpPr txBox="1"/>
-          <p:nvPr/>
-        </p:nvSpPr>
-        <p:spPr>
-          <a:xfrm>
-            <a:off x="8072676" y="4920431"/>
-            <a:ext cx="10955655" cy="1030605"/>
-          </a:xfrm>
-          <a:prstGeom prst="rect">
-            <a:avLst/>
-          </a:prstGeom>
-        </p:spPr>
-        <p:txBody>
-          <a:bodyPr vert="horz" wrap="square" lIns="0" tIns="12065" rIns="0" bIns="0" rtlCol="0">
-            <a:spAutoFit/>
-          </a:bodyPr>
-          <a:lstStyle/>
-          <a:p>
-            <a:pPr marL="12700">
-              <a:lnSpc>
-                <a:spcPct val="100000"/>
-              </a:lnSpc>
-              <a:spcBef>
-                <a:spcPts val="95"/>
-              </a:spcBef>
-            </a:pPr>
-            <a:r>
-              <a:rPr sz="6600" b="1" spc="-200" dirty="0">
+              <a:rPr sz="2450" b="1" spc="-70" dirty="0">
                 <a:solidFill>
                   <a:schemeClr val="bg1"/>
                 </a:solidFill>
                 <a:latin typeface="Diagramm Bold"/>
                 <a:cs typeface="Diagramm Bold"/>
               </a:rPr>
-              <a:t>VIDEO/IMAGE</a:t>
-            </a:r>
-            <a:r>
-              <a:rPr sz="6600" b="1" spc="409" dirty="0">
+              <a:t>(NO</a:t>
+            </a:r>
+            <a:r>
+              <a:rPr sz="2450" b="1" spc="114" dirty="0">
                 <a:solidFill>
                   <a:schemeClr val="bg1"/>
                 </a:solidFill>
@@ -3190,36 +3027,16 @@
               <a:t> </a:t>
             </a:r>
             <a:r>
-              <a:rPr sz="6600" b="1" spc="-195" dirty="0">
+              <a:rPr sz="2450" b="1" spc="-55" dirty="0">
                 <a:solidFill>
                   <a:schemeClr val="bg1"/>
                 </a:solidFill>
                 <a:latin typeface="Diagramm Bold"/>
                 <a:cs typeface="Diagramm Bold"/>
               </a:rPr>
-              <a:t>2/3</a:t>
-            </a:r>
-            <a:r>
-              <a:rPr sz="6600" b="1" spc="409" dirty="0">
-                <a:solidFill>
-                  <a:schemeClr val="bg1"/>
-                </a:solidFill>
-                <a:latin typeface="Diagramm Bold"/>
-                <a:cs typeface="Diagramm Bold"/>
-              </a:rPr>
-              <a:t> </a:t>
-            </a:r>
-            <a:r>
-              <a:rPr sz="6600" b="1" spc="-225" dirty="0">
-                <a:solidFill>
-                  <a:schemeClr val="bg1"/>
-                </a:solidFill>
-                <a:latin typeface="Diagramm Bold"/>
-                <a:cs typeface="Diagramm Bold"/>
-              </a:rPr>
-              <a:t>SCREEN</a:t>
-            </a:r>
-            <a:endParaRPr sz="6600" dirty="0">
+              <a:t>BORDER)</a:t>
+            </a:r>
+            <a:endParaRPr sz="2450" dirty="0">
               <a:solidFill>
                 <a:schemeClr val="bg1"/>
               </a:solidFill>
@@ -3231,7 +3048,7 @@
       </p:sp>
       <p:sp>
         <p:nvSpPr>
-          <p:cNvPr id="11" name="object 11"/>
+          <p:cNvPr id="13" name="object 13"/>
           <p:cNvSpPr txBox="1">
             <a:spLocks noGrp="1"/>
           </p:cNvSpPr>
@@ -3240,10 +3057,6 @@
           </p:nvPr>
         </p:nvSpPr>
         <p:spPr>
-          <a:xfrm>
-            <a:off x="478701" y="396875"/>
-            <a:ext cx="19118207" cy="1031240"/>
-          </a:xfrm>
           <a:prstGeom prst="rect">
             <a:avLst/>
           </a:prstGeom>
@@ -3291,6 +3104,63 @@
               </a:solidFill>
               <a:latin typeface="Diagramm Light"/>
               <a:cs typeface="Diagramm Light"/>
+            </a:endParaRPr>
+          </a:p>
+        </p:txBody>
+      </p:sp>
+      <p:sp>
+        <p:nvSpPr>
+          <p:cNvPr id="14" name="object 14"/>
+          <p:cNvSpPr txBox="1"/>
+          <p:nvPr/>
+        </p:nvSpPr>
+        <p:spPr>
+          <a:xfrm>
+            <a:off x="507192" y="1659609"/>
+            <a:ext cx="1029969" cy="402590"/>
+          </a:xfrm>
+          <a:prstGeom prst="rect">
+            <a:avLst/>
+          </a:prstGeom>
+        </p:spPr>
+        <p:txBody>
+          <a:bodyPr vert="horz" wrap="square" lIns="0" tIns="15240" rIns="0" bIns="0" rtlCol="0">
+            <a:spAutoFit/>
+          </a:bodyPr>
+          <a:lstStyle/>
+          <a:p>
+            <a:pPr marL="12700">
+              <a:lnSpc>
+                <a:spcPct val="100000"/>
+              </a:lnSpc>
+              <a:spcBef>
+                <a:spcPts val="120"/>
+              </a:spcBef>
+            </a:pPr>
+            <a:r>
+              <a:rPr sz="2450" spc="15" dirty="0">
+                <a:latin typeface="Diagramm"/>
+                <a:cs typeface="Diagramm"/>
+              </a:rPr>
+              <a:t>T</a:t>
+            </a:r>
+            <a:r>
+              <a:rPr sz="2450" spc="20" dirty="0">
+                <a:latin typeface="Diagramm"/>
+                <a:cs typeface="Diagramm"/>
+              </a:rPr>
+              <a:t>E</a:t>
+            </a:r>
+            <a:r>
+              <a:rPr sz="2450" spc="15" dirty="0">
+                <a:latin typeface="Diagramm"/>
+                <a:cs typeface="Diagramm"/>
+              </a:rPr>
+              <a:t>XTE</a:t>
+            </a:r>
+            <a:endParaRPr sz="2450">
+              <a:latin typeface="Diagramm"/>
+              <a:cs typeface="Diagramm"/>
             </a:endParaRPr>
           </a:p>
         </p:txBody>
@@ -3344,148 +3214,16 @@
           </a:prstGeom>
         </p:spPr>
       </p:pic>
-      <p:pic>
-        <p:nvPicPr>
+      <p:sp>
+        <p:nvSpPr>
           <p:cNvPr id="3" name="object 3"/>
-          <p:cNvPicPr/>
-          <p:nvPr/>
-        </p:nvPicPr>
-        <p:blipFill>
-          <a:blip r:embed="rId3" cstate="print"/>
-          <a:stretch>
-            <a:fillRect/>
-          </a:stretch>
-        </p:blipFill>
-        <p:spPr>
-          <a:xfrm>
-            <a:off x="575958" y="8439489"/>
-            <a:ext cx="1350720" cy="1811459"/>
-          </a:xfrm>
-          <a:prstGeom prst="rect">
-            <a:avLst/>
-          </a:prstGeom>
-        </p:spPr>
-      </p:pic>
-      <p:pic>
-        <p:nvPicPr>
-          <p:cNvPr id="4" name="object 4"/>
-          <p:cNvPicPr/>
-          <p:nvPr/>
-        </p:nvPicPr>
-        <p:blipFill>
-          <a:blip r:embed="rId3" cstate="print"/>
-          <a:stretch>
-            <a:fillRect/>
-          </a:stretch>
-        </p:blipFill>
-        <p:spPr>
-          <a:xfrm>
-            <a:off x="2062813" y="8439489"/>
-            <a:ext cx="1350750" cy="1811459"/>
-          </a:xfrm>
-          <a:prstGeom prst="rect">
-            <a:avLst/>
-          </a:prstGeom>
-        </p:spPr>
-      </p:pic>
-      <p:pic>
-        <p:nvPicPr>
-          <p:cNvPr id="5" name="object 5"/>
-          <p:cNvPicPr/>
-          <p:nvPr/>
-        </p:nvPicPr>
-        <p:blipFill>
-          <a:blip r:embed="rId3" cstate="print"/>
-          <a:stretch>
-            <a:fillRect/>
-          </a:stretch>
-        </p:blipFill>
-        <p:spPr>
-          <a:xfrm>
-            <a:off x="3560148" y="8439489"/>
-            <a:ext cx="1350750" cy="1811459"/>
-          </a:xfrm>
-          <a:prstGeom prst="rect">
-            <a:avLst/>
-          </a:prstGeom>
-        </p:spPr>
-      </p:pic>
-      <p:pic>
-        <p:nvPicPr>
-          <p:cNvPr id="6" name="object 6"/>
-          <p:cNvPicPr/>
-          <p:nvPr/>
-        </p:nvPicPr>
-        <p:blipFill>
-          <a:blip r:embed="rId3" cstate="print"/>
-          <a:stretch>
-            <a:fillRect/>
-          </a:stretch>
-        </p:blipFill>
-        <p:spPr>
-          <a:xfrm>
-            <a:off x="5057481" y="8439489"/>
-            <a:ext cx="1350752" cy="1811459"/>
-          </a:xfrm>
-          <a:prstGeom prst="rect">
-            <a:avLst/>
-          </a:prstGeom>
-        </p:spPr>
-      </p:pic>
-      <p:pic>
-        <p:nvPicPr>
-          <p:cNvPr id="7" name="object 7"/>
-          <p:cNvPicPr/>
-          <p:nvPr/>
-        </p:nvPicPr>
-        <p:blipFill>
-          <a:blip r:embed="rId3" cstate="print"/>
-          <a:stretch>
-            <a:fillRect/>
-          </a:stretch>
-        </p:blipFill>
-        <p:spPr>
-          <a:xfrm>
-            <a:off x="6554816" y="8439489"/>
-            <a:ext cx="1350752" cy="1811459"/>
-          </a:xfrm>
-          <a:prstGeom prst="rect">
-            <a:avLst/>
-          </a:prstGeom>
-        </p:spPr>
-      </p:pic>
-      <p:pic>
-        <p:nvPicPr>
-          <p:cNvPr id="8" name="object 8"/>
-          <p:cNvPicPr/>
-          <p:nvPr/>
-        </p:nvPicPr>
-        <p:blipFill>
-          <a:blip r:embed="rId3" cstate="print"/>
-          <a:stretch>
-            <a:fillRect/>
-          </a:stretch>
-        </p:blipFill>
-        <p:spPr>
-          <a:xfrm>
-            <a:off x="8052152" y="8439489"/>
-            <a:ext cx="1350750" cy="1811459"/>
-          </a:xfrm>
-          <a:prstGeom prst="rect">
-            <a:avLst/>
-          </a:prstGeom>
-        </p:spPr>
-      </p:pic>
-      <p:sp>
-        <p:nvSpPr>
-          <p:cNvPr id="9" name="object 9"/>
           <p:cNvSpPr txBox="1"/>
           <p:nvPr/>
         </p:nvSpPr>
         <p:spPr>
           <a:xfrm>
-            <a:off x="1983343" y="10570298"/>
-            <a:ext cx="5995035" cy="314960"/>
+            <a:off x="4215863" y="4920431"/>
+            <a:ext cx="11653520" cy="1030605"/>
           </a:xfrm>
           <a:prstGeom prst="rect">
             <a:avLst/>
@@ -3506,240 +3244,41 @@
               </a:spcBef>
             </a:pPr>
             <a:r>
-              <a:rPr sz="1900" spc="-5" dirty="0">
-                <a:solidFill>
-                  <a:schemeClr val="bg1"/>
-                </a:solidFill>
-                <a:latin typeface="Diagramm"/>
-                <a:cs typeface="Diagramm"/>
-              </a:rPr>
-              <a:t>COURTINE</a:t>
-            </a:r>
-            <a:r>
-              <a:rPr sz="1900" spc="-10" dirty="0">
-                <a:solidFill>
-                  <a:schemeClr val="bg1"/>
-                </a:solidFill>
-                <a:latin typeface="Diagramm"/>
-                <a:cs typeface="Diagramm"/>
-              </a:rPr>
-              <a:t> </a:t>
-            </a:r>
-            <a:r>
-              <a:rPr sz="1900" spc="-5" dirty="0">
-                <a:solidFill>
-                  <a:schemeClr val="bg1"/>
-                </a:solidFill>
-                <a:latin typeface="Diagramm"/>
-                <a:cs typeface="Diagramm"/>
-              </a:rPr>
-              <a:t>ET AL. </a:t>
-            </a:r>
-            <a:r>
-              <a:rPr sz="1900" dirty="0">
-                <a:solidFill>
-                  <a:schemeClr val="bg1"/>
-                </a:solidFill>
-                <a:latin typeface="Diagramm"/>
-                <a:cs typeface="Diagramm"/>
-              </a:rPr>
-              <a:t>¦</a:t>
-            </a:r>
-            <a:r>
-              <a:rPr sz="1900" spc="-10" dirty="0">
-                <a:solidFill>
-                  <a:schemeClr val="bg1"/>
-                </a:solidFill>
-                <a:latin typeface="Diagramm"/>
-                <a:cs typeface="Diagramm"/>
-              </a:rPr>
-              <a:t> </a:t>
-            </a:r>
-            <a:r>
-              <a:rPr sz="1900" spc="-30" dirty="0">
-                <a:solidFill>
-                  <a:schemeClr val="bg1"/>
-                </a:solidFill>
-                <a:latin typeface="Diagramm"/>
-                <a:cs typeface="Diagramm"/>
-              </a:rPr>
-              <a:t>NATURE</a:t>
-            </a:r>
-            <a:r>
-              <a:rPr sz="1900" spc="-5" dirty="0">
-                <a:solidFill>
-                  <a:schemeClr val="bg1"/>
-                </a:solidFill>
-                <a:latin typeface="Diagramm"/>
-                <a:cs typeface="Diagramm"/>
-              </a:rPr>
-              <a:t> NEUROSCIENCE </a:t>
-            </a:r>
-            <a:r>
-              <a:rPr sz="1900" dirty="0">
-                <a:solidFill>
-                  <a:schemeClr val="bg1"/>
-                </a:solidFill>
-                <a:latin typeface="Diagramm"/>
-                <a:cs typeface="Diagramm"/>
-              </a:rPr>
-              <a:t>¦</a:t>
-            </a:r>
-            <a:r>
-              <a:rPr sz="1900" spc="-10" dirty="0">
-                <a:solidFill>
-                  <a:schemeClr val="bg1"/>
-                </a:solidFill>
-                <a:latin typeface="Diagramm"/>
-                <a:cs typeface="Diagramm"/>
-              </a:rPr>
-              <a:t> </a:t>
-            </a:r>
-            <a:r>
-              <a:rPr sz="1900" spc="-5" dirty="0">
-                <a:solidFill>
-                  <a:schemeClr val="bg1"/>
-                </a:solidFill>
-                <a:latin typeface="Diagramm"/>
-                <a:cs typeface="Diagramm"/>
-              </a:rPr>
-              <a:t>2009</a:t>
-            </a:r>
-            <a:endParaRPr sz="1900" dirty="0">
-              <a:solidFill>
-                <a:schemeClr val="bg1"/>
-              </a:solidFill>
-              <a:latin typeface="Diagramm"/>
-              <a:cs typeface="Diagramm"/>
-            </a:endParaRPr>
-          </a:p>
-        </p:txBody>
-      </p:sp>
-      <p:pic>
-        <p:nvPicPr>
-          <p:cNvPr id="10" name="object 10"/>
-          <p:cNvPicPr/>
-          <p:nvPr/>
-        </p:nvPicPr>
-        <p:blipFill>
-          <a:blip r:embed="rId4" cstate="print"/>
-          <a:stretch>
-            <a:fillRect/>
-          </a:stretch>
-        </p:blipFill>
-        <p:spPr>
-          <a:xfrm>
-            <a:off x="10093918" y="3"/>
-            <a:ext cx="10010181" cy="11308549"/>
-          </a:xfrm>
-          <a:prstGeom prst="rect">
-            <a:avLst/>
-          </a:prstGeom>
-        </p:spPr>
-      </p:pic>
-      <p:sp>
-        <p:nvSpPr>
-          <p:cNvPr id="11" name="object 11"/>
-          <p:cNvSpPr txBox="1"/>
-          <p:nvPr/>
-        </p:nvSpPr>
-        <p:spPr>
-          <a:xfrm>
-            <a:off x="12194899" y="4920431"/>
-            <a:ext cx="5748020" cy="1030605"/>
-          </a:xfrm>
-          <a:prstGeom prst="rect">
-            <a:avLst/>
-          </a:prstGeom>
-        </p:spPr>
-        <p:txBody>
-          <a:bodyPr vert="horz" wrap="square" lIns="0" tIns="12065" rIns="0" bIns="0" rtlCol="0">
-            <a:spAutoFit/>
-          </a:bodyPr>
-          <a:lstStyle/>
-          <a:p>
-            <a:pPr marL="12700">
-              <a:lnSpc>
-                <a:spcPct val="100000"/>
-              </a:lnSpc>
-              <a:spcBef>
-                <a:spcPts val="95"/>
-              </a:spcBef>
-            </a:pPr>
-            <a:r>
-              <a:rPr sz="6600" b="1" spc="-110" dirty="0">
-                <a:solidFill>
-                  <a:schemeClr val="bg1"/>
-                </a:solidFill>
+              <a:rPr sz="6600" b="1" spc="-200" dirty="0">
                 <a:latin typeface="Diagramm Bold"/>
                 <a:cs typeface="Diagramm Bold"/>
               </a:rPr>
-              <a:t>VIDE</a:t>
-            </a:r>
-            <a:r>
-              <a:rPr sz="6600" b="1" spc="-480" dirty="0">
-                <a:solidFill>
-                  <a:schemeClr val="bg1"/>
-                </a:solidFill>
+              <a:t>VIDEO/IMAGE</a:t>
+            </a:r>
+            <a:r>
+              <a:rPr sz="6600" b="1" spc="405" dirty="0">
                 <a:latin typeface="Diagramm Bold"/>
                 <a:cs typeface="Diagramm Bold"/>
               </a:rPr>
-              <a:t>O</a:t>
-            </a:r>
-            <a:r>
-              <a:rPr sz="6600" b="1" spc="25" dirty="0">
-                <a:solidFill>
-                  <a:schemeClr val="bg1"/>
-                </a:solidFill>
+              <a:t> </a:t>
+            </a:r>
+            <a:r>
+              <a:rPr sz="6600" b="1" spc="-204" dirty="0">
                 <a:latin typeface="Diagramm Bold"/>
                 <a:cs typeface="Diagramm Bold"/>
               </a:rPr>
-              <a:t>/</a:t>
-            </a:r>
-            <a:r>
-              <a:rPr sz="6600" b="1" spc="-135" dirty="0">
-                <a:solidFill>
-                  <a:schemeClr val="bg1"/>
-                </a:solidFill>
+              <a:t>FULL</a:t>
+            </a:r>
+            <a:r>
+              <a:rPr sz="6600" b="1" spc="409" dirty="0">
                 <a:latin typeface="Diagramm Bold"/>
                 <a:cs typeface="Diagramm Bold"/>
               </a:rPr>
-              <a:t>IM</a:t>
-            </a:r>
-            <a:r>
-              <a:rPr sz="6600" b="1" spc="-409" dirty="0">
-                <a:solidFill>
-                  <a:schemeClr val="bg1"/>
-                </a:solidFill>
+              <a:t> </a:t>
+            </a:r>
+            <a:r>
+              <a:rPr sz="6600" b="1" spc="-225" dirty="0">
                 <a:latin typeface="Diagramm Bold"/>
                 <a:cs typeface="Diagramm Bold"/>
               </a:rPr>
-              <a:t>A</a:t>
-            </a:r>
-            <a:r>
-              <a:rPr sz="6600" b="1" spc="-220" dirty="0">
-                <a:solidFill>
-                  <a:schemeClr val="bg1"/>
-                </a:solidFill>
-                <a:latin typeface="Diagramm Bold"/>
-                <a:cs typeface="Diagramm Bold"/>
-              </a:rPr>
-              <a:t>G</a:t>
-            </a:r>
-            <a:r>
-              <a:rPr sz="6600" b="1" spc="-430" dirty="0">
-                <a:solidFill>
-                  <a:schemeClr val="bg1"/>
-                </a:solidFill>
-                <a:latin typeface="Diagramm Bold"/>
-                <a:cs typeface="Diagramm Bold"/>
-              </a:rPr>
-              <a:t>E</a:t>
+              <a:t>SCREEN</a:t>
             </a:r>
             <a:endParaRPr sz="6600" dirty="0">
-              <a:solidFill>
-                <a:schemeClr val="bg1"/>
-              </a:solidFill>
               <a:latin typeface="Diagramm Bold"/>
               <a:cs typeface="Diagramm Bold"/>
             </a:endParaRPr>
@@ -3748,81 +3287,12 @@
       </p:sp>
       <p:sp>
         <p:nvSpPr>
-          <p:cNvPr id="12" name="object 12"/>
-          <p:cNvSpPr txBox="1"/>
-          <p:nvPr/>
-        </p:nvSpPr>
-        <p:spPr>
-          <a:xfrm>
-            <a:off x="14017993" y="5820886"/>
-            <a:ext cx="2101850" cy="402590"/>
-          </a:xfrm>
-          <a:prstGeom prst="rect">
-            <a:avLst/>
-          </a:prstGeom>
-        </p:spPr>
-        <p:txBody>
-          <a:bodyPr vert="horz" wrap="square" lIns="0" tIns="15240" rIns="0" bIns="0" rtlCol="0">
-            <a:spAutoFit/>
-          </a:bodyPr>
-          <a:lstStyle/>
-          <a:p>
-            <a:pPr marL="12700">
-              <a:lnSpc>
-                <a:spcPct val="100000"/>
-              </a:lnSpc>
-              <a:spcBef>
-                <a:spcPts val="120"/>
-              </a:spcBef>
-            </a:pPr>
-            <a:r>
-              <a:rPr sz="2450" b="1" spc="-70" dirty="0">
-                <a:solidFill>
-                  <a:schemeClr val="bg1"/>
-                </a:solidFill>
-                <a:latin typeface="Diagramm Bold"/>
-                <a:cs typeface="Diagramm Bold"/>
-              </a:rPr>
-              <a:t>(NO</a:t>
-            </a:r>
-            <a:r>
-              <a:rPr sz="2450" b="1" spc="114" dirty="0">
-                <a:solidFill>
-                  <a:schemeClr val="bg1"/>
-                </a:solidFill>
-                <a:latin typeface="Diagramm Bold"/>
-                <a:cs typeface="Diagramm Bold"/>
-              </a:rPr>
-              <a:t> </a:t>
-            </a:r>
-            <a:r>
-              <a:rPr sz="2450" b="1" spc="-55" dirty="0">
-                <a:solidFill>
-                  <a:schemeClr val="bg1"/>
-                </a:solidFill>
-                <a:latin typeface="Diagramm Bold"/>
-                <a:cs typeface="Diagramm Bold"/>
-              </a:rPr>
-              <a:t>BORDER)</a:t>
-            </a:r>
-            <a:endParaRPr sz="2450" dirty="0">
-              <a:solidFill>
-                <a:schemeClr val="bg1"/>
-              </a:solidFill>
-              <a:latin typeface="Diagramm Bold"/>
-              <a:cs typeface="Diagramm Bold"/>
-            </a:endParaRPr>
-          </a:p>
-        </p:txBody>
-      </p:sp>
-      <p:sp>
-        <p:nvSpPr>
-          <p:cNvPr id="13" name="object 13"/>
+          <p:cNvPr id="4" name="object 4"/>
           <p:cNvSpPr txBox="1">
             <a:spLocks noGrp="1"/>
           </p:cNvSpPr>
           <p:nvPr>
-            <p:ph type="title"/>
+            <p:ph type="ctrTitle"/>
           </p:nvPr>
         </p:nvSpPr>
         <p:spPr>
@@ -3873,75 +3343,6 @@
               </a:solidFill>
               <a:latin typeface="Diagramm Light"/>
               <a:cs typeface="Diagramm Light"/>
-            </a:endParaRPr>
-          </a:p>
-        </p:txBody>
-      </p:sp>
-      <p:sp>
-        <p:nvSpPr>
-          <p:cNvPr id="14" name="object 14"/>
-          <p:cNvSpPr txBox="1"/>
-          <p:nvPr/>
-        </p:nvSpPr>
-        <p:spPr>
-          <a:xfrm>
-            <a:off x="507192" y="1659609"/>
-            <a:ext cx="1029969" cy="402590"/>
-          </a:xfrm>
-          <a:prstGeom prst="rect">
-            <a:avLst/>
-          </a:prstGeom>
-        </p:spPr>
-        <p:txBody>
-          <a:bodyPr vert="horz" wrap="square" lIns="0" tIns="15240" rIns="0" bIns="0" rtlCol="0">
-            <a:spAutoFit/>
-          </a:bodyPr>
-          <a:lstStyle/>
-          <a:p>
-            <a:pPr marL="12700">
-              <a:lnSpc>
-                <a:spcPct val="100000"/>
-              </a:lnSpc>
-              <a:spcBef>
-                <a:spcPts val="120"/>
-              </a:spcBef>
-            </a:pPr>
-            <a:r>
-              <a:rPr sz="2450" spc="15" dirty="0">
-                <a:solidFill>
-                  <a:schemeClr val="bg1"/>
-                </a:solidFill>
-                <a:latin typeface="Diagramm"/>
-                <a:cs typeface="Diagramm"/>
-              </a:rPr>
-              <a:t>T</a:t>
-            </a:r>
-            <a:r>
-              <a:rPr sz="2450" spc="20" dirty="0">
-                <a:solidFill>
-                  <a:schemeClr val="bg1"/>
-                </a:solidFill>
-                <a:latin typeface="Diagramm"/>
-                <a:cs typeface="Diagramm"/>
-              </a:rPr>
-              <a:t>E</a:t>
-            </a:r>
-            <a:r>
-              <a:rPr sz="2450" spc="15" dirty="0">
-                <a:solidFill>
-                  <a:schemeClr val="bg1"/>
-                </a:solidFill>
-                <a:latin typeface="Diagramm"/>
-                <a:cs typeface="Diagramm"/>
-              </a:rPr>
-              <a:t>XTE</a:t>
-            </a:r>
-            <a:endParaRPr sz="2450" dirty="0">
-              <a:solidFill>
-                <a:schemeClr val="bg1"/>
-              </a:solidFill>
-              <a:latin typeface="Diagramm"/>
-              <a:cs typeface="Diagramm"/>
             </a:endParaRPr>
           </a:p>
         </p:txBody>
@@ -3955,7 +3356,7 @@
 </file>
 
 <file path=ppt/slides/slide15.xml><?xml version="1.0" encoding="utf-8"?>
-<p:sld xmlns:a="http://schemas.openxmlformats.org/drawingml/2006/main" xmlns:r="http://schemas.openxmlformats.org/officeDocument/2006/relationships" xmlns:p="http://schemas.openxmlformats.org/presentationml/2006/main">
+<p:sld xmlns:a="http://schemas.openxmlformats.org/drawingml/2006/main" xmlns:r="http://schemas.openxmlformats.org/officeDocument/2006/relationships" xmlns:p="http://schemas.openxmlformats.org/presentationml/2006/main" showMasterSp="0">
   <p:cSld>
     <p:spTree>
       <p:nvGrpSpPr>
@@ -3995,16 +3396,265 @@
           </a:prstGeom>
         </p:spPr>
       </p:pic>
-      <p:sp>
-        <p:nvSpPr>
+      <p:pic>
+        <p:nvPicPr>
           <p:cNvPr id="3" name="object 3"/>
+          <p:cNvPicPr/>
+          <p:nvPr/>
+        </p:nvPicPr>
+        <p:blipFill>
+          <a:blip r:embed="rId3" cstate="print"/>
+          <a:stretch>
+            <a:fillRect/>
+          </a:stretch>
+        </p:blipFill>
+        <p:spPr>
+          <a:xfrm>
+            <a:off x="6753723" y="3"/>
+            <a:ext cx="13350376" cy="11308549"/>
+          </a:xfrm>
+          <a:prstGeom prst="rect">
+            <a:avLst/>
+          </a:prstGeom>
+        </p:spPr>
+      </p:pic>
+      <p:pic>
+        <p:nvPicPr>
+          <p:cNvPr id="4" name="object 4"/>
+          <p:cNvPicPr/>
+          <p:nvPr/>
+        </p:nvPicPr>
+        <p:blipFill>
+          <a:blip r:embed="rId4" cstate="print"/>
+          <a:stretch>
+            <a:fillRect/>
+          </a:stretch>
+        </p:blipFill>
+        <p:spPr>
+          <a:xfrm>
+            <a:off x="460779" y="8439489"/>
+            <a:ext cx="1350720" cy="1811459"/>
+          </a:xfrm>
+          <a:prstGeom prst="rect">
+            <a:avLst/>
+          </a:prstGeom>
+        </p:spPr>
+      </p:pic>
+      <p:pic>
+        <p:nvPicPr>
+          <p:cNvPr id="5" name="object 5"/>
+          <p:cNvPicPr/>
+          <p:nvPr/>
+        </p:nvPicPr>
+        <p:blipFill>
+          <a:blip r:embed="rId4" cstate="print"/>
+          <a:stretch>
+            <a:fillRect/>
+          </a:stretch>
+        </p:blipFill>
+        <p:spPr>
+          <a:xfrm>
+            <a:off x="1947636" y="8439489"/>
+            <a:ext cx="1350750" cy="1811459"/>
+          </a:xfrm>
+          <a:prstGeom prst="rect">
+            <a:avLst/>
+          </a:prstGeom>
+        </p:spPr>
+      </p:pic>
+      <p:pic>
+        <p:nvPicPr>
+          <p:cNvPr id="6" name="object 6"/>
+          <p:cNvPicPr/>
+          <p:nvPr/>
+        </p:nvPicPr>
+        <p:blipFill>
+          <a:blip r:embed="rId4" cstate="print"/>
+          <a:stretch>
+            <a:fillRect/>
+          </a:stretch>
+        </p:blipFill>
+        <p:spPr>
+          <a:xfrm>
+            <a:off x="3444970" y="8439489"/>
+            <a:ext cx="1350752" cy="1811459"/>
+          </a:xfrm>
+          <a:prstGeom prst="rect">
+            <a:avLst/>
+          </a:prstGeom>
+        </p:spPr>
+      </p:pic>
+      <p:pic>
+        <p:nvPicPr>
+          <p:cNvPr id="7" name="object 7"/>
+          <p:cNvPicPr/>
+          <p:nvPr/>
+        </p:nvPicPr>
+        <p:blipFill>
+          <a:blip r:embed="rId4" cstate="print"/>
+          <a:stretch>
+            <a:fillRect/>
+          </a:stretch>
+        </p:blipFill>
+        <p:spPr>
+          <a:xfrm>
+            <a:off x="4942305" y="8439489"/>
+            <a:ext cx="1350750" cy="1811459"/>
+          </a:xfrm>
+          <a:prstGeom prst="rect">
+            <a:avLst/>
+          </a:prstGeom>
+        </p:spPr>
+      </p:pic>
+      <p:sp>
+        <p:nvSpPr>
+          <p:cNvPr id="8" name="object 8"/>
           <p:cNvSpPr txBox="1"/>
           <p:nvPr/>
         </p:nvSpPr>
         <p:spPr>
           <a:xfrm>
+            <a:off x="381541" y="10580816"/>
+            <a:ext cx="5995035" cy="314960"/>
+          </a:xfrm>
+          <a:prstGeom prst="rect">
+            <a:avLst/>
+          </a:prstGeom>
+        </p:spPr>
+        <p:txBody>
+          <a:bodyPr vert="horz" wrap="square" lIns="0" tIns="12065" rIns="0" bIns="0" rtlCol="0">
+            <a:spAutoFit/>
+          </a:bodyPr>
+          <a:lstStyle/>
+          <a:p>
+            <a:pPr marL="12700">
+              <a:lnSpc>
+                <a:spcPct val="100000"/>
+              </a:lnSpc>
+              <a:spcBef>
+                <a:spcPts val="95"/>
+              </a:spcBef>
+            </a:pPr>
+            <a:r>
+              <a:rPr sz="1900" spc="-5" dirty="0">
+                <a:solidFill>
+                  <a:schemeClr val="bg1"/>
+                </a:solidFill>
+                <a:latin typeface="Diagramm"/>
+                <a:cs typeface="Diagramm"/>
+              </a:rPr>
+              <a:t>COURTINE</a:t>
+            </a:r>
+            <a:r>
+              <a:rPr sz="1900" spc="-10" dirty="0">
+                <a:solidFill>
+                  <a:schemeClr val="bg1"/>
+                </a:solidFill>
+                <a:latin typeface="Diagramm"/>
+                <a:cs typeface="Diagramm"/>
+              </a:rPr>
+              <a:t> </a:t>
+            </a:r>
+            <a:r>
+              <a:rPr sz="1900" spc="-5" dirty="0">
+                <a:solidFill>
+                  <a:schemeClr val="bg1"/>
+                </a:solidFill>
+                <a:latin typeface="Diagramm"/>
+                <a:cs typeface="Diagramm"/>
+              </a:rPr>
+              <a:t>ET AL. </a:t>
+            </a:r>
+            <a:r>
+              <a:rPr sz="1900" dirty="0">
+                <a:solidFill>
+                  <a:schemeClr val="bg1"/>
+                </a:solidFill>
+                <a:latin typeface="Diagramm"/>
+                <a:cs typeface="Diagramm"/>
+              </a:rPr>
+              <a:t>¦</a:t>
+            </a:r>
+            <a:r>
+              <a:rPr sz="1900" spc="-10" dirty="0">
+                <a:solidFill>
+                  <a:schemeClr val="bg1"/>
+                </a:solidFill>
+                <a:latin typeface="Diagramm"/>
+                <a:cs typeface="Diagramm"/>
+              </a:rPr>
+              <a:t> </a:t>
+            </a:r>
+            <a:r>
+              <a:rPr sz="1900" spc="-30" dirty="0">
+                <a:solidFill>
+                  <a:schemeClr val="bg1"/>
+                </a:solidFill>
+                <a:latin typeface="Diagramm"/>
+                <a:cs typeface="Diagramm"/>
+              </a:rPr>
+              <a:t>NATURE</a:t>
+            </a:r>
+            <a:r>
+              <a:rPr sz="1900" spc="-5" dirty="0">
+                <a:solidFill>
+                  <a:schemeClr val="bg1"/>
+                </a:solidFill>
+                <a:latin typeface="Diagramm"/>
+                <a:cs typeface="Diagramm"/>
+              </a:rPr>
+              <a:t> NEUROSCIENCE </a:t>
+            </a:r>
+            <a:r>
+              <a:rPr sz="1900" dirty="0">
+                <a:solidFill>
+                  <a:schemeClr val="bg1"/>
+                </a:solidFill>
+                <a:latin typeface="Diagramm"/>
+                <a:cs typeface="Diagramm"/>
+              </a:rPr>
+              <a:t>¦</a:t>
+            </a:r>
+            <a:r>
+              <a:rPr sz="1900" spc="-10" dirty="0">
+                <a:solidFill>
+                  <a:schemeClr val="bg1"/>
+                </a:solidFill>
+                <a:latin typeface="Diagramm"/>
+                <a:cs typeface="Diagramm"/>
+              </a:rPr>
+              <a:t> </a:t>
+            </a:r>
+            <a:r>
+              <a:rPr sz="1900" spc="-5" dirty="0">
+                <a:solidFill>
+                  <a:schemeClr val="bg1"/>
+                </a:solidFill>
+                <a:latin typeface="Diagramm"/>
+                <a:cs typeface="Diagramm"/>
+              </a:rPr>
+              <a:t>2009</a:t>
+            </a:r>
+            <a:endParaRPr sz="1900" dirty="0">
+              <a:solidFill>
+                <a:schemeClr val="bg1"/>
+              </a:solidFill>
+              <a:latin typeface="Diagramm"/>
+              <a:cs typeface="Diagramm"/>
+            </a:endParaRPr>
+          </a:p>
+        </p:txBody>
+      </p:sp>
+      <p:sp>
+        <p:nvSpPr>
+          <p:cNvPr id="9" name="object 9"/>
+          <p:cNvSpPr txBox="1"/>
+          <p:nvPr/>
+        </p:nvSpPr>
+        <p:spPr>
+          <a:xfrm>
             <a:off x="507192" y="1659609"/>
-            <a:ext cx="636270" cy="402590"/>
+            <a:ext cx="1029969" cy="402590"/>
           </a:xfrm>
           <a:prstGeom prst="rect">
             <a:avLst/>
@@ -4025,7 +3675,7 @@
               </a:spcBef>
             </a:pPr>
             <a:r>
-              <a:rPr sz="2450" spc="-254" dirty="0">
+              <a:rPr sz="2450" spc="15" dirty="0">
                 <a:solidFill>
                   <a:schemeClr val="bg1"/>
                 </a:solidFill>
@@ -4035,34 +3685,24 @@
               <a:t>T</a:t>
             </a:r>
             <a:r>
-              <a:rPr sz="2450" spc="-40" dirty="0">
-                <a:solidFill>
-                  <a:schemeClr val="bg1"/>
-                </a:solidFill>
-                <a:latin typeface="Diagramm"/>
-                <a:cs typeface="Diagramm"/>
-              </a:rPr>
-              <a:t>e</a:t>
-            </a:r>
-            <a:r>
-              <a:rPr sz="2450" spc="-5" dirty="0">
-                <a:solidFill>
-                  <a:schemeClr val="bg1"/>
-                </a:solidFill>
-                <a:latin typeface="Diagramm"/>
-                <a:cs typeface="Diagramm"/>
-              </a:rPr>
-              <a:t>x</a:t>
-            </a:r>
-            <a:r>
-              <a:rPr sz="2450" spc="-90" dirty="0">
-                <a:solidFill>
-                  <a:schemeClr val="bg1"/>
-                </a:solidFill>
-                <a:latin typeface="Diagramm"/>
-                <a:cs typeface="Diagramm"/>
-              </a:rPr>
-              <a:t>t</a:t>
+              <a:rPr sz="2450" spc="20" dirty="0">
+                <a:solidFill>
+                  <a:schemeClr val="bg1"/>
+                </a:solidFill>
+                <a:latin typeface="Diagramm"/>
+                <a:cs typeface="Diagramm"/>
+              </a:rPr>
+              <a:t>E</a:t>
+            </a:r>
+            <a:r>
+              <a:rPr sz="2450" spc="15" dirty="0">
+                <a:solidFill>
+                  <a:schemeClr val="bg1"/>
+                </a:solidFill>
+                <a:latin typeface="Diagramm"/>
+                <a:cs typeface="Diagramm"/>
+              </a:rPr>
+              <a:t>XTE</a:t>
             </a:r>
             <a:endParaRPr sz="2450" dirty="0">
               <a:solidFill>
@@ -4076,7 +3716,96 @@
       </p:sp>
       <p:sp>
         <p:nvSpPr>
-          <p:cNvPr id="4" name="object 4"/>
+          <p:cNvPr id="10" name="object 10"/>
+          <p:cNvSpPr txBox="1"/>
+          <p:nvPr/>
+        </p:nvSpPr>
+        <p:spPr>
+          <a:xfrm>
+            <a:off x="8072676" y="4920431"/>
+            <a:ext cx="10955655" cy="1030605"/>
+          </a:xfrm>
+          <a:prstGeom prst="rect">
+            <a:avLst/>
+          </a:prstGeom>
+        </p:spPr>
+        <p:txBody>
+          <a:bodyPr vert="horz" wrap="square" lIns="0" tIns="12065" rIns="0" bIns="0" rtlCol="0">
+            <a:spAutoFit/>
+          </a:bodyPr>
+          <a:lstStyle/>
+          <a:p>
+            <a:pPr marL="12700">
+              <a:lnSpc>
+                <a:spcPct val="100000"/>
+              </a:lnSpc>
+              <a:spcBef>
+                <a:spcPts val="95"/>
+              </a:spcBef>
+            </a:pPr>
+            <a:r>
+              <a:rPr sz="6600" b="1" spc="-200" dirty="0">
+                <a:solidFill>
+                  <a:schemeClr val="bg1"/>
+                </a:solidFill>
+                <a:latin typeface="Diagramm Bold"/>
+                <a:cs typeface="Diagramm Bold"/>
+              </a:rPr>
+              <a:t>VIDEO/IMAGE</a:t>
+            </a:r>
+            <a:r>
+              <a:rPr sz="6600" b="1" spc="409" dirty="0">
+                <a:solidFill>
+                  <a:schemeClr val="bg1"/>
+                </a:solidFill>
+                <a:latin typeface="Diagramm Bold"/>
+                <a:cs typeface="Diagramm Bold"/>
+              </a:rPr>
+              <a:t> </a:t>
+            </a:r>
+            <a:r>
+              <a:rPr sz="6600" b="1" spc="-195" dirty="0">
+                <a:solidFill>
+                  <a:schemeClr val="bg1"/>
+                </a:solidFill>
+                <a:latin typeface="Diagramm Bold"/>
+                <a:cs typeface="Diagramm Bold"/>
+              </a:rPr>
+              <a:t>2/3</a:t>
+            </a:r>
+            <a:r>
+              <a:rPr sz="6600" b="1" spc="409" dirty="0">
+                <a:solidFill>
+                  <a:schemeClr val="bg1"/>
+                </a:solidFill>
+                <a:latin typeface="Diagramm Bold"/>
+                <a:cs typeface="Diagramm Bold"/>
+              </a:rPr>
+              <a:t> </a:t>
+            </a:r>
+            <a:r>
+              <a:rPr sz="6600" b="1" spc="-225" dirty="0">
+                <a:solidFill>
+                  <a:schemeClr val="bg1"/>
+                </a:solidFill>
+                <a:latin typeface="Diagramm Bold"/>
+                <a:cs typeface="Diagramm Bold"/>
+              </a:rPr>
+              <a:t>SCREEN</a:t>
+            </a:r>
+            <a:endParaRPr sz="6600" dirty="0">
+              <a:solidFill>
+                <a:schemeClr val="bg1"/>
+              </a:solidFill>
+              <a:latin typeface="Diagramm Bold"/>
+              <a:cs typeface="Diagramm Bold"/>
+            </a:endParaRPr>
+          </a:p>
+        </p:txBody>
+      </p:sp>
+      <p:sp>
+        <p:nvSpPr>
+          <p:cNvPr id="11" name="object 11"/>
           <p:cNvSpPr txBox="1">
             <a:spLocks noGrp="1"/>
           </p:cNvSpPr>
@@ -4085,6 +3814,10 @@
           </p:nvPr>
         </p:nvSpPr>
         <p:spPr>
+          <a:xfrm>
+            <a:off x="478701" y="396875"/>
+            <a:ext cx="19118207" cy="1031240"/>
+          </a:xfrm>
           <a:prstGeom prst="rect">
             <a:avLst/>
           </a:prstGeom>
@@ -4145,7 +3878,7 @@
 </file>
 
 <file path=ppt/slides/slide16.xml><?xml version="1.0" encoding="utf-8"?>
-<p:sld xmlns:a="http://schemas.openxmlformats.org/drawingml/2006/main" xmlns:r="http://schemas.openxmlformats.org/officeDocument/2006/relationships" xmlns:p="http://schemas.openxmlformats.org/presentationml/2006/main">
+<p:sld xmlns:a="http://schemas.openxmlformats.org/drawingml/2006/main" xmlns:r="http://schemas.openxmlformats.org/officeDocument/2006/relationships" xmlns:p="http://schemas.openxmlformats.org/presentationml/2006/main" showMasterSp="0">
   <p:cSld>
     <p:spTree>
       <p:nvGrpSpPr>
@@ -4185,16 +3918,418 @@
           </a:prstGeom>
         </p:spPr>
       </p:pic>
-      <p:sp>
-        <p:nvSpPr>
+      <p:pic>
+        <p:nvPicPr>
           <p:cNvPr id="3" name="object 3"/>
+          <p:cNvPicPr/>
+          <p:nvPr/>
+        </p:nvPicPr>
+        <p:blipFill>
+          <a:blip r:embed="rId3" cstate="print"/>
+          <a:stretch>
+            <a:fillRect/>
+          </a:stretch>
+        </p:blipFill>
+        <p:spPr>
+          <a:xfrm>
+            <a:off x="575958" y="8439489"/>
+            <a:ext cx="1350720" cy="1811459"/>
+          </a:xfrm>
+          <a:prstGeom prst="rect">
+            <a:avLst/>
+          </a:prstGeom>
+        </p:spPr>
+      </p:pic>
+      <p:pic>
+        <p:nvPicPr>
+          <p:cNvPr id="4" name="object 4"/>
+          <p:cNvPicPr/>
+          <p:nvPr/>
+        </p:nvPicPr>
+        <p:blipFill>
+          <a:blip r:embed="rId3" cstate="print"/>
+          <a:stretch>
+            <a:fillRect/>
+          </a:stretch>
+        </p:blipFill>
+        <p:spPr>
+          <a:xfrm>
+            <a:off x="2062813" y="8439489"/>
+            <a:ext cx="1350750" cy="1811459"/>
+          </a:xfrm>
+          <a:prstGeom prst="rect">
+            <a:avLst/>
+          </a:prstGeom>
+        </p:spPr>
+      </p:pic>
+      <p:pic>
+        <p:nvPicPr>
+          <p:cNvPr id="5" name="object 5"/>
+          <p:cNvPicPr/>
+          <p:nvPr/>
+        </p:nvPicPr>
+        <p:blipFill>
+          <a:blip r:embed="rId3" cstate="print"/>
+          <a:stretch>
+            <a:fillRect/>
+          </a:stretch>
+        </p:blipFill>
+        <p:spPr>
+          <a:xfrm>
+            <a:off x="3560148" y="8439489"/>
+            <a:ext cx="1350750" cy="1811459"/>
+          </a:xfrm>
+          <a:prstGeom prst="rect">
+            <a:avLst/>
+          </a:prstGeom>
+        </p:spPr>
+      </p:pic>
+      <p:pic>
+        <p:nvPicPr>
+          <p:cNvPr id="6" name="object 6"/>
+          <p:cNvPicPr/>
+          <p:nvPr/>
+        </p:nvPicPr>
+        <p:blipFill>
+          <a:blip r:embed="rId3" cstate="print"/>
+          <a:stretch>
+            <a:fillRect/>
+          </a:stretch>
+        </p:blipFill>
+        <p:spPr>
+          <a:xfrm>
+            <a:off x="5057481" y="8439489"/>
+            <a:ext cx="1350752" cy="1811459"/>
+          </a:xfrm>
+          <a:prstGeom prst="rect">
+            <a:avLst/>
+          </a:prstGeom>
+        </p:spPr>
+      </p:pic>
+      <p:pic>
+        <p:nvPicPr>
+          <p:cNvPr id="7" name="object 7"/>
+          <p:cNvPicPr/>
+          <p:nvPr/>
+        </p:nvPicPr>
+        <p:blipFill>
+          <a:blip r:embed="rId3" cstate="print"/>
+          <a:stretch>
+            <a:fillRect/>
+          </a:stretch>
+        </p:blipFill>
+        <p:spPr>
+          <a:xfrm>
+            <a:off x="6554816" y="8439489"/>
+            <a:ext cx="1350752" cy="1811459"/>
+          </a:xfrm>
+          <a:prstGeom prst="rect">
+            <a:avLst/>
+          </a:prstGeom>
+        </p:spPr>
+      </p:pic>
+      <p:pic>
+        <p:nvPicPr>
+          <p:cNvPr id="8" name="object 8"/>
+          <p:cNvPicPr/>
+          <p:nvPr/>
+        </p:nvPicPr>
+        <p:blipFill>
+          <a:blip r:embed="rId3" cstate="print"/>
+          <a:stretch>
+            <a:fillRect/>
+          </a:stretch>
+        </p:blipFill>
+        <p:spPr>
+          <a:xfrm>
+            <a:off x="8052152" y="8439489"/>
+            <a:ext cx="1350750" cy="1811459"/>
+          </a:xfrm>
+          <a:prstGeom prst="rect">
+            <a:avLst/>
+          </a:prstGeom>
+        </p:spPr>
+      </p:pic>
+      <p:sp>
+        <p:nvSpPr>
+          <p:cNvPr id="9" name="object 9"/>
           <p:cNvSpPr txBox="1"/>
           <p:nvPr/>
         </p:nvSpPr>
         <p:spPr>
           <a:xfrm>
-            <a:off x="507192" y="1659609"/>
-            <a:ext cx="636270" cy="402590"/>
+            <a:off x="1983343" y="10570298"/>
+            <a:ext cx="5995035" cy="314960"/>
+          </a:xfrm>
+          <a:prstGeom prst="rect">
+            <a:avLst/>
+          </a:prstGeom>
+        </p:spPr>
+        <p:txBody>
+          <a:bodyPr vert="horz" wrap="square" lIns="0" tIns="12065" rIns="0" bIns="0" rtlCol="0">
+            <a:spAutoFit/>
+          </a:bodyPr>
+          <a:lstStyle/>
+          <a:p>
+            <a:pPr marL="12700">
+              <a:lnSpc>
+                <a:spcPct val="100000"/>
+              </a:lnSpc>
+              <a:spcBef>
+                <a:spcPts val="95"/>
+              </a:spcBef>
+            </a:pPr>
+            <a:r>
+              <a:rPr sz="1900" spc="-5" dirty="0">
+                <a:solidFill>
+                  <a:schemeClr val="bg1"/>
+                </a:solidFill>
+                <a:latin typeface="Diagramm"/>
+                <a:cs typeface="Diagramm"/>
+              </a:rPr>
+              <a:t>COURTINE</a:t>
+            </a:r>
+            <a:r>
+              <a:rPr sz="1900" spc="-10" dirty="0">
+                <a:solidFill>
+                  <a:schemeClr val="bg1"/>
+                </a:solidFill>
+                <a:latin typeface="Diagramm"/>
+                <a:cs typeface="Diagramm"/>
+              </a:rPr>
+              <a:t> </a:t>
+            </a:r>
+            <a:r>
+              <a:rPr sz="1900" spc="-5" dirty="0">
+                <a:solidFill>
+                  <a:schemeClr val="bg1"/>
+                </a:solidFill>
+                <a:latin typeface="Diagramm"/>
+                <a:cs typeface="Diagramm"/>
+              </a:rPr>
+              <a:t>ET AL. </a:t>
+            </a:r>
+            <a:r>
+              <a:rPr sz="1900" dirty="0">
+                <a:solidFill>
+                  <a:schemeClr val="bg1"/>
+                </a:solidFill>
+                <a:latin typeface="Diagramm"/>
+                <a:cs typeface="Diagramm"/>
+              </a:rPr>
+              <a:t>¦</a:t>
+            </a:r>
+            <a:r>
+              <a:rPr sz="1900" spc="-10" dirty="0">
+                <a:solidFill>
+                  <a:schemeClr val="bg1"/>
+                </a:solidFill>
+                <a:latin typeface="Diagramm"/>
+                <a:cs typeface="Diagramm"/>
+              </a:rPr>
+              <a:t> </a:t>
+            </a:r>
+            <a:r>
+              <a:rPr sz="1900" spc="-30" dirty="0">
+                <a:solidFill>
+                  <a:schemeClr val="bg1"/>
+                </a:solidFill>
+                <a:latin typeface="Diagramm"/>
+                <a:cs typeface="Diagramm"/>
+              </a:rPr>
+              <a:t>NATURE</a:t>
+            </a:r>
+            <a:r>
+              <a:rPr sz="1900" spc="-5" dirty="0">
+                <a:solidFill>
+                  <a:schemeClr val="bg1"/>
+                </a:solidFill>
+                <a:latin typeface="Diagramm"/>
+                <a:cs typeface="Diagramm"/>
+              </a:rPr>
+              <a:t> NEUROSCIENCE </a:t>
+            </a:r>
+            <a:r>
+              <a:rPr sz="1900" dirty="0">
+                <a:solidFill>
+                  <a:schemeClr val="bg1"/>
+                </a:solidFill>
+                <a:latin typeface="Diagramm"/>
+                <a:cs typeface="Diagramm"/>
+              </a:rPr>
+              <a:t>¦</a:t>
+            </a:r>
+            <a:r>
+              <a:rPr sz="1900" spc="-10" dirty="0">
+                <a:solidFill>
+                  <a:schemeClr val="bg1"/>
+                </a:solidFill>
+                <a:latin typeface="Diagramm"/>
+                <a:cs typeface="Diagramm"/>
+              </a:rPr>
+              <a:t> </a:t>
+            </a:r>
+            <a:r>
+              <a:rPr sz="1900" spc="-5" dirty="0">
+                <a:solidFill>
+                  <a:schemeClr val="bg1"/>
+                </a:solidFill>
+                <a:latin typeface="Diagramm"/>
+                <a:cs typeface="Diagramm"/>
+              </a:rPr>
+              <a:t>2009</a:t>
+            </a:r>
+            <a:endParaRPr sz="1900" dirty="0">
+              <a:solidFill>
+                <a:schemeClr val="bg1"/>
+              </a:solidFill>
+              <a:latin typeface="Diagramm"/>
+              <a:cs typeface="Diagramm"/>
+            </a:endParaRPr>
+          </a:p>
+        </p:txBody>
+      </p:sp>
+      <p:pic>
+        <p:nvPicPr>
+          <p:cNvPr id="10" name="object 10"/>
+          <p:cNvPicPr/>
+          <p:nvPr/>
+        </p:nvPicPr>
+        <p:blipFill>
+          <a:blip r:embed="rId4" cstate="print"/>
+          <a:stretch>
+            <a:fillRect/>
+          </a:stretch>
+        </p:blipFill>
+        <p:spPr>
+          <a:xfrm>
+            <a:off x="10093918" y="3"/>
+            <a:ext cx="10010181" cy="11308549"/>
+          </a:xfrm>
+          <a:prstGeom prst="rect">
+            <a:avLst/>
+          </a:prstGeom>
+        </p:spPr>
+      </p:pic>
+      <p:sp>
+        <p:nvSpPr>
+          <p:cNvPr id="11" name="object 11"/>
+          <p:cNvSpPr txBox="1"/>
+          <p:nvPr/>
+        </p:nvSpPr>
+        <p:spPr>
+          <a:xfrm>
+            <a:off x="12194899" y="4920431"/>
+            <a:ext cx="5748020" cy="1030605"/>
+          </a:xfrm>
+          <a:prstGeom prst="rect">
+            <a:avLst/>
+          </a:prstGeom>
+        </p:spPr>
+        <p:txBody>
+          <a:bodyPr vert="horz" wrap="square" lIns="0" tIns="12065" rIns="0" bIns="0" rtlCol="0">
+            <a:spAutoFit/>
+          </a:bodyPr>
+          <a:lstStyle/>
+          <a:p>
+            <a:pPr marL="12700">
+              <a:lnSpc>
+                <a:spcPct val="100000"/>
+              </a:lnSpc>
+              <a:spcBef>
+                <a:spcPts val="95"/>
+              </a:spcBef>
+            </a:pPr>
+            <a:r>
+              <a:rPr sz="6600" b="1" spc="-110" dirty="0">
+                <a:solidFill>
+                  <a:schemeClr val="bg1"/>
+                </a:solidFill>
+                <a:latin typeface="Diagramm Bold"/>
+                <a:cs typeface="Diagramm Bold"/>
+              </a:rPr>
+              <a:t>VIDE</a:t>
+            </a:r>
+            <a:r>
+              <a:rPr sz="6600" b="1" spc="-480" dirty="0">
+                <a:solidFill>
+                  <a:schemeClr val="bg1"/>
+                </a:solidFill>
+                <a:latin typeface="Diagramm Bold"/>
+                <a:cs typeface="Diagramm Bold"/>
+              </a:rPr>
+              <a:t>O</a:t>
+            </a:r>
+            <a:r>
+              <a:rPr sz="6600" b="1" spc="25" dirty="0">
+                <a:solidFill>
+                  <a:schemeClr val="bg1"/>
+                </a:solidFill>
+                <a:latin typeface="Diagramm Bold"/>
+                <a:cs typeface="Diagramm Bold"/>
+              </a:rPr>
+              <a:t>/</a:t>
+            </a:r>
+            <a:r>
+              <a:rPr sz="6600" b="1" spc="-135" dirty="0">
+                <a:solidFill>
+                  <a:schemeClr val="bg1"/>
+                </a:solidFill>
+                <a:latin typeface="Diagramm Bold"/>
+                <a:cs typeface="Diagramm Bold"/>
+              </a:rPr>
+              <a:t>IM</a:t>
+            </a:r>
+            <a:r>
+              <a:rPr sz="6600" b="1" spc="-409" dirty="0">
+                <a:solidFill>
+                  <a:schemeClr val="bg1"/>
+                </a:solidFill>
+                <a:latin typeface="Diagramm Bold"/>
+                <a:cs typeface="Diagramm Bold"/>
+              </a:rPr>
+              <a:t>A</a:t>
+            </a:r>
+            <a:r>
+              <a:rPr sz="6600" b="1" spc="-220" dirty="0">
+                <a:solidFill>
+                  <a:schemeClr val="bg1"/>
+                </a:solidFill>
+                <a:latin typeface="Diagramm Bold"/>
+                <a:cs typeface="Diagramm Bold"/>
+              </a:rPr>
+              <a:t>G</a:t>
+            </a:r>
+            <a:r>
+              <a:rPr sz="6600" b="1" spc="-430" dirty="0">
+                <a:solidFill>
+                  <a:schemeClr val="bg1"/>
+                </a:solidFill>
+                <a:latin typeface="Diagramm Bold"/>
+                <a:cs typeface="Diagramm Bold"/>
+              </a:rPr>
+              <a:t>E</a:t>
+            </a:r>
+            <a:endParaRPr sz="6600" dirty="0">
+              <a:solidFill>
+                <a:schemeClr val="bg1"/>
+              </a:solidFill>
+              <a:latin typeface="Diagramm Bold"/>
+              <a:cs typeface="Diagramm Bold"/>
+            </a:endParaRPr>
+          </a:p>
+        </p:txBody>
+      </p:sp>
+      <p:sp>
+        <p:nvSpPr>
+          <p:cNvPr id="12" name="object 12"/>
+          <p:cNvSpPr txBox="1"/>
+          <p:nvPr/>
+        </p:nvSpPr>
+        <p:spPr>
+          <a:xfrm>
+            <a:off x="14017993" y="5820886"/>
+            <a:ext cx="2101850" cy="402590"/>
           </a:xfrm>
           <a:prstGeom prst="rect">
             <a:avLst/>
@@ -4215,58 +4350,48 @@
               </a:spcBef>
             </a:pPr>
             <a:r>
-              <a:rPr sz="2450" spc="-254" dirty="0">
-                <a:solidFill>
-                  <a:schemeClr val="bg1"/>
-                </a:solidFill>
-                <a:latin typeface="Diagramm"/>
-                <a:cs typeface="Diagramm"/>
-              </a:rPr>
-              <a:t>T</a:t>
-            </a:r>
-            <a:r>
-              <a:rPr sz="2450" spc="-40" dirty="0">
-                <a:solidFill>
-                  <a:schemeClr val="bg1"/>
-                </a:solidFill>
-                <a:latin typeface="Diagramm"/>
-                <a:cs typeface="Diagramm"/>
-              </a:rPr>
-              <a:t>e</a:t>
-            </a:r>
-            <a:r>
-              <a:rPr sz="2450" spc="-5" dirty="0">
-                <a:solidFill>
-                  <a:schemeClr val="bg1"/>
-                </a:solidFill>
-                <a:latin typeface="Diagramm"/>
-                <a:cs typeface="Diagramm"/>
-              </a:rPr>
-              <a:t>x</a:t>
-            </a:r>
-            <a:r>
-              <a:rPr sz="2450" spc="-90" dirty="0">
-                <a:solidFill>
-                  <a:schemeClr val="bg1"/>
-                </a:solidFill>
-                <a:latin typeface="Diagramm"/>
-                <a:cs typeface="Diagramm"/>
-              </a:rPr>
-              <a:t>t</a:t>
+              <a:rPr sz="2450" b="1" spc="-70" dirty="0">
+                <a:solidFill>
+                  <a:schemeClr val="bg1"/>
+                </a:solidFill>
+                <a:latin typeface="Diagramm Bold"/>
+                <a:cs typeface="Diagramm Bold"/>
+              </a:rPr>
+              <a:t>(NO</a:t>
+            </a:r>
+            <a:r>
+              <a:rPr sz="2450" b="1" spc="114" dirty="0">
+                <a:solidFill>
+                  <a:schemeClr val="bg1"/>
+                </a:solidFill>
+                <a:latin typeface="Diagramm Bold"/>
+                <a:cs typeface="Diagramm Bold"/>
+              </a:rPr>
+              <a:t> </a:t>
+            </a:r>
+            <a:r>
+              <a:rPr sz="2450" b="1" spc="-55" dirty="0">
+                <a:solidFill>
+                  <a:schemeClr val="bg1"/>
+                </a:solidFill>
+                <a:latin typeface="Diagramm Bold"/>
+                <a:cs typeface="Diagramm Bold"/>
+              </a:rPr>
+              <a:t>BORDER)</a:t>
             </a:r>
             <a:endParaRPr sz="2450" dirty="0">
               <a:solidFill>
                 <a:schemeClr val="bg1"/>
               </a:solidFill>
-              <a:latin typeface="Diagramm"/>
-              <a:cs typeface="Diagramm"/>
+              <a:latin typeface="Diagramm Bold"/>
+              <a:cs typeface="Diagramm Bold"/>
             </a:endParaRPr>
           </a:p>
         </p:txBody>
       </p:sp>
       <p:sp>
         <p:nvSpPr>
-          <p:cNvPr id="4" name="object 4"/>
+          <p:cNvPr id="13" name="object 13"/>
           <p:cNvSpPr txBox="1">
             <a:spLocks noGrp="1"/>
           </p:cNvSpPr>
@@ -4322,6 +4447,75 @@
               </a:solidFill>
               <a:latin typeface="Diagramm Light"/>
               <a:cs typeface="Diagramm Light"/>
+            </a:endParaRPr>
+          </a:p>
+        </p:txBody>
+      </p:sp>
+      <p:sp>
+        <p:nvSpPr>
+          <p:cNvPr id="14" name="object 14"/>
+          <p:cNvSpPr txBox="1"/>
+          <p:nvPr/>
+        </p:nvSpPr>
+        <p:spPr>
+          <a:xfrm>
+            <a:off x="507192" y="1659609"/>
+            <a:ext cx="1029969" cy="402590"/>
+          </a:xfrm>
+          <a:prstGeom prst="rect">
+            <a:avLst/>
+          </a:prstGeom>
+        </p:spPr>
+        <p:txBody>
+          <a:bodyPr vert="horz" wrap="square" lIns="0" tIns="15240" rIns="0" bIns="0" rtlCol="0">
+            <a:spAutoFit/>
+          </a:bodyPr>
+          <a:lstStyle/>
+          <a:p>
+            <a:pPr marL="12700">
+              <a:lnSpc>
+                <a:spcPct val="100000"/>
+              </a:lnSpc>
+              <a:spcBef>
+                <a:spcPts val="120"/>
+              </a:spcBef>
+            </a:pPr>
+            <a:r>
+              <a:rPr sz="2450" spc="15" dirty="0">
+                <a:solidFill>
+                  <a:schemeClr val="bg1"/>
+                </a:solidFill>
+                <a:latin typeface="Diagramm"/>
+                <a:cs typeface="Diagramm"/>
+              </a:rPr>
+              <a:t>T</a:t>
+            </a:r>
+            <a:r>
+              <a:rPr sz="2450" spc="20" dirty="0">
+                <a:solidFill>
+                  <a:schemeClr val="bg1"/>
+                </a:solidFill>
+                <a:latin typeface="Diagramm"/>
+                <a:cs typeface="Diagramm"/>
+              </a:rPr>
+              <a:t>E</a:t>
+            </a:r>
+            <a:r>
+              <a:rPr sz="2450" spc="15" dirty="0">
+                <a:solidFill>
+                  <a:schemeClr val="bg1"/>
+                </a:solidFill>
+                <a:latin typeface="Diagramm"/>
+                <a:cs typeface="Diagramm"/>
+              </a:rPr>
+              <a:t>XTE</a:t>
+            </a:r>
+            <a:endParaRPr sz="2450" dirty="0">
+              <a:solidFill>
+                <a:schemeClr val="bg1"/>
+              </a:solidFill>
+              <a:latin typeface="Diagramm"/>
+              <a:cs typeface="Diagramm"/>
             </a:endParaRPr>
           </a:p>
         </p:txBody>
@@ -4406,6 +4600,9 @@
             </a:pPr>
             <a:r>
               <a:rPr sz="2450" spc="-254" dirty="0">
+                <a:solidFill>
+                  <a:schemeClr val="bg1"/>
+                </a:solidFill>
                 <a:latin typeface="Diagramm"/>
                 <a:cs typeface="Diagramm"/>
               </a:rPr>
@@ -4413,6 +4610,9 @@
             </a:r>
             <a:r>
               <a:rPr sz="2450" spc="-40" dirty="0">
+                <a:solidFill>
+                  <a:schemeClr val="bg1"/>
+                </a:solidFill>
                 <a:latin typeface="Diagramm"/>
                 <a:cs typeface="Diagramm"/>
               </a:rPr>
@@ -4420,6 +4620,9 @@
             </a:r>
             <a:r>
               <a:rPr sz="2450" spc="-5" dirty="0">
+                <a:solidFill>
+                  <a:schemeClr val="bg1"/>
+                </a:solidFill>
                 <a:latin typeface="Diagramm"/>
                 <a:cs typeface="Diagramm"/>
               </a:rPr>
@@ -4427,12 +4630,18 @@
             </a:r>
             <a:r>
               <a:rPr sz="2450" spc="-90" dirty="0">
+                <a:solidFill>
+                  <a:schemeClr val="bg1"/>
+                </a:solidFill>
                 <a:latin typeface="Diagramm"/>
                 <a:cs typeface="Diagramm"/>
               </a:rPr>
               <a:t>t</a:t>
             </a:r>
-            <a:endParaRPr sz="2450">
+            <a:endParaRPr sz="2450" dirty="0">
+              <a:solidFill>
+                <a:schemeClr val="bg1"/>
+              </a:solidFill>
               <a:latin typeface="Diagramm"/>
               <a:cs typeface="Diagramm"/>
             </a:endParaRPr>
@@ -4469,17 +4678,32 @@
               </a:spcBef>
             </a:pPr>
             <a:r>
-              <a:rPr lang="en-US" kern="0" spc="-5" dirty="0"/>
+              <a:rPr lang="en-US" kern="0" spc="-5" dirty="0">
+                <a:solidFill>
+                  <a:schemeClr val="bg1"/>
+                </a:solidFill>
+              </a:rPr>
               <a:t>Weighted Least Squares Estimation </a:t>
             </a:r>
             <a:br>
-              <a:rPr lang="en-US" kern="0" spc="-5" dirty="0"/>
+              <a:rPr lang="en-US" kern="0" spc="-5" dirty="0">
+                <a:solidFill>
+                  <a:schemeClr val="bg1"/>
+                </a:solidFill>
+              </a:rPr>
             </a:br>
             <a:r>
-              <a:rPr lang="en-US" b="0" kern="0" spc="-5" dirty="0"/>
+              <a:rPr lang="en-US" b="0" kern="0" spc="-5" dirty="0">
+                <a:solidFill>
+                  <a:schemeClr val="bg1"/>
+                </a:solidFill>
+              </a:rPr>
               <a:t>3D Body Part Trajectories</a:t>
             </a:r>
             <a:endParaRPr lang="en-US" b="0" kern="0" spc="-10" dirty="0">
+              <a:solidFill>
+                <a:schemeClr val="bg1"/>
+              </a:solidFill>
               <a:latin typeface="Diagramm Light"/>
               <a:cs typeface="Diagramm Light"/>
             </a:endParaRPr>
@@ -4566,6 +4790,9 @@
             </a:pPr>
             <a:r>
               <a:rPr sz="2450" spc="-254" dirty="0">
+                <a:solidFill>
+                  <a:schemeClr val="bg1"/>
+                </a:solidFill>
                 <a:latin typeface="Diagramm"/>
                 <a:cs typeface="Diagramm"/>
               </a:rPr>
@@ -4573,6 +4800,9 @@
             </a:r>
             <a:r>
               <a:rPr sz="2450" spc="-40" dirty="0">
+                <a:solidFill>
+                  <a:schemeClr val="bg1"/>
+                </a:solidFill>
                 <a:latin typeface="Diagramm"/>
                 <a:cs typeface="Diagramm"/>
               </a:rPr>
@@ -4580,6 +4810,9 @@
             </a:r>
             <a:r>
               <a:rPr sz="2450" spc="-5" dirty="0">
+                <a:solidFill>
+                  <a:schemeClr val="bg1"/>
+                </a:solidFill>
                 <a:latin typeface="Diagramm"/>
                 <a:cs typeface="Diagramm"/>
               </a:rPr>
@@ -4587,12 +4820,18 @@
             </a:r>
             <a:r>
               <a:rPr sz="2450" spc="-90" dirty="0">
+                <a:solidFill>
+                  <a:schemeClr val="bg1"/>
+                </a:solidFill>
                 <a:latin typeface="Diagramm"/>
                 <a:cs typeface="Diagramm"/>
               </a:rPr>
               <a:t>t</a:t>
             </a:r>
-            <a:endParaRPr sz="2450">
+            <a:endParaRPr sz="2450" dirty="0">
+              <a:solidFill>
+                <a:schemeClr val="bg1"/>
+              </a:solidFill>
               <a:latin typeface="Diagramm"/>
               <a:cs typeface="Diagramm"/>
             </a:endParaRPr>
@@ -4629,17 +4868,32 @@
               </a:spcBef>
             </a:pPr>
             <a:r>
-              <a:rPr lang="en-US" kern="0" spc="-5" dirty="0"/>
+              <a:rPr lang="en-US" kern="0" spc="-5" dirty="0">
+                <a:solidFill>
+                  <a:schemeClr val="bg1"/>
+                </a:solidFill>
+              </a:rPr>
               <a:t>Weighted Least Squares Estimation </a:t>
             </a:r>
             <a:br>
-              <a:rPr lang="en-US" kern="0" spc="-5" dirty="0"/>
+              <a:rPr lang="en-US" kern="0" spc="-5" dirty="0">
+                <a:solidFill>
+                  <a:schemeClr val="bg1"/>
+                </a:solidFill>
+              </a:rPr>
             </a:br>
             <a:r>
-              <a:rPr lang="en-US" b="0" kern="0" spc="-5" dirty="0"/>
+              <a:rPr lang="en-US" b="0" kern="0" spc="-5" dirty="0">
+                <a:solidFill>
+                  <a:schemeClr val="bg1"/>
+                </a:solidFill>
+              </a:rPr>
               <a:t>3D Body Part Trajectories</a:t>
             </a:r>
             <a:endParaRPr lang="en-US" b="0" kern="0" spc="-10" dirty="0">
+              <a:solidFill>
+                <a:schemeClr val="bg1"/>
+              </a:solidFill>
               <a:latin typeface="Diagramm Light"/>
               <a:cs typeface="Diagramm Light"/>
             </a:endParaRPr>
@@ -4726,9 +4980,6 @@
             </a:pPr>
             <a:r>
               <a:rPr sz="2450" spc="-254" dirty="0">
-                <a:solidFill>
-                  <a:schemeClr val="bg1"/>
-                </a:solidFill>
                 <a:latin typeface="Diagramm"/>
                 <a:cs typeface="Diagramm"/>
               </a:rPr>
@@ -4736,9 +4987,6 @@
             </a:r>
             <a:r>
               <a:rPr sz="2450" spc="-40" dirty="0">
-                <a:solidFill>
-                  <a:schemeClr val="bg1"/>
-                </a:solidFill>
                 <a:latin typeface="Diagramm"/>
                 <a:cs typeface="Diagramm"/>
               </a:rPr>
@@ -4746,9 +4994,6 @@
             </a:r>
             <a:r>
               <a:rPr sz="2450" spc="-5" dirty="0">
-                <a:solidFill>
-                  <a:schemeClr val="bg1"/>
-                </a:solidFill>
                 <a:latin typeface="Diagramm"/>
                 <a:cs typeface="Diagramm"/>
               </a:rPr>
@@ -4756,18 +5001,12 @@
             </a:r>
             <a:r>
               <a:rPr sz="2450" spc="-90" dirty="0">
-                <a:solidFill>
-                  <a:schemeClr val="bg1"/>
-                </a:solidFill>
                 <a:latin typeface="Diagramm"/>
                 <a:cs typeface="Diagramm"/>
               </a:rPr>
               <a:t>t</a:t>
             </a:r>
-            <a:endParaRPr sz="2450" dirty="0">
-              <a:solidFill>
-                <a:schemeClr val="bg1"/>
-              </a:solidFill>
+            <a:endParaRPr sz="2450">
               <a:latin typeface="Diagramm"/>
               <a:cs typeface="Diagramm"/>
             </a:endParaRPr>
@@ -4804,32 +5043,17 @@
               </a:spcBef>
             </a:pPr>
             <a:r>
-              <a:rPr lang="en-US" kern="0" spc="-5" dirty="0">
-                <a:solidFill>
-                  <a:schemeClr val="bg1"/>
-                </a:solidFill>
-              </a:rPr>
+              <a:rPr lang="en-US" kern="0" spc="-5" dirty="0"/>
               <a:t>Weighted Least Squares Estimation </a:t>
             </a:r>
             <a:br>
-              <a:rPr lang="en-US" kern="0" spc="-5" dirty="0">
-                <a:solidFill>
-                  <a:schemeClr val="bg1"/>
-                </a:solidFill>
-              </a:rPr>
+              <a:rPr lang="en-US" kern="0" spc="-5" dirty="0"/>
             </a:br>
             <a:r>
-              <a:rPr lang="en-US" b="0" kern="0" spc="-5" dirty="0">
-                <a:solidFill>
-                  <a:schemeClr val="bg1"/>
-                </a:solidFill>
-              </a:rPr>
+              <a:rPr lang="en-US" b="0" kern="0" spc="-5" dirty="0"/>
               <a:t>3D Body Part Trajectories</a:t>
             </a:r>
             <a:endParaRPr lang="en-US" b="0" kern="0" spc="-10" dirty="0">
-              <a:solidFill>
-                <a:schemeClr val="bg1"/>
-              </a:solidFill>
               <a:latin typeface="Diagramm Light"/>
               <a:cs typeface="Diagramm Light"/>
             </a:endParaRPr>
@@ -4922,7 +5146,7 @@
                 <a:latin typeface="Diagramm Bold"/>
                 <a:cs typeface="Diagramm Bold"/>
               </a:rPr>
-              <a:t>FORMULAS</a:t>
+              <a:t>OLD FORMULAS</a:t>
             </a:r>
             <a:endParaRPr sz="6600" b="1" dirty="0">
               <a:solidFill>
@@ -5080,9 +5304,6 @@
             </a:pPr>
             <a:r>
               <a:rPr sz="2450" spc="-254" dirty="0">
-                <a:solidFill>
-                  <a:schemeClr val="bg1"/>
-                </a:solidFill>
                 <a:latin typeface="Diagramm"/>
                 <a:cs typeface="Diagramm"/>
               </a:rPr>
@@ -5090,9 +5311,6 @@
             </a:r>
             <a:r>
               <a:rPr sz="2450" spc="-40" dirty="0">
-                <a:solidFill>
-                  <a:schemeClr val="bg1"/>
-                </a:solidFill>
                 <a:latin typeface="Diagramm"/>
                 <a:cs typeface="Diagramm"/>
               </a:rPr>
@@ -5100,9 +5318,6 @@
             </a:r>
             <a:r>
               <a:rPr sz="2450" spc="-5" dirty="0">
-                <a:solidFill>
-                  <a:schemeClr val="bg1"/>
-                </a:solidFill>
                 <a:latin typeface="Diagramm"/>
                 <a:cs typeface="Diagramm"/>
               </a:rPr>
@@ -5110,18 +5325,12 @@
             </a:r>
             <a:r>
               <a:rPr sz="2450" spc="-90" dirty="0">
-                <a:solidFill>
-                  <a:schemeClr val="bg1"/>
-                </a:solidFill>
                 <a:latin typeface="Diagramm"/>
                 <a:cs typeface="Diagramm"/>
               </a:rPr>
               <a:t>t</a:t>
             </a:r>
-            <a:endParaRPr sz="2450" dirty="0">
-              <a:solidFill>
-                <a:schemeClr val="bg1"/>
-              </a:solidFill>
+            <a:endParaRPr sz="2450">
               <a:latin typeface="Diagramm"/>
               <a:cs typeface="Diagramm"/>
             </a:endParaRPr>
@@ -5158,32 +5367,17 @@
               </a:spcBef>
             </a:pPr>
             <a:r>
-              <a:rPr lang="en-US" kern="0" spc="-5" dirty="0">
-                <a:solidFill>
-                  <a:schemeClr val="bg1"/>
-                </a:solidFill>
-              </a:rPr>
+              <a:rPr lang="en-US" kern="0" spc="-5" dirty="0"/>
               <a:t>Weighted Least Squares Estimation </a:t>
             </a:r>
             <a:br>
-              <a:rPr lang="en-US" kern="0" spc="-5" dirty="0">
-                <a:solidFill>
-                  <a:schemeClr val="bg1"/>
-                </a:solidFill>
-              </a:rPr>
+              <a:rPr lang="en-US" kern="0" spc="-5" dirty="0"/>
             </a:br>
             <a:r>
-              <a:rPr lang="en-US" b="0" kern="0" spc="-5" dirty="0">
-                <a:solidFill>
-                  <a:schemeClr val="bg1"/>
-                </a:solidFill>
-              </a:rPr>
+              <a:rPr lang="en-US" b="0" kern="0" spc="-5" dirty="0"/>
               <a:t>3D Body Part Trajectories</a:t>
             </a:r>
             <a:endParaRPr lang="en-US" b="0" kern="0" spc="-10" dirty="0">
-              <a:solidFill>
-                <a:schemeClr val="bg1"/>
-              </a:solidFill>
               <a:latin typeface="Diagramm Light"/>
               <a:cs typeface="Diagramm Light"/>
             </a:endParaRPr>
@@ -5232,6 +5426,386 @@
         <p:spPr>
           <a:xfrm>
             <a:off x="0" y="0"/>
+            <a:ext cx="20104100" cy="11308556"/>
+          </a:xfrm>
+          <a:prstGeom prst="rect">
+            <a:avLst/>
+          </a:prstGeom>
+        </p:spPr>
+      </p:pic>
+      <p:sp>
+        <p:nvSpPr>
+          <p:cNvPr id="3" name="object 3"/>
+          <p:cNvSpPr txBox="1"/>
+          <p:nvPr/>
+        </p:nvSpPr>
+        <p:spPr>
+          <a:xfrm>
+            <a:off x="507192" y="1659609"/>
+            <a:ext cx="636270" cy="402590"/>
+          </a:xfrm>
+          <a:prstGeom prst="rect">
+            <a:avLst/>
+          </a:prstGeom>
+        </p:spPr>
+        <p:txBody>
+          <a:bodyPr vert="horz" wrap="square" lIns="0" tIns="15240" rIns="0" bIns="0" rtlCol="0">
+            <a:spAutoFit/>
+          </a:bodyPr>
+          <a:lstStyle/>
+          <a:p>
+            <a:pPr marL="12700">
+              <a:lnSpc>
+                <a:spcPct val="100000"/>
+              </a:lnSpc>
+              <a:spcBef>
+                <a:spcPts val="120"/>
+              </a:spcBef>
+            </a:pPr>
+            <a:r>
+              <a:rPr sz="2450" spc="-254" dirty="0">
+                <a:solidFill>
+                  <a:schemeClr val="bg1"/>
+                </a:solidFill>
+                <a:latin typeface="Diagramm"/>
+                <a:cs typeface="Diagramm"/>
+              </a:rPr>
+              <a:t>T</a:t>
+            </a:r>
+            <a:r>
+              <a:rPr sz="2450" spc="-40" dirty="0">
+                <a:solidFill>
+                  <a:schemeClr val="bg1"/>
+                </a:solidFill>
+                <a:latin typeface="Diagramm"/>
+                <a:cs typeface="Diagramm"/>
+              </a:rPr>
+              <a:t>e</a:t>
+            </a:r>
+            <a:r>
+              <a:rPr sz="2450" spc="-5" dirty="0">
+                <a:solidFill>
+                  <a:schemeClr val="bg1"/>
+                </a:solidFill>
+                <a:latin typeface="Diagramm"/>
+                <a:cs typeface="Diagramm"/>
+              </a:rPr>
+              <a:t>x</a:t>
+            </a:r>
+            <a:r>
+              <a:rPr sz="2450" spc="-90" dirty="0">
+                <a:solidFill>
+                  <a:schemeClr val="bg1"/>
+                </a:solidFill>
+                <a:latin typeface="Diagramm"/>
+                <a:cs typeface="Diagramm"/>
+              </a:rPr>
+              <a:t>t</a:t>
+            </a:r>
+            <a:endParaRPr sz="2450" dirty="0">
+              <a:solidFill>
+                <a:schemeClr val="bg1"/>
+              </a:solidFill>
+              <a:latin typeface="Diagramm"/>
+              <a:cs typeface="Diagramm"/>
+            </a:endParaRPr>
+          </a:p>
+        </p:txBody>
+      </p:sp>
+      <p:sp>
+        <p:nvSpPr>
+          <p:cNvPr id="4" name="object 4"/>
+          <p:cNvSpPr txBox="1">
+            <a:spLocks noGrp="1"/>
+          </p:cNvSpPr>
+          <p:nvPr>
+            <p:ph type="title"/>
+          </p:nvPr>
+        </p:nvSpPr>
+        <p:spPr>
+          <a:prstGeom prst="rect">
+            <a:avLst/>
+          </a:prstGeom>
+        </p:spPr>
+        <p:txBody>
+          <a:bodyPr vert="horz" wrap="square" lIns="0" tIns="12065" rIns="0" bIns="0" rtlCol="0">
+            <a:spAutoFit/>
+          </a:bodyPr>
+          <a:lstStyle/>
+          <a:p>
+            <a:pPr marL="12799060">
+              <a:lnSpc>
+                <a:spcPts val="3960"/>
+              </a:lnSpc>
+              <a:spcBef>
+                <a:spcPts val="95"/>
+              </a:spcBef>
+            </a:pPr>
+            <a:r>
+              <a:rPr lang="en-US" kern="0" spc="-5" dirty="0">
+                <a:solidFill>
+                  <a:schemeClr val="bg1"/>
+                </a:solidFill>
+              </a:rPr>
+              <a:t>Weighted Least Squares Estimation </a:t>
+            </a:r>
+            <a:br>
+              <a:rPr lang="en-US" kern="0" spc="-5" dirty="0">
+                <a:solidFill>
+                  <a:schemeClr val="bg1"/>
+                </a:solidFill>
+              </a:rPr>
+            </a:br>
+            <a:r>
+              <a:rPr lang="en-US" b="0" kern="0" spc="-5" dirty="0">
+                <a:solidFill>
+                  <a:schemeClr val="bg1"/>
+                </a:solidFill>
+              </a:rPr>
+              <a:t>3D Body Part Trajectories</a:t>
+            </a:r>
+            <a:endParaRPr lang="en-US" b="0" kern="0" spc="-10" dirty="0">
+              <a:solidFill>
+                <a:schemeClr val="bg1"/>
+              </a:solidFill>
+              <a:latin typeface="Diagramm Light"/>
+              <a:cs typeface="Diagramm Light"/>
+            </a:endParaRPr>
+          </a:p>
+        </p:txBody>
+      </p:sp>
+    </p:spTree>
+  </p:cSld>
+  <p:clrMapOvr>
+    <a:masterClrMapping/>
+  </p:clrMapOvr>
+</p:sld>
+</file>
+
+<file path=ppt/slides/slide22.xml><?xml version="1.0" encoding="utf-8"?>
+<p:sld xmlns:a="http://schemas.openxmlformats.org/drawingml/2006/main" xmlns:r="http://schemas.openxmlformats.org/officeDocument/2006/relationships" xmlns:p="http://schemas.openxmlformats.org/presentationml/2006/main">
+  <p:cSld>
+    <p:spTree>
+      <p:nvGrpSpPr>
+        <p:cNvPr id="1" name=""/>
+        <p:cNvGrpSpPr/>
+        <p:nvPr/>
+      </p:nvGrpSpPr>
+      <p:grpSpPr>
+        <a:xfrm>
+          <a:off x="0" y="0"/>
+          <a:ext cx="0" cy="0"/>
+          <a:chOff x="0" y="0"/>
+          <a:chExt cx="0" cy="0"/>
+        </a:xfrm>
+      </p:grpSpPr>
+      <p:pic>
+        <p:nvPicPr>
+          <p:cNvPr id="2" name="object 2"/>
+          <p:cNvPicPr>
+            <a:picLocks noGrp="1" noRot="1" noMove="1" noResize="1" noEditPoints="1" noAdjustHandles="1" noChangeArrowheads="1" noChangeShapeType="1" noCrop="1"/>
+          </p:cNvPicPr>
+          <p:nvPr/>
+        </p:nvPicPr>
+        <p:blipFill>
+          <a:blip r:embed="rId2" cstate="print"/>
+          <a:stretch>
+            <a:fillRect/>
+          </a:stretch>
+        </p:blipFill>
+        <p:spPr>
+          <a:xfrm>
+            <a:off x="0" y="0"/>
+            <a:ext cx="20104100" cy="11308556"/>
+          </a:xfrm>
+          <a:prstGeom prst="rect">
+            <a:avLst/>
+          </a:prstGeom>
+        </p:spPr>
+      </p:pic>
+      <p:sp>
+        <p:nvSpPr>
+          <p:cNvPr id="3" name="object 3"/>
+          <p:cNvSpPr txBox="1"/>
+          <p:nvPr/>
+        </p:nvSpPr>
+        <p:spPr>
+          <a:xfrm>
+            <a:off x="507192" y="1659609"/>
+            <a:ext cx="636270" cy="402590"/>
+          </a:xfrm>
+          <a:prstGeom prst="rect">
+            <a:avLst/>
+          </a:prstGeom>
+        </p:spPr>
+        <p:txBody>
+          <a:bodyPr vert="horz" wrap="square" lIns="0" tIns="15240" rIns="0" bIns="0" rtlCol="0">
+            <a:spAutoFit/>
+          </a:bodyPr>
+          <a:lstStyle/>
+          <a:p>
+            <a:pPr marL="12700">
+              <a:lnSpc>
+                <a:spcPct val="100000"/>
+              </a:lnSpc>
+              <a:spcBef>
+                <a:spcPts val="120"/>
+              </a:spcBef>
+            </a:pPr>
+            <a:r>
+              <a:rPr sz="2450" spc="-254" dirty="0">
+                <a:solidFill>
+                  <a:schemeClr val="bg1"/>
+                </a:solidFill>
+                <a:latin typeface="Diagramm"/>
+                <a:cs typeface="Diagramm"/>
+              </a:rPr>
+              <a:t>T</a:t>
+            </a:r>
+            <a:r>
+              <a:rPr sz="2450" spc="-40" dirty="0">
+                <a:solidFill>
+                  <a:schemeClr val="bg1"/>
+                </a:solidFill>
+                <a:latin typeface="Diagramm"/>
+                <a:cs typeface="Diagramm"/>
+              </a:rPr>
+              <a:t>e</a:t>
+            </a:r>
+            <a:r>
+              <a:rPr sz="2450" spc="-5" dirty="0">
+                <a:solidFill>
+                  <a:schemeClr val="bg1"/>
+                </a:solidFill>
+                <a:latin typeface="Diagramm"/>
+                <a:cs typeface="Diagramm"/>
+              </a:rPr>
+              <a:t>x</a:t>
+            </a:r>
+            <a:r>
+              <a:rPr sz="2450" spc="-90" dirty="0">
+                <a:solidFill>
+                  <a:schemeClr val="bg1"/>
+                </a:solidFill>
+                <a:latin typeface="Diagramm"/>
+                <a:cs typeface="Diagramm"/>
+              </a:rPr>
+              <a:t>t</a:t>
+            </a:r>
+            <a:endParaRPr sz="2450" dirty="0">
+              <a:solidFill>
+                <a:schemeClr val="bg1"/>
+              </a:solidFill>
+              <a:latin typeface="Diagramm"/>
+              <a:cs typeface="Diagramm"/>
+            </a:endParaRPr>
+          </a:p>
+        </p:txBody>
+      </p:sp>
+      <p:sp>
+        <p:nvSpPr>
+          <p:cNvPr id="4" name="object 4"/>
+          <p:cNvSpPr txBox="1">
+            <a:spLocks noGrp="1"/>
+          </p:cNvSpPr>
+          <p:nvPr>
+            <p:ph type="title"/>
+          </p:nvPr>
+        </p:nvSpPr>
+        <p:spPr>
+          <a:prstGeom prst="rect">
+            <a:avLst/>
+          </a:prstGeom>
+        </p:spPr>
+        <p:txBody>
+          <a:bodyPr vert="horz" wrap="square" lIns="0" tIns="12065" rIns="0" bIns="0" rtlCol="0">
+            <a:spAutoFit/>
+          </a:bodyPr>
+          <a:lstStyle/>
+          <a:p>
+            <a:pPr marL="12799060">
+              <a:lnSpc>
+                <a:spcPts val="3960"/>
+              </a:lnSpc>
+              <a:spcBef>
+                <a:spcPts val="95"/>
+              </a:spcBef>
+            </a:pPr>
+            <a:r>
+              <a:rPr lang="en-US" kern="0" spc="-5" dirty="0">
+                <a:solidFill>
+                  <a:schemeClr val="bg1"/>
+                </a:solidFill>
+              </a:rPr>
+              <a:t>Weighted Least Squares Estimation </a:t>
+            </a:r>
+            <a:br>
+              <a:rPr lang="en-US" kern="0" spc="-5" dirty="0">
+                <a:solidFill>
+                  <a:schemeClr val="bg1"/>
+                </a:solidFill>
+              </a:rPr>
+            </a:br>
+            <a:r>
+              <a:rPr lang="en-US" b="0" kern="0" spc="-5" dirty="0">
+                <a:solidFill>
+                  <a:schemeClr val="bg1"/>
+                </a:solidFill>
+              </a:rPr>
+              <a:t>3D Body Part Trajectories</a:t>
+            </a:r>
+            <a:endParaRPr lang="en-US" b="0" kern="0" spc="-10" dirty="0">
+              <a:solidFill>
+                <a:schemeClr val="bg1"/>
+              </a:solidFill>
+              <a:latin typeface="Diagramm Light"/>
+              <a:cs typeface="Diagramm Light"/>
+            </a:endParaRPr>
+          </a:p>
+        </p:txBody>
+      </p:sp>
+    </p:spTree>
+  </p:cSld>
+  <p:clrMapOvr>
+    <a:masterClrMapping/>
+  </p:clrMapOvr>
+</p:sld>
+</file>
+
+<file path=ppt/slides/slide23.xml><?xml version="1.0" encoding="utf-8"?>
+<p:sld xmlns:a="http://schemas.openxmlformats.org/drawingml/2006/main" xmlns:r="http://schemas.openxmlformats.org/officeDocument/2006/relationships" xmlns:p="http://schemas.openxmlformats.org/presentationml/2006/main">
+  <p:cSld>
+    <p:spTree>
+      <p:nvGrpSpPr>
+        <p:cNvPr id="1" name=""/>
+        <p:cNvGrpSpPr/>
+        <p:nvPr/>
+      </p:nvGrpSpPr>
+      <p:grpSpPr>
+        <a:xfrm>
+          <a:off x="0" y="0"/>
+          <a:ext cx="0" cy="0"/>
+          <a:chOff x="0" y="0"/>
+          <a:chExt cx="0" cy="0"/>
+        </a:xfrm>
+      </p:grpSpPr>
+      <p:pic>
+        <p:nvPicPr>
+          <p:cNvPr id="2" name="object 2"/>
+          <p:cNvPicPr>
+            <a:picLocks noGrp="1" noRot="1" noMove="1" noResize="1" noEditPoints="1" noAdjustHandles="1" noChangeArrowheads="1" noChangeShapeType="1" noCrop="1"/>
+          </p:cNvPicPr>
+          <p:nvPr/>
+        </p:nvPicPr>
+        <p:blipFill>
+          <a:blip r:embed="rId2" cstate="print"/>
+          <a:stretch>
+            <a:fillRect/>
+          </a:stretch>
+        </p:blipFill>
+        <p:spPr>
+          <a:xfrm>
+            <a:off x="0" y="0"/>
             <a:ext cx="20104100" cy="11277143"/>
           </a:xfrm>
           <a:prstGeom prst="rect">
@@ -5368,7 +5942,7 @@
 </p:sld>
 </file>
 
-<file path=ppt/slides/slide22.xml><?xml version="1.0" encoding="utf-8"?>
+<file path=ppt/slides/slide24.xml><?xml version="1.0" encoding="utf-8"?>
 <p:sld xmlns:a="http://schemas.openxmlformats.org/drawingml/2006/main" xmlns:r="http://schemas.openxmlformats.org/officeDocument/2006/relationships" xmlns:p="http://schemas.openxmlformats.org/presentationml/2006/main">
   <p:cSld>
     <p:spTree>
@@ -6224,6 +6798,138 @@
           </a:p>
         </p:txBody>
       </p:sp>
+      <p:sp>
+        <p:nvSpPr>
+          <p:cNvPr id="4" name="object 3">
+            <a:extLst>
+              <a:ext uri="{FF2B5EF4-FFF2-40B4-BE49-F238E27FC236}">
+                <a16:creationId xmlns:a16="http://schemas.microsoft.com/office/drawing/2014/main" id="{1CD7F56C-C847-2F8B-4AAB-C45DCD20EAA5}"/>
+              </a:ext>
+            </a:extLst>
+          </p:cNvPr>
+          <p:cNvSpPr txBox="1"/>
+          <p:nvPr/>
+        </p:nvSpPr>
+        <p:spPr>
+          <a:xfrm>
+            <a:off x="495889" y="2384869"/>
+            <a:ext cx="19118207" cy="6539611"/>
+          </a:xfrm>
+          <a:prstGeom prst="rect">
+            <a:avLst/>
+          </a:prstGeom>
+        </p:spPr>
+        <p:txBody>
+          <a:bodyPr vert="horz" wrap="square" lIns="0" tIns="12065" rIns="0" bIns="0" rtlCol="0">
+            <a:spAutoFit/>
+          </a:bodyPr>
+          <a:lstStyle/>
+          <a:p>
+            <a:pPr marL="12700">
+              <a:lnSpc>
+                <a:spcPct val="100000"/>
+              </a:lnSpc>
+              <a:spcBef>
+                <a:spcPts val="95"/>
+              </a:spcBef>
+            </a:pPr>
+            <a:r>
+              <a:rPr lang="en-US" sz="6600" b="1" spc="-200" dirty="0">
+                <a:latin typeface="Diagramm Bold"/>
+                <a:cs typeface="Diagramm Bold"/>
+              </a:rPr>
+              <a:t>Logic Flaw:</a:t>
+            </a:r>
+          </a:p>
+          <a:p>
+            <a:pPr marL="12700">
+              <a:lnSpc>
+                <a:spcPct val="100000"/>
+              </a:lnSpc>
+              <a:spcBef>
+                <a:spcPts val="95"/>
+              </a:spcBef>
+            </a:pPr>
+            <a:endParaRPr lang="en-US" b="1" spc="-200" dirty="0">
+              <a:latin typeface="Diagramm Bold"/>
+              <a:cs typeface="Diagramm Bold"/>
+            </a:endParaRPr>
+          </a:p>
+          <a:p>
+            <a:pPr marL="869950" indent="-857250">
+              <a:lnSpc>
+                <a:spcPct val="150000"/>
+              </a:lnSpc>
+              <a:spcBef>
+                <a:spcPts val="95"/>
+              </a:spcBef>
+              <a:buFont typeface="Arial" panose="020B0604020202020204" pitchFamily="34" charset="0"/>
+              <a:buChar char="•"/>
+            </a:pPr>
+            <a:r>
+              <a:rPr lang="en-US" sz="4000" spc="-200" dirty="0">
+                <a:latin typeface="Diagramm Bold"/>
+                <a:cs typeface="Diagramm Bold"/>
+              </a:rPr>
+              <a:t>Constructing X with projections M along diagonal enforces linear independence between camera angles</a:t>
+            </a:r>
+          </a:p>
+          <a:p>
+            <a:pPr marL="869950" indent="-857250">
+              <a:lnSpc>
+                <a:spcPct val="150000"/>
+              </a:lnSpc>
+              <a:spcBef>
+                <a:spcPts val="95"/>
+              </a:spcBef>
+              <a:buFont typeface="Arial" panose="020B0604020202020204" pitchFamily="34" charset="0"/>
+              <a:buChar char="•"/>
+            </a:pPr>
+            <a:r>
+              <a:rPr lang="en-US" sz="4000" spc="-200" dirty="0">
+                <a:latin typeface="Diagramm Bold"/>
+                <a:cs typeface="Diagramm Bold"/>
+              </a:rPr>
+              <a:t>Quasi-square matrix X with repeating sequence of projection matrices forces X to be (2*frames*angles)x(3*frames*angles) per chunk</a:t>
+            </a:r>
+          </a:p>
+          <a:p>
+            <a:pPr marL="869950" indent="-857250">
+              <a:lnSpc>
+                <a:spcPct val="150000"/>
+              </a:lnSpc>
+              <a:spcBef>
+                <a:spcPts val="95"/>
+              </a:spcBef>
+              <a:buFont typeface="Arial" panose="020B0604020202020204" pitchFamily="34" charset="0"/>
+              <a:buChar char="•"/>
+            </a:pPr>
+            <a:r>
+              <a:rPr lang="en-US" sz="4000" spc="-200" dirty="0">
+                <a:latin typeface="Diagramm Bold"/>
+                <a:cs typeface="Diagramm Bold"/>
+              </a:rPr>
+              <a:t>Large X and W increase size of matrix inversion task, contributing to slowness</a:t>
+            </a:r>
+          </a:p>
+          <a:p>
+            <a:pPr marL="869950" indent="-857250">
+              <a:lnSpc>
+                <a:spcPct val="100000"/>
+              </a:lnSpc>
+              <a:spcBef>
+                <a:spcPts val="95"/>
+              </a:spcBef>
+              <a:buFont typeface="Arial" panose="020B0604020202020204" pitchFamily="34" charset="0"/>
+              <a:buChar char="•"/>
+            </a:pPr>
+            <a:endParaRPr sz="3600" dirty="0">
+              <a:latin typeface="Diagramm Bold"/>
+              <a:cs typeface="Diagramm Bold"/>
+            </a:endParaRPr>
+          </a:p>
+        </p:txBody>
+      </p:sp>
     </p:spTree>
     <p:extLst>
       <p:ext uri="{BB962C8B-B14F-4D97-AF65-F5344CB8AC3E}">
@@ -6315,7 +7021,7 @@
                 <a:latin typeface="Diagramm Bold"/>
                 <a:cs typeface="Diagramm Bold"/>
               </a:rPr>
-              <a:t>PERFORMANCE</a:t>
+              <a:t>Plan For Revision</a:t>
             </a:r>
             <a:endParaRPr sz="6600" b="1" dirty="0">
               <a:solidFill>
@@ -6455,8 +7161,8 @@
         </p:nvSpPr>
         <p:spPr>
           <a:xfrm>
-            <a:off x="507192" y="1659609"/>
-            <a:ext cx="636270" cy="402590"/>
+            <a:off x="1289050" y="2517919"/>
+            <a:ext cx="16535400" cy="6273512"/>
           </a:xfrm>
           <a:prstGeom prst="rect">
             <a:avLst/>
@@ -6477,37 +7183,102 @@
               </a:spcBef>
             </a:pPr>
             <a:r>
-              <a:rPr sz="2450" spc="-254" dirty="0">
-                <a:latin typeface="Diagramm"/>
-                <a:cs typeface="Diagramm"/>
-              </a:rPr>
-              <a:t>T</a:t>
-            </a:r>
-            <a:r>
-              <a:rPr sz="2450" spc="-40" dirty="0">
-                <a:latin typeface="Diagramm"/>
-                <a:cs typeface="Diagramm"/>
-              </a:rPr>
-              <a:t>e</a:t>
-            </a:r>
-            <a:r>
-              <a:rPr sz="2450" spc="-5" dirty="0">
-                <a:latin typeface="Diagramm"/>
-                <a:cs typeface="Diagramm"/>
-              </a:rPr>
-              <a:t>x</a:t>
-            </a:r>
-            <a:r>
-              <a:rPr sz="2450" spc="-90" dirty="0">
-                <a:latin typeface="Diagramm"/>
-                <a:cs typeface="Diagramm"/>
-              </a:rPr>
-              <a:t>t</a:t>
-            </a:r>
-            <a:endParaRPr sz="2450">
+              <a:rPr lang="en-US" sz="6000" b="1" spc="-254" dirty="0">
+                <a:latin typeface="Diagramm"/>
+                <a:cs typeface="Diagramm"/>
+              </a:rPr>
+              <a:t>Single-frame iterative approach:</a:t>
+            </a:r>
+          </a:p>
+          <a:p>
+            <a:pPr marL="12700">
+              <a:lnSpc>
+                <a:spcPct val="100000"/>
+              </a:lnSpc>
+              <a:spcBef>
+                <a:spcPts val="120"/>
+              </a:spcBef>
+            </a:pPr>
+            <a:endParaRPr lang="en-US" b="1" spc="-254" dirty="0">
               <a:latin typeface="Diagramm"/>
               <a:cs typeface="Diagramm"/>
             </a:endParaRPr>
+          </a:p>
+          <a:p>
+            <a:pPr marL="584200" indent="-571500">
+              <a:lnSpc>
+                <a:spcPct val="150000"/>
+              </a:lnSpc>
+              <a:spcBef>
+                <a:spcPts val="120"/>
+              </a:spcBef>
+              <a:buFont typeface="Arial" panose="020B0604020202020204" pitchFamily="34" charset="0"/>
+              <a:buChar char="•"/>
+            </a:pPr>
+            <a:r>
+              <a:rPr lang="en-US" sz="4400" dirty="0">
+                <a:latin typeface="Diagramm"/>
+                <a:cs typeface="Diagramm"/>
+              </a:rPr>
+              <a:t>Construct equation for estimating one 3D point at a time</a:t>
+            </a:r>
+          </a:p>
+          <a:p>
+            <a:pPr marL="584200" indent="-571500">
+              <a:lnSpc>
+                <a:spcPct val="150000"/>
+              </a:lnSpc>
+              <a:spcBef>
+                <a:spcPts val="120"/>
+              </a:spcBef>
+              <a:buFont typeface="Arial" panose="020B0604020202020204" pitchFamily="34" charset="0"/>
+              <a:buChar char="•"/>
+            </a:pPr>
+            <a:r>
+              <a:rPr lang="en-US" sz="4400" dirty="0">
+                <a:latin typeface="Diagramm"/>
+                <a:cs typeface="Diagramm"/>
+              </a:rPr>
+              <a:t>Minimize size of matrices for inversion</a:t>
+            </a:r>
+          </a:p>
+          <a:p>
+            <a:pPr marL="584200" indent="-571500">
+              <a:lnSpc>
+                <a:spcPct val="150000"/>
+              </a:lnSpc>
+              <a:spcBef>
+                <a:spcPts val="120"/>
+              </a:spcBef>
+              <a:buFont typeface="Arial" panose="020B0604020202020204" pitchFamily="34" charset="0"/>
+              <a:buChar char="•"/>
+            </a:pPr>
+            <a:r>
+              <a:rPr lang="en-US" sz="4400" dirty="0">
+                <a:latin typeface="Diagramm"/>
+                <a:cs typeface="Diagramm"/>
+              </a:rPr>
+              <a:t>Capitalize on CPU speed vs. large linear operations</a:t>
+            </a:r>
+          </a:p>
+          <a:p>
+            <a:pPr marL="584200" indent="-571500">
+              <a:lnSpc>
+                <a:spcPct val="150000"/>
+              </a:lnSpc>
+              <a:spcBef>
+                <a:spcPts val="120"/>
+              </a:spcBef>
+              <a:buFont typeface="Arial" panose="020B0604020202020204" pitchFamily="34" charset="0"/>
+              <a:buChar char="•"/>
+            </a:pPr>
+            <a:r>
+              <a:rPr lang="en-US" sz="4400" dirty="0">
+                <a:latin typeface="Diagramm"/>
+                <a:cs typeface="Diagramm"/>
+              </a:rPr>
+              <a:t>Continuously update projection matrix for each point to minimize transformation error</a:t>
+            </a:r>
           </a:p>
         </p:txBody>
       </p:sp>

--- a/wls_gated_dlc_triangulation/Weighted_Least_Squares.pptx
+++ b/wls_gated_dlc_triangulation/Weighted_Least_Squares.pptx
@@ -16,19 +16,25 @@
     <p:sldId id="273" r:id="rId10"/>
     <p:sldId id="280" r:id="rId11"/>
     <p:sldId id="279" r:id="rId12"/>
-    <p:sldId id="262" r:id="rId13"/>
-    <p:sldId id="259" r:id="rId14"/>
-    <p:sldId id="257" r:id="rId15"/>
-    <p:sldId id="261" r:id="rId16"/>
-    <p:sldId id="260" r:id="rId17"/>
-    <p:sldId id="263" r:id="rId18"/>
-    <p:sldId id="264" r:id="rId19"/>
-    <p:sldId id="265" r:id="rId20"/>
-    <p:sldId id="266" r:id="rId21"/>
-    <p:sldId id="267" r:id="rId22"/>
-    <p:sldId id="268" r:id="rId23"/>
-    <p:sldId id="269" r:id="rId24"/>
-    <p:sldId id="270" r:id="rId25"/>
+    <p:sldId id="283" r:id="rId13"/>
+    <p:sldId id="284" r:id="rId14"/>
+    <p:sldId id="285" r:id="rId15"/>
+    <p:sldId id="286" r:id="rId16"/>
+    <p:sldId id="281" r:id="rId17"/>
+    <p:sldId id="282" r:id="rId18"/>
+    <p:sldId id="262" r:id="rId19"/>
+    <p:sldId id="259" r:id="rId20"/>
+    <p:sldId id="257" r:id="rId21"/>
+    <p:sldId id="261" r:id="rId22"/>
+    <p:sldId id="260" r:id="rId23"/>
+    <p:sldId id="263" r:id="rId24"/>
+    <p:sldId id="264" r:id="rId25"/>
+    <p:sldId id="265" r:id="rId26"/>
+    <p:sldId id="266" r:id="rId27"/>
+    <p:sldId id="267" r:id="rId28"/>
+    <p:sldId id="268" r:id="rId29"/>
+    <p:sldId id="269" r:id="rId30"/>
+    <p:sldId id="270" r:id="rId31"/>
   </p:sldIdLst>
   <p:sldSz cx="20104100" cy="11309350"/>
   <p:notesSz cx="20104100" cy="11309350"/>
@@ -291,7 +297,7 @@
           <a:p>
             <a:fld id="{1D8BD707-D9CF-40AE-B4C6-C98DA3205C09}" type="datetimeFigureOut">
               <a:rPr lang="en-US"/>
-              <a:t>7/8/24</a:t>
+              <a:t>7/9/24</a:t>
             </a:fld>
             <a:endParaRPr lang="en-US"/>
           </a:p>
@@ -462,7 +468,7 @@
           <a:p>
             <a:fld id="{1D8BD707-D9CF-40AE-B4C6-C98DA3205C09}" type="datetimeFigureOut">
               <a:rPr lang="en-US"/>
-              <a:t>7/8/24</a:t>
+              <a:t>7/9/24</a:t>
             </a:fld>
             <a:endParaRPr lang="en-US"/>
           </a:p>
@@ -676,7 +682,7 @@
           <a:p>
             <a:fld id="{1D8BD707-D9CF-40AE-B4C6-C98DA3205C09}" type="datetimeFigureOut">
               <a:rPr lang="en-US"/>
-              <a:t>7/8/24</a:t>
+              <a:t>7/9/24</a:t>
             </a:fld>
             <a:endParaRPr lang="en-US"/>
           </a:p>
@@ -882,7 +888,7 @@
           <a:p>
             <a:fld id="{1D8BD707-D9CF-40AE-B4C6-C98DA3205C09}" type="datetimeFigureOut">
               <a:rPr lang="en-US"/>
-              <a:t>7/8/24</a:t>
+              <a:t>7/9/24</a:t>
             </a:fld>
             <a:endParaRPr lang="en-US"/>
           </a:p>
@@ -1001,7 +1007,7 @@
           <a:p>
             <a:fld id="{1D8BD707-D9CF-40AE-B4C6-C98DA3205C09}" type="datetimeFigureOut">
               <a:rPr lang="en-US"/>
-              <a:t>7/8/24</a:t>
+              <a:t>7/9/24</a:t>
             </a:fld>
             <a:endParaRPr lang="en-US"/>
           </a:p>
@@ -1220,7 +1226,7 @@
           <a:p>
             <a:fld id="{1D8BD707-D9CF-40AE-B4C6-C98DA3205C09}" type="datetimeFigureOut">
               <a:rPr lang="en-US"/>
-              <a:t>7/8/24</a:t>
+              <a:t>7/9/24</a:t>
             </a:fld>
             <a:endParaRPr lang="en-US"/>
           </a:p>
@@ -1632,49 +1638,21 @@
                 <a:latin typeface="Diagramm"/>
                 <a:cs typeface="Diagramm"/>
               </a:rPr>
-              <a:t>Retrain DLC model to follow </a:t>
+              <a:t>Retrain DLC model to follow keypoints. Write </a:t>
             </a:r>
             <a:r>
               <a:rPr lang="en-US" sz="4000" spc="-254" dirty="0" err="1">
                 <a:latin typeface="Diagramm"/>
                 <a:cs typeface="Diagramm"/>
               </a:rPr>
-              <a:t>keypoints</a:t>
+              <a:t>Matlab</a:t>
             </a:r>
             <a:r>
               <a:rPr lang="en-US" sz="4000" spc="-254" dirty="0">
                 <a:latin typeface="Diagramm"/>
                 <a:cs typeface="Diagramm"/>
               </a:rPr>
-              <a:t>. Write </a:t>
-            </a:r>
-            <a:r>
-              <a:rPr lang="en-US" sz="4000" spc="-254" dirty="0" err="1">
-                <a:latin typeface="Diagramm"/>
-                <a:cs typeface="Diagramm"/>
-              </a:rPr>
-              <a:t>Matlab</a:t>
-            </a:r>
-            <a:r>
-              <a:rPr lang="en-US" sz="4000" spc="-254" dirty="0">
-                <a:latin typeface="Diagramm"/>
-                <a:cs typeface="Diagramm"/>
-              </a:rPr>
-              <a:t> script to convert noisy tracking data for </a:t>
-            </a:r>
-            <a:r>
-              <a:rPr lang="en-US" sz="4000" spc="-254" dirty="0" err="1">
-                <a:latin typeface="Diagramm"/>
-                <a:cs typeface="Diagramm"/>
-              </a:rPr>
-              <a:t>keypoints</a:t>
-            </a:r>
-            <a:r>
-              <a:rPr lang="en-US" sz="4000" spc="-254" dirty="0">
-                <a:latin typeface="Diagramm"/>
-                <a:cs typeface="Diagramm"/>
-              </a:rPr>
-              <a:t> into discrete positions + transition times.</a:t>
+              <a:t> script to convert noisy tracking data for keypoints into discrete positions + transition times.</a:t>
             </a:r>
           </a:p>
           <a:p>
@@ -1897,21 +1875,7 @@
                 <a:latin typeface="Diagramm"/>
                 <a:cs typeface="Diagramm"/>
               </a:rPr>
-              <a:t>Verify performance at each stage; Overlay random selection of </a:t>
-            </a:r>
-            <a:r>
-              <a:rPr lang="en-US" sz="4000" spc="-254" dirty="0" err="1">
-                <a:latin typeface="Diagramm"/>
-                <a:cs typeface="Diagramm"/>
-              </a:rPr>
-              <a:t>keypoints</a:t>
-            </a:r>
-            <a:r>
-              <a:rPr lang="en-US" sz="4000" spc="-254" dirty="0">
-                <a:latin typeface="Diagramm"/>
-                <a:cs typeface="Diagramm"/>
-              </a:rPr>
-              <a:t> from processed coordinates; Estimate 5 3D points before and after a projection change.</a:t>
+              <a:t>Verify performance at each stage; Overlay random selection of keypoints from processed coordinates; Estimate 5 3D points before and after a projection change.</a:t>
             </a:r>
           </a:p>
         </p:txBody>
@@ -1973,7 +1937,9 @@
       <p:sp>
         <p:nvSpPr>
           <p:cNvPr id="3" name="object 3"/>
-          <p:cNvSpPr txBox="1"/>
+          <p:cNvSpPr txBox="1">
+            <a:spLocks noGrp="1" noRot="1" noMove="1" noResize="1" noEditPoints="1" noAdjustHandles="1" noChangeArrowheads="1" noChangeShapeType="1"/>
+          </p:cNvSpPr>
           <p:nvPr/>
         </p:nvSpPr>
         <p:spPr>
@@ -2007,7 +1973,7 @@
                 <a:latin typeface="Diagramm Bold"/>
                 <a:cs typeface="Diagramm Bold"/>
               </a:rPr>
-              <a:t>TITLE</a:t>
+              <a:t>TASK 1</a:t>
             </a:r>
             <a:endParaRPr sz="6600" b="1" dirty="0">
               <a:solidFill>
@@ -2032,7 +1998,7 @@
         <p:spPr>
           <a:xfrm>
             <a:off x="492946" y="382194"/>
-            <a:ext cx="19118207" cy="1021562"/>
+            <a:ext cx="19118207" cy="1546064"/>
           </a:xfrm>
           <a:prstGeom prst="rect">
             <a:avLst/>
@@ -2099,7 +2065,7 @@
 </file>
 
 <file path=ppt/slides/slide12.xml><?xml version="1.0" encoding="utf-8"?>
-<p:sld xmlns:a="http://schemas.openxmlformats.org/drawingml/2006/main" xmlns:r="http://schemas.openxmlformats.org/officeDocument/2006/relationships" xmlns:p="http://schemas.openxmlformats.org/presentationml/2006/main" showMasterSp="0">
+<p:sld xmlns:a="http://schemas.openxmlformats.org/drawingml/2006/main" xmlns:r="http://schemas.openxmlformats.org/officeDocument/2006/relationships" xmlns:p="http://schemas.openxmlformats.org/presentationml/2006/main">
   <p:cSld>
     <p:spTree>
       <p:nvGrpSpPr>
@@ -2123,119 +2089,140 @@
           </p:cNvPicPr>
           <p:nvPr/>
         </p:nvPicPr>
-        <p:blipFill rotWithShape="1">
+        <p:blipFill>
           <a:blip r:embed="rId2" cstate="print"/>
-          <a:srcRect r="353"/>
-          <a:stretch/>
-        </p:blipFill>
-        <p:spPr>
-          <a:xfrm>
-            <a:off x="37915" y="30116"/>
-            <a:ext cx="20032941" cy="11251966"/>
-          </a:xfrm>
-          <a:prstGeom prst="rect">
-            <a:avLst/>
-          </a:prstGeom>
-        </p:spPr>
-      </p:pic>
-      <p:pic>
-        <p:nvPicPr>
-          <p:cNvPr id="3" name="object 3"/>
-          <p:cNvPicPr/>
-          <p:nvPr/>
-        </p:nvPicPr>
-        <p:blipFill>
-          <a:blip r:embed="rId3" cstate="print"/>
           <a:stretch>
             <a:fillRect/>
           </a:stretch>
         </p:blipFill>
         <p:spPr>
           <a:xfrm>
-            <a:off x="460779" y="8439489"/>
-            <a:ext cx="1350720" cy="1811459"/>
+            <a:off x="0" y="0"/>
+            <a:ext cx="20104100" cy="11277143"/>
           </a:xfrm>
           <a:prstGeom prst="rect">
             <a:avLst/>
           </a:prstGeom>
         </p:spPr>
       </p:pic>
-      <p:pic>
-        <p:nvPicPr>
-          <p:cNvPr id="4" name="object 4"/>
-          <p:cNvPicPr/>
-          <p:nvPr/>
-        </p:nvPicPr>
-        <p:blipFill>
-          <a:blip r:embed="rId3" cstate="print"/>
-          <a:stretch>
-            <a:fillRect/>
-          </a:stretch>
-        </p:blipFill>
-        <p:spPr>
-          <a:xfrm>
-            <a:off x="1947636" y="8439489"/>
-            <a:ext cx="1350750" cy="1811459"/>
-          </a:xfrm>
-          <a:prstGeom prst="rect">
-            <a:avLst/>
-          </a:prstGeom>
-        </p:spPr>
-      </p:pic>
-      <p:pic>
-        <p:nvPicPr>
-          <p:cNvPr id="5" name="object 5"/>
-          <p:cNvPicPr/>
-          <p:nvPr/>
-        </p:nvPicPr>
-        <p:blipFill>
-          <a:blip r:embed="rId3" cstate="print"/>
-          <a:stretch>
-            <a:fillRect/>
-          </a:stretch>
-        </p:blipFill>
-        <p:spPr>
-          <a:xfrm>
-            <a:off x="3444970" y="8439489"/>
-            <a:ext cx="1350752" cy="1811459"/>
-          </a:xfrm>
-          <a:prstGeom prst="rect">
-            <a:avLst/>
-          </a:prstGeom>
-        </p:spPr>
-      </p:pic>
-      <p:pic>
-        <p:nvPicPr>
-          <p:cNvPr id="6" name="object 6"/>
-          <p:cNvPicPr/>
-          <p:nvPr/>
-        </p:nvPicPr>
-        <p:blipFill>
-          <a:blip r:embed="rId3" cstate="print"/>
-          <a:stretch>
-            <a:fillRect/>
-          </a:stretch>
-        </p:blipFill>
-        <p:spPr>
-          <a:xfrm>
-            <a:off x="4942305" y="8439489"/>
-            <a:ext cx="1350750" cy="1811459"/>
-          </a:xfrm>
-          <a:prstGeom prst="rect">
-            <a:avLst/>
-          </a:prstGeom>
-        </p:spPr>
-      </p:pic>
-      <p:sp>
-        <p:nvSpPr>
-          <p:cNvPr id="8" name="object 8"/>
+      <p:sp>
+        <p:nvSpPr>
+          <p:cNvPr id="3" name="object 3"/>
           <p:cNvSpPr txBox="1"/>
           <p:nvPr/>
         </p:nvSpPr>
         <p:spPr>
           <a:xfrm>
-            <a:off x="381541" y="10580816"/>
-            <a:ext cx="5995035" cy="314960"/>
+            <a:off x="492946" y="2759075"/>
+            <a:ext cx="18931704" cy="6499215"/>
+          </a:xfrm>
+          <a:prstGeom prst="rect">
+            <a:avLst/>
+          </a:prstGeom>
+        </p:spPr>
+        <p:txBody>
+          <a:bodyPr vert="horz" wrap="square" lIns="0" tIns="15240" rIns="0" bIns="0" rtlCol="0">
+            <a:spAutoFit/>
+          </a:bodyPr>
+          <a:lstStyle/>
+          <a:p>
+            <a:pPr marL="12700">
+              <a:lnSpc>
+                <a:spcPct val="100000"/>
+              </a:lnSpc>
+              <a:spcBef>
+                <a:spcPts val="120"/>
+              </a:spcBef>
+            </a:pPr>
+            <a:r>
+              <a:rPr lang="en-US" sz="6000" b="1" spc="-254" dirty="0">
+                <a:latin typeface="Diagramm"/>
+                <a:cs typeface="Diagramm"/>
+              </a:rPr>
+              <a:t>Keypoint-Shift Segmentation</a:t>
+            </a:r>
+          </a:p>
+          <a:p>
+            <a:pPr marL="12700">
+              <a:lnSpc>
+                <a:spcPct val="100000"/>
+              </a:lnSpc>
+              <a:spcBef>
+                <a:spcPts val="120"/>
+              </a:spcBef>
+            </a:pPr>
+            <a:endParaRPr lang="en-US" b="1" spc="-254" dirty="0">
+              <a:latin typeface="Diagramm"/>
+              <a:cs typeface="Diagramm"/>
+            </a:endParaRPr>
+          </a:p>
+          <a:p>
+            <a:pPr marL="12700">
+              <a:lnSpc>
+                <a:spcPct val="150000"/>
+              </a:lnSpc>
+              <a:spcBef>
+                <a:spcPts val="120"/>
+              </a:spcBef>
+            </a:pPr>
+            <a:r>
+              <a:rPr lang="en-US" sz="4000" spc="-254" dirty="0">
+                <a:latin typeface="Diagramm"/>
+                <a:cs typeface="Diagramm"/>
+              </a:rPr>
+              <a:t>Goal: Split 2D tracking data of keypoints for each camera when  the position of one point moves. The resulting segments containing constant keypoint positions from the camera’s perspective are used to generate a series of projection matrices for that perspective, which will be used during triangulation for an online/continuously updated 3D transformation.</a:t>
+            </a:r>
+          </a:p>
+          <a:p>
+            <a:pPr marL="12700">
+              <a:lnSpc>
+                <a:spcPct val="150000"/>
+              </a:lnSpc>
+              <a:spcBef>
+                <a:spcPts val="120"/>
+              </a:spcBef>
+            </a:pPr>
+            <a:endParaRPr lang="en-US" sz="4000" spc="-254" dirty="0">
+              <a:latin typeface="Diagramm"/>
+              <a:cs typeface="Diagramm"/>
+            </a:endParaRPr>
+          </a:p>
+          <a:p>
+            <a:pPr marL="12700">
+              <a:lnSpc>
+                <a:spcPct val="100000"/>
+              </a:lnSpc>
+              <a:spcBef>
+                <a:spcPts val="120"/>
+              </a:spcBef>
+            </a:pPr>
+            <a:endParaRPr lang="en-US" sz="4000" b="1" spc="-254" dirty="0">
+              <a:latin typeface="Diagramm"/>
+              <a:cs typeface="Diagramm"/>
+            </a:endParaRPr>
+          </a:p>
+        </p:txBody>
+      </p:sp>
+      <p:sp>
+        <p:nvSpPr>
+          <p:cNvPr id="7" name="object 4">
+            <a:extLst>
+              <a:ext uri="{FF2B5EF4-FFF2-40B4-BE49-F238E27FC236}">
+                <a16:creationId xmlns:a16="http://schemas.microsoft.com/office/drawing/2014/main" id="{499D3297-56CD-5700-363A-7B6A4F0CB2D9}"/>
+              </a:ext>
+            </a:extLst>
+          </p:cNvPr>
+          <p:cNvSpPr txBox="1">
+            <a:spLocks noGrp="1"/>
+          </p:cNvSpPr>
+          <p:nvPr>
+            <p:ph type="title"/>
+          </p:nvPr>
+        </p:nvSpPr>
+        <p:spPr>
+          <a:xfrm>
+            <a:off x="492946" y="382194"/>
+            <a:ext cx="19118207" cy="1031240"/>
           </a:xfrm>
           <a:prstGeom prst="rect">
             <a:avLst/>
@@ -2247,101 +2234,50 @@
           </a:bodyPr>
           <a:lstStyle/>
           <a:p>
-            <a:pPr marL="12700">
-              <a:lnSpc>
-                <a:spcPct val="100000"/>
+            <a:pPr marL="12799060">
+              <a:lnSpc>
+                <a:spcPts val="3960"/>
               </a:lnSpc>
               <a:spcBef>
                 <a:spcPts val="95"/>
               </a:spcBef>
             </a:pPr>
             <a:r>
-              <a:rPr sz="1900" spc="-5" dirty="0">
-                <a:latin typeface="Diagramm"/>
-                <a:cs typeface="Diagramm"/>
-              </a:rPr>
-              <a:t>COURTINE</a:t>
-            </a:r>
-            <a:r>
-              <a:rPr sz="1900" spc="-10" dirty="0">
-                <a:latin typeface="Diagramm"/>
-                <a:cs typeface="Diagramm"/>
-              </a:rPr>
-              <a:t> </a:t>
-            </a:r>
-            <a:r>
-              <a:rPr sz="1900" spc="-5" dirty="0">
-                <a:latin typeface="Diagramm"/>
-                <a:cs typeface="Diagramm"/>
-              </a:rPr>
-              <a:t>ET AL. </a:t>
-            </a:r>
-            <a:r>
-              <a:rPr sz="1900" dirty="0">
-                <a:latin typeface="Diagramm"/>
-                <a:cs typeface="Diagramm"/>
-              </a:rPr>
-              <a:t>¦</a:t>
-            </a:r>
-            <a:r>
-              <a:rPr sz="1900" spc="-10" dirty="0">
-                <a:latin typeface="Diagramm"/>
-                <a:cs typeface="Diagramm"/>
-              </a:rPr>
-              <a:t> </a:t>
-            </a:r>
-            <a:r>
-              <a:rPr sz="1900" spc="-30" dirty="0">
-                <a:latin typeface="Diagramm"/>
-                <a:cs typeface="Diagramm"/>
-              </a:rPr>
-              <a:t>NATURE</a:t>
-            </a:r>
-            <a:r>
-              <a:rPr sz="1900" spc="-5" dirty="0">
-                <a:latin typeface="Diagramm"/>
-                <a:cs typeface="Diagramm"/>
-              </a:rPr>
-              <a:t> NEUROSCIENCE </a:t>
-            </a:r>
-            <a:r>
-              <a:rPr sz="1900" dirty="0">
-                <a:latin typeface="Diagramm"/>
-                <a:cs typeface="Diagramm"/>
-              </a:rPr>
-              <a:t>¦</a:t>
-            </a:r>
-            <a:r>
-              <a:rPr sz="1900" spc="-10" dirty="0">
-                <a:latin typeface="Diagramm"/>
-                <a:cs typeface="Diagramm"/>
-              </a:rPr>
-              <a:t> </a:t>
-            </a:r>
-            <a:r>
-              <a:rPr sz="1900" spc="-5" dirty="0">
-                <a:latin typeface="Diagramm"/>
-                <a:cs typeface="Diagramm"/>
-              </a:rPr>
-              <a:t>2009</a:t>
-            </a:r>
-            <a:endParaRPr sz="1900" dirty="0">
-              <a:latin typeface="Diagramm"/>
-              <a:cs typeface="Diagramm"/>
+              <a:rPr lang="en-US" kern="0" spc="-5" dirty="0"/>
+              <a:t>Weighted Least Squares Estimation </a:t>
+            </a:r>
+            <a:br>
+              <a:rPr lang="en-US" kern="0" spc="-5" dirty="0"/>
+            </a:br>
+            <a:r>
+              <a:rPr lang="en-US" b="0" kern="0" spc="-5" dirty="0"/>
+              <a:t>3D Body Part Trajectories</a:t>
+            </a:r>
+            <a:endParaRPr lang="en-US" b="0" kern="0" spc="-10" dirty="0">
+              <a:latin typeface="Diagramm Light"/>
+              <a:cs typeface="Diagramm Light"/>
             </a:endParaRPr>
           </a:p>
         </p:txBody>
       </p:sp>
       <p:sp>
         <p:nvSpPr>
-          <p:cNvPr id="9" name="object 9"/>
-          <p:cNvSpPr txBox="1"/>
-          <p:nvPr/>
-        </p:nvSpPr>
-        <p:spPr>
-          <a:xfrm>
-            <a:off x="507192" y="1659609"/>
-            <a:ext cx="1029969" cy="402590"/>
+          <p:cNvPr id="6" name="object 3">
+            <a:extLst>
+              <a:ext uri="{FF2B5EF4-FFF2-40B4-BE49-F238E27FC236}">
+                <a16:creationId xmlns:a16="http://schemas.microsoft.com/office/drawing/2014/main" id="{C6EC7CD5-1E52-90BB-D73D-AA9110297B4A}"/>
+              </a:ext>
+            </a:extLst>
+          </p:cNvPr>
+          <p:cNvSpPr txBox="1">
+            <a:spLocks noGrp="1" noRot="1" noMove="1" noResize="1" noEditPoints="1" noAdjustHandles="1" noChangeArrowheads="1" noChangeShapeType="1"/>
+          </p:cNvSpPr>
+          <p:nvPr/>
+        </p:nvSpPr>
+        <p:spPr>
+          <a:xfrm>
+            <a:off x="492946" y="382194"/>
+            <a:ext cx="11506200" cy="630942"/>
           </a:xfrm>
           <a:prstGeom prst="rect">
             <a:avLst/>
@@ -2362,204 +2298,21 @@
               </a:spcBef>
             </a:pPr>
             <a:r>
-              <a:rPr sz="2450" spc="15" dirty="0">
-                <a:latin typeface="Diagramm"/>
-                <a:cs typeface="Diagramm"/>
-              </a:rPr>
-              <a:t>T</a:t>
-            </a:r>
-            <a:r>
-              <a:rPr sz="2450" spc="20" dirty="0">
-                <a:latin typeface="Diagramm"/>
-                <a:cs typeface="Diagramm"/>
-              </a:rPr>
-              <a:t>E</a:t>
-            </a:r>
-            <a:r>
-              <a:rPr sz="2450" spc="15" dirty="0">
-                <a:latin typeface="Diagramm"/>
-                <a:cs typeface="Diagramm"/>
-              </a:rPr>
-              <a:t>XTE</a:t>
-            </a:r>
-            <a:endParaRPr sz="2450">
-              <a:latin typeface="Diagramm"/>
-              <a:cs typeface="Diagramm"/>
-            </a:endParaRPr>
-          </a:p>
-        </p:txBody>
-      </p:sp>
-      <p:sp>
-        <p:nvSpPr>
-          <p:cNvPr id="10" name="object 10"/>
-          <p:cNvSpPr txBox="1"/>
-          <p:nvPr/>
-        </p:nvSpPr>
-        <p:spPr>
-          <a:xfrm>
-            <a:off x="8072676" y="4920431"/>
-            <a:ext cx="10955655" cy="1030605"/>
-          </a:xfrm>
-          <a:prstGeom prst="rect">
-            <a:avLst/>
-          </a:prstGeom>
-        </p:spPr>
-        <p:txBody>
-          <a:bodyPr vert="horz" wrap="square" lIns="0" tIns="12065" rIns="0" bIns="0" rtlCol="0">
-            <a:spAutoFit/>
-          </a:bodyPr>
-          <a:lstStyle/>
-          <a:p>
-            <a:pPr marL="12700">
-              <a:lnSpc>
-                <a:spcPct val="100000"/>
-              </a:lnSpc>
-              <a:spcBef>
-                <a:spcPts val="95"/>
-              </a:spcBef>
-            </a:pPr>
-            <a:r>
-              <a:rPr sz="6600" b="1" spc="-200" dirty="0">
-                <a:solidFill>
-                  <a:schemeClr val="bg1"/>
-                </a:solidFill>
-                <a:latin typeface="Diagramm Bold"/>
-                <a:cs typeface="Diagramm Bold"/>
-              </a:rPr>
-              <a:t>VIDEO/IMAGE</a:t>
-            </a:r>
-            <a:r>
-              <a:rPr sz="6600" b="1" spc="409" dirty="0">
-                <a:solidFill>
-                  <a:schemeClr val="bg1"/>
-                </a:solidFill>
-                <a:latin typeface="Diagramm Bold"/>
-                <a:cs typeface="Diagramm Bold"/>
-              </a:rPr>
-              <a:t> </a:t>
-            </a:r>
-            <a:r>
-              <a:rPr sz="6600" b="1" spc="-195" dirty="0">
-                <a:solidFill>
-                  <a:schemeClr val="bg1"/>
-                </a:solidFill>
-                <a:latin typeface="Diagramm Bold"/>
-                <a:cs typeface="Diagramm Bold"/>
-              </a:rPr>
-              <a:t>2/3</a:t>
-            </a:r>
-            <a:r>
-              <a:rPr sz="6600" b="1" spc="409" dirty="0">
-                <a:solidFill>
-                  <a:schemeClr val="bg1"/>
-                </a:solidFill>
-                <a:latin typeface="Diagramm Bold"/>
-                <a:cs typeface="Diagramm Bold"/>
-              </a:rPr>
-              <a:t> </a:t>
-            </a:r>
-            <a:r>
-              <a:rPr sz="6600" b="1" spc="-225" dirty="0">
-                <a:solidFill>
-                  <a:schemeClr val="bg1"/>
-                </a:solidFill>
-                <a:latin typeface="Diagramm Bold"/>
-                <a:cs typeface="Diagramm Bold"/>
-              </a:rPr>
-              <a:t>SCREEN</a:t>
-            </a:r>
-            <a:endParaRPr sz="6600" dirty="0">
-              <a:solidFill>
-                <a:schemeClr val="bg1"/>
-              </a:solidFill>
-              <a:latin typeface="Diagramm Bold"/>
-              <a:cs typeface="Diagramm Bold"/>
-            </a:endParaRPr>
-          </a:p>
-        </p:txBody>
-      </p:sp>
-      <p:sp>
-        <p:nvSpPr>
-          <p:cNvPr id="20" name="object 4">
-            <a:extLst>
-              <a:ext uri="{FF2B5EF4-FFF2-40B4-BE49-F238E27FC236}">
-                <a16:creationId xmlns:a16="http://schemas.microsoft.com/office/drawing/2014/main" id="{DDAE9862-73D7-D202-68EF-49F8DBF665EA}"/>
-              </a:ext>
-            </a:extLst>
-          </p:cNvPr>
-          <p:cNvSpPr txBox="1">
-            <a:spLocks/>
-          </p:cNvSpPr>
-          <p:nvPr/>
-        </p:nvSpPr>
-        <p:spPr>
-          <a:xfrm>
-            <a:off x="492946" y="382194"/>
-            <a:ext cx="19118207" cy="1021562"/>
-          </a:xfrm>
-          <a:prstGeom prst="rect">
-            <a:avLst/>
-          </a:prstGeom>
-        </p:spPr>
-        <p:txBody>
-          <a:bodyPr vert="horz" wrap="square" lIns="0" tIns="12065" rIns="0" bIns="0" rtlCol="0">
-            <a:spAutoFit/>
-          </a:bodyPr>
-          <a:lstStyle>
-            <a:lvl1pPr>
-              <a:defRPr sz="3300" b="1" i="0">
-                <a:solidFill>
-                  <a:schemeClr val="tx1"/>
-                </a:solidFill>
-                <a:latin typeface="Diagramm Bold"/>
-                <a:ea typeface="+mj-ea"/>
-                <a:cs typeface="Diagramm Bold"/>
-              </a:defRPr>
-            </a:lvl1pPr>
-          </a:lstStyle>
-          <a:p>
-            <a:pPr marL="12799060">
-              <a:lnSpc>
-                <a:spcPts val="3960"/>
-              </a:lnSpc>
-              <a:spcBef>
-                <a:spcPts val="95"/>
-              </a:spcBef>
-            </a:pPr>
-            <a:r>
-              <a:rPr lang="en-US" kern="0" spc="-5" dirty="0">
-                <a:solidFill>
-                  <a:schemeClr val="bg1"/>
-                </a:solidFill>
-              </a:rPr>
-              <a:t>Weighted Least Squares Estimation </a:t>
-            </a:r>
-            <a:br>
-              <a:rPr lang="en-US" kern="0" spc="-5" dirty="0">
-                <a:solidFill>
-                  <a:schemeClr val="bg1"/>
-                </a:solidFill>
-              </a:rPr>
-            </a:br>
-            <a:r>
-              <a:rPr lang="en-US" b="0" kern="0" spc="-5" dirty="0">
-                <a:solidFill>
-                  <a:schemeClr val="bg1"/>
-                </a:solidFill>
-              </a:rPr>
-              <a:t>3D Body Part Trajectories</a:t>
-            </a:r>
-            <a:endParaRPr lang="en-US" b="0" kern="0" spc="-10" dirty="0">
-              <a:solidFill>
-                <a:schemeClr val="bg1"/>
-              </a:solidFill>
-              <a:latin typeface="Diagramm Light"/>
-              <a:cs typeface="Diagramm Light"/>
-            </a:endParaRPr>
+              <a:rPr lang="en-US" sz="4000" b="1" spc="-254" dirty="0">
+                <a:latin typeface="Diagramm"/>
+                <a:cs typeface="Diagramm"/>
+              </a:rPr>
+              <a:t>TASK 1  —  2D Pose &amp; Keypoint Tracking, Mark Events </a:t>
+            </a:r>
           </a:p>
         </p:txBody>
       </p:sp>
     </p:spTree>
+    <p:extLst>
+      <p:ext uri="{BB962C8B-B14F-4D97-AF65-F5344CB8AC3E}">
+        <p14:creationId xmlns:p14="http://schemas.microsoft.com/office/powerpoint/2010/main" val="2670039150"/>
+      </p:ext>
+    </p:extLst>
   </p:cSld>
   <p:clrMapOvr>
     <a:masterClrMapping/>
@@ -2568,7 +2321,7 @@
 </file>
 
 <file path=ppt/slides/slide13.xml><?xml version="1.0" encoding="utf-8"?>
-<p:sld xmlns:a="http://schemas.openxmlformats.org/drawingml/2006/main" xmlns:r="http://schemas.openxmlformats.org/officeDocument/2006/relationships" xmlns:p="http://schemas.openxmlformats.org/presentationml/2006/main" showMasterSp="0">
+<p:sld xmlns:a="http://schemas.openxmlformats.org/drawingml/2006/main" xmlns:r="http://schemas.openxmlformats.org/officeDocument/2006/relationships" xmlns:p="http://schemas.openxmlformats.org/presentationml/2006/main">
   <p:cSld>
     <p:spTree>
       <p:nvGrpSpPr>
@@ -2601,454 +2354,22 @@
         <p:spPr>
           <a:xfrm>
             <a:off x="0" y="0"/>
-            <a:ext cx="20104100" cy="11308556"/>
+            <a:ext cx="20104100" cy="11277143"/>
           </a:xfrm>
           <a:prstGeom prst="rect">
             <a:avLst/>
           </a:prstGeom>
         </p:spPr>
       </p:pic>
-      <p:pic>
-        <p:nvPicPr>
-          <p:cNvPr id="3" name="object 3"/>
-          <p:cNvPicPr/>
-          <p:nvPr/>
-        </p:nvPicPr>
-        <p:blipFill>
-          <a:blip r:embed="rId3" cstate="print"/>
-          <a:stretch>
-            <a:fillRect/>
-          </a:stretch>
-        </p:blipFill>
-        <p:spPr>
-          <a:xfrm>
-            <a:off x="575958" y="8439489"/>
-            <a:ext cx="1350720" cy="1811459"/>
-          </a:xfrm>
-          <a:prstGeom prst="rect">
-            <a:avLst/>
-          </a:prstGeom>
-        </p:spPr>
-      </p:pic>
-      <p:pic>
-        <p:nvPicPr>
-          <p:cNvPr id="4" name="object 4"/>
-          <p:cNvPicPr/>
-          <p:nvPr/>
-        </p:nvPicPr>
-        <p:blipFill>
-          <a:blip r:embed="rId3" cstate="print"/>
-          <a:stretch>
-            <a:fillRect/>
-          </a:stretch>
-        </p:blipFill>
-        <p:spPr>
-          <a:xfrm>
-            <a:off x="2062813" y="8439489"/>
-            <a:ext cx="1350750" cy="1811459"/>
-          </a:xfrm>
-          <a:prstGeom prst="rect">
-            <a:avLst/>
-          </a:prstGeom>
-        </p:spPr>
-      </p:pic>
-      <p:pic>
-        <p:nvPicPr>
-          <p:cNvPr id="5" name="object 5"/>
-          <p:cNvPicPr/>
-          <p:nvPr/>
-        </p:nvPicPr>
-        <p:blipFill>
-          <a:blip r:embed="rId3" cstate="print"/>
-          <a:stretch>
-            <a:fillRect/>
-          </a:stretch>
-        </p:blipFill>
-        <p:spPr>
-          <a:xfrm>
-            <a:off x="3560148" y="8439489"/>
-            <a:ext cx="1350750" cy="1811459"/>
-          </a:xfrm>
-          <a:prstGeom prst="rect">
-            <a:avLst/>
-          </a:prstGeom>
-        </p:spPr>
-      </p:pic>
-      <p:pic>
-        <p:nvPicPr>
-          <p:cNvPr id="6" name="object 6"/>
-          <p:cNvPicPr/>
-          <p:nvPr/>
-        </p:nvPicPr>
-        <p:blipFill>
-          <a:blip r:embed="rId3" cstate="print"/>
-          <a:stretch>
-            <a:fillRect/>
-          </a:stretch>
-        </p:blipFill>
-        <p:spPr>
-          <a:xfrm>
-            <a:off x="5057481" y="8439489"/>
-            <a:ext cx="1350752" cy="1811459"/>
-          </a:xfrm>
-          <a:prstGeom prst="rect">
-            <a:avLst/>
-          </a:prstGeom>
-        </p:spPr>
-      </p:pic>
-      <p:pic>
-        <p:nvPicPr>
-          <p:cNvPr id="7" name="object 7"/>
-          <p:cNvPicPr/>
-          <p:nvPr/>
-        </p:nvPicPr>
-        <p:blipFill>
-          <a:blip r:embed="rId3" cstate="print"/>
-          <a:stretch>
-            <a:fillRect/>
-          </a:stretch>
-        </p:blipFill>
-        <p:spPr>
-          <a:xfrm>
-            <a:off x="6554816" y="8439489"/>
-            <a:ext cx="1350752" cy="1811459"/>
-          </a:xfrm>
-          <a:prstGeom prst="rect">
-            <a:avLst/>
-          </a:prstGeom>
-        </p:spPr>
-      </p:pic>
-      <p:pic>
-        <p:nvPicPr>
-          <p:cNvPr id="8" name="object 8"/>
-          <p:cNvPicPr/>
-          <p:nvPr/>
-        </p:nvPicPr>
-        <p:blipFill>
-          <a:blip r:embed="rId3" cstate="print"/>
-          <a:stretch>
-            <a:fillRect/>
-          </a:stretch>
-        </p:blipFill>
-        <p:spPr>
-          <a:xfrm>
-            <a:off x="8052152" y="8439489"/>
-            <a:ext cx="1350750" cy="1811459"/>
-          </a:xfrm>
-          <a:prstGeom prst="rect">
-            <a:avLst/>
-          </a:prstGeom>
-        </p:spPr>
-      </p:pic>
-      <p:sp>
-        <p:nvSpPr>
-          <p:cNvPr id="9" name="object 9"/>
-          <p:cNvSpPr txBox="1"/>
-          <p:nvPr/>
-        </p:nvSpPr>
-        <p:spPr>
-          <a:xfrm>
-            <a:off x="1983343" y="10570298"/>
-            <a:ext cx="5995035" cy="314960"/>
-          </a:xfrm>
-          <a:prstGeom prst="rect">
-            <a:avLst/>
-          </a:prstGeom>
-        </p:spPr>
-        <p:txBody>
-          <a:bodyPr vert="horz" wrap="square" lIns="0" tIns="12065" rIns="0" bIns="0" rtlCol="0">
-            <a:spAutoFit/>
-          </a:bodyPr>
-          <a:lstStyle/>
-          <a:p>
-            <a:pPr marL="12700">
-              <a:lnSpc>
-                <a:spcPct val="100000"/>
-              </a:lnSpc>
-              <a:spcBef>
-                <a:spcPts val="95"/>
-              </a:spcBef>
-            </a:pPr>
-            <a:r>
-              <a:rPr sz="1900" spc="-5" dirty="0">
-                <a:latin typeface="Diagramm"/>
-                <a:cs typeface="Diagramm"/>
-              </a:rPr>
-              <a:t>COURTINE</a:t>
-            </a:r>
-            <a:r>
-              <a:rPr sz="1900" spc="-10" dirty="0">
-                <a:latin typeface="Diagramm"/>
-                <a:cs typeface="Diagramm"/>
-              </a:rPr>
-              <a:t> </a:t>
-            </a:r>
-            <a:r>
-              <a:rPr sz="1900" spc="-5" dirty="0">
-                <a:latin typeface="Diagramm"/>
-                <a:cs typeface="Diagramm"/>
-              </a:rPr>
-              <a:t>ET AL. </a:t>
-            </a:r>
-            <a:r>
-              <a:rPr sz="1900" dirty="0">
-                <a:latin typeface="Diagramm"/>
-                <a:cs typeface="Diagramm"/>
-              </a:rPr>
-              <a:t>¦</a:t>
-            </a:r>
-            <a:r>
-              <a:rPr sz="1900" spc="-10" dirty="0">
-                <a:latin typeface="Diagramm"/>
-                <a:cs typeface="Diagramm"/>
-              </a:rPr>
-              <a:t> </a:t>
-            </a:r>
-            <a:r>
-              <a:rPr sz="1900" spc="-30" dirty="0">
-                <a:latin typeface="Diagramm"/>
-                <a:cs typeface="Diagramm"/>
-              </a:rPr>
-              <a:t>NATURE</a:t>
-            </a:r>
-            <a:r>
-              <a:rPr sz="1900" spc="-5" dirty="0">
-                <a:latin typeface="Diagramm"/>
-                <a:cs typeface="Diagramm"/>
-              </a:rPr>
-              <a:t> NEUROSCIENCE </a:t>
-            </a:r>
-            <a:r>
-              <a:rPr sz="1900" dirty="0">
-                <a:latin typeface="Diagramm"/>
-                <a:cs typeface="Diagramm"/>
-              </a:rPr>
-              <a:t>¦</a:t>
-            </a:r>
-            <a:r>
-              <a:rPr sz="1900" spc="-10" dirty="0">
-                <a:latin typeface="Diagramm"/>
-                <a:cs typeface="Diagramm"/>
-              </a:rPr>
-              <a:t> </a:t>
-            </a:r>
-            <a:r>
-              <a:rPr sz="1900" spc="-5" dirty="0">
-                <a:latin typeface="Diagramm"/>
-                <a:cs typeface="Diagramm"/>
-              </a:rPr>
-              <a:t>2009</a:t>
-            </a:r>
-            <a:endParaRPr sz="1900" dirty="0">
-              <a:latin typeface="Diagramm"/>
-              <a:cs typeface="Diagramm"/>
-            </a:endParaRPr>
-          </a:p>
-        </p:txBody>
-      </p:sp>
-      <p:pic>
-        <p:nvPicPr>
-          <p:cNvPr id="10" name="object 10"/>
-          <p:cNvPicPr/>
-          <p:nvPr/>
-        </p:nvPicPr>
-        <p:blipFill>
-          <a:blip r:embed="rId4" cstate="print"/>
-          <a:stretch>
-            <a:fillRect/>
-          </a:stretch>
-        </p:blipFill>
-        <p:spPr>
-          <a:xfrm>
-            <a:off x="10093918" y="3"/>
-            <a:ext cx="10010181" cy="11308549"/>
-          </a:xfrm>
-          <a:prstGeom prst="rect">
-            <a:avLst/>
-          </a:prstGeom>
-        </p:spPr>
-      </p:pic>
-      <p:sp>
-        <p:nvSpPr>
-          <p:cNvPr id="11" name="object 11"/>
-          <p:cNvSpPr txBox="1"/>
-          <p:nvPr/>
-        </p:nvSpPr>
-        <p:spPr>
-          <a:xfrm>
-            <a:off x="12194899" y="4920431"/>
-            <a:ext cx="5748020" cy="1030605"/>
-          </a:xfrm>
-          <a:prstGeom prst="rect">
-            <a:avLst/>
-          </a:prstGeom>
-        </p:spPr>
-        <p:txBody>
-          <a:bodyPr vert="horz" wrap="square" lIns="0" tIns="12065" rIns="0" bIns="0" rtlCol="0">
-            <a:spAutoFit/>
-          </a:bodyPr>
-          <a:lstStyle/>
-          <a:p>
-            <a:pPr marL="12700">
-              <a:lnSpc>
-                <a:spcPct val="100000"/>
-              </a:lnSpc>
-              <a:spcBef>
-                <a:spcPts val="95"/>
-              </a:spcBef>
-            </a:pPr>
-            <a:r>
-              <a:rPr sz="6600" b="1" spc="-110" dirty="0">
-                <a:solidFill>
-                  <a:schemeClr val="bg1"/>
-                </a:solidFill>
-                <a:latin typeface="Diagramm Bold"/>
-                <a:cs typeface="Diagramm Bold"/>
-              </a:rPr>
-              <a:t>VIDE</a:t>
-            </a:r>
-            <a:r>
-              <a:rPr sz="6600" b="1" spc="-480" dirty="0">
-                <a:solidFill>
-                  <a:schemeClr val="bg1"/>
-                </a:solidFill>
-                <a:latin typeface="Diagramm Bold"/>
-                <a:cs typeface="Diagramm Bold"/>
-              </a:rPr>
-              <a:t>O</a:t>
-            </a:r>
-            <a:r>
-              <a:rPr sz="6600" b="1" spc="25" dirty="0">
-                <a:solidFill>
-                  <a:schemeClr val="bg1"/>
-                </a:solidFill>
-                <a:latin typeface="Diagramm Bold"/>
-                <a:cs typeface="Diagramm Bold"/>
-              </a:rPr>
-              <a:t>/</a:t>
-            </a:r>
-            <a:r>
-              <a:rPr sz="6600" b="1" spc="-135" dirty="0">
-                <a:solidFill>
-                  <a:schemeClr val="bg1"/>
-                </a:solidFill>
-                <a:latin typeface="Diagramm Bold"/>
-                <a:cs typeface="Diagramm Bold"/>
-              </a:rPr>
-              <a:t>IM</a:t>
-            </a:r>
-            <a:r>
-              <a:rPr sz="6600" b="1" spc="-409" dirty="0">
-                <a:solidFill>
-                  <a:schemeClr val="bg1"/>
-                </a:solidFill>
-                <a:latin typeface="Diagramm Bold"/>
-                <a:cs typeface="Diagramm Bold"/>
-              </a:rPr>
-              <a:t>A</a:t>
-            </a:r>
-            <a:r>
-              <a:rPr sz="6600" b="1" spc="-220" dirty="0">
-                <a:solidFill>
-                  <a:schemeClr val="bg1"/>
-                </a:solidFill>
-                <a:latin typeface="Diagramm Bold"/>
-                <a:cs typeface="Diagramm Bold"/>
-              </a:rPr>
-              <a:t>G</a:t>
-            </a:r>
-            <a:r>
-              <a:rPr sz="6600" b="1" spc="-430" dirty="0">
-                <a:solidFill>
-                  <a:schemeClr val="bg1"/>
-                </a:solidFill>
-                <a:latin typeface="Diagramm Bold"/>
-                <a:cs typeface="Diagramm Bold"/>
-              </a:rPr>
-              <a:t>E</a:t>
-            </a:r>
-            <a:endParaRPr sz="6600" dirty="0">
-              <a:solidFill>
-                <a:schemeClr val="bg1"/>
-              </a:solidFill>
-              <a:latin typeface="Diagramm Bold"/>
-              <a:cs typeface="Diagramm Bold"/>
-            </a:endParaRPr>
-          </a:p>
-        </p:txBody>
-      </p:sp>
-      <p:sp>
-        <p:nvSpPr>
-          <p:cNvPr id="12" name="object 12"/>
-          <p:cNvSpPr txBox="1"/>
-          <p:nvPr/>
-        </p:nvSpPr>
-        <p:spPr>
-          <a:xfrm>
-            <a:off x="14017993" y="5820886"/>
-            <a:ext cx="2101850" cy="402590"/>
-          </a:xfrm>
-          <a:prstGeom prst="rect">
-            <a:avLst/>
-          </a:prstGeom>
-        </p:spPr>
-        <p:txBody>
-          <a:bodyPr vert="horz" wrap="square" lIns="0" tIns="15240" rIns="0" bIns="0" rtlCol="0">
-            <a:spAutoFit/>
-          </a:bodyPr>
-          <a:lstStyle/>
-          <a:p>
-            <a:pPr marL="12700">
-              <a:lnSpc>
-                <a:spcPct val="100000"/>
-              </a:lnSpc>
-              <a:spcBef>
-                <a:spcPts val="120"/>
-              </a:spcBef>
-            </a:pPr>
-            <a:r>
-              <a:rPr sz="2450" b="1" spc="-70" dirty="0">
-                <a:solidFill>
-                  <a:schemeClr val="bg1"/>
-                </a:solidFill>
-                <a:latin typeface="Diagramm Bold"/>
-                <a:cs typeface="Diagramm Bold"/>
-              </a:rPr>
-              <a:t>(NO</a:t>
-            </a:r>
-            <a:r>
-              <a:rPr sz="2450" b="1" spc="114" dirty="0">
-                <a:solidFill>
-                  <a:schemeClr val="bg1"/>
-                </a:solidFill>
-                <a:latin typeface="Diagramm Bold"/>
-                <a:cs typeface="Diagramm Bold"/>
-              </a:rPr>
-              <a:t> </a:t>
-            </a:r>
-            <a:r>
-              <a:rPr sz="2450" b="1" spc="-55" dirty="0">
-                <a:solidFill>
-                  <a:schemeClr val="bg1"/>
-                </a:solidFill>
-                <a:latin typeface="Diagramm Bold"/>
-                <a:cs typeface="Diagramm Bold"/>
-              </a:rPr>
-              <a:t>BORDER)</a:t>
-            </a:r>
-            <a:endParaRPr sz="2450" dirty="0">
-              <a:solidFill>
-                <a:schemeClr val="bg1"/>
-              </a:solidFill>
-              <a:latin typeface="Diagramm Bold"/>
-              <a:cs typeface="Diagramm Bold"/>
-            </a:endParaRPr>
-          </a:p>
-        </p:txBody>
-      </p:sp>
-      <p:sp>
-        <p:nvSpPr>
-          <p:cNvPr id="13" name="object 13"/>
+      <p:sp>
+        <p:nvSpPr>
+          <p:cNvPr id="7" name="object 4">
+            <a:extLst>
+              <a:ext uri="{FF2B5EF4-FFF2-40B4-BE49-F238E27FC236}">
+                <a16:creationId xmlns:a16="http://schemas.microsoft.com/office/drawing/2014/main" id="{499D3297-56CD-5700-363A-7B6A4F0CB2D9}"/>
+              </a:ext>
+            </a:extLst>
+          </p:cNvPr>
           <p:cNvSpPr txBox="1">
             <a:spLocks noGrp="1"/>
           </p:cNvSpPr>
@@ -3057,6 +2378,10 @@
           </p:nvPr>
         </p:nvSpPr>
         <p:spPr>
+          <a:xfrm>
+            <a:off x="492946" y="382194"/>
+            <a:ext cx="19118207" cy="1031240"/>
+          </a:xfrm>
           <a:prstGeom prst="rect">
             <a:avLst/>
           </a:prstGeom>
@@ -3076,32 +2401,17 @@
               </a:spcBef>
             </a:pPr>
             <a:r>
-              <a:rPr lang="en-US" kern="0" spc="-5" dirty="0">
-                <a:solidFill>
-                  <a:schemeClr val="bg1"/>
-                </a:solidFill>
-              </a:rPr>
+              <a:rPr lang="en-US" kern="0" spc="-5" dirty="0"/>
               <a:t>Weighted Least Squares Estimation </a:t>
             </a:r>
             <a:br>
-              <a:rPr lang="en-US" kern="0" spc="-5" dirty="0">
-                <a:solidFill>
-                  <a:schemeClr val="bg1"/>
-                </a:solidFill>
-              </a:rPr>
+              <a:rPr lang="en-US" kern="0" spc="-5" dirty="0"/>
             </a:br>
             <a:r>
-              <a:rPr lang="en-US" b="0" kern="0" spc="-5" dirty="0">
-                <a:solidFill>
-                  <a:schemeClr val="bg1"/>
-                </a:solidFill>
-              </a:rPr>
+              <a:rPr lang="en-US" b="0" kern="0" spc="-5" dirty="0"/>
               <a:t>3D Body Part Trajectories</a:t>
             </a:r>
             <a:endParaRPr lang="en-US" b="0" kern="0" spc="-10" dirty="0">
-              <a:solidFill>
-                <a:schemeClr val="bg1"/>
-              </a:solidFill>
               <a:latin typeface="Diagramm Light"/>
               <a:cs typeface="Diagramm Light"/>
             </a:endParaRPr>
@@ -3110,14 +2420,22 @@
       </p:sp>
       <p:sp>
         <p:nvSpPr>
-          <p:cNvPr id="14" name="object 14"/>
-          <p:cNvSpPr txBox="1"/>
-          <p:nvPr/>
-        </p:nvSpPr>
-        <p:spPr>
-          <a:xfrm>
-            <a:off x="507192" y="1659609"/>
-            <a:ext cx="1029969" cy="402590"/>
+          <p:cNvPr id="6" name="object 3">
+            <a:extLst>
+              <a:ext uri="{FF2B5EF4-FFF2-40B4-BE49-F238E27FC236}">
+                <a16:creationId xmlns:a16="http://schemas.microsoft.com/office/drawing/2014/main" id="{C6EC7CD5-1E52-90BB-D73D-AA9110297B4A}"/>
+              </a:ext>
+            </a:extLst>
+          </p:cNvPr>
+          <p:cNvSpPr txBox="1">
+            <a:spLocks noGrp="1" noRot="1" noMove="1" noResize="1" noEditPoints="1" noAdjustHandles="1" noChangeArrowheads="1" noChangeShapeType="1"/>
+          </p:cNvSpPr>
+          <p:nvPr/>
+        </p:nvSpPr>
+        <p:spPr>
+          <a:xfrm>
+            <a:off x="492946" y="382194"/>
+            <a:ext cx="11506200" cy="630942"/>
           </a:xfrm>
           <a:prstGeom prst="rect">
             <a:avLst/>
@@ -3138,34 +2456,111 @@
               </a:spcBef>
             </a:pPr>
             <a:r>
-              <a:rPr sz="2450" spc="15" dirty="0">
-                <a:latin typeface="Diagramm"/>
-                <a:cs typeface="Diagramm"/>
-              </a:rPr>
-              <a:t>T</a:t>
-            </a:r>
-            <a:r>
-              <a:rPr sz="2450" spc="20" dirty="0">
-                <a:latin typeface="Diagramm"/>
-                <a:cs typeface="Diagramm"/>
-              </a:rPr>
-              <a:t>E</a:t>
-            </a:r>
-            <a:r>
-              <a:rPr sz="2450" spc="15" dirty="0">
-                <a:latin typeface="Diagramm"/>
-                <a:cs typeface="Diagramm"/>
-              </a:rPr>
-              <a:t>XTE</a:t>
-            </a:r>
-            <a:endParaRPr sz="2450">
+              <a:rPr lang="en-US" sz="4000" b="1" spc="-254" dirty="0">
+                <a:latin typeface="Diagramm"/>
+                <a:cs typeface="Diagramm"/>
+              </a:rPr>
+              <a:t>TASK 1  —  2D Pose &amp; Keypoint Tracking, Mark Events </a:t>
+            </a:r>
+          </a:p>
+        </p:txBody>
+      </p:sp>
+      <p:sp>
+        <p:nvSpPr>
+          <p:cNvPr id="4" name="object 3">
+            <a:extLst>
+              <a:ext uri="{FF2B5EF4-FFF2-40B4-BE49-F238E27FC236}">
+                <a16:creationId xmlns:a16="http://schemas.microsoft.com/office/drawing/2014/main" id="{26028112-1D18-1F8C-4742-EA85EB41FB39}"/>
+              </a:ext>
+            </a:extLst>
+          </p:cNvPr>
+          <p:cNvSpPr txBox="1"/>
+          <p:nvPr/>
+        </p:nvSpPr>
+        <p:spPr>
+          <a:xfrm>
+            <a:off x="492946" y="2759075"/>
+            <a:ext cx="18931704" cy="4639732"/>
+          </a:xfrm>
+          <a:prstGeom prst="rect">
+            <a:avLst/>
+          </a:prstGeom>
+        </p:spPr>
+        <p:txBody>
+          <a:bodyPr vert="horz" wrap="square" lIns="0" tIns="15240" rIns="0" bIns="0" rtlCol="0">
+            <a:spAutoFit/>
+          </a:bodyPr>
+          <a:lstStyle/>
+          <a:p>
+            <a:pPr marL="12700">
+              <a:lnSpc>
+                <a:spcPct val="100000"/>
+              </a:lnSpc>
+              <a:spcBef>
+                <a:spcPts val="120"/>
+              </a:spcBef>
+            </a:pPr>
+            <a:r>
+              <a:rPr lang="en-US" sz="6000" b="1" spc="-254" dirty="0">
+                <a:latin typeface="Diagramm"/>
+                <a:cs typeface="Diagramm"/>
+              </a:rPr>
+              <a:t>DLC Model Retrain for Keypoint Analysis</a:t>
+            </a:r>
+          </a:p>
+          <a:p>
+            <a:pPr marL="12700">
+              <a:lnSpc>
+                <a:spcPct val="100000"/>
+              </a:lnSpc>
+              <a:spcBef>
+                <a:spcPts val="120"/>
+              </a:spcBef>
+            </a:pPr>
+            <a:endParaRPr lang="en-US" b="1" spc="-254" dirty="0">
               <a:latin typeface="Diagramm"/>
               <a:cs typeface="Diagramm"/>
             </a:endParaRPr>
           </a:p>
+          <a:p>
+            <a:pPr marL="12700">
+              <a:lnSpc>
+                <a:spcPct val="150000"/>
+              </a:lnSpc>
+              <a:spcBef>
+                <a:spcPts val="120"/>
+              </a:spcBef>
+            </a:pPr>
+            <a:r>
+              <a:rPr lang="en-US" sz="4000" spc="-254" dirty="0">
+                <a:latin typeface="Diagramm"/>
+                <a:cs typeface="Diagramm"/>
+              </a:rPr>
+              <a:t>Retraining the DLC model to track multiple fixed keypoints such as the vertices of the NHP enclosure enable the online updating of the 3D transformation used in triangulation of multiple 2D trajectories into a common 3D space referenced to said enclosure.</a:t>
+            </a:r>
+          </a:p>
+          <a:p>
+            <a:pPr marL="12700">
+              <a:lnSpc>
+                <a:spcPct val="100000"/>
+              </a:lnSpc>
+              <a:spcBef>
+                <a:spcPts val="120"/>
+              </a:spcBef>
+            </a:pPr>
+            <a:endParaRPr lang="en-US" sz="4000" b="1" spc="-254" dirty="0">
+              <a:latin typeface="Diagramm"/>
+              <a:cs typeface="Diagramm"/>
+            </a:endParaRPr>
+          </a:p>
         </p:txBody>
       </p:sp>
     </p:spTree>
+    <p:extLst>
+      <p:ext uri="{BB962C8B-B14F-4D97-AF65-F5344CB8AC3E}">
+        <p14:creationId xmlns:p14="http://schemas.microsoft.com/office/powerpoint/2010/main" val="3280887956"/>
+      </p:ext>
+    </p:extLst>
   </p:cSld>
   <p:clrMapOvr>
     <a:masterClrMapping/>
@@ -3174,7 +2569,7 @@
 </file>
 
 <file path=ppt/slides/slide14.xml><?xml version="1.0" encoding="utf-8"?>
-<p:sld xmlns:a="http://schemas.openxmlformats.org/drawingml/2006/main" xmlns:r="http://schemas.openxmlformats.org/officeDocument/2006/relationships" xmlns:p="http://schemas.openxmlformats.org/presentationml/2006/main" showMasterSp="0">
+<p:sld xmlns:a="http://schemas.openxmlformats.org/drawingml/2006/main" xmlns:r="http://schemas.openxmlformats.org/officeDocument/2006/relationships" xmlns:p="http://schemas.openxmlformats.org/presentationml/2006/main">
   <p:cSld>
     <p:spTree>
       <p:nvGrpSpPr>
@@ -3207,7 +2602,7 @@
         <p:spPr>
           <a:xfrm>
             <a:off x="0" y="0"/>
-            <a:ext cx="20104100" cy="11308556"/>
+            <a:ext cx="20104100" cy="11277143"/>
           </a:xfrm>
           <a:prstGeom prst="rect">
             <a:avLst/>
@@ -3216,14 +2611,24 @@
       </p:pic>
       <p:sp>
         <p:nvSpPr>
-          <p:cNvPr id="3" name="object 3"/>
-          <p:cNvSpPr txBox="1"/>
-          <p:nvPr/>
-        </p:nvSpPr>
-        <p:spPr>
-          <a:xfrm>
-            <a:off x="4215863" y="4920431"/>
-            <a:ext cx="11653520" cy="1030605"/>
+          <p:cNvPr id="7" name="object 4">
+            <a:extLst>
+              <a:ext uri="{FF2B5EF4-FFF2-40B4-BE49-F238E27FC236}">
+                <a16:creationId xmlns:a16="http://schemas.microsoft.com/office/drawing/2014/main" id="{499D3297-56CD-5700-363A-7B6A4F0CB2D9}"/>
+              </a:ext>
+            </a:extLst>
+          </p:cNvPr>
+          <p:cNvSpPr txBox="1">
+            <a:spLocks noGrp="1"/>
+          </p:cNvSpPr>
+          <p:nvPr>
+            <p:ph type="title"/>
+          </p:nvPr>
+        </p:nvSpPr>
+        <p:spPr>
+          <a:xfrm>
+            <a:off x="492946" y="382194"/>
+            <a:ext cx="19118207" cy="1031240"/>
           </a:xfrm>
           <a:prstGeom prst="rect">
             <a:avLst/>
@@ -3235,119 +2640,175 @@
           </a:bodyPr>
           <a:lstStyle/>
           <a:p>
-            <a:pPr marL="12700">
-              <a:lnSpc>
-                <a:spcPct val="100000"/>
+            <a:pPr marL="12799060">
+              <a:lnSpc>
+                <a:spcPts val="3960"/>
               </a:lnSpc>
               <a:spcBef>
                 <a:spcPts val="95"/>
               </a:spcBef>
             </a:pPr>
             <a:r>
-              <a:rPr sz="6600" b="1" spc="-200" dirty="0">
-                <a:latin typeface="Diagramm Bold"/>
-                <a:cs typeface="Diagramm Bold"/>
-              </a:rPr>
-              <a:t>VIDEO/IMAGE</a:t>
-            </a:r>
-            <a:r>
-              <a:rPr sz="6600" b="1" spc="405" dirty="0">
-                <a:latin typeface="Diagramm Bold"/>
-                <a:cs typeface="Diagramm Bold"/>
-              </a:rPr>
-              <a:t> </a:t>
-            </a:r>
-            <a:r>
-              <a:rPr sz="6600" b="1" spc="-204" dirty="0">
-                <a:latin typeface="Diagramm Bold"/>
-                <a:cs typeface="Diagramm Bold"/>
-              </a:rPr>
-              <a:t>FULL</a:t>
-            </a:r>
-            <a:r>
-              <a:rPr sz="6600" b="1" spc="409" dirty="0">
-                <a:latin typeface="Diagramm Bold"/>
-                <a:cs typeface="Diagramm Bold"/>
-              </a:rPr>
-              <a:t> </a:t>
-            </a:r>
-            <a:r>
-              <a:rPr sz="6600" b="1" spc="-225" dirty="0">
-                <a:latin typeface="Diagramm Bold"/>
-                <a:cs typeface="Diagramm Bold"/>
-              </a:rPr>
-              <a:t>SCREEN</a:t>
-            </a:r>
-            <a:endParaRPr sz="6600" dirty="0">
-              <a:latin typeface="Diagramm Bold"/>
-              <a:cs typeface="Diagramm Bold"/>
+              <a:rPr lang="en-US" kern="0" spc="-5" dirty="0"/>
+              <a:t>Weighted Least Squares Estimation </a:t>
+            </a:r>
+            <a:br>
+              <a:rPr lang="en-US" kern="0" spc="-5" dirty="0"/>
+            </a:br>
+            <a:r>
+              <a:rPr lang="en-US" b="0" kern="0" spc="-5" dirty="0"/>
+              <a:t>3D Body Part Trajectories</a:t>
+            </a:r>
+            <a:endParaRPr lang="en-US" b="0" kern="0" spc="-10" dirty="0">
+              <a:latin typeface="Diagramm Light"/>
+              <a:cs typeface="Diagramm Light"/>
             </a:endParaRPr>
           </a:p>
         </p:txBody>
       </p:sp>
       <p:sp>
         <p:nvSpPr>
-          <p:cNvPr id="4" name="object 4"/>
+          <p:cNvPr id="6" name="object 3">
+            <a:extLst>
+              <a:ext uri="{FF2B5EF4-FFF2-40B4-BE49-F238E27FC236}">
+                <a16:creationId xmlns:a16="http://schemas.microsoft.com/office/drawing/2014/main" id="{C6EC7CD5-1E52-90BB-D73D-AA9110297B4A}"/>
+              </a:ext>
+            </a:extLst>
+          </p:cNvPr>
           <p:cNvSpPr txBox="1">
-            <a:spLocks noGrp="1"/>
+            <a:spLocks noGrp="1" noRot="1" noMove="1" noResize="1" noEditPoints="1" noAdjustHandles="1" noChangeArrowheads="1" noChangeShapeType="1"/>
           </p:cNvSpPr>
-          <p:nvPr>
-            <p:ph type="ctrTitle"/>
-          </p:nvPr>
-        </p:nvSpPr>
-        <p:spPr>
-          <a:prstGeom prst="rect">
-            <a:avLst/>
-          </a:prstGeom>
-        </p:spPr>
-        <p:txBody>
-          <a:bodyPr vert="horz" wrap="square" lIns="0" tIns="12065" rIns="0" bIns="0" rtlCol="0">
+          <p:nvPr/>
+        </p:nvSpPr>
+        <p:spPr>
+          <a:xfrm>
+            <a:off x="492946" y="382194"/>
+            <a:ext cx="11506200" cy="630942"/>
+          </a:xfrm>
+          <a:prstGeom prst="rect">
+            <a:avLst/>
+          </a:prstGeom>
+        </p:spPr>
+        <p:txBody>
+          <a:bodyPr vert="horz" wrap="square" lIns="0" tIns="15240" rIns="0" bIns="0" rtlCol="0">
             <a:spAutoFit/>
           </a:bodyPr>
           <a:lstStyle/>
           <a:p>
-            <a:pPr marL="12799060">
-              <a:lnSpc>
-                <a:spcPts val="3960"/>
-              </a:lnSpc>
-              <a:spcBef>
-                <a:spcPts val="95"/>
-              </a:spcBef>
-            </a:pPr>
-            <a:r>
-              <a:rPr lang="en-US" kern="0" spc="-5" dirty="0">
-                <a:solidFill>
-                  <a:schemeClr val="bg1"/>
-                </a:solidFill>
-              </a:rPr>
-              <a:t>Weighted Least Squares Estimation </a:t>
-            </a:r>
-            <a:br>
-              <a:rPr lang="en-US" kern="0" spc="-5" dirty="0">
-                <a:solidFill>
-                  <a:schemeClr val="bg1"/>
-                </a:solidFill>
-              </a:rPr>
-            </a:br>
-            <a:r>
-              <a:rPr lang="en-US" b="0" kern="0" spc="-5" dirty="0">
-                <a:solidFill>
-                  <a:schemeClr val="bg1"/>
-                </a:solidFill>
-              </a:rPr>
-              <a:t>3D Body Part Trajectories</a:t>
-            </a:r>
-            <a:endParaRPr lang="en-US" b="0" kern="0" spc="-10" dirty="0">
-              <a:solidFill>
-                <a:schemeClr val="bg1"/>
-              </a:solidFill>
-              <a:latin typeface="Diagramm Light"/>
-              <a:cs typeface="Diagramm Light"/>
+            <a:pPr marL="12700">
+              <a:lnSpc>
+                <a:spcPct val="100000"/>
+              </a:lnSpc>
+              <a:spcBef>
+                <a:spcPts val="120"/>
+              </a:spcBef>
+            </a:pPr>
+            <a:r>
+              <a:rPr lang="en-US" sz="4000" b="1" spc="-254" dirty="0">
+                <a:latin typeface="Diagramm"/>
+                <a:cs typeface="Diagramm"/>
+              </a:rPr>
+              <a:t>TASK 1  —  2D Pose &amp; Keypoint Tracking, Mark Events </a:t>
+            </a:r>
+          </a:p>
+        </p:txBody>
+      </p:sp>
+      <p:sp>
+        <p:nvSpPr>
+          <p:cNvPr id="4" name="object 3">
+            <a:extLst>
+              <a:ext uri="{FF2B5EF4-FFF2-40B4-BE49-F238E27FC236}">
+                <a16:creationId xmlns:a16="http://schemas.microsoft.com/office/drawing/2014/main" id="{7B562289-A7F0-9161-9F8D-C71C5F8D5DFC}"/>
+              </a:ext>
+            </a:extLst>
+          </p:cNvPr>
+          <p:cNvSpPr txBox="1"/>
+          <p:nvPr/>
+        </p:nvSpPr>
+        <p:spPr>
+          <a:xfrm>
+            <a:off x="492946" y="2759075"/>
+            <a:ext cx="18931704" cy="7409721"/>
+          </a:xfrm>
+          <a:prstGeom prst="rect">
+            <a:avLst/>
+          </a:prstGeom>
+        </p:spPr>
+        <p:txBody>
+          <a:bodyPr vert="horz" wrap="square" lIns="0" tIns="15240" rIns="0" bIns="0" rtlCol="0">
+            <a:spAutoFit/>
+          </a:bodyPr>
+          <a:lstStyle/>
+          <a:p>
+            <a:pPr marL="12700">
+              <a:lnSpc>
+                <a:spcPct val="100000"/>
+              </a:lnSpc>
+              <a:spcBef>
+                <a:spcPts val="120"/>
+              </a:spcBef>
+            </a:pPr>
+            <a:r>
+              <a:rPr lang="en-US" sz="6000" b="1" spc="-254" dirty="0">
+                <a:latin typeface="Diagramm"/>
+                <a:cs typeface="Diagramm"/>
+              </a:rPr>
+              <a:t>Event Marking</a:t>
+            </a:r>
+          </a:p>
+          <a:p>
+            <a:pPr marL="12700">
+              <a:lnSpc>
+                <a:spcPct val="100000"/>
+              </a:lnSpc>
+              <a:spcBef>
+                <a:spcPts val="120"/>
+              </a:spcBef>
+            </a:pPr>
+            <a:endParaRPr lang="en-US" b="1" spc="-254" dirty="0">
+              <a:latin typeface="Diagramm"/>
+              <a:cs typeface="Diagramm"/>
             </a:endParaRPr>
           </a:p>
+          <a:p>
+            <a:pPr marL="12700">
+              <a:lnSpc>
+                <a:spcPct val="150000"/>
+              </a:lnSpc>
+              <a:spcBef>
+                <a:spcPts val="120"/>
+              </a:spcBef>
+            </a:pPr>
+            <a:r>
+              <a:rPr lang="en-US" sz="4000" spc="-254" dirty="0">
+                <a:latin typeface="Diagramm"/>
+                <a:cs typeface="Diagramm"/>
+              </a:rPr>
+              <a:t>Marking events in each session enables segmentation of Blackrock neural recordings by annotated timesteps, when taking the differing sample-rates and camera triggers into account. Active reaching phases are marked with 7 distinct phases — Reach start, Hand at object, (Hand to mouth start), (Hand to mouth end), Pull start, Pull end, Release end — with the addition of a Junk phase. Resting periods are inferred when no other phase is marked for a range of frames/samples.</a:t>
+            </a:r>
+          </a:p>
+          <a:p>
+            <a:pPr marL="12700">
+              <a:lnSpc>
+                <a:spcPct val="100000"/>
+              </a:lnSpc>
+              <a:spcBef>
+                <a:spcPts val="120"/>
+              </a:spcBef>
+            </a:pPr>
+            <a:endParaRPr lang="en-US" sz="4000" b="1" spc="-254" dirty="0">
+              <a:latin typeface="Diagramm"/>
+              <a:cs typeface="Diagramm"/>
+            </a:endParaRPr>
+          </a:p>
         </p:txBody>
       </p:sp>
     </p:spTree>
+    <p:extLst>
+      <p:ext uri="{BB962C8B-B14F-4D97-AF65-F5344CB8AC3E}">
+        <p14:creationId xmlns:p14="http://schemas.microsoft.com/office/powerpoint/2010/main" val="3848649470"/>
+      </p:ext>
+    </p:extLst>
   </p:cSld>
   <p:clrMapOvr>
     <a:masterClrMapping/>
@@ -3356,7 +2817,7 @@
 </file>
 
 <file path=ppt/slides/slide15.xml><?xml version="1.0" encoding="utf-8"?>
-<p:sld xmlns:a="http://schemas.openxmlformats.org/drawingml/2006/main" xmlns:r="http://schemas.openxmlformats.org/officeDocument/2006/relationships" xmlns:p="http://schemas.openxmlformats.org/presentationml/2006/main" showMasterSp="0">
+<p:sld xmlns:a="http://schemas.openxmlformats.org/drawingml/2006/main" xmlns:r="http://schemas.openxmlformats.org/officeDocument/2006/relationships" xmlns:p="http://schemas.openxmlformats.org/presentationml/2006/main">
   <p:cSld>
     <p:spTree>
       <p:nvGrpSpPr>
@@ -3389,423 +2850,22 @@
         <p:spPr>
           <a:xfrm>
             <a:off x="0" y="0"/>
-            <a:ext cx="20104100" cy="11308556"/>
+            <a:ext cx="20104100" cy="11277143"/>
           </a:xfrm>
           <a:prstGeom prst="rect">
             <a:avLst/>
           </a:prstGeom>
         </p:spPr>
       </p:pic>
-      <p:pic>
-        <p:nvPicPr>
-          <p:cNvPr id="3" name="object 3"/>
-          <p:cNvPicPr/>
-          <p:nvPr/>
-        </p:nvPicPr>
-        <p:blipFill>
-          <a:blip r:embed="rId3" cstate="print"/>
-          <a:stretch>
-            <a:fillRect/>
-          </a:stretch>
-        </p:blipFill>
-        <p:spPr>
-          <a:xfrm>
-            <a:off x="6753723" y="3"/>
-            <a:ext cx="13350376" cy="11308549"/>
-          </a:xfrm>
-          <a:prstGeom prst="rect">
-            <a:avLst/>
-          </a:prstGeom>
-        </p:spPr>
-      </p:pic>
-      <p:pic>
-        <p:nvPicPr>
-          <p:cNvPr id="4" name="object 4"/>
-          <p:cNvPicPr/>
-          <p:nvPr/>
-        </p:nvPicPr>
-        <p:blipFill>
-          <a:blip r:embed="rId4" cstate="print"/>
-          <a:stretch>
-            <a:fillRect/>
-          </a:stretch>
-        </p:blipFill>
-        <p:spPr>
-          <a:xfrm>
-            <a:off x="460779" y="8439489"/>
-            <a:ext cx="1350720" cy="1811459"/>
-          </a:xfrm>
-          <a:prstGeom prst="rect">
-            <a:avLst/>
-          </a:prstGeom>
-        </p:spPr>
-      </p:pic>
-      <p:pic>
-        <p:nvPicPr>
-          <p:cNvPr id="5" name="object 5"/>
-          <p:cNvPicPr/>
-          <p:nvPr/>
-        </p:nvPicPr>
-        <p:blipFill>
-          <a:blip r:embed="rId4" cstate="print"/>
-          <a:stretch>
-            <a:fillRect/>
-          </a:stretch>
-        </p:blipFill>
-        <p:spPr>
-          <a:xfrm>
-            <a:off x="1947636" y="8439489"/>
-            <a:ext cx="1350750" cy="1811459"/>
-          </a:xfrm>
-          <a:prstGeom prst="rect">
-            <a:avLst/>
-          </a:prstGeom>
-        </p:spPr>
-      </p:pic>
-      <p:pic>
-        <p:nvPicPr>
-          <p:cNvPr id="6" name="object 6"/>
-          <p:cNvPicPr/>
-          <p:nvPr/>
-        </p:nvPicPr>
-        <p:blipFill>
-          <a:blip r:embed="rId4" cstate="print"/>
-          <a:stretch>
-            <a:fillRect/>
-          </a:stretch>
-        </p:blipFill>
-        <p:spPr>
-          <a:xfrm>
-            <a:off x="3444970" y="8439489"/>
-            <a:ext cx="1350752" cy="1811459"/>
-          </a:xfrm>
-          <a:prstGeom prst="rect">
-            <a:avLst/>
-          </a:prstGeom>
-        </p:spPr>
-      </p:pic>
-      <p:pic>
-        <p:nvPicPr>
-          <p:cNvPr id="7" name="object 7"/>
-          <p:cNvPicPr/>
-          <p:nvPr/>
-        </p:nvPicPr>
-        <p:blipFill>
-          <a:blip r:embed="rId4" cstate="print"/>
-          <a:stretch>
-            <a:fillRect/>
-          </a:stretch>
-        </p:blipFill>
-        <p:spPr>
-          <a:xfrm>
-            <a:off x="4942305" y="8439489"/>
-            <a:ext cx="1350750" cy="1811459"/>
-          </a:xfrm>
-          <a:prstGeom prst="rect">
-            <a:avLst/>
-          </a:prstGeom>
-        </p:spPr>
-      </p:pic>
-      <p:sp>
-        <p:nvSpPr>
-          <p:cNvPr id="8" name="object 8"/>
-          <p:cNvSpPr txBox="1"/>
-          <p:nvPr/>
-        </p:nvSpPr>
-        <p:spPr>
-          <a:xfrm>
-            <a:off x="381541" y="10580816"/>
-            <a:ext cx="5995035" cy="314960"/>
-          </a:xfrm>
-          <a:prstGeom prst="rect">
-            <a:avLst/>
-          </a:prstGeom>
-        </p:spPr>
-        <p:txBody>
-          <a:bodyPr vert="horz" wrap="square" lIns="0" tIns="12065" rIns="0" bIns="0" rtlCol="0">
-            <a:spAutoFit/>
-          </a:bodyPr>
-          <a:lstStyle/>
-          <a:p>
-            <a:pPr marL="12700">
-              <a:lnSpc>
-                <a:spcPct val="100000"/>
-              </a:lnSpc>
-              <a:spcBef>
-                <a:spcPts val="95"/>
-              </a:spcBef>
-            </a:pPr>
-            <a:r>
-              <a:rPr sz="1900" spc="-5" dirty="0">
-                <a:solidFill>
-                  <a:schemeClr val="bg1"/>
-                </a:solidFill>
-                <a:latin typeface="Diagramm"/>
-                <a:cs typeface="Diagramm"/>
-              </a:rPr>
-              <a:t>COURTINE</a:t>
-            </a:r>
-            <a:r>
-              <a:rPr sz="1900" spc="-10" dirty="0">
-                <a:solidFill>
-                  <a:schemeClr val="bg1"/>
-                </a:solidFill>
-                <a:latin typeface="Diagramm"/>
-                <a:cs typeface="Diagramm"/>
-              </a:rPr>
-              <a:t> </a:t>
-            </a:r>
-            <a:r>
-              <a:rPr sz="1900" spc="-5" dirty="0">
-                <a:solidFill>
-                  <a:schemeClr val="bg1"/>
-                </a:solidFill>
-                <a:latin typeface="Diagramm"/>
-                <a:cs typeface="Diagramm"/>
-              </a:rPr>
-              <a:t>ET AL. </a:t>
-            </a:r>
-            <a:r>
-              <a:rPr sz="1900" dirty="0">
-                <a:solidFill>
-                  <a:schemeClr val="bg1"/>
-                </a:solidFill>
-                <a:latin typeface="Diagramm"/>
-                <a:cs typeface="Diagramm"/>
-              </a:rPr>
-              <a:t>¦</a:t>
-            </a:r>
-            <a:r>
-              <a:rPr sz="1900" spc="-10" dirty="0">
-                <a:solidFill>
-                  <a:schemeClr val="bg1"/>
-                </a:solidFill>
-                <a:latin typeface="Diagramm"/>
-                <a:cs typeface="Diagramm"/>
-              </a:rPr>
-              <a:t> </a:t>
-            </a:r>
-            <a:r>
-              <a:rPr sz="1900" spc="-30" dirty="0">
-                <a:solidFill>
-                  <a:schemeClr val="bg1"/>
-                </a:solidFill>
-                <a:latin typeface="Diagramm"/>
-                <a:cs typeface="Diagramm"/>
-              </a:rPr>
-              <a:t>NATURE</a:t>
-            </a:r>
-            <a:r>
-              <a:rPr sz="1900" spc="-5" dirty="0">
-                <a:solidFill>
-                  <a:schemeClr val="bg1"/>
-                </a:solidFill>
-                <a:latin typeface="Diagramm"/>
-                <a:cs typeface="Diagramm"/>
-              </a:rPr>
-              <a:t> NEUROSCIENCE </a:t>
-            </a:r>
-            <a:r>
-              <a:rPr sz="1900" dirty="0">
-                <a:solidFill>
-                  <a:schemeClr val="bg1"/>
-                </a:solidFill>
-                <a:latin typeface="Diagramm"/>
-                <a:cs typeface="Diagramm"/>
-              </a:rPr>
-              <a:t>¦</a:t>
-            </a:r>
-            <a:r>
-              <a:rPr sz="1900" spc="-10" dirty="0">
-                <a:solidFill>
-                  <a:schemeClr val="bg1"/>
-                </a:solidFill>
-                <a:latin typeface="Diagramm"/>
-                <a:cs typeface="Diagramm"/>
-              </a:rPr>
-              <a:t> </a:t>
-            </a:r>
-            <a:r>
-              <a:rPr sz="1900" spc="-5" dirty="0">
-                <a:solidFill>
-                  <a:schemeClr val="bg1"/>
-                </a:solidFill>
-                <a:latin typeface="Diagramm"/>
-                <a:cs typeface="Diagramm"/>
-              </a:rPr>
-              <a:t>2009</a:t>
-            </a:r>
-            <a:endParaRPr sz="1900" dirty="0">
-              <a:solidFill>
-                <a:schemeClr val="bg1"/>
-              </a:solidFill>
-              <a:latin typeface="Diagramm"/>
-              <a:cs typeface="Diagramm"/>
-            </a:endParaRPr>
-          </a:p>
-        </p:txBody>
-      </p:sp>
-      <p:sp>
-        <p:nvSpPr>
-          <p:cNvPr id="9" name="object 9"/>
-          <p:cNvSpPr txBox="1"/>
-          <p:nvPr/>
-        </p:nvSpPr>
-        <p:spPr>
-          <a:xfrm>
-            <a:off x="507192" y="1659609"/>
-            <a:ext cx="1029969" cy="402590"/>
-          </a:xfrm>
-          <a:prstGeom prst="rect">
-            <a:avLst/>
-          </a:prstGeom>
-        </p:spPr>
-        <p:txBody>
-          <a:bodyPr vert="horz" wrap="square" lIns="0" tIns="15240" rIns="0" bIns="0" rtlCol="0">
-            <a:spAutoFit/>
-          </a:bodyPr>
-          <a:lstStyle/>
-          <a:p>
-            <a:pPr marL="12700">
-              <a:lnSpc>
-                <a:spcPct val="100000"/>
-              </a:lnSpc>
-              <a:spcBef>
-                <a:spcPts val="120"/>
-              </a:spcBef>
-            </a:pPr>
-            <a:r>
-              <a:rPr sz="2450" spc="15" dirty="0">
-                <a:solidFill>
-                  <a:schemeClr val="bg1"/>
-                </a:solidFill>
-                <a:latin typeface="Diagramm"/>
-                <a:cs typeface="Diagramm"/>
-              </a:rPr>
-              <a:t>T</a:t>
-            </a:r>
-            <a:r>
-              <a:rPr sz="2450" spc="20" dirty="0">
-                <a:solidFill>
-                  <a:schemeClr val="bg1"/>
-                </a:solidFill>
-                <a:latin typeface="Diagramm"/>
-                <a:cs typeface="Diagramm"/>
-              </a:rPr>
-              <a:t>E</a:t>
-            </a:r>
-            <a:r>
-              <a:rPr sz="2450" spc="15" dirty="0">
-                <a:solidFill>
-                  <a:schemeClr val="bg1"/>
-                </a:solidFill>
-                <a:latin typeface="Diagramm"/>
-                <a:cs typeface="Diagramm"/>
-              </a:rPr>
-              <a:t>XTE</a:t>
-            </a:r>
-            <a:endParaRPr sz="2450" dirty="0">
-              <a:solidFill>
-                <a:schemeClr val="bg1"/>
-              </a:solidFill>
-              <a:latin typeface="Diagramm"/>
-              <a:cs typeface="Diagramm"/>
-            </a:endParaRPr>
-          </a:p>
-        </p:txBody>
-      </p:sp>
-      <p:sp>
-        <p:nvSpPr>
-          <p:cNvPr id="10" name="object 10"/>
-          <p:cNvSpPr txBox="1"/>
-          <p:nvPr/>
-        </p:nvSpPr>
-        <p:spPr>
-          <a:xfrm>
-            <a:off x="8072676" y="4920431"/>
-            <a:ext cx="10955655" cy="1030605"/>
-          </a:xfrm>
-          <a:prstGeom prst="rect">
-            <a:avLst/>
-          </a:prstGeom>
-        </p:spPr>
-        <p:txBody>
-          <a:bodyPr vert="horz" wrap="square" lIns="0" tIns="12065" rIns="0" bIns="0" rtlCol="0">
-            <a:spAutoFit/>
-          </a:bodyPr>
-          <a:lstStyle/>
-          <a:p>
-            <a:pPr marL="12700">
-              <a:lnSpc>
-                <a:spcPct val="100000"/>
-              </a:lnSpc>
-              <a:spcBef>
-                <a:spcPts val="95"/>
-              </a:spcBef>
-            </a:pPr>
-            <a:r>
-              <a:rPr sz="6600" b="1" spc="-200" dirty="0">
-                <a:solidFill>
-                  <a:schemeClr val="bg1"/>
-                </a:solidFill>
-                <a:latin typeface="Diagramm Bold"/>
-                <a:cs typeface="Diagramm Bold"/>
-              </a:rPr>
-              <a:t>VIDEO/IMAGE</a:t>
-            </a:r>
-            <a:r>
-              <a:rPr sz="6600" b="1" spc="409" dirty="0">
-                <a:solidFill>
-                  <a:schemeClr val="bg1"/>
-                </a:solidFill>
-                <a:latin typeface="Diagramm Bold"/>
-                <a:cs typeface="Diagramm Bold"/>
-              </a:rPr>
-              <a:t> </a:t>
-            </a:r>
-            <a:r>
-              <a:rPr sz="6600" b="1" spc="-195" dirty="0">
-                <a:solidFill>
-                  <a:schemeClr val="bg1"/>
-                </a:solidFill>
-                <a:latin typeface="Diagramm Bold"/>
-                <a:cs typeface="Diagramm Bold"/>
-              </a:rPr>
-              <a:t>2/3</a:t>
-            </a:r>
-            <a:r>
-              <a:rPr sz="6600" b="1" spc="409" dirty="0">
-                <a:solidFill>
-                  <a:schemeClr val="bg1"/>
-                </a:solidFill>
-                <a:latin typeface="Diagramm Bold"/>
-                <a:cs typeface="Diagramm Bold"/>
-              </a:rPr>
-              <a:t> </a:t>
-            </a:r>
-            <a:r>
-              <a:rPr sz="6600" b="1" spc="-225" dirty="0">
-                <a:solidFill>
-                  <a:schemeClr val="bg1"/>
-                </a:solidFill>
-                <a:latin typeface="Diagramm Bold"/>
-                <a:cs typeface="Diagramm Bold"/>
-              </a:rPr>
-              <a:t>SCREEN</a:t>
-            </a:r>
-            <a:endParaRPr sz="6600" dirty="0">
-              <a:solidFill>
-                <a:schemeClr val="bg1"/>
-              </a:solidFill>
-              <a:latin typeface="Diagramm Bold"/>
-              <a:cs typeface="Diagramm Bold"/>
-            </a:endParaRPr>
-          </a:p>
-        </p:txBody>
-      </p:sp>
-      <p:sp>
-        <p:nvSpPr>
-          <p:cNvPr id="11" name="object 11"/>
+      <p:sp>
+        <p:nvSpPr>
+          <p:cNvPr id="7" name="object 4">
+            <a:extLst>
+              <a:ext uri="{FF2B5EF4-FFF2-40B4-BE49-F238E27FC236}">
+                <a16:creationId xmlns:a16="http://schemas.microsoft.com/office/drawing/2014/main" id="{499D3297-56CD-5700-363A-7B6A4F0CB2D9}"/>
+              </a:ext>
+            </a:extLst>
+          </p:cNvPr>
           <p:cNvSpPr txBox="1">
             <a:spLocks noGrp="1"/>
           </p:cNvSpPr>
@@ -3815,7 +2875,7 @@
         </p:nvSpPr>
         <p:spPr>
           <a:xfrm>
-            <a:off x="478701" y="396875"/>
+            <a:off x="492946" y="382194"/>
             <a:ext cx="19118207" cy="1031240"/>
           </a:xfrm>
           <a:prstGeom prst="rect">
@@ -3837,39 +2897,446 @@
               </a:spcBef>
             </a:pPr>
             <a:r>
-              <a:rPr lang="en-US" kern="0" spc="-5" dirty="0">
-                <a:solidFill>
-                  <a:schemeClr val="bg1"/>
-                </a:solidFill>
-              </a:rPr>
+              <a:rPr lang="en-US" kern="0" spc="-5" dirty="0"/>
               <a:t>Weighted Least Squares Estimation </a:t>
             </a:r>
             <a:br>
-              <a:rPr lang="en-US" kern="0" spc="-5" dirty="0">
-                <a:solidFill>
-                  <a:schemeClr val="bg1"/>
-                </a:solidFill>
-              </a:rPr>
+              <a:rPr lang="en-US" kern="0" spc="-5" dirty="0"/>
             </a:br>
             <a:r>
-              <a:rPr lang="en-US" b="0" kern="0" spc="-5" dirty="0">
-                <a:solidFill>
-                  <a:schemeClr val="bg1"/>
-                </a:solidFill>
-              </a:rPr>
+              <a:rPr lang="en-US" b="0" kern="0" spc="-5" dirty="0"/>
               <a:t>3D Body Part Trajectories</a:t>
             </a:r>
             <a:endParaRPr lang="en-US" b="0" kern="0" spc="-10" dirty="0">
-              <a:solidFill>
-                <a:schemeClr val="bg1"/>
-              </a:solidFill>
               <a:latin typeface="Diagramm Light"/>
               <a:cs typeface="Diagramm Light"/>
             </a:endParaRPr>
           </a:p>
         </p:txBody>
       </p:sp>
+      <p:sp>
+        <p:nvSpPr>
+          <p:cNvPr id="6" name="object 3">
+            <a:extLst>
+              <a:ext uri="{FF2B5EF4-FFF2-40B4-BE49-F238E27FC236}">
+                <a16:creationId xmlns:a16="http://schemas.microsoft.com/office/drawing/2014/main" id="{C6EC7CD5-1E52-90BB-D73D-AA9110297B4A}"/>
+              </a:ext>
+            </a:extLst>
+          </p:cNvPr>
+          <p:cNvSpPr txBox="1">
+            <a:spLocks noGrp="1" noRot="1" noMove="1" noResize="1" noEditPoints="1" noAdjustHandles="1" noChangeArrowheads="1" noChangeShapeType="1"/>
+          </p:cNvSpPr>
+          <p:nvPr/>
+        </p:nvSpPr>
+        <p:spPr>
+          <a:xfrm>
+            <a:off x="492946" y="382194"/>
+            <a:ext cx="11506200" cy="630942"/>
+          </a:xfrm>
+          <a:prstGeom prst="rect">
+            <a:avLst/>
+          </a:prstGeom>
+        </p:spPr>
+        <p:txBody>
+          <a:bodyPr vert="horz" wrap="square" lIns="0" tIns="15240" rIns="0" bIns="0" rtlCol="0">
+            <a:spAutoFit/>
+          </a:bodyPr>
+          <a:lstStyle/>
+          <a:p>
+            <a:pPr marL="12700">
+              <a:lnSpc>
+                <a:spcPct val="100000"/>
+              </a:lnSpc>
+              <a:spcBef>
+                <a:spcPts val="120"/>
+              </a:spcBef>
+            </a:pPr>
+            <a:r>
+              <a:rPr lang="en-US" sz="4000" b="1" spc="-254" dirty="0">
+                <a:latin typeface="Diagramm"/>
+                <a:cs typeface="Diagramm"/>
+              </a:rPr>
+              <a:t>TASK 1  —  2D Pose &amp; Keypoint Tracking, Mark Events </a:t>
+            </a:r>
+          </a:p>
+        </p:txBody>
+      </p:sp>
+      <p:sp>
+        <p:nvSpPr>
+          <p:cNvPr id="4" name="object 3">
+            <a:extLst>
+              <a:ext uri="{FF2B5EF4-FFF2-40B4-BE49-F238E27FC236}">
+                <a16:creationId xmlns:a16="http://schemas.microsoft.com/office/drawing/2014/main" id="{7B562289-A7F0-9161-9F8D-C71C5F8D5DFC}"/>
+              </a:ext>
+            </a:extLst>
+          </p:cNvPr>
+          <p:cNvSpPr txBox="1"/>
+          <p:nvPr/>
+        </p:nvSpPr>
+        <p:spPr>
+          <a:xfrm>
+            <a:off x="492946" y="1013136"/>
+            <a:ext cx="5139504" cy="938719"/>
+          </a:xfrm>
+          <a:prstGeom prst="rect">
+            <a:avLst/>
+          </a:prstGeom>
+        </p:spPr>
+        <p:txBody>
+          <a:bodyPr vert="horz" wrap="square" lIns="0" tIns="15240" rIns="0" bIns="0" rtlCol="0">
+            <a:spAutoFit/>
+          </a:bodyPr>
+          <a:lstStyle/>
+          <a:p>
+            <a:pPr marL="12700">
+              <a:lnSpc>
+                <a:spcPct val="100000"/>
+              </a:lnSpc>
+              <a:spcBef>
+                <a:spcPts val="120"/>
+              </a:spcBef>
+            </a:pPr>
+            <a:r>
+              <a:rPr lang="en-US" sz="6000" b="1" spc="-254" dirty="0">
+                <a:latin typeface="Diagramm"/>
+                <a:cs typeface="Diagramm"/>
+              </a:rPr>
+              <a:t>Event Marking</a:t>
+            </a:r>
+          </a:p>
+        </p:txBody>
+      </p:sp>
+      <p:grpSp>
+        <p:nvGrpSpPr>
+          <p:cNvPr id="11" name="Group 10">
+            <a:extLst>
+              <a:ext uri="{FF2B5EF4-FFF2-40B4-BE49-F238E27FC236}">
+                <a16:creationId xmlns:a16="http://schemas.microsoft.com/office/drawing/2014/main" id="{504A0645-7581-A793-E9E8-6ECEB43C0F69}"/>
+              </a:ext>
+            </a:extLst>
+          </p:cNvPr>
+          <p:cNvGrpSpPr/>
+          <p:nvPr/>
+        </p:nvGrpSpPr>
+        <p:grpSpPr>
+          <a:xfrm>
+            <a:off x="492946" y="2731032"/>
+            <a:ext cx="5139504" cy="5815078"/>
+            <a:chOff x="575958" y="2582797"/>
+            <a:chExt cx="5139504" cy="5815078"/>
+          </a:xfrm>
+        </p:grpSpPr>
+        <p:pic>
+          <p:nvPicPr>
+            <p:cNvPr id="3" name="object 3">
+              <a:extLst>
+                <a:ext uri="{FF2B5EF4-FFF2-40B4-BE49-F238E27FC236}">
+                  <a16:creationId xmlns:a16="http://schemas.microsoft.com/office/drawing/2014/main" id="{179F6B2F-7F9A-13AB-D362-AAFDF98AC8DA}"/>
+                </a:ext>
+              </a:extLst>
+            </p:cNvPr>
+            <p:cNvPicPr/>
+            <p:nvPr/>
+          </p:nvPicPr>
+          <p:blipFill>
+            <a:blip r:embed="rId3" cstate="print"/>
+            <a:stretch>
+              <a:fillRect/>
+            </a:stretch>
+          </p:blipFill>
+          <p:spPr>
+            <a:xfrm>
+              <a:off x="575958" y="2582798"/>
+              <a:ext cx="5056492" cy="5815077"/>
+            </a:xfrm>
+            <a:prstGeom prst="rect">
+              <a:avLst/>
+            </a:prstGeom>
+          </p:spPr>
+        </p:pic>
+        <p:sp>
+          <p:nvSpPr>
+            <p:cNvPr id="5" name="object 3">
+              <a:extLst>
+                <a:ext uri="{FF2B5EF4-FFF2-40B4-BE49-F238E27FC236}">
+                  <a16:creationId xmlns:a16="http://schemas.microsoft.com/office/drawing/2014/main" id="{75051BBD-0478-75AD-5629-2B74D16A6D2F}"/>
+                </a:ext>
+              </a:extLst>
+            </p:cNvPr>
+            <p:cNvSpPr txBox="1"/>
+            <p:nvPr/>
+          </p:nvSpPr>
+          <p:spPr>
+            <a:xfrm>
+              <a:off x="575958" y="2582797"/>
+              <a:ext cx="5139504" cy="938719"/>
+            </a:xfrm>
+            <a:prstGeom prst="rect">
+              <a:avLst/>
+            </a:prstGeom>
+          </p:spPr>
+          <p:txBody>
+            <a:bodyPr vert="horz" wrap="square" lIns="0" tIns="15240" rIns="0" bIns="0" rtlCol="0">
+              <a:spAutoFit/>
+            </a:bodyPr>
+            <a:lstStyle/>
+            <a:p>
+              <a:pPr marL="12700">
+                <a:lnSpc>
+                  <a:spcPct val="100000"/>
+                </a:lnSpc>
+                <a:spcBef>
+                  <a:spcPts val="120"/>
+                </a:spcBef>
+              </a:pPr>
+              <a:r>
+                <a:rPr lang="en-US" sz="6000" b="1" spc="-254" dirty="0">
+                  <a:latin typeface="Diagramm"/>
+                  <a:cs typeface="Diagramm"/>
+                </a:rPr>
+                <a:t> Reencode AVI</a:t>
+              </a:r>
+            </a:p>
+          </p:txBody>
+        </p:sp>
+        <p:pic>
+          <p:nvPicPr>
+            <p:cNvPr id="10" name="Picture 9" descr="A screen shot of a computer program&#10;&#10;Description automatically generated">
+              <a:extLst>
+                <a:ext uri="{FF2B5EF4-FFF2-40B4-BE49-F238E27FC236}">
+                  <a16:creationId xmlns:a16="http://schemas.microsoft.com/office/drawing/2014/main" id="{D3B9F9D1-3FB0-45CC-FEB5-94D075612E24}"/>
+                </a:ext>
+              </a:extLst>
+            </p:cNvPr>
+            <p:cNvPicPr>
+              <a:picLocks noChangeAspect="1"/>
+            </p:cNvPicPr>
+            <p:nvPr/>
+          </p:nvPicPr>
+          <p:blipFill>
+            <a:blip r:embed="rId4">
+              <a:extLst>
+                <a:ext uri="{28A0092B-C50C-407E-A947-70E740481C1C}">
+                  <a14:useLocalDpi xmlns:a14="http://schemas.microsoft.com/office/drawing/2010/main" val="0"/>
+                </a:ext>
+              </a:extLst>
+            </a:blip>
+            <a:stretch>
+              <a:fillRect/>
+            </a:stretch>
+          </p:blipFill>
+          <p:spPr>
+            <a:xfrm>
+              <a:off x="833645" y="4152458"/>
+              <a:ext cx="4458105" cy="3922763"/>
+            </a:xfrm>
+            <a:prstGeom prst="rect">
+              <a:avLst/>
+            </a:prstGeom>
+          </p:spPr>
+        </p:pic>
+      </p:grpSp>
+      <p:grpSp>
+        <p:nvGrpSpPr>
+          <p:cNvPr id="12" name="Group 11">
+            <a:extLst>
+              <a:ext uri="{FF2B5EF4-FFF2-40B4-BE49-F238E27FC236}">
+                <a16:creationId xmlns:a16="http://schemas.microsoft.com/office/drawing/2014/main" id="{C881F918-AFD6-B732-A4A9-59BC4D81FCBE}"/>
+              </a:ext>
+            </a:extLst>
+          </p:cNvPr>
+          <p:cNvGrpSpPr/>
+          <p:nvPr/>
+        </p:nvGrpSpPr>
+        <p:grpSpPr>
+          <a:xfrm>
+            <a:off x="7482297" y="2716427"/>
+            <a:ext cx="5139504" cy="5815078"/>
+            <a:chOff x="575958" y="2582797"/>
+            <a:chExt cx="5139504" cy="5815078"/>
+          </a:xfrm>
+        </p:grpSpPr>
+        <p:pic>
+          <p:nvPicPr>
+            <p:cNvPr id="13" name="object 3">
+              <a:extLst>
+                <a:ext uri="{FF2B5EF4-FFF2-40B4-BE49-F238E27FC236}">
+                  <a16:creationId xmlns:a16="http://schemas.microsoft.com/office/drawing/2014/main" id="{D564DDAE-1D04-3413-F294-1A4FC797A388}"/>
+                </a:ext>
+              </a:extLst>
+            </p:cNvPr>
+            <p:cNvPicPr/>
+            <p:nvPr/>
+          </p:nvPicPr>
+          <p:blipFill>
+            <a:blip r:embed="rId3" cstate="print"/>
+            <a:stretch>
+              <a:fillRect/>
+            </a:stretch>
+          </p:blipFill>
+          <p:spPr>
+            <a:xfrm>
+              <a:off x="575958" y="2582798"/>
+              <a:ext cx="5056492" cy="5815077"/>
+            </a:xfrm>
+            <a:prstGeom prst="rect">
+              <a:avLst/>
+            </a:prstGeom>
+          </p:spPr>
+        </p:pic>
+        <p:sp>
+          <p:nvSpPr>
+            <p:cNvPr id="14" name="object 3">
+              <a:extLst>
+                <a:ext uri="{FF2B5EF4-FFF2-40B4-BE49-F238E27FC236}">
+                  <a16:creationId xmlns:a16="http://schemas.microsoft.com/office/drawing/2014/main" id="{E3CE0AAB-ADFF-973D-ED3C-7CF5FF04CBD4}"/>
+                </a:ext>
+              </a:extLst>
+            </p:cNvPr>
+            <p:cNvSpPr txBox="1"/>
+            <p:nvPr/>
+          </p:nvSpPr>
+          <p:spPr>
+            <a:xfrm>
+              <a:off x="575958" y="2582797"/>
+              <a:ext cx="5139504" cy="938719"/>
+            </a:xfrm>
+            <a:prstGeom prst="rect">
+              <a:avLst/>
+            </a:prstGeom>
+          </p:spPr>
+          <p:txBody>
+            <a:bodyPr vert="horz" wrap="square" lIns="0" tIns="15240" rIns="0" bIns="0" rtlCol="0">
+              <a:spAutoFit/>
+            </a:bodyPr>
+            <a:lstStyle/>
+            <a:p>
+              <a:pPr marL="12700">
+                <a:lnSpc>
+                  <a:spcPct val="100000"/>
+                </a:lnSpc>
+                <a:spcBef>
+                  <a:spcPts val="120"/>
+                </a:spcBef>
+              </a:pPr>
+              <a:r>
+                <a:rPr lang="en-US" sz="6000" b="1" spc="-254" dirty="0">
+                  <a:latin typeface="Diagramm"/>
+                  <a:cs typeface="Diagramm"/>
+                </a:rPr>
+                <a:t>  Mark Events</a:t>
+              </a:r>
+            </a:p>
+          </p:txBody>
+        </p:sp>
+      </p:grpSp>
+      <p:grpSp>
+        <p:nvGrpSpPr>
+          <p:cNvPr id="16" name="Group 15">
+            <a:extLst>
+              <a:ext uri="{FF2B5EF4-FFF2-40B4-BE49-F238E27FC236}">
+                <a16:creationId xmlns:a16="http://schemas.microsoft.com/office/drawing/2014/main" id="{EB260F76-B77D-84CA-DB75-1A974570FBDC}"/>
+              </a:ext>
+            </a:extLst>
+          </p:cNvPr>
+          <p:cNvGrpSpPr/>
+          <p:nvPr/>
+        </p:nvGrpSpPr>
+        <p:grpSpPr>
+          <a:xfrm>
+            <a:off x="14471649" y="2731032"/>
+            <a:ext cx="5139504" cy="5815078"/>
+            <a:chOff x="575958" y="2582797"/>
+            <a:chExt cx="5139504" cy="5815078"/>
+          </a:xfrm>
+        </p:grpSpPr>
+        <p:pic>
+          <p:nvPicPr>
+            <p:cNvPr id="17" name="object 3">
+              <a:extLst>
+                <a:ext uri="{FF2B5EF4-FFF2-40B4-BE49-F238E27FC236}">
+                  <a16:creationId xmlns:a16="http://schemas.microsoft.com/office/drawing/2014/main" id="{EE96BD1E-35A8-4D1A-B980-5792A6110BD6}"/>
+                </a:ext>
+              </a:extLst>
+            </p:cNvPr>
+            <p:cNvPicPr/>
+            <p:nvPr/>
+          </p:nvPicPr>
+          <p:blipFill>
+            <a:blip r:embed="rId3" cstate="print"/>
+            <a:stretch>
+              <a:fillRect/>
+            </a:stretch>
+          </p:blipFill>
+          <p:spPr>
+            <a:xfrm>
+              <a:off x="575958" y="2582798"/>
+              <a:ext cx="5056492" cy="5815077"/>
+            </a:xfrm>
+            <a:prstGeom prst="rect">
+              <a:avLst/>
+            </a:prstGeom>
+          </p:spPr>
+        </p:pic>
+        <p:sp>
+          <p:nvSpPr>
+            <p:cNvPr id="18" name="object 3">
+              <a:extLst>
+                <a:ext uri="{FF2B5EF4-FFF2-40B4-BE49-F238E27FC236}">
+                  <a16:creationId xmlns:a16="http://schemas.microsoft.com/office/drawing/2014/main" id="{12BFD9B8-CB25-D09E-C07F-92862C4B6283}"/>
+                </a:ext>
+              </a:extLst>
+            </p:cNvPr>
+            <p:cNvSpPr txBox="1"/>
+            <p:nvPr/>
+          </p:nvSpPr>
+          <p:spPr>
+            <a:xfrm>
+              <a:off x="575958" y="2582797"/>
+              <a:ext cx="5139504" cy="938719"/>
+            </a:xfrm>
+            <a:prstGeom prst="rect">
+              <a:avLst/>
+            </a:prstGeom>
+          </p:spPr>
+          <p:txBody>
+            <a:bodyPr vert="horz" wrap="square" lIns="0" tIns="15240" rIns="0" bIns="0" rtlCol="0">
+              <a:spAutoFit/>
+            </a:bodyPr>
+            <a:lstStyle/>
+            <a:p>
+              <a:pPr marL="12700">
+                <a:lnSpc>
+                  <a:spcPct val="100000"/>
+                </a:lnSpc>
+                <a:spcBef>
+                  <a:spcPts val="120"/>
+                </a:spcBef>
+              </a:pPr>
+              <a:r>
+                <a:rPr lang="en-US" sz="1200" b="1" spc="-254" dirty="0">
+                  <a:latin typeface="Diagramm"/>
+                  <a:cs typeface="Diagramm"/>
+                </a:rPr>
+                <a:t>                      </a:t>
+              </a:r>
+              <a:r>
+                <a:rPr lang="en-US" sz="6000" b="1" spc="-254" dirty="0">
+                  <a:latin typeface="Diagramm"/>
+                  <a:cs typeface="Diagramm"/>
+                </a:rPr>
+                <a:t>Bundle Output</a:t>
+              </a:r>
+            </a:p>
+          </p:txBody>
+        </p:sp>
+      </p:grpSp>
     </p:spTree>
+    <p:extLst>
+      <p:ext uri="{BB962C8B-B14F-4D97-AF65-F5344CB8AC3E}">
+        <p14:creationId xmlns:p14="http://schemas.microsoft.com/office/powerpoint/2010/main" val="72930714"/>
+      </p:ext>
+    </p:extLst>
   </p:cSld>
   <p:clrMapOvr>
     <a:masterClrMapping/>
@@ -3878,7 +3345,7 @@
 </file>
 
 <file path=ppt/slides/slide16.xml><?xml version="1.0" encoding="utf-8"?>
-<p:sld xmlns:a="http://schemas.openxmlformats.org/drawingml/2006/main" xmlns:r="http://schemas.openxmlformats.org/officeDocument/2006/relationships" xmlns:p="http://schemas.openxmlformats.org/presentationml/2006/main" showMasterSp="0">
+<p:sld xmlns:a="http://schemas.openxmlformats.org/drawingml/2006/main" xmlns:r="http://schemas.openxmlformats.org/officeDocument/2006/relationships" xmlns:p="http://schemas.openxmlformats.org/presentationml/2006/main">
   <p:cSld>
     <p:spTree>
       <p:nvGrpSpPr>
@@ -3918,148 +3385,18 @@
           </a:prstGeom>
         </p:spPr>
       </p:pic>
-      <p:pic>
-        <p:nvPicPr>
+      <p:sp>
+        <p:nvSpPr>
           <p:cNvPr id="3" name="object 3"/>
-          <p:cNvPicPr/>
-          <p:nvPr/>
-        </p:nvPicPr>
-        <p:blipFill>
-          <a:blip r:embed="rId3" cstate="print"/>
-          <a:stretch>
-            <a:fillRect/>
-          </a:stretch>
-        </p:blipFill>
-        <p:spPr>
-          <a:xfrm>
-            <a:off x="575958" y="8439489"/>
-            <a:ext cx="1350720" cy="1811459"/>
-          </a:xfrm>
-          <a:prstGeom prst="rect">
-            <a:avLst/>
-          </a:prstGeom>
-        </p:spPr>
-      </p:pic>
-      <p:pic>
-        <p:nvPicPr>
-          <p:cNvPr id="4" name="object 4"/>
-          <p:cNvPicPr/>
-          <p:nvPr/>
-        </p:nvPicPr>
-        <p:blipFill>
-          <a:blip r:embed="rId3" cstate="print"/>
-          <a:stretch>
-            <a:fillRect/>
-          </a:stretch>
-        </p:blipFill>
-        <p:spPr>
-          <a:xfrm>
-            <a:off x="2062813" y="8439489"/>
-            <a:ext cx="1350750" cy="1811459"/>
-          </a:xfrm>
-          <a:prstGeom prst="rect">
-            <a:avLst/>
-          </a:prstGeom>
-        </p:spPr>
-      </p:pic>
-      <p:pic>
-        <p:nvPicPr>
-          <p:cNvPr id="5" name="object 5"/>
-          <p:cNvPicPr/>
-          <p:nvPr/>
-        </p:nvPicPr>
-        <p:blipFill>
-          <a:blip r:embed="rId3" cstate="print"/>
-          <a:stretch>
-            <a:fillRect/>
-          </a:stretch>
-        </p:blipFill>
-        <p:spPr>
-          <a:xfrm>
-            <a:off x="3560148" y="8439489"/>
-            <a:ext cx="1350750" cy="1811459"/>
-          </a:xfrm>
-          <a:prstGeom prst="rect">
-            <a:avLst/>
-          </a:prstGeom>
-        </p:spPr>
-      </p:pic>
-      <p:pic>
-        <p:nvPicPr>
-          <p:cNvPr id="6" name="object 6"/>
-          <p:cNvPicPr/>
-          <p:nvPr/>
-        </p:nvPicPr>
-        <p:blipFill>
-          <a:blip r:embed="rId3" cstate="print"/>
-          <a:stretch>
-            <a:fillRect/>
-          </a:stretch>
-        </p:blipFill>
-        <p:spPr>
-          <a:xfrm>
-            <a:off x="5057481" y="8439489"/>
-            <a:ext cx="1350752" cy="1811459"/>
-          </a:xfrm>
-          <a:prstGeom prst="rect">
-            <a:avLst/>
-          </a:prstGeom>
-        </p:spPr>
-      </p:pic>
-      <p:pic>
-        <p:nvPicPr>
-          <p:cNvPr id="7" name="object 7"/>
-          <p:cNvPicPr/>
-          <p:nvPr/>
-        </p:nvPicPr>
-        <p:blipFill>
-          <a:blip r:embed="rId3" cstate="print"/>
-          <a:stretch>
-            <a:fillRect/>
-          </a:stretch>
-        </p:blipFill>
-        <p:spPr>
-          <a:xfrm>
-            <a:off x="6554816" y="8439489"/>
-            <a:ext cx="1350752" cy="1811459"/>
-          </a:xfrm>
-          <a:prstGeom prst="rect">
-            <a:avLst/>
-          </a:prstGeom>
-        </p:spPr>
-      </p:pic>
-      <p:pic>
-        <p:nvPicPr>
-          <p:cNvPr id="8" name="object 8"/>
-          <p:cNvPicPr/>
-          <p:nvPr/>
-        </p:nvPicPr>
-        <p:blipFill>
-          <a:blip r:embed="rId3" cstate="print"/>
-          <a:stretch>
-            <a:fillRect/>
-          </a:stretch>
-        </p:blipFill>
-        <p:spPr>
-          <a:xfrm>
-            <a:off x="8052152" y="8439489"/>
-            <a:ext cx="1350750" cy="1811459"/>
-          </a:xfrm>
-          <a:prstGeom prst="rect">
-            <a:avLst/>
-          </a:prstGeom>
-        </p:spPr>
-      </p:pic>
-      <p:sp>
-        <p:nvSpPr>
-          <p:cNvPr id="9" name="object 9"/>
-          <p:cNvSpPr txBox="1"/>
-          <p:nvPr/>
-        </p:nvSpPr>
-        <p:spPr>
-          <a:xfrm>
-            <a:off x="1983343" y="10570298"/>
-            <a:ext cx="5995035" cy="314960"/>
+          <p:cNvSpPr txBox="1">
+            <a:spLocks noGrp="1" noRot="1" noMove="1" noResize="1" noEditPoints="1" noAdjustHandles="1" noChangeArrowheads="1" noChangeShapeType="1"/>
+          </p:cNvSpPr>
+          <p:nvPr/>
+        </p:nvSpPr>
+        <p:spPr>
+          <a:xfrm>
+            <a:off x="3947850" y="4920431"/>
+            <a:ext cx="12190095" cy="1027845"/>
           </a:xfrm>
           <a:prstGeom prst="rect">
             <a:avLst/>
@@ -4071,7 +3408,7 @@
           </a:bodyPr>
           <a:lstStyle/>
           <a:p>
-            <a:pPr marL="12700">
+            <a:pPr marL="12700" algn="ctr">
               <a:lnSpc>
                 <a:spcPct val="100000"/>
               </a:lnSpc>
@@ -4080,147 +3417,32 @@
               </a:spcBef>
             </a:pPr>
             <a:r>
-              <a:rPr sz="1900" spc="-5" dirty="0">
-                <a:solidFill>
-                  <a:schemeClr val="bg1"/>
-                </a:solidFill>
-                <a:latin typeface="Diagramm"/>
-                <a:cs typeface="Diagramm"/>
-              </a:rPr>
-              <a:t>COURTINE</a:t>
-            </a:r>
-            <a:r>
-              <a:rPr sz="1900" spc="-10" dirty="0">
-                <a:solidFill>
-                  <a:schemeClr val="bg1"/>
-                </a:solidFill>
-                <a:latin typeface="Diagramm"/>
-                <a:cs typeface="Diagramm"/>
-              </a:rPr>
-              <a:t> </a:t>
-            </a:r>
-            <a:r>
-              <a:rPr sz="1900" spc="-5" dirty="0">
-                <a:solidFill>
-                  <a:schemeClr val="bg1"/>
-                </a:solidFill>
-                <a:latin typeface="Diagramm"/>
-                <a:cs typeface="Diagramm"/>
-              </a:rPr>
-              <a:t>ET AL. </a:t>
-            </a:r>
-            <a:r>
-              <a:rPr sz="1900" dirty="0">
-                <a:solidFill>
-                  <a:schemeClr val="bg1"/>
-                </a:solidFill>
-                <a:latin typeface="Diagramm"/>
-                <a:cs typeface="Diagramm"/>
-              </a:rPr>
-              <a:t>¦</a:t>
-            </a:r>
-            <a:r>
-              <a:rPr sz="1900" spc="-10" dirty="0">
-                <a:solidFill>
-                  <a:schemeClr val="bg1"/>
-                </a:solidFill>
-                <a:latin typeface="Diagramm"/>
-                <a:cs typeface="Diagramm"/>
-              </a:rPr>
-              <a:t> </a:t>
-            </a:r>
-            <a:r>
-              <a:rPr sz="1900" spc="-30" dirty="0">
-                <a:solidFill>
-                  <a:schemeClr val="bg1"/>
-                </a:solidFill>
-                <a:latin typeface="Diagramm"/>
-                <a:cs typeface="Diagramm"/>
-              </a:rPr>
-              <a:t>NATURE</a:t>
-            </a:r>
-            <a:r>
-              <a:rPr sz="1900" spc="-5" dirty="0">
-                <a:solidFill>
-                  <a:schemeClr val="bg1"/>
-                </a:solidFill>
-                <a:latin typeface="Diagramm"/>
-                <a:cs typeface="Diagramm"/>
-              </a:rPr>
-              <a:t> NEUROSCIENCE </a:t>
-            </a:r>
-            <a:r>
-              <a:rPr sz="1900" dirty="0">
-                <a:solidFill>
-                  <a:schemeClr val="bg1"/>
-                </a:solidFill>
-                <a:latin typeface="Diagramm"/>
-                <a:cs typeface="Diagramm"/>
-              </a:rPr>
-              <a:t>¦</a:t>
-            </a:r>
-            <a:r>
-              <a:rPr sz="1900" spc="-10" dirty="0">
-                <a:solidFill>
-                  <a:schemeClr val="bg1"/>
-                </a:solidFill>
-                <a:latin typeface="Diagramm"/>
-                <a:cs typeface="Diagramm"/>
-              </a:rPr>
-              <a:t> </a:t>
-            </a:r>
-            <a:r>
-              <a:rPr sz="1900" spc="-5" dirty="0">
-                <a:solidFill>
-                  <a:schemeClr val="bg1"/>
-                </a:solidFill>
-                <a:latin typeface="Diagramm"/>
-                <a:cs typeface="Diagramm"/>
-              </a:rPr>
-              <a:t>2009</a:t>
-            </a:r>
-            <a:endParaRPr sz="1900" dirty="0">
-              <a:solidFill>
-                <a:schemeClr val="bg1"/>
-              </a:solidFill>
-              <a:latin typeface="Diagramm"/>
-              <a:cs typeface="Diagramm"/>
-            </a:endParaRPr>
-          </a:p>
-        </p:txBody>
-      </p:sp>
-      <p:pic>
-        <p:nvPicPr>
-          <p:cNvPr id="10" name="object 10"/>
-          <p:cNvPicPr/>
-          <p:nvPr/>
-        </p:nvPicPr>
-        <p:blipFill>
-          <a:blip r:embed="rId4" cstate="print"/>
-          <a:stretch>
-            <a:fillRect/>
-          </a:stretch>
-        </p:blipFill>
-        <p:spPr>
-          <a:xfrm>
-            <a:off x="10093918" y="3"/>
-            <a:ext cx="10010181" cy="11308549"/>
-          </a:xfrm>
-          <a:prstGeom prst="rect">
-            <a:avLst/>
-          </a:prstGeom>
-        </p:spPr>
-      </p:pic>
-      <p:sp>
-        <p:nvSpPr>
-          <p:cNvPr id="11" name="object 11"/>
-          <p:cNvSpPr txBox="1"/>
-          <p:nvPr/>
-        </p:nvSpPr>
-        <p:spPr>
-          <a:xfrm>
-            <a:off x="12194899" y="4920431"/>
-            <a:ext cx="5748020" cy="1030605"/>
+              <a:rPr lang="en-US" sz="6600" b="1" dirty="0">
+                <a:solidFill>
+                  <a:schemeClr val="bg1"/>
+                </a:solidFill>
+                <a:latin typeface="Diagramm Bold"/>
+                <a:cs typeface="Diagramm Bold"/>
+              </a:rPr>
+              <a:t>TASK 2</a:t>
+            </a:r>
+          </a:p>
+        </p:txBody>
+      </p:sp>
+      <p:sp>
+        <p:nvSpPr>
+          <p:cNvPr id="4" name="object 4"/>
+          <p:cNvSpPr txBox="1">
+            <a:spLocks noGrp="1"/>
+          </p:cNvSpPr>
+          <p:nvPr>
+            <p:ph type="ctrTitle"/>
+          </p:nvPr>
+        </p:nvSpPr>
+        <p:spPr>
+          <a:xfrm>
+            <a:off x="492946" y="382194"/>
+            <a:ext cx="19118207" cy="1021562"/>
           </a:xfrm>
           <a:prstGeom prst="rect">
             <a:avLst/>
@@ -4232,194 +3454,16 @@
           </a:bodyPr>
           <a:lstStyle/>
           <a:p>
-            <a:pPr marL="12700">
-              <a:lnSpc>
-                <a:spcPct val="100000"/>
+            <a:pPr marL="12799060">
+              <a:lnSpc>
+                <a:spcPts val="3960"/>
               </a:lnSpc>
               <a:spcBef>
                 <a:spcPts val="95"/>
               </a:spcBef>
             </a:pPr>
             <a:r>
-              <a:rPr sz="6600" b="1" spc="-110" dirty="0">
-                <a:solidFill>
-                  <a:schemeClr val="bg1"/>
-                </a:solidFill>
-                <a:latin typeface="Diagramm Bold"/>
-                <a:cs typeface="Diagramm Bold"/>
-              </a:rPr>
-              <a:t>VIDE</a:t>
-            </a:r>
-            <a:r>
-              <a:rPr sz="6600" b="1" spc="-480" dirty="0">
-                <a:solidFill>
-                  <a:schemeClr val="bg1"/>
-                </a:solidFill>
-                <a:latin typeface="Diagramm Bold"/>
-                <a:cs typeface="Diagramm Bold"/>
-              </a:rPr>
-              <a:t>O</a:t>
-            </a:r>
-            <a:r>
-              <a:rPr sz="6600" b="1" spc="25" dirty="0">
-                <a:solidFill>
-                  <a:schemeClr val="bg1"/>
-                </a:solidFill>
-                <a:latin typeface="Diagramm Bold"/>
-                <a:cs typeface="Diagramm Bold"/>
-              </a:rPr>
-              <a:t>/</a:t>
-            </a:r>
-            <a:r>
-              <a:rPr sz="6600" b="1" spc="-135" dirty="0">
-                <a:solidFill>
-                  <a:schemeClr val="bg1"/>
-                </a:solidFill>
-                <a:latin typeface="Diagramm Bold"/>
-                <a:cs typeface="Diagramm Bold"/>
-              </a:rPr>
-              <a:t>IM</a:t>
-            </a:r>
-            <a:r>
-              <a:rPr sz="6600" b="1" spc="-409" dirty="0">
-                <a:solidFill>
-                  <a:schemeClr val="bg1"/>
-                </a:solidFill>
-                <a:latin typeface="Diagramm Bold"/>
-                <a:cs typeface="Diagramm Bold"/>
-              </a:rPr>
-              <a:t>A</a:t>
-            </a:r>
-            <a:r>
-              <a:rPr sz="6600" b="1" spc="-220" dirty="0">
-                <a:solidFill>
-                  <a:schemeClr val="bg1"/>
-                </a:solidFill>
-                <a:latin typeface="Diagramm Bold"/>
-                <a:cs typeface="Diagramm Bold"/>
-              </a:rPr>
-              <a:t>G</a:t>
-            </a:r>
-            <a:r>
-              <a:rPr sz="6600" b="1" spc="-430" dirty="0">
-                <a:solidFill>
-                  <a:schemeClr val="bg1"/>
-                </a:solidFill>
-                <a:latin typeface="Diagramm Bold"/>
-                <a:cs typeface="Diagramm Bold"/>
-              </a:rPr>
-              <a:t>E</a:t>
-            </a:r>
-            <a:endParaRPr sz="6600" dirty="0">
-              <a:solidFill>
-                <a:schemeClr val="bg1"/>
-              </a:solidFill>
-              <a:latin typeface="Diagramm Bold"/>
-              <a:cs typeface="Diagramm Bold"/>
-            </a:endParaRPr>
-          </a:p>
-        </p:txBody>
-      </p:sp>
-      <p:sp>
-        <p:nvSpPr>
-          <p:cNvPr id="12" name="object 12"/>
-          <p:cNvSpPr txBox="1"/>
-          <p:nvPr/>
-        </p:nvSpPr>
-        <p:spPr>
-          <a:xfrm>
-            <a:off x="14017993" y="5820886"/>
-            <a:ext cx="2101850" cy="402590"/>
-          </a:xfrm>
-          <a:prstGeom prst="rect">
-            <a:avLst/>
-          </a:prstGeom>
-        </p:spPr>
-        <p:txBody>
-          <a:bodyPr vert="horz" wrap="square" lIns="0" tIns="15240" rIns="0" bIns="0" rtlCol="0">
-            <a:spAutoFit/>
-          </a:bodyPr>
-          <a:lstStyle/>
-          <a:p>
-            <a:pPr marL="12700">
-              <a:lnSpc>
-                <a:spcPct val="100000"/>
-              </a:lnSpc>
-              <a:spcBef>
-                <a:spcPts val="120"/>
-              </a:spcBef>
-            </a:pPr>
-            <a:r>
-              <a:rPr sz="2450" b="1" spc="-70" dirty="0">
-                <a:solidFill>
-                  <a:schemeClr val="bg1"/>
-                </a:solidFill>
-                <a:latin typeface="Diagramm Bold"/>
-                <a:cs typeface="Diagramm Bold"/>
-              </a:rPr>
-              <a:t>(NO</a:t>
-            </a:r>
-            <a:r>
-              <a:rPr sz="2450" b="1" spc="114" dirty="0">
-                <a:solidFill>
-                  <a:schemeClr val="bg1"/>
-                </a:solidFill>
-                <a:latin typeface="Diagramm Bold"/>
-                <a:cs typeface="Diagramm Bold"/>
-              </a:rPr>
-              <a:t> </a:t>
-            </a:r>
-            <a:r>
-              <a:rPr sz="2450" b="1" spc="-55" dirty="0">
-                <a:solidFill>
-                  <a:schemeClr val="bg1"/>
-                </a:solidFill>
-                <a:latin typeface="Diagramm Bold"/>
-                <a:cs typeface="Diagramm Bold"/>
-              </a:rPr>
-              <a:t>BORDER)</a:t>
-            </a:r>
-            <a:endParaRPr sz="2450" dirty="0">
-              <a:solidFill>
-                <a:schemeClr val="bg1"/>
-              </a:solidFill>
-              <a:latin typeface="Diagramm Bold"/>
-              <a:cs typeface="Diagramm Bold"/>
-            </a:endParaRPr>
-          </a:p>
-        </p:txBody>
-      </p:sp>
-      <p:sp>
-        <p:nvSpPr>
-          <p:cNvPr id="13" name="object 13"/>
-          <p:cNvSpPr txBox="1">
-            <a:spLocks noGrp="1"/>
-          </p:cNvSpPr>
-          <p:nvPr>
-            <p:ph type="title"/>
-          </p:nvPr>
-        </p:nvSpPr>
-        <p:spPr>
-          <a:prstGeom prst="rect">
-            <a:avLst/>
-          </a:prstGeom>
-        </p:spPr>
-        <p:txBody>
-          <a:bodyPr vert="horz" wrap="square" lIns="0" tIns="12065" rIns="0" bIns="0" rtlCol="0">
-            <a:spAutoFit/>
-          </a:bodyPr>
-          <a:lstStyle/>
-          <a:p>
-            <a:pPr marL="12799060">
-              <a:lnSpc>
-                <a:spcPts val="3960"/>
-              </a:lnSpc>
-              <a:spcBef>
-                <a:spcPts val="95"/>
-              </a:spcBef>
-            </a:pPr>
-            <a:r>
-              <a:rPr lang="en-US" kern="0" spc="-5" dirty="0">
+              <a:rPr lang="en-US" spc="-5" dirty="0">
                 <a:solidFill>
                   <a:schemeClr val="bg1"/>
                 </a:solidFill>
@@ -4427,21 +3471,21 @@
               <a:t>Weighted Least Squares Estimation </a:t>
             </a:r>
             <a:br>
-              <a:rPr lang="en-US" kern="0" spc="-5" dirty="0">
+              <a:rPr lang="en-US" spc="-5" dirty="0">
                 <a:solidFill>
                   <a:schemeClr val="bg1"/>
                 </a:solidFill>
               </a:rPr>
             </a:br>
             <a:r>
-              <a:rPr lang="en-US" b="0" kern="0" spc="-5" dirty="0">
+              <a:rPr lang="en-US" b="0" spc="-5" dirty="0">
                 <a:solidFill>
                   <a:schemeClr val="bg1"/>
                 </a:solidFill>
               </a:rPr>
               <a:t>3D Body Part Trajectories</a:t>
             </a:r>
-            <a:endParaRPr lang="en-US" b="0" kern="0" spc="-10" dirty="0">
+            <a:endParaRPr lang="en-US" b="0" spc="-10" dirty="0">
               <a:solidFill>
                 <a:schemeClr val="bg1"/>
               </a:solidFill>
@@ -4451,76 +3495,12 @@
           </a:p>
         </p:txBody>
       </p:sp>
-      <p:sp>
-        <p:nvSpPr>
-          <p:cNvPr id="14" name="object 14"/>
-          <p:cNvSpPr txBox="1"/>
-          <p:nvPr/>
-        </p:nvSpPr>
-        <p:spPr>
-          <a:xfrm>
-            <a:off x="507192" y="1659609"/>
-            <a:ext cx="1029969" cy="402590"/>
-          </a:xfrm>
-          <a:prstGeom prst="rect">
-            <a:avLst/>
-          </a:prstGeom>
-        </p:spPr>
-        <p:txBody>
-          <a:bodyPr vert="horz" wrap="square" lIns="0" tIns="15240" rIns="0" bIns="0" rtlCol="0">
-            <a:spAutoFit/>
-          </a:bodyPr>
-          <a:lstStyle/>
-          <a:p>
-            <a:pPr marL="12700">
-              <a:lnSpc>
-                <a:spcPct val="100000"/>
-              </a:lnSpc>
-              <a:spcBef>
-                <a:spcPts val="120"/>
-              </a:spcBef>
-            </a:pPr>
-            <a:r>
-              <a:rPr sz="2450" spc="15" dirty="0">
-                <a:solidFill>
-                  <a:schemeClr val="bg1"/>
-                </a:solidFill>
-                <a:latin typeface="Diagramm"/>
-                <a:cs typeface="Diagramm"/>
-              </a:rPr>
-              <a:t>T</a:t>
-            </a:r>
-            <a:r>
-              <a:rPr sz="2450" spc="20" dirty="0">
-                <a:solidFill>
-                  <a:schemeClr val="bg1"/>
-                </a:solidFill>
-                <a:latin typeface="Diagramm"/>
-                <a:cs typeface="Diagramm"/>
-              </a:rPr>
-              <a:t>E</a:t>
-            </a:r>
-            <a:r>
-              <a:rPr sz="2450" spc="15" dirty="0">
-                <a:solidFill>
-                  <a:schemeClr val="bg1"/>
-                </a:solidFill>
-                <a:latin typeface="Diagramm"/>
-                <a:cs typeface="Diagramm"/>
-              </a:rPr>
-              <a:t>XTE</a:t>
-            </a:r>
-            <a:endParaRPr sz="2450" dirty="0">
-              <a:solidFill>
-                <a:schemeClr val="bg1"/>
-              </a:solidFill>
-              <a:latin typeface="Diagramm"/>
-              <a:cs typeface="Diagramm"/>
-            </a:endParaRPr>
-          </a:p>
-        </p:txBody>
-      </p:sp>
     </p:spTree>
+    <p:extLst>
+      <p:ext uri="{BB962C8B-B14F-4D97-AF65-F5344CB8AC3E}">
+        <p14:creationId xmlns:p14="http://schemas.microsoft.com/office/powerpoint/2010/main" val="850072074"/>
+      </p:ext>
+    </p:extLst>
   </p:cSld>
   <p:clrMapOvr>
     <a:masterClrMapping/>
@@ -4572,79 +3552,44 @@
       <p:sp>
         <p:nvSpPr>
           <p:cNvPr id="3" name="object 3"/>
-          <p:cNvSpPr txBox="1"/>
-          <p:nvPr/>
-        </p:nvSpPr>
-        <p:spPr>
-          <a:xfrm>
-            <a:off x="507192" y="1659609"/>
-            <a:ext cx="636270" cy="402590"/>
-          </a:xfrm>
-          <a:prstGeom prst="rect">
-            <a:avLst/>
-          </a:prstGeom>
-        </p:spPr>
-        <p:txBody>
-          <a:bodyPr vert="horz" wrap="square" lIns="0" tIns="15240" rIns="0" bIns="0" rtlCol="0">
+          <p:cNvSpPr txBox="1">
+            <a:spLocks noGrp="1" noRot="1" noMove="1" noResize="1" noEditPoints="1" noAdjustHandles="1" noChangeArrowheads="1" noChangeShapeType="1"/>
+          </p:cNvSpPr>
+          <p:nvPr/>
+        </p:nvSpPr>
+        <p:spPr>
+          <a:xfrm>
+            <a:off x="3947850" y="4920431"/>
+            <a:ext cx="12190095" cy="1027845"/>
+          </a:xfrm>
+          <a:prstGeom prst="rect">
+            <a:avLst/>
+          </a:prstGeom>
+        </p:spPr>
+        <p:txBody>
+          <a:bodyPr vert="horz" wrap="square" lIns="0" tIns="12065" rIns="0" bIns="0" rtlCol="0">
             <a:spAutoFit/>
           </a:bodyPr>
           <a:lstStyle/>
           <a:p>
-            <a:pPr marL="12700">
+            <a:pPr marL="12700" algn="ctr">
               <a:lnSpc>
                 <a:spcPct val="100000"/>
               </a:lnSpc>
               <a:spcBef>
-                <a:spcPts val="120"/>
-              </a:spcBef>
-            </a:pPr>
-            <a:r>
-              <a:rPr sz="2450" spc="-254" dirty="0">
-                <a:solidFill>
-                  <a:schemeClr val="bg1"/>
-                </a:solidFill>
-                <a:latin typeface="Diagramm"/>
-                <a:cs typeface="Diagramm"/>
-              </a:rPr>
-              <a:t>T</a:t>
-            </a:r>
-            <a:r>
-              <a:rPr sz="2450" spc="-40" dirty="0">
-                <a:solidFill>
-                  <a:schemeClr val="bg1"/>
-                </a:solidFill>
-                <a:latin typeface="Diagramm"/>
-                <a:cs typeface="Diagramm"/>
-              </a:rPr>
-              <a:t>e</a:t>
-            </a:r>
-            <a:r>
-              <a:rPr sz="2450" spc="-5" dirty="0">
-                <a:solidFill>
-                  <a:schemeClr val="bg1"/>
-                </a:solidFill>
-                <a:latin typeface="Diagramm"/>
-                <a:cs typeface="Diagramm"/>
-              </a:rPr>
-              <a:t>x</a:t>
-            </a:r>
-            <a:r>
-              <a:rPr sz="2450" spc="-90" dirty="0">
-                <a:solidFill>
-                  <a:schemeClr val="bg1"/>
-                </a:solidFill>
-                <a:latin typeface="Diagramm"/>
-                <a:cs typeface="Diagramm"/>
-              </a:rPr>
-              <a:t>t</a:t>
-            </a:r>
-            <a:endParaRPr sz="2450" dirty="0">
-              <a:solidFill>
-                <a:schemeClr val="bg1"/>
-              </a:solidFill>
-              <a:latin typeface="Diagramm"/>
-              <a:cs typeface="Diagramm"/>
-            </a:endParaRPr>
+                <a:spcPts val="95"/>
+              </a:spcBef>
+            </a:pPr>
+            <a:r>
+              <a:rPr lang="en-US" sz="6600" b="1" dirty="0">
+                <a:solidFill>
+                  <a:schemeClr val="bg1"/>
+                </a:solidFill>
+                <a:latin typeface="Diagramm Bold"/>
+                <a:cs typeface="Diagramm Bold"/>
+              </a:rPr>
+              <a:t>TASK 3</a:t>
+            </a:r>
           </a:p>
         </p:txBody>
       </p:sp>
@@ -4655,10 +3600,14 @@
             <a:spLocks noGrp="1"/>
           </p:cNvSpPr>
           <p:nvPr>
-            <p:ph type="title"/>
+            <p:ph type="ctrTitle"/>
           </p:nvPr>
         </p:nvSpPr>
         <p:spPr>
+          <a:xfrm>
+            <a:off x="492946" y="382194"/>
+            <a:ext cx="19118207" cy="1021562"/>
+          </a:xfrm>
           <a:prstGeom prst="rect">
             <a:avLst/>
           </a:prstGeom>
@@ -4678,7 +3627,7 @@
               </a:spcBef>
             </a:pPr>
             <a:r>
-              <a:rPr lang="en-US" kern="0" spc="-5" dirty="0">
+              <a:rPr lang="en-US" spc="-5" dirty="0">
                 <a:solidFill>
                   <a:schemeClr val="bg1"/>
                 </a:solidFill>
@@ -4686,21 +3635,21 @@
               <a:t>Weighted Least Squares Estimation </a:t>
             </a:r>
             <a:br>
-              <a:rPr lang="en-US" kern="0" spc="-5" dirty="0">
+              <a:rPr lang="en-US" spc="-5" dirty="0">
                 <a:solidFill>
                   <a:schemeClr val="bg1"/>
                 </a:solidFill>
               </a:rPr>
             </a:br>
             <a:r>
-              <a:rPr lang="en-US" b="0" kern="0" spc="-5" dirty="0">
+              <a:rPr lang="en-US" b="0" spc="-5" dirty="0">
                 <a:solidFill>
                   <a:schemeClr val="bg1"/>
                 </a:solidFill>
               </a:rPr>
               <a:t>3D Body Part Trajectories</a:t>
             </a:r>
-            <a:endParaRPr lang="en-US" b="0" kern="0" spc="-10" dirty="0">
+            <a:endParaRPr lang="en-US" b="0" spc="-10" dirty="0">
               <a:solidFill>
                 <a:schemeClr val="bg1"/>
               </a:solidFill>
@@ -4711,6 +3660,11 @@
         </p:txBody>
       </p:sp>
     </p:spTree>
+    <p:extLst>
+      <p:ext uri="{BB962C8B-B14F-4D97-AF65-F5344CB8AC3E}">
+        <p14:creationId xmlns:p14="http://schemas.microsoft.com/office/powerpoint/2010/main" val="464794127"/>
+      </p:ext>
+    </p:extLst>
   </p:cSld>
   <p:clrMapOvr>
     <a:masterClrMapping/>
@@ -4719,7 +3673,7 @@
 </file>
 
 <file path=ppt/slides/slide18.xml><?xml version="1.0" encoding="utf-8"?>
-<p:sld xmlns:a="http://schemas.openxmlformats.org/drawingml/2006/main" xmlns:r="http://schemas.openxmlformats.org/officeDocument/2006/relationships" xmlns:p="http://schemas.openxmlformats.org/presentationml/2006/main">
+<p:sld xmlns:a="http://schemas.openxmlformats.org/drawingml/2006/main" xmlns:r="http://schemas.openxmlformats.org/officeDocument/2006/relationships" xmlns:p="http://schemas.openxmlformats.org/presentationml/2006/main" showMasterSp="0">
   <p:cSld>
     <p:spTree>
       <p:nvGrpSpPr>
@@ -4743,32 +3697,225 @@
           </p:cNvPicPr>
           <p:nvPr/>
         </p:nvPicPr>
+        <p:blipFill rotWithShape="1">
+          <a:blip r:embed="rId2" cstate="print"/>
+          <a:srcRect r="353"/>
+          <a:stretch/>
+        </p:blipFill>
+        <p:spPr>
+          <a:xfrm>
+            <a:off x="37915" y="30116"/>
+            <a:ext cx="20032941" cy="11251966"/>
+          </a:xfrm>
+          <a:prstGeom prst="rect">
+            <a:avLst/>
+          </a:prstGeom>
+        </p:spPr>
+      </p:pic>
+      <p:pic>
+        <p:nvPicPr>
+          <p:cNvPr id="3" name="object 3"/>
+          <p:cNvPicPr/>
+          <p:nvPr/>
+        </p:nvPicPr>
         <p:blipFill>
-          <a:blip r:embed="rId2" cstate="print"/>
+          <a:blip r:embed="rId3" cstate="print"/>
           <a:stretch>
             <a:fillRect/>
           </a:stretch>
         </p:blipFill>
         <p:spPr>
           <a:xfrm>
-            <a:off x="0" y="0"/>
-            <a:ext cx="20104100" cy="11308556"/>
+            <a:off x="460779" y="8439489"/>
+            <a:ext cx="1350720" cy="1811459"/>
           </a:xfrm>
           <a:prstGeom prst="rect">
             <a:avLst/>
           </a:prstGeom>
         </p:spPr>
       </p:pic>
-      <p:sp>
-        <p:nvSpPr>
-          <p:cNvPr id="3" name="object 3"/>
+      <p:pic>
+        <p:nvPicPr>
+          <p:cNvPr id="4" name="object 4"/>
+          <p:cNvPicPr/>
+          <p:nvPr/>
+        </p:nvPicPr>
+        <p:blipFill>
+          <a:blip r:embed="rId3" cstate="print"/>
+          <a:stretch>
+            <a:fillRect/>
+          </a:stretch>
+        </p:blipFill>
+        <p:spPr>
+          <a:xfrm>
+            <a:off x="1947636" y="8439489"/>
+            <a:ext cx="1350750" cy="1811459"/>
+          </a:xfrm>
+          <a:prstGeom prst="rect">
+            <a:avLst/>
+          </a:prstGeom>
+        </p:spPr>
+      </p:pic>
+      <p:pic>
+        <p:nvPicPr>
+          <p:cNvPr id="5" name="object 5"/>
+          <p:cNvPicPr/>
+          <p:nvPr/>
+        </p:nvPicPr>
+        <p:blipFill>
+          <a:blip r:embed="rId3" cstate="print"/>
+          <a:stretch>
+            <a:fillRect/>
+          </a:stretch>
+        </p:blipFill>
+        <p:spPr>
+          <a:xfrm>
+            <a:off x="3444970" y="8439489"/>
+            <a:ext cx="1350752" cy="1811459"/>
+          </a:xfrm>
+          <a:prstGeom prst="rect">
+            <a:avLst/>
+          </a:prstGeom>
+        </p:spPr>
+      </p:pic>
+      <p:pic>
+        <p:nvPicPr>
+          <p:cNvPr id="6" name="object 6"/>
+          <p:cNvPicPr/>
+          <p:nvPr/>
+        </p:nvPicPr>
+        <p:blipFill>
+          <a:blip r:embed="rId3" cstate="print"/>
+          <a:stretch>
+            <a:fillRect/>
+          </a:stretch>
+        </p:blipFill>
+        <p:spPr>
+          <a:xfrm>
+            <a:off x="4942305" y="8439489"/>
+            <a:ext cx="1350750" cy="1811459"/>
+          </a:xfrm>
+          <a:prstGeom prst="rect">
+            <a:avLst/>
+          </a:prstGeom>
+        </p:spPr>
+      </p:pic>
+      <p:sp>
+        <p:nvSpPr>
+          <p:cNvPr id="8" name="object 8"/>
           <p:cNvSpPr txBox="1"/>
           <p:nvPr/>
         </p:nvSpPr>
         <p:spPr>
           <a:xfrm>
+            <a:off x="381541" y="10580816"/>
+            <a:ext cx="5995035" cy="314960"/>
+          </a:xfrm>
+          <a:prstGeom prst="rect">
+            <a:avLst/>
+          </a:prstGeom>
+        </p:spPr>
+        <p:txBody>
+          <a:bodyPr vert="horz" wrap="square" lIns="0" tIns="12065" rIns="0" bIns="0" rtlCol="0">
+            <a:spAutoFit/>
+          </a:bodyPr>
+          <a:lstStyle/>
+          <a:p>
+            <a:pPr marL="12700">
+              <a:lnSpc>
+                <a:spcPct val="100000"/>
+              </a:lnSpc>
+              <a:spcBef>
+                <a:spcPts val="95"/>
+              </a:spcBef>
+            </a:pPr>
+            <a:r>
+              <a:rPr sz="1900" spc="-5" dirty="0">
+                <a:latin typeface="Diagramm"/>
+                <a:cs typeface="Diagramm"/>
+              </a:rPr>
+              <a:t>COURTINE</a:t>
+            </a:r>
+            <a:r>
+              <a:rPr sz="1900" spc="-10" dirty="0">
+                <a:latin typeface="Diagramm"/>
+                <a:cs typeface="Diagramm"/>
+              </a:rPr>
+              <a:t> </a:t>
+            </a:r>
+            <a:r>
+              <a:rPr sz="1900" spc="-5" dirty="0">
+                <a:latin typeface="Diagramm"/>
+                <a:cs typeface="Diagramm"/>
+              </a:rPr>
+              <a:t>ET AL. </a:t>
+            </a:r>
+            <a:r>
+              <a:rPr sz="1900" dirty="0">
+                <a:latin typeface="Diagramm"/>
+                <a:cs typeface="Diagramm"/>
+              </a:rPr>
+              <a:t>¦</a:t>
+            </a:r>
+            <a:r>
+              <a:rPr sz="1900" spc="-10" dirty="0">
+                <a:latin typeface="Diagramm"/>
+                <a:cs typeface="Diagramm"/>
+              </a:rPr>
+              <a:t> </a:t>
+            </a:r>
+            <a:r>
+              <a:rPr sz="1900" spc="-30" dirty="0">
+                <a:latin typeface="Diagramm"/>
+                <a:cs typeface="Diagramm"/>
+              </a:rPr>
+              <a:t>NATURE</a:t>
+            </a:r>
+            <a:r>
+              <a:rPr sz="1900" spc="-5" dirty="0">
+                <a:latin typeface="Diagramm"/>
+                <a:cs typeface="Diagramm"/>
+              </a:rPr>
+              <a:t> NEUROSCIENCE </a:t>
+            </a:r>
+            <a:r>
+              <a:rPr sz="1900" dirty="0">
+                <a:latin typeface="Diagramm"/>
+                <a:cs typeface="Diagramm"/>
+              </a:rPr>
+              <a:t>¦</a:t>
+            </a:r>
+            <a:r>
+              <a:rPr sz="1900" spc="-10" dirty="0">
+                <a:latin typeface="Diagramm"/>
+                <a:cs typeface="Diagramm"/>
+              </a:rPr>
+              <a:t> </a:t>
+            </a:r>
+            <a:r>
+              <a:rPr sz="1900" spc="-5" dirty="0">
+                <a:latin typeface="Diagramm"/>
+                <a:cs typeface="Diagramm"/>
+              </a:rPr>
+              <a:t>2009</a:t>
+            </a:r>
+            <a:endParaRPr sz="1900" dirty="0">
+              <a:latin typeface="Diagramm"/>
+              <a:cs typeface="Diagramm"/>
+            </a:endParaRPr>
+          </a:p>
+        </p:txBody>
+      </p:sp>
+      <p:sp>
+        <p:nvSpPr>
+          <p:cNvPr id="9" name="object 9"/>
+          <p:cNvSpPr txBox="1"/>
+          <p:nvPr/>
+        </p:nvSpPr>
+        <p:spPr>
+          <a:xfrm>
             <a:off x="507192" y="1659609"/>
-            <a:ext cx="636270" cy="402590"/>
+            <a:ext cx="1029969" cy="402590"/>
           </a:xfrm>
           <a:prstGeom prst="rect">
             <a:avLst/>
@@ -4789,49 +3936,27 @@
               </a:spcBef>
             </a:pPr>
             <a:r>
-              <a:rPr sz="2450" spc="-254" dirty="0">
-                <a:solidFill>
-                  <a:schemeClr val="bg1"/>
-                </a:solidFill>
+              <a:rPr sz="2450" spc="15" dirty="0">
                 <a:latin typeface="Diagramm"/>
                 <a:cs typeface="Diagramm"/>
               </a:rPr>
               <a:t>T</a:t>
             </a:r>
             <a:r>
-              <a:rPr sz="2450" spc="-40" dirty="0">
-                <a:solidFill>
-                  <a:schemeClr val="bg1"/>
-                </a:solidFill>
-                <a:latin typeface="Diagramm"/>
-                <a:cs typeface="Diagramm"/>
-              </a:rPr>
-              <a:t>e</a:t>
-            </a:r>
-            <a:r>
-              <a:rPr sz="2450" spc="-5" dirty="0">
-                <a:solidFill>
-                  <a:schemeClr val="bg1"/>
-                </a:solidFill>
-                <a:latin typeface="Diagramm"/>
-                <a:cs typeface="Diagramm"/>
-              </a:rPr>
-              <a:t>x</a:t>
-            </a:r>
-            <a:r>
-              <a:rPr sz="2450" spc="-90" dirty="0">
-                <a:solidFill>
-                  <a:schemeClr val="bg1"/>
-                </a:solidFill>
-                <a:latin typeface="Diagramm"/>
-                <a:cs typeface="Diagramm"/>
-              </a:rPr>
-              <a:t>t</a:t>
-            </a:r>
-            <a:endParaRPr sz="2450" dirty="0">
-              <a:solidFill>
-                <a:schemeClr val="bg1"/>
-              </a:solidFill>
+              <a:rPr sz="2450" spc="20" dirty="0">
+                <a:latin typeface="Diagramm"/>
+                <a:cs typeface="Diagramm"/>
+              </a:rPr>
+              <a:t>E</a:t>
+            </a:r>
+            <a:r>
+              <a:rPr sz="2450" spc="15" dirty="0">
+                <a:latin typeface="Diagramm"/>
+                <a:cs typeface="Diagramm"/>
+              </a:rPr>
+              <a:t>XTE</a:t>
+            </a:r>
+            <a:endParaRPr sz="2450">
               <a:latin typeface="Diagramm"/>
               <a:cs typeface="Diagramm"/>
             </a:endParaRPr>
@@ -4840,15 +3965,15 @@
       </p:sp>
       <p:sp>
         <p:nvSpPr>
-          <p:cNvPr id="4" name="object 4"/>
-          <p:cNvSpPr txBox="1">
-            <a:spLocks noGrp="1"/>
-          </p:cNvSpPr>
-          <p:nvPr>
-            <p:ph type="title"/>
-          </p:nvPr>
-        </p:nvSpPr>
-        <p:spPr>
+          <p:cNvPr id="10" name="object 10"/>
+          <p:cNvSpPr txBox="1"/>
+          <p:nvPr/>
+        </p:nvSpPr>
+        <p:spPr>
+          <a:xfrm>
+            <a:off x="8072676" y="4920431"/>
+            <a:ext cx="10955655" cy="1030605"/>
+          </a:xfrm>
           <a:prstGeom prst="rect">
             <a:avLst/>
           </a:prstGeom>
@@ -4858,6 +3983,114 @@
             <a:spAutoFit/>
           </a:bodyPr>
           <a:lstStyle/>
+          <a:p>
+            <a:pPr marL="12700">
+              <a:lnSpc>
+                <a:spcPct val="100000"/>
+              </a:lnSpc>
+              <a:spcBef>
+                <a:spcPts val="95"/>
+              </a:spcBef>
+            </a:pPr>
+            <a:r>
+              <a:rPr sz="6600" b="1" spc="-200" dirty="0">
+                <a:solidFill>
+                  <a:schemeClr val="bg1"/>
+                </a:solidFill>
+                <a:latin typeface="Diagramm Bold"/>
+                <a:cs typeface="Diagramm Bold"/>
+              </a:rPr>
+              <a:t>VIDEO/IMAGE</a:t>
+            </a:r>
+            <a:r>
+              <a:rPr sz="6600" b="1" spc="409" dirty="0">
+                <a:solidFill>
+                  <a:schemeClr val="bg1"/>
+                </a:solidFill>
+                <a:latin typeface="Diagramm Bold"/>
+                <a:cs typeface="Diagramm Bold"/>
+              </a:rPr>
+              <a:t> </a:t>
+            </a:r>
+            <a:r>
+              <a:rPr sz="6600" b="1" spc="-195" dirty="0">
+                <a:solidFill>
+                  <a:schemeClr val="bg1"/>
+                </a:solidFill>
+                <a:latin typeface="Diagramm Bold"/>
+                <a:cs typeface="Diagramm Bold"/>
+              </a:rPr>
+              <a:t>2/3</a:t>
+            </a:r>
+            <a:r>
+              <a:rPr sz="6600" b="1" spc="409" dirty="0">
+                <a:solidFill>
+                  <a:schemeClr val="bg1"/>
+                </a:solidFill>
+                <a:latin typeface="Diagramm Bold"/>
+                <a:cs typeface="Diagramm Bold"/>
+              </a:rPr>
+              <a:t> </a:t>
+            </a:r>
+            <a:r>
+              <a:rPr sz="6600" b="1" spc="-225" dirty="0">
+                <a:solidFill>
+                  <a:schemeClr val="bg1"/>
+                </a:solidFill>
+                <a:latin typeface="Diagramm Bold"/>
+                <a:cs typeface="Diagramm Bold"/>
+              </a:rPr>
+              <a:t>SCREEN</a:t>
+            </a:r>
+            <a:endParaRPr sz="6600" dirty="0">
+              <a:solidFill>
+                <a:schemeClr val="bg1"/>
+              </a:solidFill>
+              <a:latin typeface="Diagramm Bold"/>
+              <a:cs typeface="Diagramm Bold"/>
+            </a:endParaRPr>
+          </a:p>
+        </p:txBody>
+      </p:sp>
+      <p:sp>
+        <p:nvSpPr>
+          <p:cNvPr id="20" name="object 4">
+            <a:extLst>
+              <a:ext uri="{FF2B5EF4-FFF2-40B4-BE49-F238E27FC236}">
+                <a16:creationId xmlns:a16="http://schemas.microsoft.com/office/drawing/2014/main" id="{DDAE9862-73D7-D202-68EF-49F8DBF665EA}"/>
+              </a:ext>
+            </a:extLst>
+          </p:cNvPr>
+          <p:cNvSpPr txBox="1">
+            <a:spLocks/>
+          </p:cNvSpPr>
+          <p:nvPr/>
+        </p:nvSpPr>
+        <p:spPr>
+          <a:xfrm>
+            <a:off x="492946" y="382194"/>
+            <a:ext cx="19118207" cy="1021562"/>
+          </a:xfrm>
+          <a:prstGeom prst="rect">
+            <a:avLst/>
+          </a:prstGeom>
+        </p:spPr>
+        <p:txBody>
+          <a:bodyPr vert="horz" wrap="square" lIns="0" tIns="12065" rIns="0" bIns="0" rtlCol="0">
+            <a:spAutoFit/>
+          </a:bodyPr>
+          <a:lstStyle>
+            <a:lvl1pPr>
+              <a:defRPr sz="3300" b="1" i="0">
+                <a:solidFill>
+                  <a:schemeClr val="tx1"/>
+                </a:solidFill>
+                <a:latin typeface="Diagramm Bold"/>
+                <a:ea typeface="+mj-ea"/>
+                <a:cs typeface="Diagramm Bold"/>
+              </a:defRPr>
+            </a:lvl1pPr>
+          </a:lstStyle>
           <a:p>
             <a:pPr marL="12799060">
               <a:lnSpc>
@@ -4909,7 +4142,7 @@
 </file>
 
 <file path=ppt/slides/slide19.xml><?xml version="1.0" encoding="utf-8"?>
-<p:sld xmlns:a="http://schemas.openxmlformats.org/drawingml/2006/main" xmlns:r="http://schemas.openxmlformats.org/officeDocument/2006/relationships" xmlns:p="http://schemas.openxmlformats.org/presentationml/2006/main">
+<p:sld xmlns:a="http://schemas.openxmlformats.org/drawingml/2006/main" xmlns:r="http://schemas.openxmlformats.org/officeDocument/2006/relationships" xmlns:p="http://schemas.openxmlformats.org/presentationml/2006/main" showMasterSp="0">
   <p:cSld>
     <p:spTree>
       <p:nvGrpSpPr>
@@ -4949,16 +4182,385 @@
           </a:prstGeom>
         </p:spPr>
       </p:pic>
-      <p:sp>
-        <p:nvSpPr>
+      <p:pic>
+        <p:nvPicPr>
           <p:cNvPr id="3" name="object 3"/>
+          <p:cNvPicPr/>
+          <p:nvPr/>
+        </p:nvPicPr>
+        <p:blipFill>
+          <a:blip r:embed="rId3" cstate="print"/>
+          <a:stretch>
+            <a:fillRect/>
+          </a:stretch>
+        </p:blipFill>
+        <p:spPr>
+          <a:xfrm>
+            <a:off x="575958" y="8439489"/>
+            <a:ext cx="1350720" cy="1811459"/>
+          </a:xfrm>
+          <a:prstGeom prst="rect">
+            <a:avLst/>
+          </a:prstGeom>
+        </p:spPr>
+      </p:pic>
+      <p:pic>
+        <p:nvPicPr>
+          <p:cNvPr id="4" name="object 4"/>
+          <p:cNvPicPr/>
+          <p:nvPr/>
+        </p:nvPicPr>
+        <p:blipFill>
+          <a:blip r:embed="rId3" cstate="print"/>
+          <a:stretch>
+            <a:fillRect/>
+          </a:stretch>
+        </p:blipFill>
+        <p:spPr>
+          <a:xfrm>
+            <a:off x="2062813" y="8439489"/>
+            <a:ext cx="1350750" cy="1811459"/>
+          </a:xfrm>
+          <a:prstGeom prst="rect">
+            <a:avLst/>
+          </a:prstGeom>
+        </p:spPr>
+      </p:pic>
+      <p:pic>
+        <p:nvPicPr>
+          <p:cNvPr id="5" name="object 5"/>
+          <p:cNvPicPr/>
+          <p:nvPr/>
+        </p:nvPicPr>
+        <p:blipFill>
+          <a:blip r:embed="rId3" cstate="print"/>
+          <a:stretch>
+            <a:fillRect/>
+          </a:stretch>
+        </p:blipFill>
+        <p:spPr>
+          <a:xfrm>
+            <a:off x="3560148" y="8439489"/>
+            <a:ext cx="1350750" cy="1811459"/>
+          </a:xfrm>
+          <a:prstGeom prst="rect">
+            <a:avLst/>
+          </a:prstGeom>
+        </p:spPr>
+      </p:pic>
+      <p:pic>
+        <p:nvPicPr>
+          <p:cNvPr id="6" name="object 6"/>
+          <p:cNvPicPr/>
+          <p:nvPr/>
+        </p:nvPicPr>
+        <p:blipFill>
+          <a:blip r:embed="rId3" cstate="print"/>
+          <a:stretch>
+            <a:fillRect/>
+          </a:stretch>
+        </p:blipFill>
+        <p:spPr>
+          <a:xfrm>
+            <a:off x="5057481" y="8439489"/>
+            <a:ext cx="1350752" cy="1811459"/>
+          </a:xfrm>
+          <a:prstGeom prst="rect">
+            <a:avLst/>
+          </a:prstGeom>
+        </p:spPr>
+      </p:pic>
+      <p:pic>
+        <p:nvPicPr>
+          <p:cNvPr id="7" name="object 7"/>
+          <p:cNvPicPr/>
+          <p:nvPr/>
+        </p:nvPicPr>
+        <p:blipFill>
+          <a:blip r:embed="rId3" cstate="print"/>
+          <a:stretch>
+            <a:fillRect/>
+          </a:stretch>
+        </p:blipFill>
+        <p:spPr>
+          <a:xfrm>
+            <a:off x="6554816" y="8439489"/>
+            <a:ext cx="1350752" cy="1811459"/>
+          </a:xfrm>
+          <a:prstGeom prst="rect">
+            <a:avLst/>
+          </a:prstGeom>
+        </p:spPr>
+      </p:pic>
+      <p:pic>
+        <p:nvPicPr>
+          <p:cNvPr id="8" name="object 8"/>
+          <p:cNvPicPr/>
+          <p:nvPr/>
+        </p:nvPicPr>
+        <p:blipFill>
+          <a:blip r:embed="rId3" cstate="print"/>
+          <a:stretch>
+            <a:fillRect/>
+          </a:stretch>
+        </p:blipFill>
+        <p:spPr>
+          <a:xfrm>
+            <a:off x="8052152" y="8439489"/>
+            <a:ext cx="1350750" cy="1811459"/>
+          </a:xfrm>
+          <a:prstGeom prst="rect">
+            <a:avLst/>
+          </a:prstGeom>
+        </p:spPr>
+      </p:pic>
+      <p:sp>
+        <p:nvSpPr>
+          <p:cNvPr id="9" name="object 9"/>
           <p:cNvSpPr txBox="1"/>
           <p:nvPr/>
         </p:nvSpPr>
         <p:spPr>
           <a:xfrm>
-            <a:off x="507192" y="1659609"/>
-            <a:ext cx="636270" cy="402590"/>
+            <a:off x="1983343" y="10570298"/>
+            <a:ext cx="5995035" cy="314960"/>
+          </a:xfrm>
+          <a:prstGeom prst="rect">
+            <a:avLst/>
+          </a:prstGeom>
+        </p:spPr>
+        <p:txBody>
+          <a:bodyPr vert="horz" wrap="square" lIns="0" tIns="12065" rIns="0" bIns="0" rtlCol="0">
+            <a:spAutoFit/>
+          </a:bodyPr>
+          <a:lstStyle/>
+          <a:p>
+            <a:pPr marL="12700">
+              <a:lnSpc>
+                <a:spcPct val="100000"/>
+              </a:lnSpc>
+              <a:spcBef>
+                <a:spcPts val="95"/>
+              </a:spcBef>
+            </a:pPr>
+            <a:r>
+              <a:rPr sz="1900" spc="-5" dirty="0">
+                <a:latin typeface="Diagramm"/>
+                <a:cs typeface="Diagramm"/>
+              </a:rPr>
+              <a:t>COURTINE</a:t>
+            </a:r>
+            <a:r>
+              <a:rPr sz="1900" spc="-10" dirty="0">
+                <a:latin typeface="Diagramm"/>
+                <a:cs typeface="Diagramm"/>
+              </a:rPr>
+              <a:t> </a:t>
+            </a:r>
+            <a:r>
+              <a:rPr sz="1900" spc="-5" dirty="0">
+                <a:latin typeface="Diagramm"/>
+                <a:cs typeface="Diagramm"/>
+              </a:rPr>
+              <a:t>ET AL. </a:t>
+            </a:r>
+            <a:r>
+              <a:rPr sz="1900" dirty="0">
+                <a:latin typeface="Diagramm"/>
+                <a:cs typeface="Diagramm"/>
+              </a:rPr>
+              <a:t>¦</a:t>
+            </a:r>
+            <a:r>
+              <a:rPr sz="1900" spc="-10" dirty="0">
+                <a:latin typeface="Diagramm"/>
+                <a:cs typeface="Diagramm"/>
+              </a:rPr>
+              <a:t> </a:t>
+            </a:r>
+            <a:r>
+              <a:rPr sz="1900" spc="-30" dirty="0">
+                <a:latin typeface="Diagramm"/>
+                <a:cs typeface="Diagramm"/>
+              </a:rPr>
+              <a:t>NATURE</a:t>
+            </a:r>
+            <a:r>
+              <a:rPr sz="1900" spc="-5" dirty="0">
+                <a:latin typeface="Diagramm"/>
+                <a:cs typeface="Diagramm"/>
+              </a:rPr>
+              <a:t> NEUROSCIENCE </a:t>
+            </a:r>
+            <a:r>
+              <a:rPr sz="1900" dirty="0">
+                <a:latin typeface="Diagramm"/>
+                <a:cs typeface="Diagramm"/>
+              </a:rPr>
+              <a:t>¦</a:t>
+            </a:r>
+            <a:r>
+              <a:rPr sz="1900" spc="-10" dirty="0">
+                <a:latin typeface="Diagramm"/>
+                <a:cs typeface="Diagramm"/>
+              </a:rPr>
+              <a:t> </a:t>
+            </a:r>
+            <a:r>
+              <a:rPr sz="1900" spc="-5" dirty="0">
+                <a:latin typeface="Diagramm"/>
+                <a:cs typeface="Diagramm"/>
+              </a:rPr>
+              <a:t>2009</a:t>
+            </a:r>
+            <a:endParaRPr sz="1900" dirty="0">
+              <a:latin typeface="Diagramm"/>
+              <a:cs typeface="Diagramm"/>
+            </a:endParaRPr>
+          </a:p>
+        </p:txBody>
+      </p:sp>
+      <p:pic>
+        <p:nvPicPr>
+          <p:cNvPr id="10" name="object 10"/>
+          <p:cNvPicPr/>
+          <p:nvPr/>
+        </p:nvPicPr>
+        <p:blipFill>
+          <a:blip r:embed="rId4" cstate="print"/>
+          <a:stretch>
+            <a:fillRect/>
+          </a:stretch>
+        </p:blipFill>
+        <p:spPr>
+          <a:xfrm>
+            <a:off x="10093918" y="3"/>
+            <a:ext cx="10010181" cy="11308549"/>
+          </a:xfrm>
+          <a:prstGeom prst="rect">
+            <a:avLst/>
+          </a:prstGeom>
+        </p:spPr>
+      </p:pic>
+      <p:sp>
+        <p:nvSpPr>
+          <p:cNvPr id="11" name="object 11"/>
+          <p:cNvSpPr txBox="1"/>
+          <p:nvPr/>
+        </p:nvSpPr>
+        <p:spPr>
+          <a:xfrm>
+            <a:off x="12194899" y="4920431"/>
+            <a:ext cx="5748020" cy="1030605"/>
+          </a:xfrm>
+          <a:prstGeom prst="rect">
+            <a:avLst/>
+          </a:prstGeom>
+        </p:spPr>
+        <p:txBody>
+          <a:bodyPr vert="horz" wrap="square" lIns="0" tIns="12065" rIns="0" bIns="0" rtlCol="0">
+            <a:spAutoFit/>
+          </a:bodyPr>
+          <a:lstStyle/>
+          <a:p>
+            <a:pPr marL="12700">
+              <a:lnSpc>
+                <a:spcPct val="100000"/>
+              </a:lnSpc>
+              <a:spcBef>
+                <a:spcPts val="95"/>
+              </a:spcBef>
+            </a:pPr>
+            <a:r>
+              <a:rPr sz="6600" b="1" spc="-110" dirty="0">
+                <a:solidFill>
+                  <a:schemeClr val="bg1"/>
+                </a:solidFill>
+                <a:latin typeface="Diagramm Bold"/>
+                <a:cs typeface="Diagramm Bold"/>
+              </a:rPr>
+              <a:t>VIDE</a:t>
+            </a:r>
+            <a:r>
+              <a:rPr sz="6600" b="1" spc="-480" dirty="0">
+                <a:solidFill>
+                  <a:schemeClr val="bg1"/>
+                </a:solidFill>
+                <a:latin typeface="Diagramm Bold"/>
+                <a:cs typeface="Diagramm Bold"/>
+              </a:rPr>
+              <a:t>O</a:t>
+            </a:r>
+            <a:r>
+              <a:rPr sz="6600" b="1" spc="25" dirty="0">
+                <a:solidFill>
+                  <a:schemeClr val="bg1"/>
+                </a:solidFill>
+                <a:latin typeface="Diagramm Bold"/>
+                <a:cs typeface="Diagramm Bold"/>
+              </a:rPr>
+              <a:t>/</a:t>
+            </a:r>
+            <a:r>
+              <a:rPr sz="6600" b="1" spc="-135" dirty="0">
+                <a:solidFill>
+                  <a:schemeClr val="bg1"/>
+                </a:solidFill>
+                <a:latin typeface="Diagramm Bold"/>
+                <a:cs typeface="Diagramm Bold"/>
+              </a:rPr>
+              <a:t>IM</a:t>
+            </a:r>
+            <a:r>
+              <a:rPr sz="6600" b="1" spc="-409" dirty="0">
+                <a:solidFill>
+                  <a:schemeClr val="bg1"/>
+                </a:solidFill>
+                <a:latin typeface="Diagramm Bold"/>
+                <a:cs typeface="Diagramm Bold"/>
+              </a:rPr>
+              <a:t>A</a:t>
+            </a:r>
+            <a:r>
+              <a:rPr sz="6600" b="1" spc="-220" dirty="0">
+                <a:solidFill>
+                  <a:schemeClr val="bg1"/>
+                </a:solidFill>
+                <a:latin typeface="Diagramm Bold"/>
+                <a:cs typeface="Diagramm Bold"/>
+              </a:rPr>
+              <a:t>G</a:t>
+            </a:r>
+            <a:r>
+              <a:rPr sz="6600" b="1" spc="-430" dirty="0">
+                <a:solidFill>
+                  <a:schemeClr val="bg1"/>
+                </a:solidFill>
+                <a:latin typeface="Diagramm Bold"/>
+                <a:cs typeface="Diagramm Bold"/>
+              </a:rPr>
+              <a:t>E</a:t>
+            </a:r>
+            <a:endParaRPr sz="6600" dirty="0">
+              <a:solidFill>
+                <a:schemeClr val="bg1"/>
+              </a:solidFill>
+              <a:latin typeface="Diagramm Bold"/>
+              <a:cs typeface="Diagramm Bold"/>
+            </a:endParaRPr>
+          </a:p>
+        </p:txBody>
+      </p:sp>
+      <p:sp>
+        <p:nvSpPr>
+          <p:cNvPr id="12" name="object 12"/>
+          <p:cNvSpPr txBox="1"/>
+          <p:nvPr/>
+        </p:nvSpPr>
+        <p:spPr>
+          <a:xfrm>
+            <a:off x="14017993" y="5820886"/>
+            <a:ext cx="2101850" cy="402590"/>
           </a:xfrm>
           <a:prstGeom prst="rect">
             <a:avLst/>
@@ -4979,43 +4581,48 @@
               </a:spcBef>
             </a:pPr>
             <a:r>
-              <a:rPr sz="2450" spc="-254" dirty="0">
-                <a:latin typeface="Diagramm"/>
-                <a:cs typeface="Diagramm"/>
-              </a:rPr>
-              <a:t>T</a:t>
-            </a:r>
-            <a:r>
-              <a:rPr sz="2450" spc="-40" dirty="0">
-                <a:latin typeface="Diagramm"/>
-                <a:cs typeface="Diagramm"/>
-              </a:rPr>
-              <a:t>e</a:t>
-            </a:r>
-            <a:r>
-              <a:rPr sz="2450" spc="-5" dirty="0">
-                <a:latin typeface="Diagramm"/>
-                <a:cs typeface="Diagramm"/>
-              </a:rPr>
-              <a:t>x</a:t>
-            </a:r>
-            <a:r>
-              <a:rPr sz="2450" spc="-90" dirty="0">
-                <a:latin typeface="Diagramm"/>
-                <a:cs typeface="Diagramm"/>
-              </a:rPr>
-              <a:t>t</a:t>
-            </a:r>
-            <a:endParaRPr sz="2450">
-              <a:latin typeface="Diagramm"/>
-              <a:cs typeface="Diagramm"/>
+              <a:rPr sz="2450" b="1" spc="-70" dirty="0">
+                <a:solidFill>
+                  <a:schemeClr val="bg1"/>
+                </a:solidFill>
+                <a:latin typeface="Diagramm Bold"/>
+                <a:cs typeface="Diagramm Bold"/>
+              </a:rPr>
+              <a:t>(NO</a:t>
+            </a:r>
+            <a:r>
+              <a:rPr sz="2450" b="1" spc="114" dirty="0">
+                <a:solidFill>
+                  <a:schemeClr val="bg1"/>
+                </a:solidFill>
+                <a:latin typeface="Diagramm Bold"/>
+                <a:cs typeface="Diagramm Bold"/>
+              </a:rPr>
+              <a:t> </a:t>
+            </a:r>
+            <a:r>
+              <a:rPr sz="2450" b="1" spc="-55" dirty="0">
+                <a:solidFill>
+                  <a:schemeClr val="bg1"/>
+                </a:solidFill>
+                <a:latin typeface="Diagramm Bold"/>
+                <a:cs typeface="Diagramm Bold"/>
+              </a:rPr>
+              <a:t>BORDER)</a:t>
+            </a:r>
+            <a:endParaRPr sz="2450" dirty="0">
+              <a:solidFill>
+                <a:schemeClr val="bg1"/>
+              </a:solidFill>
+              <a:latin typeface="Diagramm Bold"/>
+              <a:cs typeface="Diagramm Bold"/>
             </a:endParaRPr>
           </a:p>
         </p:txBody>
       </p:sp>
       <p:sp>
         <p:nvSpPr>
-          <p:cNvPr id="4" name="object 4"/>
+          <p:cNvPr id="13" name="object 13"/>
           <p:cNvSpPr txBox="1">
             <a:spLocks noGrp="1"/>
           </p:cNvSpPr>
@@ -5043,19 +4650,91 @@
               </a:spcBef>
             </a:pPr>
             <a:r>
-              <a:rPr lang="en-US" kern="0" spc="-5" dirty="0"/>
+              <a:rPr lang="en-US" kern="0" spc="-5" dirty="0">
+                <a:solidFill>
+                  <a:schemeClr val="bg1"/>
+                </a:solidFill>
+              </a:rPr>
               <a:t>Weighted Least Squares Estimation </a:t>
             </a:r>
             <a:br>
-              <a:rPr lang="en-US" kern="0" spc="-5" dirty="0"/>
+              <a:rPr lang="en-US" kern="0" spc="-5" dirty="0">
+                <a:solidFill>
+                  <a:schemeClr val="bg1"/>
+                </a:solidFill>
+              </a:rPr>
             </a:br>
             <a:r>
-              <a:rPr lang="en-US" b="0" kern="0" spc="-5" dirty="0"/>
+              <a:rPr lang="en-US" b="0" kern="0" spc="-5" dirty="0">
+                <a:solidFill>
+                  <a:schemeClr val="bg1"/>
+                </a:solidFill>
+              </a:rPr>
               <a:t>3D Body Part Trajectories</a:t>
             </a:r>
             <a:endParaRPr lang="en-US" b="0" kern="0" spc="-10" dirty="0">
+              <a:solidFill>
+                <a:schemeClr val="bg1"/>
+              </a:solidFill>
               <a:latin typeface="Diagramm Light"/>
               <a:cs typeface="Diagramm Light"/>
+            </a:endParaRPr>
+          </a:p>
+        </p:txBody>
+      </p:sp>
+      <p:sp>
+        <p:nvSpPr>
+          <p:cNvPr id="14" name="object 14"/>
+          <p:cNvSpPr txBox="1"/>
+          <p:nvPr/>
+        </p:nvSpPr>
+        <p:spPr>
+          <a:xfrm>
+            <a:off x="507192" y="1659609"/>
+            <a:ext cx="1029969" cy="402590"/>
+          </a:xfrm>
+          <a:prstGeom prst="rect">
+            <a:avLst/>
+          </a:prstGeom>
+        </p:spPr>
+        <p:txBody>
+          <a:bodyPr vert="horz" wrap="square" lIns="0" tIns="15240" rIns="0" bIns="0" rtlCol="0">
+            <a:spAutoFit/>
+          </a:bodyPr>
+          <a:lstStyle/>
+          <a:p>
+            <a:pPr marL="12700">
+              <a:lnSpc>
+                <a:spcPct val="100000"/>
+              </a:lnSpc>
+              <a:spcBef>
+                <a:spcPts val="120"/>
+              </a:spcBef>
+            </a:pPr>
+            <a:r>
+              <a:rPr sz="2450" spc="15" dirty="0">
+                <a:latin typeface="Diagramm"/>
+                <a:cs typeface="Diagramm"/>
+              </a:rPr>
+              <a:t>T</a:t>
+            </a:r>
+            <a:r>
+              <a:rPr sz="2450" spc="20" dirty="0">
+                <a:latin typeface="Diagramm"/>
+                <a:cs typeface="Diagramm"/>
+              </a:rPr>
+              <a:t>E</a:t>
+            </a:r>
+            <a:r>
+              <a:rPr sz="2450" spc="15" dirty="0">
+                <a:latin typeface="Diagramm"/>
+                <a:cs typeface="Diagramm"/>
+              </a:rPr>
+              <a:t>XTE</a:t>
+            </a:r>
+            <a:endParaRPr sz="2450">
+              <a:latin typeface="Diagramm"/>
+              <a:cs typeface="Diagramm"/>
             </a:endParaRPr>
           </a:p>
         </p:txBody>
@@ -5233,7 +4912,7 @@
 </file>
 
 <file path=ppt/slides/slide20.xml><?xml version="1.0" encoding="utf-8"?>
-<p:sld xmlns:a="http://schemas.openxmlformats.org/drawingml/2006/main" xmlns:r="http://schemas.openxmlformats.org/officeDocument/2006/relationships" xmlns:p="http://schemas.openxmlformats.org/presentationml/2006/main">
+<p:sld xmlns:a="http://schemas.openxmlformats.org/drawingml/2006/main" xmlns:r="http://schemas.openxmlformats.org/officeDocument/2006/relationships" xmlns:p="http://schemas.openxmlformats.org/presentationml/2006/main" showMasterSp="0">
   <p:cSld>
     <p:spTree>
       <p:nvGrpSpPr>
@@ -5281,15 +4960,15 @@
         </p:nvSpPr>
         <p:spPr>
           <a:xfrm>
-            <a:off x="507192" y="1659609"/>
-            <a:ext cx="636270" cy="402590"/>
-          </a:xfrm>
-          <a:prstGeom prst="rect">
-            <a:avLst/>
-          </a:prstGeom>
-        </p:spPr>
-        <p:txBody>
-          <a:bodyPr vert="horz" wrap="square" lIns="0" tIns="15240" rIns="0" bIns="0" rtlCol="0">
+            <a:off x="4215863" y="4920431"/>
+            <a:ext cx="11653520" cy="1030605"/>
+          </a:xfrm>
+          <a:prstGeom prst="rect">
+            <a:avLst/>
+          </a:prstGeom>
+        </p:spPr>
+        <p:txBody>
+          <a:bodyPr vert="horz" wrap="square" lIns="0" tIns="12065" rIns="0" bIns="0" rtlCol="0">
             <a:spAutoFit/>
           </a:bodyPr>
           <a:lstStyle/>
@@ -5299,40 +4978,47 @@
                 <a:spcPct val="100000"/>
               </a:lnSpc>
               <a:spcBef>
-                <a:spcPts val="120"/>
-              </a:spcBef>
-            </a:pPr>
-            <a:r>
-              <a:rPr sz="2450" spc="-254" dirty="0">
-                <a:latin typeface="Diagramm"/>
-                <a:cs typeface="Diagramm"/>
-              </a:rPr>
-              <a:t>T</a:t>
-            </a:r>
-            <a:r>
-              <a:rPr sz="2450" spc="-40" dirty="0">
-                <a:latin typeface="Diagramm"/>
-                <a:cs typeface="Diagramm"/>
-              </a:rPr>
-              <a:t>e</a:t>
-            </a:r>
-            <a:r>
-              <a:rPr sz="2450" spc="-5" dirty="0">
-                <a:latin typeface="Diagramm"/>
-                <a:cs typeface="Diagramm"/>
-              </a:rPr>
-              <a:t>x</a:t>
-            </a:r>
-            <a:r>
-              <a:rPr sz="2450" spc="-90" dirty="0">
-                <a:latin typeface="Diagramm"/>
-                <a:cs typeface="Diagramm"/>
-              </a:rPr>
-              <a:t>t</a:t>
-            </a:r>
-            <a:endParaRPr sz="2450">
-              <a:latin typeface="Diagramm"/>
-              <a:cs typeface="Diagramm"/>
+                <a:spcPts val="95"/>
+              </a:spcBef>
+            </a:pPr>
+            <a:r>
+              <a:rPr sz="6600" b="1" spc="-200" dirty="0">
+                <a:latin typeface="Diagramm Bold"/>
+                <a:cs typeface="Diagramm Bold"/>
+              </a:rPr>
+              <a:t>VIDEO/IMAGE</a:t>
+            </a:r>
+            <a:r>
+              <a:rPr sz="6600" b="1" spc="405" dirty="0">
+                <a:latin typeface="Diagramm Bold"/>
+                <a:cs typeface="Diagramm Bold"/>
+              </a:rPr>
+              <a:t> </a:t>
+            </a:r>
+            <a:r>
+              <a:rPr sz="6600" b="1" spc="-204" dirty="0">
+                <a:latin typeface="Diagramm Bold"/>
+                <a:cs typeface="Diagramm Bold"/>
+              </a:rPr>
+              <a:t>FULL</a:t>
+            </a:r>
+            <a:r>
+              <a:rPr sz="6600" b="1" spc="409" dirty="0">
+                <a:latin typeface="Diagramm Bold"/>
+                <a:cs typeface="Diagramm Bold"/>
+              </a:rPr>
+              <a:t> </a:t>
+            </a:r>
+            <a:r>
+              <a:rPr sz="6600" b="1" spc="-225" dirty="0">
+                <a:latin typeface="Diagramm Bold"/>
+                <a:cs typeface="Diagramm Bold"/>
+              </a:rPr>
+              <a:t>SCREEN</a:t>
+            </a:r>
+            <a:endParaRPr sz="6600" dirty="0">
+              <a:latin typeface="Diagramm Bold"/>
+              <a:cs typeface="Diagramm Bold"/>
             </a:endParaRPr>
           </a:p>
         </p:txBody>
@@ -5344,7 +5030,7 @@
             <a:spLocks noGrp="1"/>
           </p:cNvSpPr>
           <p:nvPr>
-            <p:ph type="title"/>
+            <p:ph type="ctrTitle"/>
           </p:nvPr>
         </p:nvSpPr>
         <p:spPr>
@@ -5367,17 +5053,32 @@
               </a:spcBef>
             </a:pPr>
             <a:r>
-              <a:rPr lang="en-US" kern="0" spc="-5" dirty="0"/>
+              <a:rPr lang="en-US" kern="0" spc="-5" dirty="0">
+                <a:solidFill>
+                  <a:schemeClr val="bg1"/>
+                </a:solidFill>
+              </a:rPr>
               <a:t>Weighted Least Squares Estimation </a:t>
             </a:r>
             <a:br>
-              <a:rPr lang="en-US" kern="0" spc="-5" dirty="0"/>
+              <a:rPr lang="en-US" kern="0" spc="-5" dirty="0">
+                <a:solidFill>
+                  <a:schemeClr val="bg1"/>
+                </a:solidFill>
+              </a:rPr>
             </a:br>
             <a:r>
-              <a:rPr lang="en-US" b="0" kern="0" spc="-5" dirty="0"/>
+              <a:rPr lang="en-US" b="0" kern="0" spc="-5" dirty="0">
+                <a:solidFill>
+                  <a:schemeClr val="bg1"/>
+                </a:solidFill>
+              </a:rPr>
               <a:t>3D Body Part Trajectories</a:t>
             </a:r>
             <a:endParaRPr lang="en-US" b="0" kern="0" spc="-10" dirty="0">
+              <a:solidFill>
+                <a:schemeClr val="bg1"/>
+              </a:solidFill>
               <a:latin typeface="Diagramm Light"/>
               <a:cs typeface="Diagramm Light"/>
             </a:endParaRPr>
@@ -5393,7 +5094,7 @@
 </file>
 
 <file path=ppt/slides/slide21.xml><?xml version="1.0" encoding="utf-8"?>
-<p:sld xmlns:a="http://schemas.openxmlformats.org/drawingml/2006/main" xmlns:r="http://schemas.openxmlformats.org/officeDocument/2006/relationships" xmlns:p="http://schemas.openxmlformats.org/presentationml/2006/main">
+<p:sld xmlns:a="http://schemas.openxmlformats.org/drawingml/2006/main" xmlns:r="http://schemas.openxmlformats.org/officeDocument/2006/relationships" xmlns:p="http://schemas.openxmlformats.org/presentationml/2006/main" showMasterSp="0">
   <p:cSld>
     <p:spTree>
       <p:nvGrpSpPr>
@@ -5433,16 +5134,265 @@
           </a:prstGeom>
         </p:spPr>
       </p:pic>
-      <p:sp>
-        <p:nvSpPr>
+      <p:pic>
+        <p:nvPicPr>
           <p:cNvPr id="3" name="object 3"/>
+          <p:cNvPicPr/>
+          <p:nvPr/>
+        </p:nvPicPr>
+        <p:blipFill>
+          <a:blip r:embed="rId3" cstate="print"/>
+          <a:stretch>
+            <a:fillRect/>
+          </a:stretch>
+        </p:blipFill>
+        <p:spPr>
+          <a:xfrm>
+            <a:off x="6753723" y="3"/>
+            <a:ext cx="13350376" cy="11308549"/>
+          </a:xfrm>
+          <a:prstGeom prst="rect">
+            <a:avLst/>
+          </a:prstGeom>
+        </p:spPr>
+      </p:pic>
+      <p:pic>
+        <p:nvPicPr>
+          <p:cNvPr id="4" name="object 4"/>
+          <p:cNvPicPr/>
+          <p:nvPr/>
+        </p:nvPicPr>
+        <p:blipFill>
+          <a:blip r:embed="rId4" cstate="print"/>
+          <a:stretch>
+            <a:fillRect/>
+          </a:stretch>
+        </p:blipFill>
+        <p:spPr>
+          <a:xfrm>
+            <a:off x="460779" y="8439489"/>
+            <a:ext cx="1350720" cy="1811459"/>
+          </a:xfrm>
+          <a:prstGeom prst="rect">
+            <a:avLst/>
+          </a:prstGeom>
+        </p:spPr>
+      </p:pic>
+      <p:pic>
+        <p:nvPicPr>
+          <p:cNvPr id="5" name="object 5"/>
+          <p:cNvPicPr/>
+          <p:nvPr/>
+        </p:nvPicPr>
+        <p:blipFill>
+          <a:blip r:embed="rId4" cstate="print"/>
+          <a:stretch>
+            <a:fillRect/>
+          </a:stretch>
+        </p:blipFill>
+        <p:spPr>
+          <a:xfrm>
+            <a:off x="1947636" y="8439489"/>
+            <a:ext cx="1350750" cy="1811459"/>
+          </a:xfrm>
+          <a:prstGeom prst="rect">
+            <a:avLst/>
+          </a:prstGeom>
+        </p:spPr>
+      </p:pic>
+      <p:pic>
+        <p:nvPicPr>
+          <p:cNvPr id="6" name="object 6"/>
+          <p:cNvPicPr/>
+          <p:nvPr/>
+        </p:nvPicPr>
+        <p:blipFill>
+          <a:blip r:embed="rId4" cstate="print"/>
+          <a:stretch>
+            <a:fillRect/>
+          </a:stretch>
+        </p:blipFill>
+        <p:spPr>
+          <a:xfrm>
+            <a:off x="3444970" y="8439489"/>
+            <a:ext cx="1350752" cy="1811459"/>
+          </a:xfrm>
+          <a:prstGeom prst="rect">
+            <a:avLst/>
+          </a:prstGeom>
+        </p:spPr>
+      </p:pic>
+      <p:pic>
+        <p:nvPicPr>
+          <p:cNvPr id="7" name="object 7"/>
+          <p:cNvPicPr/>
+          <p:nvPr/>
+        </p:nvPicPr>
+        <p:blipFill>
+          <a:blip r:embed="rId4" cstate="print"/>
+          <a:stretch>
+            <a:fillRect/>
+          </a:stretch>
+        </p:blipFill>
+        <p:spPr>
+          <a:xfrm>
+            <a:off x="4942305" y="8439489"/>
+            <a:ext cx="1350750" cy="1811459"/>
+          </a:xfrm>
+          <a:prstGeom prst="rect">
+            <a:avLst/>
+          </a:prstGeom>
+        </p:spPr>
+      </p:pic>
+      <p:sp>
+        <p:nvSpPr>
+          <p:cNvPr id="8" name="object 8"/>
           <p:cNvSpPr txBox="1"/>
           <p:nvPr/>
         </p:nvSpPr>
         <p:spPr>
           <a:xfrm>
+            <a:off x="381541" y="10580816"/>
+            <a:ext cx="5995035" cy="314960"/>
+          </a:xfrm>
+          <a:prstGeom prst="rect">
+            <a:avLst/>
+          </a:prstGeom>
+        </p:spPr>
+        <p:txBody>
+          <a:bodyPr vert="horz" wrap="square" lIns="0" tIns="12065" rIns="0" bIns="0" rtlCol="0">
+            <a:spAutoFit/>
+          </a:bodyPr>
+          <a:lstStyle/>
+          <a:p>
+            <a:pPr marL="12700">
+              <a:lnSpc>
+                <a:spcPct val="100000"/>
+              </a:lnSpc>
+              <a:spcBef>
+                <a:spcPts val="95"/>
+              </a:spcBef>
+            </a:pPr>
+            <a:r>
+              <a:rPr sz="1900" spc="-5" dirty="0">
+                <a:solidFill>
+                  <a:schemeClr val="bg1"/>
+                </a:solidFill>
+                <a:latin typeface="Diagramm"/>
+                <a:cs typeface="Diagramm"/>
+              </a:rPr>
+              <a:t>COURTINE</a:t>
+            </a:r>
+            <a:r>
+              <a:rPr sz="1900" spc="-10" dirty="0">
+                <a:solidFill>
+                  <a:schemeClr val="bg1"/>
+                </a:solidFill>
+                <a:latin typeface="Diagramm"/>
+                <a:cs typeface="Diagramm"/>
+              </a:rPr>
+              <a:t> </a:t>
+            </a:r>
+            <a:r>
+              <a:rPr sz="1900" spc="-5" dirty="0">
+                <a:solidFill>
+                  <a:schemeClr val="bg1"/>
+                </a:solidFill>
+                <a:latin typeface="Diagramm"/>
+                <a:cs typeface="Diagramm"/>
+              </a:rPr>
+              <a:t>ET AL. </a:t>
+            </a:r>
+            <a:r>
+              <a:rPr sz="1900" dirty="0">
+                <a:solidFill>
+                  <a:schemeClr val="bg1"/>
+                </a:solidFill>
+                <a:latin typeface="Diagramm"/>
+                <a:cs typeface="Diagramm"/>
+              </a:rPr>
+              <a:t>¦</a:t>
+            </a:r>
+            <a:r>
+              <a:rPr sz="1900" spc="-10" dirty="0">
+                <a:solidFill>
+                  <a:schemeClr val="bg1"/>
+                </a:solidFill>
+                <a:latin typeface="Diagramm"/>
+                <a:cs typeface="Diagramm"/>
+              </a:rPr>
+              <a:t> </a:t>
+            </a:r>
+            <a:r>
+              <a:rPr sz="1900" spc="-30" dirty="0">
+                <a:solidFill>
+                  <a:schemeClr val="bg1"/>
+                </a:solidFill>
+                <a:latin typeface="Diagramm"/>
+                <a:cs typeface="Diagramm"/>
+              </a:rPr>
+              <a:t>NATURE</a:t>
+            </a:r>
+            <a:r>
+              <a:rPr sz="1900" spc="-5" dirty="0">
+                <a:solidFill>
+                  <a:schemeClr val="bg1"/>
+                </a:solidFill>
+                <a:latin typeface="Diagramm"/>
+                <a:cs typeface="Diagramm"/>
+              </a:rPr>
+              <a:t> NEUROSCIENCE </a:t>
+            </a:r>
+            <a:r>
+              <a:rPr sz="1900" dirty="0">
+                <a:solidFill>
+                  <a:schemeClr val="bg1"/>
+                </a:solidFill>
+                <a:latin typeface="Diagramm"/>
+                <a:cs typeface="Diagramm"/>
+              </a:rPr>
+              <a:t>¦</a:t>
+            </a:r>
+            <a:r>
+              <a:rPr sz="1900" spc="-10" dirty="0">
+                <a:solidFill>
+                  <a:schemeClr val="bg1"/>
+                </a:solidFill>
+                <a:latin typeface="Diagramm"/>
+                <a:cs typeface="Diagramm"/>
+              </a:rPr>
+              <a:t> </a:t>
+            </a:r>
+            <a:r>
+              <a:rPr sz="1900" spc="-5" dirty="0">
+                <a:solidFill>
+                  <a:schemeClr val="bg1"/>
+                </a:solidFill>
+                <a:latin typeface="Diagramm"/>
+                <a:cs typeface="Diagramm"/>
+              </a:rPr>
+              <a:t>2009</a:t>
+            </a:r>
+            <a:endParaRPr sz="1900" dirty="0">
+              <a:solidFill>
+                <a:schemeClr val="bg1"/>
+              </a:solidFill>
+              <a:latin typeface="Diagramm"/>
+              <a:cs typeface="Diagramm"/>
+            </a:endParaRPr>
+          </a:p>
+        </p:txBody>
+      </p:sp>
+      <p:sp>
+        <p:nvSpPr>
+          <p:cNvPr id="9" name="object 9"/>
+          <p:cNvSpPr txBox="1"/>
+          <p:nvPr/>
+        </p:nvSpPr>
+        <p:spPr>
+          <a:xfrm>
             <a:off x="507192" y="1659609"/>
-            <a:ext cx="636270" cy="402590"/>
+            <a:ext cx="1029969" cy="402590"/>
           </a:xfrm>
           <a:prstGeom prst="rect">
             <a:avLst/>
@@ -5463,7 +5413,7 @@
               </a:spcBef>
             </a:pPr>
             <a:r>
-              <a:rPr sz="2450" spc="-254" dirty="0">
+              <a:rPr sz="2450" spc="15" dirty="0">
                 <a:solidFill>
                   <a:schemeClr val="bg1"/>
                 </a:solidFill>
@@ -5473,34 +5423,24 @@
               <a:t>T</a:t>
             </a:r>
             <a:r>
-              <a:rPr sz="2450" spc="-40" dirty="0">
-                <a:solidFill>
-                  <a:schemeClr val="bg1"/>
-                </a:solidFill>
-                <a:latin typeface="Diagramm"/>
-                <a:cs typeface="Diagramm"/>
-              </a:rPr>
-              <a:t>e</a:t>
-            </a:r>
-            <a:r>
-              <a:rPr sz="2450" spc="-5" dirty="0">
-                <a:solidFill>
-                  <a:schemeClr val="bg1"/>
-                </a:solidFill>
-                <a:latin typeface="Diagramm"/>
-                <a:cs typeface="Diagramm"/>
-              </a:rPr>
-              <a:t>x</a:t>
-            </a:r>
-            <a:r>
-              <a:rPr sz="2450" spc="-90" dirty="0">
-                <a:solidFill>
-                  <a:schemeClr val="bg1"/>
-                </a:solidFill>
-                <a:latin typeface="Diagramm"/>
-                <a:cs typeface="Diagramm"/>
-              </a:rPr>
-              <a:t>t</a:t>
+              <a:rPr sz="2450" spc="20" dirty="0">
+                <a:solidFill>
+                  <a:schemeClr val="bg1"/>
+                </a:solidFill>
+                <a:latin typeface="Diagramm"/>
+                <a:cs typeface="Diagramm"/>
+              </a:rPr>
+              <a:t>E</a:t>
+            </a:r>
+            <a:r>
+              <a:rPr sz="2450" spc="15" dirty="0">
+                <a:solidFill>
+                  <a:schemeClr val="bg1"/>
+                </a:solidFill>
+                <a:latin typeface="Diagramm"/>
+                <a:cs typeface="Diagramm"/>
+              </a:rPr>
+              <a:t>XTE</a:t>
             </a:r>
             <a:endParaRPr sz="2450" dirty="0">
               <a:solidFill>
@@ -5514,7 +5454,96 @@
       </p:sp>
       <p:sp>
         <p:nvSpPr>
-          <p:cNvPr id="4" name="object 4"/>
+          <p:cNvPr id="10" name="object 10"/>
+          <p:cNvSpPr txBox="1"/>
+          <p:nvPr/>
+        </p:nvSpPr>
+        <p:spPr>
+          <a:xfrm>
+            <a:off x="8072676" y="4920431"/>
+            <a:ext cx="10955655" cy="1030605"/>
+          </a:xfrm>
+          <a:prstGeom prst="rect">
+            <a:avLst/>
+          </a:prstGeom>
+        </p:spPr>
+        <p:txBody>
+          <a:bodyPr vert="horz" wrap="square" lIns="0" tIns="12065" rIns="0" bIns="0" rtlCol="0">
+            <a:spAutoFit/>
+          </a:bodyPr>
+          <a:lstStyle/>
+          <a:p>
+            <a:pPr marL="12700">
+              <a:lnSpc>
+                <a:spcPct val="100000"/>
+              </a:lnSpc>
+              <a:spcBef>
+                <a:spcPts val="95"/>
+              </a:spcBef>
+            </a:pPr>
+            <a:r>
+              <a:rPr sz="6600" b="1" spc="-200" dirty="0">
+                <a:solidFill>
+                  <a:schemeClr val="bg1"/>
+                </a:solidFill>
+                <a:latin typeface="Diagramm Bold"/>
+                <a:cs typeface="Diagramm Bold"/>
+              </a:rPr>
+              <a:t>VIDEO/IMAGE</a:t>
+            </a:r>
+            <a:r>
+              <a:rPr sz="6600" b="1" spc="409" dirty="0">
+                <a:solidFill>
+                  <a:schemeClr val="bg1"/>
+                </a:solidFill>
+                <a:latin typeface="Diagramm Bold"/>
+                <a:cs typeface="Diagramm Bold"/>
+              </a:rPr>
+              <a:t> </a:t>
+            </a:r>
+            <a:r>
+              <a:rPr sz="6600" b="1" spc="-195" dirty="0">
+                <a:solidFill>
+                  <a:schemeClr val="bg1"/>
+                </a:solidFill>
+                <a:latin typeface="Diagramm Bold"/>
+                <a:cs typeface="Diagramm Bold"/>
+              </a:rPr>
+              <a:t>2/3</a:t>
+            </a:r>
+            <a:r>
+              <a:rPr sz="6600" b="1" spc="409" dirty="0">
+                <a:solidFill>
+                  <a:schemeClr val="bg1"/>
+                </a:solidFill>
+                <a:latin typeface="Diagramm Bold"/>
+                <a:cs typeface="Diagramm Bold"/>
+              </a:rPr>
+              <a:t> </a:t>
+            </a:r>
+            <a:r>
+              <a:rPr sz="6600" b="1" spc="-225" dirty="0">
+                <a:solidFill>
+                  <a:schemeClr val="bg1"/>
+                </a:solidFill>
+                <a:latin typeface="Diagramm Bold"/>
+                <a:cs typeface="Diagramm Bold"/>
+              </a:rPr>
+              <a:t>SCREEN</a:t>
+            </a:r>
+            <a:endParaRPr sz="6600" dirty="0">
+              <a:solidFill>
+                <a:schemeClr val="bg1"/>
+              </a:solidFill>
+              <a:latin typeface="Diagramm Bold"/>
+              <a:cs typeface="Diagramm Bold"/>
+            </a:endParaRPr>
+          </a:p>
+        </p:txBody>
+      </p:sp>
+      <p:sp>
+        <p:nvSpPr>
+          <p:cNvPr id="11" name="object 11"/>
           <p:cNvSpPr txBox="1">
             <a:spLocks noGrp="1"/>
           </p:cNvSpPr>
@@ -5523,6 +5552,10 @@
           </p:nvPr>
         </p:nvSpPr>
         <p:spPr>
+          <a:xfrm>
+            <a:off x="478701" y="396875"/>
+            <a:ext cx="19118207" cy="1031240"/>
+          </a:xfrm>
           <a:prstGeom prst="rect">
             <a:avLst/>
           </a:prstGeom>
@@ -5583,7 +5616,7 @@
 </file>
 
 <file path=ppt/slides/slide22.xml><?xml version="1.0" encoding="utf-8"?>
-<p:sld xmlns:a="http://schemas.openxmlformats.org/drawingml/2006/main" xmlns:r="http://schemas.openxmlformats.org/officeDocument/2006/relationships" xmlns:p="http://schemas.openxmlformats.org/presentationml/2006/main">
+<p:sld xmlns:a="http://schemas.openxmlformats.org/drawingml/2006/main" xmlns:r="http://schemas.openxmlformats.org/officeDocument/2006/relationships" xmlns:p="http://schemas.openxmlformats.org/presentationml/2006/main" showMasterSp="0">
   <p:cSld>
     <p:spTree>
       <p:nvGrpSpPr>
@@ -5623,16 +5656,418 @@
           </a:prstGeom>
         </p:spPr>
       </p:pic>
-      <p:sp>
-        <p:nvSpPr>
+      <p:pic>
+        <p:nvPicPr>
           <p:cNvPr id="3" name="object 3"/>
+          <p:cNvPicPr/>
+          <p:nvPr/>
+        </p:nvPicPr>
+        <p:blipFill>
+          <a:blip r:embed="rId3" cstate="print"/>
+          <a:stretch>
+            <a:fillRect/>
+          </a:stretch>
+        </p:blipFill>
+        <p:spPr>
+          <a:xfrm>
+            <a:off x="575958" y="8439489"/>
+            <a:ext cx="1350720" cy="1811459"/>
+          </a:xfrm>
+          <a:prstGeom prst="rect">
+            <a:avLst/>
+          </a:prstGeom>
+        </p:spPr>
+      </p:pic>
+      <p:pic>
+        <p:nvPicPr>
+          <p:cNvPr id="4" name="object 4"/>
+          <p:cNvPicPr/>
+          <p:nvPr/>
+        </p:nvPicPr>
+        <p:blipFill>
+          <a:blip r:embed="rId3" cstate="print"/>
+          <a:stretch>
+            <a:fillRect/>
+          </a:stretch>
+        </p:blipFill>
+        <p:spPr>
+          <a:xfrm>
+            <a:off x="2062813" y="8439489"/>
+            <a:ext cx="1350750" cy="1811459"/>
+          </a:xfrm>
+          <a:prstGeom prst="rect">
+            <a:avLst/>
+          </a:prstGeom>
+        </p:spPr>
+      </p:pic>
+      <p:pic>
+        <p:nvPicPr>
+          <p:cNvPr id="5" name="object 5"/>
+          <p:cNvPicPr/>
+          <p:nvPr/>
+        </p:nvPicPr>
+        <p:blipFill>
+          <a:blip r:embed="rId3" cstate="print"/>
+          <a:stretch>
+            <a:fillRect/>
+          </a:stretch>
+        </p:blipFill>
+        <p:spPr>
+          <a:xfrm>
+            <a:off x="3560148" y="8439489"/>
+            <a:ext cx="1350750" cy="1811459"/>
+          </a:xfrm>
+          <a:prstGeom prst="rect">
+            <a:avLst/>
+          </a:prstGeom>
+        </p:spPr>
+      </p:pic>
+      <p:pic>
+        <p:nvPicPr>
+          <p:cNvPr id="6" name="object 6"/>
+          <p:cNvPicPr/>
+          <p:nvPr/>
+        </p:nvPicPr>
+        <p:blipFill>
+          <a:blip r:embed="rId3" cstate="print"/>
+          <a:stretch>
+            <a:fillRect/>
+          </a:stretch>
+        </p:blipFill>
+        <p:spPr>
+          <a:xfrm>
+            <a:off x="5057481" y="8439489"/>
+            <a:ext cx="1350752" cy="1811459"/>
+          </a:xfrm>
+          <a:prstGeom prst="rect">
+            <a:avLst/>
+          </a:prstGeom>
+        </p:spPr>
+      </p:pic>
+      <p:pic>
+        <p:nvPicPr>
+          <p:cNvPr id="7" name="object 7"/>
+          <p:cNvPicPr/>
+          <p:nvPr/>
+        </p:nvPicPr>
+        <p:blipFill>
+          <a:blip r:embed="rId3" cstate="print"/>
+          <a:stretch>
+            <a:fillRect/>
+          </a:stretch>
+        </p:blipFill>
+        <p:spPr>
+          <a:xfrm>
+            <a:off x="6554816" y="8439489"/>
+            <a:ext cx="1350752" cy="1811459"/>
+          </a:xfrm>
+          <a:prstGeom prst="rect">
+            <a:avLst/>
+          </a:prstGeom>
+        </p:spPr>
+      </p:pic>
+      <p:pic>
+        <p:nvPicPr>
+          <p:cNvPr id="8" name="object 8"/>
+          <p:cNvPicPr/>
+          <p:nvPr/>
+        </p:nvPicPr>
+        <p:blipFill>
+          <a:blip r:embed="rId3" cstate="print"/>
+          <a:stretch>
+            <a:fillRect/>
+          </a:stretch>
+        </p:blipFill>
+        <p:spPr>
+          <a:xfrm>
+            <a:off x="8052152" y="8439489"/>
+            <a:ext cx="1350750" cy="1811459"/>
+          </a:xfrm>
+          <a:prstGeom prst="rect">
+            <a:avLst/>
+          </a:prstGeom>
+        </p:spPr>
+      </p:pic>
+      <p:sp>
+        <p:nvSpPr>
+          <p:cNvPr id="9" name="object 9"/>
           <p:cNvSpPr txBox="1"/>
           <p:nvPr/>
         </p:nvSpPr>
         <p:spPr>
           <a:xfrm>
-            <a:off x="507192" y="1659609"/>
-            <a:ext cx="636270" cy="402590"/>
+            <a:off x="1983343" y="10570298"/>
+            <a:ext cx="5995035" cy="314960"/>
+          </a:xfrm>
+          <a:prstGeom prst="rect">
+            <a:avLst/>
+          </a:prstGeom>
+        </p:spPr>
+        <p:txBody>
+          <a:bodyPr vert="horz" wrap="square" lIns="0" tIns="12065" rIns="0" bIns="0" rtlCol="0">
+            <a:spAutoFit/>
+          </a:bodyPr>
+          <a:lstStyle/>
+          <a:p>
+            <a:pPr marL="12700">
+              <a:lnSpc>
+                <a:spcPct val="100000"/>
+              </a:lnSpc>
+              <a:spcBef>
+                <a:spcPts val="95"/>
+              </a:spcBef>
+            </a:pPr>
+            <a:r>
+              <a:rPr sz="1900" spc="-5" dirty="0">
+                <a:solidFill>
+                  <a:schemeClr val="bg1"/>
+                </a:solidFill>
+                <a:latin typeface="Diagramm"/>
+                <a:cs typeface="Diagramm"/>
+              </a:rPr>
+              <a:t>COURTINE</a:t>
+            </a:r>
+            <a:r>
+              <a:rPr sz="1900" spc="-10" dirty="0">
+                <a:solidFill>
+                  <a:schemeClr val="bg1"/>
+                </a:solidFill>
+                <a:latin typeface="Diagramm"/>
+                <a:cs typeface="Diagramm"/>
+              </a:rPr>
+              <a:t> </a:t>
+            </a:r>
+            <a:r>
+              <a:rPr sz="1900" spc="-5" dirty="0">
+                <a:solidFill>
+                  <a:schemeClr val="bg1"/>
+                </a:solidFill>
+                <a:latin typeface="Diagramm"/>
+                <a:cs typeface="Diagramm"/>
+              </a:rPr>
+              <a:t>ET AL. </a:t>
+            </a:r>
+            <a:r>
+              <a:rPr sz="1900" dirty="0">
+                <a:solidFill>
+                  <a:schemeClr val="bg1"/>
+                </a:solidFill>
+                <a:latin typeface="Diagramm"/>
+                <a:cs typeface="Diagramm"/>
+              </a:rPr>
+              <a:t>¦</a:t>
+            </a:r>
+            <a:r>
+              <a:rPr sz="1900" spc="-10" dirty="0">
+                <a:solidFill>
+                  <a:schemeClr val="bg1"/>
+                </a:solidFill>
+                <a:latin typeface="Diagramm"/>
+                <a:cs typeface="Diagramm"/>
+              </a:rPr>
+              <a:t> </a:t>
+            </a:r>
+            <a:r>
+              <a:rPr sz="1900" spc="-30" dirty="0">
+                <a:solidFill>
+                  <a:schemeClr val="bg1"/>
+                </a:solidFill>
+                <a:latin typeface="Diagramm"/>
+                <a:cs typeface="Diagramm"/>
+              </a:rPr>
+              <a:t>NATURE</a:t>
+            </a:r>
+            <a:r>
+              <a:rPr sz="1900" spc="-5" dirty="0">
+                <a:solidFill>
+                  <a:schemeClr val="bg1"/>
+                </a:solidFill>
+                <a:latin typeface="Diagramm"/>
+                <a:cs typeface="Diagramm"/>
+              </a:rPr>
+              <a:t> NEUROSCIENCE </a:t>
+            </a:r>
+            <a:r>
+              <a:rPr sz="1900" dirty="0">
+                <a:solidFill>
+                  <a:schemeClr val="bg1"/>
+                </a:solidFill>
+                <a:latin typeface="Diagramm"/>
+                <a:cs typeface="Diagramm"/>
+              </a:rPr>
+              <a:t>¦</a:t>
+            </a:r>
+            <a:r>
+              <a:rPr sz="1900" spc="-10" dirty="0">
+                <a:solidFill>
+                  <a:schemeClr val="bg1"/>
+                </a:solidFill>
+                <a:latin typeface="Diagramm"/>
+                <a:cs typeface="Diagramm"/>
+              </a:rPr>
+              <a:t> </a:t>
+            </a:r>
+            <a:r>
+              <a:rPr sz="1900" spc="-5" dirty="0">
+                <a:solidFill>
+                  <a:schemeClr val="bg1"/>
+                </a:solidFill>
+                <a:latin typeface="Diagramm"/>
+                <a:cs typeface="Diagramm"/>
+              </a:rPr>
+              <a:t>2009</a:t>
+            </a:r>
+            <a:endParaRPr sz="1900" dirty="0">
+              <a:solidFill>
+                <a:schemeClr val="bg1"/>
+              </a:solidFill>
+              <a:latin typeface="Diagramm"/>
+              <a:cs typeface="Diagramm"/>
+            </a:endParaRPr>
+          </a:p>
+        </p:txBody>
+      </p:sp>
+      <p:pic>
+        <p:nvPicPr>
+          <p:cNvPr id="10" name="object 10"/>
+          <p:cNvPicPr/>
+          <p:nvPr/>
+        </p:nvPicPr>
+        <p:blipFill>
+          <a:blip r:embed="rId4" cstate="print"/>
+          <a:stretch>
+            <a:fillRect/>
+          </a:stretch>
+        </p:blipFill>
+        <p:spPr>
+          <a:xfrm>
+            <a:off x="10093918" y="3"/>
+            <a:ext cx="10010181" cy="11308549"/>
+          </a:xfrm>
+          <a:prstGeom prst="rect">
+            <a:avLst/>
+          </a:prstGeom>
+        </p:spPr>
+      </p:pic>
+      <p:sp>
+        <p:nvSpPr>
+          <p:cNvPr id="11" name="object 11"/>
+          <p:cNvSpPr txBox="1"/>
+          <p:nvPr/>
+        </p:nvSpPr>
+        <p:spPr>
+          <a:xfrm>
+            <a:off x="12194899" y="4920431"/>
+            <a:ext cx="5748020" cy="1030605"/>
+          </a:xfrm>
+          <a:prstGeom prst="rect">
+            <a:avLst/>
+          </a:prstGeom>
+        </p:spPr>
+        <p:txBody>
+          <a:bodyPr vert="horz" wrap="square" lIns="0" tIns="12065" rIns="0" bIns="0" rtlCol="0">
+            <a:spAutoFit/>
+          </a:bodyPr>
+          <a:lstStyle/>
+          <a:p>
+            <a:pPr marL="12700">
+              <a:lnSpc>
+                <a:spcPct val="100000"/>
+              </a:lnSpc>
+              <a:spcBef>
+                <a:spcPts val="95"/>
+              </a:spcBef>
+            </a:pPr>
+            <a:r>
+              <a:rPr sz="6600" b="1" spc="-110" dirty="0">
+                <a:solidFill>
+                  <a:schemeClr val="bg1"/>
+                </a:solidFill>
+                <a:latin typeface="Diagramm Bold"/>
+                <a:cs typeface="Diagramm Bold"/>
+              </a:rPr>
+              <a:t>VIDE</a:t>
+            </a:r>
+            <a:r>
+              <a:rPr sz="6600" b="1" spc="-480" dirty="0">
+                <a:solidFill>
+                  <a:schemeClr val="bg1"/>
+                </a:solidFill>
+                <a:latin typeface="Diagramm Bold"/>
+                <a:cs typeface="Diagramm Bold"/>
+              </a:rPr>
+              <a:t>O</a:t>
+            </a:r>
+            <a:r>
+              <a:rPr sz="6600" b="1" spc="25" dirty="0">
+                <a:solidFill>
+                  <a:schemeClr val="bg1"/>
+                </a:solidFill>
+                <a:latin typeface="Diagramm Bold"/>
+                <a:cs typeface="Diagramm Bold"/>
+              </a:rPr>
+              <a:t>/</a:t>
+            </a:r>
+            <a:r>
+              <a:rPr sz="6600" b="1" spc="-135" dirty="0">
+                <a:solidFill>
+                  <a:schemeClr val="bg1"/>
+                </a:solidFill>
+                <a:latin typeface="Diagramm Bold"/>
+                <a:cs typeface="Diagramm Bold"/>
+              </a:rPr>
+              <a:t>IM</a:t>
+            </a:r>
+            <a:r>
+              <a:rPr sz="6600" b="1" spc="-409" dirty="0">
+                <a:solidFill>
+                  <a:schemeClr val="bg1"/>
+                </a:solidFill>
+                <a:latin typeface="Diagramm Bold"/>
+                <a:cs typeface="Diagramm Bold"/>
+              </a:rPr>
+              <a:t>A</a:t>
+            </a:r>
+            <a:r>
+              <a:rPr sz="6600" b="1" spc="-220" dirty="0">
+                <a:solidFill>
+                  <a:schemeClr val="bg1"/>
+                </a:solidFill>
+                <a:latin typeface="Diagramm Bold"/>
+                <a:cs typeface="Diagramm Bold"/>
+              </a:rPr>
+              <a:t>G</a:t>
+            </a:r>
+            <a:r>
+              <a:rPr sz="6600" b="1" spc="-430" dirty="0">
+                <a:solidFill>
+                  <a:schemeClr val="bg1"/>
+                </a:solidFill>
+                <a:latin typeface="Diagramm Bold"/>
+                <a:cs typeface="Diagramm Bold"/>
+              </a:rPr>
+              <a:t>E</a:t>
+            </a:r>
+            <a:endParaRPr sz="6600" dirty="0">
+              <a:solidFill>
+                <a:schemeClr val="bg1"/>
+              </a:solidFill>
+              <a:latin typeface="Diagramm Bold"/>
+              <a:cs typeface="Diagramm Bold"/>
+            </a:endParaRPr>
+          </a:p>
+        </p:txBody>
+      </p:sp>
+      <p:sp>
+        <p:nvSpPr>
+          <p:cNvPr id="12" name="object 12"/>
+          <p:cNvSpPr txBox="1"/>
+          <p:nvPr/>
+        </p:nvSpPr>
+        <p:spPr>
+          <a:xfrm>
+            <a:off x="14017993" y="5820886"/>
+            <a:ext cx="2101850" cy="402590"/>
           </a:xfrm>
           <a:prstGeom prst="rect">
             <a:avLst/>
@@ -5653,7 +6088,138 @@
               </a:spcBef>
             </a:pPr>
             <a:r>
-              <a:rPr sz="2450" spc="-254" dirty="0">
+              <a:rPr sz="2450" b="1" spc="-70" dirty="0">
+                <a:solidFill>
+                  <a:schemeClr val="bg1"/>
+                </a:solidFill>
+                <a:latin typeface="Diagramm Bold"/>
+                <a:cs typeface="Diagramm Bold"/>
+              </a:rPr>
+              <a:t>(NO</a:t>
+            </a:r>
+            <a:r>
+              <a:rPr sz="2450" b="1" spc="114" dirty="0">
+                <a:solidFill>
+                  <a:schemeClr val="bg1"/>
+                </a:solidFill>
+                <a:latin typeface="Diagramm Bold"/>
+                <a:cs typeface="Diagramm Bold"/>
+              </a:rPr>
+              <a:t> </a:t>
+            </a:r>
+            <a:r>
+              <a:rPr sz="2450" b="1" spc="-55" dirty="0">
+                <a:solidFill>
+                  <a:schemeClr val="bg1"/>
+                </a:solidFill>
+                <a:latin typeface="Diagramm Bold"/>
+                <a:cs typeface="Diagramm Bold"/>
+              </a:rPr>
+              <a:t>BORDER)</a:t>
+            </a:r>
+            <a:endParaRPr sz="2450" dirty="0">
+              <a:solidFill>
+                <a:schemeClr val="bg1"/>
+              </a:solidFill>
+              <a:latin typeface="Diagramm Bold"/>
+              <a:cs typeface="Diagramm Bold"/>
+            </a:endParaRPr>
+          </a:p>
+        </p:txBody>
+      </p:sp>
+      <p:sp>
+        <p:nvSpPr>
+          <p:cNvPr id="13" name="object 13"/>
+          <p:cNvSpPr txBox="1">
+            <a:spLocks noGrp="1"/>
+          </p:cNvSpPr>
+          <p:nvPr>
+            <p:ph type="title"/>
+          </p:nvPr>
+        </p:nvSpPr>
+        <p:spPr>
+          <a:prstGeom prst="rect">
+            <a:avLst/>
+          </a:prstGeom>
+        </p:spPr>
+        <p:txBody>
+          <a:bodyPr vert="horz" wrap="square" lIns="0" tIns="12065" rIns="0" bIns="0" rtlCol="0">
+            <a:spAutoFit/>
+          </a:bodyPr>
+          <a:lstStyle/>
+          <a:p>
+            <a:pPr marL="12799060">
+              <a:lnSpc>
+                <a:spcPts val="3960"/>
+              </a:lnSpc>
+              <a:spcBef>
+                <a:spcPts val="95"/>
+              </a:spcBef>
+            </a:pPr>
+            <a:r>
+              <a:rPr lang="en-US" kern="0" spc="-5" dirty="0">
+                <a:solidFill>
+                  <a:schemeClr val="bg1"/>
+                </a:solidFill>
+              </a:rPr>
+              <a:t>Weighted Least Squares Estimation </a:t>
+            </a:r>
+            <a:br>
+              <a:rPr lang="en-US" kern="0" spc="-5" dirty="0">
+                <a:solidFill>
+                  <a:schemeClr val="bg1"/>
+                </a:solidFill>
+              </a:rPr>
+            </a:br>
+            <a:r>
+              <a:rPr lang="en-US" b="0" kern="0" spc="-5" dirty="0">
+                <a:solidFill>
+                  <a:schemeClr val="bg1"/>
+                </a:solidFill>
+              </a:rPr>
+              <a:t>3D Body Part Trajectories</a:t>
+            </a:r>
+            <a:endParaRPr lang="en-US" b="0" kern="0" spc="-10" dirty="0">
+              <a:solidFill>
+                <a:schemeClr val="bg1"/>
+              </a:solidFill>
+              <a:latin typeface="Diagramm Light"/>
+              <a:cs typeface="Diagramm Light"/>
+            </a:endParaRPr>
+          </a:p>
+        </p:txBody>
+      </p:sp>
+      <p:sp>
+        <p:nvSpPr>
+          <p:cNvPr id="14" name="object 14"/>
+          <p:cNvSpPr txBox="1"/>
+          <p:nvPr/>
+        </p:nvSpPr>
+        <p:spPr>
+          <a:xfrm>
+            <a:off x="507192" y="1659609"/>
+            <a:ext cx="1029969" cy="402590"/>
+          </a:xfrm>
+          <a:prstGeom prst="rect">
+            <a:avLst/>
+          </a:prstGeom>
+        </p:spPr>
+        <p:txBody>
+          <a:bodyPr vert="horz" wrap="square" lIns="0" tIns="15240" rIns="0" bIns="0" rtlCol="0">
+            <a:spAutoFit/>
+          </a:bodyPr>
+          <a:lstStyle/>
+          <a:p>
+            <a:pPr marL="12700">
+              <a:lnSpc>
+                <a:spcPct val="100000"/>
+              </a:lnSpc>
+              <a:spcBef>
+                <a:spcPts val="120"/>
+              </a:spcBef>
+            </a:pPr>
+            <a:r>
+              <a:rPr sz="2450" spc="15" dirty="0">
                 <a:solidFill>
                   <a:schemeClr val="bg1"/>
                 </a:solidFill>
@@ -5663,34 +6229,24 @@
               <a:t>T</a:t>
             </a:r>
             <a:r>
-              <a:rPr sz="2450" spc="-40" dirty="0">
-                <a:solidFill>
-                  <a:schemeClr val="bg1"/>
-                </a:solidFill>
-                <a:latin typeface="Diagramm"/>
-                <a:cs typeface="Diagramm"/>
-              </a:rPr>
-              <a:t>e</a:t>
-            </a:r>
-            <a:r>
-              <a:rPr sz="2450" spc="-5" dirty="0">
-                <a:solidFill>
-                  <a:schemeClr val="bg1"/>
-                </a:solidFill>
-                <a:latin typeface="Diagramm"/>
-                <a:cs typeface="Diagramm"/>
-              </a:rPr>
-              <a:t>x</a:t>
-            </a:r>
-            <a:r>
-              <a:rPr sz="2450" spc="-90" dirty="0">
-                <a:solidFill>
-                  <a:schemeClr val="bg1"/>
-                </a:solidFill>
-                <a:latin typeface="Diagramm"/>
-                <a:cs typeface="Diagramm"/>
-              </a:rPr>
-              <a:t>t</a:t>
+              <a:rPr sz="2450" spc="20" dirty="0">
+                <a:solidFill>
+                  <a:schemeClr val="bg1"/>
+                </a:solidFill>
+                <a:latin typeface="Diagramm"/>
+                <a:cs typeface="Diagramm"/>
+              </a:rPr>
+              <a:t>E</a:t>
+            </a:r>
+            <a:r>
+              <a:rPr sz="2450" spc="15" dirty="0">
+                <a:solidFill>
+                  <a:schemeClr val="bg1"/>
+                </a:solidFill>
+                <a:latin typeface="Diagramm"/>
+                <a:cs typeface="Diagramm"/>
+              </a:rPr>
+              <a:t>XTE</a:t>
             </a:r>
             <a:endParaRPr sz="2450" dirty="0">
               <a:solidFill>
@@ -5698,68 +6254,6 @@
               </a:solidFill>
               <a:latin typeface="Diagramm"/>
               <a:cs typeface="Diagramm"/>
-            </a:endParaRPr>
-          </a:p>
-        </p:txBody>
-      </p:sp>
-      <p:sp>
-        <p:nvSpPr>
-          <p:cNvPr id="4" name="object 4"/>
-          <p:cNvSpPr txBox="1">
-            <a:spLocks noGrp="1"/>
-          </p:cNvSpPr>
-          <p:nvPr>
-            <p:ph type="title"/>
-          </p:nvPr>
-        </p:nvSpPr>
-        <p:spPr>
-          <a:prstGeom prst="rect">
-            <a:avLst/>
-          </a:prstGeom>
-        </p:spPr>
-        <p:txBody>
-          <a:bodyPr vert="horz" wrap="square" lIns="0" tIns="12065" rIns="0" bIns="0" rtlCol="0">
-            <a:spAutoFit/>
-          </a:bodyPr>
-          <a:lstStyle/>
-          <a:p>
-            <a:pPr marL="12799060">
-              <a:lnSpc>
-                <a:spcPts val="3960"/>
-              </a:lnSpc>
-              <a:spcBef>
-                <a:spcPts val="95"/>
-              </a:spcBef>
-            </a:pPr>
-            <a:r>
-              <a:rPr lang="en-US" kern="0" spc="-5" dirty="0">
-                <a:solidFill>
-                  <a:schemeClr val="bg1"/>
-                </a:solidFill>
-              </a:rPr>
-              <a:t>Weighted Least Squares Estimation </a:t>
-            </a:r>
-            <a:br>
-              <a:rPr lang="en-US" kern="0" spc="-5" dirty="0">
-                <a:solidFill>
-                  <a:schemeClr val="bg1"/>
-                </a:solidFill>
-              </a:rPr>
-            </a:br>
-            <a:r>
-              <a:rPr lang="en-US" b="0" kern="0" spc="-5" dirty="0">
-                <a:solidFill>
-                  <a:schemeClr val="bg1"/>
-                </a:solidFill>
-              </a:rPr>
-              <a:t>3D Body Part Trajectories</a:t>
-            </a:r>
-            <a:endParaRPr lang="en-US" b="0" kern="0" spc="-10" dirty="0">
-              <a:solidFill>
-                <a:schemeClr val="bg1"/>
-              </a:solidFill>
-              <a:latin typeface="Diagramm Light"/>
-              <a:cs typeface="Diagramm Light"/>
             </a:endParaRPr>
           </a:p>
         </p:txBody>
@@ -5806,7 +6300,7 @@
         <p:spPr>
           <a:xfrm>
             <a:off x="0" y="0"/>
-            <a:ext cx="20104100" cy="11277143"/>
+            <a:ext cx="20104100" cy="11308556"/>
           </a:xfrm>
           <a:prstGeom prst="rect">
             <a:avLst/>
@@ -5844,6 +6338,9 @@
             </a:pPr>
             <a:r>
               <a:rPr sz="2450" spc="-254" dirty="0">
+                <a:solidFill>
+                  <a:schemeClr val="bg1"/>
+                </a:solidFill>
                 <a:latin typeface="Diagramm"/>
                 <a:cs typeface="Diagramm"/>
               </a:rPr>
@@ -5851,6 +6348,9 @@
             </a:r>
             <a:r>
               <a:rPr sz="2450" spc="-40" dirty="0">
+                <a:solidFill>
+                  <a:schemeClr val="bg1"/>
+                </a:solidFill>
                 <a:latin typeface="Diagramm"/>
                 <a:cs typeface="Diagramm"/>
               </a:rPr>
@@ -5858,6 +6358,9 @@
             </a:r>
             <a:r>
               <a:rPr sz="2450" spc="-5" dirty="0">
+                <a:solidFill>
+                  <a:schemeClr val="bg1"/>
+                </a:solidFill>
                 <a:latin typeface="Diagramm"/>
                 <a:cs typeface="Diagramm"/>
               </a:rPr>
@@ -5865,12 +6368,18 @@
             </a:r>
             <a:r>
               <a:rPr sz="2450" spc="-90" dirty="0">
+                <a:solidFill>
+                  <a:schemeClr val="bg1"/>
+                </a:solidFill>
                 <a:latin typeface="Diagramm"/>
                 <a:cs typeface="Diagramm"/>
               </a:rPr>
               <a:t>t</a:t>
             </a:r>
-            <a:endParaRPr sz="2450">
+            <a:endParaRPr sz="2450" dirty="0">
+              <a:solidFill>
+                <a:schemeClr val="bg1"/>
+              </a:solidFill>
               <a:latin typeface="Diagramm"/>
               <a:cs typeface="Diagramm"/>
             </a:endParaRPr>
@@ -5879,13 +6388,7 @@
       </p:sp>
       <p:sp>
         <p:nvSpPr>
-          <p:cNvPr id="7" name="object 4">
-            <a:extLst>
-              <a:ext uri="{FF2B5EF4-FFF2-40B4-BE49-F238E27FC236}">
-                <a16:creationId xmlns:a16="http://schemas.microsoft.com/office/drawing/2014/main" id="{499D3297-56CD-5700-363A-7B6A4F0CB2D9}"/>
-              </a:ext>
-            </a:extLst>
-          </p:cNvPr>
+          <p:cNvPr id="4" name="object 4"/>
           <p:cNvSpPr txBox="1">
             <a:spLocks noGrp="1"/>
           </p:cNvSpPr>
@@ -5894,10 +6397,6 @@
           </p:nvPr>
         </p:nvSpPr>
         <p:spPr>
-          <a:xfrm>
-            <a:off x="492946" y="382194"/>
-            <a:ext cx="19118207" cy="1031240"/>
-          </a:xfrm>
           <a:prstGeom prst="rect">
             <a:avLst/>
           </a:prstGeom>
@@ -5917,17 +6416,32 @@
               </a:spcBef>
             </a:pPr>
             <a:r>
-              <a:rPr lang="en-US" kern="0" spc="-5" dirty="0"/>
+              <a:rPr lang="en-US" kern="0" spc="-5" dirty="0">
+                <a:solidFill>
+                  <a:schemeClr val="bg1"/>
+                </a:solidFill>
+              </a:rPr>
               <a:t>Weighted Least Squares Estimation </a:t>
             </a:r>
             <a:br>
-              <a:rPr lang="en-US" kern="0" spc="-5" dirty="0"/>
+              <a:rPr lang="en-US" kern="0" spc="-5" dirty="0">
+                <a:solidFill>
+                  <a:schemeClr val="bg1"/>
+                </a:solidFill>
+              </a:rPr>
             </a:br>
             <a:r>
-              <a:rPr lang="en-US" b="0" kern="0" spc="-5" dirty="0"/>
+              <a:rPr lang="en-US" b="0" kern="0" spc="-5" dirty="0">
+                <a:solidFill>
+                  <a:schemeClr val="bg1"/>
+                </a:solidFill>
+              </a:rPr>
               <a:t>3D Body Part Trajectories</a:t>
             </a:r>
             <a:endParaRPr lang="en-US" b="0" kern="0" spc="-10" dirty="0">
+              <a:solidFill>
+                <a:schemeClr val="bg1"/>
+              </a:solidFill>
               <a:latin typeface="Diagramm Light"/>
               <a:cs typeface="Diagramm Light"/>
             </a:endParaRPr>
@@ -5976,7 +6490,7 @@
         <p:spPr>
           <a:xfrm>
             <a:off x="0" y="0"/>
-            <a:ext cx="20104100" cy="11224789"/>
+            <a:ext cx="20104100" cy="11308556"/>
           </a:xfrm>
           <a:prstGeom prst="rect">
             <a:avLst/>
@@ -6014,6 +6528,196 @@
             </a:pPr>
             <a:r>
               <a:rPr sz="2450" spc="-254" dirty="0">
+                <a:solidFill>
+                  <a:schemeClr val="bg1"/>
+                </a:solidFill>
+                <a:latin typeface="Diagramm"/>
+                <a:cs typeface="Diagramm"/>
+              </a:rPr>
+              <a:t>T</a:t>
+            </a:r>
+            <a:r>
+              <a:rPr sz="2450" spc="-40" dirty="0">
+                <a:solidFill>
+                  <a:schemeClr val="bg1"/>
+                </a:solidFill>
+                <a:latin typeface="Diagramm"/>
+                <a:cs typeface="Diagramm"/>
+              </a:rPr>
+              <a:t>e</a:t>
+            </a:r>
+            <a:r>
+              <a:rPr sz="2450" spc="-5" dirty="0">
+                <a:solidFill>
+                  <a:schemeClr val="bg1"/>
+                </a:solidFill>
+                <a:latin typeface="Diagramm"/>
+                <a:cs typeface="Diagramm"/>
+              </a:rPr>
+              <a:t>x</a:t>
+            </a:r>
+            <a:r>
+              <a:rPr sz="2450" spc="-90" dirty="0">
+                <a:solidFill>
+                  <a:schemeClr val="bg1"/>
+                </a:solidFill>
+                <a:latin typeface="Diagramm"/>
+                <a:cs typeface="Diagramm"/>
+              </a:rPr>
+              <a:t>t</a:t>
+            </a:r>
+            <a:endParaRPr sz="2450" dirty="0">
+              <a:solidFill>
+                <a:schemeClr val="bg1"/>
+              </a:solidFill>
+              <a:latin typeface="Diagramm"/>
+              <a:cs typeface="Diagramm"/>
+            </a:endParaRPr>
+          </a:p>
+        </p:txBody>
+      </p:sp>
+      <p:sp>
+        <p:nvSpPr>
+          <p:cNvPr id="4" name="object 4"/>
+          <p:cNvSpPr txBox="1">
+            <a:spLocks noGrp="1"/>
+          </p:cNvSpPr>
+          <p:nvPr>
+            <p:ph type="title"/>
+          </p:nvPr>
+        </p:nvSpPr>
+        <p:spPr>
+          <a:prstGeom prst="rect">
+            <a:avLst/>
+          </a:prstGeom>
+        </p:spPr>
+        <p:txBody>
+          <a:bodyPr vert="horz" wrap="square" lIns="0" tIns="12065" rIns="0" bIns="0" rtlCol="0">
+            <a:spAutoFit/>
+          </a:bodyPr>
+          <a:lstStyle/>
+          <a:p>
+            <a:pPr marL="12799060">
+              <a:lnSpc>
+                <a:spcPts val="3960"/>
+              </a:lnSpc>
+              <a:spcBef>
+                <a:spcPts val="95"/>
+              </a:spcBef>
+            </a:pPr>
+            <a:r>
+              <a:rPr lang="en-US" kern="0" spc="-5" dirty="0">
+                <a:solidFill>
+                  <a:schemeClr val="bg1"/>
+                </a:solidFill>
+              </a:rPr>
+              <a:t>Weighted Least Squares Estimation </a:t>
+            </a:r>
+            <a:br>
+              <a:rPr lang="en-US" kern="0" spc="-5" dirty="0">
+                <a:solidFill>
+                  <a:schemeClr val="bg1"/>
+                </a:solidFill>
+              </a:rPr>
+            </a:br>
+            <a:r>
+              <a:rPr lang="en-US" b="0" kern="0" spc="-5" dirty="0">
+                <a:solidFill>
+                  <a:schemeClr val="bg1"/>
+                </a:solidFill>
+              </a:rPr>
+              <a:t>3D Body Part Trajectories</a:t>
+            </a:r>
+            <a:endParaRPr lang="en-US" b="0" kern="0" spc="-10" dirty="0">
+              <a:solidFill>
+                <a:schemeClr val="bg1"/>
+              </a:solidFill>
+              <a:latin typeface="Diagramm Light"/>
+              <a:cs typeface="Diagramm Light"/>
+            </a:endParaRPr>
+          </a:p>
+        </p:txBody>
+      </p:sp>
+    </p:spTree>
+  </p:cSld>
+  <p:clrMapOvr>
+    <a:masterClrMapping/>
+  </p:clrMapOvr>
+</p:sld>
+</file>
+
+<file path=ppt/slides/slide25.xml><?xml version="1.0" encoding="utf-8"?>
+<p:sld xmlns:a="http://schemas.openxmlformats.org/drawingml/2006/main" xmlns:r="http://schemas.openxmlformats.org/officeDocument/2006/relationships" xmlns:p="http://schemas.openxmlformats.org/presentationml/2006/main">
+  <p:cSld>
+    <p:spTree>
+      <p:nvGrpSpPr>
+        <p:cNvPr id="1" name=""/>
+        <p:cNvGrpSpPr/>
+        <p:nvPr/>
+      </p:nvGrpSpPr>
+      <p:grpSpPr>
+        <a:xfrm>
+          <a:off x="0" y="0"/>
+          <a:ext cx="0" cy="0"/>
+          <a:chOff x="0" y="0"/>
+          <a:chExt cx="0" cy="0"/>
+        </a:xfrm>
+      </p:grpSpPr>
+      <p:pic>
+        <p:nvPicPr>
+          <p:cNvPr id="2" name="object 2"/>
+          <p:cNvPicPr>
+            <a:picLocks noGrp="1" noRot="1" noMove="1" noResize="1" noEditPoints="1" noAdjustHandles="1" noChangeArrowheads="1" noChangeShapeType="1" noCrop="1"/>
+          </p:cNvPicPr>
+          <p:nvPr/>
+        </p:nvPicPr>
+        <p:blipFill>
+          <a:blip r:embed="rId2" cstate="print"/>
+          <a:stretch>
+            <a:fillRect/>
+          </a:stretch>
+        </p:blipFill>
+        <p:spPr>
+          <a:xfrm>
+            <a:off x="0" y="0"/>
+            <a:ext cx="20104100" cy="11308556"/>
+          </a:xfrm>
+          <a:prstGeom prst="rect">
+            <a:avLst/>
+          </a:prstGeom>
+        </p:spPr>
+      </p:pic>
+      <p:sp>
+        <p:nvSpPr>
+          <p:cNvPr id="3" name="object 3"/>
+          <p:cNvSpPr txBox="1"/>
+          <p:nvPr/>
+        </p:nvSpPr>
+        <p:spPr>
+          <a:xfrm>
+            <a:off x="507192" y="1659609"/>
+            <a:ext cx="636270" cy="402590"/>
+          </a:xfrm>
+          <a:prstGeom prst="rect">
+            <a:avLst/>
+          </a:prstGeom>
+        </p:spPr>
+        <p:txBody>
+          <a:bodyPr vert="horz" wrap="square" lIns="0" tIns="15240" rIns="0" bIns="0" rtlCol="0">
+            <a:spAutoFit/>
+          </a:bodyPr>
+          <a:lstStyle/>
+          <a:p>
+            <a:pPr marL="12700">
+              <a:lnSpc>
+                <a:spcPct val="100000"/>
+              </a:lnSpc>
+              <a:spcBef>
+                <a:spcPts val="120"/>
+              </a:spcBef>
+            </a:pPr>
+            <a:r>
+              <a:rPr sz="2450" spc="-254" dirty="0">
                 <a:latin typeface="Diagramm"/>
                 <a:cs typeface="Diagramm"/>
               </a:rPr>
@@ -6049,10 +6753,710 @@
       </p:sp>
       <p:sp>
         <p:nvSpPr>
+          <p:cNvPr id="4" name="object 4"/>
+          <p:cNvSpPr txBox="1">
+            <a:spLocks noGrp="1"/>
+          </p:cNvSpPr>
+          <p:nvPr>
+            <p:ph type="title"/>
+          </p:nvPr>
+        </p:nvSpPr>
+        <p:spPr>
+          <a:prstGeom prst="rect">
+            <a:avLst/>
+          </a:prstGeom>
+        </p:spPr>
+        <p:txBody>
+          <a:bodyPr vert="horz" wrap="square" lIns="0" tIns="12065" rIns="0" bIns="0" rtlCol="0">
+            <a:spAutoFit/>
+          </a:bodyPr>
+          <a:lstStyle/>
+          <a:p>
+            <a:pPr marL="12799060">
+              <a:lnSpc>
+                <a:spcPts val="3960"/>
+              </a:lnSpc>
+              <a:spcBef>
+                <a:spcPts val="95"/>
+              </a:spcBef>
+            </a:pPr>
+            <a:r>
+              <a:rPr lang="en-US" kern="0" spc="-5" dirty="0"/>
+              <a:t>Weighted Least Squares Estimation </a:t>
+            </a:r>
+            <a:br>
+              <a:rPr lang="en-US" kern="0" spc="-5" dirty="0"/>
+            </a:br>
+            <a:r>
+              <a:rPr lang="en-US" b="0" kern="0" spc="-5" dirty="0"/>
+              <a:t>3D Body Part Trajectories</a:t>
+            </a:r>
+            <a:endParaRPr lang="en-US" b="0" kern="0" spc="-10" dirty="0">
+              <a:latin typeface="Diagramm Light"/>
+              <a:cs typeface="Diagramm Light"/>
+            </a:endParaRPr>
+          </a:p>
+        </p:txBody>
+      </p:sp>
+    </p:spTree>
+  </p:cSld>
+  <p:clrMapOvr>
+    <a:masterClrMapping/>
+  </p:clrMapOvr>
+</p:sld>
+</file>
+
+<file path=ppt/slides/slide26.xml><?xml version="1.0" encoding="utf-8"?>
+<p:sld xmlns:a="http://schemas.openxmlformats.org/drawingml/2006/main" xmlns:r="http://schemas.openxmlformats.org/officeDocument/2006/relationships" xmlns:p="http://schemas.openxmlformats.org/presentationml/2006/main">
+  <p:cSld>
+    <p:spTree>
+      <p:nvGrpSpPr>
+        <p:cNvPr id="1" name=""/>
+        <p:cNvGrpSpPr/>
+        <p:nvPr/>
+      </p:nvGrpSpPr>
+      <p:grpSpPr>
+        <a:xfrm>
+          <a:off x="0" y="0"/>
+          <a:ext cx="0" cy="0"/>
+          <a:chOff x="0" y="0"/>
+          <a:chExt cx="0" cy="0"/>
+        </a:xfrm>
+      </p:grpSpPr>
+      <p:pic>
+        <p:nvPicPr>
+          <p:cNvPr id="2" name="object 2"/>
+          <p:cNvPicPr>
+            <a:picLocks noGrp="1" noRot="1" noMove="1" noResize="1" noEditPoints="1" noAdjustHandles="1" noChangeArrowheads="1" noChangeShapeType="1" noCrop="1"/>
+          </p:cNvPicPr>
+          <p:nvPr/>
+        </p:nvPicPr>
+        <p:blipFill>
+          <a:blip r:embed="rId2" cstate="print"/>
+          <a:stretch>
+            <a:fillRect/>
+          </a:stretch>
+        </p:blipFill>
+        <p:spPr>
+          <a:xfrm>
+            <a:off x="0" y="0"/>
+            <a:ext cx="20104100" cy="11308556"/>
+          </a:xfrm>
+          <a:prstGeom prst="rect">
+            <a:avLst/>
+          </a:prstGeom>
+        </p:spPr>
+      </p:pic>
+      <p:sp>
+        <p:nvSpPr>
+          <p:cNvPr id="3" name="object 3"/>
+          <p:cNvSpPr txBox="1"/>
+          <p:nvPr/>
+        </p:nvSpPr>
+        <p:spPr>
+          <a:xfrm>
+            <a:off x="507192" y="1659609"/>
+            <a:ext cx="636270" cy="402590"/>
+          </a:xfrm>
+          <a:prstGeom prst="rect">
+            <a:avLst/>
+          </a:prstGeom>
+        </p:spPr>
+        <p:txBody>
+          <a:bodyPr vert="horz" wrap="square" lIns="0" tIns="15240" rIns="0" bIns="0" rtlCol="0">
+            <a:spAutoFit/>
+          </a:bodyPr>
+          <a:lstStyle/>
+          <a:p>
+            <a:pPr marL="12700">
+              <a:lnSpc>
+                <a:spcPct val="100000"/>
+              </a:lnSpc>
+              <a:spcBef>
+                <a:spcPts val="120"/>
+              </a:spcBef>
+            </a:pPr>
+            <a:r>
+              <a:rPr sz="2450" spc="-254" dirty="0">
+                <a:latin typeface="Diagramm"/>
+                <a:cs typeface="Diagramm"/>
+              </a:rPr>
+              <a:t>T</a:t>
+            </a:r>
+            <a:r>
+              <a:rPr sz="2450" spc="-40" dirty="0">
+                <a:latin typeface="Diagramm"/>
+                <a:cs typeface="Diagramm"/>
+              </a:rPr>
+              <a:t>e</a:t>
+            </a:r>
+            <a:r>
+              <a:rPr sz="2450" spc="-5" dirty="0">
+                <a:latin typeface="Diagramm"/>
+                <a:cs typeface="Diagramm"/>
+              </a:rPr>
+              <a:t>x</a:t>
+            </a:r>
+            <a:r>
+              <a:rPr sz="2450" spc="-90" dirty="0">
+                <a:latin typeface="Diagramm"/>
+                <a:cs typeface="Diagramm"/>
+              </a:rPr>
+              <a:t>t</a:t>
+            </a:r>
+            <a:endParaRPr sz="2450">
+              <a:latin typeface="Diagramm"/>
+              <a:cs typeface="Diagramm"/>
+            </a:endParaRPr>
+          </a:p>
+        </p:txBody>
+      </p:sp>
+      <p:sp>
+        <p:nvSpPr>
+          <p:cNvPr id="4" name="object 4"/>
+          <p:cNvSpPr txBox="1">
+            <a:spLocks noGrp="1"/>
+          </p:cNvSpPr>
+          <p:nvPr>
+            <p:ph type="title"/>
+          </p:nvPr>
+        </p:nvSpPr>
+        <p:spPr>
+          <a:prstGeom prst="rect">
+            <a:avLst/>
+          </a:prstGeom>
+        </p:spPr>
+        <p:txBody>
+          <a:bodyPr vert="horz" wrap="square" lIns="0" tIns="12065" rIns="0" bIns="0" rtlCol="0">
+            <a:spAutoFit/>
+          </a:bodyPr>
+          <a:lstStyle/>
+          <a:p>
+            <a:pPr marL="12799060">
+              <a:lnSpc>
+                <a:spcPts val="3960"/>
+              </a:lnSpc>
+              <a:spcBef>
+                <a:spcPts val="95"/>
+              </a:spcBef>
+            </a:pPr>
+            <a:r>
+              <a:rPr lang="en-US" kern="0" spc="-5" dirty="0"/>
+              <a:t>Weighted Least Squares Estimation </a:t>
+            </a:r>
+            <a:br>
+              <a:rPr lang="en-US" kern="0" spc="-5" dirty="0"/>
+            </a:br>
+            <a:r>
+              <a:rPr lang="en-US" b="0" kern="0" spc="-5" dirty="0"/>
+              <a:t>3D Body Part Trajectories</a:t>
+            </a:r>
+            <a:endParaRPr lang="en-US" b="0" kern="0" spc="-10" dirty="0">
+              <a:latin typeface="Diagramm Light"/>
+              <a:cs typeface="Diagramm Light"/>
+            </a:endParaRPr>
+          </a:p>
+        </p:txBody>
+      </p:sp>
+    </p:spTree>
+  </p:cSld>
+  <p:clrMapOvr>
+    <a:masterClrMapping/>
+  </p:clrMapOvr>
+</p:sld>
+</file>
+
+<file path=ppt/slides/slide27.xml><?xml version="1.0" encoding="utf-8"?>
+<p:sld xmlns:a="http://schemas.openxmlformats.org/drawingml/2006/main" xmlns:r="http://schemas.openxmlformats.org/officeDocument/2006/relationships" xmlns:p="http://schemas.openxmlformats.org/presentationml/2006/main">
+  <p:cSld>
+    <p:spTree>
+      <p:nvGrpSpPr>
+        <p:cNvPr id="1" name=""/>
+        <p:cNvGrpSpPr/>
+        <p:nvPr/>
+      </p:nvGrpSpPr>
+      <p:grpSpPr>
+        <a:xfrm>
+          <a:off x="0" y="0"/>
+          <a:ext cx="0" cy="0"/>
+          <a:chOff x="0" y="0"/>
+          <a:chExt cx="0" cy="0"/>
+        </a:xfrm>
+      </p:grpSpPr>
+      <p:pic>
+        <p:nvPicPr>
+          <p:cNvPr id="2" name="object 2"/>
+          <p:cNvPicPr>
+            <a:picLocks noGrp="1" noRot="1" noMove="1" noResize="1" noEditPoints="1" noAdjustHandles="1" noChangeArrowheads="1" noChangeShapeType="1" noCrop="1"/>
+          </p:cNvPicPr>
+          <p:nvPr/>
+        </p:nvPicPr>
+        <p:blipFill>
+          <a:blip r:embed="rId2" cstate="print"/>
+          <a:stretch>
+            <a:fillRect/>
+          </a:stretch>
+        </p:blipFill>
+        <p:spPr>
+          <a:xfrm>
+            <a:off x="0" y="0"/>
+            <a:ext cx="20104100" cy="11308556"/>
+          </a:xfrm>
+          <a:prstGeom prst="rect">
+            <a:avLst/>
+          </a:prstGeom>
+        </p:spPr>
+      </p:pic>
+      <p:sp>
+        <p:nvSpPr>
+          <p:cNvPr id="3" name="object 3"/>
+          <p:cNvSpPr txBox="1"/>
+          <p:nvPr/>
+        </p:nvSpPr>
+        <p:spPr>
+          <a:xfrm>
+            <a:off x="507192" y="1659609"/>
+            <a:ext cx="636270" cy="402590"/>
+          </a:xfrm>
+          <a:prstGeom prst="rect">
+            <a:avLst/>
+          </a:prstGeom>
+        </p:spPr>
+        <p:txBody>
+          <a:bodyPr vert="horz" wrap="square" lIns="0" tIns="15240" rIns="0" bIns="0" rtlCol="0">
+            <a:spAutoFit/>
+          </a:bodyPr>
+          <a:lstStyle/>
+          <a:p>
+            <a:pPr marL="12700">
+              <a:lnSpc>
+                <a:spcPct val="100000"/>
+              </a:lnSpc>
+              <a:spcBef>
+                <a:spcPts val="120"/>
+              </a:spcBef>
+            </a:pPr>
+            <a:r>
+              <a:rPr sz="2450" spc="-254" dirty="0">
+                <a:solidFill>
+                  <a:schemeClr val="bg1"/>
+                </a:solidFill>
+                <a:latin typeface="Diagramm"/>
+                <a:cs typeface="Diagramm"/>
+              </a:rPr>
+              <a:t>T</a:t>
+            </a:r>
+            <a:r>
+              <a:rPr sz="2450" spc="-40" dirty="0">
+                <a:solidFill>
+                  <a:schemeClr val="bg1"/>
+                </a:solidFill>
+                <a:latin typeface="Diagramm"/>
+                <a:cs typeface="Diagramm"/>
+              </a:rPr>
+              <a:t>e</a:t>
+            </a:r>
+            <a:r>
+              <a:rPr sz="2450" spc="-5" dirty="0">
+                <a:solidFill>
+                  <a:schemeClr val="bg1"/>
+                </a:solidFill>
+                <a:latin typeface="Diagramm"/>
+                <a:cs typeface="Diagramm"/>
+              </a:rPr>
+              <a:t>x</a:t>
+            </a:r>
+            <a:r>
+              <a:rPr sz="2450" spc="-90" dirty="0">
+                <a:solidFill>
+                  <a:schemeClr val="bg1"/>
+                </a:solidFill>
+                <a:latin typeface="Diagramm"/>
+                <a:cs typeface="Diagramm"/>
+              </a:rPr>
+              <a:t>t</a:t>
+            </a:r>
+            <a:endParaRPr sz="2450" dirty="0">
+              <a:solidFill>
+                <a:schemeClr val="bg1"/>
+              </a:solidFill>
+              <a:latin typeface="Diagramm"/>
+              <a:cs typeface="Diagramm"/>
+            </a:endParaRPr>
+          </a:p>
+        </p:txBody>
+      </p:sp>
+      <p:sp>
+        <p:nvSpPr>
+          <p:cNvPr id="4" name="object 4"/>
+          <p:cNvSpPr txBox="1">
+            <a:spLocks noGrp="1"/>
+          </p:cNvSpPr>
+          <p:nvPr>
+            <p:ph type="title"/>
+          </p:nvPr>
+        </p:nvSpPr>
+        <p:spPr>
+          <a:prstGeom prst="rect">
+            <a:avLst/>
+          </a:prstGeom>
+        </p:spPr>
+        <p:txBody>
+          <a:bodyPr vert="horz" wrap="square" lIns="0" tIns="12065" rIns="0" bIns="0" rtlCol="0">
+            <a:spAutoFit/>
+          </a:bodyPr>
+          <a:lstStyle/>
+          <a:p>
+            <a:pPr marL="12799060">
+              <a:lnSpc>
+                <a:spcPts val="3960"/>
+              </a:lnSpc>
+              <a:spcBef>
+                <a:spcPts val="95"/>
+              </a:spcBef>
+            </a:pPr>
+            <a:r>
+              <a:rPr lang="en-US" kern="0" spc="-5" dirty="0">
+                <a:solidFill>
+                  <a:schemeClr val="bg1"/>
+                </a:solidFill>
+              </a:rPr>
+              <a:t>Weighted Least Squares Estimation </a:t>
+            </a:r>
+            <a:br>
+              <a:rPr lang="en-US" kern="0" spc="-5" dirty="0">
+                <a:solidFill>
+                  <a:schemeClr val="bg1"/>
+                </a:solidFill>
+              </a:rPr>
+            </a:br>
+            <a:r>
+              <a:rPr lang="en-US" b="0" kern="0" spc="-5" dirty="0">
+                <a:solidFill>
+                  <a:schemeClr val="bg1"/>
+                </a:solidFill>
+              </a:rPr>
+              <a:t>3D Body Part Trajectories</a:t>
+            </a:r>
+            <a:endParaRPr lang="en-US" b="0" kern="0" spc="-10" dirty="0">
+              <a:solidFill>
+                <a:schemeClr val="bg1"/>
+              </a:solidFill>
+              <a:latin typeface="Diagramm Light"/>
+              <a:cs typeface="Diagramm Light"/>
+            </a:endParaRPr>
+          </a:p>
+        </p:txBody>
+      </p:sp>
+    </p:spTree>
+  </p:cSld>
+  <p:clrMapOvr>
+    <a:masterClrMapping/>
+  </p:clrMapOvr>
+</p:sld>
+</file>
+
+<file path=ppt/slides/slide28.xml><?xml version="1.0" encoding="utf-8"?>
+<p:sld xmlns:a="http://schemas.openxmlformats.org/drawingml/2006/main" xmlns:r="http://schemas.openxmlformats.org/officeDocument/2006/relationships" xmlns:p="http://schemas.openxmlformats.org/presentationml/2006/main">
+  <p:cSld>
+    <p:spTree>
+      <p:nvGrpSpPr>
+        <p:cNvPr id="1" name=""/>
+        <p:cNvGrpSpPr/>
+        <p:nvPr/>
+      </p:nvGrpSpPr>
+      <p:grpSpPr>
+        <a:xfrm>
+          <a:off x="0" y="0"/>
+          <a:ext cx="0" cy="0"/>
+          <a:chOff x="0" y="0"/>
+          <a:chExt cx="0" cy="0"/>
+        </a:xfrm>
+      </p:grpSpPr>
+      <p:pic>
+        <p:nvPicPr>
+          <p:cNvPr id="2" name="object 2"/>
+          <p:cNvPicPr>
+            <a:picLocks noGrp="1" noRot="1" noMove="1" noResize="1" noEditPoints="1" noAdjustHandles="1" noChangeArrowheads="1" noChangeShapeType="1" noCrop="1"/>
+          </p:cNvPicPr>
+          <p:nvPr/>
+        </p:nvPicPr>
+        <p:blipFill>
+          <a:blip r:embed="rId2" cstate="print"/>
+          <a:stretch>
+            <a:fillRect/>
+          </a:stretch>
+        </p:blipFill>
+        <p:spPr>
+          <a:xfrm>
+            <a:off x="0" y="0"/>
+            <a:ext cx="20104100" cy="11308556"/>
+          </a:xfrm>
+          <a:prstGeom prst="rect">
+            <a:avLst/>
+          </a:prstGeom>
+        </p:spPr>
+      </p:pic>
+      <p:sp>
+        <p:nvSpPr>
+          <p:cNvPr id="3" name="object 3"/>
+          <p:cNvSpPr txBox="1"/>
+          <p:nvPr/>
+        </p:nvSpPr>
+        <p:spPr>
+          <a:xfrm>
+            <a:off x="507192" y="1659609"/>
+            <a:ext cx="636270" cy="402590"/>
+          </a:xfrm>
+          <a:prstGeom prst="rect">
+            <a:avLst/>
+          </a:prstGeom>
+        </p:spPr>
+        <p:txBody>
+          <a:bodyPr vert="horz" wrap="square" lIns="0" tIns="15240" rIns="0" bIns="0" rtlCol="0">
+            <a:spAutoFit/>
+          </a:bodyPr>
+          <a:lstStyle/>
+          <a:p>
+            <a:pPr marL="12700">
+              <a:lnSpc>
+                <a:spcPct val="100000"/>
+              </a:lnSpc>
+              <a:spcBef>
+                <a:spcPts val="120"/>
+              </a:spcBef>
+            </a:pPr>
+            <a:r>
+              <a:rPr sz="2450" spc="-254" dirty="0">
+                <a:solidFill>
+                  <a:schemeClr val="bg1"/>
+                </a:solidFill>
+                <a:latin typeface="Diagramm"/>
+                <a:cs typeface="Diagramm"/>
+              </a:rPr>
+              <a:t>T</a:t>
+            </a:r>
+            <a:r>
+              <a:rPr sz="2450" spc="-40" dirty="0">
+                <a:solidFill>
+                  <a:schemeClr val="bg1"/>
+                </a:solidFill>
+                <a:latin typeface="Diagramm"/>
+                <a:cs typeface="Diagramm"/>
+              </a:rPr>
+              <a:t>e</a:t>
+            </a:r>
+            <a:r>
+              <a:rPr sz="2450" spc="-5" dirty="0">
+                <a:solidFill>
+                  <a:schemeClr val="bg1"/>
+                </a:solidFill>
+                <a:latin typeface="Diagramm"/>
+                <a:cs typeface="Diagramm"/>
+              </a:rPr>
+              <a:t>x</a:t>
+            </a:r>
+            <a:r>
+              <a:rPr sz="2450" spc="-90" dirty="0">
+                <a:solidFill>
+                  <a:schemeClr val="bg1"/>
+                </a:solidFill>
+                <a:latin typeface="Diagramm"/>
+                <a:cs typeface="Diagramm"/>
+              </a:rPr>
+              <a:t>t</a:t>
+            </a:r>
+            <a:endParaRPr sz="2450" dirty="0">
+              <a:solidFill>
+                <a:schemeClr val="bg1"/>
+              </a:solidFill>
+              <a:latin typeface="Diagramm"/>
+              <a:cs typeface="Diagramm"/>
+            </a:endParaRPr>
+          </a:p>
+        </p:txBody>
+      </p:sp>
+      <p:sp>
+        <p:nvSpPr>
+          <p:cNvPr id="4" name="object 4"/>
+          <p:cNvSpPr txBox="1">
+            <a:spLocks noGrp="1"/>
+          </p:cNvSpPr>
+          <p:nvPr>
+            <p:ph type="title"/>
+          </p:nvPr>
+        </p:nvSpPr>
+        <p:spPr>
+          <a:prstGeom prst="rect">
+            <a:avLst/>
+          </a:prstGeom>
+        </p:spPr>
+        <p:txBody>
+          <a:bodyPr vert="horz" wrap="square" lIns="0" tIns="12065" rIns="0" bIns="0" rtlCol="0">
+            <a:spAutoFit/>
+          </a:bodyPr>
+          <a:lstStyle/>
+          <a:p>
+            <a:pPr marL="12799060">
+              <a:lnSpc>
+                <a:spcPts val="3960"/>
+              </a:lnSpc>
+              <a:spcBef>
+                <a:spcPts val="95"/>
+              </a:spcBef>
+            </a:pPr>
+            <a:r>
+              <a:rPr lang="en-US" kern="0" spc="-5" dirty="0">
+                <a:solidFill>
+                  <a:schemeClr val="bg1"/>
+                </a:solidFill>
+              </a:rPr>
+              <a:t>Weighted Least Squares Estimation </a:t>
+            </a:r>
+            <a:br>
+              <a:rPr lang="en-US" kern="0" spc="-5" dirty="0">
+                <a:solidFill>
+                  <a:schemeClr val="bg1"/>
+                </a:solidFill>
+              </a:rPr>
+            </a:br>
+            <a:r>
+              <a:rPr lang="en-US" b="0" kern="0" spc="-5" dirty="0">
+                <a:solidFill>
+                  <a:schemeClr val="bg1"/>
+                </a:solidFill>
+              </a:rPr>
+              <a:t>3D Body Part Trajectories</a:t>
+            </a:r>
+            <a:endParaRPr lang="en-US" b="0" kern="0" spc="-10" dirty="0">
+              <a:solidFill>
+                <a:schemeClr val="bg1"/>
+              </a:solidFill>
+              <a:latin typeface="Diagramm Light"/>
+              <a:cs typeface="Diagramm Light"/>
+            </a:endParaRPr>
+          </a:p>
+        </p:txBody>
+      </p:sp>
+    </p:spTree>
+  </p:cSld>
+  <p:clrMapOvr>
+    <a:masterClrMapping/>
+  </p:clrMapOvr>
+</p:sld>
+</file>
+
+<file path=ppt/slides/slide29.xml><?xml version="1.0" encoding="utf-8"?>
+<p:sld xmlns:a="http://schemas.openxmlformats.org/drawingml/2006/main" xmlns:r="http://schemas.openxmlformats.org/officeDocument/2006/relationships" xmlns:p="http://schemas.openxmlformats.org/presentationml/2006/main">
+  <p:cSld>
+    <p:spTree>
+      <p:nvGrpSpPr>
+        <p:cNvPr id="1" name=""/>
+        <p:cNvGrpSpPr/>
+        <p:nvPr/>
+      </p:nvGrpSpPr>
+      <p:grpSpPr>
+        <a:xfrm>
+          <a:off x="0" y="0"/>
+          <a:ext cx="0" cy="0"/>
+          <a:chOff x="0" y="0"/>
+          <a:chExt cx="0" cy="0"/>
+        </a:xfrm>
+      </p:grpSpPr>
+      <p:pic>
+        <p:nvPicPr>
+          <p:cNvPr id="2" name="object 2"/>
+          <p:cNvPicPr>
+            <a:picLocks noGrp="1" noRot="1" noMove="1" noResize="1" noEditPoints="1" noAdjustHandles="1" noChangeArrowheads="1" noChangeShapeType="1" noCrop="1"/>
+          </p:cNvPicPr>
+          <p:nvPr/>
+        </p:nvPicPr>
+        <p:blipFill>
+          <a:blip r:embed="rId2" cstate="print"/>
+          <a:stretch>
+            <a:fillRect/>
+          </a:stretch>
+        </p:blipFill>
+        <p:spPr>
+          <a:xfrm>
+            <a:off x="0" y="0"/>
+            <a:ext cx="20104100" cy="11277143"/>
+          </a:xfrm>
+          <a:prstGeom prst="rect">
+            <a:avLst/>
+          </a:prstGeom>
+        </p:spPr>
+      </p:pic>
+      <p:sp>
+        <p:nvSpPr>
+          <p:cNvPr id="3" name="object 3"/>
+          <p:cNvSpPr txBox="1"/>
+          <p:nvPr/>
+        </p:nvSpPr>
+        <p:spPr>
+          <a:xfrm>
+            <a:off x="507192" y="1659609"/>
+            <a:ext cx="636270" cy="402590"/>
+          </a:xfrm>
+          <a:prstGeom prst="rect">
+            <a:avLst/>
+          </a:prstGeom>
+        </p:spPr>
+        <p:txBody>
+          <a:bodyPr vert="horz" wrap="square" lIns="0" tIns="15240" rIns="0" bIns="0" rtlCol="0">
+            <a:spAutoFit/>
+          </a:bodyPr>
+          <a:lstStyle/>
+          <a:p>
+            <a:pPr marL="12700">
+              <a:lnSpc>
+                <a:spcPct val="100000"/>
+              </a:lnSpc>
+              <a:spcBef>
+                <a:spcPts val="120"/>
+              </a:spcBef>
+            </a:pPr>
+            <a:r>
+              <a:rPr sz="2450" spc="-254" dirty="0">
+                <a:latin typeface="Diagramm"/>
+                <a:cs typeface="Diagramm"/>
+              </a:rPr>
+              <a:t>T</a:t>
+            </a:r>
+            <a:r>
+              <a:rPr sz="2450" spc="-40" dirty="0">
+                <a:latin typeface="Diagramm"/>
+                <a:cs typeface="Diagramm"/>
+              </a:rPr>
+              <a:t>e</a:t>
+            </a:r>
+            <a:r>
+              <a:rPr sz="2450" spc="-5" dirty="0">
+                <a:latin typeface="Diagramm"/>
+                <a:cs typeface="Diagramm"/>
+              </a:rPr>
+              <a:t>x</a:t>
+            </a:r>
+            <a:r>
+              <a:rPr sz="2450" spc="-90" dirty="0">
+                <a:latin typeface="Diagramm"/>
+                <a:cs typeface="Diagramm"/>
+              </a:rPr>
+              <a:t>t</a:t>
+            </a:r>
+            <a:endParaRPr sz="2450">
+              <a:latin typeface="Diagramm"/>
+              <a:cs typeface="Diagramm"/>
+            </a:endParaRPr>
+          </a:p>
+        </p:txBody>
+      </p:sp>
+      <p:sp>
+        <p:nvSpPr>
           <p:cNvPr id="7" name="object 4">
             <a:extLst>
               <a:ext uri="{FF2B5EF4-FFF2-40B4-BE49-F238E27FC236}">
-                <a16:creationId xmlns:a16="http://schemas.microsoft.com/office/drawing/2014/main" id="{E522C6E9-4561-7A9E-1DA7-A300F23EFC12}"/>
+                <a16:creationId xmlns:a16="http://schemas.microsoft.com/office/drawing/2014/main" id="{499D3297-56CD-5700-363A-7B6A4F0CB2D9}"/>
               </a:ext>
             </a:extLst>
           </p:cNvPr>
@@ -6252,6 +7656,176 @@
         <p14:creationId xmlns:p14="http://schemas.microsoft.com/office/powerpoint/2010/main" val="838194314"/>
       </p:ext>
     </p:extLst>
+  </p:cSld>
+  <p:clrMapOvr>
+    <a:masterClrMapping/>
+  </p:clrMapOvr>
+</p:sld>
+</file>
+
+<file path=ppt/slides/slide30.xml><?xml version="1.0" encoding="utf-8"?>
+<p:sld xmlns:a="http://schemas.openxmlformats.org/drawingml/2006/main" xmlns:r="http://schemas.openxmlformats.org/officeDocument/2006/relationships" xmlns:p="http://schemas.openxmlformats.org/presentationml/2006/main">
+  <p:cSld>
+    <p:spTree>
+      <p:nvGrpSpPr>
+        <p:cNvPr id="1" name=""/>
+        <p:cNvGrpSpPr/>
+        <p:nvPr/>
+      </p:nvGrpSpPr>
+      <p:grpSpPr>
+        <a:xfrm>
+          <a:off x="0" y="0"/>
+          <a:ext cx="0" cy="0"/>
+          <a:chOff x="0" y="0"/>
+          <a:chExt cx="0" cy="0"/>
+        </a:xfrm>
+      </p:grpSpPr>
+      <p:pic>
+        <p:nvPicPr>
+          <p:cNvPr id="2" name="object 2"/>
+          <p:cNvPicPr>
+            <a:picLocks noGrp="1" noRot="1" noMove="1" noResize="1" noEditPoints="1" noAdjustHandles="1" noChangeArrowheads="1" noChangeShapeType="1" noCrop="1"/>
+          </p:cNvPicPr>
+          <p:nvPr/>
+        </p:nvPicPr>
+        <p:blipFill>
+          <a:blip r:embed="rId2" cstate="print"/>
+          <a:stretch>
+            <a:fillRect/>
+          </a:stretch>
+        </p:blipFill>
+        <p:spPr>
+          <a:xfrm>
+            <a:off x="0" y="0"/>
+            <a:ext cx="20104100" cy="11224789"/>
+          </a:xfrm>
+          <a:prstGeom prst="rect">
+            <a:avLst/>
+          </a:prstGeom>
+        </p:spPr>
+      </p:pic>
+      <p:sp>
+        <p:nvSpPr>
+          <p:cNvPr id="3" name="object 3"/>
+          <p:cNvSpPr txBox="1"/>
+          <p:nvPr/>
+        </p:nvSpPr>
+        <p:spPr>
+          <a:xfrm>
+            <a:off x="507192" y="1659609"/>
+            <a:ext cx="636270" cy="402590"/>
+          </a:xfrm>
+          <a:prstGeom prst="rect">
+            <a:avLst/>
+          </a:prstGeom>
+        </p:spPr>
+        <p:txBody>
+          <a:bodyPr vert="horz" wrap="square" lIns="0" tIns="15240" rIns="0" bIns="0" rtlCol="0">
+            <a:spAutoFit/>
+          </a:bodyPr>
+          <a:lstStyle/>
+          <a:p>
+            <a:pPr marL="12700">
+              <a:lnSpc>
+                <a:spcPct val="100000"/>
+              </a:lnSpc>
+              <a:spcBef>
+                <a:spcPts val="120"/>
+              </a:spcBef>
+            </a:pPr>
+            <a:r>
+              <a:rPr sz="2450" spc="-254" dirty="0">
+                <a:latin typeface="Diagramm"/>
+                <a:cs typeface="Diagramm"/>
+              </a:rPr>
+              <a:t>T</a:t>
+            </a:r>
+            <a:r>
+              <a:rPr sz="2450" spc="-40" dirty="0">
+                <a:latin typeface="Diagramm"/>
+                <a:cs typeface="Diagramm"/>
+              </a:rPr>
+              <a:t>e</a:t>
+            </a:r>
+            <a:r>
+              <a:rPr sz="2450" spc="-5" dirty="0">
+                <a:latin typeface="Diagramm"/>
+                <a:cs typeface="Diagramm"/>
+              </a:rPr>
+              <a:t>x</a:t>
+            </a:r>
+            <a:r>
+              <a:rPr sz="2450" spc="-90" dirty="0">
+                <a:latin typeface="Diagramm"/>
+                <a:cs typeface="Diagramm"/>
+              </a:rPr>
+              <a:t>t</a:t>
+            </a:r>
+            <a:endParaRPr sz="2450">
+              <a:latin typeface="Diagramm"/>
+              <a:cs typeface="Diagramm"/>
+            </a:endParaRPr>
+          </a:p>
+        </p:txBody>
+      </p:sp>
+      <p:sp>
+        <p:nvSpPr>
+          <p:cNvPr id="7" name="object 4">
+            <a:extLst>
+              <a:ext uri="{FF2B5EF4-FFF2-40B4-BE49-F238E27FC236}">
+                <a16:creationId xmlns:a16="http://schemas.microsoft.com/office/drawing/2014/main" id="{E522C6E9-4561-7A9E-1DA7-A300F23EFC12}"/>
+              </a:ext>
+            </a:extLst>
+          </p:cNvPr>
+          <p:cNvSpPr txBox="1">
+            <a:spLocks noGrp="1"/>
+          </p:cNvSpPr>
+          <p:nvPr>
+            <p:ph type="title"/>
+          </p:nvPr>
+        </p:nvSpPr>
+        <p:spPr>
+          <a:xfrm>
+            <a:off x="492946" y="382194"/>
+            <a:ext cx="19118207" cy="1031240"/>
+          </a:xfrm>
+          <a:prstGeom prst="rect">
+            <a:avLst/>
+          </a:prstGeom>
+        </p:spPr>
+        <p:txBody>
+          <a:bodyPr vert="horz" wrap="square" lIns="0" tIns="12065" rIns="0" bIns="0" rtlCol="0">
+            <a:spAutoFit/>
+          </a:bodyPr>
+          <a:lstStyle/>
+          <a:p>
+            <a:pPr marL="12799060">
+              <a:lnSpc>
+                <a:spcPts val="3960"/>
+              </a:lnSpc>
+              <a:spcBef>
+                <a:spcPts val="95"/>
+              </a:spcBef>
+            </a:pPr>
+            <a:r>
+              <a:rPr lang="en-US" kern="0" spc="-5" dirty="0"/>
+              <a:t>Weighted Least Squares Estimation </a:t>
+            </a:r>
+            <a:br>
+              <a:rPr lang="en-US" kern="0" spc="-5" dirty="0"/>
+            </a:br>
+            <a:r>
+              <a:rPr lang="en-US" b="0" kern="0" spc="-5" dirty="0"/>
+              <a:t>3D Body Part Trajectories</a:t>
+            </a:r>
+            <a:endParaRPr lang="en-US" b="0" kern="0" spc="-10" dirty="0">
+              <a:latin typeface="Diagramm Light"/>
+              <a:cs typeface="Diagramm Light"/>
+            </a:endParaRPr>
+          </a:p>
+        </p:txBody>
+      </p:sp>
+    </p:spTree>
   </p:cSld>
   <p:clrMapOvr>
     <a:masterClrMapping/>

--- a/wls_gated_dlc_triangulation/Weighted_Least_Squares.pptx
+++ b/wls_gated_dlc_triangulation/Weighted_Least_Squares.pptx
@@ -4,6 +4,9 @@
   <p:sldMasterIdLst>
     <p:sldMasterId id="2147483648" r:id="rId1"/>
   </p:sldMasterIdLst>
+  <p:notesMasterIdLst>
+    <p:notesMasterId r:id="rId33"/>
+  </p:notesMasterIdLst>
   <p:sldIdLst>
     <p:sldId id="256" r:id="rId2"/>
     <p:sldId id="258" r:id="rId3"/>
@@ -20,21 +23,22 @@
     <p:sldId id="284" r:id="rId14"/>
     <p:sldId id="285" r:id="rId15"/>
     <p:sldId id="286" r:id="rId16"/>
-    <p:sldId id="281" r:id="rId17"/>
-    <p:sldId id="282" r:id="rId18"/>
-    <p:sldId id="262" r:id="rId19"/>
-    <p:sldId id="259" r:id="rId20"/>
-    <p:sldId id="257" r:id="rId21"/>
-    <p:sldId id="261" r:id="rId22"/>
-    <p:sldId id="260" r:id="rId23"/>
-    <p:sldId id="263" r:id="rId24"/>
-    <p:sldId id="264" r:id="rId25"/>
-    <p:sldId id="265" r:id="rId26"/>
-    <p:sldId id="266" r:id="rId27"/>
-    <p:sldId id="267" r:id="rId28"/>
-    <p:sldId id="268" r:id="rId29"/>
-    <p:sldId id="269" r:id="rId30"/>
-    <p:sldId id="270" r:id="rId31"/>
+    <p:sldId id="287" r:id="rId17"/>
+    <p:sldId id="281" r:id="rId18"/>
+    <p:sldId id="282" r:id="rId19"/>
+    <p:sldId id="262" r:id="rId20"/>
+    <p:sldId id="259" r:id="rId21"/>
+    <p:sldId id="257" r:id="rId22"/>
+    <p:sldId id="261" r:id="rId23"/>
+    <p:sldId id="260" r:id="rId24"/>
+    <p:sldId id="263" r:id="rId25"/>
+    <p:sldId id="264" r:id="rId26"/>
+    <p:sldId id="265" r:id="rId27"/>
+    <p:sldId id="266" r:id="rId28"/>
+    <p:sldId id="267" r:id="rId29"/>
+    <p:sldId id="268" r:id="rId30"/>
+    <p:sldId id="269" r:id="rId31"/>
+    <p:sldId id="270" r:id="rId32"/>
   </p:sldIdLst>
   <p:sldSz cx="20104100" cy="11309350"/>
   <p:notesSz cx="20104100" cy="11309350"/>
@@ -150,6 +154,523 @@
     </p:ext>
   </p:extLst>
 </p:presentation>
+</file>
+
+<file path=ppt/notesMasters/notesMaster1.xml><?xml version="1.0" encoding="utf-8"?>
+<p:notesMaster xmlns:a="http://schemas.openxmlformats.org/drawingml/2006/main" xmlns:r="http://schemas.openxmlformats.org/officeDocument/2006/relationships" xmlns:p="http://schemas.openxmlformats.org/presentationml/2006/main">
+  <p:cSld>
+    <p:bg>
+      <p:bgRef idx="1001">
+        <a:schemeClr val="bg1"/>
+      </p:bgRef>
+    </p:bg>
+    <p:spTree>
+      <p:nvGrpSpPr>
+        <p:cNvPr id="1" name=""/>
+        <p:cNvGrpSpPr/>
+        <p:nvPr/>
+      </p:nvGrpSpPr>
+      <p:grpSpPr>
+        <a:xfrm>
+          <a:off x="0" y="0"/>
+          <a:ext cx="0" cy="0"/>
+          <a:chOff x="0" y="0"/>
+          <a:chExt cx="0" cy="0"/>
+        </a:xfrm>
+      </p:grpSpPr>
+      <p:sp>
+        <p:nvSpPr>
+          <p:cNvPr id="2" name="Header Placeholder 1"/>
+          <p:cNvSpPr>
+            <a:spLocks noGrp="1"/>
+          </p:cNvSpPr>
+          <p:nvPr>
+            <p:ph type="hdr" sz="quarter"/>
+          </p:nvPr>
+        </p:nvSpPr>
+        <p:spPr>
+          <a:xfrm>
+            <a:off x="0" y="0"/>
+            <a:ext cx="8712200" cy="566738"/>
+          </a:xfrm>
+          <a:prstGeom prst="rect">
+            <a:avLst/>
+          </a:prstGeom>
+        </p:spPr>
+        <p:txBody>
+          <a:bodyPr vert="horz" lIns="91440" tIns="45720" rIns="91440" bIns="45720" rtlCol="0"/>
+          <a:lstStyle>
+            <a:lvl1pPr algn="l">
+              <a:defRPr sz="1200"/>
+            </a:lvl1pPr>
+          </a:lstStyle>
+          <a:p>
+            <a:endParaRPr lang="en-US"/>
+          </a:p>
+        </p:txBody>
+      </p:sp>
+      <p:sp>
+        <p:nvSpPr>
+          <p:cNvPr id="3" name="Date Placeholder 2"/>
+          <p:cNvSpPr>
+            <a:spLocks noGrp="1"/>
+          </p:cNvSpPr>
+          <p:nvPr>
+            <p:ph type="dt" idx="1"/>
+          </p:nvPr>
+        </p:nvSpPr>
+        <p:spPr>
+          <a:xfrm>
+            <a:off x="11387138" y="0"/>
+            <a:ext cx="8712200" cy="566738"/>
+          </a:xfrm>
+          <a:prstGeom prst="rect">
+            <a:avLst/>
+          </a:prstGeom>
+        </p:spPr>
+        <p:txBody>
+          <a:bodyPr vert="horz" lIns="91440" tIns="45720" rIns="91440" bIns="45720" rtlCol="0"/>
+          <a:lstStyle>
+            <a:lvl1pPr algn="r">
+              <a:defRPr sz="1200"/>
+            </a:lvl1pPr>
+          </a:lstStyle>
+          <a:p>
+            <a:fld id="{579C439E-8EF2-3F4B-88D4-5AEF9FA194D5}" type="datetimeFigureOut">
+              <a:rPr lang="en-US" smtClean="0"/>
+              <a:t>7/9/24</a:t>
+            </a:fld>
+            <a:endParaRPr lang="en-US"/>
+          </a:p>
+        </p:txBody>
+      </p:sp>
+      <p:sp>
+        <p:nvSpPr>
+          <p:cNvPr id="4" name="Slide Image Placeholder 3"/>
+          <p:cNvSpPr>
+            <a:spLocks noGrp="1" noRot="1" noChangeAspect="1"/>
+          </p:cNvSpPr>
+          <p:nvPr>
+            <p:ph type="sldImg" idx="2"/>
+          </p:nvPr>
+        </p:nvSpPr>
+        <p:spPr>
+          <a:xfrm>
+            <a:off x="6659563" y="1414463"/>
+            <a:ext cx="6784975" cy="3816350"/>
+          </a:xfrm>
+          <a:prstGeom prst="rect">
+            <a:avLst/>
+          </a:prstGeom>
+          <a:noFill/>
+          <a:ln w="12700">
+            <a:solidFill>
+              <a:prstClr val="black"/>
+            </a:solidFill>
+          </a:ln>
+        </p:spPr>
+        <p:txBody>
+          <a:bodyPr vert="horz" lIns="91440" tIns="45720" rIns="91440" bIns="45720" rtlCol="0" anchor="ctr"/>
+          <a:lstStyle/>
+          <a:p>
+            <a:endParaRPr lang="en-US"/>
+          </a:p>
+        </p:txBody>
+      </p:sp>
+      <p:sp>
+        <p:nvSpPr>
+          <p:cNvPr id="5" name="Notes Placeholder 4"/>
+          <p:cNvSpPr>
+            <a:spLocks noGrp="1"/>
+          </p:cNvSpPr>
+          <p:nvPr>
+            <p:ph type="body" sz="quarter" idx="3"/>
+          </p:nvPr>
+        </p:nvSpPr>
+        <p:spPr>
+          <a:xfrm>
+            <a:off x="2009775" y="5441950"/>
+            <a:ext cx="16084550" cy="4454525"/>
+          </a:xfrm>
+          <a:prstGeom prst="rect">
+            <a:avLst/>
+          </a:prstGeom>
+        </p:spPr>
+        <p:txBody>
+          <a:bodyPr vert="horz" lIns="91440" tIns="45720" rIns="91440" bIns="45720" rtlCol="0"/>
+          <a:lstStyle/>
+          <a:p>
+            <a:pPr lvl="0"/>
+            <a:r>
+              <a:rPr lang="en-US"/>
+              <a:t>Click to edit Master text styles</a:t>
+            </a:r>
+          </a:p>
+          <a:p>
+            <a:pPr lvl="1"/>
+            <a:r>
+              <a:rPr lang="en-US"/>
+              <a:t>Second level</a:t>
+            </a:r>
+          </a:p>
+          <a:p>
+            <a:pPr lvl="2"/>
+            <a:r>
+              <a:rPr lang="en-US"/>
+              <a:t>Third level</a:t>
+            </a:r>
+          </a:p>
+          <a:p>
+            <a:pPr lvl="3"/>
+            <a:r>
+              <a:rPr lang="en-US"/>
+              <a:t>Fourth level</a:t>
+            </a:r>
+          </a:p>
+          <a:p>
+            <a:pPr lvl="4"/>
+            <a:r>
+              <a:rPr lang="en-US"/>
+              <a:t>Fifth level</a:t>
+            </a:r>
+          </a:p>
+        </p:txBody>
+      </p:sp>
+      <p:sp>
+        <p:nvSpPr>
+          <p:cNvPr id="6" name="Footer Placeholder 5"/>
+          <p:cNvSpPr>
+            <a:spLocks noGrp="1"/>
+          </p:cNvSpPr>
+          <p:nvPr>
+            <p:ph type="ftr" sz="quarter" idx="4"/>
+          </p:nvPr>
+        </p:nvSpPr>
+        <p:spPr>
+          <a:xfrm>
+            <a:off x="0" y="10742613"/>
+            <a:ext cx="8712200" cy="566737"/>
+          </a:xfrm>
+          <a:prstGeom prst="rect">
+            <a:avLst/>
+          </a:prstGeom>
+        </p:spPr>
+        <p:txBody>
+          <a:bodyPr vert="horz" lIns="91440" tIns="45720" rIns="91440" bIns="45720" rtlCol="0" anchor="b"/>
+          <a:lstStyle>
+            <a:lvl1pPr algn="l">
+              <a:defRPr sz="1200"/>
+            </a:lvl1pPr>
+          </a:lstStyle>
+          <a:p>
+            <a:endParaRPr lang="en-US"/>
+          </a:p>
+        </p:txBody>
+      </p:sp>
+      <p:sp>
+        <p:nvSpPr>
+          <p:cNvPr id="7" name="Slide Number Placeholder 6"/>
+          <p:cNvSpPr>
+            <a:spLocks noGrp="1"/>
+          </p:cNvSpPr>
+          <p:nvPr>
+            <p:ph type="sldNum" sz="quarter" idx="5"/>
+          </p:nvPr>
+        </p:nvSpPr>
+        <p:spPr>
+          <a:xfrm>
+            <a:off x="11387138" y="10742613"/>
+            <a:ext cx="8712200" cy="566737"/>
+          </a:xfrm>
+          <a:prstGeom prst="rect">
+            <a:avLst/>
+          </a:prstGeom>
+        </p:spPr>
+        <p:txBody>
+          <a:bodyPr vert="horz" lIns="91440" tIns="45720" rIns="91440" bIns="45720" rtlCol="0" anchor="b"/>
+          <a:lstStyle>
+            <a:lvl1pPr algn="r">
+              <a:defRPr sz="1200"/>
+            </a:lvl1pPr>
+          </a:lstStyle>
+          <a:p>
+            <a:fld id="{75E31B38-47AE-E04D-A4C2-B54DF4AABEC6}" type="slidenum">
+              <a:rPr lang="en-US" smtClean="0"/>
+              <a:t>‹#›</a:t>
+            </a:fld>
+            <a:endParaRPr lang="en-US"/>
+          </a:p>
+        </p:txBody>
+      </p:sp>
+    </p:spTree>
+    <p:extLst>
+      <p:ext uri="{BB962C8B-B14F-4D97-AF65-F5344CB8AC3E}">
+        <p14:creationId xmlns:p14="http://schemas.microsoft.com/office/powerpoint/2010/main" val="873144830"/>
+      </p:ext>
+    </p:extLst>
+  </p:cSld>
+  <p:clrMap bg1="lt1" tx1="dk1" bg2="lt2" tx2="dk2" accent1="accent1" accent2="accent2" accent3="accent3" accent4="accent4" accent5="accent5" accent6="accent6" hlink="hlink" folHlink="folHlink"/>
+  <p:notesStyle>
+    <a:lvl1pPr marL="0" algn="l" defTabSz="914400" rtl="0" eaLnBrk="1" latinLnBrk="0" hangingPunct="1">
+      <a:defRPr sz="1200" kern="1200">
+        <a:solidFill>
+          <a:schemeClr val="tx1"/>
+        </a:solidFill>
+        <a:latin typeface="+mn-lt"/>
+        <a:ea typeface="+mn-ea"/>
+        <a:cs typeface="+mn-cs"/>
+      </a:defRPr>
+    </a:lvl1pPr>
+    <a:lvl2pPr marL="457200" algn="l" defTabSz="914400" rtl="0" eaLnBrk="1" latinLnBrk="0" hangingPunct="1">
+      <a:defRPr sz="1200" kern="1200">
+        <a:solidFill>
+          <a:schemeClr val="tx1"/>
+        </a:solidFill>
+        <a:latin typeface="+mn-lt"/>
+        <a:ea typeface="+mn-ea"/>
+        <a:cs typeface="+mn-cs"/>
+      </a:defRPr>
+    </a:lvl2pPr>
+    <a:lvl3pPr marL="914400" algn="l" defTabSz="914400" rtl="0" eaLnBrk="1" latinLnBrk="0" hangingPunct="1">
+      <a:defRPr sz="1200" kern="1200">
+        <a:solidFill>
+          <a:schemeClr val="tx1"/>
+        </a:solidFill>
+        <a:latin typeface="+mn-lt"/>
+        <a:ea typeface="+mn-ea"/>
+        <a:cs typeface="+mn-cs"/>
+      </a:defRPr>
+    </a:lvl3pPr>
+    <a:lvl4pPr marL="1371600" algn="l" defTabSz="914400" rtl="0" eaLnBrk="1" latinLnBrk="0" hangingPunct="1">
+      <a:defRPr sz="1200" kern="1200">
+        <a:solidFill>
+          <a:schemeClr val="tx1"/>
+        </a:solidFill>
+        <a:latin typeface="+mn-lt"/>
+        <a:ea typeface="+mn-ea"/>
+        <a:cs typeface="+mn-cs"/>
+      </a:defRPr>
+    </a:lvl4pPr>
+    <a:lvl5pPr marL="1828800" algn="l" defTabSz="914400" rtl="0" eaLnBrk="1" latinLnBrk="0" hangingPunct="1">
+      <a:defRPr sz="1200" kern="1200">
+        <a:solidFill>
+          <a:schemeClr val="tx1"/>
+        </a:solidFill>
+        <a:latin typeface="+mn-lt"/>
+        <a:ea typeface="+mn-ea"/>
+        <a:cs typeface="+mn-cs"/>
+      </a:defRPr>
+    </a:lvl5pPr>
+    <a:lvl6pPr marL="2286000" algn="l" defTabSz="914400" rtl="0" eaLnBrk="1" latinLnBrk="0" hangingPunct="1">
+      <a:defRPr sz="1200" kern="1200">
+        <a:solidFill>
+          <a:schemeClr val="tx1"/>
+        </a:solidFill>
+        <a:latin typeface="+mn-lt"/>
+        <a:ea typeface="+mn-ea"/>
+        <a:cs typeface="+mn-cs"/>
+      </a:defRPr>
+    </a:lvl6pPr>
+    <a:lvl7pPr marL="2743200" algn="l" defTabSz="914400" rtl="0" eaLnBrk="1" latinLnBrk="0" hangingPunct="1">
+      <a:defRPr sz="1200" kern="1200">
+        <a:solidFill>
+          <a:schemeClr val="tx1"/>
+        </a:solidFill>
+        <a:latin typeface="+mn-lt"/>
+        <a:ea typeface="+mn-ea"/>
+        <a:cs typeface="+mn-cs"/>
+      </a:defRPr>
+    </a:lvl7pPr>
+    <a:lvl8pPr marL="3200400" algn="l" defTabSz="914400" rtl="0" eaLnBrk="1" latinLnBrk="0" hangingPunct="1">
+      <a:defRPr sz="1200" kern="1200">
+        <a:solidFill>
+          <a:schemeClr val="tx1"/>
+        </a:solidFill>
+        <a:latin typeface="+mn-lt"/>
+        <a:ea typeface="+mn-ea"/>
+        <a:cs typeface="+mn-cs"/>
+      </a:defRPr>
+    </a:lvl8pPr>
+    <a:lvl9pPr marL="3657600" algn="l" defTabSz="914400" rtl="0" eaLnBrk="1" latinLnBrk="0" hangingPunct="1">
+      <a:defRPr sz="1200" kern="1200">
+        <a:solidFill>
+          <a:schemeClr val="tx1"/>
+        </a:solidFill>
+        <a:latin typeface="+mn-lt"/>
+        <a:ea typeface="+mn-ea"/>
+        <a:cs typeface="+mn-cs"/>
+      </a:defRPr>
+    </a:lvl9pPr>
+  </p:notesStyle>
+</p:notesMaster>
+</file>
+
+<file path=ppt/notesSlides/notesSlide1.xml><?xml version="1.0" encoding="utf-8"?>
+<p:notes xmlns:a="http://schemas.openxmlformats.org/drawingml/2006/main" xmlns:r="http://schemas.openxmlformats.org/officeDocument/2006/relationships" xmlns:p="http://schemas.openxmlformats.org/presentationml/2006/main">
+  <p:cSld>
+    <p:spTree>
+      <p:nvGrpSpPr>
+        <p:cNvPr id="1" name=""/>
+        <p:cNvGrpSpPr/>
+        <p:nvPr/>
+      </p:nvGrpSpPr>
+      <p:grpSpPr>
+        <a:xfrm>
+          <a:off x="0" y="0"/>
+          <a:ext cx="0" cy="0"/>
+          <a:chOff x="0" y="0"/>
+          <a:chExt cx="0" cy="0"/>
+        </a:xfrm>
+      </p:grpSpPr>
+      <p:sp>
+        <p:nvSpPr>
+          <p:cNvPr id="2" name="Slide Image Placeholder 1"/>
+          <p:cNvSpPr>
+            <a:spLocks noGrp="1" noRot="1" noChangeAspect="1"/>
+          </p:cNvSpPr>
+          <p:nvPr>
+            <p:ph type="sldImg"/>
+          </p:nvPr>
+        </p:nvSpPr>
+        <p:spPr/>
+      </p:sp>
+      <p:sp>
+        <p:nvSpPr>
+          <p:cNvPr id="3" name="Notes Placeholder 2"/>
+          <p:cNvSpPr>
+            <a:spLocks noGrp="1"/>
+          </p:cNvSpPr>
+          <p:nvPr>
+            <p:ph type="body" idx="1"/>
+          </p:nvPr>
+        </p:nvSpPr>
+        <p:spPr/>
+        <p:txBody>
+          <a:bodyPr/>
+          <a:lstStyle/>
+          <a:p>
+            <a:endParaRPr lang="en-US" dirty="0"/>
+          </a:p>
+        </p:txBody>
+      </p:sp>
+      <p:sp>
+        <p:nvSpPr>
+          <p:cNvPr id="4" name="Slide Number Placeholder 3"/>
+          <p:cNvSpPr>
+            <a:spLocks noGrp="1"/>
+          </p:cNvSpPr>
+          <p:nvPr>
+            <p:ph type="sldNum" sz="quarter" idx="5"/>
+          </p:nvPr>
+        </p:nvSpPr>
+        <p:spPr/>
+        <p:txBody>
+          <a:bodyPr/>
+          <a:lstStyle/>
+          <a:p>
+            <a:fld id="{75E31B38-47AE-E04D-A4C2-B54DF4AABEC6}" type="slidenum">
+              <a:rPr lang="en-US" smtClean="0"/>
+              <a:t>15</a:t>
+            </a:fld>
+            <a:endParaRPr lang="en-US"/>
+          </a:p>
+        </p:txBody>
+      </p:sp>
+    </p:spTree>
+    <p:extLst>
+      <p:ext uri="{BB962C8B-B14F-4D97-AF65-F5344CB8AC3E}">
+        <p14:creationId xmlns:p14="http://schemas.microsoft.com/office/powerpoint/2010/main" val="3185124544"/>
+      </p:ext>
+    </p:extLst>
+  </p:cSld>
+  <p:clrMapOvr>
+    <a:masterClrMapping/>
+  </p:clrMapOvr>
+</p:notes>
+</file>
+
+<file path=ppt/notesSlides/notesSlide2.xml><?xml version="1.0" encoding="utf-8"?>
+<p:notes xmlns:a="http://schemas.openxmlformats.org/drawingml/2006/main" xmlns:r="http://schemas.openxmlformats.org/officeDocument/2006/relationships" xmlns:p="http://schemas.openxmlformats.org/presentationml/2006/main">
+  <p:cSld>
+    <p:spTree>
+      <p:nvGrpSpPr>
+        <p:cNvPr id="1" name=""/>
+        <p:cNvGrpSpPr/>
+        <p:nvPr/>
+      </p:nvGrpSpPr>
+      <p:grpSpPr>
+        <a:xfrm>
+          <a:off x="0" y="0"/>
+          <a:ext cx="0" cy="0"/>
+          <a:chOff x="0" y="0"/>
+          <a:chExt cx="0" cy="0"/>
+        </a:xfrm>
+      </p:grpSpPr>
+      <p:sp>
+        <p:nvSpPr>
+          <p:cNvPr id="2" name="Slide Image Placeholder 1"/>
+          <p:cNvSpPr>
+            <a:spLocks noGrp="1" noRot="1" noChangeAspect="1"/>
+          </p:cNvSpPr>
+          <p:nvPr>
+            <p:ph type="sldImg"/>
+          </p:nvPr>
+        </p:nvSpPr>
+        <p:spPr/>
+      </p:sp>
+      <p:sp>
+        <p:nvSpPr>
+          <p:cNvPr id="3" name="Notes Placeholder 2"/>
+          <p:cNvSpPr>
+            <a:spLocks noGrp="1"/>
+          </p:cNvSpPr>
+          <p:nvPr>
+            <p:ph type="body" idx="1"/>
+          </p:nvPr>
+        </p:nvSpPr>
+        <p:spPr/>
+        <p:txBody>
+          <a:bodyPr/>
+          <a:lstStyle/>
+          <a:p>
+            <a:endParaRPr lang="en-US" dirty="0"/>
+          </a:p>
+        </p:txBody>
+      </p:sp>
+      <p:sp>
+        <p:nvSpPr>
+          <p:cNvPr id="4" name="Slide Number Placeholder 3"/>
+          <p:cNvSpPr>
+            <a:spLocks noGrp="1"/>
+          </p:cNvSpPr>
+          <p:nvPr>
+            <p:ph type="sldNum" sz="quarter" idx="5"/>
+          </p:nvPr>
+        </p:nvSpPr>
+        <p:spPr/>
+        <p:txBody>
+          <a:bodyPr/>
+          <a:lstStyle/>
+          <a:p>
+            <a:fld id="{75E31B38-47AE-E04D-A4C2-B54DF4AABEC6}" type="slidenum">
+              <a:rPr lang="en-US" smtClean="0"/>
+              <a:t>16</a:t>
+            </a:fld>
+            <a:endParaRPr lang="en-US"/>
+          </a:p>
+        </p:txBody>
+      </p:sp>
+    </p:spTree>
+    <p:extLst>
+      <p:ext uri="{BB962C8B-B14F-4D97-AF65-F5344CB8AC3E}">
+        <p14:creationId xmlns:p14="http://schemas.microsoft.com/office/powerpoint/2010/main" val="663175168"/>
+      </p:ext>
+    </p:extLst>
+  </p:cSld>
+  <p:clrMapOvr>
+    <a:masterClrMapping/>
+  </p:clrMapOvr>
+</p:notes>
 </file>
 
 <file path=ppt/slideLayouts/slideLayout1.xml><?xml version="1.0" encoding="utf-8"?>
@@ -2842,7 +3363,7 @@
           <p:nvPr/>
         </p:nvPicPr>
         <p:blipFill>
-          <a:blip r:embed="rId2" cstate="print"/>
+          <a:blip r:embed="rId3" cstate="print"/>
           <a:stretch>
             <a:fillRect/>
           </a:stretch>
@@ -3020,10 +3541,10 @@
         </p:nvGrpSpPr>
         <p:grpSpPr>
           <a:xfrm>
-            <a:off x="492946" y="2731032"/>
-            <a:ext cx="5139504" cy="5815078"/>
-            <a:chOff x="575958" y="2582797"/>
-            <a:chExt cx="5139504" cy="5815078"/>
+            <a:off x="492946" y="3116198"/>
+            <a:ext cx="5139504" cy="5815077"/>
+            <a:chOff x="575958" y="2582798"/>
+            <a:chExt cx="5139504" cy="5815077"/>
           </a:xfrm>
         </p:grpSpPr>
         <p:pic>
@@ -3039,7 +3560,9 @@
             <p:nvPr/>
           </p:nvPicPr>
           <p:blipFill>
-            <a:blip r:embed="rId3" cstate="print"/>
+            <a:blip r:embed="rId4" cstate="print">
+              <a:alphaModFix amt="50000"/>
+            </a:blip>
             <a:stretch>
               <a:fillRect/>
             </a:stretch>
@@ -3068,7 +3591,7 @@
           </p:nvSpPr>
           <p:spPr>
             <a:xfrm>
-              <a:off x="575958" y="2582797"/>
+              <a:off x="575958" y="2658556"/>
               <a:ext cx="5139504" cy="938719"/>
             </a:xfrm>
             <a:prstGeom prst="rect">
@@ -3114,7 +3637,8 @@
             <p:nvPr/>
           </p:nvPicPr>
           <p:blipFill>
-            <a:blip r:embed="rId4">
+            <a:blip r:embed="rId5">
+              <a:alphaModFix/>
               <a:extLst>
                 <a:ext uri="{28A0092B-C50C-407E-A947-70E740481C1C}">
                   <a14:useLocalDpi xmlns:a14="http://schemas.microsoft.com/office/drawing/2010/main" val="0"/>
@@ -3150,10 +3674,10 @@
         </p:nvGrpSpPr>
         <p:grpSpPr>
           <a:xfrm>
-            <a:off x="7482297" y="2716427"/>
-            <a:ext cx="5139504" cy="5815078"/>
-            <a:chOff x="575958" y="2582797"/>
-            <a:chExt cx="5139504" cy="5815078"/>
+            <a:off x="7482297" y="3101593"/>
+            <a:ext cx="5139504" cy="5815077"/>
+            <a:chOff x="575958" y="2582798"/>
+            <a:chExt cx="5139504" cy="5815077"/>
           </a:xfrm>
         </p:grpSpPr>
         <p:pic>
@@ -3169,7 +3693,9 @@
             <p:nvPr/>
           </p:nvPicPr>
           <p:blipFill>
-            <a:blip r:embed="rId3" cstate="print"/>
+            <a:blip r:embed="rId4" cstate="print">
+              <a:alphaModFix amt="50000"/>
+            </a:blip>
             <a:stretch>
               <a:fillRect/>
             </a:stretch>
@@ -3198,7 +3724,7 @@
           </p:nvSpPr>
           <p:spPr>
             <a:xfrm>
-              <a:off x="575958" y="2582797"/>
+              <a:off x="575958" y="2673161"/>
               <a:ext cx="5139504" cy="938719"/>
             </a:xfrm>
             <a:prstGeom prst="rect">
@@ -3244,10 +3770,10 @@
         </p:nvGrpSpPr>
         <p:grpSpPr>
           <a:xfrm>
-            <a:off x="14471649" y="2731032"/>
-            <a:ext cx="5139504" cy="5815078"/>
-            <a:chOff x="575958" y="2582797"/>
-            <a:chExt cx="5139504" cy="5815078"/>
+            <a:off x="14471649" y="3116198"/>
+            <a:ext cx="5139504" cy="5815077"/>
+            <a:chOff x="575958" y="2582798"/>
+            <a:chExt cx="5139504" cy="5815077"/>
           </a:xfrm>
         </p:grpSpPr>
         <p:pic>
@@ -3263,7 +3789,9 @@
             <p:nvPr/>
           </p:nvPicPr>
           <p:blipFill>
-            <a:blip r:embed="rId3" cstate="print"/>
+            <a:blip r:embed="rId4" cstate="print">
+              <a:alphaModFix amt="50000"/>
+            </a:blip>
             <a:stretch>
               <a:fillRect/>
             </a:stretch>
@@ -3292,7 +3820,7 @@
           </p:nvSpPr>
           <p:spPr>
             <a:xfrm>
-              <a:off x="575958" y="2582797"/>
+              <a:off x="575958" y="2658556"/>
               <a:ext cx="5139504" cy="938719"/>
             </a:xfrm>
             <a:prstGeom prst="rect">
@@ -3331,6 +3859,509 @@
           </p:txBody>
         </p:sp>
       </p:grpSp>
+      <p:grpSp>
+        <p:nvGrpSpPr>
+          <p:cNvPr id="20" name="Group 19">
+            <a:extLst>
+              <a:ext uri="{FF2B5EF4-FFF2-40B4-BE49-F238E27FC236}">
+                <a16:creationId xmlns:a16="http://schemas.microsoft.com/office/drawing/2014/main" id="{B4CAFD4D-BFC7-E555-2750-98E13298FB3F}"/>
+              </a:ext>
+            </a:extLst>
+          </p:cNvPr>
+          <p:cNvGrpSpPr/>
+          <p:nvPr/>
+        </p:nvGrpSpPr>
+        <p:grpSpPr>
+          <a:xfrm>
+            <a:off x="14471649" y="4528174"/>
+            <a:ext cx="5139504" cy="1031240"/>
+            <a:chOff x="575958" y="2582797"/>
+            <a:chExt cx="5139504" cy="5815078"/>
+          </a:xfrm>
+        </p:grpSpPr>
+        <p:pic>
+          <p:nvPicPr>
+            <p:cNvPr id="21" name="object 3">
+              <a:extLst>
+                <a:ext uri="{FF2B5EF4-FFF2-40B4-BE49-F238E27FC236}">
+                  <a16:creationId xmlns:a16="http://schemas.microsoft.com/office/drawing/2014/main" id="{5F8BD2A9-251C-D812-4610-95124F7E9C19}"/>
+                </a:ext>
+              </a:extLst>
+            </p:cNvPr>
+            <p:cNvPicPr/>
+            <p:nvPr/>
+          </p:nvPicPr>
+          <p:blipFill>
+            <a:blip r:embed="rId6" cstate="print">
+              <a:duotone>
+                <a:prstClr val="black"/>
+                <a:schemeClr val="tx2">
+                  <a:tint val="45000"/>
+                  <a:satMod val="400000"/>
+                </a:schemeClr>
+              </a:duotone>
+              <a:alphaModFix amt="50000"/>
+              <a:extLst>
+                <a:ext uri="{BEBA8EAE-BF5A-486C-A8C5-ECC9F3942E4B}">
+                  <a14:imgProps xmlns:a14="http://schemas.microsoft.com/office/drawing/2010/main">
+                    <a14:imgLayer r:embed="rId7">
+                      <a14:imgEffect>
+                        <a14:saturation sat="300000"/>
+                      </a14:imgEffect>
+                    </a14:imgLayer>
+                  </a14:imgProps>
+                </a:ext>
+              </a:extLst>
+            </a:blip>
+            <a:stretch>
+              <a:fillRect/>
+            </a:stretch>
+          </p:blipFill>
+          <p:spPr>
+            <a:xfrm>
+              <a:off x="575958" y="2582797"/>
+              <a:ext cx="5056492" cy="5815078"/>
+            </a:xfrm>
+            <a:prstGeom prst="rect">
+              <a:avLst/>
+            </a:prstGeom>
+          </p:spPr>
+        </p:pic>
+        <p:sp>
+          <p:nvSpPr>
+            <p:cNvPr id="22" name="object 3">
+              <a:extLst>
+                <a:ext uri="{FF2B5EF4-FFF2-40B4-BE49-F238E27FC236}">
+                  <a16:creationId xmlns:a16="http://schemas.microsoft.com/office/drawing/2014/main" id="{BEAA32F2-4CC5-C864-E77C-250270291832}"/>
+                </a:ext>
+              </a:extLst>
+            </p:cNvPr>
+            <p:cNvSpPr txBox="1"/>
+            <p:nvPr/>
+          </p:nvSpPr>
+          <p:spPr>
+            <a:xfrm>
+              <a:off x="575958" y="2658556"/>
+              <a:ext cx="5139504" cy="5293360"/>
+            </a:xfrm>
+            <a:prstGeom prst="rect">
+              <a:avLst/>
+            </a:prstGeom>
+          </p:spPr>
+          <p:txBody>
+            <a:bodyPr vert="horz" wrap="square" lIns="0" tIns="15240" rIns="0" bIns="0" rtlCol="0">
+              <a:spAutoFit/>
+            </a:bodyPr>
+            <a:lstStyle/>
+            <a:p>
+              <a:pPr marL="12700">
+                <a:lnSpc>
+                  <a:spcPct val="100000"/>
+                </a:lnSpc>
+                <a:spcBef>
+                  <a:spcPts val="120"/>
+                </a:spcBef>
+              </a:pPr>
+              <a:r>
+                <a:rPr lang="en-US" sz="1200" b="1" spc="-254" dirty="0">
+                  <a:latin typeface="Diagramm"/>
+                  <a:cs typeface="Diagramm"/>
+                </a:rPr>
+                <a:t>                      </a:t>
+              </a:r>
+              <a:r>
+                <a:rPr lang="en-US" sz="6000" b="1" spc="-254" dirty="0">
+                  <a:latin typeface="Diagramm"/>
+                  <a:cs typeface="Diagramm"/>
+                </a:rPr>
+                <a:t>Event Marks</a:t>
+              </a:r>
+            </a:p>
+          </p:txBody>
+        </p:sp>
+      </p:grpSp>
+      <p:grpSp>
+        <p:nvGrpSpPr>
+          <p:cNvPr id="26" name="Group 25">
+            <a:extLst>
+              <a:ext uri="{FF2B5EF4-FFF2-40B4-BE49-F238E27FC236}">
+                <a16:creationId xmlns:a16="http://schemas.microsoft.com/office/drawing/2014/main" id="{2FE9759D-6831-1C83-817A-19B89AD685FD}"/>
+              </a:ext>
+            </a:extLst>
+          </p:cNvPr>
+          <p:cNvGrpSpPr/>
+          <p:nvPr/>
+        </p:nvGrpSpPr>
+        <p:grpSpPr>
+          <a:xfrm>
+            <a:off x="14471649" y="5865930"/>
+            <a:ext cx="5139504" cy="1031240"/>
+            <a:chOff x="575958" y="2582797"/>
+            <a:chExt cx="5139504" cy="5815078"/>
+          </a:xfrm>
+        </p:grpSpPr>
+        <p:pic>
+          <p:nvPicPr>
+            <p:cNvPr id="27" name="object 3">
+              <a:extLst>
+                <a:ext uri="{FF2B5EF4-FFF2-40B4-BE49-F238E27FC236}">
+                  <a16:creationId xmlns:a16="http://schemas.microsoft.com/office/drawing/2014/main" id="{491B046A-1870-4112-58D6-F50F1AE7C55C}"/>
+                </a:ext>
+              </a:extLst>
+            </p:cNvPr>
+            <p:cNvPicPr/>
+            <p:nvPr/>
+          </p:nvPicPr>
+          <p:blipFill>
+            <a:blip r:embed="rId6" cstate="print">
+              <a:duotone>
+                <a:prstClr val="black"/>
+                <a:schemeClr val="tx2">
+                  <a:tint val="45000"/>
+                  <a:satMod val="400000"/>
+                </a:schemeClr>
+              </a:duotone>
+              <a:alphaModFix amt="50000"/>
+              <a:extLst>
+                <a:ext uri="{BEBA8EAE-BF5A-486C-A8C5-ECC9F3942E4B}">
+                  <a14:imgProps xmlns:a14="http://schemas.microsoft.com/office/drawing/2010/main">
+                    <a14:imgLayer r:embed="rId8">
+                      <a14:imgEffect>
+                        <a14:saturation sat="300000"/>
+                      </a14:imgEffect>
+                    </a14:imgLayer>
+                  </a14:imgProps>
+                </a:ext>
+              </a:extLst>
+            </a:blip>
+            <a:stretch>
+              <a:fillRect/>
+            </a:stretch>
+          </p:blipFill>
+          <p:spPr>
+            <a:xfrm>
+              <a:off x="575958" y="2582797"/>
+              <a:ext cx="5056492" cy="5815078"/>
+            </a:xfrm>
+            <a:prstGeom prst="rect">
+              <a:avLst/>
+            </a:prstGeom>
+          </p:spPr>
+        </p:pic>
+        <p:sp>
+          <p:nvSpPr>
+            <p:cNvPr id="28" name="object 3">
+              <a:extLst>
+                <a:ext uri="{FF2B5EF4-FFF2-40B4-BE49-F238E27FC236}">
+                  <a16:creationId xmlns:a16="http://schemas.microsoft.com/office/drawing/2014/main" id="{4C583BB7-1392-C0D0-CCA2-564DF799BA00}"/>
+                </a:ext>
+              </a:extLst>
+            </p:cNvPr>
+            <p:cNvSpPr txBox="1"/>
+            <p:nvPr/>
+          </p:nvSpPr>
+          <p:spPr>
+            <a:xfrm>
+              <a:off x="575958" y="2658556"/>
+              <a:ext cx="5139504" cy="5293360"/>
+            </a:xfrm>
+            <a:prstGeom prst="rect">
+              <a:avLst/>
+            </a:prstGeom>
+          </p:spPr>
+          <p:txBody>
+            <a:bodyPr vert="horz" wrap="square" lIns="0" tIns="15240" rIns="0" bIns="0" rtlCol="0">
+              <a:spAutoFit/>
+            </a:bodyPr>
+            <a:lstStyle/>
+            <a:p>
+              <a:pPr marL="12700">
+                <a:lnSpc>
+                  <a:spcPct val="100000"/>
+                </a:lnSpc>
+                <a:spcBef>
+                  <a:spcPts val="120"/>
+                </a:spcBef>
+              </a:pPr>
+              <a:r>
+                <a:rPr lang="en-US" sz="1200" b="1" spc="-254" dirty="0">
+                  <a:latin typeface="Diagramm"/>
+                  <a:cs typeface="Diagramm"/>
+                </a:rPr>
+                <a:t>                      </a:t>
+              </a:r>
+              <a:r>
+                <a:rPr lang="en-US" sz="6000" b="1" spc="-254" dirty="0">
+                  <a:latin typeface="Diagramm"/>
+                  <a:cs typeface="Diagramm"/>
+                </a:rPr>
+                <a:t>ECoG Ns5/6</a:t>
+              </a:r>
+            </a:p>
+          </p:txBody>
+        </p:sp>
+      </p:grpSp>
+      <p:grpSp>
+        <p:nvGrpSpPr>
+          <p:cNvPr id="29" name="Group 28">
+            <a:extLst>
+              <a:ext uri="{FF2B5EF4-FFF2-40B4-BE49-F238E27FC236}">
+                <a16:creationId xmlns:a16="http://schemas.microsoft.com/office/drawing/2014/main" id="{BF785889-F508-C9DE-F34C-23DF6CE7319C}"/>
+              </a:ext>
+            </a:extLst>
+          </p:cNvPr>
+          <p:cNvGrpSpPr/>
+          <p:nvPr/>
+        </p:nvGrpSpPr>
+        <p:grpSpPr>
+          <a:xfrm>
+            <a:off x="14483020" y="7138035"/>
+            <a:ext cx="5139504" cy="1031240"/>
+            <a:chOff x="575958" y="2582797"/>
+            <a:chExt cx="5139504" cy="5815078"/>
+          </a:xfrm>
+        </p:grpSpPr>
+        <p:pic>
+          <p:nvPicPr>
+            <p:cNvPr id="30" name="object 3">
+              <a:extLst>
+                <a:ext uri="{FF2B5EF4-FFF2-40B4-BE49-F238E27FC236}">
+                  <a16:creationId xmlns:a16="http://schemas.microsoft.com/office/drawing/2014/main" id="{97FF1B34-35E1-CB9E-AFDF-C1EE7D8D99FA}"/>
+                </a:ext>
+              </a:extLst>
+            </p:cNvPr>
+            <p:cNvPicPr/>
+            <p:nvPr/>
+          </p:nvPicPr>
+          <p:blipFill>
+            <a:blip r:embed="rId6" cstate="print">
+              <a:duotone>
+                <a:prstClr val="black"/>
+                <a:schemeClr val="tx2">
+                  <a:tint val="45000"/>
+                  <a:satMod val="400000"/>
+                </a:schemeClr>
+              </a:duotone>
+              <a:alphaModFix amt="50000"/>
+              <a:extLst>
+                <a:ext uri="{BEBA8EAE-BF5A-486C-A8C5-ECC9F3942E4B}">
+                  <a14:imgProps xmlns:a14="http://schemas.microsoft.com/office/drawing/2010/main">
+                    <a14:imgLayer r:embed="rId9">
+                      <a14:imgEffect>
+                        <a14:saturation sat="300000"/>
+                      </a14:imgEffect>
+                    </a14:imgLayer>
+                  </a14:imgProps>
+                </a:ext>
+              </a:extLst>
+            </a:blip>
+            <a:stretch>
+              <a:fillRect/>
+            </a:stretch>
+          </p:blipFill>
+          <p:spPr>
+            <a:xfrm>
+              <a:off x="575958" y="2582797"/>
+              <a:ext cx="5056492" cy="5815078"/>
+            </a:xfrm>
+            <a:prstGeom prst="rect">
+              <a:avLst/>
+            </a:prstGeom>
+          </p:spPr>
+        </p:pic>
+        <p:sp>
+          <p:nvSpPr>
+            <p:cNvPr id="31" name="object 3">
+              <a:extLst>
+                <a:ext uri="{FF2B5EF4-FFF2-40B4-BE49-F238E27FC236}">
+                  <a16:creationId xmlns:a16="http://schemas.microsoft.com/office/drawing/2014/main" id="{17656FEF-8CFB-3319-E576-C235F8F1518B}"/>
+                </a:ext>
+              </a:extLst>
+            </p:cNvPr>
+            <p:cNvSpPr txBox="1"/>
+            <p:nvPr/>
+          </p:nvSpPr>
+          <p:spPr>
+            <a:xfrm>
+              <a:off x="575958" y="2658556"/>
+              <a:ext cx="5139504" cy="5293360"/>
+            </a:xfrm>
+            <a:prstGeom prst="rect">
+              <a:avLst/>
+            </a:prstGeom>
+          </p:spPr>
+          <p:txBody>
+            <a:bodyPr vert="horz" wrap="square" lIns="0" tIns="15240" rIns="0" bIns="0" rtlCol="0">
+              <a:spAutoFit/>
+            </a:bodyPr>
+            <a:lstStyle/>
+            <a:p>
+              <a:pPr marL="12700">
+                <a:lnSpc>
+                  <a:spcPct val="100000"/>
+                </a:lnSpc>
+                <a:spcBef>
+                  <a:spcPts val="120"/>
+                </a:spcBef>
+              </a:pPr>
+              <a:r>
+                <a:rPr lang="en-US" sz="1200" b="1" spc="-254" dirty="0">
+                  <a:latin typeface="Diagramm"/>
+                  <a:cs typeface="Diagramm"/>
+                </a:rPr>
+                <a:t>                      </a:t>
+              </a:r>
+              <a:r>
+                <a:rPr lang="en-US" sz="6000" b="1" spc="-254" dirty="0">
+                  <a:latin typeface="Diagramm"/>
+                  <a:cs typeface="Diagramm"/>
+                </a:rPr>
+                <a:t>3D Trajectory</a:t>
+              </a:r>
+            </a:p>
+          </p:txBody>
+        </p:sp>
+      </p:grpSp>
+      <p:sp>
+        <p:nvSpPr>
+          <p:cNvPr id="32" name="Right Arrow 31">
+            <a:extLst>
+              <a:ext uri="{FF2B5EF4-FFF2-40B4-BE49-F238E27FC236}">
+                <a16:creationId xmlns:a16="http://schemas.microsoft.com/office/drawing/2014/main" id="{2F440903-E4AC-6518-28FE-0E97ABB99BA0}"/>
+              </a:ext>
+            </a:extLst>
+          </p:cNvPr>
+          <p:cNvSpPr/>
+          <p:nvPr/>
+        </p:nvSpPr>
+        <p:spPr>
+          <a:xfrm>
+            <a:off x="6020567" y="5654675"/>
+            <a:ext cx="990600" cy="838200"/>
+          </a:xfrm>
+          <a:prstGeom prst="rightArrow">
+            <a:avLst/>
+          </a:prstGeom>
+          <a:solidFill>
+            <a:srgbClr val="818CA7"/>
+          </a:solidFill>
+          <a:ln>
+            <a:noFill/>
+          </a:ln>
+        </p:spPr>
+        <p:style>
+          <a:lnRef idx="2">
+            <a:schemeClr val="accent1">
+              <a:shade val="15000"/>
+            </a:schemeClr>
+          </a:lnRef>
+          <a:fillRef idx="1">
+            <a:schemeClr val="accent1"/>
+          </a:fillRef>
+          <a:effectRef idx="0">
+            <a:schemeClr val="accent1"/>
+          </a:effectRef>
+          <a:fontRef idx="minor">
+            <a:schemeClr val="lt1"/>
+          </a:fontRef>
+        </p:style>
+        <p:txBody>
+          <a:bodyPr rtlCol="0" anchor="ctr"/>
+          <a:lstStyle/>
+          <a:p>
+            <a:pPr algn="ctr"/>
+            <a:endParaRPr lang="en-US"/>
+          </a:p>
+        </p:txBody>
+      </p:sp>
+      <p:sp>
+        <p:nvSpPr>
+          <p:cNvPr id="33" name="Right Arrow 32">
+            <a:extLst>
+              <a:ext uri="{FF2B5EF4-FFF2-40B4-BE49-F238E27FC236}">
+                <a16:creationId xmlns:a16="http://schemas.microsoft.com/office/drawing/2014/main" id="{592E2812-EC5B-7AEA-C8A6-04C69CF808FE}"/>
+              </a:ext>
+            </a:extLst>
+          </p:cNvPr>
+          <p:cNvSpPr/>
+          <p:nvPr/>
+        </p:nvSpPr>
+        <p:spPr>
+          <a:xfrm>
+            <a:off x="13009919" y="5590031"/>
+            <a:ext cx="990600" cy="838200"/>
+          </a:xfrm>
+          <a:prstGeom prst="rightArrow">
+            <a:avLst/>
+          </a:prstGeom>
+          <a:solidFill>
+            <a:srgbClr val="818CA7"/>
+          </a:solidFill>
+          <a:ln>
+            <a:noFill/>
+          </a:ln>
+        </p:spPr>
+        <p:style>
+          <a:lnRef idx="2">
+            <a:schemeClr val="accent1">
+              <a:shade val="15000"/>
+            </a:schemeClr>
+          </a:lnRef>
+          <a:fillRef idx="1">
+            <a:schemeClr val="accent1"/>
+          </a:fillRef>
+          <a:effectRef idx="0">
+            <a:schemeClr val="accent1"/>
+          </a:effectRef>
+          <a:fontRef idx="minor">
+            <a:schemeClr val="lt1"/>
+          </a:fontRef>
+        </p:style>
+        <p:txBody>
+          <a:bodyPr rtlCol="0" anchor="ctr"/>
+          <a:lstStyle/>
+          <a:p>
+            <a:pPr algn="ctr"/>
+            <a:endParaRPr lang="en-US"/>
+          </a:p>
+        </p:txBody>
+      </p:sp>
+      <p:pic>
+        <p:nvPicPr>
+          <p:cNvPr id="35" name="Picture 34" descr="A screenshot of a computer&#10;&#10;Description automatically generated">
+            <a:extLst>
+              <a:ext uri="{FF2B5EF4-FFF2-40B4-BE49-F238E27FC236}">
+                <a16:creationId xmlns:a16="http://schemas.microsoft.com/office/drawing/2014/main" id="{DA6FDE9A-BFAE-2667-62F4-265809DBD10C}"/>
+              </a:ext>
+            </a:extLst>
+          </p:cNvPr>
+          <p:cNvPicPr>
+            <a:picLocks noChangeAspect="1"/>
+          </p:cNvPicPr>
+          <p:nvPr/>
+        </p:nvPicPr>
+        <p:blipFill>
+          <a:blip r:embed="rId10">
+            <a:extLst>
+              <a:ext uri="{28A0092B-C50C-407E-A947-70E740481C1C}">
+                <a14:useLocalDpi xmlns:a14="http://schemas.microsoft.com/office/drawing/2010/main" val="0"/>
+              </a:ext>
+            </a:extLst>
+          </a:blip>
+          <a:stretch>
+            <a:fillRect/>
+          </a:stretch>
+        </p:blipFill>
+        <p:spPr>
+          <a:xfrm>
+            <a:off x="7581899" y="4710265"/>
+            <a:ext cx="4852061" cy="3435931"/>
+          </a:xfrm>
+          <a:prstGeom prst="rect">
+            <a:avLst/>
+          </a:prstGeom>
+        </p:spPr>
+      </p:pic>
     </p:spTree>
     <p:extLst>
       <p:ext uri="{BB962C8B-B14F-4D97-AF65-F5344CB8AC3E}">
@@ -3370,7 +4401,7 @@
           <p:nvPr/>
         </p:nvPicPr>
         <p:blipFill>
-          <a:blip r:embed="rId2" cstate="print"/>
+          <a:blip r:embed="rId3" cstate="print"/>
           <a:stretch>
             <a:fillRect/>
           </a:stretch>
@@ -3378,7 +4409,7 @@
         <p:spPr>
           <a:xfrm>
             <a:off x="0" y="0"/>
-            <a:ext cx="20104100" cy="11308556"/>
+            <a:ext cx="20104100" cy="11277143"/>
           </a:xfrm>
           <a:prstGeom prst="rect">
             <a:avLst/>
@@ -3387,62 +4418,24 @@
       </p:pic>
       <p:sp>
         <p:nvSpPr>
-          <p:cNvPr id="3" name="object 3"/>
-          <p:cNvSpPr txBox="1">
-            <a:spLocks noGrp="1" noRot="1" noMove="1" noResize="1" noEditPoints="1" noAdjustHandles="1" noChangeArrowheads="1" noChangeShapeType="1"/>
-          </p:cNvSpPr>
-          <p:nvPr/>
-        </p:nvSpPr>
-        <p:spPr>
-          <a:xfrm>
-            <a:off x="3947850" y="4920431"/>
-            <a:ext cx="12190095" cy="1027845"/>
-          </a:xfrm>
-          <a:prstGeom prst="rect">
-            <a:avLst/>
-          </a:prstGeom>
-        </p:spPr>
-        <p:txBody>
-          <a:bodyPr vert="horz" wrap="square" lIns="0" tIns="12065" rIns="0" bIns="0" rtlCol="0">
-            <a:spAutoFit/>
-          </a:bodyPr>
-          <a:lstStyle/>
-          <a:p>
-            <a:pPr marL="12700" algn="ctr">
-              <a:lnSpc>
-                <a:spcPct val="100000"/>
-              </a:lnSpc>
-              <a:spcBef>
-                <a:spcPts val="95"/>
-              </a:spcBef>
-            </a:pPr>
-            <a:r>
-              <a:rPr lang="en-US" sz="6600" b="1" dirty="0">
-                <a:solidFill>
-                  <a:schemeClr val="bg1"/>
-                </a:solidFill>
-                <a:latin typeface="Diagramm Bold"/>
-                <a:cs typeface="Diagramm Bold"/>
-              </a:rPr>
-              <a:t>TASK 2</a:t>
-            </a:r>
-          </a:p>
-        </p:txBody>
-      </p:sp>
-      <p:sp>
-        <p:nvSpPr>
-          <p:cNvPr id="4" name="object 4"/>
+          <p:cNvPr id="7" name="object 4">
+            <a:extLst>
+              <a:ext uri="{FF2B5EF4-FFF2-40B4-BE49-F238E27FC236}">
+                <a16:creationId xmlns:a16="http://schemas.microsoft.com/office/drawing/2014/main" id="{499D3297-56CD-5700-363A-7B6A4F0CB2D9}"/>
+              </a:ext>
+            </a:extLst>
+          </p:cNvPr>
           <p:cNvSpPr txBox="1">
             <a:spLocks noGrp="1"/>
           </p:cNvSpPr>
           <p:nvPr>
-            <p:ph type="ctrTitle"/>
+            <p:ph type="title"/>
           </p:nvPr>
         </p:nvSpPr>
         <p:spPr>
           <a:xfrm>
             <a:off x="492946" y="382194"/>
-            <a:ext cx="19118207" cy="1021562"/>
+            <a:ext cx="19118207" cy="1031240"/>
           </a:xfrm>
           <a:prstGeom prst="rect">
             <a:avLst/>
@@ -3463,42 +4456,617 @@
               </a:spcBef>
             </a:pPr>
             <a:r>
-              <a:rPr lang="en-US" spc="-5" dirty="0">
-                <a:solidFill>
-                  <a:schemeClr val="bg1"/>
-                </a:solidFill>
-              </a:rPr>
+              <a:rPr lang="en-US" kern="0" spc="-5" dirty="0"/>
               <a:t>Weighted Least Squares Estimation </a:t>
             </a:r>
             <a:br>
-              <a:rPr lang="en-US" spc="-5" dirty="0">
-                <a:solidFill>
-                  <a:schemeClr val="bg1"/>
-                </a:solidFill>
-              </a:rPr>
+              <a:rPr lang="en-US" kern="0" spc="-5" dirty="0"/>
             </a:br>
             <a:r>
-              <a:rPr lang="en-US" b="0" spc="-5" dirty="0">
-                <a:solidFill>
-                  <a:schemeClr val="bg1"/>
-                </a:solidFill>
-              </a:rPr>
+              <a:rPr lang="en-US" b="0" kern="0" spc="-5" dirty="0"/>
               <a:t>3D Body Part Trajectories</a:t>
             </a:r>
-            <a:endParaRPr lang="en-US" b="0" spc="-10" dirty="0">
-              <a:solidFill>
-                <a:schemeClr val="bg1"/>
-              </a:solidFill>
+            <a:endParaRPr lang="en-US" b="0" kern="0" spc="-10" dirty="0">
               <a:latin typeface="Diagramm Light"/>
               <a:cs typeface="Diagramm Light"/>
             </a:endParaRPr>
           </a:p>
         </p:txBody>
       </p:sp>
+      <p:sp>
+        <p:nvSpPr>
+          <p:cNvPr id="6" name="object 3">
+            <a:extLst>
+              <a:ext uri="{FF2B5EF4-FFF2-40B4-BE49-F238E27FC236}">
+                <a16:creationId xmlns:a16="http://schemas.microsoft.com/office/drawing/2014/main" id="{C6EC7CD5-1E52-90BB-D73D-AA9110297B4A}"/>
+              </a:ext>
+            </a:extLst>
+          </p:cNvPr>
+          <p:cNvSpPr txBox="1">
+            <a:spLocks noGrp="1" noRot="1" noMove="1" noResize="1" noEditPoints="1" noAdjustHandles="1" noChangeArrowheads="1" noChangeShapeType="1"/>
+          </p:cNvSpPr>
+          <p:nvPr/>
+        </p:nvSpPr>
+        <p:spPr>
+          <a:xfrm>
+            <a:off x="492946" y="382194"/>
+            <a:ext cx="11506200" cy="630942"/>
+          </a:xfrm>
+          <a:prstGeom prst="rect">
+            <a:avLst/>
+          </a:prstGeom>
+        </p:spPr>
+        <p:txBody>
+          <a:bodyPr vert="horz" wrap="square" lIns="0" tIns="15240" rIns="0" bIns="0" rtlCol="0">
+            <a:spAutoFit/>
+          </a:bodyPr>
+          <a:lstStyle/>
+          <a:p>
+            <a:pPr marL="12700">
+              <a:lnSpc>
+                <a:spcPct val="100000"/>
+              </a:lnSpc>
+              <a:spcBef>
+                <a:spcPts val="120"/>
+              </a:spcBef>
+            </a:pPr>
+            <a:r>
+              <a:rPr lang="en-US" sz="4000" b="1" spc="-254" dirty="0">
+                <a:latin typeface="Diagramm"/>
+                <a:cs typeface="Diagramm"/>
+              </a:rPr>
+              <a:t>TASK 1  —  2D Pose &amp; Keypoint Tracking, Mark Events </a:t>
+            </a:r>
+          </a:p>
+        </p:txBody>
+      </p:sp>
+      <p:sp>
+        <p:nvSpPr>
+          <p:cNvPr id="4" name="object 3">
+            <a:extLst>
+              <a:ext uri="{FF2B5EF4-FFF2-40B4-BE49-F238E27FC236}">
+                <a16:creationId xmlns:a16="http://schemas.microsoft.com/office/drawing/2014/main" id="{7B562289-A7F0-9161-9F8D-C71C5F8D5DFC}"/>
+              </a:ext>
+            </a:extLst>
+          </p:cNvPr>
+          <p:cNvSpPr txBox="1"/>
+          <p:nvPr/>
+        </p:nvSpPr>
+        <p:spPr>
+          <a:xfrm>
+            <a:off x="492946" y="1013136"/>
+            <a:ext cx="11083104" cy="938719"/>
+          </a:xfrm>
+          <a:prstGeom prst="rect">
+            <a:avLst/>
+          </a:prstGeom>
+        </p:spPr>
+        <p:txBody>
+          <a:bodyPr vert="horz" wrap="square" lIns="0" tIns="15240" rIns="0" bIns="0" rtlCol="0">
+            <a:spAutoFit/>
+          </a:bodyPr>
+          <a:lstStyle/>
+          <a:p>
+            <a:pPr marL="12700">
+              <a:lnSpc>
+                <a:spcPct val="100000"/>
+              </a:lnSpc>
+              <a:spcBef>
+                <a:spcPts val="120"/>
+              </a:spcBef>
+            </a:pPr>
+            <a:r>
+              <a:rPr lang="en-US" sz="6000" b="1" spc="-254" dirty="0">
+                <a:latin typeface="Diagramm"/>
+                <a:cs typeface="Diagramm"/>
+              </a:rPr>
+              <a:t>Event Marking :: Bundle Output</a:t>
+            </a:r>
+          </a:p>
+        </p:txBody>
+      </p:sp>
+      <p:grpSp>
+        <p:nvGrpSpPr>
+          <p:cNvPr id="20" name="Group 19">
+            <a:extLst>
+              <a:ext uri="{FF2B5EF4-FFF2-40B4-BE49-F238E27FC236}">
+                <a16:creationId xmlns:a16="http://schemas.microsoft.com/office/drawing/2014/main" id="{B4CAFD4D-BFC7-E555-2750-98E13298FB3F}"/>
+              </a:ext>
+            </a:extLst>
+          </p:cNvPr>
+          <p:cNvGrpSpPr/>
+          <p:nvPr/>
+        </p:nvGrpSpPr>
+        <p:grpSpPr>
+          <a:xfrm>
+            <a:off x="527050" y="2454275"/>
+            <a:ext cx="5139504" cy="1031240"/>
+            <a:chOff x="575958" y="2582797"/>
+            <a:chExt cx="5139504" cy="5815078"/>
+          </a:xfrm>
+        </p:grpSpPr>
+        <p:pic>
+          <p:nvPicPr>
+            <p:cNvPr id="21" name="object 3">
+              <a:extLst>
+                <a:ext uri="{FF2B5EF4-FFF2-40B4-BE49-F238E27FC236}">
+                  <a16:creationId xmlns:a16="http://schemas.microsoft.com/office/drawing/2014/main" id="{5F8BD2A9-251C-D812-4610-95124F7E9C19}"/>
+                </a:ext>
+              </a:extLst>
+            </p:cNvPr>
+            <p:cNvPicPr/>
+            <p:nvPr/>
+          </p:nvPicPr>
+          <p:blipFill>
+            <a:blip r:embed="rId4" cstate="print">
+              <a:duotone>
+                <a:prstClr val="black"/>
+                <a:schemeClr val="tx2">
+                  <a:tint val="45000"/>
+                  <a:satMod val="400000"/>
+                </a:schemeClr>
+              </a:duotone>
+              <a:alphaModFix amt="50000"/>
+              <a:extLst>
+                <a:ext uri="{BEBA8EAE-BF5A-486C-A8C5-ECC9F3942E4B}">
+                  <a14:imgProps xmlns:a14="http://schemas.microsoft.com/office/drawing/2010/main">
+                    <a14:imgLayer r:embed="rId5">
+                      <a14:imgEffect>
+                        <a14:saturation sat="300000"/>
+                      </a14:imgEffect>
+                    </a14:imgLayer>
+                  </a14:imgProps>
+                </a:ext>
+              </a:extLst>
+            </a:blip>
+            <a:stretch>
+              <a:fillRect/>
+            </a:stretch>
+          </p:blipFill>
+          <p:spPr>
+            <a:xfrm>
+              <a:off x="575958" y="2582797"/>
+              <a:ext cx="5056492" cy="5815078"/>
+            </a:xfrm>
+            <a:prstGeom prst="rect">
+              <a:avLst/>
+            </a:prstGeom>
+          </p:spPr>
+        </p:pic>
+        <p:sp>
+          <p:nvSpPr>
+            <p:cNvPr id="22" name="object 3">
+              <a:extLst>
+                <a:ext uri="{FF2B5EF4-FFF2-40B4-BE49-F238E27FC236}">
+                  <a16:creationId xmlns:a16="http://schemas.microsoft.com/office/drawing/2014/main" id="{BEAA32F2-4CC5-C864-E77C-250270291832}"/>
+                </a:ext>
+              </a:extLst>
+            </p:cNvPr>
+            <p:cNvSpPr txBox="1"/>
+            <p:nvPr/>
+          </p:nvSpPr>
+          <p:spPr>
+            <a:xfrm>
+              <a:off x="575958" y="2658556"/>
+              <a:ext cx="5139504" cy="5293360"/>
+            </a:xfrm>
+            <a:prstGeom prst="rect">
+              <a:avLst/>
+            </a:prstGeom>
+          </p:spPr>
+          <p:txBody>
+            <a:bodyPr vert="horz" wrap="square" lIns="0" tIns="15240" rIns="0" bIns="0" rtlCol="0">
+              <a:spAutoFit/>
+            </a:bodyPr>
+            <a:lstStyle/>
+            <a:p>
+              <a:pPr marL="12700">
+                <a:lnSpc>
+                  <a:spcPct val="100000"/>
+                </a:lnSpc>
+                <a:spcBef>
+                  <a:spcPts val="120"/>
+                </a:spcBef>
+              </a:pPr>
+              <a:r>
+                <a:rPr lang="en-US" sz="1200" b="1" spc="-254" dirty="0">
+                  <a:latin typeface="Diagramm"/>
+                  <a:cs typeface="Diagramm"/>
+                </a:rPr>
+                <a:t>                      </a:t>
+              </a:r>
+              <a:r>
+                <a:rPr lang="en-US" sz="6000" b="1" spc="-254" dirty="0">
+                  <a:latin typeface="Diagramm"/>
+                  <a:cs typeface="Diagramm"/>
+                </a:rPr>
+                <a:t>Event Marks</a:t>
+              </a:r>
+            </a:p>
+          </p:txBody>
+        </p:sp>
+      </p:grpSp>
+      <p:grpSp>
+        <p:nvGrpSpPr>
+          <p:cNvPr id="26" name="Group 25">
+            <a:extLst>
+              <a:ext uri="{FF2B5EF4-FFF2-40B4-BE49-F238E27FC236}">
+                <a16:creationId xmlns:a16="http://schemas.microsoft.com/office/drawing/2014/main" id="{2FE9759D-6831-1C83-817A-19B89AD685FD}"/>
+              </a:ext>
+            </a:extLst>
+          </p:cNvPr>
+          <p:cNvGrpSpPr/>
+          <p:nvPr/>
+        </p:nvGrpSpPr>
+        <p:grpSpPr>
+          <a:xfrm>
+            <a:off x="534877" y="5349875"/>
+            <a:ext cx="5139504" cy="1031240"/>
+            <a:chOff x="575958" y="2582797"/>
+            <a:chExt cx="5139504" cy="5815078"/>
+          </a:xfrm>
+        </p:grpSpPr>
+        <p:pic>
+          <p:nvPicPr>
+            <p:cNvPr id="27" name="object 3">
+              <a:extLst>
+                <a:ext uri="{FF2B5EF4-FFF2-40B4-BE49-F238E27FC236}">
+                  <a16:creationId xmlns:a16="http://schemas.microsoft.com/office/drawing/2014/main" id="{491B046A-1870-4112-58D6-F50F1AE7C55C}"/>
+                </a:ext>
+              </a:extLst>
+            </p:cNvPr>
+            <p:cNvPicPr/>
+            <p:nvPr/>
+          </p:nvPicPr>
+          <p:blipFill>
+            <a:blip r:embed="rId4" cstate="print">
+              <a:duotone>
+                <a:prstClr val="black"/>
+                <a:schemeClr val="tx2">
+                  <a:tint val="45000"/>
+                  <a:satMod val="400000"/>
+                </a:schemeClr>
+              </a:duotone>
+              <a:alphaModFix amt="50000"/>
+              <a:extLst>
+                <a:ext uri="{BEBA8EAE-BF5A-486C-A8C5-ECC9F3942E4B}">
+                  <a14:imgProps xmlns:a14="http://schemas.microsoft.com/office/drawing/2010/main">
+                    <a14:imgLayer r:embed="rId6">
+                      <a14:imgEffect>
+                        <a14:saturation sat="300000"/>
+                      </a14:imgEffect>
+                    </a14:imgLayer>
+                  </a14:imgProps>
+                </a:ext>
+              </a:extLst>
+            </a:blip>
+            <a:stretch>
+              <a:fillRect/>
+            </a:stretch>
+          </p:blipFill>
+          <p:spPr>
+            <a:xfrm>
+              <a:off x="575958" y="2582797"/>
+              <a:ext cx="5056492" cy="5815078"/>
+            </a:xfrm>
+            <a:prstGeom prst="rect">
+              <a:avLst/>
+            </a:prstGeom>
+          </p:spPr>
+        </p:pic>
+        <p:sp>
+          <p:nvSpPr>
+            <p:cNvPr id="28" name="object 3">
+              <a:extLst>
+                <a:ext uri="{FF2B5EF4-FFF2-40B4-BE49-F238E27FC236}">
+                  <a16:creationId xmlns:a16="http://schemas.microsoft.com/office/drawing/2014/main" id="{4C583BB7-1392-C0D0-CCA2-564DF799BA00}"/>
+                </a:ext>
+              </a:extLst>
+            </p:cNvPr>
+            <p:cNvSpPr txBox="1"/>
+            <p:nvPr/>
+          </p:nvSpPr>
+          <p:spPr>
+            <a:xfrm>
+              <a:off x="575958" y="2658556"/>
+              <a:ext cx="5139504" cy="5293360"/>
+            </a:xfrm>
+            <a:prstGeom prst="rect">
+              <a:avLst/>
+            </a:prstGeom>
+          </p:spPr>
+          <p:txBody>
+            <a:bodyPr vert="horz" wrap="square" lIns="0" tIns="15240" rIns="0" bIns="0" rtlCol="0">
+              <a:spAutoFit/>
+            </a:bodyPr>
+            <a:lstStyle/>
+            <a:p>
+              <a:pPr marL="12700">
+                <a:lnSpc>
+                  <a:spcPct val="100000"/>
+                </a:lnSpc>
+                <a:spcBef>
+                  <a:spcPts val="120"/>
+                </a:spcBef>
+              </a:pPr>
+              <a:r>
+                <a:rPr lang="en-US" sz="1200" b="1" spc="-254" dirty="0">
+                  <a:latin typeface="Diagramm"/>
+                  <a:cs typeface="Diagramm"/>
+                </a:rPr>
+                <a:t>                      </a:t>
+              </a:r>
+              <a:r>
+                <a:rPr lang="en-US" sz="6000" b="1" spc="-254" dirty="0">
+                  <a:latin typeface="Diagramm"/>
+                  <a:cs typeface="Diagramm"/>
+                </a:rPr>
+                <a:t>ECoG Ns5/6</a:t>
+              </a:r>
+            </a:p>
+          </p:txBody>
+        </p:sp>
+      </p:grpSp>
+      <p:grpSp>
+        <p:nvGrpSpPr>
+          <p:cNvPr id="29" name="Group 28">
+            <a:extLst>
+              <a:ext uri="{FF2B5EF4-FFF2-40B4-BE49-F238E27FC236}">
+                <a16:creationId xmlns:a16="http://schemas.microsoft.com/office/drawing/2014/main" id="{BF785889-F508-C9DE-F34C-23DF6CE7319C}"/>
+              </a:ext>
+            </a:extLst>
+          </p:cNvPr>
+          <p:cNvGrpSpPr/>
+          <p:nvPr/>
+        </p:nvGrpSpPr>
+        <p:grpSpPr>
+          <a:xfrm>
+            <a:off x="565741" y="8337996"/>
+            <a:ext cx="5139504" cy="1031240"/>
+            <a:chOff x="575958" y="2582797"/>
+            <a:chExt cx="5139504" cy="5815078"/>
+          </a:xfrm>
+        </p:grpSpPr>
+        <p:pic>
+          <p:nvPicPr>
+            <p:cNvPr id="30" name="object 3">
+              <a:extLst>
+                <a:ext uri="{FF2B5EF4-FFF2-40B4-BE49-F238E27FC236}">
+                  <a16:creationId xmlns:a16="http://schemas.microsoft.com/office/drawing/2014/main" id="{97FF1B34-35E1-CB9E-AFDF-C1EE7D8D99FA}"/>
+                </a:ext>
+              </a:extLst>
+            </p:cNvPr>
+            <p:cNvPicPr/>
+            <p:nvPr/>
+          </p:nvPicPr>
+          <p:blipFill>
+            <a:blip r:embed="rId4" cstate="print">
+              <a:duotone>
+                <a:prstClr val="black"/>
+                <a:schemeClr val="tx2">
+                  <a:tint val="45000"/>
+                  <a:satMod val="400000"/>
+                </a:schemeClr>
+              </a:duotone>
+              <a:alphaModFix amt="50000"/>
+              <a:extLst>
+                <a:ext uri="{BEBA8EAE-BF5A-486C-A8C5-ECC9F3942E4B}">
+                  <a14:imgProps xmlns:a14="http://schemas.microsoft.com/office/drawing/2010/main">
+                    <a14:imgLayer r:embed="rId5">
+                      <a14:imgEffect>
+                        <a14:saturation sat="300000"/>
+                      </a14:imgEffect>
+                    </a14:imgLayer>
+                  </a14:imgProps>
+                </a:ext>
+              </a:extLst>
+            </a:blip>
+            <a:stretch>
+              <a:fillRect/>
+            </a:stretch>
+          </p:blipFill>
+          <p:spPr>
+            <a:xfrm>
+              <a:off x="575958" y="2582797"/>
+              <a:ext cx="5056492" cy="5815078"/>
+            </a:xfrm>
+            <a:prstGeom prst="rect">
+              <a:avLst/>
+            </a:prstGeom>
+          </p:spPr>
+        </p:pic>
+        <p:sp>
+          <p:nvSpPr>
+            <p:cNvPr id="31" name="object 3">
+              <a:extLst>
+                <a:ext uri="{FF2B5EF4-FFF2-40B4-BE49-F238E27FC236}">
+                  <a16:creationId xmlns:a16="http://schemas.microsoft.com/office/drawing/2014/main" id="{17656FEF-8CFB-3319-E576-C235F8F1518B}"/>
+                </a:ext>
+              </a:extLst>
+            </p:cNvPr>
+            <p:cNvSpPr txBox="1"/>
+            <p:nvPr/>
+          </p:nvSpPr>
+          <p:spPr>
+            <a:xfrm>
+              <a:off x="575958" y="2658556"/>
+              <a:ext cx="5139504" cy="5293360"/>
+            </a:xfrm>
+            <a:prstGeom prst="rect">
+              <a:avLst/>
+            </a:prstGeom>
+          </p:spPr>
+          <p:txBody>
+            <a:bodyPr vert="horz" wrap="square" lIns="0" tIns="15240" rIns="0" bIns="0" rtlCol="0">
+              <a:spAutoFit/>
+            </a:bodyPr>
+            <a:lstStyle/>
+            <a:p>
+              <a:pPr marL="12700">
+                <a:lnSpc>
+                  <a:spcPct val="100000"/>
+                </a:lnSpc>
+                <a:spcBef>
+                  <a:spcPts val="120"/>
+                </a:spcBef>
+              </a:pPr>
+              <a:r>
+                <a:rPr lang="en-US" sz="1200" b="1" spc="-254" dirty="0">
+                  <a:latin typeface="Diagramm"/>
+                  <a:cs typeface="Diagramm"/>
+                </a:rPr>
+                <a:t>                      </a:t>
+              </a:r>
+              <a:r>
+                <a:rPr lang="en-US" sz="6000" b="1" spc="-254" dirty="0">
+                  <a:latin typeface="Diagramm"/>
+                  <a:cs typeface="Diagramm"/>
+                </a:rPr>
+                <a:t>3D Trajectory</a:t>
+              </a:r>
+            </a:p>
+          </p:txBody>
+        </p:sp>
+      </p:grpSp>
+      <p:pic>
+        <p:nvPicPr>
+          <p:cNvPr id="8" name="object 3">
+            <a:extLst>
+              <a:ext uri="{FF2B5EF4-FFF2-40B4-BE49-F238E27FC236}">
+                <a16:creationId xmlns:a16="http://schemas.microsoft.com/office/drawing/2014/main" id="{5D5A2B59-8830-76C5-6838-09AF419D1A65}"/>
+              </a:ext>
+            </a:extLst>
+          </p:cNvPr>
+          <p:cNvPicPr/>
+          <p:nvPr/>
+        </p:nvPicPr>
+        <p:blipFill>
+          <a:blip r:embed="rId7" cstate="print">
+            <a:grayscl/>
+            <a:alphaModFix amt="35000"/>
+            <a:extLst>
+              <a:ext uri="{BEBA8EAE-BF5A-486C-A8C5-ECC9F3942E4B}">
+                <a14:imgProps xmlns:a14="http://schemas.microsoft.com/office/drawing/2010/main">
+                  <a14:imgLayer r:embed="rId6">
+                    <a14:imgEffect>
+                      <a14:colorTemperature colorTemp="11200"/>
+                    </a14:imgEffect>
+                    <a14:imgEffect>
+                      <a14:saturation sat="300000"/>
+                    </a14:imgEffect>
+                  </a14:imgLayer>
+                </a14:imgProps>
+              </a:ext>
+            </a:extLst>
+          </a:blip>
+          <a:stretch>
+            <a:fillRect/>
+          </a:stretch>
+        </p:blipFill>
+        <p:spPr>
+          <a:xfrm>
+            <a:off x="6553662" y="2454275"/>
+            <a:ext cx="11083104" cy="2514600"/>
+          </a:xfrm>
+          <a:prstGeom prst="rect">
+            <a:avLst/>
+          </a:prstGeom>
+        </p:spPr>
+      </p:pic>
+      <p:pic>
+        <p:nvPicPr>
+          <p:cNvPr id="9" name="object 3">
+            <a:extLst>
+              <a:ext uri="{FF2B5EF4-FFF2-40B4-BE49-F238E27FC236}">
+                <a16:creationId xmlns:a16="http://schemas.microsoft.com/office/drawing/2014/main" id="{DD3A2CCF-6ABB-99B4-8CDB-8D84EE1DC124}"/>
+              </a:ext>
+            </a:extLst>
+          </p:cNvPr>
+          <p:cNvPicPr/>
+          <p:nvPr/>
+        </p:nvPicPr>
+        <p:blipFill>
+          <a:blip r:embed="rId7" cstate="print">
+            <a:grayscl/>
+            <a:alphaModFix amt="35000"/>
+            <a:extLst>
+              <a:ext uri="{BEBA8EAE-BF5A-486C-A8C5-ECC9F3942E4B}">
+                <a14:imgProps xmlns:a14="http://schemas.microsoft.com/office/drawing/2010/main">
+                  <a14:imgLayer r:embed="rId6">
+                    <a14:imgEffect>
+                      <a14:colorTemperature colorTemp="11200"/>
+                    </a14:imgEffect>
+                    <a14:imgEffect>
+                      <a14:saturation sat="300000"/>
+                    </a14:imgEffect>
+                  </a14:imgLayer>
+                </a14:imgProps>
+              </a:ext>
+            </a:extLst>
+          </a:blip>
+          <a:stretch>
+            <a:fillRect/>
+          </a:stretch>
+        </p:blipFill>
+        <p:spPr>
+          <a:xfrm>
+            <a:off x="6553662" y="5329267"/>
+            <a:ext cx="11083104" cy="2514600"/>
+          </a:xfrm>
+          <a:prstGeom prst="rect">
+            <a:avLst/>
+          </a:prstGeom>
+        </p:spPr>
+      </p:pic>
+      <p:pic>
+        <p:nvPicPr>
+          <p:cNvPr id="15" name="object 3">
+            <a:extLst>
+              <a:ext uri="{FF2B5EF4-FFF2-40B4-BE49-F238E27FC236}">
+                <a16:creationId xmlns:a16="http://schemas.microsoft.com/office/drawing/2014/main" id="{AC945928-045E-0FF5-BADB-AEB552F3EA57}"/>
+              </a:ext>
+            </a:extLst>
+          </p:cNvPr>
+          <p:cNvPicPr/>
+          <p:nvPr/>
+        </p:nvPicPr>
+        <p:blipFill>
+          <a:blip r:embed="rId7" cstate="print">
+            <a:grayscl/>
+            <a:alphaModFix amt="35000"/>
+            <a:extLst>
+              <a:ext uri="{BEBA8EAE-BF5A-486C-A8C5-ECC9F3942E4B}">
+                <a14:imgProps xmlns:a14="http://schemas.microsoft.com/office/drawing/2010/main">
+                  <a14:imgLayer r:embed="rId6">
+                    <a14:imgEffect>
+                      <a14:colorTemperature colorTemp="11200"/>
+                    </a14:imgEffect>
+                    <a14:imgEffect>
+                      <a14:saturation sat="300000"/>
+                    </a14:imgEffect>
+                  </a14:imgLayer>
+                </a14:imgProps>
+              </a:ext>
+            </a:extLst>
+          </a:blip>
+          <a:stretch>
+            <a:fillRect/>
+          </a:stretch>
+        </p:blipFill>
+        <p:spPr>
+          <a:xfrm>
+            <a:off x="6553662" y="8337996"/>
+            <a:ext cx="11083104" cy="2514600"/>
+          </a:xfrm>
+          <a:prstGeom prst="rect">
+            <a:avLst/>
+          </a:prstGeom>
+        </p:spPr>
+      </p:pic>
     </p:spTree>
     <p:extLst>
       <p:ext uri="{BB962C8B-B14F-4D97-AF65-F5344CB8AC3E}">
-        <p14:creationId xmlns:p14="http://schemas.microsoft.com/office/powerpoint/2010/main" val="850072074"/>
+        <p14:creationId xmlns:p14="http://schemas.microsoft.com/office/powerpoint/2010/main" val="1089878744"/>
       </p:ext>
     </p:extLst>
   </p:cSld>
@@ -3588,7 +5156,7 @@
                 <a:latin typeface="Diagramm Bold"/>
                 <a:cs typeface="Diagramm Bold"/>
               </a:rPr>
-              <a:t>TASK 3</a:t>
+              <a:t>TASK 2</a:t>
             </a:r>
           </a:p>
         </p:txBody>
@@ -3662,7 +5230,7 @@
     </p:spTree>
     <p:extLst>
       <p:ext uri="{BB962C8B-B14F-4D97-AF65-F5344CB8AC3E}">
-        <p14:creationId xmlns:p14="http://schemas.microsoft.com/office/powerpoint/2010/main" val="464794127"/>
+        <p14:creationId xmlns:p14="http://schemas.microsoft.com/office/powerpoint/2010/main" val="850072074"/>
       </p:ext>
     </p:extLst>
   </p:cSld>
@@ -3673,7 +5241,7 @@
 </file>
 
 <file path=ppt/slides/slide18.xml><?xml version="1.0" encoding="utf-8"?>
-<p:sld xmlns:a="http://schemas.openxmlformats.org/drawingml/2006/main" xmlns:r="http://schemas.openxmlformats.org/officeDocument/2006/relationships" xmlns:p="http://schemas.openxmlformats.org/presentationml/2006/main" showMasterSp="0">
+<p:sld xmlns:a="http://schemas.openxmlformats.org/drawingml/2006/main" xmlns:r="http://schemas.openxmlformats.org/officeDocument/2006/relationships" xmlns:p="http://schemas.openxmlformats.org/presentationml/2006/main">
   <p:cSld>
     <p:spTree>
       <p:nvGrpSpPr>
@@ -3697,119 +5265,34 @@
           </p:cNvPicPr>
           <p:nvPr/>
         </p:nvPicPr>
-        <p:blipFill rotWithShape="1">
+        <p:blipFill>
           <a:blip r:embed="rId2" cstate="print"/>
-          <a:srcRect r="353"/>
-          <a:stretch/>
-        </p:blipFill>
-        <p:spPr>
-          <a:xfrm>
-            <a:off x="37915" y="30116"/>
-            <a:ext cx="20032941" cy="11251966"/>
-          </a:xfrm>
-          <a:prstGeom prst="rect">
-            <a:avLst/>
-          </a:prstGeom>
-        </p:spPr>
-      </p:pic>
-      <p:pic>
-        <p:nvPicPr>
-          <p:cNvPr id="3" name="object 3"/>
-          <p:cNvPicPr/>
-          <p:nvPr/>
-        </p:nvPicPr>
-        <p:blipFill>
-          <a:blip r:embed="rId3" cstate="print"/>
           <a:stretch>
             <a:fillRect/>
           </a:stretch>
         </p:blipFill>
         <p:spPr>
           <a:xfrm>
-            <a:off x="460779" y="8439489"/>
-            <a:ext cx="1350720" cy="1811459"/>
+            <a:off x="0" y="0"/>
+            <a:ext cx="20104100" cy="11308556"/>
           </a:xfrm>
           <a:prstGeom prst="rect">
             <a:avLst/>
           </a:prstGeom>
         </p:spPr>
       </p:pic>
-      <p:pic>
-        <p:nvPicPr>
-          <p:cNvPr id="4" name="object 4"/>
-          <p:cNvPicPr/>
-          <p:nvPr/>
-        </p:nvPicPr>
-        <p:blipFill>
-          <a:blip r:embed="rId3" cstate="print"/>
-          <a:stretch>
-            <a:fillRect/>
-          </a:stretch>
-        </p:blipFill>
-        <p:spPr>
-          <a:xfrm>
-            <a:off x="1947636" y="8439489"/>
-            <a:ext cx="1350750" cy="1811459"/>
-          </a:xfrm>
-          <a:prstGeom prst="rect">
-            <a:avLst/>
-          </a:prstGeom>
-        </p:spPr>
-      </p:pic>
-      <p:pic>
-        <p:nvPicPr>
-          <p:cNvPr id="5" name="object 5"/>
-          <p:cNvPicPr/>
-          <p:nvPr/>
-        </p:nvPicPr>
-        <p:blipFill>
-          <a:blip r:embed="rId3" cstate="print"/>
-          <a:stretch>
-            <a:fillRect/>
-          </a:stretch>
-        </p:blipFill>
-        <p:spPr>
-          <a:xfrm>
-            <a:off x="3444970" y="8439489"/>
-            <a:ext cx="1350752" cy="1811459"/>
-          </a:xfrm>
-          <a:prstGeom prst="rect">
-            <a:avLst/>
-          </a:prstGeom>
-        </p:spPr>
-      </p:pic>
-      <p:pic>
-        <p:nvPicPr>
-          <p:cNvPr id="6" name="object 6"/>
-          <p:cNvPicPr/>
-          <p:nvPr/>
-        </p:nvPicPr>
-        <p:blipFill>
-          <a:blip r:embed="rId3" cstate="print"/>
-          <a:stretch>
-            <a:fillRect/>
-          </a:stretch>
-        </p:blipFill>
-        <p:spPr>
-          <a:xfrm>
-            <a:off x="4942305" y="8439489"/>
-            <a:ext cx="1350750" cy="1811459"/>
-          </a:xfrm>
-          <a:prstGeom prst="rect">
-            <a:avLst/>
-          </a:prstGeom>
-        </p:spPr>
-      </p:pic>
-      <p:sp>
-        <p:nvSpPr>
-          <p:cNvPr id="8" name="object 8"/>
-          <p:cNvSpPr txBox="1"/>
-          <p:nvPr/>
-        </p:nvSpPr>
-        <p:spPr>
-          <a:xfrm>
-            <a:off x="381541" y="10580816"/>
-            <a:ext cx="5995035" cy="314960"/>
+      <p:sp>
+        <p:nvSpPr>
+          <p:cNvPr id="3" name="object 3"/>
+          <p:cNvSpPr txBox="1">
+            <a:spLocks noGrp="1" noRot="1" noMove="1" noResize="1" noEditPoints="1" noAdjustHandles="1" noChangeArrowheads="1" noChangeShapeType="1"/>
+          </p:cNvSpPr>
+          <p:nvPr/>
+        </p:nvSpPr>
+        <p:spPr>
+          <a:xfrm>
+            <a:off x="3947850" y="4920431"/>
+            <a:ext cx="12190095" cy="1027845"/>
           </a:xfrm>
           <a:prstGeom prst="rect">
             <a:avLst/>
@@ -3821,7 +5304,7 @@
           </a:bodyPr>
           <a:lstStyle/>
           <a:p>
-            <a:pPr marL="12700">
+            <a:pPr marL="12700" algn="ctr">
               <a:lnSpc>
                 <a:spcPct val="100000"/>
               </a:lnSpc>
@@ -3830,149 +5313,32 @@
               </a:spcBef>
             </a:pPr>
             <a:r>
-              <a:rPr sz="1900" spc="-5" dirty="0">
-                <a:latin typeface="Diagramm"/>
-                <a:cs typeface="Diagramm"/>
-              </a:rPr>
-              <a:t>COURTINE</a:t>
-            </a:r>
-            <a:r>
-              <a:rPr sz="1900" spc="-10" dirty="0">
-                <a:latin typeface="Diagramm"/>
-                <a:cs typeface="Diagramm"/>
-              </a:rPr>
-              <a:t> </a:t>
-            </a:r>
-            <a:r>
-              <a:rPr sz="1900" spc="-5" dirty="0">
-                <a:latin typeface="Diagramm"/>
-                <a:cs typeface="Diagramm"/>
-              </a:rPr>
-              <a:t>ET AL. </a:t>
-            </a:r>
-            <a:r>
-              <a:rPr sz="1900" dirty="0">
-                <a:latin typeface="Diagramm"/>
-                <a:cs typeface="Diagramm"/>
-              </a:rPr>
-              <a:t>¦</a:t>
-            </a:r>
-            <a:r>
-              <a:rPr sz="1900" spc="-10" dirty="0">
-                <a:latin typeface="Diagramm"/>
-                <a:cs typeface="Diagramm"/>
-              </a:rPr>
-              <a:t> </a:t>
-            </a:r>
-            <a:r>
-              <a:rPr sz="1900" spc="-30" dirty="0">
-                <a:latin typeface="Diagramm"/>
-                <a:cs typeface="Diagramm"/>
-              </a:rPr>
-              <a:t>NATURE</a:t>
-            </a:r>
-            <a:r>
-              <a:rPr sz="1900" spc="-5" dirty="0">
-                <a:latin typeface="Diagramm"/>
-                <a:cs typeface="Diagramm"/>
-              </a:rPr>
-              <a:t> NEUROSCIENCE </a:t>
-            </a:r>
-            <a:r>
-              <a:rPr sz="1900" dirty="0">
-                <a:latin typeface="Diagramm"/>
-                <a:cs typeface="Diagramm"/>
-              </a:rPr>
-              <a:t>¦</a:t>
-            </a:r>
-            <a:r>
-              <a:rPr sz="1900" spc="-10" dirty="0">
-                <a:latin typeface="Diagramm"/>
-                <a:cs typeface="Diagramm"/>
-              </a:rPr>
-              <a:t> </a:t>
-            </a:r>
-            <a:r>
-              <a:rPr sz="1900" spc="-5" dirty="0">
-                <a:latin typeface="Diagramm"/>
-                <a:cs typeface="Diagramm"/>
-              </a:rPr>
-              <a:t>2009</a:t>
-            </a:r>
-            <a:endParaRPr sz="1900" dirty="0">
-              <a:latin typeface="Diagramm"/>
-              <a:cs typeface="Diagramm"/>
-            </a:endParaRPr>
-          </a:p>
-        </p:txBody>
-      </p:sp>
-      <p:sp>
-        <p:nvSpPr>
-          <p:cNvPr id="9" name="object 9"/>
-          <p:cNvSpPr txBox="1"/>
-          <p:nvPr/>
-        </p:nvSpPr>
-        <p:spPr>
-          <a:xfrm>
-            <a:off x="507192" y="1659609"/>
-            <a:ext cx="1029969" cy="402590"/>
-          </a:xfrm>
-          <a:prstGeom prst="rect">
-            <a:avLst/>
-          </a:prstGeom>
-        </p:spPr>
-        <p:txBody>
-          <a:bodyPr vert="horz" wrap="square" lIns="0" tIns="15240" rIns="0" bIns="0" rtlCol="0">
-            <a:spAutoFit/>
-          </a:bodyPr>
-          <a:lstStyle/>
-          <a:p>
-            <a:pPr marL="12700">
-              <a:lnSpc>
-                <a:spcPct val="100000"/>
-              </a:lnSpc>
-              <a:spcBef>
-                <a:spcPts val="120"/>
-              </a:spcBef>
-            </a:pPr>
-            <a:r>
-              <a:rPr sz="2450" spc="15" dirty="0">
-                <a:latin typeface="Diagramm"/>
-                <a:cs typeface="Diagramm"/>
-              </a:rPr>
-              <a:t>T</a:t>
-            </a:r>
-            <a:r>
-              <a:rPr sz="2450" spc="20" dirty="0">
-                <a:latin typeface="Diagramm"/>
-                <a:cs typeface="Diagramm"/>
-              </a:rPr>
-              <a:t>E</a:t>
-            </a:r>
-            <a:r>
-              <a:rPr sz="2450" spc="15" dirty="0">
-                <a:latin typeface="Diagramm"/>
-                <a:cs typeface="Diagramm"/>
-              </a:rPr>
-              <a:t>XTE</a:t>
-            </a:r>
-            <a:endParaRPr sz="2450">
-              <a:latin typeface="Diagramm"/>
-              <a:cs typeface="Diagramm"/>
-            </a:endParaRPr>
-          </a:p>
-        </p:txBody>
-      </p:sp>
-      <p:sp>
-        <p:nvSpPr>
-          <p:cNvPr id="10" name="object 10"/>
-          <p:cNvSpPr txBox="1"/>
-          <p:nvPr/>
-        </p:nvSpPr>
-        <p:spPr>
-          <a:xfrm>
-            <a:off x="8072676" y="4920431"/>
-            <a:ext cx="10955655" cy="1030605"/>
+              <a:rPr lang="en-US" sz="6600" b="1" dirty="0">
+                <a:solidFill>
+                  <a:schemeClr val="bg1"/>
+                </a:solidFill>
+                <a:latin typeface="Diagramm Bold"/>
+                <a:cs typeface="Diagramm Bold"/>
+              </a:rPr>
+              <a:t>TASK 3</a:t>
+            </a:r>
+          </a:p>
+        </p:txBody>
+      </p:sp>
+      <p:sp>
+        <p:nvSpPr>
+          <p:cNvPr id="4" name="object 4"/>
+          <p:cNvSpPr txBox="1">
+            <a:spLocks noGrp="1"/>
+          </p:cNvSpPr>
+          <p:nvPr>
+            <p:ph type="ctrTitle"/>
+          </p:nvPr>
+        </p:nvSpPr>
+        <p:spPr>
+          <a:xfrm>
+            <a:off x="492946" y="382194"/>
+            <a:ext cx="19118207" cy="1021562"/>
           </a:xfrm>
           <a:prstGeom prst="rect">
             <a:avLst/>
@@ -3983,114 +5349,6 @@
             <a:spAutoFit/>
           </a:bodyPr>
           <a:lstStyle/>
-          <a:p>
-            <a:pPr marL="12700">
-              <a:lnSpc>
-                <a:spcPct val="100000"/>
-              </a:lnSpc>
-              <a:spcBef>
-                <a:spcPts val="95"/>
-              </a:spcBef>
-            </a:pPr>
-            <a:r>
-              <a:rPr sz="6600" b="1" spc="-200" dirty="0">
-                <a:solidFill>
-                  <a:schemeClr val="bg1"/>
-                </a:solidFill>
-                <a:latin typeface="Diagramm Bold"/>
-                <a:cs typeface="Diagramm Bold"/>
-              </a:rPr>
-              <a:t>VIDEO/IMAGE</a:t>
-            </a:r>
-            <a:r>
-              <a:rPr sz="6600" b="1" spc="409" dirty="0">
-                <a:solidFill>
-                  <a:schemeClr val="bg1"/>
-                </a:solidFill>
-                <a:latin typeface="Diagramm Bold"/>
-                <a:cs typeface="Diagramm Bold"/>
-              </a:rPr>
-              <a:t> </a:t>
-            </a:r>
-            <a:r>
-              <a:rPr sz="6600" b="1" spc="-195" dirty="0">
-                <a:solidFill>
-                  <a:schemeClr val="bg1"/>
-                </a:solidFill>
-                <a:latin typeface="Diagramm Bold"/>
-                <a:cs typeface="Diagramm Bold"/>
-              </a:rPr>
-              <a:t>2/3</a:t>
-            </a:r>
-            <a:r>
-              <a:rPr sz="6600" b="1" spc="409" dirty="0">
-                <a:solidFill>
-                  <a:schemeClr val="bg1"/>
-                </a:solidFill>
-                <a:latin typeface="Diagramm Bold"/>
-                <a:cs typeface="Diagramm Bold"/>
-              </a:rPr>
-              <a:t> </a:t>
-            </a:r>
-            <a:r>
-              <a:rPr sz="6600" b="1" spc="-225" dirty="0">
-                <a:solidFill>
-                  <a:schemeClr val="bg1"/>
-                </a:solidFill>
-                <a:latin typeface="Diagramm Bold"/>
-                <a:cs typeface="Diagramm Bold"/>
-              </a:rPr>
-              <a:t>SCREEN</a:t>
-            </a:r>
-            <a:endParaRPr sz="6600" dirty="0">
-              <a:solidFill>
-                <a:schemeClr val="bg1"/>
-              </a:solidFill>
-              <a:latin typeface="Diagramm Bold"/>
-              <a:cs typeface="Diagramm Bold"/>
-            </a:endParaRPr>
-          </a:p>
-        </p:txBody>
-      </p:sp>
-      <p:sp>
-        <p:nvSpPr>
-          <p:cNvPr id="20" name="object 4">
-            <a:extLst>
-              <a:ext uri="{FF2B5EF4-FFF2-40B4-BE49-F238E27FC236}">
-                <a16:creationId xmlns:a16="http://schemas.microsoft.com/office/drawing/2014/main" id="{DDAE9862-73D7-D202-68EF-49F8DBF665EA}"/>
-              </a:ext>
-            </a:extLst>
-          </p:cNvPr>
-          <p:cNvSpPr txBox="1">
-            <a:spLocks/>
-          </p:cNvSpPr>
-          <p:nvPr/>
-        </p:nvSpPr>
-        <p:spPr>
-          <a:xfrm>
-            <a:off x="492946" y="382194"/>
-            <a:ext cx="19118207" cy="1021562"/>
-          </a:xfrm>
-          <a:prstGeom prst="rect">
-            <a:avLst/>
-          </a:prstGeom>
-        </p:spPr>
-        <p:txBody>
-          <a:bodyPr vert="horz" wrap="square" lIns="0" tIns="12065" rIns="0" bIns="0" rtlCol="0">
-            <a:spAutoFit/>
-          </a:bodyPr>
-          <a:lstStyle>
-            <a:lvl1pPr>
-              <a:defRPr sz="3300" b="1" i="0">
-                <a:solidFill>
-                  <a:schemeClr val="tx1"/>
-                </a:solidFill>
-                <a:latin typeface="Diagramm Bold"/>
-                <a:ea typeface="+mj-ea"/>
-                <a:cs typeface="Diagramm Bold"/>
-              </a:defRPr>
-            </a:lvl1pPr>
-          </a:lstStyle>
           <a:p>
             <a:pPr marL="12799060">
               <a:lnSpc>
@@ -4101,7 +5359,7 @@
               </a:spcBef>
             </a:pPr>
             <a:r>
-              <a:rPr lang="en-US" kern="0" spc="-5" dirty="0">
+              <a:rPr lang="en-US" spc="-5" dirty="0">
                 <a:solidFill>
                   <a:schemeClr val="bg1"/>
                 </a:solidFill>
@@ -4109,21 +5367,21 @@
               <a:t>Weighted Least Squares Estimation </a:t>
             </a:r>
             <a:br>
-              <a:rPr lang="en-US" kern="0" spc="-5" dirty="0">
+              <a:rPr lang="en-US" spc="-5" dirty="0">
                 <a:solidFill>
                   <a:schemeClr val="bg1"/>
                 </a:solidFill>
               </a:rPr>
             </a:br>
             <a:r>
-              <a:rPr lang="en-US" b="0" kern="0" spc="-5" dirty="0">
+              <a:rPr lang="en-US" b="0" spc="-5" dirty="0">
                 <a:solidFill>
                   <a:schemeClr val="bg1"/>
                 </a:solidFill>
               </a:rPr>
               <a:t>3D Body Part Trajectories</a:t>
             </a:r>
-            <a:endParaRPr lang="en-US" b="0" kern="0" spc="-10" dirty="0">
+            <a:endParaRPr lang="en-US" b="0" spc="-10" dirty="0">
               <a:solidFill>
                 <a:schemeClr val="bg1"/>
               </a:solidFill>
@@ -4134,6 +5392,11 @@
         </p:txBody>
       </p:sp>
     </p:spTree>
+    <p:extLst>
+      <p:ext uri="{BB962C8B-B14F-4D97-AF65-F5344CB8AC3E}">
+        <p14:creationId xmlns:p14="http://schemas.microsoft.com/office/powerpoint/2010/main" val="464794127"/>
+      </p:ext>
+    </p:extLst>
   </p:cSld>
   <p:clrMapOvr>
     <a:masterClrMapping/>
@@ -4166,16 +5429,15 @@
           </p:cNvPicPr>
           <p:nvPr/>
         </p:nvPicPr>
-        <p:blipFill>
+        <p:blipFill rotWithShape="1">
           <a:blip r:embed="rId2" cstate="print"/>
-          <a:stretch>
-            <a:fillRect/>
-          </a:stretch>
+          <a:srcRect r="353"/>
+          <a:stretch/>
         </p:blipFill>
         <p:spPr>
           <a:xfrm>
-            <a:off x="0" y="0"/>
-            <a:ext cx="20104100" cy="11308556"/>
+            <a:off x="37915" y="30116"/>
+            <a:ext cx="20032941" cy="11251966"/>
           </a:xfrm>
           <a:prstGeom prst="rect">
             <a:avLst/>
@@ -4196,7 +5458,7 @@
         </p:blipFill>
         <p:spPr>
           <a:xfrm>
-            <a:off x="575958" y="8439489"/>
+            <a:off x="460779" y="8439489"/>
             <a:ext cx="1350720" cy="1811459"/>
           </a:xfrm>
           <a:prstGeom prst="rect">
@@ -4218,7 +5480,7 @@
         </p:blipFill>
         <p:spPr>
           <a:xfrm>
-            <a:off x="2062813" y="8439489"/>
+            <a:off x="1947636" y="8439489"/>
             <a:ext cx="1350750" cy="1811459"/>
           </a:xfrm>
           <a:prstGeom prst="rect">
@@ -4240,8 +5502,8 @@
         </p:blipFill>
         <p:spPr>
           <a:xfrm>
-            <a:off x="3560148" y="8439489"/>
-            <a:ext cx="1350750" cy="1811459"/>
+            <a:off x="3444970" y="8439489"/>
+            <a:ext cx="1350752" cy="1811459"/>
           </a:xfrm>
           <a:prstGeom prst="rect">
             <a:avLst/>
@@ -4262,67 +5524,23 @@
         </p:blipFill>
         <p:spPr>
           <a:xfrm>
-            <a:off x="5057481" y="8439489"/>
-            <a:ext cx="1350752" cy="1811459"/>
+            <a:off x="4942305" y="8439489"/>
+            <a:ext cx="1350750" cy="1811459"/>
           </a:xfrm>
           <a:prstGeom prst="rect">
             <a:avLst/>
           </a:prstGeom>
         </p:spPr>
       </p:pic>
-      <p:pic>
-        <p:nvPicPr>
-          <p:cNvPr id="7" name="object 7"/>
-          <p:cNvPicPr/>
-          <p:nvPr/>
-        </p:nvPicPr>
-        <p:blipFill>
-          <a:blip r:embed="rId3" cstate="print"/>
-          <a:stretch>
-            <a:fillRect/>
-          </a:stretch>
-        </p:blipFill>
-        <p:spPr>
-          <a:xfrm>
-            <a:off x="6554816" y="8439489"/>
-            <a:ext cx="1350752" cy="1811459"/>
-          </a:xfrm>
-          <a:prstGeom prst="rect">
-            <a:avLst/>
-          </a:prstGeom>
-        </p:spPr>
-      </p:pic>
-      <p:pic>
-        <p:nvPicPr>
+      <p:sp>
+        <p:nvSpPr>
           <p:cNvPr id="8" name="object 8"/>
-          <p:cNvPicPr/>
-          <p:nvPr/>
-        </p:nvPicPr>
-        <p:blipFill>
-          <a:blip r:embed="rId3" cstate="print"/>
-          <a:stretch>
-            <a:fillRect/>
-          </a:stretch>
-        </p:blipFill>
-        <p:spPr>
-          <a:xfrm>
-            <a:off x="8052152" y="8439489"/>
-            <a:ext cx="1350750" cy="1811459"/>
-          </a:xfrm>
-          <a:prstGeom prst="rect">
-            <a:avLst/>
-          </a:prstGeom>
-        </p:spPr>
-      </p:pic>
-      <p:sp>
-        <p:nvSpPr>
-          <p:cNvPr id="9" name="object 9"/>
           <p:cNvSpPr txBox="1"/>
           <p:nvPr/>
         </p:nvSpPr>
         <p:spPr>
           <a:xfrm>
-            <a:off x="1983343" y="10570298"/>
+            <a:off x="381541" y="10580816"/>
             <a:ext cx="5995035" cy="314960"/>
           </a:xfrm>
           <a:prstGeom prst="rect">
@@ -4420,38 +5638,73 @@
           </a:p>
         </p:txBody>
       </p:sp>
-      <p:pic>
-        <p:nvPicPr>
+      <p:sp>
+        <p:nvSpPr>
+          <p:cNvPr id="9" name="object 9"/>
+          <p:cNvSpPr txBox="1"/>
+          <p:nvPr/>
+        </p:nvSpPr>
+        <p:spPr>
+          <a:xfrm>
+            <a:off x="507192" y="1659609"/>
+            <a:ext cx="1029969" cy="402590"/>
+          </a:xfrm>
+          <a:prstGeom prst="rect">
+            <a:avLst/>
+          </a:prstGeom>
+        </p:spPr>
+        <p:txBody>
+          <a:bodyPr vert="horz" wrap="square" lIns="0" tIns="15240" rIns="0" bIns="0" rtlCol="0">
+            <a:spAutoFit/>
+          </a:bodyPr>
+          <a:lstStyle/>
+          <a:p>
+            <a:pPr marL="12700">
+              <a:lnSpc>
+                <a:spcPct val="100000"/>
+              </a:lnSpc>
+              <a:spcBef>
+                <a:spcPts val="120"/>
+              </a:spcBef>
+            </a:pPr>
+            <a:r>
+              <a:rPr sz="2450" spc="15" dirty="0">
+                <a:latin typeface="Diagramm"/>
+                <a:cs typeface="Diagramm"/>
+              </a:rPr>
+              <a:t>T</a:t>
+            </a:r>
+            <a:r>
+              <a:rPr sz="2450" spc="20" dirty="0">
+                <a:latin typeface="Diagramm"/>
+                <a:cs typeface="Diagramm"/>
+              </a:rPr>
+              <a:t>E</a:t>
+            </a:r>
+            <a:r>
+              <a:rPr sz="2450" spc="15" dirty="0">
+                <a:latin typeface="Diagramm"/>
+                <a:cs typeface="Diagramm"/>
+              </a:rPr>
+              <a:t>XTE</a:t>
+            </a:r>
+            <a:endParaRPr sz="2450">
+              <a:latin typeface="Diagramm"/>
+              <a:cs typeface="Diagramm"/>
+            </a:endParaRPr>
+          </a:p>
+        </p:txBody>
+      </p:sp>
+      <p:sp>
+        <p:nvSpPr>
           <p:cNvPr id="10" name="object 10"/>
-          <p:cNvPicPr/>
-          <p:nvPr/>
-        </p:nvPicPr>
-        <p:blipFill>
-          <a:blip r:embed="rId4" cstate="print"/>
-          <a:stretch>
-            <a:fillRect/>
-          </a:stretch>
-        </p:blipFill>
-        <p:spPr>
-          <a:xfrm>
-            <a:off x="10093918" y="3"/>
-            <a:ext cx="10010181" cy="11308549"/>
-          </a:xfrm>
-          <a:prstGeom prst="rect">
-            <a:avLst/>
-          </a:prstGeom>
-        </p:spPr>
-      </p:pic>
-      <p:sp>
-        <p:nvSpPr>
-          <p:cNvPr id="11" name="object 11"/>
           <p:cNvSpPr txBox="1"/>
           <p:nvPr/>
         </p:nvSpPr>
         <p:spPr>
           <a:xfrm>
-            <a:off x="12194899" y="4920431"/>
-            <a:ext cx="5748020" cy="1030605"/>
+            <a:off x="8072676" y="4920431"/>
+            <a:ext cx="10955655" cy="1030605"/>
           </a:xfrm>
           <a:prstGeom prst="rect">
             <a:avLst/>
@@ -4472,74 +5725,54 @@
               </a:spcBef>
             </a:pPr>
             <a:r>
-              <a:rPr sz="6600" b="1" spc="-110" dirty="0">
+              <a:rPr sz="6600" b="1" spc="-200" dirty="0">
                 <a:solidFill>
                   <a:schemeClr val="bg1"/>
                 </a:solidFill>
                 <a:latin typeface="Diagramm Bold"/>
                 <a:cs typeface="Diagramm Bold"/>
               </a:rPr>
-              <a:t>VIDE</a:t>
-            </a:r>
-            <a:r>
-              <a:rPr sz="6600" b="1" spc="-480" dirty="0">
+              <a:t>VIDEO/IMAGE</a:t>
+            </a:r>
+            <a:r>
+              <a:rPr sz="6600" b="1" spc="409" dirty="0">
                 <a:solidFill>
                   <a:schemeClr val="bg1"/>
                 </a:solidFill>
                 <a:latin typeface="Diagramm Bold"/>
                 <a:cs typeface="Diagramm Bold"/>
               </a:rPr>
-              <a:t>O</a:t>
-            </a:r>
-            <a:r>
-              <a:rPr sz="6600" b="1" spc="25" dirty="0">
+              <a:t> </a:t>
+            </a:r>
+            <a:r>
+              <a:rPr sz="6600" b="1" spc="-195" dirty="0">
                 <a:solidFill>
                   <a:schemeClr val="bg1"/>
                 </a:solidFill>
                 <a:latin typeface="Diagramm Bold"/>
                 <a:cs typeface="Diagramm Bold"/>
               </a:rPr>
-              <a:t>/</a:t>
-            </a:r>
-            <a:r>
-              <a:rPr sz="6600" b="1" spc="-135" dirty="0">
+              <a:t>2/3</a:t>
+            </a:r>
+            <a:r>
+              <a:rPr sz="6600" b="1" spc="409" dirty="0">
                 <a:solidFill>
                   <a:schemeClr val="bg1"/>
                 </a:solidFill>
                 <a:latin typeface="Diagramm Bold"/>
                 <a:cs typeface="Diagramm Bold"/>
               </a:rPr>
-              <a:t>IM</a:t>
-            </a:r>
-            <a:r>
-              <a:rPr sz="6600" b="1" spc="-409" dirty="0">
+              <a:t> </a:t>
+            </a:r>
+            <a:r>
+              <a:rPr sz="6600" b="1" spc="-225" dirty="0">
                 <a:solidFill>
                   <a:schemeClr val="bg1"/>
                 </a:solidFill>
                 <a:latin typeface="Diagramm Bold"/>
                 <a:cs typeface="Diagramm Bold"/>
               </a:rPr>
-              <a:t>A</a:t>
-            </a:r>
-            <a:r>
-              <a:rPr sz="6600" b="1" spc="-220" dirty="0">
-                <a:solidFill>
-                  <a:schemeClr val="bg1"/>
-                </a:solidFill>
-                <a:latin typeface="Diagramm Bold"/>
-                <a:cs typeface="Diagramm Bold"/>
-              </a:rPr>
-              <a:t>G</a:t>
-            </a:r>
-            <a:r>
-              <a:rPr sz="6600" b="1" spc="-430" dirty="0">
-                <a:solidFill>
-                  <a:schemeClr val="bg1"/>
-                </a:solidFill>
-                <a:latin typeface="Diagramm Bold"/>
-                <a:cs typeface="Diagramm Bold"/>
-              </a:rPr>
-              <a:t>E</a:t>
+              <a:t>SCREEN</a:t>
             </a:r>
             <a:endParaRPr sz="6600" dirty="0">
               <a:solidFill>
@@ -4553,84 +5786,23 @@
       </p:sp>
       <p:sp>
         <p:nvSpPr>
-          <p:cNvPr id="12" name="object 12"/>
-          <p:cNvSpPr txBox="1"/>
-          <p:nvPr/>
-        </p:nvSpPr>
-        <p:spPr>
-          <a:xfrm>
-            <a:off x="14017993" y="5820886"/>
-            <a:ext cx="2101850" cy="402590"/>
-          </a:xfrm>
-          <a:prstGeom prst="rect">
-            <a:avLst/>
-          </a:prstGeom>
-        </p:spPr>
-        <p:txBody>
-          <a:bodyPr vert="horz" wrap="square" lIns="0" tIns="15240" rIns="0" bIns="0" rtlCol="0">
-            <a:spAutoFit/>
-          </a:bodyPr>
-          <a:lstStyle/>
-          <a:p>
-            <a:pPr marL="12700">
-              <a:lnSpc>
-                <a:spcPct val="100000"/>
-              </a:lnSpc>
-              <a:spcBef>
-                <a:spcPts val="120"/>
-              </a:spcBef>
-            </a:pPr>
-            <a:r>
-              <a:rPr sz="2450" b="1" spc="-70" dirty="0">
-                <a:solidFill>
-                  <a:schemeClr val="bg1"/>
-                </a:solidFill>
-                <a:latin typeface="Diagramm Bold"/>
-                <a:cs typeface="Diagramm Bold"/>
-              </a:rPr>
-              <a:t>(NO</a:t>
-            </a:r>
-            <a:r>
-              <a:rPr sz="2450" b="1" spc="114" dirty="0">
-                <a:solidFill>
-                  <a:schemeClr val="bg1"/>
-                </a:solidFill>
-                <a:latin typeface="Diagramm Bold"/>
-                <a:cs typeface="Diagramm Bold"/>
-              </a:rPr>
-              <a:t> </a:t>
-            </a:r>
-            <a:r>
-              <a:rPr sz="2450" b="1" spc="-55" dirty="0">
-                <a:solidFill>
-                  <a:schemeClr val="bg1"/>
-                </a:solidFill>
-                <a:latin typeface="Diagramm Bold"/>
-                <a:cs typeface="Diagramm Bold"/>
-              </a:rPr>
-              <a:t>BORDER)</a:t>
-            </a:r>
-            <a:endParaRPr sz="2450" dirty="0">
-              <a:solidFill>
-                <a:schemeClr val="bg1"/>
-              </a:solidFill>
-              <a:latin typeface="Diagramm Bold"/>
-              <a:cs typeface="Diagramm Bold"/>
-            </a:endParaRPr>
-          </a:p>
-        </p:txBody>
-      </p:sp>
-      <p:sp>
-        <p:nvSpPr>
-          <p:cNvPr id="13" name="object 13"/>
+          <p:cNvPr id="20" name="object 4">
+            <a:extLst>
+              <a:ext uri="{FF2B5EF4-FFF2-40B4-BE49-F238E27FC236}">
+                <a16:creationId xmlns:a16="http://schemas.microsoft.com/office/drawing/2014/main" id="{DDAE9862-73D7-D202-68EF-49F8DBF665EA}"/>
+              </a:ext>
+            </a:extLst>
+          </p:cNvPr>
           <p:cNvSpPr txBox="1">
-            <a:spLocks noGrp="1"/>
+            <a:spLocks/>
           </p:cNvSpPr>
-          <p:nvPr>
-            <p:ph type="title"/>
-          </p:nvPr>
-        </p:nvSpPr>
-        <p:spPr>
+          <p:nvPr/>
+        </p:nvSpPr>
+        <p:spPr>
+          <a:xfrm>
+            <a:off x="492946" y="382194"/>
+            <a:ext cx="19118207" cy="1021562"/>
+          </a:xfrm>
           <a:prstGeom prst="rect">
             <a:avLst/>
           </a:prstGeom>
@@ -4639,7 +5811,18 @@
           <a:bodyPr vert="horz" wrap="square" lIns="0" tIns="12065" rIns="0" bIns="0" rtlCol="0">
             <a:spAutoFit/>
           </a:bodyPr>
-          <a:lstStyle/>
+          <a:lstStyle>
+            <a:lvl1pPr>
+              <a:defRPr sz="3300" b="1" i="0">
+                <a:solidFill>
+                  <a:schemeClr val="tx1"/>
+                </a:solidFill>
+                <a:latin typeface="Diagramm Bold"/>
+                <a:ea typeface="+mj-ea"/>
+                <a:cs typeface="Diagramm Bold"/>
+              </a:defRPr>
+            </a:lvl1pPr>
+          </a:lstStyle>
           <a:p>
             <a:pPr marL="12799060">
               <a:lnSpc>
@@ -4678,63 +5861,6 @@
               </a:solidFill>
               <a:latin typeface="Diagramm Light"/>
               <a:cs typeface="Diagramm Light"/>
-            </a:endParaRPr>
-          </a:p>
-        </p:txBody>
-      </p:sp>
-      <p:sp>
-        <p:nvSpPr>
-          <p:cNvPr id="14" name="object 14"/>
-          <p:cNvSpPr txBox="1"/>
-          <p:nvPr/>
-        </p:nvSpPr>
-        <p:spPr>
-          <a:xfrm>
-            <a:off x="507192" y="1659609"/>
-            <a:ext cx="1029969" cy="402590"/>
-          </a:xfrm>
-          <a:prstGeom prst="rect">
-            <a:avLst/>
-          </a:prstGeom>
-        </p:spPr>
-        <p:txBody>
-          <a:bodyPr vert="horz" wrap="square" lIns="0" tIns="15240" rIns="0" bIns="0" rtlCol="0">
-            <a:spAutoFit/>
-          </a:bodyPr>
-          <a:lstStyle/>
-          <a:p>
-            <a:pPr marL="12700">
-              <a:lnSpc>
-                <a:spcPct val="100000"/>
-              </a:lnSpc>
-              <a:spcBef>
-                <a:spcPts val="120"/>
-              </a:spcBef>
-            </a:pPr>
-            <a:r>
-              <a:rPr sz="2450" spc="15" dirty="0">
-                <a:latin typeface="Diagramm"/>
-                <a:cs typeface="Diagramm"/>
-              </a:rPr>
-              <a:t>T</a:t>
-            </a:r>
-            <a:r>
-              <a:rPr sz="2450" spc="20" dirty="0">
-                <a:latin typeface="Diagramm"/>
-                <a:cs typeface="Diagramm"/>
-              </a:rPr>
-              <a:t>E</a:t>
-            </a:r>
-            <a:r>
-              <a:rPr sz="2450" spc="15" dirty="0">
-                <a:latin typeface="Diagramm"/>
-                <a:cs typeface="Diagramm"/>
-              </a:rPr>
-              <a:t>XTE</a:t>
-            </a:r>
-            <a:endParaRPr sz="2450">
-              <a:latin typeface="Diagramm"/>
-              <a:cs typeface="Diagramm"/>
             </a:endParaRPr>
           </a:p>
         </p:txBody>
@@ -4952,16 +6078,148 @@
           </a:prstGeom>
         </p:spPr>
       </p:pic>
-      <p:sp>
-        <p:nvSpPr>
+      <p:pic>
+        <p:nvPicPr>
           <p:cNvPr id="3" name="object 3"/>
+          <p:cNvPicPr/>
+          <p:nvPr/>
+        </p:nvPicPr>
+        <p:blipFill>
+          <a:blip r:embed="rId3" cstate="print"/>
+          <a:stretch>
+            <a:fillRect/>
+          </a:stretch>
+        </p:blipFill>
+        <p:spPr>
+          <a:xfrm>
+            <a:off x="575958" y="8439489"/>
+            <a:ext cx="1350720" cy="1811459"/>
+          </a:xfrm>
+          <a:prstGeom prst="rect">
+            <a:avLst/>
+          </a:prstGeom>
+        </p:spPr>
+      </p:pic>
+      <p:pic>
+        <p:nvPicPr>
+          <p:cNvPr id="4" name="object 4"/>
+          <p:cNvPicPr/>
+          <p:nvPr/>
+        </p:nvPicPr>
+        <p:blipFill>
+          <a:blip r:embed="rId3" cstate="print"/>
+          <a:stretch>
+            <a:fillRect/>
+          </a:stretch>
+        </p:blipFill>
+        <p:spPr>
+          <a:xfrm>
+            <a:off x="2062813" y="8439489"/>
+            <a:ext cx="1350750" cy="1811459"/>
+          </a:xfrm>
+          <a:prstGeom prst="rect">
+            <a:avLst/>
+          </a:prstGeom>
+        </p:spPr>
+      </p:pic>
+      <p:pic>
+        <p:nvPicPr>
+          <p:cNvPr id="5" name="object 5"/>
+          <p:cNvPicPr/>
+          <p:nvPr/>
+        </p:nvPicPr>
+        <p:blipFill>
+          <a:blip r:embed="rId3" cstate="print"/>
+          <a:stretch>
+            <a:fillRect/>
+          </a:stretch>
+        </p:blipFill>
+        <p:spPr>
+          <a:xfrm>
+            <a:off x="3560148" y="8439489"/>
+            <a:ext cx="1350750" cy="1811459"/>
+          </a:xfrm>
+          <a:prstGeom prst="rect">
+            <a:avLst/>
+          </a:prstGeom>
+        </p:spPr>
+      </p:pic>
+      <p:pic>
+        <p:nvPicPr>
+          <p:cNvPr id="6" name="object 6"/>
+          <p:cNvPicPr/>
+          <p:nvPr/>
+        </p:nvPicPr>
+        <p:blipFill>
+          <a:blip r:embed="rId3" cstate="print"/>
+          <a:stretch>
+            <a:fillRect/>
+          </a:stretch>
+        </p:blipFill>
+        <p:spPr>
+          <a:xfrm>
+            <a:off x="5057481" y="8439489"/>
+            <a:ext cx="1350752" cy="1811459"/>
+          </a:xfrm>
+          <a:prstGeom prst="rect">
+            <a:avLst/>
+          </a:prstGeom>
+        </p:spPr>
+      </p:pic>
+      <p:pic>
+        <p:nvPicPr>
+          <p:cNvPr id="7" name="object 7"/>
+          <p:cNvPicPr/>
+          <p:nvPr/>
+        </p:nvPicPr>
+        <p:blipFill>
+          <a:blip r:embed="rId3" cstate="print"/>
+          <a:stretch>
+            <a:fillRect/>
+          </a:stretch>
+        </p:blipFill>
+        <p:spPr>
+          <a:xfrm>
+            <a:off x="6554816" y="8439489"/>
+            <a:ext cx="1350752" cy="1811459"/>
+          </a:xfrm>
+          <a:prstGeom prst="rect">
+            <a:avLst/>
+          </a:prstGeom>
+        </p:spPr>
+      </p:pic>
+      <p:pic>
+        <p:nvPicPr>
+          <p:cNvPr id="8" name="object 8"/>
+          <p:cNvPicPr/>
+          <p:nvPr/>
+        </p:nvPicPr>
+        <p:blipFill>
+          <a:blip r:embed="rId3" cstate="print"/>
+          <a:stretch>
+            <a:fillRect/>
+          </a:stretch>
+        </p:blipFill>
+        <p:spPr>
+          <a:xfrm>
+            <a:off x="8052152" y="8439489"/>
+            <a:ext cx="1350750" cy="1811459"/>
+          </a:xfrm>
+          <a:prstGeom prst="rect">
+            <a:avLst/>
+          </a:prstGeom>
+        </p:spPr>
+      </p:pic>
+      <p:sp>
+        <p:nvSpPr>
+          <p:cNvPr id="9" name="object 9"/>
           <p:cNvSpPr txBox="1"/>
           <p:nvPr/>
         </p:nvSpPr>
         <p:spPr>
           <a:xfrm>
-            <a:off x="4215863" y="4920431"/>
-            <a:ext cx="11653520" cy="1030605"/>
+            <a:off x="1983343" y="10570298"/>
+            <a:ext cx="5995035" cy="314960"/>
           </a:xfrm>
           <a:prstGeom prst="rect">
             <a:avLst/>
@@ -4982,41 +6240,207 @@
               </a:spcBef>
             </a:pPr>
             <a:r>
-              <a:rPr sz="6600" b="1" spc="-200" dirty="0">
+              <a:rPr sz="1900" spc="-5" dirty="0">
+                <a:latin typeface="Diagramm"/>
+                <a:cs typeface="Diagramm"/>
+              </a:rPr>
+              <a:t>COURTINE</a:t>
+            </a:r>
+            <a:r>
+              <a:rPr sz="1900" spc="-10" dirty="0">
+                <a:latin typeface="Diagramm"/>
+                <a:cs typeface="Diagramm"/>
+              </a:rPr>
+              <a:t> </a:t>
+            </a:r>
+            <a:r>
+              <a:rPr sz="1900" spc="-5" dirty="0">
+                <a:latin typeface="Diagramm"/>
+                <a:cs typeface="Diagramm"/>
+              </a:rPr>
+              <a:t>ET AL. </a:t>
+            </a:r>
+            <a:r>
+              <a:rPr sz="1900" dirty="0">
+                <a:latin typeface="Diagramm"/>
+                <a:cs typeface="Diagramm"/>
+              </a:rPr>
+              <a:t>¦</a:t>
+            </a:r>
+            <a:r>
+              <a:rPr sz="1900" spc="-10" dirty="0">
+                <a:latin typeface="Diagramm"/>
+                <a:cs typeface="Diagramm"/>
+              </a:rPr>
+              <a:t> </a:t>
+            </a:r>
+            <a:r>
+              <a:rPr sz="1900" spc="-30" dirty="0">
+                <a:latin typeface="Diagramm"/>
+                <a:cs typeface="Diagramm"/>
+              </a:rPr>
+              <a:t>NATURE</a:t>
+            </a:r>
+            <a:r>
+              <a:rPr sz="1900" spc="-5" dirty="0">
+                <a:latin typeface="Diagramm"/>
+                <a:cs typeface="Diagramm"/>
+              </a:rPr>
+              <a:t> NEUROSCIENCE </a:t>
+            </a:r>
+            <a:r>
+              <a:rPr sz="1900" dirty="0">
+                <a:latin typeface="Diagramm"/>
+                <a:cs typeface="Diagramm"/>
+              </a:rPr>
+              <a:t>¦</a:t>
+            </a:r>
+            <a:r>
+              <a:rPr sz="1900" spc="-10" dirty="0">
+                <a:latin typeface="Diagramm"/>
+                <a:cs typeface="Diagramm"/>
+              </a:rPr>
+              <a:t> </a:t>
+            </a:r>
+            <a:r>
+              <a:rPr sz="1900" spc="-5" dirty="0">
+                <a:latin typeface="Diagramm"/>
+                <a:cs typeface="Diagramm"/>
+              </a:rPr>
+              <a:t>2009</a:t>
+            </a:r>
+            <a:endParaRPr sz="1900" dirty="0">
+              <a:latin typeface="Diagramm"/>
+              <a:cs typeface="Diagramm"/>
+            </a:endParaRPr>
+          </a:p>
+        </p:txBody>
+      </p:sp>
+      <p:pic>
+        <p:nvPicPr>
+          <p:cNvPr id="10" name="object 10"/>
+          <p:cNvPicPr/>
+          <p:nvPr/>
+        </p:nvPicPr>
+        <p:blipFill>
+          <a:blip r:embed="rId4" cstate="print"/>
+          <a:stretch>
+            <a:fillRect/>
+          </a:stretch>
+        </p:blipFill>
+        <p:spPr>
+          <a:xfrm>
+            <a:off x="10093918" y="3"/>
+            <a:ext cx="10010181" cy="11308549"/>
+          </a:xfrm>
+          <a:prstGeom prst="rect">
+            <a:avLst/>
+          </a:prstGeom>
+        </p:spPr>
+      </p:pic>
+      <p:sp>
+        <p:nvSpPr>
+          <p:cNvPr id="11" name="object 11"/>
+          <p:cNvSpPr txBox="1"/>
+          <p:nvPr/>
+        </p:nvSpPr>
+        <p:spPr>
+          <a:xfrm>
+            <a:off x="12194899" y="4920431"/>
+            <a:ext cx="5748020" cy="1030605"/>
+          </a:xfrm>
+          <a:prstGeom prst="rect">
+            <a:avLst/>
+          </a:prstGeom>
+        </p:spPr>
+        <p:txBody>
+          <a:bodyPr vert="horz" wrap="square" lIns="0" tIns="12065" rIns="0" bIns="0" rtlCol="0">
+            <a:spAutoFit/>
+          </a:bodyPr>
+          <a:lstStyle/>
+          <a:p>
+            <a:pPr marL="12700">
+              <a:lnSpc>
+                <a:spcPct val="100000"/>
+              </a:lnSpc>
+              <a:spcBef>
+                <a:spcPts val="95"/>
+              </a:spcBef>
+            </a:pPr>
+            <a:r>
+              <a:rPr sz="6600" b="1" spc="-110" dirty="0">
+                <a:solidFill>
+                  <a:schemeClr val="bg1"/>
+                </a:solidFill>
                 <a:latin typeface="Diagramm Bold"/>
                 <a:cs typeface="Diagramm Bold"/>
               </a:rPr>
-              <a:t>VIDEO/IMAGE</a:t>
-            </a:r>
-            <a:r>
-              <a:rPr sz="6600" b="1" spc="405" dirty="0">
+              <a:t>VIDE</a:t>
+            </a:r>
+            <a:r>
+              <a:rPr sz="6600" b="1" spc="-480" dirty="0">
+                <a:solidFill>
+                  <a:schemeClr val="bg1"/>
+                </a:solidFill>
                 <a:latin typeface="Diagramm Bold"/>
                 <a:cs typeface="Diagramm Bold"/>
               </a:rPr>
-              <a:t> </a:t>
-            </a:r>
-            <a:r>
-              <a:rPr sz="6600" b="1" spc="-204" dirty="0">
+              <a:t>O</a:t>
+            </a:r>
+            <a:r>
+              <a:rPr sz="6600" b="1" spc="25" dirty="0">
+                <a:solidFill>
+                  <a:schemeClr val="bg1"/>
+                </a:solidFill>
                 <a:latin typeface="Diagramm Bold"/>
                 <a:cs typeface="Diagramm Bold"/>
               </a:rPr>
-              <a:t>FULL</a:t>
-            </a:r>
-            <a:r>
-              <a:rPr sz="6600" b="1" spc="409" dirty="0">
+              <a:t>/</a:t>
+            </a:r>
+            <a:r>
+              <a:rPr sz="6600" b="1" spc="-135" dirty="0">
+                <a:solidFill>
+                  <a:schemeClr val="bg1"/>
+                </a:solidFill>
                 <a:latin typeface="Diagramm Bold"/>
                 <a:cs typeface="Diagramm Bold"/>
               </a:rPr>
-              <a:t> </a:t>
-            </a:r>
-            <a:r>
-              <a:rPr sz="6600" b="1" spc="-225" dirty="0">
+              <a:t>IM</a:t>
+            </a:r>
+            <a:r>
+              <a:rPr sz="6600" b="1" spc="-409" dirty="0">
+                <a:solidFill>
+                  <a:schemeClr val="bg1"/>
+                </a:solidFill>
                 <a:latin typeface="Diagramm Bold"/>
                 <a:cs typeface="Diagramm Bold"/>
               </a:rPr>
-              <a:t>SCREEN</a:t>
+              <a:t>A</a:t>
+            </a:r>
+            <a:r>
+              <a:rPr sz="6600" b="1" spc="-220" dirty="0">
+                <a:solidFill>
+                  <a:schemeClr val="bg1"/>
+                </a:solidFill>
+                <a:latin typeface="Diagramm Bold"/>
+                <a:cs typeface="Diagramm Bold"/>
+              </a:rPr>
+              <a:t>G</a:t>
+            </a:r>
+            <a:r>
+              <a:rPr sz="6600" b="1" spc="-430" dirty="0">
+                <a:solidFill>
+                  <a:schemeClr val="bg1"/>
+                </a:solidFill>
+                <a:latin typeface="Diagramm Bold"/>
+                <a:cs typeface="Diagramm Bold"/>
+              </a:rPr>
+              <a:t>E</a:t>
             </a:r>
             <a:endParaRPr sz="6600" dirty="0">
+              <a:solidFill>
+                <a:schemeClr val="bg1"/>
+              </a:solidFill>
               <a:latin typeface="Diagramm Bold"/>
               <a:cs typeface="Diagramm Bold"/>
             </a:endParaRPr>
@@ -5025,12 +6449,81 @@
       </p:sp>
       <p:sp>
         <p:nvSpPr>
-          <p:cNvPr id="4" name="object 4"/>
+          <p:cNvPr id="12" name="object 12"/>
+          <p:cNvSpPr txBox="1"/>
+          <p:nvPr/>
+        </p:nvSpPr>
+        <p:spPr>
+          <a:xfrm>
+            <a:off x="14017993" y="5820886"/>
+            <a:ext cx="2101850" cy="402590"/>
+          </a:xfrm>
+          <a:prstGeom prst="rect">
+            <a:avLst/>
+          </a:prstGeom>
+        </p:spPr>
+        <p:txBody>
+          <a:bodyPr vert="horz" wrap="square" lIns="0" tIns="15240" rIns="0" bIns="0" rtlCol="0">
+            <a:spAutoFit/>
+          </a:bodyPr>
+          <a:lstStyle/>
+          <a:p>
+            <a:pPr marL="12700">
+              <a:lnSpc>
+                <a:spcPct val="100000"/>
+              </a:lnSpc>
+              <a:spcBef>
+                <a:spcPts val="120"/>
+              </a:spcBef>
+            </a:pPr>
+            <a:r>
+              <a:rPr sz="2450" b="1" spc="-70" dirty="0">
+                <a:solidFill>
+                  <a:schemeClr val="bg1"/>
+                </a:solidFill>
+                <a:latin typeface="Diagramm Bold"/>
+                <a:cs typeface="Diagramm Bold"/>
+              </a:rPr>
+              <a:t>(NO</a:t>
+            </a:r>
+            <a:r>
+              <a:rPr sz="2450" b="1" spc="114" dirty="0">
+                <a:solidFill>
+                  <a:schemeClr val="bg1"/>
+                </a:solidFill>
+                <a:latin typeface="Diagramm Bold"/>
+                <a:cs typeface="Diagramm Bold"/>
+              </a:rPr>
+              <a:t> </a:t>
+            </a:r>
+            <a:r>
+              <a:rPr sz="2450" b="1" spc="-55" dirty="0">
+                <a:solidFill>
+                  <a:schemeClr val="bg1"/>
+                </a:solidFill>
+                <a:latin typeface="Diagramm Bold"/>
+                <a:cs typeface="Diagramm Bold"/>
+              </a:rPr>
+              <a:t>BORDER)</a:t>
+            </a:r>
+            <a:endParaRPr sz="2450" dirty="0">
+              <a:solidFill>
+                <a:schemeClr val="bg1"/>
+              </a:solidFill>
+              <a:latin typeface="Diagramm Bold"/>
+              <a:cs typeface="Diagramm Bold"/>
+            </a:endParaRPr>
+          </a:p>
+        </p:txBody>
+      </p:sp>
+      <p:sp>
+        <p:nvSpPr>
+          <p:cNvPr id="13" name="object 13"/>
           <p:cNvSpPr txBox="1">
             <a:spLocks noGrp="1"/>
           </p:cNvSpPr>
           <p:nvPr>
-            <p:ph type="ctrTitle"/>
+            <p:ph type="title"/>
           </p:nvPr>
         </p:nvSpPr>
         <p:spPr>
@@ -5081,6 +6574,63 @@
               </a:solidFill>
               <a:latin typeface="Diagramm Light"/>
               <a:cs typeface="Diagramm Light"/>
+            </a:endParaRPr>
+          </a:p>
+        </p:txBody>
+      </p:sp>
+      <p:sp>
+        <p:nvSpPr>
+          <p:cNvPr id="14" name="object 14"/>
+          <p:cNvSpPr txBox="1"/>
+          <p:nvPr/>
+        </p:nvSpPr>
+        <p:spPr>
+          <a:xfrm>
+            <a:off x="507192" y="1659609"/>
+            <a:ext cx="1029969" cy="402590"/>
+          </a:xfrm>
+          <a:prstGeom prst="rect">
+            <a:avLst/>
+          </a:prstGeom>
+        </p:spPr>
+        <p:txBody>
+          <a:bodyPr vert="horz" wrap="square" lIns="0" tIns="15240" rIns="0" bIns="0" rtlCol="0">
+            <a:spAutoFit/>
+          </a:bodyPr>
+          <a:lstStyle/>
+          <a:p>
+            <a:pPr marL="12700">
+              <a:lnSpc>
+                <a:spcPct val="100000"/>
+              </a:lnSpc>
+              <a:spcBef>
+                <a:spcPts val="120"/>
+              </a:spcBef>
+            </a:pPr>
+            <a:r>
+              <a:rPr sz="2450" spc="15" dirty="0">
+                <a:latin typeface="Diagramm"/>
+                <a:cs typeface="Diagramm"/>
+              </a:rPr>
+              <a:t>T</a:t>
+            </a:r>
+            <a:r>
+              <a:rPr sz="2450" spc="20" dirty="0">
+                <a:latin typeface="Diagramm"/>
+                <a:cs typeface="Diagramm"/>
+              </a:rPr>
+              <a:t>E</a:t>
+            </a:r>
+            <a:r>
+              <a:rPr sz="2450" spc="15" dirty="0">
+                <a:latin typeface="Diagramm"/>
+                <a:cs typeface="Diagramm"/>
+              </a:rPr>
+              <a:t>XTE</a:t>
+            </a:r>
+            <a:endParaRPr sz="2450">
+              <a:latin typeface="Diagramm"/>
+              <a:cs typeface="Diagramm"/>
             </a:endParaRPr>
           </a:p>
         </p:txBody>
@@ -5134,126 +6684,16 @@
           </a:prstGeom>
         </p:spPr>
       </p:pic>
-      <p:pic>
-        <p:nvPicPr>
+      <p:sp>
+        <p:nvSpPr>
           <p:cNvPr id="3" name="object 3"/>
-          <p:cNvPicPr/>
-          <p:nvPr/>
-        </p:nvPicPr>
-        <p:blipFill>
-          <a:blip r:embed="rId3" cstate="print"/>
-          <a:stretch>
-            <a:fillRect/>
-          </a:stretch>
-        </p:blipFill>
-        <p:spPr>
-          <a:xfrm>
-            <a:off x="6753723" y="3"/>
-            <a:ext cx="13350376" cy="11308549"/>
-          </a:xfrm>
-          <a:prstGeom prst="rect">
-            <a:avLst/>
-          </a:prstGeom>
-        </p:spPr>
-      </p:pic>
-      <p:pic>
-        <p:nvPicPr>
-          <p:cNvPr id="4" name="object 4"/>
-          <p:cNvPicPr/>
-          <p:nvPr/>
-        </p:nvPicPr>
-        <p:blipFill>
-          <a:blip r:embed="rId4" cstate="print"/>
-          <a:stretch>
-            <a:fillRect/>
-          </a:stretch>
-        </p:blipFill>
-        <p:spPr>
-          <a:xfrm>
-            <a:off x="460779" y="8439489"/>
-            <a:ext cx="1350720" cy="1811459"/>
-          </a:xfrm>
-          <a:prstGeom prst="rect">
-            <a:avLst/>
-          </a:prstGeom>
-        </p:spPr>
-      </p:pic>
-      <p:pic>
-        <p:nvPicPr>
-          <p:cNvPr id="5" name="object 5"/>
-          <p:cNvPicPr/>
-          <p:nvPr/>
-        </p:nvPicPr>
-        <p:blipFill>
-          <a:blip r:embed="rId4" cstate="print"/>
-          <a:stretch>
-            <a:fillRect/>
-          </a:stretch>
-        </p:blipFill>
-        <p:spPr>
-          <a:xfrm>
-            <a:off x="1947636" y="8439489"/>
-            <a:ext cx="1350750" cy="1811459"/>
-          </a:xfrm>
-          <a:prstGeom prst="rect">
-            <a:avLst/>
-          </a:prstGeom>
-        </p:spPr>
-      </p:pic>
-      <p:pic>
-        <p:nvPicPr>
-          <p:cNvPr id="6" name="object 6"/>
-          <p:cNvPicPr/>
-          <p:nvPr/>
-        </p:nvPicPr>
-        <p:blipFill>
-          <a:blip r:embed="rId4" cstate="print"/>
-          <a:stretch>
-            <a:fillRect/>
-          </a:stretch>
-        </p:blipFill>
-        <p:spPr>
-          <a:xfrm>
-            <a:off x="3444970" y="8439489"/>
-            <a:ext cx="1350752" cy="1811459"/>
-          </a:xfrm>
-          <a:prstGeom prst="rect">
-            <a:avLst/>
-          </a:prstGeom>
-        </p:spPr>
-      </p:pic>
-      <p:pic>
-        <p:nvPicPr>
-          <p:cNvPr id="7" name="object 7"/>
-          <p:cNvPicPr/>
-          <p:nvPr/>
-        </p:nvPicPr>
-        <p:blipFill>
-          <a:blip r:embed="rId4" cstate="print"/>
-          <a:stretch>
-            <a:fillRect/>
-          </a:stretch>
-        </p:blipFill>
-        <p:spPr>
-          <a:xfrm>
-            <a:off x="4942305" y="8439489"/>
-            <a:ext cx="1350750" cy="1811459"/>
-          </a:xfrm>
-          <a:prstGeom prst="rect">
-            <a:avLst/>
-          </a:prstGeom>
-        </p:spPr>
-      </p:pic>
-      <p:sp>
-        <p:nvSpPr>
-          <p:cNvPr id="8" name="object 8"/>
           <p:cNvSpPr txBox="1"/>
           <p:nvPr/>
         </p:nvSpPr>
         <p:spPr>
           <a:xfrm>
-            <a:off x="381541" y="10580816"/>
-            <a:ext cx="5995035" cy="314960"/>
+            <a:off x="4215863" y="4920431"/>
+            <a:ext cx="11653520" cy="1030605"/>
           </a:xfrm>
           <a:prstGeom prst="rect">
             <a:avLst/>
@@ -5274,248 +6714,28 @@
               </a:spcBef>
             </a:pPr>
             <a:r>
-              <a:rPr sz="1900" spc="-5" dirty="0">
-                <a:solidFill>
-                  <a:schemeClr val="bg1"/>
-                </a:solidFill>
-                <a:latin typeface="Diagramm"/>
-                <a:cs typeface="Diagramm"/>
-              </a:rPr>
-              <a:t>COURTINE</a:t>
-            </a:r>
-            <a:r>
-              <a:rPr sz="1900" spc="-10" dirty="0">
-                <a:solidFill>
-                  <a:schemeClr val="bg1"/>
-                </a:solidFill>
-                <a:latin typeface="Diagramm"/>
-                <a:cs typeface="Diagramm"/>
-              </a:rPr>
-              <a:t> </a:t>
-            </a:r>
-            <a:r>
-              <a:rPr sz="1900" spc="-5" dirty="0">
-                <a:solidFill>
-                  <a:schemeClr val="bg1"/>
-                </a:solidFill>
-                <a:latin typeface="Diagramm"/>
-                <a:cs typeface="Diagramm"/>
-              </a:rPr>
-              <a:t>ET AL. </a:t>
-            </a:r>
-            <a:r>
-              <a:rPr sz="1900" dirty="0">
-                <a:solidFill>
-                  <a:schemeClr val="bg1"/>
-                </a:solidFill>
-                <a:latin typeface="Diagramm"/>
-                <a:cs typeface="Diagramm"/>
-              </a:rPr>
-              <a:t>¦</a:t>
-            </a:r>
-            <a:r>
-              <a:rPr sz="1900" spc="-10" dirty="0">
-                <a:solidFill>
-                  <a:schemeClr val="bg1"/>
-                </a:solidFill>
-                <a:latin typeface="Diagramm"/>
-                <a:cs typeface="Diagramm"/>
-              </a:rPr>
-              <a:t> </a:t>
-            </a:r>
-            <a:r>
-              <a:rPr sz="1900" spc="-30" dirty="0">
-                <a:solidFill>
-                  <a:schemeClr val="bg1"/>
-                </a:solidFill>
-                <a:latin typeface="Diagramm"/>
-                <a:cs typeface="Diagramm"/>
-              </a:rPr>
-              <a:t>NATURE</a:t>
-            </a:r>
-            <a:r>
-              <a:rPr sz="1900" spc="-5" dirty="0">
-                <a:solidFill>
-                  <a:schemeClr val="bg1"/>
-                </a:solidFill>
-                <a:latin typeface="Diagramm"/>
-                <a:cs typeface="Diagramm"/>
-              </a:rPr>
-              <a:t> NEUROSCIENCE </a:t>
-            </a:r>
-            <a:r>
-              <a:rPr sz="1900" dirty="0">
-                <a:solidFill>
-                  <a:schemeClr val="bg1"/>
-                </a:solidFill>
-                <a:latin typeface="Diagramm"/>
-                <a:cs typeface="Diagramm"/>
-              </a:rPr>
-              <a:t>¦</a:t>
-            </a:r>
-            <a:r>
-              <a:rPr sz="1900" spc="-10" dirty="0">
-                <a:solidFill>
-                  <a:schemeClr val="bg1"/>
-                </a:solidFill>
-                <a:latin typeface="Diagramm"/>
-                <a:cs typeface="Diagramm"/>
-              </a:rPr>
-              <a:t> </a:t>
-            </a:r>
-            <a:r>
-              <a:rPr sz="1900" spc="-5" dirty="0">
-                <a:solidFill>
-                  <a:schemeClr val="bg1"/>
-                </a:solidFill>
-                <a:latin typeface="Diagramm"/>
-                <a:cs typeface="Diagramm"/>
-              </a:rPr>
-              <a:t>2009</a:t>
-            </a:r>
-            <a:endParaRPr sz="1900" dirty="0">
-              <a:solidFill>
-                <a:schemeClr val="bg1"/>
-              </a:solidFill>
-              <a:latin typeface="Diagramm"/>
-              <a:cs typeface="Diagramm"/>
-            </a:endParaRPr>
-          </a:p>
-        </p:txBody>
-      </p:sp>
-      <p:sp>
-        <p:nvSpPr>
-          <p:cNvPr id="9" name="object 9"/>
-          <p:cNvSpPr txBox="1"/>
-          <p:nvPr/>
-        </p:nvSpPr>
-        <p:spPr>
-          <a:xfrm>
-            <a:off x="507192" y="1659609"/>
-            <a:ext cx="1029969" cy="402590"/>
-          </a:xfrm>
-          <a:prstGeom prst="rect">
-            <a:avLst/>
-          </a:prstGeom>
-        </p:spPr>
-        <p:txBody>
-          <a:bodyPr vert="horz" wrap="square" lIns="0" tIns="15240" rIns="0" bIns="0" rtlCol="0">
-            <a:spAutoFit/>
-          </a:bodyPr>
-          <a:lstStyle/>
-          <a:p>
-            <a:pPr marL="12700">
-              <a:lnSpc>
-                <a:spcPct val="100000"/>
-              </a:lnSpc>
-              <a:spcBef>
-                <a:spcPts val="120"/>
-              </a:spcBef>
-            </a:pPr>
-            <a:r>
-              <a:rPr sz="2450" spc="15" dirty="0">
-                <a:solidFill>
-                  <a:schemeClr val="bg1"/>
-                </a:solidFill>
-                <a:latin typeface="Diagramm"/>
-                <a:cs typeface="Diagramm"/>
-              </a:rPr>
-              <a:t>T</a:t>
-            </a:r>
-            <a:r>
-              <a:rPr sz="2450" spc="20" dirty="0">
-                <a:solidFill>
-                  <a:schemeClr val="bg1"/>
-                </a:solidFill>
-                <a:latin typeface="Diagramm"/>
-                <a:cs typeface="Diagramm"/>
-              </a:rPr>
-              <a:t>E</a:t>
-            </a:r>
-            <a:r>
-              <a:rPr sz="2450" spc="15" dirty="0">
-                <a:solidFill>
-                  <a:schemeClr val="bg1"/>
-                </a:solidFill>
-                <a:latin typeface="Diagramm"/>
-                <a:cs typeface="Diagramm"/>
-              </a:rPr>
-              <a:t>XTE</a:t>
-            </a:r>
-            <a:endParaRPr sz="2450" dirty="0">
-              <a:solidFill>
-                <a:schemeClr val="bg1"/>
-              </a:solidFill>
-              <a:latin typeface="Diagramm"/>
-              <a:cs typeface="Diagramm"/>
-            </a:endParaRPr>
-          </a:p>
-        </p:txBody>
-      </p:sp>
-      <p:sp>
-        <p:nvSpPr>
-          <p:cNvPr id="10" name="object 10"/>
-          <p:cNvSpPr txBox="1"/>
-          <p:nvPr/>
-        </p:nvSpPr>
-        <p:spPr>
-          <a:xfrm>
-            <a:off x="8072676" y="4920431"/>
-            <a:ext cx="10955655" cy="1030605"/>
-          </a:xfrm>
-          <a:prstGeom prst="rect">
-            <a:avLst/>
-          </a:prstGeom>
-        </p:spPr>
-        <p:txBody>
-          <a:bodyPr vert="horz" wrap="square" lIns="0" tIns="12065" rIns="0" bIns="0" rtlCol="0">
-            <a:spAutoFit/>
-          </a:bodyPr>
-          <a:lstStyle/>
-          <a:p>
-            <a:pPr marL="12700">
-              <a:lnSpc>
-                <a:spcPct val="100000"/>
-              </a:lnSpc>
-              <a:spcBef>
-                <a:spcPts val="95"/>
-              </a:spcBef>
-            </a:pPr>
-            <a:r>
               <a:rPr sz="6600" b="1" spc="-200" dirty="0">
-                <a:solidFill>
-                  <a:schemeClr val="bg1"/>
-                </a:solidFill>
                 <a:latin typeface="Diagramm Bold"/>
                 <a:cs typeface="Diagramm Bold"/>
               </a:rPr>
               <a:t>VIDEO/IMAGE</a:t>
             </a:r>
             <a:r>
-              <a:rPr sz="6600" b="1" spc="409" dirty="0">
-                <a:solidFill>
-                  <a:schemeClr val="bg1"/>
-                </a:solidFill>
+              <a:rPr sz="6600" b="1" spc="405" dirty="0">
                 <a:latin typeface="Diagramm Bold"/>
                 <a:cs typeface="Diagramm Bold"/>
               </a:rPr>
               <a:t> </a:t>
             </a:r>
             <a:r>
-              <a:rPr sz="6600" b="1" spc="-195" dirty="0">
-                <a:solidFill>
-                  <a:schemeClr val="bg1"/>
-                </a:solidFill>
+              <a:rPr sz="6600" b="1" spc="-204" dirty="0">
                 <a:latin typeface="Diagramm Bold"/>
                 <a:cs typeface="Diagramm Bold"/>
               </a:rPr>
-              <a:t>2/3</a:t>
+              <a:t>FULL</a:t>
             </a:r>
             <a:r>
               <a:rPr sz="6600" b="1" spc="409" dirty="0">
-                <a:solidFill>
-                  <a:schemeClr val="bg1"/>
-                </a:solidFill>
                 <a:latin typeface="Diagramm Bold"/>
                 <a:cs typeface="Diagramm Bold"/>
               </a:rPr>
@@ -5523,18 +6743,12 @@
             </a:r>
             <a:r>
               <a:rPr sz="6600" b="1" spc="-225" dirty="0">
-                <a:solidFill>
-                  <a:schemeClr val="bg1"/>
-                </a:solidFill>
                 <a:latin typeface="Diagramm Bold"/>
                 <a:cs typeface="Diagramm Bold"/>
               </a:rPr>
               <a:t>SCREEN</a:t>
             </a:r>
             <a:endParaRPr sz="6600" dirty="0">
-              <a:solidFill>
-                <a:schemeClr val="bg1"/>
-              </a:solidFill>
               <a:latin typeface="Diagramm Bold"/>
               <a:cs typeface="Diagramm Bold"/>
             </a:endParaRPr>
@@ -5543,19 +6757,15 @@
       </p:sp>
       <p:sp>
         <p:nvSpPr>
-          <p:cNvPr id="11" name="object 11"/>
+          <p:cNvPr id="4" name="object 4"/>
           <p:cNvSpPr txBox="1">
             <a:spLocks noGrp="1"/>
           </p:cNvSpPr>
           <p:nvPr>
-            <p:ph type="title"/>
+            <p:ph type="ctrTitle"/>
           </p:nvPr>
         </p:nvSpPr>
         <p:spPr>
-          <a:xfrm>
-            <a:off x="478701" y="396875"/>
-            <a:ext cx="19118207" cy="1031240"/>
-          </a:xfrm>
           <a:prstGeom prst="rect">
             <a:avLst/>
           </a:prstGeom>
@@ -5670,8 +6880,8 @@
         </p:blipFill>
         <p:spPr>
           <a:xfrm>
-            <a:off x="575958" y="8439489"/>
-            <a:ext cx="1350720" cy="1811459"/>
+            <a:off x="6753723" y="3"/>
+            <a:ext cx="13350376" cy="11308549"/>
           </a:xfrm>
           <a:prstGeom prst="rect">
             <a:avLst/>
@@ -5685,15 +6895,15 @@
           <p:nvPr/>
         </p:nvPicPr>
         <p:blipFill>
-          <a:blip r:embed="rId3" cstate="print"/>
+          <a:blip r:embed="rId4" cstate="print"/>
           <a:stretch>
             <a:fillRect/>
           </a:stretch>
         </p:blipFill>
         <p:spPr>
           <a:xfrm>
-            <a:off x="2062813" y="8439489"/>
-            <a:ext cx="1350750" cy="1811459"/>
+            <a:off x="460779" y="8439489"/>
+            <a:ext cx="1350720" cy="1811459"/>
           </a:xfrm>
           <a:prstGeom prst="rect">
             <a:avLst/>
@@ -5707,14 +6917,14 @@
           <p:nvPr/>
         </p:nvPicPr>
         <p:blipFill>
-          <a:blip r:embed="rId3" cstate="print"/>
+          <a:blip r:embed="rId4" cstate="print"/>
           <a:stretch>
             <a:fillRect/>
           </a:stretch>
         </p:blipFill>
         <p:spPr>
           <a:xfrm>
-            <a:off x="3560148" y="8439489"/>
+            <a:off x="1947636" y="8439489"/>
             <a:ext cx="1350750" cy="1811459"/>
           </a:xfrm>
           <a:prstGeom prst="rect">
@@ -5729,14 +6939,14 @@
           <p:nvPr/>
         </p:nvPicPr>
         <p:blipFill>
-          <a:blip r:embed="rId3" cstate="print"/>
+          <a:blip r:embed="rId4" cstate="print"/>
           <a:stretch>
             <a:fillRect/>
           </a:stretch>
         </p:blipFill>
         <p:spPr>
           <a:xfrm>
-            <a:off x="5057481" y="8439489"/>
+            <a:off x="3444970" y="8439489"/>
             <a:ext cx="1350752" cy="1811459"/>
           </a:xfrm>
           <a:prstGeom prst="rect">
@@ -5751,52 +6961,30 @@
           <p:nvPr/>
         </p:nvPicPr>
         <p:blipFill>
-          <a:blip r:embed="rId3" cstate="print"/>
+          <a:blip r:embed="rId4" cstate="print"/>
           <a:stretch>
             <a:fillRect/>
           </a:stretch>
         </p:blipFill>
         <p:spPr>
           <a:xfrm>
-            <a:off x="6554816" y="8439489"/>
-            <a:ext cx="1350752" cy="1811459"/>
+            <a:off x="4942305" y="8439489"/>
+            <a:ext cx="1350750" cy="1811459"/>
           </a:xfrm>
           <a:prstGeom prst="rect">
             <a:avLst/>
           </a:prstGeom>
         </p:spPr>
       </p:pic>
-      <p:pic>
-        <p:nvPicPr>
+      <p:sp>
+        <p:nvSpPr>
           <p:cNvPr id="8" name="object 8"/>
-          <p:cNvPicPr/>
-          <p:nvPr/>
-        </p:nvPicPr>
-        <p:blipFill>
-          <a:blip r:embed="rId3" cstate="print"/>
-          <a:stretch>
-            <a:fillRect/>
-          </a:stretch>
-        </p:blipFill>
-        <p:spPr>
-          <a:xfrm>
-            <a:off x="8052152" y="8439489"/>
-            <a:ext cx="1350750" cy="1811459"/>
-          </a:xfrm>
-          <a:prstGeom prst="rect">
-            <a:avLst/>
-          </a:prstGeom>
-        </p:spPr>
-      </p:pic>
-      <p:sp>
-        <p:nvSpPr>
-          <p:cNvPr id="9" name="object 9"/>
           <p:cNvSpPr txBox="1"/>
           <p:nvPr/>
         </p:nvSpPr>
         <p:spPr>
           <a:xfrm>
-            <a:off x="1983343" y="10570298"/>
+            <a:off x="381541" y="10580816"/>
             <a:ext cx="5995035" cy="314960"/>
           </a:xfrm>
           <a:prstGeom prst="rect">
@@ -5927,38 +7115,85 @@
           </a:p>
         </p:txBody>
       </p:sp>
-      <p:pic>
-        <p:nvPicPr>
+      <p:sp>
+        <p:nvSpPr>
+          <p:cNvPr id="9" name="object 9"/>
+          <p:cNvSpPr txBox="1"/>
+          <p:nvPr/>
+        </p:nvSpPr>
+        <p:spPr>
+          <a:xfrm>
+            <a:off x="507192" y="1659609"/>
+            <a:ext cx="1029969" cy="402590"/>
+          </a:xfrm>
+          <a:prstGeom prst="rect">
+            <a:avLst/>
+          </a:prstGeom>
+        </p:spPr>
+        <p:txBody>
+          <a:bodyPr vert="horz" wrap="square" lIns="0" tIns="15240" rIns="0" bIns="0" rtlCol="0">
+            <a:spAutoFit/>
+          </a:bodyPr>
+          <a:lstStyle/>
+          <a:p>
+            <a:pPr marL="12700">
+              <a:lnSpc>
+                <a:spcPct val="100000"/>
+              </a:lnSpc>
+              <a:spcBef>
+                <a:spcPts val="120"/>
+              </a:spcBef>
+            </a:pPr>
+            <a:r>
+              <a:rPr sz="2450" spc="15" dirty="0">
+                <a:solidFill>
+                  <a:schemeClr val="bg1"/>
+                </a:solidFill>
+                <a:latin typeface="Diagramm"/>
+                <a:cs typeface="Diagramm"/>
+              </a:rPr>
+              <a:t>T</a:t>
+            </a:r>
+            <a:r>
+              <a:rPr sz="2450" spc="20" dirty="0">
+                <a:solidFill>
+                  <a:schemeClr val="bg1"/>
+                </a:solidFill>
+                <a:latin typeface="Diagramm"/>
+                <a:cs typeface="Diagramm"/>
+              </a:rPr>
+              <a:t>E</a:t>
+            </a:r>
+            <a:r>
+              <a:rPr sz="2450" spc="15" dirty="0">
+                <a:solidFill>
+                  <a:schemeClr val="bg1"/>
+                </a:solidFill>
+                <a:latin typeface="Diagramm"/>
+                <a:cs typeface="Diagramm"/>
+              </a:rPr>
+              <a:t>XTE</a:t>
+            </a:r>
+            <a:endParaRPr sz="2450" dirty="0">
+              <a:solidFill>
+                <a:schemeClr val="bg1"/>
+              </a:solidFill>
+              <a:latin typeface="Diagramm"/>
+              <a:cs typeface="Diagramm"/>
+            </a:endParaRPr>
+          </a:p>
+        </p:txBody>
+      </p:sp>
+      <p:sp>
+        <p:nvSpPr>
           <p:cNvPr id="10" name="object 10"/>
-          <p:cNvPicPr/>
-          <p:nvPr/>
-        </p:nvPicPr>
-        <p:blipFill>
-          <a:blip r:embed="rId4" cstate="print"/>
-          <a:stretch>
-            <a:fillRect/>
-          </a:stretch>
-        </p:blipFill>
-        <p:spPr>
-          <a:xfrm>
-            <a:off x="10093918" y="3"/>
-            <a:ext cx="10010181" cy="11308549"/>
-          </a:xfrm>
-          <a:prstGeom prst="rect">
-            <a:avLst/>
-          </a:prstGeom>
-        </p:spPr>
-      </p:pic>
-      <p:sp>
-        <p:nvSpPr>
-          <p:cNvPr id="11" name="object 11"/>
           <p:cNvSpPr txBox="1"/>
           <p:nvPr/>
         </p:nvSpPr>
         <p:spPr>
           <a:xfrm>
-            <a:off x="12194899" y="4920431"/>
-            <a:ext cx="5748020" cy="1030605"/>
+            <a:off x="8072676" y="4920431"/>
+            <a:ext cx="10955655" cy="1030605"/>
           </a:xfrm>
           <a:prstGeom prst="rect">
             <a:avLst/>
@@ -5979,74 +7214,54 @@
               </a:spcBef>
             </a:pPr>
             <a:r>
-              <a:rPr sz="6600" b="1" spc="-110" dirty="0">
+              <a:rPr sz="6600" b="1" spc="-200" dirty="0">
                 <a:solidFill>
                   <a:schemeClr val="bg1"/>
                 </a:solidFill>
                 <a:latin typeface="Diagramm Bold"/>
                 <a:cs typeface="Diagramm Bold"/>
               </a:rPr>
-              <a:t>VIDE</a:t>
-            </a:r>
-            <a:r>
-              <a:rPr sz="6600" b="1" spc="-480" dirty="0">
+              <a:t>VIDEO/IMAGE</a:t>
+            </a:r>
+            <a:r>
+              <a:rPr sz="6600" b="1" spc="409" dirty="0">
                 <a:solidFill>
                   <a:schemeClr val="bg1"/>
                 </a:solidFill>
                 <a:latin typeface="Diagramm Bold"/>
                 <a:cs typeface="Diagramm Bold"/>
               </a:rPr>
-              <a:t>O</a:t>
-            </a:r>
-            <a:r>
-              <a:rPr sz="6600" b="1" spc="25" dirty="0">
+              <a:t> </a:t>
+            </a:r>
+            <a:r>
+              <a:rPr sz="6600" b="1" spc="-195" dirty="0">
                 <a:solidFill>
                   <a:schemeClr val="bg1"/>
                 </a:solidFill>
                 <a:latin typeface="Diagramm Bold"/>
                 <a:cs typeface="Diagramm Bold"/>
               </a:rPr>
-              <a:t>/</a:t>
-            </a:r>
-            <a:r>
-              <a:rPr sz="6600" b="1" spc="-135" dirty="0">
+              <a:t>2/3</a:t>
+            </a:r>
+            <a:r>
+              <a:rPr sz="6600" b="1" spc="409" dirty="0">
                 <a:solidFill>
                   <a:schemeClr val="bg1"/>
                 </a:solidFill>
                 <a:latin typeface="Diagramm Bold"/>
                 <a:cs typeface="Diagramm Bold"/>
               </a:rPr>
-              <a:t>IM</a:t>
-            </a:r>
-            <a:r>
-              <a:rPr sz="6600" b="1" spc="-409" dirty="0">
+              <a:t> </a:t>
+            </a:r>
+            <a:r>
+              <a:rPr sz="6600" b="1" spc="-225" dirty="0">
                 <a:solidFill>
                   <a:schemeClr val="bg1"/>
                 </a:solidFill>
                 <a:latin typeface="Diagramm Bold"/>
                 <a:cs typeface="Diagramm Bold"/>
               </a:rPr>
-              <a:t>A</a:t>
-            </a:r>
-            <a:r>
-              <a:rPr sz="6600" b="1" spc="-220" dirty="0">
-                <a:solidFill>
-                  <a:schemeClr val="bg1"/>
-                </a:solidFill>
-                <a:latin typeface="Diagramm Bold"/>
-                <a:cs typeface="Diagramm Bold"/>
-              </a:rPr>
-              <a:t>G</a:t>
-            </a:r>
-            <a:r>
-              <a:rPr sz="6600" b="1" spc="-430" dirty="0">
-                <a:solidFill>
-                  <a:schemeClr val="bg1"/>
-                </a:solidFill>
-                <a:latin typeface="Diagramm Bold"/>
-                <a:cs typeface="Diagramm Bold"/>
-              </a:rPr>
-              <a:t>E</a:t>
+              <a:t>SCREEN</a:t>
             </a:r>
             <a:endParaRPr sz="6600" dirty="0">
               <a:solidFill>
@@ -6060,76 +7275,7 @@
       </p:sp>
       <p:sp>
         <p:nvSpPr>
-          <p:cNvPr id="12" name="object 12"/>
-          <p:cNvSpPr txBox="1"/>
-          <p:nvPr/>
-        </p:nvSpPr>
-        <p:spPr>
-          <a:xfrm>
-            <a:off x="14017993" y="5820886"/>
-            <a:ext cx="2101850" cy="402590"/>
-          </a:xfrm>
-          <a:prstGeom prst="rect">
-            <a:avLst/>
-          </a:prstGeom>
-        </p:spPr>
-        <p:txBody>
-          <a:bodyPr vert="horz" wrap="square" lIns="0" tIns="15240" rIns="0" bIns="0" rtlCol="0">
-            <a:spAutoFit/>
-          </a:bodyPr>
-          <a:lstStyle/>
-          <a:p>
-            <a:pPr marL="12700">
-              <a:lnSpc>
-                <a:spcPct val="100000"/>
-              </a:lnSpc>
-              <a:spcBef>
-                <a:spcPts val="120"/>
-              </a:spcBef>
-            </a:pPr>
-            <a:r>
-              <a:rPr sz="2450" b="1" spc="-70" dirty="0">
-                <a:solidFill>
-                  <a:schemeClr val="bg1"/>
-                </a:solidFill>
-                <a:latin typeface="Diagramm Bold"/>
-                <a:cs typeface="Diagramm Bold"/>
-              </a:rPr>
-              <a:t>(NO</a:t>
-            </a:r>
-            <a:r>
-              <a:rPr sz="2450" b="1" spc="114" dirty="0">
-                <a:solidFill>
-                  <a:schemeClr val="bg1"/>
-                </a:solidFill>
-                <a:latin typeface="Diagramm Bold"/>
-                <a:cs typeface="Diagramm Bold"/>
-              </a:rPr>
-              <a:t> </a:t>
-            </a:r>
-            <a:r>
-              <a:rPr sz="2450" b="1" spc="-55" dirty="0">
-                <a:solidFill>
-                  <a:schemeClr val="bg1"/>
-                </a:solidFill>
-                <a:latin typeface="Diagramm Bold"/>
-                <a:cs typeface="Diagramm Bold"/>
-              </a:rPr>
-              <a:t>BORDER)</a:t>
-            </a:r>
-            <a:endParaRPr sz="2450" dirty="0">
-              <a:solidFill>
-                <a:schemeClr val="bg1"/>
-              </a:solidFill>
-              <a:latin typeface="Diagramm Bold"/>
-              <a:cs typeface="Diagramm Bold"/>
-            </a:endParaRPr>
-          </a:p>
-        </p:txBody>
-      </p:sp>
-      <p:sp>
-        <p:nvSpPr>
-          <p:cNvPr id="13" name="object 13"/>
+          <p:cNvPr id="11" name="object 11"/>
           <p:cNvSpPr txBox="1">
             <a:spLocks noGrp="1"/>
           </p:cNvSpPr>
@@ -6138,6 +7284,10 @@
           </p:nvPr>
         </p:nvSpPr>
         <p:spPr>
+          <a:xfrm>
+            <a:off x="478701" y="396875"/>
+            <a:ext cx="19118207" cy="1031240"/>
+          </a:xfrm>
           <a:prstGeom prst="rect">
             <a:avLst/>
           </a:prstGeom>
@@ -6185,75 +7335,6 @@
               </a:solidFill>
               <a:latin typeface="Diagramm Light"/>
               <a:cs typeface="Diagramm Light"/>
-            </a:endParaRPr>
-          </a:p>
-        </p:txBody>
-      </p:sp>
-      <p:sp>
-        <p:nvSpPr>
-          <p:cNvPr id="14" name="object 14"/>
-          <p:cNvSpPr txBox="1"/>
-          <p:nvPr/>
-        </p:nvSpPr>
-        <p:spPr>
-          <a:xfrm>
-            <a:off x="507192" y="1659609"/>
-            <a:ext cx="1029969" cy="402590"/>
-          </a:xfrm>
-          <a:prstGeom prst="rect">
-            <a:avLst/>
-          </a:prstGeom>
-        </p:spPr>
-        <p:txBody>
-          <a:bodyPr vert="horz" wrap="square" lIns="0" tIns="15240" rIns="0" bIns="0" rtlCol="0">
-            <a:spAutoFit/>
-          </a:bodyPr>
-          <a:lstStyle/>
-          <a:p>
-            <a:pPr marL="12700">
-              <a:lnSpc>
-                <a:spcPct val="100000"/>
-              </a:lnSpc>
-              <a:spcBef>
-                <a:spcPts val="120"/>
-              </a:spcBef>
-            </a:pPr>
-            <a:r>
-              <a:rPr sz="2450" spc="15" dirty="0">
-                <a:solidFill>
-                  <a:schemeClr val="bg1"/>
-                </a:solidFill>
-                <a:latin typeface="Diagramm"/>
-                <a:cs typeface="Diagramm"/>
-              </a:rPr>
-              <a:t>T</a:t>
-            </a:r>
-            <a:r>
-              <a:rPr sz="2450" spc="20" dirty="0">
-                <a:solidFill>
-                  <a:schemeClr val="bg1"/>
-                </a:solidFill>
-                <a:latin typeface="Diagramm"/>
-                <a:cs typeface="Diagramm"/>
-              </a:rPr>
-              <a:t>E</a:t>
-            </a:r>
-            <a:r>
-              <a:rPr sz="2450" spc="15" dirty="0">
-                <a:solidFill>
-                  <a:schemeClr val="bg1"/>
-                </a:solidFill>
-                <a:latin typeface="Diagramm"/>
-                <a:cs typeface="Diagramm"/>
-              </a:rPr>
-              <a:t>XTE</a:t>
-            </a:r>
-            <a:endParaRPr sz="2450" dirty="0">
-              <a:solidFill>
-                <a:schemeClr val="bg1"/>
-              </a:solidFill>
-              <a:latin typeface="Diagramm"/>
-              <a:cs typeface="Diagramm"/>
             </a:endParaRPr>
           </a:p>
         </p:txBody>
@@ -6267,7 +7348,7 @@
 </file>
 
 <file path=ppt/slides/slide23.xml><?xml version="1.0" encoding="utf-8"?>
-<p:sld xmlns:a="http://schemas.openxmlformats.org/drawingml/2006/main" xmlns:r="http://schemas.openxmlformats.org/officeDocument/2006/relationships" xmlns:p="http://schemas.openxmlformats.org/presentationml/2006/main">
+<p:sld xmlns:a="http://schemas.openxmlformats.org/drawingml/2006/main" xmlns:r="http://schemas.openxmlformats.org/officeDocument/2006/relationships" xmlns:p="http://schemas.openxmlformats.org/presentationml/2006/main" showMasterSp="0">
   <p:cSld>
     <p:spTree>
       <p:nvGrpSpPr>
@@ -6307,16 +7388,418 @@
           </a:prstGeom>
         </p:spPr>
       </p:pic>
-      <p:sp>
-        <p:nvSpPr>
+      <p:pic>
+        <p:nvPicPr>
           <p:cNvPr id="3" name="object 3"/>
+          <p:cNvPicPr/>
+          <p:nvPr/>
+        </p:nvPicPr>
+        <p:blipFill>
+          <a:blip r:embed="rId3" cstate="print"/>
+          <a:stretch>
+            <a:fillRect/>
+          </a:stretch>
+        </p:blipFill>
+        <p:spPr>
+          <a:xfrm>
+            <a:off x="575958" y="8439489"/>
+            <a:ext cx="1350720" cy="1811459"/>
+          </a:xfrm>
+          <a:prstGeom prst="rect">
+            <a:avLst/>
+          </a:prstGeom>
+        </p:spPr>
+      </p:pic>
+      <p:pic>
+        <p:nvPicPr>
+          <p:cNvPr id="4" name="object 4"/>
+          <p:cNvPicPr/>
+          <p:nvPr/>
+        </p:nvPicPr>
+        <p:blipFill>
+          <a:blip r:embed="rId3" cstate="print"/>
+          <a:stretch>
+            <a:fillRect/>
+          </a:stretch>
+        </p:blipFill>
+        <p:spPr>
+          <a:xfrm>
+            <a:off x="2062813" y="8439489"/>
+            <a:ext cx="1350750" cy="1811459"/>
+          </a:xfrm>
+          <a:prstGeom prst="rect">
+            <a:avLst/>
+          </a:prstGeom>
+        </p:spPr>
+      </p:pic>
+      <p:pic>
+        <p:nvPicPr>
+          <p:cNvPr id="5" name="object 5"/>
+          <p:cNvPicPr/>
+          <p:nvPr/>
+        </p:nvPicPr>
+        <p:blipFill>
+          <a:blip r:embed="rId3" cstate="print"/>
+          <a:stretch>
+            <a:fillRect/>
+          </a:stretch>
+        </p:blipFill>
+        <p:spPr>
+          <a:xfrm>
+            <a:off x="3560148" y="8439489"/>
+            <a:ext cx="1350750" cy="1811459"/>
+          </a:xfrm>
+          <a:prstGeom prst="rect">
+            <a:avLst/>
+          </a:prstGeom>
+        </p:spPr>
+      </p:pic>
+      <p:pic>
+        <p:nvPicPr>
+          <p:cNvPr id="6" name="object 6"/>
+          <p:cNvPicPr/>
+          <p:nvPr/>
+        </p:nvPicPr>
+        <p:blipFill>
+          <a:blip r:embed="rId3" cstate="print"/>
+          <a:stretch>
+            <a:fillRect/>
+          </a:stretch>
+        </p:blipFill>
+        <p:spPr>
+          <a:xfrm>
+            <a:off x="5057481" y="8439489"/>
+            <a:ext cx="1350752" cy="1811459"/>
+          </a:xfrm>
+          <a:prstGeom prst="rect">
+            <a:avLst/>
+          </a:prstGeom>
+        </p:spPr>
+      </p:pic>
+      <p:pic>
+        <p:nvPicPr>
+          <p:cNvPr id="7" name="object 7"/>
+          <p:cNvPicPr/>
+          <p:nvPr/>
+        </p:nvPicPr>
+        <p:blipFill>
+          <a:blip r:embed="rId3" cstate="print"/>
+          <a:stretch>
+            <a:fillRect/>
+          </a:stretch>
+        </p:blipFill>
+        <p:spPr>
+          <a:xfrm>
+            <a:off x="6554816" y="8439489"/>
+            <a:ext cx="1350752" cy="1811459"/>
+          </a:xfrm>
+          <a:prstGeom prst="rect">
+            <a:avLst/>
+          </a:prstGeom>
+        </p:spPr>
+      </p:pic>
+      <p:pic>
+        <p:nvPicPr>
+          <p:cNvPr id="8" name="object 8"/>
+          <p:cNvPicPr/>
+          <p:nvPr/>
+        </p:nvPicPr>
+        <p:blipFill>
+          <a:blip r:embed="rId3" cstate="print"/>
+          <a:stretch>
+            <a:fillRect/>
+          </a:stretch>
+        </p:blipFill>
+        <p:spPr>
+          <a:xfrm>
+            <a:off x="8052152" y="8439489"/>
+            <a:ext cx="1350750" cy="1811459"/>
+          </a:xfrm>
+          <a:prstGeom prst="rect">
+            <a:avLst/>
+          </a:prstGeom>
+        </p:spPr>
+      </p:pic>
+      <p:sp>
+        <p:nvSpPr>
+          <p:cNvPr id="9" name="object 9"/>
           <p:cNvSpPr txBox="1"/>
           <p:nvPr/>
         </p:nvSpPr>
         <p:spPr>
           <a:xfrm>
-            <a:off x="507192" y="1659609"/>
-            <a:ext cx="636270" cy="402590"/>
+            <a:off x="1983343" y="10570298"/>
+            <a:ext cx="5995035" cy="314960"/>
+          </a:xfrm>
+          <a:prstGeom prst="rect">
+            <a:avLst/>
+          </a:prstGeom>
+        </p:spPr>
+        <p:txBody>
+          <a:bodyPr vert="horz" wrap="square" lIns="0" tIns="12065" rIns="0" bIns="0" rtlCol="0">
+            <a:spAutoFit/>
+          </a:bodyPr>
+          <a:lstStyle/>
+          <a:p>
+            <a:pPr marL="12700">
+              <a:lnSpc>
+                <a:spcPct val="100000"/>
+              </a:lnSpc>
+              <a:spcBef>
+                <a:spcPts val="95"/>
+              </a:spcBef>
+            </a:pPr>
+            <a:r>
+              <a:rPr sz="1900" spc="-5" dirty="0">
+                <a:solidFill>
+                  <a:schemeClr val="bg1"/>
+                </a:solidFill>
+                <a:latin typeface="Diagramm"/>
+                <a:cs typeface="Diagramm"/>
+              </a:rPr>
+              <a:t>COURTINE</a:t>
+            </a:r>
+            <a:r>
+              <a:rPr sz="1900" spc="-10" dirty="0">
+                <a:solidFill>
+                  <a:schemeClr val="bg1"/>
+                </a:solidFill>
+                <a:latin typeface="Diagramm"/>
+                <a:cs typeface="Diagramm"/>
+              </a:rPr>
+              <a:t> </a:t>
+            </a:r>
+            <a:r>
+              <a:rPr sz="1900" spc="-5" dirty="0">
+                <a:solidFill>
+                  <a:schemeClr val="bg1"/>
+                </a:solidFill>
+                <a:latin typeface="Diagramm"/>
+                <a:cs typeface="Diagramm"/>
+              </a:rPr>
+              <a:t>ET AL. </a:t>
+            </a:r>
+            <a:r>
+              <a:rPr sz="1900" dirty="0">
+                <a:solidFill>
+                  <a:schemeClr val="bg1"/>
+                </a:solidFill>
+                <a:latin typeface="Diagramm"/>
+                <a:cs typeface="Diagramm"/>
+              </a:rPr>
+              <a:t>¦</a:t>
+            </a:r>
+            <a:r>
+              <a:rPr sz="1900" spc="-10" dirty="0">
+                <a:solidFill>
+                  <a:schemeClr val="bg1"/>
+                </a:solidFill>
+                <a:latin typeface="Diagramm"/>
+                <a:cs typeface="Diagramm"/>
+              </a:rPr>
+              <a:t> </a:t>
+            </a:r>
+            <a:r>
+              <a:rPr sz="1900" spc="-30" dirty="0">
+                <a:solidFill>
+                  <a:schemeClr val="bg1"/>
+                </a:solidFill>
+                <a:latin typeface="Diagramm"/>
+                <a:cs typeface="Diagramm"/>
+              </a:rPr>
+              <a:t>NATURE</a:t>
+            </a:r>
+            <a:r>
+              <a:rPr sz="1900" spc="-5" dirty="0">
+                <a:solidFill>
+                  <a:schemeClr val="bg1"/>
+                </a:solidFill>
+                <a:latin typeface="Diagramm"/>
+                <a:cs typeface="Diagramm"/>
+              </a:rPr>
+              <a:t> NEUROSCIENCE </a:t>
+            </a:r>
+            <a:r>
+              <a:rPr sz="1900" dirty="0">
+                <a:solidFill>
+                  <a:schemeClr val="bg1"/>
+                </a:solidFill>
+                <a:latin typeface="Diagramm"/>
+                <a:cs typeface="Diagramm"/>
+              </a:rPr>
+              <a:t>¦</a:t>
+            </a:r>
+            <a:r>
+              <a:rPr sz="1900" spc="-10" dirty="0">
+                <a:solidFill>
+                  <a:schemeClr val="bg1"/>
+                </a:solidFill>
+                <a:latin typeface="Diagramm"/>
+                <a:cs typeface="Diagramm"/>
+              </a:rPr>
+              <a:t> </a:t>
+            </a:r>
+            <a:r>
+              <a:rPr sz="1900" spc="-5" dirty="0">
+                <a:solidFill>
+                  <a:schemeClr val="bg1"/>
+                </a:solidFill>
+                <a:latin typeface="Diagramm"/>
+                <a:cs typeface="Diagramm"/>
+              </a:rPr>
+              <a:t>2009</a:t>
+            </a:r>
+            <a:endParaRPr sz="1900" dirty="0">
+              <a:solidFill>
+                <a:schemeClr val="bg1"/>
+              </a:solidFill>
+              <a:latin typeface="Diagramm"/>
+              <a:cs typeface="Diagramm"/>
+            </a:endParaRPr>
+          </a:p>
+        </p:txBody>
+      </p:sp>
+      <p:pic>
+        <p:nvPicPr>
+          <p:cNvPr id="10" name="object 10"/>
+          <p:cNvPicPr/>
+          <p:nvPr/>
+        </p:nvPicPr>
+        <p:blipFill>
+          <a:blip r:embed="rId4" cstate="print"/>
+          <a:stretch>
+            <a:fillRect/>
+          </a:stretch>
+        </p:blipFill>
+        <p:spPr>
+          <a:xfrm>
+            <a:off x="10093918" y="3"/>
+            <a:ext cx="10010181" cy="11308549"/>
+          </a:xfrm>
+          <a:prstGeom prst="rect">
+            <a:avLst/>
+          </a:prstGeom>
+        </p:spPr>
+      </p:pic>
+      <p:sp>
+        <p:nvSpPr>
+          <p:cNvPr id="11" name="object 11"/>
+          <p:cNvSpPr txBox="1"/>
+          <p:nvPr/>
+        </p:nvSpPr>
+        <p:spPr>
+          <a:xfrm>
+            <a:off x="12194899" y="4920431"/>
+            <a:ext cx="5748020" cy="1030605"/>
+          </a:xfrm>
+          <a:prstGeom prst="rect">
+            <a:avLst/>
+          </a:prstGeom>
+        </p:spPr>
+        <p:txBody>
+          <a:bodyPr vert="horz" wrap="square" lIns="0" tIns="12065" rIns="0" bIns="0" rtlCol="0">
+            <a:spAutoFit/>
+          </a:bodyPr>
+          <a:lstStyle/>
+          <a:p>
+            <a:pPr marL="12700">
+              <a:lnSpc>
+                <a:spcPct val="100000"/>
+              </a:lnSpc>
+              <a:spcBef>
+                <a:spcPts val="95"/>
+              </a:spcBef>
+            </a:pPr>
+            <a:r>
+              <a:rPr sz="6600" b="1" spc="-110" dirty="0">
+                <a:solidFill>
+                  <a:schemeClr val="bg1"/>
+                </a:solidFill>
+                <a:latin typeface="Diagramm Bold"/>
+                <a:cs typeface="Diagramm Bold"/>
+              </a:rPr>
+              <a:t>VIDE</a:t>
+            </a:r>
+            <a:r>
+              <a:rPr sz="6600" b="1" spc="-480" dirty="0">
+                <a:solidFill>
+                  <a:schemeClr val="bg1"/>
+                </a:solidFill>
+                <a:latin typeface="Diagramm Bold"/>
+                <a:cs typeface="Diagramm Bold"/>
+              </a:rPr>
+              <a:t>O</a:t>
+            </a:r>
+            <a:r>
+              <a:rPr sz="6600" b="1" spc="25" dirty="0">
+                <a:solidFill>
+                  <a:schemeClr val="bg1"/>
+                </a:solidFill>
+                <a:latin typeface="Diagramm Bold"/>
+                <a:cs typeface="Diagramm Bold"/>
+              </a:rPr>
+              <a:t>/</a:t>
+            </a:r>
+            <a:r>
+              <a:rPr sz="6600" b="1" spc="-135" dirty="0">
+                <a:solidFill>
+                  <a:schemeClr val="bg1"/>
+                </a:solidFill>
+                <a:latin typeface="Diagramm Bold"/>
+                <a:cs typeface="Diagramm Bold"/>
+              </a:rPr>
+              <a:t>IM</a:t>
+            </a:r>
+            <a:r>
+              <a:rPr sz="6600" b="1" spc="-409" dirty="0">
+                <a:solidFill>
+                  <a:schemeClr val="bg1"/>
+                </a:solidFill>
+                <a:latin typeface="Diagramm Bold"/>
+                <a:cs typeface="Diagramm Bold"/>
+              </a:rPr>
+              <a:t>A</a:t>
+            </a:r>
+            <a:r>
+              <a:rPr sz="6600" b="1" spc="-220" dirty="0">
+                <a:solidFill>
+                  <a:schemeClr val="bg1"/>
+                </a:solidFill>
+                <a:latin typeface="Diagramm Bold"/>
+                <a:cs typeface="Diagramm Bold"/>
+              </a:rPr>
+              <a:t>G</a:t>
+            </a:r>
+            <a:r>
+              <a:rPr sz="6600" b="1" spc="-430" dirty="0">
+                <a:solidFill>
+                  <a:schemeClr val="bg1"/>
+                </a:solidFill>
+                <a:latin typeface="Diagramm Bold"/>
+                <a:cs typeface="Diagramm Bold"/>
+              </a:rPr>
+              <a:t>E</a:t>
+            </a:r>
+            <a:endParaRPr sz="6600" dirty="0">
+              <a:solidFill>
+                <a:schemeClr val="bg1"/>
+              </a:solidFill>
+              <a:latin typeface="Diagramm Bold"/>
+              <a:cs typeface="Diagramm Bold"/>
+            </a:endParaRPr>
+          </a:p>
+        </p:txBody>
+      </p:sp>
+      <p:sp>
+        <p:nvSpPr>
+          <p:cNvPr id="12" name="object 12"/>
+          <p:cNvSpPr txBox="1"/>
+          <p:nvPr/>
+        </p:nvSpPr>
+        <p:spPr>
+          <a:xfrm>
+            <a:off x="14017993" y="5820886"/>
+            <a:ext cx="2101850" cy="402590"/>
           </a:xfrm>
           <a:prstGeom prst="rect">
             <a:avLst/>
@@ -6337,58 +7820,48 @@
               </a:spcBef>
             </a:pPr>
             <a:r>
-              <a:rPr sz="2450" spc="-254" dirty="0">
-                <a:solidFill>
-                  <a:schemeClr val="bg1"/>
-                </a:solidFill>
-                <a:latin typeface="Diagramm"/>
-                <a:cs typeface="Diagramm"/>
-              </a:rPr>
-              <a:t>T</a:t>
-            </a:r>
-            <a:r>
-              <a:rPr sz="2450" spc="-40" dirty="0">
-                <a:solidFill>
-                  <a:schemeClr val="bg1"/>
-                </a:solidFill>
-                <a:latin typeface="Diagramm"/>
-                <a:cs typeface="Diagramm"/>
-              </a:rPr>
-              <a:t>e</a:t>
-            </a:r>
-            <a:r>
-              <a:rPr sz="2450" spc="-5" dirty="0">
-                <a:solidFill>
-                  <a:schemeClr val="bg1"/>
-                </a:solidFill>
-                <a:latin typeface="Diagramm"/>
-                <a:cs typeface="Diagramm"/>
-              </a:rPr>
-              <a:t>x</a:t>
-            </a:r>
-            <a:r>
-              <a:rPr sz="2450" spc="-90" dirty="0">
-                <a:solidFill>
-                  <a:schemeClr val="bg1"/>
-                </a:solidFill>
-                <a:latin typeface="Diagramm"/>
-                <a:cs typeface="Diagramm"/>
-              </a:rPr>
-              <a:t>t</a:t>
+              <a:rPr sz="2450" b="1" spc="-70" dirty="0">
+                <a:solidFill>
+                  <a:schemeClr val="bg1"/>
+                </a:solidFill>
+                <a:latin typeface="Diagramm Bold"/>
+                <a:cs typeface="Diagramm Bold"/>
+              </a:rPr>
+              <a:t>(NO</a:t>
+            </a:r>
+            <a:r>
+              <a:rPr sz="2450" b="1" spc="114" dirty="0">
+                <a:solidFill>
+                  <a:schemeClr val="bg1"/>
+                </a:solidFill>
+                <a:latin typeface="Diagramm Bold"/>
+                <a:cs typeface="Diagramm Bold"/>
+              </a:rPr>
+              <a:t> </a:t>
+            </a:r>
+            <a:r>
+              <a:rPr sz="2450" b="1" spc="-55" dirty="0">
+                <a:solidFill>
+                  <a:schemeClr val="bg1"/>
+                </a:solidFill>
+                <a:latin typeface="Diagramm Bold"/>
+                <a:cs typeface="Diagramm Bold"/>
+              </a:rPr>
+              <a:t>BORDER)</a:t>
             </a:r>
             <a:endParaRPr sz="2450" dirty="0">
               <a:solidFill>
                 <a:schemeClr val="bg1"/>
               </a:solidFill>
-              <a:latin typeface="Diagramm"/>
-              <a:cs typeface="Diagramm"/>
+              <a:latin typeface="Diagramm Bold"/>
+              <a:cs typeface="Diagramm Bold"/>
             </a:endParaRPr>
           </a:p>
         </p:txBody>
       </p:sp>
       <p:sp>
         <p:nvSpPr>
-          <p:cNvPr id="4" name="object 4"/>
+          <p:cNvPr id="13" name="object 13"/>
           <p:cNvSpPr txBox="1">
             <a:spLocks noGrp="1"/>
           </p:cNvSpPr>
@@ -6444,6 +7917,75 @@
               </a:solidFill>
               <a:latin typeface="Diagramm Light"/>
               <a:cs typeface="Diagramm Light"/>
+            </a:endParaRPr>
+          </a:p>
+        </p:txBody>
+      </p:sp>
+      <p:sp>
+        <p:nvSpPr>
+          <p:cNvPr id="14" name="object 14"/>
+          <p:cNvSpPr txBox="1"/>
+          <p:nvPr/>
+        </p:nvSpPr>
+        <p:spPr>
+          <a:xfrm>
+            <a:off x="507192" y="1659609"/>
+            <a:ext cx="1029969" cy="402590"/>
+          </a:xfrm>
+          <a:prstGeom prst="rect">
+            <a:avLst/>
+          </a:prstGeom>
+        </p:spPr>
+        <p:txBody>
+          <a:bodyPr vert="horz" wrap="square" lIns="0" tIns="15240" rIns="0" bIns="0" rtlCol="0">
+            <a:spAutoFit/>
+          </a:bodyPr>
+          <a:lstStyle/>
+          <a:p>
+            <a:pPr marL="12700">
+              <a:lnSpc>
+                <a:spcPct val="100000"/>
+              </a:lnSpc>
+              <a:spcBef>
+                <a:spcPts val="120"/>
+              </a:spcBef>
+            </a:pPr>
+            <a:r>
+              <a:rPr sz="2450" spc="15" dirty="0">
+                <a:solidFill>
+                  <a:schemeClr val="bg1"/>
+                </a:solidFill>
+                <a:latin typeface="Diagramm"/>
+                <a:cs typeface="Diagramm"/>
+              </a:rPr>
+              <a:t>T</a:t>
+            </a:r>
+            <a:r>
+              <a:rPr sz="2450" spc="20" dirty="0">
+                <a:solidFill>
+                  <a:schemeClr val="bg1"/>
+                </a:solidFill>
+                <a:latin typeface="Diagramm"/>
+                <a:cs typeface="Diagramm"/>
+              </a:rPr>
+              <a:t>E</a:t>
+            </a:r>
+            <a:r>
+              <a:rPr sz="2450" spc="15" dirty="0">
+                <a:solidFill>
+                  <a:schemeClr val="bg1"/>
+                </a:solidFill>
+                <a:latin typeface="Diagramm"/>
+                <a:cs typeface="Diagramm"/>
+              </a:rPr>
+              <a:t>XTE</a:t>
+            </a:r>
+            <a:endParaRPr sz="2450" dirty="0">
+              <a:solidFill>
+                <a:schemeClr val="bg1"/>
+              </a:solidFill>
+              <a:latin typeface="Diagramm"/>
+              <a:cs typeface="Diagramm"/>
             </a:endParaRPr>
           </a:p>
         </p:txBody>
@@ -6718,6 +8260,9 @@
             </a:pPr>
             <a:r>
               <a:rPr sz="2450" spc="-254" dirty="0">
+                <a:solidFill>
+                  <a:schemeClr val="bg1"/>
+                </a:solidFill>
                 <a:latin typeface="Diagramm"/>
                 <a:cs typeface="Diagramm"/>
               </a:rPr>
@@ -6725,6 +8270,9 @@
             </a:r>
             <a:r>
               <a:rPr sz="2450" spc="-40" dirty="0">
+                <a:solidFill>
+                  <a:schemeClr val="bg1"/>
+                </a:solidFill>
                 <a:latin typeface="Diagramm"/>
                 <a:cs typeface="Diagramm"/>
               </a:rPr>
@@ -6732,6 +8280,9 @@
             </a:r>
             <a:r>
               <a:rPr sz="2450" spc="-5" dirty="0">
+                <a:solidFill>
+                  <a:schemeClr val="bg1"/>
+                </a:solidFill>
                 <a:latin typeface="Diagramm"/>
                 <a:cs typeface="Diagramm"/>
               </a:rPr>
@@ -6739,12 +8290,18 @@
             </a:r>
             <a:r>
               <a:rPr sz="2450" spc="-90" dirty="0">
+                <a:solidFill>
+                  <a:schemeClr val="bg1"/>
+                </a:solidFill>
                 <a:latin typeface="Diagramm"/>
                 <a:cs typeface="Diagramm"/>
               </a:rPr>
               <a:t>t</a:t>
             </a:r>
-            <a:endParaRPr sz="2450">
+            <a:endParaRPr sz="2450" dirty="0">
+              <a:solidFill>
+                <a:schemeClr val="bg1"/>
+              </a:solidFill>
               <a:latin typeface="Diagramm"/>
               <a:cs typeface="Diagramm"/>
             </a:endParaRPr>
@@ -6781,17 +8338,32 @@
               </a:spcBef>
             </a:pPr>
             <a:r>
-              <a:rPr lang="en-US" kern="0" spc="-5" dirty="0"/>
+              <a:rPr lang="en-US" kern="0" spc="-5" dirty="0">
+                <a:solidFill>
+                  <a:schemeClr val="bg1"/>
+                </a:solidFill>
+              </a:rPr>
               <a:t>Weighted Least Squares Estimation </a:t>
             </a:r>
             <a:br>
-              <a:rPr lang="en-US" kern="0" spc="-5" dirty="0"/>
+              <a:rPr lang="en-US" kern="0" spc="-5" dirty="0">
+                <a:solidFill>
+                  <a:schemeClr val="bg1"/>
+                </a:solidFill>
+              </a:rPr>
             </a:br>
             <a:r>
-              <a:rPr lang="en-US" b="0" kern="0" spc="-5" dirty="0"/>
+              <a:rPr lang="en-US" b="0" kern="0" spc="-5" dirty="0">
+                <a:solidFill>
+                  <a:schemeClr val="bg1"/>
+                </a:solidFill>
+              </a:rPr>
               <a:t>3D Body Part Trajectories</a:t>
             </a:r>
             <a:endParaRPr lang="en-US" b="0" kern="0" spc="-10" dirty="0">
+              <a:solidFill>
+                <a:schemeClr val="bg1"/>
+              </a:solidFill>
               <a:latin typeface="Diagramm Light"/>
               <a:cs typeface="Diagramm Light"/>
             </a:endParaRPr>
@@ -7038,9 +8610,6 @@
             </a:pPr>
             <a:r>
               <a:rPr sz="2450" spc="-254" dirty="0">
-                <a:solidFill>
-                  <a:schemeClr val="bg1"/>
-                </a:solidFill>
                 <a:latin typeface="Diagramm"/>
                 <a:cs typeface="Diagramm"/>
               </a:rPr>
@@ -7048,9 +8617,6 @@
             </a:r>
             <a:r>
               <a:rPr sz="2450" spc="-40" dirty="0">
-                <a:solidFill>
-                  <a:schemeClr val="bg1"/>
-                </a:solidFill>
                 <a:latin typeface="Diagramm"/>
                 <a:cs typeface="Diagramm"/>
               </a:rPr>
@@ -7058,9 +8624,6 @@
             </a:r>
             <a:r>
               <a:rPr sz="2450" spc="-5" dirty="0">
-                <a:solidFill>
-                  <a:schemeClr val="bg1"/>
-                </a:solidFill>
                 <a:latin typeface="Diagramm"/>
                 <a:cs typeface="Diagramm"/>
               </a:rPr>
@@ -7068,18 +8631,12 @@
             </a:r>
             <a:r>
               <a:rPr sz="2450" spc="-90" dirty="0">
-                <a:solidFill>
-                  <a:schemeClr val="bg1"/>
-                </a:solidFill>
                 <a:latin typeface="Diagramm"/>
                 <a:cs typeface="Diagramm"/>
               </a:rPr>
               <a:t>t</a:t>
             </a:r>
-            <a:endParaRPr sz="2450" dirty="0">
-              <a:solidFill>
-                <a:schemeClr val="bg1"/>
-              </a:solidFill>
+            <a:endParaRPr sz="2450">
               <a:latin typeface="Diagramm"/>
               <a:cs typeface="Diagramm"/>
             </a:endParaRPr>
@@ -7116,32 +8673,17 @@
               </a:spcBef>
             </a:pPr>
             <a:r>
-              <a:rPr lang="en-US" kern="0" spc="-5" dirty="0">
-                <a:solidFill>
-                  <a:schemeClr val="bg1"/>
-                </a:solidFill>
-              </a:rPr>
+              <a:rPr lang="en-US" kern="0" spc="-5" dirty="0"/>
               <a:t>Weighted Least Squares Estimation </a:t>
             </a:r>
             <a:br>
-              <a:rPr lang="en-US" kern="0" spc="-5" dirty="0">
-                <a:solidFill>
-                  <a:schemeClr val="bg1"/>
-                </a:solidFill>
-              </a:rPr>
+              <a:rPr lang="en-US" kern="0" spc="-5" dirty="0"/>
             </a:br>
             <a:r>
-              <a:rPr lang="en-US" b="0" kern="0" spc="-5" dirty="0">
-                <a:solidFill>
-                  <a:schemeClr val="bg1"/>
-                </a:solidFill>
-              </a:rPr>
+              <a:rPr lang="en-US" b="0" kern="0" spc="-5" dirty="0"/>
               <a:t>3D Body Part Trajectories</a:t>
             </a:r>
             <a:endParaRPr lang="en-US" b="0" kern="0" spc="-10" dirty="0">
-              <a:solidFill>
-                <a:schemeClr val="bg1"/>
-              </a:solidFill>
               <a:latin typeface="Diagramm Light"/>
               <a:cs typeface="Diagramm Light"/>
             </a:endParaRPr>
@@ -7380,7 +8922,7 @@
         <p:spPr>
           <a:xfrm>
             <a:off x="0" y="0"/>
-            <a:ext cx="20104100" cy="11277143"/>
+            <a:ext cx="20104100" cy="11308556"/>
           </a:xfrm>
           <a:prstGeom prst="rect">
             <a:avLst/>
@@ -7418,6 +8960,9 @@
             </a:pPr>
             <a:r>
               <a:rPr sz="2450" spc="-254" dirty="0">
+                <a:solidFill>
+                  <a:schemeClr val="bg1"/>
+                </a:solidFill>
                 <a:latin typeface="Diagramm"/>
                 <a:cs typeface="Diagramm"/>
               </a:rPr>
@@ -7425,6 +8970,9 @@
             </a:r>
             <a:r>
               <a:rPr sz="2450" spc="-40" dirty="0">
+                <a:solidFill>
+                  <a:schemeClr val="bg1"/>
+                </a:solidFill>
                 <a:latin typeface="Diagramm"/>
                 <a:cs typeface="Diagramm"/>
               </a:rPr>
@@ -7432,6 +8980,9 @@
             </a:r>
             <a:r>
               <a:rPr sz="2450" spc="-5" dirty="0">
+                <a:solidFill>
+                  <a:schemeClr val="bg1"/>
+                </a:solidFill>
                 <a:latin typeface="Diagramm"/>
                 <a:cs typeface="Diagramm"/>
               </a:rPr>
@@ -7439,12 +8990,18 @@
             </a:r>
             <a:r>
               <a:rPr sz="2450" spc="-90" dirty="0">
+                <a:solidFill>
+                  <a:schemeClr val="bg1"/>
+                </a:solidFill>
                 <a:latin typeface="Diagramm"/>
                 <a:cs typeface="Diagramm"/>
               </a:rPr>
               <a:t>t</a:t>
             </a:r>
-            <a:endParaRPr sz="2450">
+            <a:endParaRPr sz="2450" dirty="0">
+              <a:solidFill>
+                <a:schemeClr val="bg1"/>
+              </a:solidFill>
               <a:latin typeface="Diagramm"/>
               <a:cs typeface="Diagramm"/>
             </a:endParaRPr>
@@ -7453,13 +9010,7 @@
       </p:sp>
       <p:sp>
         <p:nvSpPr>
-          <p:cNvPr id="7" name="object 4">
-            <a:extLst>
-              <a:ext uri="{FF2B5EF4-FFF2-40B4-BE49-F238E27FC236}">
-                <a16:creationId xmlns:a16="http://schemas.microsoft.com/office/drawing/2014/main" id="{499D3297-56CD-5700-363A-7B6A4F0CB2D9}"/>
-              </a:ext>
-            </a:extLst>
-          </p:cNvPr>
+          <p:cNvPr id="4" name="object 4"/>
           <p:cNvSpPr txBox="1">
             <a:spLocks noGrp="1"/>
           </p:cNvSpPr>
@@ -7468,10 +9019,6 @@
           </p:nvPr>
         </p:nvSpPr>
         <p:spPr>
-          <a:xfrm>
-            <a:off x="492946" y="382194"/>
-            <a:ext cx="19118207" cy="1031240"/>
-          </a:xfrm>
           <a:prstGeom prst="rect">
             <a:avLst/>
           </a:prstGeom>
@@ -7491,17 +9038,32 @@
               </a:spcBef>
             </a:pPr>
             <a:r>
-              <a:rPr lang="en-US" kern="0" spc="-5" dirty="0"/>
+              <a:rPr lang="en-US" kern="0" spc="-5" dirty="0">
+                <a:solidFill>
+                  <a:schemeClr val="bg1"/>
+                </a:solidFill>
+              </a:rPr>
               <a:t>Weighted Least Squares Estimation </a:t>
             </a:r>
             <a:br>
-              <a:rPr lang="en-US" kern="0" spc="-5" dirty="0"/>
+              <a:rPr lang="en-US" kern="0" spc="-5" dirty="0">
+                <a:solidFill>
+                  <a:schemeClr val="bg1"/>
+                </a:solidFill>
+              </a:rPr>
             </a:br>
             <a:r>
-              <a:rPr lang="en-US" b="0" kern="0" spc="-5" dirty="0"/>
+              <a:rPr lang="en-US" b="0" kern="0" spc="-5" dirty="0">
+                <a:solidFill>
+                  <a:schemeClr val="bg1"/>
+                </a:solidFill>
+              </a:rPr>
               <a:t>3D Body Part Trajectories</a:t>
             </a:r>
             <a:endParaRPr lang="en-US" b="0" kern="0" spc="-10" dirty="0">
+              <a:solidFill>
+                <a:schemeClr val="bg1"/>
+              </a:solidFill>
               <a:latin typeface="Diagramm Light"/>
               <a:cs typeface="Diagramm Light"/>
             </a:endParaRPr>
@@ -7664,6 +9226,176 @@
 </file>
 
 <file path=ppt/slides/slide30.xml><?xml version="1.0" encoding="utf-8"?>
+<p:sld xmlns:a="http://schemas.openxmlformats.org/drawingml/2006/main" xmlns:r="http://schemas.openxmlformats.org/officeDocument/2006/relationships" xmlns:p="http://schemas.openxmlformats.org/presentationml/2006/main">
+  <p:cSld>
+    <p:spTree>
+      <p:nvGrpSpPr>
+        <p:cNvPr id="1" name=""/>
+        <p:cNvGrpSpPr/>
+        <p:nvPr/>
+      </p:nvGrpSpPr>
+      <p:grpSpPr>
+        <a:xfrm>
+          <a:off x="0" y="0"/>
+          <a:ext cx="0" cy="0"/>
+          <a:chOff x="0" y="0"/>
+          <a:chExt cx="0" cy="0"/>
+        </a:xfrm>
+      </p:grpSpPr>
+      <p:pic>
+        <p:nvPicPr>
+          <p:cNvPr id="2" name="object 2"/>
+          <p:cNvPicPr>
+            <a:picLocks noGrp="1" noRot="1" noMove="1" noResize="1" noEditPoints="1" noAdjustHandles="1" noChangeArrowheads="1" noChangeShapeType="1" noCrop="1"/>
+          </p:cNvPicPr>
+          <p:nvPr/>
+        </p:nvPicPr>
+        <p:blipFill>
+          <a:blip r:embed="rId2" cstate="print"/>
+          <a:stretch>
+            <a:fillRect/>
+          </a:stretch>
+        </p:blipFill>
+        <p:spPr>
+          <a:xfrm>
+            <a:off x="0" y="0"/>
+            <a:ext cx="20104100" cy="11277143"/>
+          </a:xfrm>
+          <a:prstGeom prst="rect">
+            <a:avLst/>
+          </a:prstGeom>
+        </p:spPr>
+      </p:pic>
+      <p:sp>
+        <p:nvSpPr>
+          <p:cNvPr id="3" name="object 3"/>
+          <p:cNvSpPr txBox="1"/>
+          <p:nvPr/>
+        </p:nvSpPr>
+        <p:spPr>
+          <a:xfrm>
+            <a:off x="507192" y="1659609"/>
+            <a:ext cx="636270" cy="402590"/>
+          </a:xfrm>
+          <a:prstGeom prst="rect">
+            <a:avLst/>
+          </a:prstGeom>
+        </p:spPr>
+        <p:txBody>
+          <a:bodyPr vert="horz" wrap="square" lIns="0" tIns="15240" rIns="0" bIns="0" rtlCol="0">
+            <a:spAutoFit/>
+          </a:bodyPr>
+          <a:lstStyle/>
+          <a:p>
+            <a:pPr marL="12700">
+              <a:lnSpc>
+                <a:spcPct val="100000"/>
+              </a:lnSpc>
+              <a:spcBef>
+                <a:spcPts val="120"/>
+              </a:spcBef>
+            </a:pPr>
+            <a:r>
+              <a:rPr sz="2450" spc="-254" dirty="0">
+                <a:latin typeface="Diagramm"/>
+                <a:cs typeface="Diagramm"/>
+              </a:rPr>
+              <a:t>T</a:t>
+            </a:r>
+            <a:r>
+              <a:rPr sz="2450" spc="-40" dirty="0">
+                <a:latin typeface="Diagramm"/>
+                <a:cs typeface="Diagramm"/>
+              </a:rPr>
+              <a:t>e</a:t>
+            </a:r>
+            <a:r>
+              <a:rPr sz="2450" spc="-5" dirty="0">
+                <a:latin typeface="Diagramm"/>
+                <a:cs typeface="Diagramm"/>
+              </a:rPr>
+              <a:t>x</a:t>
+            </a:r>
+            <a:r>
+              <a:rPr sz="2450" spc="-90" dirty="0">
+                <a:latin typeface="Diagramm"/>
+                <a:cs typeface="Diagramm"/>
+              </a:rPr>
+              <a:t>t</a:t>
+            </a:r>
+            <a:endParaRPr sz="2450">
+              <a:latin typeface="Diagramm"/>
+              <a:cs typeface="Diagramm"/>
+            </a:endParaRPr>
+          </a:p>
+        </p:txBody>
+      </p:sp>
+      <p:sp>
+        <p:nvSpPr>
+          <p:cNvPr id="7" name="object 4">
+            <a:extLst>
+              <a:ext uri="{FF2B5EF4-FFF2-40B4-BE49-F238E27FC236}">
+                <a16:creationId xmlns:a16="http://schemas.microsoft.com/office/drawing/2014/main" id="{499D3297-56CD-5700-363A-7B6A4F0CB2D9}"/>
+              </a:ext>
+            </a:extLst>
+          </p:cNvPr>
+          <p:cNvSpPr txBox="1">
+            <a:spLocks noGrp="1"/>
+          </p:cNvSpPr>
+          <p:nvPr>
+            <p:ph type="title"/>
+          </p:nvPr>
+        </p:nvSpPr>
+        <p:spPr>
+          <a:xfrm>
+            <a:off x="492946" y="382194"/>
+            <a:ext cx="19118207" cy="1031240"/>
+          </a:xfrm>
+          <a:prstGeom prst="rect">
+            <a:avLst/>
+          </a:prstGeom>
+        </p:spPr>
+        <p:txBody>
+          <a:bodyPr vert="horz" wrap="square" lIns="0" tIns="12065" rIns="0" bIns="0" rtlCol="0">
+            <a:spAutoFit/>
+          </a:bodyPr>
+          <a:lstStyle/>
+          <a:p>
+            <a:pPr marL="12799060">
+              <a:lnSpc>
+                <a:spcPts val="3960"/>
+              </a:lnSpc>
+              <a:spcBef>
+                <a:spcPts val="95"/>
+              </a:spcBef>
+            </a:pPr>
+            <a:r>
+              <a:rPr lang="en-US" kern="0" spc="-5" dirty="0"/>
+              <a:t>Weighted Least Squares Estimation </a:t>
+            </a:r>
+            <a:br>
+              <a:rPr lang="en-US" kern="0" spc="-5" dirty="0"/>
+            </a:br>
+            <a:r>
+              <a:rPr lang="en-US" b="0" kern="0" spc="-5" dirty="0"/>
+              <a:t>3D Body Part Trajectories</a:t>
+            </a:r>
+            <a:endParaRPr lang="en-US" b="0" kern="0" spc="-10" dirty="0">
+              <a:latin typeface="Diagramm Light"/>
+              <a:cs typeface="Diagramm Light"/>
+            </a:endParaRPr>
+          </a:p>
+        </p:txBody>
+      </p:sp>
+    </p:spTree>
+  </p:cSld>
+  <p:clrMapOvr>
+    <a:masterClrMapping/>
+  </p:clrMapOvr>
+</p:sld>
+</file>
+
+<file path=ppt/slides/slide31.xml><?xml version="1.0" encoding="utf-8"?>
 <p:sld xmlns:a="http://schemas.openxmlformats.org/drawingml/2006/main" xmlns:r="http://schemas.openxmlformats.org/officeDocument/2006/relationships" xmlns:p="http://schemas.openxmlformats.org/presentationml/2006/main">
   <p:cSld>
     <p:spTree>
@@ -9207,4 +10939,319 @@
   <a:objectDefaults/>
   <a:extraClrSchemeLst/>
 </a:theme>
+</file>
+
+<file path=ppt/theme/theme2.xml><?xml version="1.0" encoding="utf-8"?>
+<a:theme xmlns:a="http://schemas.openxmlformats.org/drawingml/2006/main" name="Office Theme">
+  <a:themeElements>
+    <a:clrScheme name="Office">
+      <a:dk1>
+        <a:sysClr val="windowText" lastClr="000000"/>
+      </a:dk1>
+      <a:lt1>
+        <a:sysClr val="window" lastClr="FFFFFF"/>
+      </a:lt1>
+      <a:dk2>
+        <a:srgbClr val="0E2841"/>
+      </a:dk2>
+      <a:lt2>
+        <a:srgbClr val="E8E8E8"/>
+      </a:lt2>
+      <a:accent1>
+        <a:srgbClr val="156082"/>
+      </a:accent1>
+      <a:accent2>
+        <a:srgbClr val="E97132"/>
+      </a:accent2>
+      <a:accent3>
+        <a:srgbClr val="196B24"/>
+      </a:accent3>
+      <a:accent4>
+        <a:srgbClr val="0F9ED5"/>
+      </a:accent4>
+      <a:accent5>
+        <a:srgbClr val="A02B93"/>
+      </a:accent5>
+      <a:accent6>
+        <a:srgbClr val="4EA72E"/>
+      </a:accent6>
+      <a:hlink>
+        <a:srgbClr val="467886"/>
+      </a:hlink>
+      <a:folHlink>
+        <a:srgbClr val="96607D"/>
+      </a:folHlink>
+    </a:clrScheme>
+    <a:fontScheme name="Office">
+      <a:majorFont>
+        <a:latin typeface="Aptos Display" panose="02110004020202020204"/>
+        <a:ea typeface=""/>
+        <a:cs typeface=""/>
+        <a:font script="Jpan" typeface="游ゴシック Light"/>
+        <a:font script="Hang" typeface="맑은 고딕"/>
+        <a:font script="Hans" typeface="等线 Light"/>
+        <a:font script="Hant" typeface="新細明體"/>
+        <a:font script="Arab" typeface="Times New Roman"/>
+        <a:font script="Hebr" typeface="Times New Roman"/>
+        <a:font script="Thai" typeface="Angsana New"/>
+        <a:font script="Ethi" typeface="Nyala"/>
+        <a:font script="Beng" typeface="Vrinda"/>
+        <a:font script="Gujr" typeface="Shruti"/>
+        <a:font script="Khmr" typeface="MoolBoran"/>
+        <a:font script="Knda" typeface="Tunga"/>
+        <a:font script="Guru" typeface="Raavi"/>
+        <a:font script="Cans" typeface="Euphemia"/>
+        <a:font script="Cher" typeface="Plantagenet Cherokee"/>
+        <a:font script="Yiii" typeface="Microsoft Yi Baiti"/>
+        <a:font script="Tibt" typeface="Microsoft Himalaya"/>
+        <a:font script="Thaa" typeface="MV Boli"/>
+        <a:font script="Deva" typeface="Mangal"/>
+        <a:font script="Telu" typeface="Gautami"/>
+        <a:font script="Taml" typeface="Latha"/>
+        <a:font script="Syrc" typeface="Estrangelo Edessa"/>
+        <a:font script="Orya" typeface="Kalinga"/>
+        <a:font script="Mlym" typeface="Kartika"/>
+        <a:font script="Laoo" typeface="DokChampa"/>
+        <a:font script="Sinh" typeface="Iskoola Pota"/>
+        <a:font script="Mong" typeface="Mongolian Baiti"/>
+        <a:font script="Viet" typeface="Times New Roman"/>
+        <a:font script="Uigh" typeface="Microsoft Uighur"/>
+        <a:font script="Geor" typeface="Sylfaen"/>
+        <a:font script="Armn" typeface="Arial"/>
+        <a:font script="Bugi" typeface="Leelawadee UI"/>
+        <a:font script="Bopo" typeface="Microsoft JhengHei"/>
+        <a:font script="Java" typeface="Javanese Text"/>
+        <a:font script="Lisu" typeface="Segoe UI"/>
+        <a:font script="Mymr" typeface="Myanmar Text"/>
+        <a:font script="Nkoo" typeface="Ebrima"/>
+        <a:font script="Olck" typeface="Nirmala UI"/>
+        <a:font script="Osma" typeface="Ebrima"/>
+        <a:font script="Phag" typeface="Phagspa"/>
+        <a:font script="Syrn" typeface="Estrangelo Edessa"/>
+        <a:font script="Syrj" typeface="Estrangelo Edessa"/>
+        <a:font script="Syre" typeface="Estrangelo Edessa"/>
+        <a:font script="Sora" typeface="Nirmala UI"/>
+        <a:font script="Tale" typeface="Microsoft Tai Le"/>
+        <a:font script="Talu" typeface="Microsoft New Tai Lue"/>
+        <a:font script="Tfng" typeface="Ebrima"/>
+      </a:majorFont>
+      <a:minorFont>
+        <a:latin typeface="Aptos" panose="02110004020202020204"/>
+        <a:ea typeface=""/>
+        <a:cs typeface=""/>
+        <a:font script="Jpan" typeface="游ゴシック"/>
+        <a:font script="Hang" typeface="맑은 고딕"/>
+        <a:font script="Hans" typeface="等线"/>
+        <a:font script="Hant" typeface="新細明體"/>
+        <a:font script="Arab" typeface="Arial"/>
+        <a:font script="Hebr" typeface="Arial"/>
+        <a:font script="Thai" typeface="Cordia New"/>
+        <a:font script="Ethi" typeface="Nyala"/>
+        <a:font script="Beng" typeface="Vrinda"/>
+        <a:font script="Gujr" typeface="Shruti"/>
+        <a:font script="Khmr" typeface="DaunPenh"/>
+        <a:font script="Knda" typeface="Tunga"/>
+        <a:font script="Guru" typeface="Raavi"/>
+        <a:font script="Cans" typeface="Euphemia"/>
+        <a:font script="Cher" typeface="Plantagenet Cherokee"/>
+        <a:font script="Yiii" typeface="Microsoft Yi Baiti"/>
+        <a:font script="Tibt" typeface="Microsoft Himalaya"/>
+        <a:font script="Thaa" typeface="MV Boli"/>
+        <a:font script="Deva" typeface="Mangal"/>
+        <a:font script="Telu" typeface="Gautami"/>
+        <a:font script="Taml" typeface="Latha"/>
+        <a:font script="Syrc" typeface="Estrangelo Edessa"/>
+        <a:font script="Orya" typeface="Kalinga"/>
+        <a:font script="Mlym" typeface="Kartika"/>
+        <a:font script="Laoo" typeface="DokChampa"/>
+        <a:font script="Sinh" typeface="Iskoola Pota"/>
+        <a:font script="Mong" typeface="Mongolian Baiti"/>
+        <a:font script="Viet" typeface="Arial"/>
+        <a:font script="Uigh" typeface="Microsoft Uighur"/>
+        <a:font script="Geor" typeface="Sylfaen"/>
+        <a:font script="Armn" typeface="Arial"/>
+        <a:font script="Bugi" typeface="Leelawadee UI"/>
+        <a:font script="Bopo" typeface="Microsoft JhengHei"/>
+        <a:font script="Java" typeface="Javanese Text"/>
+        <a:font script="Lisu" typeface="Segoe UI"/>
+        <a:font script="Mymr" typeface="Myanmar Text"/>
+        <a:font script="Nkoo" typeface="Ebrima"/>
+        <a:font script="Olck" typeface="Nirmala UI"/>
+        <a:font script="Osma" typeface="Ebrima"/>
+        <a:font script="Phag" typeface="Phagspa"/>
+        <a:font script="Syrn" typeface="Estrangelo Edessa"/>
+        <a:font script="Syrj" typeface="Estrangelo Edessa"/>
+        <a:font script="Syre" typeface="Estrangelo Edessa"/>
+        <a:font script="Sora" typeface="Nirmala UI"/>
+        <a:font script="Tale" typeface="Microsoft Tai Le"/>
+        <a:font script="Talu" typeface="Microsoft New Tai Lue"/>
+        <a:font script="Tfng" typeface="Ebrima"/>
+      </a:minorFont>
+    </a:fontScheme>
+    <a:fmtScheme name="Office">
+      <a:fillStyleLst>
+        <a:solidFill>
+          <a:schemeClr val="phClr"/>
+        </a:solidFill>
+        <a:gradFill rotWithShape="1">
+          <a:gsLst>
+            <a:gs pos="0">
+              <a:schemeClr val="phClr">
+                <a:lumMod val="110000"/>
+                <a:satMod val="105000"/>
+                <a:tint val="67000"/>
+              </a:schemeClr>
+            </a:gs>
+            <a:gs pos="50000">
+              <a:schemeClr val="phClr">
+                <a:lumMod val="105000"/>
+                <a:satMod val="103000"/>
+                <a:tint val="73000"/>
+              </a:schemeClr>
+            </a:gs>
+            <a:gs pos="100000">
+              <a:schemeClr val="phClr">
+                <a:lumMod val="105000"/>
+                <a:satMod val="109000"/>
+                <a:tint val="81000"/>
+              </a:schemeClr>
+            </a:gs>
+          </a:gsLst>
+          <a:lin ang="5400000" scaled="0"/>
+        </a:gradFill>
+        <a:gradFill rotWithShape="1">
+          <a:gsLst>
+            <a:gs pos="0">
+              <a:schemeClr val="phClr">
+                <a:satMod val="103000"/>
+                <a:lumMod val="102000"/>
+                <a:tint val="94000"/>
+              </a:schemeClr>
+            </a:gs>
+            <a:gs pos="50000">
+              <a:schemeClr val="phClr">
+                <a:satMod val="110000"/>
+                <a:lumMod val="100000"/>
+                <a:shade val="100000"/>
+              </a:schemeClr>
+            </a:gs>
+            <a:gs pos="100000">
+              <a:schemeClr val="phClr">
+                <a:lumMod val="99000"/>
+                <a:satMod val="120000"/>
+                <a:shade val="78000"/>
+              </a:schemeClr>
+            </a:gs>
+          </a:gsLst>
+          <a:lin ang="5400000" scaled="0"/>
+        </a:gradFill>
+      </a:fillStyleLst>
+      <a:lnStyleLst>
+        <a:ln w="12700" cap="flat" cmpd="sng" algn="ctr">
+          <a:solidFill>
+            <a:schemeClr val="phClr"/>
+          </a:solidFill>
+          <a:prstDash val="solid"/>
+          <a:miter lim="800000"/>
+        </a:ln>
+        <a:ln w="19050" cap="flat" cmpd="sng" algn="ctr">
+          <a:solidFill>
+            <a:schemeClr val="phClr"/>
+          </a:solidFill>
+          <a:prstDash val="solid"/>
+          <a:miter lim="800000"/>
+        </a:ln>
+        <a:ln w="25400" cap="flat" cmpd="sng" algn="ctr">
+          <a:solidFill>
+            <a:schemeClr val="phClr"/>
+          </a:solidFill>
+          <a:prstDash val="solid"/>
+          <a:miter lim="800000"/>
+        </a:ln>
+      </a:lnStyleLst>
+      <a:effectStyleLst>
+        <a:effectStyle>
+          <a:effectLst/>
+        </a:effectStyle>
+        <a:effectStyle>
+          <a:effectLst/>
+        </a:effectStyle>
+        <a:effectStyle>
+          <a:effectLst>
+            <a:outerShdw blurRad="57150" dist="19050" dir="5400000" algn="ctr" rotWithShape="0">
+              <a:srgbClr val="000000">
+                <a:alpha val="63000"/>
+              </a:srgbClr>
+            </a:outerShdw>
+          </a:effectLst>
+        </a:effectStyle>
+      </a:effectStyleLst>
+      <a:bgFillStyleLst>
+        <a:solidFill>
+          <a:schemeClr val="phClr"/>
+        </a:solidFill>
+        <a:solidFill>
+          <a:schemeClr val="phClr">
+            <a:tint val="95000"/>
+            <a:satMod val="170000"/>
+          </a:schemeClr>
+        </a:solidFill>
+        <a:gradFill rotWithShape="1">
+          <a:gsLst>
+            <a:gs pos="0">
+              <a:schemeClr val="phClr">
+                <a:tint val="93000"/>
+                <a:satMod val="150000"/>
+                <a:shade val="98000"/>
+                <a:lumMod val="102000"/>
+              </a:schemeClr>
+            </a:gs>
+            <a:gs pos="50000">
+              <a:schemeClr val="phClr">
+                <a:tint val="98000"/>
+                <a:satMod val="130000"/>
+                <a:shade val="90000"/>
+                <a:lumMod val="103000"/>
+              </a:schemeClr>
+            </a:gs>
+            <a:gs pos="100000">
+              <a:schemeClr val="phClr">
+                <a:shade val="63000"/>
+                <a:satMod val="120000"/>
+              </a:schemeClr>
+            </a:gs>
+          </a:gsLst>
+          <a:lin ang="5400000" scaled="0"/>
+        </a:gradFill>
+      </a:bgFillStyleLst>
+    </a:fmtScheme>
+  </a:themeElements>
+  <a:objectDefaults>
+    <a:lnDef>
+      <a:spPr/>
+      <a:bodyPr/>
+      <a:lstStyle/>
+      <a:style>
+        <a:lnRef idx="2">
+          <a:schemeClr val="accent1"/>
+        </a:lnRef>
+        <a:fillRef idx="0">
+          <a:schemeClr val="accent1"/>
+        </a:fillRef>
+        <a:effectRef idx="1">
+          <a:schemeClr val="accent1"/>
+        </a:effectRef>
+        <a:fontRef idx="minor">
+          <a:schemeClr val="tx1"/>
+        </a:fontRef>
+      </a:style>
+    </a:lnDef>
+  </a:objectDefaults>
+  <a:extraClrSchemeLst/>
+  <a:extLst>
+    <a:ext uri="{05A4C25C-085E-4340-85A3-A5531E510DB2}">
+      <thm15:themeFamily xmlns:thm15="http://schemas.microsoft.com/office/thememl/2012/main" name="Office Theme" id="{2E142A2C-CD16-42D6-873A-C26D2A0506FA}" vid="{1BDDFF52-6CD6-40A5-AB3C-68EB2F1E4D0A}"/>
+    </a:ext>
+  </a:extLst>
+</a:theme>
 </file>
--- a/wls_gated_dlc_triangulation/Weighted_Least_Squares.pptx
+++ b/wls_gated_dlc_triangulation/Weighted_Least_Squares.pptx
@@ -5,7 +5,7 @@
     <p:sldMasterId id="2147483648" r:id="rId1"/>
   </p:sldMasterIdLst>
   <p:notesMasterIdLst>
-    <p:notesMasterId r:id="rId33"/>
+    <p:notesMasterId r:id="rId38"/>
   </p:notesMasterIdLst>
   <p:sldIdLst>
     <p:sldId id="256" r:id="rId2"/>
@@ -16,29 +16,34 @@
     <p:sldId id="277" r:id="rId7"/>
     <p:sldId id="278" r:id="rId8"/>
     <p:sldId id="271" r:id="rId9"/>
-    <p:sldId id="273" r:id="rId10"/>
-    <p:sldId id="280" r:id="rId11"/>
-    <p:sldId id="279" r:id="rId12"/>
-    <p:sldId id="283" r:id="rId13"/>
-    <p:sldId id="284" r:id="rId14"/>
-    <p:sldId id="285" r:id="rId15"/>
-    <p:sldId id="286" r:id="rId16"/>
-    <p:sldId id="287" r:id="rId17"/>
-    <p:sldId id="281" r:id="rId18"/>
-    <p:sldId id="282" r:id="rId19"/>
-    <p:sldId id="262" r:id="rId20"/>
-    <p:sldId id="259" r:id="rId21"/>
-    <p:sldId id="257" r:id="rId22"/>
-    <p:sldId id="261" r:id="rId23"/>
-    <p:sldId id="260" r:id="rId24"/>
-    <p:sldId id="263" r:id="rId25"/>
-    <p:sldId id="264" r:id="rId26"/>
-    <p:sldId id="265" r:id="rId27"/>
-    <p:sldId id="266" r:id="rId28"/>
-    <p:sldId id="267" r:id="rId29"/>
-    <p:sldId id="268" r:id="rId30"/>
-    <p:sldId id="269" r:id="rId31"/>
-    <p:sldId id="270" r:id="rId32"/>
+    <p:sldId id="289" r:id="rId10"/>
+    <p:sldId id="290" r:id="rId11"/>
+    <p:sldId id="291" r:id="rId12"/>
+    <p:sldId id="292" r:id="rId13"/>
+    <p:sldId id="288" r:id="rId14"/>
+    <p:sldId id="273" r:id="rId15"/>
+    <p:sldId id="280" r:id="rId16"/>
+    <p:sldId id="279" r:id="rId17"/>
+    <p:sldId id="283" r:id="rId18"/>
+    <p:sldId id="284" r:id="rId19"/>
+    <p:sldId id="285" r:id="rId20"/>
+    <p:sldId id="286" r:id="rId21"/>
+    <p:sldId id="287" r:id="rId22"/>
+    <p:sldId id="281" r:id="rId23"/>
+    <p:sldId id="282" r:id="rId24"/>
+    <p:sldId id="262" r:id="rId25"/>
+    <p:sldId id="259" r:id="rId26"/>
+    <p:sldId id="257" r:id="rId27"/>
+    <p:sldId id="261" r:id="rId28"/>
+    <p:sldId id="260" r:id="rId29"/>
+    <p:sldId id="263" r:id="rId30"/>
+    <p:sldId id="264" r:id="rId31"/>
+    <p:sldId id="265" r:id="rId32"/>
+    <p:sldId id="266" r:id="rId33"/>
+    <p:sldId id="267" r:id="rId34"/>
+    <p:sldId id="268" r:id="rId35"/>
+    <p:sldId id="269" r:id="rId36"/>
+    <p:sldId id="270" r:id="rId37"/>
   </p:sldIdLst>
   <p:sldSz cx="20104100" cy="11309350"/>
   <p:notesSz cx="20104100" cy="11309350"/>
@@ -570,7 +575,7 @@
           <a:p>
             <a:fld id="{75E31B38-47AE-E04D-A4C2-B54DF4AABEC6}" type="slidenum">
               <a:rPr lang="en-US" smtClean="0"/>
-              <a:t>15</a:t>
+              <a:t>20</a:t>
             </a:fld>
             <a:endParaRPr lang="en-US"/>
           </a:p>
@@ -654,7 +659,7 @@
           <a:p>
             <a:fld id="{75E31B38-47AE-E04D-A4C2-B54DF4AABEC6}" type="slidenum">
               <a:rPr lang="en-US" smtClean="0"/>
-              <a:t>16</a:t>
+              <a:t>21</a:t>
             </a:fld>
             <a:endParaRPr lang="en-US"/>
           </a:p>
@@ -2102,8 +2107,8 @@
         </p:nvSpPr>
         <p:spPr>
           <a:xfrm>
-            <a:off x="755650" y="2280803"/>
-            <a:ext cx="6248400" cy="7409721"/>
+            <a:off x="492946" y="2517919"/>
+            <a:ext cx="19611154" cy="7250703"/>
           </a:xfrm>
           <a:prstGeom prst="rect">
             <a:avLst/>
@@ -2128,7 +2133,7 @@
                 <a:latin typeface="Diagramm"/>
                 <a:cs typeface="Diagramm"/>
               </a:rPr>
-              <a:t>TASK #1</a:t>
+              <a:t>Description of Bug</a:t>
             </a:r>
           </a:p>
           <a:p>
@@ -2155,40 +2160,12 @@
               </a:spcBef>
             </a:pPr>
             <a:r>
-              <a:rPr lang="en-US" sz="4000" spc="-254" dirty="0">
-                <a:latin typeface="Diagramm"/>
-                <a:cs typeface="Diagramm"/>
-              </a:rPr>
-              <a:t>Retrain DLC model to follow keypoints. Write </a:t>
-            </a:r>
-            <a:r>
-              <a:rPr lang="en-US" sz="4000" spc="-254" dirty="0" err="1">
-                <a:latin typeface="Diagramm"/>
-                <a:cs typeface="Diagramm"/>
-              </a:rPr>
-              <a:t>Matlab</a:t>
-            </a:r>
-            <a:r>
-              <a:rPr lang="en-US" sz="4000" spc="-254" dirty="0">
-                <a:latin typeface="Diagramm"/>
-                <a:cs typeface="Diagramm"/>
-              </a:rPr>
-              <a:t> script to convert noisy tracking data for keypoints into discrete positions + transition times.</a:t>
-            </a:r>
-          </a:p>
-          <a:p>
-            <a:pPr marL="12700">
-              <a:lnSpc>
-                <a:spcPct val="100000"/>
-              </a:lnSpc>
-              <a:spcBef>
-                <a:spcPts val="120"/>
-              </a:spcBef>
-            </a:pPr>
-            <a:endParaRPr lang="en-US" sz="4000" b="1" spc="-254" dirty="0">
-              <a:latin typeface="Diagramm"/>
-              <a:cs typeface="Diagramm"/>
-            </a:endParaRPr>
+              <a:rPr lang="en-US" sz="4400" dirty="0">
+                <a:latin typeface="Diagramm"/>
+                <a:cs typeface="Diagramm"/>
+              </a:rPr>
+              <a:t>When crossing the threshold for a chunk of frames, the video views would flash frames not corresponding to the current place in the video, and the DLC tracking points would fall out of sync with the video. Additionally, some regions of the video not falling on a chunk delimiter would experience a freeze for several frames, also corresponding with the tracking points falling out of sync for the video.</a:t>
+            </a:r>
           </a:p>
         </p:txBody>
       </p:sp>
@@ -2251,10 +2228,10 @@
       </p:sp>
       <p:sp>
         <p:nvSpPr>
-          <p:cNvPr id="4" name="object 3">
+          <p:cNvPr id="9" name="object 3">
             <a:extLst>
               <a:ext uri="{FF2B5EF4-FFF2-40B4-BE49-F238E27FC236}">
-                <a16:creationId xmlns:a16="http://schemas.microsoft.com/office/drawing/2014/main" id="{7C0022F7-75DB-FC2E-84AF-4FF8AE895313}"/>
+                <a16:creationId xmlns:a16="http://schemas.microsoft.com/office/drawing/2014/main" id="{4FD33930-9F7C-5764-EE13-BE56A7E81C1E}"/>
               </a:ext>
             </a:extLst>
           </p:cNvPr>
@@ -2263,8 +2240,8 @@
         </p:nvSpPr>
         <p:spPr>
           <a:xfrm>
-            <a:off x="7305675" y="2280803"/>
-            <a:ext cx="6248400" cy="8889613"/>
+            <a:off x="492946" y="382194"/>
+            <a:ext cx="11506200" cy="630942"/>
           </a:xfrm>
           <a:prstGeom prst="rect">
             <a:avLst/>
@@ -2285,118 +2262,11 @@
               </a:spcBef>
             </a:pPr>
             <a:r>
-              <a:rPr lang="en-US" sz="6000" b="1" spc="-254" dirty="0">
-                <a:latin typeface="Diagramm"/>
-                <a:cs typeface="Diagramm"/>
-              </a:rPr>
-              <a:t>TASK #2</a:t>
-            </a:r>
-          </a:p>
-          <a:p>
-            <a:pPr marL="12700">
-              <a:lnSpc>
-                <a:spcPct val="100000"/>
-              </a:lnSpc>
-              <a:spcBef>
-                <a:spcPts val="120"/>
-              </a:spcBef>
-            </a:pPr>
-            <a:endParaRPr lang="en-US" b="1" spc="-254" dirty="0">
-              <a:latin typeface="Diagramm"/>
-              <a:cs typeface="Diagramm"/>
-            </a:endParaRPr>
-          </a:p>
-          <a:p>
-            <a:pPr marL="12700">
-              <a:lnSpc>
-                <a:spcPct val="150000"/>
-              </a:lnSpc>
-              <a:spcBef>
-                <a:spcPts val="120"/>
-              </a:spcBef>
-            </a:pPr>
-            <a:r>
-              <a:rPr lang="en-US" sz="4000" spc="-254" dirty="0">
-                <a:latin typeface="Diagramm"/>
-                <a:cs typeface="Diagramm"/>
-              </a:rPr>
-              <a:t>Refactor Rust WLS implementation to store frame-associated projections and to estimate 3D points individually. Implement likelihood and slew-rate gating, then interpolate missing points.</a:t>
-            </a:r>
-          </a:p>
-        </p:txBody>
-      </p:sp>
-      <p:sp>
-        <p:nvSpPr>
-          <p:cNvPr id="5" name="object 3">
-            <a:extLst>
-              <a:ext uri="{FF2B5EF4-FFF2-40B4-BE49-F238E27FC236}">
-                <a16:creationId xmlns:a16="http://schemas.microsoft.com/office/drawing/2014/main" id="{B4DB72D3-5037-884D-ADD9-0F2E56122BF7}"/>
-              </a:ext>
-            </a:extLst>
-          </p:cNvPr>
-          <p:cNvSpPr txBox="1"/>
-          <p:nvPr/>
-        </p:nvSpPr>
-        <p:spPr>
-          <a:xfrm>
-            <a:off x="13855700" y="2280803"/>
-            <a:ext cx="6026150" cy="7627729"/>
-          </a:xfrm>
-          <a:prstGeom prst="rect">
-            <a:avLst/>
-          </a:prstGeom>
-        </p:spPr>
-        <p:txBody>
-          <a:bodyPr vert="horz" wrap="square" lIns="0" tIns="15240" rIns="0" bIns="0" rtlCol="0">
-            <a:spAutoFit/>
-          </a:bodyPr>
-          <a:lstStyle/>
-          <a:p>
-            <a:pPr marL="12700">
-              <a:lnSpc>
-                <a:spcPct val="100000"/>
-              </a:lnSpc>
-              <a:spcBef>
-                <a:spcPts val="120"/>
-              </a:spcBef>
-            </a:pPr>
-            <a:r>
-              <a:rPr lang="en-US" sz="6000" b="1" spc="-254" dirty="0">
-                <a:latin typeface="Diagramm"/>
-                <a:cs typeface="Diagramm"/>
-              </a:rPr>
-              <a:t>TASK #3</a:t>
-            </a:r>
-          </a:p>
-          <a:p>
-            <a:pPr marL="12700">
-              <a:lnSpc>
-                <a:spcPct val="100000"/>
-              </a:lnSpc>
-              <a:spcBef>
-                <a:spcPts val="120"/>
-              </a:spcBef>
-            </a:pPr>
-            <a:endParaRPr lang="en-US" b="1" spc="-254" dirty="0">
-              <a:latin typeface="Diagramm"/>
-              <a:cs typeface="Diagramm"/>
-            </a:endParaRPr>
-          </a:p>
-          <a:p>
-            <a:pPr marL="12700">
-              <a:lnSpc>
-                <a:spcPct val="150000"/>
-              </a:lnSpc>
-              <a:spcBef>
-                <a:spcPts val="120"/>
-              </a:spcBef>
-            </a:pPr>
-            <a:r>
-              <a:rPr lang="en-US" sz="4000" spc="-254" dirty="0">
-                <a:latin typeface="Diagramm"/>
-                <a:cs typeface="Diagramm"/>
-              </a:rPr>
-              <a:t>Verify performance at each stage; Overlay random selection of keypoints from processed coordinates; Estimate 5 3D points before and after a projection change.</a:t>
+              <a:rPr lang="en-US" sz="4000" b="1" spc="-254" dirty="0">
+                <a:latin typeface="Diagramm"/>
+                <a:cs typeface="Diagramm"/>
+              </a:rPr>
+              <a:t>Event Marking Application :: Debug</a:t>
             </a:r>
           </a:p>
         </p:txBody>
@@ -2404,7 +2274,7 @@
     </p:spTree>
     <p:extLst>
       <p:ext uri="{BB962C8B-B14F-4D97-AF65-F5344CB8AC3E}">
-        <p14:creationId xmlns:p14="http://schemas.microsoft.com/office/powerpoint/2010/main" val="2156972579"/>
+        <p14:creationId xmlns:p14="http://schemas.microsoft.com/office/powerpoint/2010/main" val="3830442178"/>
       </p:ext>
     </p:extLst>
   </p:cSld>
@@ -2448,7 +2318,7 @@
         <p:spPr>
           <a:xfrm>
             <a:off x="0" y="0"/>
-            <a:ext cx="20104100" cy="11308556"/>
+            <a:ext cx="20104100" cy="11277143"/>
           </a:xfrm>
           <a:prstGeom prst="rect">
             <a:avLst/>
@@ -2458,15 +2328,94 @@
       <p:sp>
         <p:nvSpPr>
           <p:cNvPr id="3" name="object 3"/>
+          <p:cNvSpPr txBox="1"/>
+          <p:nvPr/>
+        </p:nvSpPr>
+        <p:spPr>
+          <a:xfrm>
+            <a:off x="492946" y="1235075"/>
+            <a:ext cx="19611154" cy="6235040"/>
+          </a:xfrm>
+          <a:prstGeom prst="rect">
+            <a:avLst/>
+          </a:prstGeom>
+        </p:spPr>
+        <p:txBody>
+          <a:bodyPr vert="horz" wrap="square" lIns="0" tIns="15240" rIns="0" bIns="0" rtlCol="0">
+            <a:spAutoFit/>
+          </a:bodyPr>
+          <a:lstStyle/>
+          <a:p>
+            <a:pPr marL="12700">
+              <a:lnSpc>
+                <a:spcPct val="100000"/>
+              </a:lnSpc>
+              <a:spcBef>
+                <a:spcPts val="120"/>
+              </a:spcBef>
+            </a:pPr>
+            <a:r>
+              <a:rPr lang="en-US" sz="6000" b="1" spc="-254" dirty="0">
+                <a:latin typeface="Diagramm"/>
+                <a:cs typeface="Diagramm"/>
+              </a:rPr>
+              <a:t>Hypotheses</a:t>
+            </a:r>
+          </a:p>
+          <a:p>
+            <a:pPr marL="12700">
+              <a:lnSpc>
+                <a:spcPct val="100000"/>
+              </a:lnSpc>
+              <a:spcBef>
+                <a:spcPts val="120"/>
+              </a:spcBef>
+            </a:pPr>
+            <a:endParaRPr lang="en-US" b="1" spc="-254" dirty="0">
+              <a:latin typeface="Diagramm"/>
+              <a:cs typeface="Diagramm"/>
+            </a:endParaRPr>
+          </a:p>
+          <a:p>
+            <a:pPr marL="755650" indent="-742950">
+              <a:lnSpc>
+                <a:spcPct val="150000"/>
+              </a:lnSpc>
+              <a:spcBef>
+                <a:spcPts val="120"/>
+              </a:spcBef>
+              <a:buAutoNum type="arabicPeriod"/>
+            </a:pPr>
+            <a:r>
+              <a:rPr lang="en-US" sz="4400" dirty="0">
+                <a:latin typeface="Diagramm"/>
+                <a:cs typeface="Diagramm"/>
+              </a:rPr>
+              <a:t>Flashing frames out-of-index suggested that, when scrolling across a chunk delimiter at a high framerate, if the next chunk was not loaded in time for the next frame to be displayed, the first frame of the previous chunk — still loaded in memory — was recalled until the new chunk frames were made available.</a:t>
+            </a:r>
+          </a:p>
+        </p:txBody>
+      </p:sp>
+      <p:sp>
+        <p:nvSpPr>
+          <p:cNvPr id="7" name="object 4">
+            <a:extLst>
+              <a:ext uri="{FF2B5EF4-FFF2-40B4-BE49-F238E27FC236}">
+                <a16:creationId xmlns:a16="http://schemas.microsoft.com/office/drawing/2014/main" id="{499D3297-56CD-5700-363A-7B6A4F0CB2D9}"/>
+              </a:ext>
+            </a:extLst>
+          </p:cNvPr>
           <p:cNvSpPr txBox="1">
-            <a:spLocks noGrp="1" noRot="1" noMove="1" noResize="1" noEditPoints="1" noAdjustHandles="1" noChangeArrowheads="1" noChangeShapeType="1"/>
+            <a:spLocks noGrp="1"/>
           </p:cNvSpPr>
-          <p:nvPr/>
-        </p:nvSpPr>
-        <p:spPr>
-          <a:xfrm>
-            <a:off x="3947850" y="4920431"/>
-            <a:ext cx="12190095" cy="1030605"/>
+          <p:nvPr>
+            <p:ph type="title"/>
+          </p:nvPr>
+        </p:nvSpPr>
+        <p:spPr>
+          <a:xfrm>
+            <a:off x="492946" y="382194"/>
+            <a:ext cx="19118207" cy="1031240"/>
           </a:xfrm>
           <a:prstGeom prst="rect">
             <a:avLst/>
@@ -2478,104 +2427,81 @@
           </a:bodyPr>
           <a:lstStyle/>
           <a:p>
-            <a:pPr marL="12700" algn="ctr">
-              <a:lnSpc>
-                <a:spcPct val="100000"/>
+            <a:pPr marL="12799060">
+              <a:lnSpc>
+                <a:spcPts val="3960"/>
               </a:lnSpc>
               <a:spcBef>
                 <a:spcPts val="95"/>
               </a:spcBef>
             </a:pPr>
             <a:r>
-              <a:rPr lang="en-US" sz="6600" b="1" dirty="0">
-                <a:solidFill>
-                  <a:schemeClr val="bg1"/>
-                </a:solidFill>
-                <a:latin typeface="Diagramm Bold"/>
-                <a:cs typeface="Diagramm Bold"/>
-              </a:rPr>
-              <a:t>TASK 1</a:t>
-            </a:r>
-            <a:endParaRPr sz="6600" b="1" dirty="0">
-              <a:solidFill>
-                <a:schemeClr val="bg1"/>
-              </a:solidFill>
-              <a:latin typeface="Diagramm Bold"/>
-              <a:cs typeface="Diagramm Bold"/>
+              <a:rPr lang="en-US" kern="0" spc="-5" dirty="0"/>
+              <a:t>Weighted Least Squares Estimation </a:t>
+            </a:r>
+            <a:br>
+              <a:rPr lang="en-US" kern="0" spc="-5" dirty="0"/>
+            </a:br>
+            <a:r>
+              <a:rPr lang="en-US" b="0" kern="0" spc="-5" dirty="0"/>
+              <a:t>3D Body Part Trajectories</a:t>
+            </a:r>
+            <a:endParaRPr lang="en-US" b="0" kern="0" spc="-10" dirty="0">
+              <a:latin typeface="Diagramm Light"/>
+              <a:cs typeface="Diagramm Light"/>
             </a:endParaRPr>
           </a:p>
         </p:txBody>
       </p:sp>
       <p:sp>
         <p:nvSpPr>
-          <p:cNvPr id="4" name="object 4"/>
-          <p:cNvSpPr txBox="1">
-            <a:spLocks noGrp="1"/>
-          </p:cNvSpPr>
-          <p:nvPr>
-            <p:ph type="ctrTitle"/>
-          </p:nvPr>
+          <p:cNvPr id="9" name="object 3">
+            <a:extLst>
+              <a:ext uri="{FF2B5EF4-FFF2-40B4-BE49-F238E27FC236}">
+                <a16:creationId xmlns:a16="http://schemas.microsoft.com/office/drawing/2014/main" id="{4FD33930-9F7C-5764-EE13-BE56A7E81C1E}"/>
+              </a:ext>
+            </a:extLst>
+          </p:cNvPr>
+          <p:cNvSpPr txBox="1"/>
+          <p:nvPr/>
         </p:nvSpPr>
         <p:spPr>
           <a:xfrm>
             <a:off x="492946" y="382194"/>
-            <a:ext cx="19118207" cy="1546064"/>
-          </a:xfrm>
-          <a:prstGeom prst="rect">
-            <a:avLst/>
-          </a:prstGeom>
-        </p:spPr>
-        <p:txBody>
-          <a:bodyPr vert="horz" wrap="square" lIns="0" tIns="12065" rIns="0" bIns="0" rtlCol="0">
+            <a:ext cx="11506200" cy="630942"/>
+          </a:xfrm>
+          <a:prstGeom prst="rect">
+            <a:avLst/>
+          </a:prstGeom>
+        </p:spPr>
+        <p:txBody>
+          <a:bodyPr vert="horz" wrap="square" lIns="0" tIns="15240" rIns="0" bIns="0" rtlCol="0">
             <a:spAutoFit/>
           </a:bodyPr>
           <a:lstStyle/>
           <a:p>
-            <a:pPr marL="12799060">
-              <a:lnSpc>
-                <a:spcPts val="3960"/>
-              </a:lnSpc>
-              <a:spcBef>
-                <a:spcPts val="95"/>
-              </a:spcBef>
-            </a:pPr>
-            <a:r>
-              <a:rPr lang="en-US" spc="-5" dirty="0">
-                <a:solidFill>
-                  <a:schemeClr val="bg1"/>
-                </a:solidFill>
-              </a:rPr>
-              <a:t>Weighted Least Squares Estimation </a:t>
-            </a:r>
-            <a:br>
-              <a:rPr lang="en-US" spc="-5" dirty="0">
-                <a:solidFill>
-                  <a:schemeClr val="bg1"/>
-                </a:solidFill>
-              </a:rPr>
-            </a:br>
-            <a:r>
-              <a:rPr lang="en-US" b="0" spc="-5" dirty="0">
-                <a:solidFill>
-                  <a:schemeClr val="bg1"/>
-                </a:solidFill>
-              </a:rPr>
-              <a:t>3D Body Part Trajectories</a:t>
-            </a:r>
-            <a:endParaRPr lang="en-US" b="0" spc="-10" dirty="0">
-              <a:solidFill>
-                <a:schemeClr val="bg1"/>
-              </a:solidFill>
-              <a:latin typeface="Diagramm Light"/>
-              <a:cs typeface="Diagramm Light"/>
-            </a:endParaRPr>
+            <a:pPr marL="12700">
+              <a:lnSpc>
+                <a:spcPct val="100000"/>
+              </a:lnSpc>
+              <a:spcBef>
+                <a:spcPts val="120"/>
+              </a:spcBef>
+            </a:pPr>
+            <a:r>
+              <a:rPr lang="en-US" sz="4000" b="1" spc="-254" dirty="0">
+                <a:latin typeface="Diagramm"/>
+                <a:cs typeface="Diagramm"/>
+              </a:rPr>
+              <a:t>Event Marking Application :: Debug</a:t>
+            </a:r>
           </a:p>
         </p:txBody>
       </p:sp>
     </p:spTree>
     <p:extLst>
       <p:ext uri="{BB962C8B-B14F-4D97-AF65-F5344CB8AC3E}">
-        <p14:creationId xmlns:p14="http://schemas.microsoft.com/office/powerpoint/2010/main" val="2606771728"/>
+        <p14:creationId xmlns:p14="http://schemas.microsoft.com/office/powerpoint/2010/main" val="3639258927"/>
       </p:ext>
     </p:extLst>
   </p:cSld>
@@ -2634,8 +2560,8 @@
         </p:nvSpPr>
         <p:spPr>
           <a:xfrm>
-            <a:off x="492946" y="2759075"/>
-            <a:ext cx="18931704" cy="6499215"/>
+            <a:off x="492946" y="1235075"/>
+            <a:ext cx="19118207" cy="9282028"/>
           </a:xfrm>
           <a:prstGeom prst="rect">
             <a:avLst/>
@@ -2660,7 +2586,7 @@
                 <a:latin typeface="Diagramm"/>
                 <a:cs typeface="Diagramm"/>
               </a:rPr>
-              <a:t>Keypoint-Shift Segmentation</a:t>
+              <a:t>Hypotheses</a:t>
             </a:r>
           </a:p>
           <a:p>
@@ -2678,49 +2604,36 @@
             </a:endParaRPr>
           </a:p>
           <a:p>
-            <a:pPr marL="12700">
+            <a:pPr marL="755650" indent="-742950">
               <a:lnSpc>
                 <a:spcPct val="150000"/>
               </a:lnSpc>
               <a:spcBef>
                 <a:spcPts val="120"/>
               </a:spcBef>
-            </a:pPr>
-            <a:r>
-              <a:rPr lang="en-US" sz="4000" spc="-254" dirty="0">
-                <a:latin typeface="Diagramm"/>
-                <a:cs typeface="Diagramm"/>
-              </a:rPr>
-              <a:t>Goal: Split 2D tracking data of keypoints for each camera when  the position of one point moves. The resulting segments containing constant keypoint positions from the camera’s perspective are used to generate a series of projection matrices for that perspective, which will be used during triangulation for an online/continuously updated 3D transformation.</a:t>
-            </a:r>
-          </a:p>
-          <a:p>
-            <a:pPr marL="12700">
-              <a:lnSpc>
-                <a:spcPct val="150000"/>
-              </a:lnSpc>
-              <a:spcBef>
-                <a:spcPts val="120"/>
-              </a:spcBef>
-            </a:pPr>
-            <a:endParaRPr lang="en-US" sz="4000" spc="-254" dirty="0">
-              <a:latin typeface="Diagramm"/>
-              <a:cs typeface="Diagramm"/>
-            </a:endParaRPr>
-          </a:p>
-          <a:p>
-            <a:pPr marL="12700">
-              <a:lnSpc>
-                <a:spcPct val="100000"/>
-              </a:lnSpc>
-              <a:spcBef>
-                <a:spcPts val="120"/>
-              </a:spcBef>
-            </a:pPr>
-            <a:endParaRPr lang="en-US" sz="4000" b="1" spc="-254" dirty="0">
-              <a:latin typeface="Diagramm"/>
-              <a:cs typeface="Diagramm"/>
-            </a:endParaRPr>
+              <a:buAutoNum type="arabicPeriod" startAt="2"/>
+            </a:pPr>
+            <a:r>
+              <a:rPr lang="en-US" sz="4400" dirty="0">
+                <a:latin typeface="Diagramm"/>
+                <a:cs typeface="Diagramm"/>
+              </a:rPr>
+              <a:t>Freezing frames did not correspond to the videos falling out of sync, 	but they did cause tracking points to. It is possible that DLC omits 	rows where  points are out of view, and the GUI cannot display frames 	without corresponding tracking points, therefore causing an offset to 	the tracking point of the frozen video afterwards while the unaffected 	video displays no out-of-sync behavior. This would be supported by 	the number of DLC points being less than the number of video 	frames, and it may require revisiting the </a:t>
+            </a:r>
+            <a:r>
+              <a:rPr lang="en-US" sz="4400" dirty="0" err="1">
+                <a:latin typeface="Diagramm"/>
+                <a:cs typeface="Diagramm"/>
+              </a:rPr>
+              <a:t>dlc_to_simi_mat</a:t>
+            </a:r>
+            <a:r>
+              <a:rPr lang="en-US" sz="4400" dirty="0">
+                <a:latin typeface="Diagramm"/>
+                <a:cs typeface="Diagramm"/>
+              </a:rPr>
+              <a:t> script.</a:t>
+            </a:r>
           </a:p>
         </p:txBody>
       </p:sp>
@@ -2783,16 +2696,14 @@
       </p:sp>
       <p:sp>
         <p:nvSpPr>
-          <p:cNvPr id="6" name="object 3">
+          <p:cNvPr id="9" name="object 3">
             <a:extLst>
               <a:ext uri="{FF2B5EF4-FFF2-40B4-BE49-F238E27FC236}">
-                <a16:creationId xmlns:a16="http://schemas.microsoft.com/office/drawing/2014/main" id="{C6EC7CD5-1E52-90BB-D73D-AA9110297B4A}"/>
+                <a16:creationId xmlns:a16="http://schemas.microsoft.com/office/drawing/2014/main" id="{4FD33930-9F7C-5764-EE13-BE56A7E81C1E}"/>
               </a:ext>
             </a:extLst>
           </p:cNvPr>
-          <p:cNvSpPr txBox="1">
-            <a:spLocks noGrp="1" noRot="1" noMove="1" noResize="1" noEditPoints="1" noAdjustHandles="1" noChangeArrowheads="1" noChangeShapeType="1"/>
-          </p:cNvSpPr>
+          <p:cNvSpPr txBox="1"/>
           <p:nvPr/>
         </p:nvSpPr>
         <p:spPr>
@@ -2823,7 +2734,7 @@
                 <a:latin typeface="Diagramm"/>
                 <a:cs typeface="Diagramm"/>
               </a:rPr>
-              <a:t>TASK 1  —  2D Pose &amp; Keypoint Tracking, Mark Events </a:t>
+              <a:t>Event Marking Application :: Debug</a:t>
             </a:r>
           </a:p>
         </p:txBody>
@@ -2831,7 +2742,7 @@
     </p:spTree>
     <p:extLst>
       <p:ext uri="{BB962C8B-B14F-4D97-AF65-F5344CB8AC3E}">
-        <p14:creationId xmlns:p14="http://schemas.microsoft.com/office/powerpoint/2010/main" val="2670039150"/>
+        <p14:creationId xmlns:p14="http://schemas.microsoft.com/office/powerpoint/2010/main" val="162490704"/>
       </p:ext>
     </p:extLst>
   </p:cSld>
@@ -2875,7 +2786,7 @@
         <p:spPr>
           <a:xfrm>
             <a:off x="0" y="0"/>
-            <a:ext cx="20104100" cy="11277143"/>
+            <a:ext cx="20104100" cy="11308556"/>
           </a:xfrm>
           <a:prstGeom prst="rect">
             <a:avLst/>
@@ -2884,24 +2795,67 @@
       </p:pic>
       <p:sp>
         <p:nvSpPr>
-          <p:cNvPr id="7" name="object 4">
-            <a:extLst>
-              <a:ext uri="{FF2B5EF4-FFF2-40B4-BE49-F238E27FC236}">
-                <a16:creationId xmlns:a16="http://schemas.microsoft.com/office/drawing/2014/main" id="{499D3297-56CD-5700-363A-7B6A4F0CB2D9}"/>
-              </a:ext>
-            </a:extLst>
-          </p:cNvPr>
+          <p:cNvPr id="3" name="object 3"/>
+          <p:cNvSpPr txBox="1"/>
+          <p:nvPr/>
+        </p:nvSpPr>
+        <p:spPr>
+          <a:xfrm>
+            <a:off x="3947850" y="4920431"/>
+            <a:ext cx="12190095" cy="1030605"/>
+          </a:xfrm>
+          <a:prstGeom prst="rect">
+            <a:avLst/>
+          </a:prstGeom>
+        </p:spPr>
+        <p:txBody>
+          <a:bodyPr vert="horz" wrap="square" lIns="0" tIns="12065" rIns="0" bIns="0" rtlCol="0">
+            <a:spAutoFit/>
+          </a:bodyPr>
+          <a:lstStyle/>
+          <a:p>
+            <a:pPr marL="12700" algn="ctr">
+              <a:lnSpc>
+                <a:spcPct val="100000"/>
+              </a:lnSpc>
+              <a:spcBef>
+                <a:spcPts val="95"/>
+              </a:spcBef>
+            </a:pPr>
+            <a:r>
+              <a:rPr lang="en-US" sz="6600" b="1" dirty="0">
+                <a:solidFill>
+                  <a:schemeClr val="bg1"/>
+                </a:solidFill>
+                <a:latin typeface="Diagramm Bold"/>
+                <a:cs typeface="Diagramm Bold"/>
+              </a:rPr>
+              <a:t>Plan For Revision</a:t>
+            </a:r>
+            <a:endParaRPr sz="6600" b="1" dirty="0">
+              <a:solidFill>
+                <a:schemeClr val="bg1"/>
+              </a:solidFill>
+              <a:latin typeface="Diagramm Bold"/>
+              <a:cs typeface="Diagramm Bold"/>
+            </a:endParaRPr>
+          </a:p>
+        </p:txBody>
+      </p:sp>
+      <p:sp>
+        <p:nvSpPr>
+          <p:cNvPr id="4" name="object 4"/>
           <p:cNvSpPr txBox="1">
             <a:spLocks noGrp="1"/>
           </p:cNvSpPr>
           <p:nvPr>
-            <p:ph type="title"/>
+            <p:ph type="ctrTitle"/>
           </p:nvPr>
         </p:nvSpPr>
         <p:spPr>
           <a:xfrm>
             <a:off x="492946" y="382194"/>
-            <a:ext cx="19118207" cy="1031240"/>
+            <a:ext cx="19118207" cy="1021562"/>
           </a:xfrm>
           <a:prstGeom prst="rect">
             <a:avLst/>
@@ -2922,164 +2876,42 @@
               </a:spcBef>
             </a:pPr>
             <a:r>
-              <a:rPr lang="en-US" kern="0" spc="-5" dirty="0"/>
+              <a:rPr lang="en-US" spc="-5" dirty="0">
+                <a:solidFill>
+                  <a:schemeClr val="bg1"/>
+                </a:solidFill>
+              </a:rPr>
               <a:t>Weighted Least Squares Estimation </a:t>
             </a:r>
             <a:br>
-              <a:rPr lang="en-US" kern="0" spc="-5" dirty="0"/>
+              <a:rPr lang="en-US" spc="-5" dirty="0">
+                <a:solidFill>
+                  <a:schemeClr val="bg1"/>
+                </a:solidFill>
+              </a:rPr>
             </a:br>
             <a:r>
-              <a:rPr lang="en-US" b="0" kern="0" spc="-5" dirty="0"/>
+              <a:rPr lang="en-US" b="0" spc="-5" dirty="0">
+                <a:solidFill>
+                  <a:schemeClr val="bg1"/>
+                </a:solidFill>
+              </a:rPr>
               <a:t>3D Body Part Trajectories</a:t>
             </a:r>
-            <a:endParaRPr lang="en-US" b="0" kern="0" spc="-10" dirty="0">
+            <a:endParaRPr lang="en-US" b="0" spc="-10" dirty="0">
+              <a:solidFill>
+                <a:schemeClr val="bg1"/>
+              </a:solidFill>
               <a:latin typeface="Diagramm Light"/>
               <a:cs typeface="Diagramm Light"/>
             </a:endParaRPr>
           </a:p>
         </p:txBody>
       </p:sp>
-      <p:sp>
-        <p:nvSpPr>
-          <p:cNvPr id="6" name="object 3">
-            <a:extLst>
-              <a:ext uri="{FF2B5EF4-FFF2-40B4-BE49-F238E27FC236}">
-                <a16:creationId xmlns:a16="http://schemas.microsoft.com/office/drawing/2014/main" id="{C6EC7CD5-1E52-90BB-D73D-AA9110297B4A}"/>
-              </a:ext>
-            </a:extLst>
-          </p:cNvPr>
-          <p:cNvSpPr txBox="1">
-            <a:spLocks noGrp="1" noRot="1" noMove="1" noResize="1" noEditPoints="1" noAdjustHandles="1" noChangeArrowheads="1" noChangeShapeType="1"/>
-          </p:cNvSpPr>
-          <p:nvPr/>
-        </p:nvSpPr>
-        <p:spPr>
-          <a:xfrm>
-            <a:off x="492946" y="382194"/>
-            <a:ext cx="11506200" cy="630942"/>
-          </a:xfrm>
-          <a:prstGeom prst="rect">
-            <a:avLst/>
-          </a:prstGeom>
-        </p:spPr>
-        <p:txBody>
-          <a:bodyPr vert="horz" wrap="square" lIns="0" tIns="15240" rIns="0" bIns="0" rtlCol="0">
-            <a:spAutoFit/>
-          </a:bodyPr>
-          <a:lstStyle/>
-          <a:p>
-            <a:pPr marL="12700">
-              <a:lnSpc>
-                <a:spcPct val="100000"/>
-              </a:lnSpc>
-              <a:spcBef>
-                <a:spcPts val="120"/>
-              </a:spcBef>
-            </a:pPr>
-            <a:r>
-              <a:rPr lang="en-US" sz="4000" b="1" spc="-254" dirty="0">
-                <a:latin typeface="Diagramm"/>
-                <a:cs typeface="Diagramm"/>
-              </a:rPr>
-              <a:t>TASK 1  —  2D Pose &amp; Keypoint Tracking, Mark Events </a:t>
-            </a:r>
-          </a:p>
-        </p:txBody>
-      </p:sp>
-      <p:sp>
-        <p:nvSpPr>
-          <p:cNvPr id="4" name="object 3">
-            <a:extLst>
-              <a:ext uri="{FF2B5EF4-FFF2-40B4-BE49-F238E27FC236}">
-                <a16:creationId xmlns:a16="http://schemas.microsoft.com/office/drawing/2014/main" id="{26028112-1D18-1F8C-4742-EA85EB41FB39}"/>
-              </a:ext>
-            </a:extLst>
-          </p:cNvPr>
-          <p:cNvSpPr txBox="1"/>
-          <p:nvPr/>
-        </p:nvSpPr>
-        <p:spPr>
-          <a:xfrm>
-            <a:off x="492946" y="2759075"/>
-            <a:ext cx="18931704" cy="4639732"/>
-          </a:xfrm>
-          <a:prstGeom prst="rect">
-            <a:avLst/>
-          </a:prstGeom>
-        </p:spPr>
-        <p:txBody>
-          <a:bodyPr vert="horz" wrap="square" lIns="0" tIns="15240" rIns="0" bIns="0" rtlCol="0">
-            <a:spAutoFit/>
-          </a:bodyPr>
-          <a:lstStyle/>
-          <a:p>
-            <a:pPr marL="12700">
-              <a:lnSpc>
-                <a:spcPct val="100000"/>
-              </a:lnSpc>
-              <a:spcBef>
-                <a:spcPts val="120"/>
-              </a:spcBef>
-            </a:pPr>
-            <a:r>
-              <a:rPr lang="en-US" sz="6000" b="1" spc="-254" dirty="0">
-                <a:latin typeface="Diagramm"/>
-                <a:cs typeface="Diagramm"/>
-              </a:rPr>
-              <a:t>DLC Model Retrain for Keypoint Analysis</a:t>
-            </a:r>
-          </a:p>
-          <a:p>
-            <a:pPr marL="12700">
-              <a:lnSpc>
-                <a:spcPct val="100000"/>
-              </a:lnSpc>
-              <a:spcBef>
-                <a:spcPts val="120"/>
-              </a:spcBef>
-            </a:pPr>
-            <a:endParaRPr lang="en-US" b="1" spc="-254" dirty="0">
-              <a:latin typeface="Diagramm"/>
-              <a:cs typeface="Diagramm"/>
-            </a:endParaRPr>
-          </a:p>
-          <a:p>
-            <a:pPr marL="12700">
-              <a:lnSpc>
-                <a:spcPct val="150000"/>
-              </a:lnSpc>
-              <a:spcBef>
-                <a:spcPts val="120"/>
-              </a:spcBef>
-            </a:pPr>
-            <a:r>
-              <a:rPr lang="en-US" sz="4000" spc="-254" dirty="0">
-                <a:latin typeface="Diagramm"/>
-                <a:cs typeface="Diagramm"/>
-              </a:rPr>
-              <a:t>Retraining the DLC model to track multiple fixed keypoints such as the vertices of the NHP enclosure enable the online updating of the 3D transformation used in triangulation of multiple 2D trajectories into a common 3D space referenced to said enclosure.</a:t>
-            </a:r>
-          </a:p>
-          <a:p>
-            <a:pPr marL="12700">
-              <a:lnSpc>
-                <a:spcPct val="100000"/>
-              </a:lnSpc>
-              <a:spcBef>
-                <a:spcPts val="120"/>
-              </a:spcBef>
-            </a:pPr>
-            <a:endParaRPr lang="en-US" sz="4000" b="1" spc="-254" dirty="0">
-              <a:latin typeface="Diagramm"/>
-              <a:cs typeface="Diagramm"/>
-            </a:endParaRPr>
-          </a:p>
-        </p:txBody>
-      </p:sp>
     </p:spTree>
     <p:extLst>
       <p:ext uri="{BB962C8B-B14F-4D97-AF65-F5344CB8AC3E}">
-        <p14:creationId xmlns:p14="http://schemas.microsoft.com/office/powerpoint/2010/main" val="3280887956"/>
+        <p14:creationId xmlns:p14="http://schemas.microsoft.com/office/powerpoint/2010/main" val="1896924738"/>
       </p:ext>
     </p:extLst>
   </p:cSld>
@@ -3132,6 +2964,135 @@
       </p:pic>
       <p:sp>
         <p:nvSpPr>
+          <p:cNvPr id="3" name="object 3"/>
+          <p:cNvSpPr txBox="1"/>
+          <p:nvPr/>
+        </p:nvSpPr>
+        <p:spPr>
+          <a:xfrm>
+            <a:off x="1289050" y="2517919"/>
+            <a:ext cx="16535400" cy="6273512"/>
+          </a:xfrm>
+          <a:prstGeom prst="rect">
+            <a:avLst/>
+          </a:prstGeom>
+        </p:spPr>
+        <p:txBody>
+          <a:bodyPr vert="horz" wrap="square" lIns="0" tIns="15240" rIns="0" bIns="0" rtlCol="0">
+            <a:spAutoFit/>
+          </a:bodyPr>
+          <a:lstStyle/>
+          <a:p>
+            <a:pPr marL="12700">
+              <a:lnSpc>
+                <a:spcPct val="100000"/>
+              </a:lnSpc>
+              <a:spcBef>
+                <a:spcPts val="120"/>
+              </a:spcBef>
+            </a:pPr>
+            <a:r>
+              <a:rPr lang="en-US" sz="6000" b="1" spc="-254" dirty="0">
+                <a:latin typeface="Diagramm"/>
+                <a:cs typeface="Diagramm"/>
+              </a:rPr>
+              <a:t>Single-frame iterative approach:</a:t>
+            </a:r>
+          </a:p>
+          <a:p>
+            <a:pPr marL="12700">
+              <a:lnSpc>
+                <a:spcPct val="100000"/>
+              </a:lnSpc>
+              <a:spcBef>
+                <a:spcPts val="120"/>
+              </a:spcBef>
+            </a:pPr>
+            <a:endParaRPr lang="en-US" b="1" spc="-254" dirty="0">
+              <a:latin typeface="Diagramm"/>
+              <a:cs typeface="Diagramm"/>
+            </a:endParaRPr>
+          </a:p>
+          <a:p>
+            <a:pPr marL="584200" indent="-571500">
+              <a:lnSpc>
+                <a:spcPct val="150000"/>
+              </a:lnSpc>
+              <a:spcBef>
+                <a:spcPts val="120"/>
+              </a:spcBef>
+              <a:buFont typeface="Arial" panose="020B0604020202020204" pitchFamily="34" charset="0"/>
+              <a:buChar char="•"/>
+            </a:pPr>
+            <a:r>
+              <a:rPr lang="en-US" sz="4400" dirty="0">
+                <a:latin typeface="Diagramm"/>
+                <a:cs typeface="Diagramm"/>
+              </a:rPr>
+              <a:t>Construct equation for estimating one 3D point at a time</a:t>
+            </a:r>
+          </a:p>
+          <a:p>
+            <a:pPr marL="584200" indent="-571500">
+              <a:lnSpc>
+                <a:spcPct val="150000"/>
+              </a:lnSpc>
+              <a:spcBef>
+                <a:spcPts val="120"/>
+              </a:spcBef>
+              <a:buFont typeface="Arial" panose="020B0604020202020204" pitchFamily="34" charset="0"/>
+              <a:buChar char="•"/>
+            </a:pPr>
+            <a:r>
+              <a:rPr lang="en-US" sz="4400" dirty="0">
+                <a:latin typeface="Diagramm"/>
+                <a:cs typeface="Diagramm"/>
+              </a:rPr>
+              <a:t>Minimize size of matrices for inversion</a:t>
+            </a:r>
+          </a:p>
+          <a:p>
+            <a:pPr marL="584200" indent="-571500">
+              <a:lnSpc>
+                <a:spcPct val="150000"/>
+              </a:lnSpc>
+              <a:spcBef>
+                <a:spcPts val="120"/>
+              </a:spcBef>
+              <a:buFont typeface="Arial" panose="020B0604020202020204" pitchFamily="34" charset="0"/>
+              <a:buChar char="•"/>
+            </a:pPr>
+            <a:r>
+              <a:rPr lang="en-US" sz="4400" dirty="0">
+                <a:latin typeface="Diagramm"/>
+                <a:cs typeface="Diagramm"/>
+              </a:rPr>
+              <a:t>Capitalize on CPU speed vs. large linear operations</a:t>
+            </a:r>
+          </a:p>
+          <a:p>
+            <a:pPr marL="584200" indent="-571500">
+              <a:lnSpc>
+                <a:spcPct val="150000"/>
+              </a:lnSpc>
+              <a:spcBef>
+                <a:spcPts val="120"/>
+              </a:spcBef>
+              <a:buFont typeface="Arial" panose="020B0604020202020204" pitchFamily="34" charset="0"/>
+              <a:buChar char="•"/>
+            </a:pPr>
+            <a:r>
+              <a:rPr lang="en-US" sz="4400" dirty="0">
+                <a:latin typeface="Diagramm"/>
+                <a:cs typeface="Diagramm"/>
+              </a:rPr>
+              <a:t>Continuously update projection matrix for each point to minimize transformation error</a:t>
+            </a:r>
+          </a:p>
+        </p:txBody>
+      </p:sp>
+      <p:sp>
+        <p:nvSpPr>
           <p:cNvPr id="7" name="object 4">
             <a:extLst>
               <a:ext uri="{FF2B5EF4-FFF2-40B4-BE49-F238E27FC236}">
@@ -3187,6 +3148,1153 @@
           </a:p>
         </p:txBody>
       </p:sp>
+    </p:spTree>
+    <p:extLst>
+      <p:ext uri="{BB962C8B-B14F-4D97-AF65-F5344CB8AC3E}">
+        <p14:creationId xmlns:p14="http://schemas.microsoft.com/office/powerpoint/2010/main" val="430438349"/>
+      </p:ext>
+    </p:extLst>
+  </p:cSld>
+  <p:clrMapOvr>
+    <a:masterClrMapping/>
+  </p:clrMapOvr>
+</p:sld>
+</file>
+
+<file path=ppt/slides/slide15.xml><?xml version="1.0" encoding="utf-8"?>
+<p:sld xmlns:a="http://schemas.openxmlformats.org/drawingml/2006/main" xmlns:r="http://schemas.openxmlformats.org/officeDocument/2006/relationships" xmlns:p="http://schemas.openxmlformats.org/presentationml/2006/main">
+  <p:cSld>
+    <p:spTree>
+      <p:nvGrpSpPr>
+        <p:cNvPr id="1" name=""/>
+        <p:cNvGrpSpPr/>
+        <p:nvPr/>
+      </p:nvGrpSpPr>
+      <p:grpSpPr>
+        <a:xfrm>
+          <a:off x="0" y="0"/>
+          <a:ext cx="0" cy="0"/>
+          <a:chOff x="0" y="0"/>
+          <a:chExt cx="0" cy="0"/>
+        </a:xfrm>
+      </p:grpSpPr>
+      <p:pic>
+        <p:nvPicPr>
+          <p:cNvPr id="2" name="object 2"/>
+          <p:cNvPicPr>
+            <a:picLocks noGrp="1" noRot="1" noMove="1" noResize="1" noEditPoints="1" noAdjustHandles="1" noChangeArrowheads="1" noChangeShapeType="1" noCrop="1"/>
+          </p:cNvPicPr>
+          <p:nvPr/>
+        </p:nvPicPr>
+        <p:blipFill>
+          <a:blip r:embed="rId2" cstate="print"/>
+          <a:stretch>
+            <a:fillRect/>
+          </a:stretch>
+        </p:blipFill>
+        <p:spPr>
+          <a:xfrm>
+            <a:off x="0" y="0"/>
+            <a:ext cx="20104100" cy="11277143"/>
+          </a:xfrm>
+          <a:prstGeom prst="rect">
+            <a:avLst/>
+          </a:prstGeom>
+        </p:spPr>
+      </p:pic>
+      <p:sp>
+        <p:nvSpPr>
+          <p:cNvPr id="3" name="object 3"/>
+          <p:cNvSpPr txBox="1"/>
+          <p:nvPr/>
+        </p:nvSpPr>
+        <p:spPr>
+          <a:xfrm>
+            <a:off x="755650" y="2280803"/>
+            <a:ext cx="6248400" cy="7409721"/>
+          </a:xfrm>
+          <a:prstGeom prst="rect">
+            <a:avLst/>
+          </a:prstGeom>
+        </p:spPr>
+        <p:txBody>
+          <a:bodyPr vert="horz" wrap="square" lIns="0" tIns="15240" rIns="0" bIns="0" rtlCol="0">
+            <a:spAutoFit/>
+          </a:bodyPr>
+          <a:lstStyle/>
+          <a:p>
+            <a:pPr marL="12700">
+              <a:lnSpc>
+                <a:spcPct val="100000"/>
+              </a:lnSpc>
+              <a:spcBef>
+                <a:spcPts val="120"/>
+              </a:spcBef>
+            </a:pPr>
+            <a:r>
+              <a:rPr lang="en-US" sz="6000" b="1" spc="-254" dirty="0">
+                <a:latin typeface="Diagramm"/>
+                <a:cs typeface="Diagramm"/>
+              </a:rPr>
+              <a:t>TASK #1</a:t>
+            </a:r>
+          </a:p>
+          <a:p>
+            <a:pPr marL="12700">
+              <a:lnSpc>
+                <a:spcPct val="100000"/>
+              </a:lnSpc>
+              <a:spcBef>
+                <a:spcPts val="120"/>
+              </a:spcBef>
+            </a:pPr>
+            <a:endParaRPr lang="en-US" b="1" spc="-254" dirty="0">
+              <a:latin typeface="Diagramm"/>
+              <a:cs typeface="Diagramm"/>
+            </a:endParaRPr>
+          </a:p>
+          <a:p>
+            <a:pPr marL="12700">
+              <a:lnSpc>
+                <a:spcPct val="150000"/>
+              </a:lnSpc>
+              <a:spcBef>
+                <a:spcPts val="120"/>
+              </a:spcBef>
+            </a:pPr>
+            <a:r>
+              <a:rPr lang="en-US" sz="4000" spc="-254" dirty="0">
+                <a:latin typeface="Diagramm"/>
+                <a:cs typeface="Diagramm"/>
+              </a:rPr>
+              <a:t>Retrain DLC model to follow keypoints. Write </a:t>
+            </a:r>
+            <a:r>
+              <a:rPr lang="en-US" sz="4000" spc="-254" dirty="0" err="1">
+                <a:latin typeface="Diagramm"/>
+                <a:cs typeface="Diagramm"/>
+              </a:rPr>
+              <a:t>Matlab</a:t>
+            </a:r>
+            <a:r>
+              <a:rPr lang="en-US" sz="4000" spc="-254" dirty="0">
+                <a:latin typeface="Diagramm"/>
+                <a:cs typeface="Diagramm"/>
+              </a:rPr>
+              <a:t> script to convert noisy tracking data for keypoints into discrete positions + transition times.</a:t>
+            </a:r>
+          </a:p>
+          <a:p>
+            <a:pPr marL="12700">
+              <a:lnSpc>
+                <a:spcPct val="100000"/>
+              </a:lnSpc>
+              <a:spcBef>
+                <a:spcPts val="120"/>
+              </a:spcBef>
+            </a:pPr>
+            <a:endParaRPr lang="en-US" sz="4000" b="1" spc="-254" dirty="0">
+              <a:latin typeface="Diagramm"/>
+              <a:cs typeface="Diagramm"/>
+            </a:endParaRPr>
+          </a:p>
+        </p:txBody>
+      </p:sp>
+      <p:sp>
+        <p:nvSpPr>
+          <p:cNvPr id="7" name="object 4">
+            <a:extLst>
+              <a:ext uri="{FF2B5EF4-FFF2-40B4-BE49-F238E27FC236}">
+                <a16:creationId xmlns:a16="http://schemas.microsoft.com/office/drawing/2014/main" id="{499D3297-56CD-5700-363A-7B6A4F0CB2D9}"/>
+              </a:ext>
+            </a:extLst>
+          </p:cNvPr>
+          <p:cNvSpPr txBox="1">
+            <a:spLocks noGrp="1"/>
+          </p:cNvSpPr>
+          <p:nvPr>
+            <p:ph type="title"/>
+          </p:nvPr>
+        </p:nvSpPr>
+        <p:spPr>
+          <a:xfrm>
+            <a:off x="492946" y="382194"/>
+            <a:ext cx="19118207" cy="1031240"/>
+          </a:xfrm>
+          <a:prstGeom prst="rect">
+            <a:avLst/>
+          </a:prstGeom>
+        </p:spPr>
+        <p:txBody>
+          <a:bodyPr vert="horz" wrap="square" lIns="0" tIns="12065" rIns="0" bIns="0" rtlCol="0">
+            <a:spAutoFit/>
+          </a:bodyPr>
+          <a:lstStyle/>
+          <a:p>
+            <a:pPr marL="12799060">
+              <a:lnSpc>
+                <a:spcPts val="3960"/>
+              </a:lnSpc>
+              <a:spcBef>
+                <a:spcPts val="95"/>
+              </a:spcBef>
+            </a:pPr>
+            <a:r>
+              <a:rPr lang="en-US" kern="0" spc="-5" dirty="0"/>
+              <a:t>Weighted Least Squares Estimation </a:t>
+            </a:r>
+            <a:br>
+              <a:rPr lang="en-US" kern="0" spc="-5" dirty="0"/>
+            </a:br>
+            <a:r>
+              <a:rPr lang="en-US" b="0" kern="0" spc="-5" dirty="0"/>
+              <a:t>3D Body Part Trajectories</a:t>
+            </a:r>
+            <a:endParaRPr lang="en-US" b="0" kern="0" spc="-10" dirty="0">
+              <a:latin typeface="Diagramm Light"/>
+              <a:cs typeface="Diagramm Light"/>
+            </a:endParaRPr>
+          </a:p>
+        </p:txBody>
+      </p:sp>
+      <p:sp>
+        <p:nvSpPr>
+          <p:cNvPr id="4" name="object 3">
+            <a:extLst>
+              <a:ext uri="{FF2B5EF4-FFF2-40B4-BE49-F238E27FC236}">
+                <a16:creationId xmlns:a16="http://schemas.microsoft.com/office/drawing/2014/main" id="{7C0022F7-75DB-FC2E-84AF-4FF8AE895313}"/>
+              </a:ext>
+            </a:extLst>
+          </p:cNvPr>
+          <p:cNvSpPr txBox="1"/>
+          <p:nvPr/>
+        </p:nvSpPr>
+        <p:spPr>
+          <a:xfrm>
+            <a:off x="7305675" y="2280803"/>
+            <a:ext cx="6248400" cy="8889613"/>
+          </a:xfrm>
+          <a:prstGeom prst="rect">
+            <a:avLst/>
+          </a:prstGeom>
+        </p:spPr>
+        <p:txBody>
+          <a:bodyPr vert="horz" wrap="square" lIns="0" tIns="15240" rIns="0" bIns="0" rtlCol="0">
+            <a:spAutoFit/>
+          </a:bodyPr>
+          <a:lstStyle/>
+          <a:p>
+            <a:pPr marL="12700">
+              <a:lnSpc>
+                <a:spcPct val="100000"/>
+              </a:lnSpc>
+              <a:spcBef>
+                <a:spcPts val="120"/>
+              </a:spcBef>
+            </a:pPr>
+            <a:r>
+              <a:rPr lang="en-US" sz="6000" b="1" spc="-254" dirty="0">
+                <a:latin typeface="Diagramm"/>
+                <a:cs typeface="Diagramm"/>
+              </a:rPr>
+              <a:t>TASK #2</a:t>
+            </a:r>
+          </a:p>
+          <a:p>
+            <a:pPr marL="12700">
+              <a:lnSpc>
+                <a:spcPct val="100000"/>
+              </a:lnSpc>
+              <a:spcBef>
+                <a:spcPts val="120"/>
+              </a:spcBef>
+            </a:pPr>
+            <a:endParaRPr lang="en-US" b="1" spc="-254" dirty="0">
+              <a:latin typeface="Diagramm"/>
+              <a:cs typeface="Diagramm"/>
+            </a:endParaRPr>
+          </a:p>
+          <a:p>
+            <a:pPr marL="12700">
+              <a:lnSpc>
+                <a:spcPct val="150000"/>
+              </a:lnSpc>
+              <a:spcBef>
+                <a:spcPts val="120"/>
+              </a:spcBef>
+            </a:pPr>
+            <a:r>
+              <a:rPr lang="en-US" sz="4000" spc="-254" dirty="0">
+                <a:latin typeface="Diagramm"/>
+                <a:cs typeface="Diagramm"/>
+              </a:rPr>
+              <a:t>Refactor Rust WLS implementation to store frame-associated projections and to estimate 3D points individually. Implement likelihood and slew-rate gating, then interpolate missing points.</a:t>
+            </a:r>
+          </a:p>
+        </p:txBody>
+      </p:sp>
+      <p:sp>
+        <p:nvSpPr>
+          <p:cNvPr id="5" name="object 3">
+            <a:extLst>
+              <a:ext uri="{FF2B5EF4-FFF2-40B4-BE49-F238E27FC236}">
+                <a16:creationId xmlns:a16="http://schemas.microsoft.com/office/drawing/2014/main" id="{B4DB72D3-5037-884D-ADD9-0F2E56122BF7}"/>
+              </a:ext>
+            </a:extLst>
+          </p:cNvPr>
+          <p:cNvSpPr txBox="1"/>
+          <p:nvPr/>
+        </p:nvSpPr>
+        <p:spPr>
+          <a:xfrm>
+            <a:off x="13855700" y="2280803"/>
+            <a:ext cx="6026150" cy="7627729"/>
+          </a:xfrm>
+          <a:prstGeom prst="rect">
+            <a:avLst/>
+          </a:prstGeom>
+        </p:spPr>
+        <p:txBody>
+          <a:bodyPr vert="horz" wrap="square" lIns="0" tIns="15240" rIns="0" bIns="0" rtlCol="0">
+            <a:spAutoFit/>
+          </a:bodyPr>
+          <a:lstStyle/>
+          <a:p>
+            <a:pPr marL="12700">
+              <a:lnSpc>
+                <a:spcPct val="100000"/>
+              </a:lnSpc>
+              <a:spcBef>
+                <a:spcPts val="120"/>
+              </a:spcBef>
+            </a:pPr>
+            <a:r>
+              <a:rPr lang="en-US" sz="6000" b="1" spc="-254" dirty="0">
+                <a:latin typeface="Diagramm"/>
+                <a:cs typeface="Diagramm"/>
+              </a:rPr>
+              <a:t>TASK #3</a:t>
+            </a:r>
+          </a:p>
+          <a:p>
+            <a:pPr marL="12700">
+              <a:lnSpc>
+                <a:spcPct val="100000"/>
+              </a:lnSpc>
+              <a:spcBef>
+                <a:spcPts val="120"/>
+              </a:spcBef>
+            </a:pPr>
+            <a:endParaRPr lang="en-US" b="1" spc="-254" dirty="0">
+              <a:latin typeface="Diagramm"/>
+              <a:cs typeface="Diagramm"/>
+            </a:endParaRPr>
+          </a:p>
+          <a:p>
+            <a:pPr marL="12700">
+              <a:lnSpc>
+                <a:spcPct val="150000"/>
+              </a:lnSpc>
+              <a:spcBef>
+                <a:spcPts val="120"/>
+              </a:spcBef>
+            </a:pPr>
+            <a:r>
+              <a:rPr lang="en-US" sz="4000" spc="-254" dirty="0">
+                <a:latin typeface="Diagramm"/>
+                <a:cs typeface="Diagramm"/>
+              </a:rPr>
+              <a:t>Verify performance at each stage; Overlay random selection of keypoints from processed coordinates; Estimate 5 3D points before and after a projection change.</a:t>
+            </a:r>
+          </a:p>
+        </p:txBody>
+      </p:sp>
+    </p:spTree>
+    <p:extLst>
+      <p:ext uri="{BB962C8B-B14F-4D97-AF65-F5344CB8AC3E}">
+        <p14:creationId xmlns:p14="http://schemas.microsoft.com/office/powerpoint/2010/main" val="2156972579"/>
+      </p:ext>
+    </p:extLst>
+  </p:cSld>
+  <p:clrMapOvr>
+    <a:masterClrMapping/>
+  </p:clrMapOvr>
+</p:sld>
+</file>
+
+<file path=ppt/slides/slide16.xml><?xml version="1.0" encoding="utf-8"?>
+<p:sld xmlns:a="http://schemas.openxmlformats.org/drawingml/2006/main" xmlns:r="http://schemas.openxmlformats.org/officeDocument/2006/relationships" xmlns:p="http://schemas.openxmlformats.org/presentationml/2006/main">
+  <p:cSld>
+    <p:spTree>
+      <p:nvGrpSpPr>
+        <p:cNvPr id="1" name=""/>
+        <p:cNvGrpSpPr/>
+        <p:nvPr/>
+      </p:nvGrpSpPr>
+      <p:grpSpPr>
+        <a:xfrm>
+          <a:off x="0" y="0"/>
+          <a:ext cx="0" cy="0"/>
+          <a:chOff x="0" y="0"/>
+          <a:chExt cx="0" cy="0"/>
+        </a:xfrm>
+      </p:grpSpPr>
+      <p:pic>
+        <p:nvPicPr>
+          <p:cNvPr id="2" name="object 2"/>
+          <p:cNvPicPr>
+            <a:picLocks noGrp="1" noRot="1" noMove="1" noResize="1" noEditPoints="1" noAdjustHandles="1" noChangeArrowheads="1" noChangeShapeType="1" noCrop="1"/>
+          </p:cNvPicPr>
+          <p:nvPr/>
+        </p:nvPicPr>
+        <p:blipFill>
+          <a:blip r:embed="rId2" cstate="print"/>
+          <a:stretch>
+            <a:fillRect/>
+          </a:stretch>
+        </p:blipFill>
+        <p:spPr>
+          <a:xfrm>
+            <a:off x="0" y="0"/>
+            <a:ext cx="20104100" cy="11308556"/>
+          </a:xfrm>
+          <a:prstGeom prst="rect">
+            <a:avLst/>
+          </a:prstGeom>
+        </p:spPr>
+      </p:pic>
+      <p:sp>
+        <p:nvSpPr>
+          <p:cNvPr id="3" name="object 3"/>
+          <p:cNvSpPr txBox="1">
+            <a:spLocks noGrp="1" noRot="1" noMove="1" noResize="1" noEditPoints="1" noAdjustHandles="1" noChangeArrowheads="1" noChangeShapeType="1"/>
+          </p:cNvSpPr>
+          <p:nvPr/>
+        </p:nvSpPr>
+        <p:spPr>
+          <a:xfrm>
+            <a:off x="3947850" y="4920431"/>
+            <a:ext cx="12190095" cy="1030605"/>
+          </a:xfrm>
+          <a:prstGeom prst="rect">
+            <a:avLst/>
+          </a:prstGeom>
+        </p:spPr>
+        <p:txBody>
+          <a:bodyPr vert="horz" wrap="square" lIns="0" tIns="12065" rIns="0" bIns="0" rtlCol="0">
+            <a:spAutoFit/>
+          </a:bodyPr>
+          <a:lstStyle/>
+          <a:p>
+            <a:pPr marL="12700" algn="ctr">
+              <a:lnSpc>
+                <a:spcPct val="100000"/>
+              </a:lnSpc>
+              <a:spcBef>
+                <a:spcPts val="95"/>
+              </a:spcBef>
+            </a:pPr>
+            <a:r>
+              <a:rPr lang="en-US" sz="6600" b="1" dirty="0">
+                <a:solidFill>
+                  <a:schemeClr val="bg1"/>
+                </a:solidFill>
+                <a:latin typeface="Diagramm Bold"/>
+                <a:cs typeface="Diagramm Bold"/>
+              </a:rPr>
+              <a:t>TASK 1</a:t>
+            </a:r>
+            <a:endParaRPr sz="6600" b="1" dirty="0">
+              <a:solidFill>
+                <a:schemeClr val="bg1"/>
+              </a:solidFill>
+              <a:latin typeface="Diagramm Bold"/>
+              <a:cs typeface="Diagramm Bold"/>
+            </a:endParaRPr>
+          </a:p>
+        </p:txBody>
+      </p:sp>
+      <p:sp>
+        <p:nvSpPr>
+          <p:cNvPr id="4" name="object 4"/>
+          <p:cNvSpPr txBox="1">
+            <a:spLocks noGrp="1"/>
+          </p:cNvSpPr>
+          <p:nvPr>
+            <p:ph type="ctrTitle"/>
+          </p:nvPr>
+        </p:nvSpPr>
+        <p:spPr>
+          <a:xfrm>
+            <a:off x="492946" y="382194"/>
+            <a:ext cx="19118207" cy="1546064"/>
+          </a:xfrm>
+          <a:prstGeom prst="rect">
+            <a:avLst/>
+          </a:prstGeom>
+        </p:spPr>
+        <p:txBody>
+          <a:bodyPr vert="horz" wrap="square" lIns="0" tIns="12065" rIns="0" bIns="0" rtlCol="0">
+            <a:spAutoFit/>
+          </a:bodyPr>
+          <a:lstStyle/>
+          <a:p>
+            <a:pPr marL="12799060">
+              <a:lnSpc>
+                <a:spcPts val="3960"/>
+              </a:lnSpc>
+              <a:spcBef>
+                <a:spcPts val="95"/>
+              </a:spcBef>
+            </a:pPr>
+            <a:r>
+              <a:rPr lang="en-US" spc="-5" dirty="0">
+                <a:solidFill>
+                  <a:schemeClr val="bg1"/>
+                </a:solidFill>
+              </a:rPr>
+              <a:t>Weighted Least Squares Estimation </a:t>
+            </a:r>
+            <a:br>
+              <a:rPr lang="en-US" spc="-5" dirty="0">
+                <a:solidFill>
+                  <a:schemeClr val="bg1"/>
+                </a:solidFill>
+              </a:rPr>
+            </a:br>
+            <a:r>
+              <a:rPr lang="en-US" b="0" spc="-5" dirty="0">
+                <a:solidFill>
+                  <a:schemeClr val="bg1"/>
+                </a:solidFill>
+              </a:rPr>
+              <a:t>3D Body Part Trajectories</a:t>
+            </a:r>
+            <a:endParaRPr lang="en-US" b="0" spc="-10" dirty="0">
+              <a:solidFill>
+                <a:schemeClr val="bg1"/>
+              </a:solidFill>
+              <a:latin typeface="Diagramm Light"/>
+              <a:cs typeface="Diagramm Light"/>
+            </a:endParaRPr>
+          </a:p>
+        </p:txBody>
+      </p:sp>
+    </p:spTree>
+    <p:extLst>
+      <p:ext uri="{BB962C8B-B14F-4D97-AF65-F5344CB8AC3E}">
+        <p14:creationId xmlns:p14="http://schemas.microsoft.com/office/powerpoint/2010/main" val="2606771728"/>
+      </p:ext>
+    </p:extLst>
+  </p:cSld>
+  <p:clrMapOvr>
+    <a:masterClrMapping/>
+  </p:clrMapOvr>
+</p:sld>
+</file>
+
+<file path=ppt/slides/slide17.xml><?xml version="1.0" encoding="utf-8"?>
+<p:sld xmlns:a="http://schemas.openxmlformats.org/drawingml/2006/main" xmlns:r="http://schemas.openxmlformats.org/officeDocument/2006/relationships" xmlns:p="http://schemas.openxmlformats.org/presentationml/2006/main">
+  <p:cSld>
+    <p:spTree>
+      <p:nvGrpSpPr>
+        <p:cNvPr id="1" name=""/>
+        <p:cNvGrpSpPr/>
+        <p:nvPr/>
+      </p:nvGrpSpPr>
+      <p:grpSpPr>
+        <a:xfrm>
+          <a:off x="0" y="0"/>
+          <a:ext cx="0" cy="0"/>
+          <a:chOff x="0" y="0"/>
+          <a:chExt cx="0" cy="0"/>
+        </a:xfrm>
+      </p:grpSpPr>
+      <p:pic>
+        <p:nvPicPr>
+          <p:cNvPr id="2" name="object 2"/>
+          <p:cNvPicPr>
+            <a:picLocks noGrp="1" noRot="1" noMove="1" noResize="1" noEditPoints="1" noAdjustHandles="1" noChangeArrowheads="1" noChangeShapeType="1" noCrop="1"/>
+          </p:cNvPicPr>
+          <p:nvPr/>
+        </p:nvPicPr>
+        <p:blipFill>
+          <a:blip r:embed="rId2" cstate="print"/>
+          <a:stretch>
+            <a:fillRect/>
+          </a:stretch>
+        </p:blipFill>
+        <p:spPr>
+          <a:xfrm>
+            <a:off x="0" y="0"/>
+            <a:ext cx="20104100" cy="11277143"/>
+          </a:xfrm>
+          <a:prstGeom prst="rect">
+            <a:avLst/>
+          </a:prstGeom>
+        </p:spPr>
+      </p:pic>
+      <p:sp>
+        <p:nvSpPr>
+          <p:cNvPr id="3" name="object 3"/>
+          <p:cNvSpPr txBox="1"/>
+          <p:nvPr/>
+        </p:nvSpPr>
+        <p:spPr>
+          <a:xfrm>
+            <a:off x="492946" y="2759075"/>
+            <a:ext cx="18931704" cy="6499215"/>
+          </a:xfrm>
+          <a:prstGeom prst="rect">
+            <a:avLst/>
+          </a:prstGeom>
+        </p:spPr>
+        <p:txBody>
+          <a:bodyPr vert="horz" wrap="square" lIns="0" tIns="15240" rIns="0" bIns="0" rtlCol="0">
+            <a:spAutoFit/>
+          </a:bodyPr>
+          <a:lstStyle/>
+          <a:p>
+            <a:pPr marL="12700">
+              <a:lnSpc>
+                <a:spcPct val="100000"/>
+              </a:lnSpc>
+              <a:spcBef>
+                <a:spcPts val="120"/>
+              </a:spcBef>
+            </a:pPr>
+            <a:r>
+              <a:rPr lang="en-US" sz="6000" b="1" spc="-254" dirty="0">
+                <a:latin typeface="Diagramm"/>
+                <a:cs typeface="Diagramm"/>
+              </a:rPr>
+              <a:t>Keypoint-Shift Segmentation</a:t>
+            </a:r>
+          </a:p>
+          <a:p>
+            <a:pPr marL="12700">
+              <a:lnSpc>
+                <a:spcPct val="100000"/>
+              </a:lnSpc>
+              <a:spcBef>
+                <a:spcPts val="120"/>
+              </a:spcBef>
+            </a:pPr>
+            <a:endParaRPr lang="en-US" b="1" spc="-254" dirty="0">
+              <a:latin typeface="Diagramm"/>
+              <a:cs typeface="Diagramm"/>
+            </a:endParaRPr>
+          </a:p>
+          <a:p>
+            <a:pPr marL="12700">
+              <a:lnSpc>
+                <a:spcPct val="150000"/>
+              </a:lnSpc>
+              <a:spcBef>
+                <a:spcPts val="120"/>
+              </a:spcBef>
+            </a:pPr>
+            <a:r>
+              <a:rPr lang="en-US" sz="4000" spc="-254" dirty="0">
+                <a:latin typeface="Diagramm"/>
+                <a:cs typeface="Diagramm"/>
+              </a:rPr>
+              <a:t>Goal: Split 2D tracking data of keypoints for each camera when  the position of one point moves. The resulting segments containing constant keypoint positions from the camera’s perspective are used to generate a series of projection matrices for that perspective, which will be used during triangulation for an online/continuously updated 3D transformation.</a:t>
+            </a:r>
+          </a:p>
+          <a:p>
+            <a:pPr marL="12700">
+              <a:lnSpc>
+                <a:spcPct val="150000"/>
+              </a:lnSpc>
+              <a:spcBef>
+                <a:spcPts val="120"/>
+              </a:spcBef>
+            </a:pPr>
+            <a:endParaRPr lang="en-US" sz="4000" spc="-254" dirty="0">
+              <a:latin typeface="Diagramm"/>
+              <a:cs typeface="Diagramm"/>
+            </a:endParaRPr>
+          </a:p>
+          <a:p>
+            <a:pPr marL="12700">
+              <a:lnSpc>
+                <a:spcPct val="100000"/>
+              </a:lnSpc>
+              <a:spcBef>
+                <a:spcPts val="120"/>
+              </a:spcBef>
+            </a:pPr>
+            <a:endParaRPr lang="en-US" sz="4000" b="1" spc="-254" dirty="0">
+              <a:latin typeface="Diagramm"/>
+              <a:cs typeface="Diagramm"/>
+            </a:endParaRPr>
+          </a:p>
+        </p:txBody>
+      </p:sp>
+      <p:sp>
+        <p:nvSpPr>
+          <p:cNvPr id="7" name="object 4">
+            <a:extLst>
+              <a:ext uri="{FF2B5EF4-FFF2-40B4-BE49-F238E27FC236}">
+                <a16:creationId xmlns:a16="http://schemas.microsoft.com/office/drawing/2014/main" id="{499D3297-56CD-5700-363A-7B6A4F0CB2D9}"/>
+              </a:ext>
+            </a:extLst>
+          </p:cNvPr>
+          <p:cNvSpPr txBox="1">
+            <a:spLocks noGrp="1"/>
+          </p:cNvSpPr>
+          <p:nvPr>
+            <p:ph type="title"/>
+          </p:nvPr>
+        </p:nvSpPr>
+        <p:spPr>
+          <a:xfrm>
+            <a:off x="492946" y="382194"/>
+            <a:ext cx="19118207" cy="1031240"/>
+          </a:xfrm>
+          <a:prstGeom prst="rect">
+            <a:avLst/>
+          </a:prstGeom>
+        </p:spPr>
+        <p:txBody>
+          <a:bodyPr vert="horz" wrap="square" lIns="0" tIns="12065" rIns="0" bIns="0" rtlCol="0">
+            <a:spAutoFit/>
+          </a:bodyPr>
+          <a:lstStyle/>
+          <a:p>
+            <a:pPr marL="12799060">
+              <a:lnSpc>
+                <a:spcPts val="3960"/>
+              </a:lnSpc>
+              <a:spcBef>
+                <a:spcPts val="95"/>
+              </a:spcBef>
+            </a:pPr>
+            <a:r>
+              <a:rPr lang="en-US" kern="0" spc="-5" dirty="0"/>
+              <a:t>Weighted Least Squares Estimation </a:t>
+            </a:r>
+            <a:br>
+              <a:rPr lang="en-US" kern="0" spc="-5" dirty="0"/>
+            </a:br>
+            <a:r>
+              <a:rPr lang="en-US" b="0" kern="0" spc="-5" dirty="0"/>
+              <a:t>3D Body Part Trajectories</a:t>
+            </a:r>
+            <a:endParaRPr lang="en-US" b="0" kern="0" spc="-10" dirty="0">
+              <a:latin typeface="Diagramm Light"/>
+              <a:cs typeface="Diagramm Light"/>
+            </a:endParaRPr>
+          </a:p>
+        </p:txBody>
+      </p:sp>
+      <p:sp>
+        <p:nvSpPr>
+          <p:cNvPr id="6" name="object 3">
+            <a:extLst>
+              <a:ext uri="{FF2B5EF4-FFF2-40B4-BE49-F238E27FC236}">
+                <a16:creationId xmlns:a16="http://schemas.microsoft.com/office/drawing/2014/main" id="{C6EC7CD5-1E52-90BB-D73D-AA9110297B4A}"/>
+              </a:ext>
+            </a:extLst>
+          </p:cNvPr>
+          <p:cNvSpPr txBox="1">
+            <a:spLocks noGrp="1" noRot="1" noMove="1" noResize="1" noEditPoints="1" noAdjustHandles="1" noChangeArrowheads="1" noChangeShapeType="1"/>
+          </p:cNvSpPr>
+          <p:nvPr/>
+        </p:nvSpPr>
+        <p:spPr>
+          <a:xfrm>
+            <a:off x="492946" y="382194"/>
+            <a:ext cx="11506200" cy="630942"/>
+          </a:xfrm>
+          <a:prstGeom prst="rect">
+            <a:avLst/>
+          </a:prstGeom>
+        </p:spPr>
+        <p:txBody>
+          <a:bodyPr vert="horz" wrap="square" lIns="0" tIns="15240" rIns="0" bIns="0" rtlCol="0">
+            <a:spAutoFit/>
+          </a:bodyPr>
+          <a:lstStyle/>
+          <a:p>
+            <a:pPr marL="12700">
+              <a:lnSpc>
+                <a:spcPct val="100000"/>
+              </a:lnSpc>
+              <a:spcBef>
+                <a:spcPts val="120"/>
+              </a:spcBef>
+            </a:pPr>
+            <a:r>
+              <a:rPr lang="en-US" sz="4000" b="1" spc="-254" dirty="0">
+                <a:latin typeface="Diagramm"/>
+                <a:cs typeface="Diagramm"/>
+              </a:rPr>
+              <a:t>TASK 1  —  2D Pose &amp; Keypoint Tracking, Mark Events </a:t>
+            </a:r>
+          </a:p>
+        </p:txBody>
+      </p:sp>
+    </p:spTree>
+    <p:extLst>
+      <p:ext uri="{BB962C8B-B14F-4D97-AF65-F5344CB8AC3E}">
+        <p14:creationId xmlns:p14="http://schemas.microsoft.com/office/powerpoint/2010/main" val="2670039150"/>
+      </p:ext>
+    </p:extLst>
+  </p:cSld>
+  <p:clrMapOvr>
+    <a:masterClrMapping/>
+  </p:clrMapOvr>
+</p:sld>
+</file>
+
+<file path=ppt/slides/slide18.xml><?xml version="1.0" encoding="utf-8"?>
+<p:sld xmlns:a="http://schemas.openxmlformats.org/drawingml/2006/main" xmlns:r="http://schemas.openxmlformats.org/officeDocument/2006/relationships" xmlns:p="http://schemas.openxmlformats.org/presentationml/2006/main">
+  <p:cSld>
+    <p:spTree>
+      <p:nvGrpSpPr>
+        <p:cNvPr id="1" name=""/>
+        <p:cNvGrpSpPr/>
+        <p:nvPr/>
+      </p:nvGrpSpPr>
+      <p:grpSpPr>
+        <a:xfrm>
+          <a:off x="0" y="0"/>
+          <a:ext cx="0" cy="0"/>
+          <a:chOff x="0" y="0"/>
+          <a:chExt cx="0" cy="0"/>
+        </a:xfrm>
+      </p:grpSpPr>
+      <p:pic>
+        <p:nvPicPr>
+          <p:cNvPr id="2" name="object 2"/>
+          <p:cNvPicPr>
+            <a:picLocks noGrp="1" noRot="1" noMove="1" noResize="1" noEditPoints="1" noAdjustHandles="1" noChangeArrowheads="1" noChangeShapeType="1" noCrop="1"/>
+          </p:cNvPicPr>
+          <p:nvPr/>
+        </p:nvPicPr>
+        <p:blipFill>
+          <a:blip r:embed="rId2" cstate="print"/>
+          <a:stretch>
+            <a:fillRect/>
+          </a:stretch>
+        </p:blipFill>
+        <p:spPr>
+          <a:xfrm>
+            <a:off x="0" y="0"/>
+            <a:ext cx="20104100" cy="11277143"/>
+          </a:xfrm>
+          <a:prstGeom prst="rect">
+            <a:avLst/>
+          </a:prstGeom>
+        </p:spPr>
+      </p:pic>
+      <p:sp>
+        <p:nvSpPr>
+          <p:cNvPr id="7" name="object 4">
+            <a:extLst>
+              <a:ext uri="{FF2B5EF4-FFF2-40B4-BE49-F238E27FC236}">
+                <a16:creationId xmlns:a16="http://schemas.microsoft.com/office/drawing/2014/main" id="{499D3297-56CD-5700-363A-7B6A4F0CB2D9}"/>
+              </a:ext>
+            </a:extLst>
+          </p:cNvPr>
+          <p:cNvSpPr txBox="1">
+            <a:spLocks noGrp="1"/>
+          </p:cNvSpPr>
+          <p:nvPr>
+            <p:ph type="title"/>
+          </p:nvPr>
+        </p:nvSpPr>
+        <p:spPr>
+          <a:xfrm>
+            <a:off x="492946" y="382194"/>
+            <a:ext cx="19118207" cy="1031240"/>
+          </a:xfrm>
+          <a:prstGeom prst="rect">
+            <a:avLst/>
+          </a:prstGeom>
+        </p:spPr>
+        <p:txBody>
+          <a:bodyPr vert="horz" wrap="square" lIns="0" tIns="12065" rIns="0" bIns="0" rtlCol="0">
+            <a:spAutoFit/>
+          </a:bodyPr>
+          <a:lstStyle/>
+          <a:p>
+            <a:pPr marL="12799060">
+              <a:lnSpc>
+                <a:spcPts val="3960"/>
+              </a:lnSpc>
+              <a:spcBef>
+                <a:spcPts val="95"/>
+              </a:spcBef>
+            </a:pPr>
+            <a:r>
+              <a:rPr lang="en-US" kern="0" spc="-5" dirty="0"/>
+              <a:t>Weighted Least Squares Estimation </a:t>
+            </a:r>
+            <a:br>
+              <a:rPr lang="en-US" kern="0" spc="-5" dirty="0"/>
+            </a:br>
+            <a:r>
+              <a:rPr lang="en-US" b="0" kern="0" spc="-5" dirty="0"/>
+              <a:t>3D Body Part Trajectories</a:t>
+            </a:r>
+            <a:endParaRPr lang="en-US" b="0" kern="0" spc="-10" dirty="0">
+              <a:latin typeface="Diagramm Light"/>
+              <a:cs typeface="Diagramm Light"/>
+            </a:endParaRPr>
+          </a:p>
+        </p:txBody>
+      </p:sp>
+      <p:sp>
+        <p:nvSpPr>
+          <p:cNvPr id="6" name="object 3">
+            <a:extLst>
+              <a:ext uri="{FF2B5EF4-FFF2-40B4-BE49-F238E27FC236}">
+                <a16:creationId xmlns:a16="http://schemas.microsoft.com/office/drawing/2014/main" id="{C6EC7CD5-1E52-90BB-D73D-AA9110297B4A}"/>
+              </a:ext>
+            </a:extLst>
+          </p:cNvPr>
+          <p:cNvSpPr txBox="1">
+            <a:spLocks noGrp="1" noRot="1" noMove="1" noResize="1" noEditPoints="1" noAdjustHandles="1" noChangeArrowheads="1" noChangeShapeType="1"/>
+          </p:cNvSpPr>
+          <p:nvPr/>
+        </p:nvSpPr>
+        <p:spPr>
+          <a:xfrm>
+            <a:off x="492946" y="382194"/>
+            <a:ext cx="11506200" cy="630942"/>
+          </a:xfrm>
+          <a:prstGeom prst="rect">
+            <a:avLst/>
+          </a:prstGeom>
+        </p:spPr>
+        <p:txBody>
+          <a:bodyPr vert="horz" wrap="square" lIns="0" tIns="15240" rIns="0" bIns="0" rtlCol="0">
+            <a:spAutoFit/>
+          </a:bodyPr>
+          <a:lstStyle/>
+          <a:p>
+            <a:pPr marL="12700">
+              <a:lnSpc>
+                <a:spcPct val="100000"/>
+              </a:lnSpc>
+              <a:spcBef>
+                <a:spcPts val="120"/>
+              </a:spcBef>
+            </a:pPr>
+            <a:r>
+              <a:rPr lang="en-US" sz="4000" b="1" spc="-254" dirty="0">
+                <a:latin typeface="Diagramm"/>
+                <a:cs typeface="Diagramm"/>
+              </a:rPr>
+              <a:t>TASK 1  —  2D Pose &amp; Keypoint Tracking, Mark Events </a:t>
+            </a:r>
+          </a:p>
+        </p:txBody>
+      </p:sp>
+      <p:sp>
+        <p:nvSpPr>
+          <p:cNvPr id="4" name="object 3">
+            <a:extLst>
+              <a:ext uri="{FF2B5EF4-FFF2-40B4-BE49-F238E27FC236}">
+                <a16:creationId xmlns:a16="http://schemas.microsoft.com/office/drawing/2014/main" id="{26028112-1D18-1F8C-4742-EA85EB41FB39}"/>
+              </a:ext>
+            </a:extLst>
+          </p:cNvPr>
+          <p:cNvSpPr txBox="1"/>
+          <p:nvPr/>
+        </p:nvSpPr>
+        <p:spPr>
+          <a:xfrm>
+            <a:off x="492946" y="2759075"/>
+            <a:ext cx="18931704" cy="4639732"/>
+          </a:xfrm>
+          <a:prstGeom prst="rect">
+            <a:avLst/>
+          </a:prstGeom>
+        </p:spPr>
+        <p:txBody>
+          <a:bodyPr vert="horz" wrap="square" lIns="0" tIns="15240" rIns="0" bIns="0" rtlCol="0">
+            <a:spAutoFit/>
+          </a:bodyPr>
+          <a:lstStyle/>
+          <a:p>
+            <a:pPr marL="12700">
+              <a:lnSpc>
+                <a:spcPct val="100000"/>
+              </a:lnSpc>
+              <a:spcBef>
+                <a:spcPts val="120"/>
+              </a:spcBef>
+            </a:pPr>
+            <a:r>
+              <a:rPr lang="en-US" sz="6000" b="1" spc="-254" dirty="0">
+                <a:latin typeface="Diagramm"/>
+                <a:cs typeface="Diagramm"/>
+              </a:rPr>
+              <a:t>DLC Model Retrain for Keypoint Analysis</a:t>
+            </a:r>
+          </a:p>
+          <a:p>
+            <a:pPr marL="12700">
+              <a:lnSpc>
+                <a:spcPct val="100000"/>
+              </a:lnSpc>
+              <a:spcBef>
+                <a:spcPts val="120"/>
+              </a:spcBef>
+            </a:pPr>
+            <a:endParaRPr lang="en-US" b="1" spc="-254" dirty="0">
+              <a:latin typeface="Diagramm"/>
+              <a:cs typeface="Diagramm"/>
+            </a:endParaRPr>
+          </a:p>
+          <a:p>
+            <a:pPr marL="12700">
+              <a:lnSpc>
+                <a:spcPct val="150000"/>
+              </a:lnSpc>
+              <a:spcBef>
+                <a:spcPts val="120"/>
+              </a:spcBef>
+            </a:pPr>
+            <a:r>
+              <a:rPr lang="en-US" sz="4000" spc="-254" dirty="0">
+                <a:latin typeface="Diagramm"/>
+                <a:cs typeface="Diagramm"/>
+              </a:rPr>
+              <a:t>Retraining the DLC model to track multiple fixed keypoints such as the vertices of the NHP enclosure enable the online updating of the 3D transformation used in triangulation of multiple 2D trajectories into a common 3D space referenced to said enclosure.</a:t>
+            </a:r>
+          </a:p>
+          <a:p>
+            <a:pPr marL="12700">
+              <a:lnSpc>
+                <a:spcPct val="100000"/>
+              </a:lnSpc>
+              <a:spcBef>
+                <a:spcPts val="120"/>
+              </a:spcBef>
+            </a:pPr>
+            <a:endParaRPr lang="en-US" sz="4000" b="1" spc="-254" dirty="0">
+              <a:latin typeface="Diagramm"/>
+              <a:cs typeface="Diagramm"/>
+            </a:endParaRPr>
+          </a:p>
+        </p:txBody>
+      </p:sp>
+    </p:spTree>
+    <p:extLst>
+      <p:ext uri="{BB962C8B-B14F-4D97-AF65-F5344CB8AC3E}">
+        <p14:creationId xmlns:p14="http://schemas.microsoft.com/office/powerpoint/2010/main" val="3280887956"/>
+      </p:ext>
+    </p:extLst>
+  </p:cSld>
+  <p:clrMapOvr>
+    <a:masterClrMapping/>
+  </p:clrMapOvr>
+</p:sld>
+</file>
+
+<file path=ppt/slides/slide19.xml><?xml version="1.0" encoding="utf-8"?>
+<p:sld xmlns:a="http://schemas.openxmlformats.org/drawingml/2006/main" xmlns:r="http://schemas.openxmlformats.org/officeDocument/2006/relationships" xmlns:p="http://schemas.openxmlformats.org/presentationml/2006/main">
+  <p:cSld>
+    <p:spTree>
+      <p:nvGrpSpPr>
+        <p:cNvPr id="1" name=""/>
+        <p:cNvGrpSpPr/>
+        <p:nvPr/>
+      </p:nvGrpSpPr>
+      <p:grpSpPr>
+        <a:xfrm>
+          <a:off x="0" y="0"/>
+          <a:ext cx="0" cy="0"/>
+          <a:chOff x="0" y="0"/>
+          <a:chExt cx="0" cy="0"/>
+        </a:xfrm>
+      </p:grpSpPr>
+      <p:pic>
+        <p:nvPicPr>
+          <p:cNvPr id="2" name="object 2"/>
+          <p:cNvPicPr>
+            <a:picLocks noGrp="1" noRot="1" noMove="1" noResize="1" noEditPoints="1" noAdjustHandles="1" noChangeArrowheads="1" noChangeShapeType="1" noCrop="1"/>
+          </p:cNvPicPr>
+          <p:nvPr/>
+        </p:nvPicPr>
+        <p:blipFill>
+          <a:blip r:embed="rId2" cstate="print"/>
+          <a:stretch>
+            <a:fillRect/>
+          </a:stretch>
+        </p:blipFill>
+        <p:spPr>
+          <a:xfrm>
+            <a:off x="0" y="0"/>
+            <a:ext cx="20104100" cy="11277143"/>
+          </a:xfrm>
+          <a:prstGeom prst="rect">
+            <a:avLst/>
+          </a:prstGeom>
+        </p:spPr>
+      </p:pic>
+      <p:sp>
+        <p:nvSpPr>
+          <p:cNvPr id="7" name="object 4">
+            <a:extLst>
+              <a:ext uri="{FF2B5EF4-FFF2-40B4-BE49-F238E27FC236}">
+                <a16:creationId xmlns:a16="http://schemas.microsoft.com/office/drawing/2014/main" id="{499D3297-56CD-5700-363A-7B6A4F0CB2D9}"/>
+              </a:ext>
+            </a:extLst>
+          </p:cNvPr>
+          <p:cNvSpPr txBox="1">
+            <a:spLocks noGrp="1"/>
+          </p:cNvSpPr>
+          <p:nvPr>
+            <p:ph type="title"/>
+          </p:nvPr>
+        </p:nvSpPr>
+        <p:spPr>
+          <a:xfrm>
+            <a:off x="492946" y="382194"/>
+            <a:ext cx="19118207" cy="1031240"/>
+          </a:xfrm>
+          <a:prstGeom prst="rect">
+            <a:avLst/>
+          </a:prstGeom>
+        </p:spPr>
+        <p:txBody>
+          <a:bodyPr vert="horz" wrap="square" lIns="0" tIns="12065" rIns="0" bIns="0" rtlCol="0">
+            <a:spAutoFit/>
+          </a:bodyPr>
+          <a:lstStyle/>
+          <a:p>
+            <a:pPr marL="12799060">
+              <a:lnSpc>
+                <a:spcPts val="3960"/>
+              </a:lnSpc>
+              <a:spcBef>
+                <a:spcPts val="95"/>
+              </a:spcBef>
+            </a:pPr>
+            <a:r>
+              <a:rPr lang="en-US" kern="0" spc="-5" dirty="0"/>
+              <a:t>Weighted Least Squares Estimation </a:t>
+            </a:r>
+            <a:br>
+              <a:rPr lang="en-US" kern="0" spc="-5" dirty="0"/>
+            </a:br>
+            <a:r>
+              <a:rPr lang="en-US" b="0" kern="0" spc="-5" dirty="0"/>
+              <a:t>3D Body Part Trajectories</a:t>
+            </a:r>
+            <a:endParaRPr lang="en-US" b="0" kern="0" spc="-10" dirty="0">
+              <a:latin typeface="Diagramm Light"/>
+              <a:cs typeface="Diagramm Light"/>
+            </a:endParaRPr>
+          </a:p>
+        </p:txBody>
+      </p:sp>
       <p:sp>
         <p:nvSpPr>
           <p:cNvPr id="6" name="object 3">
@@ -3337,7 +4445,171 @@
 </p:sld>
 </file>
 
-<file path=ppt/slides/slide15.xml><?xml version="1.0" encoding="utf-8"?>
+<file path=ppt/slides/slide2.xml><?xml version="1.0" encoding="utf-8"?>
+<p:sld xmlns:a="http://schemas.openxmlformats.org/drawingml/2006/main" xmlns:r="http://schemas.openxmlformats.org/officeDocument/2006/relationships" xmlns:p="http://schemas.openxmlformats.org/presentationml/2006/main" showMasterSp="0">
+  <p:cSld>
+    <p:spTree>
+      <p:nvGrpSpPr>
+        <p:cNvPr id="1" name=""/>
+        <p:cNvGrpSpPr/>
+        <p:nvPr/>
+      </p:nvGrpSpPr>
+      <p:grpSpPr>
+        <a:xfrm>
+          <a:off x="0" y="0"/>
+          <a:ext cx="0" cy="0"/>
+          <a:chOff x="0" y="0"/>
+          <a:chExt cx="0" cy="0"/>
+        </a:xfrm>
+      </p:grpSpPr>
+      <p:pic>
+        <p:nvPicPr>
+          <p:cNvPr id="2" name="object 2"/>
+          <p:cNvPicPr>
+            <a:picLocks noGrp="1" noRot="1" noMove="1" noResize="1" noEditPoints="1" noAdjustHandles="1" noChangeArrowheads="1" noChangeShapeType="1" noCrop="1"/>
+          </p:cNvPicPr>
+          <p:nvPr/>
+        </p:nvPicPr>
+        <p:blipFill>
+          <a:blip r:embed="rId2" cstate="print"/>
+          <a:stretch>
+            <a:fillRect/>
+          </a:stretch>
+        </p:blipFill>
+        <p:spPr>
+          <a:xfrm>
+            <a:off x="0" y="0"/>
+            <a:ext cx="20104100" cy="11308556"/>
+          </a:xfrm>
+          <a:prstGeom prst="rect">
+            <a:avLst/>
+          </a:prstGeom>
+        </p:spPr>
+      </p:pic>
+      <p:sp>
+        <p:nvSpPr>
+          <p:cNvPr id="3" name="object 3"/>
+          <p:cNvSpPr txBox="1"/>
+          <p:nvPr/>
+        </p:nvSpPr>
+        <p:spPr>
+          <a:xfrm>
+            <a:off x="3947850" y="4920431"/>
+            <a:ext cx="12190095" cy="1030605"/>
+          </a:xfrm>
+          <a:prstGeom prst="rect">
+            <a:avLst/>
+          </a:prstGeom>
+        </p:spPr>
+        <p:txBody>
+          <a:bodyPr vert="horz" wrap="square" lIns="0" tIns="12065" rIns="0" bIns="0" rtlCol="0">
+            <a:spAutoFit/>
+          </a:bodyPr>
+          <a:lstStyle/>
+          <a:p>
+            <a:pPr marL="12700" algn="ctr">
+              <a:lnSpc>
+                <a:spcPct val="100000"/>
+              </a:lnSpc>
+              <a:spcBef>
+                <a:spcPts val="95"/>
+              </a:spcBef>
+            </a:pPr>
+            <a:r>
+              <a:rPr lang="en-US" sz="6600" b="1" dirty="0">
+                <a:solidFill>
+                  <a:schemeClr val="bg1"/>
+                </a:solidFill>
+                <a:latin typeface="Diagramm Bold"/>
+                <a:cs typeface="Diagramm Bold"/>
+              </a:rPr>
+              <a:t>OLD FORMULAS</a:t>
+            </a:r>
+            <a:endParaRPr sz="6600" b="1" dirty="0">
+              <a:solidFill>
+                <a:schemeClr val="bg1"/>
+              </a:solidFill>
+              <a:latin typeface="Diagramm Bold"/>
+              <a:cs typeface="Diagramm Bold"/>
+            </a:endParaRPr>
+          </a:p>
+        </p:txBody>
+      </p:sp>
+      <p:sp>
+        <p:nvSpPr>
+          <p:cNvPr id="4" name="object 4"/>
+          <p:cNvSpPr txBox="1">
+            <a:spLocks noGrp="1"/>
+          </p:cNvSpPr>
+          <p:nvPr>
+            <p:ph type="ctrTitle"/>
+          </p:nvPr>
+        </p:nvSpPr>
+        <p:spPr>
+          <a:xfrm>
+            <a:off x="492946" y="382194"/>
+            <a:ext cx="19118207" cy="1021562"/>
+          </a:xfrm>
+          <a:prstGeom prst="rect">
+            <a:avLst/>
+          </a:prstGeom>
+        </p:spPr>
+        <p:txBody>
+          <a:bodyPr vert="horz" wrap="square" lIns="0" tIns="12065" rIns="0" bIns="0" rtlCol="0">
+            <a:spAutoFit/>
+          </a:bodyPr>
+          <a:lstStyle/>
+          <a:p>
+            <a:pPr marL="12799060">
+              <a:lnSpc>
+                <a:spcPts val="3960"/>
+              </a:lnSpc>
+              <a:spcBef>
+                <a:spcPts val="95"/>
+              </a:spcBef>
+            </a:pPr>
+            <a:r>
+              <a:rPr lang="en-US" spc="-5" dirty="0">
+                <a:solidFill>
+                  <a:schemeClr val="bg1"/>
+                </a:solidFill>
+              </a:rPr>
+              <a:t>Weighted Least Squares Estimation </a:t>
+            </a:r>
+            <a:br>
+              <a:rPr lang="en-US" spc="-5" dirty="0">
+                <a:solidFill>
+                  <a:schemeClr val="bg1"/>
+                </a:solidFill>
+              </a:rPr>
+            </a:br>
+            <a:r>
+              <a:rPr lang="en-US" b="0" spc="-5" dirty="0">
+                <a:solidFill>
+                  <a:schemeClr val="bg1"/>
+                </a:solidFill>
+              </a:rPr>
+              <a:t>3D Body Part Trajectories</a:t>
+            </a:r>
+            <a:endParaRPr lang="en-US" b="0" spc="-10" dirty="0">
+              <a:solidFill>
+                <a:schemeClr val="bg1"/>
+              </a:solidFill>
+              <a:latin typeface="Diagramm Light"/>
+              <a:cs typeface="Diagramm Light"/>
+            </a:endParaRPr>
+          </a:p>
+        </p:txBody>
+      </p:sp>
+    </p:spTree>
+  </p:cSld>
+  <p:clrMapOvr>
+    <a:masterClrMapping/>
+  </p:clrMapOvr>
+</p:sld>
+</file>
+
+<file path=ppt/slides/slide20.xml><?xml version="1.0" encoding="utf-8"?>
 <p:sld xmlns:a="http://schemas.openxmlformats.org/drawingml/2006/main" xmlns:r="http://schemas.openxmlformats.org/officeDocument/2006/relationships" xmlns:p="http://schemas.openxmlformats.org/presentationml/2006/main">
   <p:cSld>
     <p:spTree>
@@ -3652,7 +4924,7 @@
           <p:spPr>
             <a:xfrm>
               <a:off x="833645" y="4152458"/>
-              <a:ext cx="4458105" cy="3922763"/>
+              <a:ext cx="4458105" cy="3483417"/>
             </a:xfrm>
             <a:prstGeom prst="rect">
               <a:avLst/>
@@ -4146,7 +5418,7 @@
               <a:extLst>
                 <a:ext uri="{BEBA8EAE-BF5A-486C-A8C5-ECC9F3942E4B}">
                   <a14:imgProps xmlns:a14="http://schemas.microsoft.com/office/drawing/2010/main">
-                    <a14:imgLayer r:embed="rId9">
+                    <a14:imgLayer r:embed="rId7">
                       <a14:imgEffect>
                         <a14:saturation sat="300000"/>
                       </a14:imgEffect>
@@ -4341,7 +5613,7 @@
           <p:nvPr/>
         </p:nvPicPr>
         <p:blipFill>
-          <a:blip r:embed="rId10">
+          <a:blip r:embed="rId9">
             <a:extLst>
               <a:ext uri="{28A0092B-C50C-407E-A947-70E740481C1C}">
                 <a14:useLocalDpi xmlns:a14="http://schemas.microsoft.com/office/drawing/2010/main" val="0"/>
@@ -4354,8 +5626,8 @@
         </p:blipFill>
         <p:spPr>
           <a:xfrm>
-            <a:off x="7581899" y="4710265"/>
-            <a:ext cx="4852061" cy="3435931"/>
+            <a:off x="7581899" y="4685859"/>
+            <a:ext cx="4852061" cy="3460338"/>
           </a:xfrm>
           <a:prstGeom prst="rect">
             <a:avLst/>
@@ -4375,7 +5647,7 @@
 </p:sld>
 </file>
 
-<file path=ppt/slides/slide16.xml><?xml version="1.0" encoding="utf-8"?>
+<file path=ppt/slides/slide21.xml><?xml version="1.0" encoding="utf-8"?>
 <p:sld xmlns:a="http://schemas.openxmlformats.org/drawingml/2006/main" xmlns:r="http://schemas.openxmlformats.org/officeDocument/2006/relationships" xmlns:p="http://schemas.openxmlformats.org/presentationml/2006/main">
   <p:cSld>
     <p:spTree>
@@ -4852,7 +6124,7 @@
               <a:extLst>
                 <a:ext uri="{BEBA8EAE-BF5A-486C-A8C5-ECC9F3942E4B}">
                   <a14:imgProps xmlns:a14="http://schemas.microsoft.com/office/drawing/2010/main">
-                    <a14:imgLayer r:embed="rId5">
+                    <a14:imgLayer r:embed="rId7">
                       <a14:imgEffect>
                         <a14:saturation sat="300000"/>
                       </a14:imgEffect>
@@ -4941,7 +6213,52 @@
           <p:nvPr/>
         </p:nvPicPr>
         <p:blipFill>
-          <a:blip r:embed="rId7" cstate="print">
+          <a:blip r:embed="rId8" cstate="print">
+            <a:grayscl/>
+            <a:alphaModFix amt="35000"/>
+            <a:extLst>
+              <a:ext uri="{BEBA8EAE-BF5A-486C-A8C5-ECC9F3942E4B}">
+                <a14:imgProps xmlns:a14="http://schemas.microsoft.com/office/drawing/2010/main">
+                  <a14:imgLayer r:embed="rId9">
+                    <a14:imgEffect>
+                      <a14:colorTemperature colorTemp="11200"/>
+                    </a14:imgEffect>
+                    <a14:imgEffect>
+                      <a14:saturation sat="300000"/>
+                    </a14:imgEffect>
+                  </a14:imgLayer>
+                </a14:imgProps>
+              </a:ext>
+            </a:extLst>
+          </a:blip>
+          <a:stretch>
+            <a:fillRect/>
+          </a:stretch>
+        </p:blipFill>
+        <p:spPr>
+          <a:xfrm>
+            <a:off x="6553662" y="2454275"/>
+            <a:ext cx="11083104" cy="2514600"/>
+          </a:xfrm>
+          <a:prstGeom prst="rect">
+            <a:avLst/>
+          </a:prstGeom>
+        </p:spPr>
+      </p:pic>
+      <p:pic>
+        <p:nvPicPr>
+          <p:cNvPr id="9" name="object 3">
+            <a:extLst>
+              <a:ext uri="{FF2B5EF4-FFF2-40B4-BE49-F238E27FC236}">
+                <a16:creationId xmlns:a16="http://schemas.microsoft.com/office/drawing/2014/main" id="{DD3A2CCF-6ABB-99B4-8CDB-8D84EE1DC124}"/>
+              </a:ext>
+            </a:extLst>
+          </p:cNvPr>
+          <p:cNvPicPr/>
+          <p:nvPr/>
+        </p:nvPicPr>
+        <p:blipFill>
+          <a:blip r:embed="rId8" cstate="print">
             <a:grayscl/>
             <a:alphaModFix amt="35000"/>
             <a:extLst>
@@ -4965,7 +6282,7 @@
         </p:blipFill>
         <p:spPr>
           <a:xfrm>
-            <a:off x="6553662" y="2454275"/>
+            <a:off x="6553662" y="5329267"/>
             <a:ext cx="11083104" cy="2514600"/>
           </a:xfrm>
           <a:prstGeom prst="rect">
@@ -4975,10 +6292,10 @@
       </p:pic>
       <p:pic>
         <p:nvPicPr>
-          <p:cNvPr id="9" name="object 3">
+          <p:cNvPr id="15" name="object 3">
             <a:extLst>
               <a:ext uri="{FF2B5EF4-FFF2-40B4-BE49-F238E27FC236}">
-                <a16:creationId xmlns:a16="http://schemas.microsoft.com/office/drawing/2014/main" id="{DD3A2CCF-6ABB-99B4-8CDB-8D84EE1DC124}"/>
+                <a16:creationId xmlns:a16="http://schemas.microsoft.com/office/drawing/2014/main" id="{AC945928-045E-0FF5-BADB-AEB552F3EA57}"/>
               </a:ext>
             </a:extLst>
           </p:cNvPr>
@@ -4986,7 +6303,97 @@
           <p:nvPr/>
         </p:nvPicPr>
         <p:blipFill>
-          <a:blip r:embed="rId7" cstate="print">
+          <a:blip r:embed="rId8" cstate="print">
+            <a:grayscl/>
+            <a:alphaModFix amt="35000"/>
+            <a:extLst>
+              <a:ext uri="{BEBA8EAE-BF5A-486C-A8C5-ECC9F3942E4B}">
+                <a14:imgProps xmlns:a14="http://schemas.microsoft.com/office/drawing/2010/main">
+                  <a14:imgLayer r:embed="rId9">
+                    <a14:imgEffect>
+                      <a14:colorTemperature colorTemp="11200"/>
+                    </a14:imgEffect>
+                    <a14:imgEffect>
+                      <a14:saturation sat="300000"/>
+                    </a14:imgEffect>
+                  </a14:imgLayer>
+                </a14:imgProps>
+              </a:ext>
+            </a:extLst>
+          </a:blip>
+          <a:stretch>
+            <a:fillRect/>
+          </a:stretch>
+        </p:blipFill>
+        <p:spPr>
+          <a:xfrm>
+            <a:off x="6553662" y="8337996"/>
+            <a:ext cx="11083104" cy="2514600"/>
+          </a:xfrm>
+          <a:prstGeom prst="rect">
+            <a:avLst/>
+          </a:prstGeom>
+        </p:spPr>
+      </p:pic>
+      <p:pic>
+        <p:nvPicPr>
+          <p:cNvPr id="19" name="object 3">
+            <a:extLst>
+              <a:ext uri="{FF2B5EF4-FFF2-40B4-BE49-F238E27FC236}">
+                <a16:creationId xmlns:a16="http://schemas.microsoft.com/office/drawing/2014/main" id="{EC3B11C2-F024-D6AB-2018-C2E79C6C5C73}"/>
+              </a:ext>
+            </a:extLst>
+          </p:cNvPr>
+          <p:cNvPicPr/>
+          <p:nvPr/>
+        </p:nvPicPr>
+        <p:blipFill>
+          <a:blip r:embed="rId8" cstate="print">
+            <a:grayscl/>
+            <a:alphaModFix amt="35000"/>
+            <a:extLst>
+              <a:ext uri="{BEBA8EAE-BF5A-486C-A8C5-ECC9F3942E4B}">
+                <a14:imgProps xmlns:a14="http://schemas.microsoft.com/office/drawing/2010/main">
+                  <a14:imgLayer r:embed="rId10">
+                    <a14:imgEffect>
+                      <a14:colorTemperature colorTemp="11200"/>
+                    </a14:imgEffect>
+                    <a14:imgEffect>
+                      <a14:saturation sat="300000"/>
+                    </a14:imgEffect>
+                  </a14:imgLayer>
+                </a14:imgProps>
+              </a:ext>
+            </a:extLst>
+          </a:blip>
+          <a:stretch>
+            <a:fillRect/>
+          </a:stretch>
+        </p:blipFill>
+        <p:spPr>
+          <a:xfrm>
+            <a:off x="7842250" y="2467710"/>
+            <a:ext cx="2916186" cy="2514600"/>
+          </a:xfrm>
+          <a:prstGeom prst="rect">
+            <a:avLst/>
+          </a:prstGeom>
+        </p:spPr>
+      </p:pic>
+      <p:pic>
+        <p:nvPicPr>
+          <p:cNvPr id="23" name="object 3">
+            <a:extLst>
+              <a:ext uri="{FF2B5EF4-FFF2-40B4-BE49-F238E27FC236}">
+                <a16:creationId xmlns:a16="http://schemas.microsoft.com/office/drawing/2014/main" id="{C957A6FB-0029-1EEE-69F5-94735361A9E3}"/>
+              </a:ext>
+            </a:extLst>
+          </p:cNvPr>
+          <p:cNvPicPr/>
+          <p:nvPr/>
+        </p:nvPicPr>
+        <p:blipFill>
+          <a:blip r:embed="rId8" cstate="print">
             <a:grayscl/>
             <a:alphaModFix amt="35000"/>
             <a:extLst>
@@ -5010,20 +6417,141 @@
         </p:blipFill>
         <p:spPr>
           <a:xfrm>
-            <a:off x="6553662" y="5329267"/>
-            <a:ext cx="11083104" cy="2514600"/>
+            <a:off x="13100050" y="2449914"/>
+            <a:ext cx="2916186" cy="2514600"/>
           </a:xfrm>
           <a:prstGeom prst="rect">
             <a:avLst/>
           </a:prstGeom>
         </p:spPr>
       </p:pic>
+      <p:sp>
+        <p:nvSpPr>
+          <p:cNvPr id="24" name="object 3">
+            <a:extLst>
+              <a:ext uri="{FF2B5EF4-FFF2-40B4-BE49-F238E27FC236}">
+                <a16:creationId xmlns:a16="http://schemas.microsoft.com/office/drawing/2014/main" id="{0B47A05E-EB51-6B7F-46CC-E6C65213D626}"/>
+              </a:ext>
+            </a:extLst>
+          </p:cNvPr>
+          <p:cNvSpPr txBox="1"/>
+          <p:nvPr/>
+        </p:nvSpPr>
+        <p:spPr>
+          <a:xfrm>
+            <a:off x="7842251" y="2632780"/>
+            <a:ext cx="2916186" cy="1862048"/>
+          </a:xfrm>
+          <a:prstGeom prst="rect">
+            <a:avLst/>
+          </a:prstGeom>
+        </p:spPr>
+        <p:txBody>
+          <a:bodyPr vert="horz" wrap="square" lIns="0" tIns="15240" rIns="0" bIns="0" rtlCol="0">
+            <a:spAutoFit/>
+          </a:bodyPr>
+          <a:lstStyle/>
+          <a:p>
+            <a:pPr marL="12700">
+              <a:lnSpc>
+                <a:spcPct val="100000"/>
+              </a:lnSpc>
+              <a:spcBef>
+                <a:spcPts val="120"/>
+              </a:spcBef>
+            </a:pPr>
+            <a:r>
+              <a:rPr lang="en-US" sz="1200" b="1" spc="-254" dirty="0">
+                <a:latin typeface="Diagramm"/>
+                <a:cs typeface="Diagramm"/>
+              </a:rPr>
+              <a:t>                      </a:t>
+            </a:r>
+            <a:r>
+              <a:rPr lang="en-US" sz="6000" b="1" spc="-254" dirty="0">
+                <a:latin typeface="Diagramm"/>
+                <a:cs typeface="Diagramm"/>
+              </a:rPr>
+              <a:t>File Preview</a:t>
+            </a:r>
+          </a:p>
+        </p:txBody>
+      </p:sp>
+      <p:sp>
+        <p:nvSpPr>
+          <p:cNvPr id="25" name="object 3">
+            <a:extLst>
+              <a:ext uri="{FF2B5EF4-FFF2-40B4-BE49-F238E27FC236}">
+                <a16:creationId xmlns:a16="http://schemas.microsoft.com/office/drawing/2014/main" id="{448B2FA3-7B1B-EC51-65BF-2857BE8BD3E1}"/>
+              </a:ext>
+            </a:extLst>
+          </p:cNvPr>
+          <p:cNvSpPr txBox="1"/>
+          <p:nvPr/>
+        </p:nvSpPr>
+        <p:spPr>
+          <a:xfrm>
+            <a:off x="13100050" y="2632780"/>
+            <a:ext cx="2916186" cy="1874872"/>
+          </a:xfrm>
+          <a:prstGeom prst="rect">
+            <a:avLst/>
+          </a:prstGeom>
+        </p:spPr>
+        <p:txBody>
+          <a:bodyPr vert="horz" wrap="square" lIns="0" tIns="15240" rIns="0" bIns="0" rtlCol="0">
+            <a:spAutoFit/>
+          </a:bodyPr>
+          <a:lstStyle/>
+          <a:p>
+            <a:pPr marL="12700">
+              <a:lnSpc>
+                <a:spcPct val="100000"/>
+              </a:lnSpc>
+              <a:spcBef>
+                <a:spcPts val="120"/>
+              </a:spcBef>
+            </a:pPr>
+            <a:r>
+              <a:rPr lang="en-US" sz="1200" b="1" spc="-254" dirty="0">
+                <a:latin typeface="Diagramm"/>
+                <a:cs typeface="Diagramm"/>
+              </a:rPr>
+              <a:t>                      </a:t>
+            </a:r>
+            <a:r>
+              <a:rPr lang="en-US" sz="6000" b="1" spc="-254" dirty="0">
+                <a:latin typeface="Diagramm"/>
+                <a:cs typeface="Diagramm"/>
+              </a:rPr>
+              <a:t>Plot</a:t>
+            </a:r>
+          </a:p>
+          <a:p>
+            <a:pPr marL="12700">
+              <a:lnSpc>
+                <a:spcPct val="100000"/>
+              </a:lnSpc>
+              <a:spcBef>
+                <a:spcPts val="120"/>
+              </a:spcBef>
+            </a:pPr>
+            <a:r>
+              <a:rPr lang="en-US" sz="6000" b="1" spc="-254" dirty="0">
+                <a:latin typeface="Diagramm"/>
+                <a:cs typeface="Diagramm"/>
+              </a:rPr>
+              <a:t>Marks</a:t>
+            </a:r>
+          </a:p>
+        </p:txBody>
+      </p:sp>
       <p:pic>
         <p:nvPicPr>
-          <p:cNvPr id="15" name="object 3">
+          <p:cNvPr id="34" name="object 3">
             <a:extLst>
               <a:ext uri="{FF2B5EF4-FFF2-40B4-BE49-F238E27FC236}">
-                <a16:creationId xmlns:a16="http://schemas.microsoft.com/office/drawing/2014/main" id="{AC945928-045E-0FF5-BADB-AEB552F3EA57}"/>
+                <a16:creationId xmlns:a16="http://schemas.microsoft.com/office/drawing/2014/main" id="{B36F3A9F-6A11-6A49-A28E-37748854B73A}"/>
               </a:ext>
             </a:extLst>
           </p:cNvPr>
@@ -5031,7 +6559,52 @@
           <p:nvPr/>
         </p:nvPicPr>
         <p:blipFill>
-          <a:blip r:embed="rId7" cstate="print">
+          <a:blip r:embed="rId8" cstate="print">
+            <a:grayscl/>
+            <a:alphaModFix amt="35000"/>
+            <a:extLst>
+              <a:ext uri="{BEBA8EAE-BF5A-486C-A8C5-ECC9F3942E4B}">
+                <a14:imgProps xmlns:a14="http://schemas.microsoft.com/office/drawing/2010/main">
+                  <a14:imgLayer r:embed="rId5">
+                    <a14:imgEffect>
+                      <a14:colorTemperature colorTemp="11200"/>
+                    </a14:imgEffect>
+                    <a14:imgEffect>
+                      <a14:saturation sat="300000"/>
+                    </a14:imgEffect>
+                  </a14:imgLayer>
+                </a14:imgProps>
+              </a:ext>
+            </a:extLst>
+          </a:blip>
+          <a:stretch>
+            <a:fillRect/>
+          </a:stretch>
+        </p:blipFill>
+        <p:spPr>
+          <a:xfrm>
+            <a:off x="7842250" y="5334657"/>
+            <a:ext cx="2916186" cy="2514600"/>
+          </a:xfrm>
+          <a:prstGeom prst="rect">
+            <a:avLst/>
+          </a:prstGeom>
+        </p:spPr>
+      </p:pic>
+      <p:pic>
+        <p:nvPicPr>
+          <p:cNvPr id="36" name="object 3">
+            <a:extLst>
+              <a:ext uri="{FF2B5EF4-FFF2-40B4-BE49-F238E27FC236}">
+                <a16:creationId xmlns:a16="http://schemas.microsoft.com/office/drawing/2014/main" id="{530EE88F-A0D5-466D-6951-650A16DFD135}"/>
+              </a:ext>
+            </a:extLst>
+          </p:cNvPr>
+          <p:cNvPicPr/>
+          <p:nvPr/>
+        </p:nvPicPr>
+        <p:blipFill>
+          <a:blip r:embed="rId8" cstate="print">
             <a:grayscl/>
             <a:alphaModFix amt="35000"/>
             <a:extLst>
@@ -5055,14 +6628,346 @@
         </p:blipFill>
         <p:spPr>
           <a:xfrm>
-            <a:off x="6553662" y="8337996"/>
-            <a:ext cx="11083104" cy="2514600"/>
+            <a:off x="13100050" y="5316861"/>
+            <a:ext cx="2916186" cy="2514600"/>
           </a:xfrm>
           <a:prstGeom prst="rect">
             <a:avLst/>
           </a:prstGeom>
         </p:spPr>
       </p:pic>
+      <p:sp>
+        <p:nvSpPr>
+          <p:cNvPr id="37" name="object 3">
+            <a:extLst>
+              <a:ext uri="{FF2B5EF4-FFF2-40B4-BE49-F238E27FC236}">
+                <a16:creationId xmlns:a16="http://schemas.microsoft.com/office/drawing/2014/main" id="{1E90DF90-1C66-F771-4DFB-2EC80C964085}"/>
+              </a:ext>
+            </a:extLst>
+          </p:cNvPr>
+          <p:cNvSpPr txBox="1"/>
+          <p:nvPr/>
+        </p:nvSpPr>
+        <p:spPr>
+          <a:xfrm>
+            <a:off x="7842250" y="5471049"/>
+            <a:ext cx="2916186" cy="1862048"/>
+          </a:xfrm>
+          <a:prstGeom prst="rect">
+            <a:avLst/>
+          </a:prstGeom>
+        </p:spPr>
+        <p:txBody>
+          <a:bodyPr vert="horz" wrap="square" lIns="0" tIns="15240" rIns="0" bIns="0" rtlCol="0">
+            <a:spAutoFit/>
+          </a:bodyPr>
+          <a:lstStyle/>
+          <a:p>
+            <a:pPr marL="12700">
+              <a:lnSpc>
+                <a:spcPct val="100000"/>
+              </a:lnSpc>
+              <a:spcBef>
+                <a:spcPts val="120"/>
+              </a:spcBef>
+            </a:pPr>
+            <a:r>
+              <a:rPr lang="en-US" sz="1200" b="1" spc="-254" dirty="0">
+                <a:latin typeface="Diagramm"/>
+                <a:cs typeface="Diagramm"/>
+              </a:rPr>
+              <a:t>                      </a:t>
+            </a:r>
+            <a:r>
+              <a:rPr lang="en-US" sz="6000" b="1" spc="-254" dirty="0">
+                <a:latin typeface="Diagramm"/>
+                <a:cs typeface="Diagramm"/>
+              </a:rPr>
+              <a:t>File Preview</a:t>
+            </a:r>
+          </a:p>
+        </p:txBody>
+      </p:sp>
+      <p:sp>
+        <p:nvSpPr>
+          <p:cNvPr id="38" name="object 3">
+            <a:extLst>
+              <a:ext uri="{FF2B5EF4-FFF2-40B4-BE49-F238E27FC236}">
+                <a16:creationId xmlns:a16="http://schemas.microsoft.com/office/drawing/2014/main" id="{A20FBAF5-5F4E-C763-3E57-ABAAC4D1081C}"/>
+              </a:ext>
+            </a:extLst>
+          </p:cNvPr>
+          <p:cNvSpPr txBox="1"/>
+          <p:nvPr/>
+        </p:nvSpPr>
+        <p:spPr>
+          <a:xfrm>
+            <a:off x="13100050" y="5407852"/>
+            <a:ext cx="2916186" cy="1874872"/>
+          </a:xfrm>
+          <a:prstGeom prst="rect">
+            <a:avLst/>
+          </a:prstGeom>
+        </p:spPr>
+        <p:txBody>
+          <a:bodyPr vert="horz" wrap="square" lIns="0" tIns="15240" rIns="0" bIns="0" rtlCol="0">
+            <a:spAutoFit/>
+          </a:bodyPr>
+          <a:lstStyle/>
+          <a:p>
+            <a:pPr marL="12700">
+              <a:lnSpc>
+                <a:spcPct val="100000"/>
+              </a:lnSpc>
+              <a:spcBef>
+                <a:spcPts val="120"/>
+              </a:spcBef>
+            </a:pPr>
+            <a:r>
+              <a:rPr lang="en-US" sz="1200" b="1" spc="-254" dirty="0">
+                <a:latin typeface="Diagramm"/>
+                <a:cs typeface="Diagramm"/>
+              </a:rPr>
+              <a:t>                      </a:t>
+            </a:r>
+            <a:r>
+              <a:rPr lang="en-US" sz="6000" b="1" spc="-254" dirty="0">
+                <a:latin typeface="Diagramm"/>
+                <a:cs typeface="Diagramm"/>
+              </a:rPr>
+              <a:t>Plot</a:t>
+            </a:r>
+          </a:p>
+          <a:p>
+            <a:pPr marL="12700">
+              <a:lnSpc>
+                <a:spcPct val="100000"/>
+              </a:lnSpc>
+              <a:spcBef>
+                <a:spcPts val="120"/>
+              </a:spcBef>
+            </a:pPr>
+            <a:r>
+              <a:rPr lang="en-US" sz="6000" b="1" spc="-254" dirty="0">
+                <a:latin typeface="Diagramm"/>
+                <a:cs typeface="Diagramm"/>
+              </a:rPr>
+              <a:t>ECoG</a:t>
+            </a:r>
+          </a:p>
+        </p:txBody>
+      </p:sp>
+      <p:pic>
+        <p:nvPicPr>
+          <p:cNvPr id="40" name="object 3">
+            <a:extLst>
+              <a:ext uri="{FF2B5EF4-FFF2-40B4-BE49-F238E27FC236}">
+                <a16:creationId xmlns:a16="http://schemas.microsoft.com/office/drawing/2014/main" id="{46438BD0-0C1F-0F56-D45D-18DBCD6193B8}"/>
+              </a:ext>
+            </a:extLst>
+          </p:cNvPr>
+          <p:cNvPicPr/>
+          <p:nvPr/>
+        </p:nvPicPr>
+        <p:blipFill>
+          <a:blip r:embed="rId8" cstate="print">
+            <a:grayscl/>
+            <a:alphaModFix amt="35000"/>
+            <a:extLst>
+              <a:ext uri="{BEBA8EAE-BF5A-486C-A8C5-ECC9F3942E4B}">
+                <a14:imgProps xmlns:a14="http://schemas.microsoft.com/office/drawing/2010/main">
+                  <a14:imgLayer r:embed="rId6">
+                    <a14:imgEffect>
+                      <a14:colorTemperature colorTemp="11200"/>
+                    </a14:imgEffect>
+                    <a14:imgEffect>
+                      <a14:saturation sat="300000"/>
+                    </a14:imgEffect>
+                  </a14:imgLayer>
+                </a14:imgProps>
+              </a:ext>
+            </a:extLst>
+          </a:blip>
+          <a:stretch>
+            <a:fillRect/>
+          </a:stretch>
+        </p:blipFill>
+        <p:spPr>
+          <a:xfrm>
+            <a:off x="7842250" y="8333185"/>
+            <a:ext cx="2916186" cy="2514600"/>
+          </a:xfrm>
+          <a:prstGeom prst="rect">
+            <a:avLst/>
+          </a:prstGeom>
+        </p:spPr>
+      </p:pic>
+      <p:pic>
+        <p:nvPicPr>
+          <p:cNvPr id="41" name="object 3">
+            <a:extLst>
+              <a:ext uri="{FF2B5EF4-FFF2-40B4-BE49-F238E27FC236}">
+                <a16:creationId xmlns:a16="http://schemas.microsoft.com/office/drawing/2014/main" id="{BBBDAECE-6EB5-9B6B-E014-2386F80FE142}"/>
+              </a:ext>
+            </a:extLst>
+          </p:cNvPr>
+          <p:cNvPicPr/>
+          <p:nvPr/>
+        </p:nvPicPr>
+        <p:blipFill>
+          <a:blip r:embed="rId8" cstate="print">
+            <a:grayscl/>
+            <a:alphaModFix amt="35000"/>
+            <a:extLst>
+              <a:ext uri="{BEBA8EAE-BF5A-486C-A8C5-ECC9F3942E4B}">
+                <a14:imgProps xmlns:a14="http://schemas.microsoft.com/office/drawing/2010/main">
+                  <a14:imgLayer r:embed="rId6">
+                    <a14:imgEffect>
+                      <a14:colorTemperature colorTemp="11200"/>
+                    </a14:imgEffect>
+                    <a14:imgEffect>
+                      <a14:saturation sat="300000"/>
+                    </a14:imgEffect>
+                  </a14:imgLayer>
+                </a14:imgProps>
+              </a:ext>
+            </a:extLst>
+          </a:blip>
+          <a:stretch>
+            <a:fillRect/>
+          </a:stretch>
+        </p:blipFill>
+        <p:spPr>
+          <a:xfrm>
+            <a:off x="13100050" y="8315389"/>
+            <a:ext cx="2916186" cy="2514600"/>
+          </a:xfrm>
+          <a:prstGeom prst="rect">
+            <a:avLst/>
+          </a:prstGeom>
+        </p:spPr>
+      </p:pic>
+      <p:sp>
+        <p:nvSpPr>
+          <p:cNvPr id="42" name="object 3">
+            <a:extLst>
+              <a:ext uri="{FF2B5EF4-FFF2-40B4-BE49-F238E27FC236}">
+                <a16:creationId xmlns:a16="http://schemas.microsoft.com/office/drawing/2014/main" id="{4AFE37AB-5F87-850D-F269-2063E70FDA71}"/>
+              </a:ext>
+            </a:extLst>
+          </p:cNvPr>
+          <p:cNvSpPr txBox="1"/>
+          <p:nvPr/>
+        </p:nvSpPr>
+        <p:spPr>
+          <a:xfrm>
+            <a:off x="7842250" y="8469577"/>
+            <a:ext cx="2916186" cy="1862048"/>
+          </a:xfrm>
+          <a:prstGeom prst="rect">
+            <a:avLst/>
+          </a:prstGeom>
+        </p:spPr>
+        <p:txBody>
+          <a:bodyPr vert="horz" wrap="square" lIns="0" tIns="15240" rIns="0" bIns="0" rtlCol="0">
+            <a:spAutoFit/>
+          </a:bodyPr>
+          <a:lstStyle/>
+          <a:p>
+            <a:pPr marL="12700">
+              <a:lnSpc>
+                <a:spcPct val="100000"/>
+              </a:lnSpc>
+              <a:spcBef>
+                <a:spcPts val="120"/>
+              </a:spcBef>
+            </a:pPr>
+            <a:r>
+              <a:rPr lang="en-US" sz="1200" b="1" spc="-254" dirty="0">
+                <a:latin typeface="Diagramm"/>
+                <a:cs typeface="Diagramm"/>
+              </a:rPr>
+              <a:t>                      </a:t>
+            </a:r>
+            <a:r>
+              <a:rPr lang="en-US" sz="6000" b="1" spc="-254" dirty="0">
+                <a:latin typeface="Diagramm"/>
+                <a:cs typeface="Diagramm"/>
+              </a:rPr>
+              <a:t>File Preview</a:t>
+            </a:r>
+          </a:p>
+        </p:txBody>
+      </p:sp>
+      <p:sp>
+        <p:nvSpPr>
+          <p:cNvPr id="43" name="object 3">
+            <a:extLst>
+              <a:ext uri="{FF2B5EF4-FFF2-40B4-BE49-F238E27FC236}">
+                <a16:creationId xmlns:a16="http://schemas.microsoft.com/office/drawing/2014/main" id="{01FCA522-C1CB-0195-C49A-F1DBC741718B}"/>
+              </a:ext>
+            </a:extLst>
+          </p:cNvPr>
+          <p:cNvSpPr txBox="1"/>
+          <p:nvPr/>
+        </p:nvSpPr>
+        <p:spPr>
+          <a:xfrm>
+            <a:off x="13100050" y="8406380"/>
+            <a:ext cx="2916186" cy="1874872"/>
+          </a:xfrm>
+          <a:prstGeom prst="rect">
+            <a:avLst/>
+          </a:prstGeom>
+        </p:spPr>
+        <p:txBody>
+          <a:bodyPr vert="horz" wrap="square" lIns="0" tIns="15240" rIns="0" bIns="0" rtlCol="0">
+            <a:spAutoFit/>
+          </a:bodyPr>
+          <a:lstStyle/>
+          <a:p>
+            <a:pPr marL="12700">
+              <a:lnSpc>
+                <a:spcPct val="100000"/>
+              </a:lnSpc>
+              <a:spcBef>
+                <a:spcPts val="120"/>
+              </a:spcBef>
+            </a:pPr>
+            <a:r>
+              <a:rPr lang="en-US" sz="1200" b="1" spc="-254" dirty="0">
+                <a:latin typeface="Diagramm"/>
+                <a:cs typeface="Diagramm"/>
+              </a:rPr>
+              <a:t>                      </a:t>
+            </a:r>
+            <a:r>
+              <a:rPr lang="en-US" sz="6000" b="1" spc="-254" dirty="0">
+                <a:latin typeface="Diagramm"/>
+                <a:cs typeface="Diagramm"/>
+              </a:rPr>
+              <a:t>Plot</a:t>
+            </a:r>
+          </a:p>
+          <a:p>
+            <a:pPr marL="12700">
+              <a:lnSpc>
+                <a:spcPct val="100000"/>
+              </a:lnSpc>
+              <a:spcBef>
+                <a:spcPts val="120"/>
+              </a:spcBef>
+            </a:pPr>
+            <a:r>
+              <a:rPr lang="en-US" sz="6000" b="1" spc="-254" dirty="0">
+                <a:latin typeface="Diagramm"/>
+                <a:cs typeface="Diagramm"/>
+              </a:rPr>
+              <a:t>3D Pts</a:t>
+            </a:r>
+          </a:p>
+        </p:txBody>
+      </p:sp>
     </p:spTree>
     <p:extLst>
       <p:ext uri="{BB962C8B-B14F-4D97-AF65-F5344CB8AC3E}">
@@ -5076,7 +6981,7 @@
 </p:sld>
 </file>
 
-<file path=ppt/slides/slide17.xml><?xml version="1.0" encoding="utf-8"?>
+<file path=ppt/slides/slide22.xml><?xml version="1.0" encoding="utf-8"?>
 <p:sld xmlns:a="http://schemas.openxmlformats.org/drawingml/2006/main" xmlns:r="http://schemas.openxmlformats.org/officeDocument/2006/relationships" xmlns:p="http://schemas.openxmlformats.org/presentationml/2006/main">
   <p:cSld>
     <p:spTree>
@@ -5240,7 +7145,7 @@
 </p:sld>
 </file>
 
-<file path=ppt/slides/slide18.xml><?xml version="1.0" encoding="utf-8"?>
+<file path=ppt/slides/slide23.xml><?xml version="1.0" encoding="utf-8"?>
 <p:sld xmlns:a="http://schemas.openxmlformats.org/drawingml/2006/main" xmlns:r="http://schemas.openxmlformats.org/officeDocument/2006/relationships" xmlns:p="http://schemas.openxmlformats.org/presentationml/2006/main">
   <p:cSld>
     <p:spTree>
@@ -5404,7 +7309,7 @@
 </p:sld>
 </file>
 
-<file path=ppt/slides/slide19.xml><?xml version="1.0" encoding="utf-8"?>
+<file path=ppt/slides/slide24.xml><?xml version="1.0" encoding="utf-8"?>
 <p:sld xmlns:a="http://schemas.openxmlformats.org/drawingml/2006/main" xmlns:r="http://schemas.openxmlformats.org/officeDocument/2006/relationships" xmlns:p="http://schemas.openxmlformats.org/presentationml/2006/main" showMasterSp="0">
   <p:cSld>
     <p:spTree>
@@ -5873,7 +7778,7 @@
 </p:sld>
 </file>
 
-<file path=ppt/slides/slide2.xml><?xml version="1.0" encoding="utf-8"?>
+<file path=ppt/slides/slide25.xml><?xml version="1.0" encoding="utf-8"?>
 <p:sld xmlns:a="http://schemas.openxmlformats.org/drawingml/2006/main" xmlns:r="http://schemas.openxmlformats.org/officeDocument/2006/relationships" xmlns:p="http://schemas.openxmlformats.org/presentationml/2006/main" showMasterSp="0">
   <p:cSld>
     <p:spTree>
@@ -5914,16 +7819,148 @@
           </a:prstGeom>
         </p:spPr>
       </p:pic>
-      <p:sp>
-        <p:nvSpPr>
+      <p:pic>
+        <p:nvPicPr>
           <p:cNvPr id="3" name="object 3"/>
+          <p:cNvPicPr/>
+          <p:nvPr/>
+        </p:nvPicPr>
+        <p:blipFill>
+          <a:blip r:embed="rId3" cstate="print"/>
+          <a:stretch>
+            <a:fillRect/>
+          </a:stretch>
+        </p:blipFill>
+        <p:spPr>
+          <a:xfrm>
+            <a:off x="575958" y="8439489"/>
+            <a:ext cx="1350720" cy="1811459"/>
+          </a:xfrm>
+          <a:prstGeom prst="rect">
+            <a:avLst/>
+          </a:prstGeom>
+        </p:spPr>
+      </p:pic>
+      <p:pic>
+        <p:nvPicPr>
+          <p:cNvPr id="4" name="object 4"/>
+          <p:cNvPicPr/>
+          <p:nvPr/>
+        </p:nvPicPr>
+        <p:blipFill>
+          <a:blip r:embed="rId3" cstate="print"/>
+          <a:stretch>
+            <a:fillRect/>
+          </a:stretch>
+        </p:blipFill>
+        <p:spPr>
+          <a:xfrm>
+            <a:off x="2062813" y="8439489"/>
+            <a:ext cx="1350750" cy="1811459"/>
+          </a:xfrm>
+          <a:prstGeom prst="rect">
+            <a:avLst/>
+          </a:prstGeom>
+        </p:spPr>
+      </p:pic>
+      <p:pic>
+        <p:nvPicPr>
+          <p:cNvPr id="5" name="object 5"/>
+          <p:cNvPicPr/>
+          <p:nvPr/>
+        </p:nvPicPr>
+        <p:blipFill>
+          <a:blip r:embed="rId3" cstate="print"/>
+          <a:stretch>
+            <a:fillRect/>
+          </a:stretch>
+        </p:blipFill>
+        <p:spPr>
+          <a:xfrm>
+            <a:off x="3560148" y="8439489"/>
+            <a:ext cx="1350750" cy="1811459"/>
+          </a:xfrm>
+          <a:prstGeom prst="rect">
+            <a:avLst/>
+          </a:prstGeom>
+        </p:spPr>
+      </p:pic>
+      <p:pic>
+        <p:nvPicPr>
+          <p:cNvPr id="6" name="object 6"/>
+          <p:cNvPicPr/>
+          <p:nvPr/>
+        </p:nvPicPr>
+        <p:blipFill>
+          <a:blip r:embed="rId3" cstate="print"/>
+          <a:stretch>
+            <a:fillRect/>
+          </a:stretch>
+        </p:blipFill>
+        <p:spPr>
+          <a:xfrm>
+            <a:off x="5057481" y="8439489"/>
+            <a:ext cx="1350752" cy="1811459"/>
+          </a:xfrm>
+          <a:prstGeom prst="rect">
+            <a:avLst/>
+          </a:prstGeom>
+        </p:spPr>
+      </p:pic>
+      <p:pic>
+        <p:nvPicPr>
+          <p:cNvPr id="7" name="object 7"/>
+          <p:cNvPicPr/>
+          <p:nvPr/>
+        </p:nvPicPr>
+        <p:blipFill>
+          <a:blip r:embed="rId3" cstate="print"/>
+          <a:stretch>
+            <a:fillRect/>
+          </a:stretch>
+        </p:blipFill>
+        <p:spPr>
+          <a:xfrm>
+            <a:off x="6554816" y="8439489"/>
+            <a:ext cx="1350752" cy="1811459"/>
+          </a:xfrm>
+          <a:prstGeom prst="rect">
+            <a:avLst/>
+          </a:prstGeom>
+        </p:spPr>
+      </p:pic>
+      <p:pic>
+        <p:nvPicPr>
+          <p:cNvPr id="8" name="object 8"/>
+          <p:cNvPicPr/>
+          <p:nvPr/>
+        </p:nvPicPr>
+        <p:blipFill>
+          <a:blip r:embed="rId3" cstate="print"/>
+          <a:stretch>
+            <a:fillRect/>
+          </a:stretch>
+        </p:blipFill>
+        <p:spPr>
+          <a:xfrm>
+            <a:off x="8052152" y="8439489"/>
+            <a:ext cx="1350750" cy="1811459"/>
+          </a:xfrm>
+          <a:prstGeom prst="rect">
+            <a:avLst/>
+          </a:prstGeom>
+        </p:spPr>
+      </p:pic>
+      <p:sp>
+        <p:nvSpPr>
+          <p:cNvPr id="9" name="object 9"/>
           <p:cNvSpPr txBox="1"/>
           <p:nvPr/>
         </p:nvSpPr>
         <p:spPr>
           <a:xfrm>
-            <a:off x="3947850" y="4920431"/>
-            <a:ext cx="12190095" cy="1030605"/>
+            <a:off x="1983343" y="10570298"/>
+            <a:ext cx="5995035" cy="314960"/>
           </a:xfrm>
           <a:prstGeom prst="rect">
             <a:avLst/>
@@ -5935,7 +7972,7 @@
           </a:bodyPr>
           <a:lstStyle/>
           <a:p>
-            <a:pPr marL="12700" algn="ctr">
+            <a:pPr marL="12700">
               <a:lnSpc>
                 <a:spcPct val="100000"/>
               </a:lnSpc>
@@ -5944,16 +7981,204 @@
               </a:spcBef>
             </a:pPr>
             <a:r>
-              <a:rPr lang="en-US" sz="6600" b="1" dirty="0">
+              <a:rPr sz="1900" spc="-5" dirty="0">
+                <a:latin typeface="Diagramm"/>
+                <a:cs typeface="Diagramm"/>
+              </a:rPr>
+              <a:t>COURTINE</a:t>
+            </a:r>
+            <a:r>
+              <a:rPr sz="1900" spc="-10" dirty="0">
+                <a:latin typeface="Diagramm"/>
+                <a:cs typeface="Diagramm"/>
+              </a:rPr>
+              <a:t> </a:t>
+            </a:r>
+            <a:r>
+              <a:rPr sz="1900" spc="-5" dirty="0">
+                <a:latin typeface="Diagramm"/>
+                <a:cs typeface="Diagramm"/>
+              </a:rPr>
+              <a:t>ET AL. </a:t>
+            </a:r>
+            <a:r>
+              <a:rPr sz="1900" dirty="0">
+                <a:latin typeface="Diagramm"/>
+                <a:cs typeface="Diagramm"/>
+              </a:rPr>
+              <a:t>¦</a:t>
+            </a:r>
+            <a:r>
+              <a:rPr sz="1900" spc="-10" dirty="0">
+                <a:latin typeface="Diagramm"/>
+                <a:cs typeface="Diagramm"/>
+              </a:rPr>
+              <a:t> </a:t>
+            </a:r>
+            <a:r>
+              <a:rPr sz="1900" spc="-30" dirty="0">
+                <a:latin typeface="Diagramm"/>
+                <a:cs typeface="Diagramm"/>
+              </a:rPr>
+              <a:t>NATURE</a:t>
+            </a:r>
+            <a:r>
+              <a:rPr sz="1900" spc="-5" dirty="0">
+                <a:latin typeface="Diagramm"/>
+                <a:cs typeface="Diagramm"/>
+              </a:rPr>
+              <a:t> NEUROSCIENCE </a:t>
+            </a:r>
+            <a:r>
+              <a:rPr sz="1900" dirty="0">
+                <a:latin typeface="Diagramm"/>
+                <a:cs typeface="Diagramm"/>
+              </a:rPr>
+              <a:t>¦</a:t>
+            </a:r>
+            <a:r>
+              <a:rPr sz="1900" spc="-10" dirty="0">
+                <a:latin typeface="Diagramm"/>
+                <a:cs typeface="Diagramm"/>
+              </a:rPr>
+              <a:t> </a:t>
+            </a:r>
+            <a:r>
+              <a:rPr sz="1900" spc="-5" dirty="0">
+                <a:latin typeface="Diagramm"/>
+                <a:cs typeface="Diagramm"/>
+              </a:rPr>
+              <a:t>2009</a:t>
+            </a:r>
+            <a:endParaRPr sz="1900" dirty="0">
+              <a:latin typeface="Diagramm"/>
+              <a:cs typeface="Diagramm"/>
+            </a:endParaRPr>
+          </a:p>
+        </p:txBody>
+      </p:sp>
+      <p:pic>
+        <p:nvPicPr>
+          <p:cNvPr id="10" name="object 10"/>
+          <p:cNvPicPr/>
+          <p:nvPr/>
+        </p:nvPicPr>
+        <p:blipFill>
+          <a:blip r:embed="rId4" cstate="print"/>
+          <a:stretch>
+            <a:fillRect/>
+          </a:stretch>
+        </p:blipFill>
+        <p:spPr>
+          <a:xfrm>
+            <a:off x="10093918" y="3"/>
+            <a:ext cx="10010181" cy="11308549"/>
+          </a:xfrm>
+          <a:prstGeom prst="rect">
+            <a:avLst/>
+          </a:prstGeom>
+        </p:spPr>
+      </p:pic>
+      <p:sp>
+        <p:nvSpPr>
+          <p:cNvPr id="11" name="object 11"/>
+          <p:cNvSpPr txBox="1"/>
+          <p:nvPr/>
+        </p:nvSpPr>
+        <p:spPr>
+          <a:xfrm>
+            <a:off x="12194899" y="4920431"/>
+            <a:ext cx="5748020" cy="1030605"/>
+          </a:xfrm>
+          <a:prstGeom prst="rect">
+            <a:avLst/>
+          </a:prstGeom>
+        </p:spPr>
+        <p:txBody>
+          <a:bodyPr vert="horz" wrap="square" lIns="0" tIns="12065" rIns="0" bIns="0" rtlCol="0">
+            <a:spAutoFit/>
+          </a:bodyPr>
+          <a:lstStyle/>
+          <a:p>
+            <a:pPr marL="12700">
+              <a:lnSpc>
+                <a:spcPct val="100000"/>
+              </a:lnSpc>
+              <a:spcBef>
+                <a:spcPts val="95"/>
+              </a:spcBef>
+            </a:pPr>
+            <a:r>
+              <a:rPr sz="6600" b="1" spc="-110" dirty="0">
                 <a:solidFill>
                   <a:schemeClr val="bg1"/>
                 </a:solidFill>
                 <a:latin typeface="Diagramm Bold"/>
                 <a:cs typeface="Diagramm Bold"/>
               </a:rPr>
-              <a:t>OLD FORMULAS</a:t>
-            </a:r>
-            <a:endParaRPr sz="6600" b="1" dirty="0">
+              <a:t>VIDE</a:t>
+            </a:r>
+            <a:r>
+              <a:rPr sz="6600" b="1" spc="-480" dirty="0">
+                <a:solidFill>
+                  <a:schemeClr val="bg1"/>
+                </a:solidFill>
+                <a:latin typeface="Diagramm Bold"/>
+                <a:cs typeface="Diagramm Bold"/>
+              </a:rPr>
+              <a:t>O</a:t>
+            </a:r>
+            <a:r>
+              <a:rPr sz="6600" b="1" spc="25" dirty="0">
+                <a:solidFill>
+                  <a:schemeClr val="bg1"/>
+                </a:solidFill>
+                <a:latin typeface="Diagramm Bold"/>
+                <a:cs typeface="Diagramm Bold"/>
+              </a:rPr>
+              <a:t>/</a:t>
+            </a:r>
+            <a:r>
+              <a:rPr sz="6600" b="1" spc="-135" dirty="0">
+                <a:solidFill>
+                  <a:schemeClr val="bg1"/>
+                </a:solidFill>
+                <a:latin typeface="Diagramm Bold"/>
+                <a:cs typeface="Diagramm Bold"/>
+              </a:rPr>
+              <a:t>IM</a:t>
+            </a:r>
+            <a:r>
+              <a:rPr sz="6600" b="1" spc="-409" dirty="0">
+                <a:solidFill>
+                  <a:schemeClr val="bg1"/>
+                </a:solidFill>
+                <a:latin typeface="Diagramm Bold"/>
+                <a:cs typeface="Diagramm Bold"/>
+              </a:rPr>
+              <a:t>A</a:t>
+            </a:r>
+            <a:r>
+              <a:rPr sz="6600" b="1" spc="-220" dirty="0">
+                <a:solidFill>
+                  <a:schemeClr val="bg1"/>
+                </a:solidFill>
+                <a:latin typeface="Diagramm Bold"/>
+                <a:cs typeface="Diagramm Bold"/>
+              </a:rPr>
+              <a:t>G</a:t>
+            </a:r>
+            <a:r>
+              <a:rPr sz="6600" b="1" spc="-430" dirty="0">
+                <a:solidFill>
+                  <a:schemeClr val="bg1"/>
+                </a:solidFill>
+                <a:latin typeface="Diagramm Bold"/>
+                <a:cs typeface="Diagramm Bold"/>
+              </a:rPr>
+              <a:t>E</a:t>
+            </a:r>
+            <a:endParaRPr sz="6600" dirty="0">
               <a:solidFill>
                 <a:schemeClr val="bg1"/>
               </a:solidFill>
@@ -5965,19 +8190,84 @@
       </p:sp>
       <p:sp>
         <p:nvSpPr>
-          <p:cNvPr id="4" name="object 4"/>
+          <p:cNvPr id="12" name="object 12"/>
+          <p:cNvSpPr txBox="1"/>
+          <p:nvPr/>
+        </p:nvSpPr>
+        <p:spPr>
+          <a:xfrm>
+            <a:off x="14017993" y="5820886"/>
+            <a:ext cx="2101850" cy="402590"/>
+          </a:xfrm>
+          <a:prstGeom prst="rect">
+            <a:avLst/>
+          </a:prstGeom>
+        </p:spPr>
+        <p:txBody>
+          <a:bodyPr vert="horz" wrap="square" lIns="0" tIns="15240" rIns="0" bIns="0" rtlCol="0">
+            <a:spAutoFit/>
+          </a:bodyPr>
+          <a:lstStyle/>
+          <a:p>
+            <a:pPr marL="12700">
+              <a:lnSpc>
+                <a:spcPct val="100000"/>
+              </a:lnSpc>
+              <a:spcBef>
+                <a:spcPts val="120"/>
+              </a:spcBef>
+            </a:pPr>
+            <a:r>
+              <a:rPr sz="2450" b="1" spc="-70" dirty="0">
+                <a:solidFill>
+                  <a:schemeClr val="bg1"/>
+                </a:solidFill>
+                <a:latin typeface="Diagramm Bold"/>
+                <a:cs typeface="Diagramm Bold"/>
+              </a:rPr>
+              <a:t>(NO</a:t>
+            </a:r>
+            <a:r>
+              <a:rPr sz="2450" b="1" spc="114" dirty="0">
+                <a:solidFill>
+                  <a:schemeClr val="bg1"/>
+                </a:solidFill>
+                <a:latin typeface="Diagramm Bold"/>
+                <a:cs typeface="Diagramm Bold"/>
+              </a:rPr>
+              <a:t> </a:t>
+            </a:r>
+            <a:r>
+              <a:rPr sz="2450" b="1" spc="-55" dirty="0">
+                <a:solidFill>
+                  <a:schemeClr val="bg1"/>
+                </a:solidFill>
+                <a:latin typeface="Diagramm Bold"/>
+                <a:cs typeface="Diagramm Bold"/>
+              </a:rPr>
+              <a:t>BORDER)</a:t>
+            </a:r>
+            <a:endParaRPr sz="2450" dirty="0">
+              <a:solidFill>
+                <a:schemeClr val="bg1"/>
+              </a:solidFill>
+              <a:latin typeface="Diagramm Bold"/>
+              <a:cs typeface="Diagramm Bold"/>
+            </a:endParaRPr>
+          </a:p>
+        </p:txBody>
+      </p:sp>
+      <p:sp>
+        <p:nvSpPr>
+          <p:cNvPr id="13" name="object 13"/>
           <p:cNvSpPr txBox="1">
             <a:spLocks noGrp="1"/>
           </p:cNvSpPr>
           <p:nvPr>
-            <p:ph type="ctrTitle"/>
+            <p:ph type="title"/>
           </p:nvPr>
         </p:nvSpPr>
         <p:spPr>
-          <a:xfrm>
-            <a:off x="492946" y="382194"/>
-            <a:ext cx="19118207" cy="1021562"/>
-          </a:xfrm>
           <a:prstGeom prst="rect">
             <a:avLst/>
           </a:prstGeom>
@@ -5997,7 +8287,7 @@
               </a:spcBef>
             </a:pPr>
             <a:r>
-              <a:rPr lang="en-US" spc="-5" dirty="0">
+              <a:rPr lang="en-US" kern="0" spc="-5" dirty="0">
                 <a:solidFill>
                   <a:schemeClr val="bg1"/>
                 </a:solidFill>
@@ -6005,26 +8295,83 @@
               <a:t>Weighted Least Squares Estimation </a:t>
             </a:r>
             <a:br>
-              <a:rPr lang="en-US" spc="-5" dirty="0">
+              <a:rPr lang="en-US" kern="0" spc="-5" dirty="0">
                 <a:solidFill>
                   <a:schemeClr val="bg1"/>
                 </a:solidFill>
               </a:rPr>
             </a:br>
             <a:r>
-              <a:rPr lang="en-US" b="0" spc="-5" dirty="0">
+              <a:rPr lang="en-US" b="0" kern="0" spc="-5" dirty="0">
                 <a:solidFill>
                   <a:schemeClr val="bg1"/>
                 </a:solidFill>
               </a:rPr>
               <a:t>3D Body Part Trajectories</a:t>
             </a:r>
-            <a:endParaRPr lang="en-US" b="0" spc="-10" dirty="0">
+            <a:endParaRPr lang="en-US" b="0" kern="0" spc="-10" dirty="0">
               <a:solidFill>
                 <a:schemeClr val="bg1"/>
               </a:solidFill>
               <a:latin typeface="Diagramm Light"/>
               <a:cs typeface="Diagramm Light"/>
+            </a:endParaRPr>
+          </a:p>
+        </p:txBody>
+      </p:sp>
+      <p:sp>
+        <p:nvSpPr>
+          <p:cNvPr id="14" name="object 14"/>
+          <p:cNvSpPr txBox="1"/>
+          <p:nvPr/>
+        </p:nvSpPr>
+        <p:spPr>
+          <a:xfrm>
+            <a:off x="507192" y="1659609"/>
+            <a:ext cx="1029969" cy="402590"/>
+          </a:xfrm>
+          <a:prstGeom prst="rect">
+            <a:avLst/>
+          </a:prstGeom>
+        </p:spPr>
+        <p:txBody>
+          <a:bodyPr vert="horz" wrap="square" lIns="0" tIns="15240" rIns="0" bIns="0" rtlCol="0">
+            <a:spAutoFit/>
+          </a:bodyPr>
+          <a:lstStyle/>
+          <a:p>
+            <a:pPr marL="12700">
+              <a:lnSpc>
+                <a:spcPct val="100000"/>
+              </a:lnSpc>
+              <a:spcBef>
+                <a:spcPts val="120"/>
+              </a:spcBef>
+            </a:pPr>
+            <a:r>
+              <a:rPr sz="2450" spc="15" dirty="0">
+                <a:latin typeface="Diagramm"/>
+                <a:cs typeface="Diagramm"/>
+              </a:rPr>
+              <a:t>T</a:t>
+            </a:r>
+            <a:r>
+              <a:rPr sz="2450" spc="20" dirty="0">
+                <a:latin typeface="Diagramm"/>
+                <a:cs typeface="Diagramm"/>
+              </a:rPr>
+              <a:t>E</a:t>
+            </a:r>
+            <a:r>
+              <a:rPr sz="2450" spc="15" dirty="0">
+                <a:latin typeface="Diagramm"/>
+                <a:cs typeface="Diagramm"/>
+              </a:rPr>
+              <a:t>XTE</a:t>
+            </a:r>
+            <a:endParaRPr sz="2450">
+              <a:latin typeface="Diagramm"/>
+              <a:cs typeface="Diagramm"/>
             </a:endParaRPr>
           </a:p>
         </p:txBody>
@@ -6037,7 +8384,7 @@
 </p:sld>
 </file>
 
-<file path=ppt/slides/slide20.xml><?xml version="1.0" encoding="utf-8"?>
+<file path=ppt/slides/slide26.xml><?xml version="1.0" encoding="utf-8"?>
 <p:sld xmlns:a="http://schemas.openxmlformats.org/drawingml/2006/main" xmlns:r="http://schemas.openxmlformats.org/officeDocument/2006/relationships" xmlns:p="http://schemas.openxmlformats.org/presentationml/2006/main" showMasterSp="0">
   <p:cSld>
     <p:spTree>
@@ -6078,148 +8425,16 @@
           </a:prstGeom>
         </p:spPr>
       </p:pic>
-      <p:pic>
-        <p:nvPicPr>
+      <p:sp>
+        <p:nvSpPr>
           <p:cNvPr id="3" name="object 3"/>
-          <p:cNvPicPr/>
-          <p:nvPr/>
-        </p:nvPicPr>
-        <p:blipFill>
-          <a:blip r:embed="rId3" cstate="print"/>
-          <a:stretch>
-            <a:fillRect/>
-          </a:stretch>
-        </p:blipFill>
-        <p:spPr>
-          <a:xfrm>
-            <a:off x="575958" y="8439489"/>
-            <a:ext cx="1350720" cy="1811459"/>
-          </a:xfrm>
-          <a:prstGeom prst="rect">
-            <a:avLst/>
-          </a:prstGeom>
-        </p:spPr>
-      </p:pic>
-      <p:pic>
-        <p:nvPicPr>
-          <p:cNvPr id="4" name="object 4"/>
-          <p:cNvPicPr/>
-          <p:nvPr/>
-        </p:nvPicPr>
-        <p:blipFill>
-          <a:blip r:embed="rId3" cstate="print"/>
-          <a:stretch>
-            <a:fillRect/>
-          </a:stretch>
-        </p:blipFill>
-        <p:spPr>
-          <a:xfrm>
-            <a:off x="2062813" y="8439489"/>
-            <a:ext cx="1350750" cy="1811459"/>
-          </a:xfrm>
-          <a:prstGeom prst="rect">
-            <a:avLst/>
-          </a:prstGeom>
-        </p:spPr>
-      </p:pic>
-      <p:pic>
-        <p:nvPicPr>
-          <p:cNvPr id="5" name="object 5"/>
-          <p:cNvPicPr/>
-          <p:nvPr/>
-        </p:nvPicPr>
-        <p:blipFill>
-          <a:blip r:embed="rId3" cstate="print"/>
-          <a:stretch>
-            <a:fillRect/>
-          </a:stretch>
-        </p:blipFill>
-        <p:spPr>
-          <a:xfrm>
-            <a:off x="3560148" y="8439489"/>
-            <a:ext cx="1350750" cy="1811459"/>
-          </a:xfrm>
-          <a:prstGeom prst="rect">
-            <a:avLst/>
-          </a:prstGeom>
-        </p:spPr>
-      </p:pic>
-      <p:pic>
-        <p:nvPicPr>
-          <p:cNvPr id="6" name="object 6"/>
-          <p:cNvPicPr/>
-          <p:nvPr/>
-        </p:nvPicPr>
-        <p:blipFill>
-          <a:blip r:embed="rId3" cstate="print"/>
-          <a:stretch>
-            <a:fillRect/>
-          </a:stretch>
-        </p:blipFill>
-        <p:spPr>
-          <a:xfrm>
-            <a:off x="5057481" y="8439489"/>
-            <a:ext cx="1350752" cy="1811459"/>
-          </a:xfrm>
-          <a:prstGeom prst="rect">
-            <a:avLst/>
-          </a:prstGeom>
-        </p:spPr>
-      </p:pic>
-      <p:pic>
-        <p:nvPicPr>
-          <p:cNvPr id="7" name="object 7"/>
-          <p:cNvPicPr/>
-          <p:nvPr/>
-        </p:nvPicPr>
-        <p:blipFill>
-          <a:blip r:embed="rId3" cstate="print"/>
-          <a:stretch>
-            <a:fillRect/>
-          </a:stretch>
-        </p:blipFill>
-        <p:spPr>
-          <a:xfrm>
-            <a:off x="6554816" y="8439489"/>
-            <a:ext cx="1350752" cy="1811459"/>
-          </a:xfrm>
-          <a:prstGeom prst="rect">
-            <a:avLst/>
-          </a:prstGeom>
-        </p:spPr>
-      </p:pic>
-      <p:pic>
-        <p:nvPicPr>
-          <p:cNvPr id="8" name="object 8"/>
-          <p:cNvPicPr/>
-          <p:nvPr/>
-        </p:nvPicPr>
-        <p:blipFill>
-          <a:blip r:embed="rId3" cstate="print"/>
-          <a:stretch>
-            <a:fillRect/>
-          </a:stretch>
-        </p:blipFill>
-        <p:spPr>
-          <a:xfrm>
-            <a:off x="8052152" y="8439489"/>
-            <a:ext cx="1350750" cy="1811459"/>
-          </a:xfrm>
-          <a:prstGeom prst="rect">
-            <a:avLst/>
-          </a:prstGeom>
-        </p:spPr>
-      </p:pic>
-      <p:sp>
-        <p:nvSpPr>
-          <p:cNvPr id="9" name="object 9"/>
           <p:cNvSpPr txBox="1"/>
           <p:nvPr/>
         </p:nvSpPr>
         <p:spPr>
           <a:xfrm>
-            <a:off x="1983343" y="10570298"/>
-            <a:ext cx="5995035" cy="314960"/>
+            <a:off x="4215863" y="4920431"/>
+            <a:ext cx="11653520" cy="1030605"/>
           </a:xfrm>
           <a:prstGeom prst="rect">
             <a:avLst/>
@@ -6240,207 +8455,41 @@
               </a:spcBef>
             </a:pPr>
             <a:r>
-              <a:rPr sz="1900" spc="-5" dirty="0">
-                <a:latin typeface="Diagramm"/>
-                <a:cs typeface="Diagramm"/>
-              </a:rPr>
-              <a:t>COURTINE</a:t>
-            </a:r>
-            <a:r>
-              <a:rPr sz="1900" spc="-10" dirty="0">
-                <a:latin typeface="Diagramm"/>
-                <a:cs typeface="Diagramm"/>
-              </a:rPr>
-              <a:t> </a:t>
-            </a:r>
-            <a:r>
-              <a:rPr sz="1900" spc="-5" dirty="0">
-                <a:latin typeface="Diagramm"/>
-                <a:cs typeface="Diagramm"/>
-              </a:rPr>
-              <a:t>ET AL. </a:t>
-            </a:r>
-            <a:r>
-              <a:rPr sz="1900" dirty="0">
-                <a:latin typeface="Diagramm"/>
-                <a:cs typeface="Diagramm"/>
-              </a:rPr>
-              <a:t>¦</a:t>
-            </a:r>
-            <a:r>
-              <a:rPr sz="1900" spc="-10" dirty="0">
-                <a:latin typeface="Diagramm"/>
-                <a:cs typeface="Diagramm"/>
-              </a:rPr>
-              <a:t> </a:t>
-            </a:r>
-            <a:r>
-              <a:rPr sz="1900" spc="-30" dirty="0">
-                <a:latin typeface="Diagramm"/>
-                <a:cs typeface="Diagramm"/>
-              </a:rPr>
-              <a:t>NATURE</a:t>
-            </a:r>
-            <a:r>
-              <a:rPr sz="1900" spc="-5" dirty="0">
-                <a:latin typeface="Diagramm"/>
-                <a:cs typeface="Diagramm"/>
-              </a:rPr>
-              <a:t> NEUROSCIENCE </a:t>
-            </a:r>
-            <a:r>
-              <a:rPr sz="1900" dirty="0">
-                <a:latin typeface="Diagramm"/>
-                <a:cs typeface="Diagramm"/>
-              </a:rPr>
-              <a:t>¦</a:t>
-            </a:r>
-            <a:r>
-              <a:rPr sz="1900" spc="-10" dirty="0">
-                <a:latin typeface="Diagramm"/>
-                <a:cs typeface="Diagramm"/>
-              </a:rPr>
-              <a:t> </a:t>
-            </a:r>
-            <a:r>
-              <a:rPr sz="1900" spc="-5" dirty="0">
-                <a:latin typeface="Diagramm"/>
-                <a:cs typeface="Diagramm"/>
-              </a:rPr>
-              <a:t>2009</a:t>
-            </a:r>
-            <a:endParaRPr sz="1900" dirty="0">
-              <a:latin typeface="Diagramm"/>
-              <a:cs typeface="Diagramm"/>
-            </a:endParaRPr>
-          </a:p>
-        </p:txBody>
-      </p:sp>
-      <p:pic>
-        <p:nvPicPr>
-          <p:cNvPr id="10" name="object 10"/>
-          <p:cNvPicPr/>
-          <p:nvPr/>
-        </p:nvPicPr>
-        <p:blipFill>
-          <a:blip r:embed="rId4" cstate="print"/>
-          <a:stretch>
-            <a:fillRect/>
-          </a:stretch>
-        </p:blipFill>
-        <p:spPr>
-          <a:xfrm>
-            <a:off x="10093918" y="3"/>
-            <a:ext cx="10010181" cy="11308549"/>
-          </a:xfrm>
-          <a:prstGeom prst="rect">
-            <a:avLst/>
-          </a:prstGeom>
-        </p:spPr>
-      </p:pic>
-      <p:sp>
-        <p:nvSpPr>
-          <p:cNvPr id="11" name="object 11"/>
-          <p:cNvSpPr txBox="1"/>
-          <p:nvPr/>
-        </p:nvSpPr>
-        <p:spPr>
-          <a:xfrm>
-            <a:off x="12194899" y="4920431"/>
-            <a:ext cx="5748020" cy="1030605"/>
-          </a:xfrm>
-          <a:prstGeom prst="rect">
-            <a:avLst/>
-          </a:prstGeom>
-        </p:spPr>
-        <p:txBody>
-          <a:bodyPr vert="horz" wrap="square" lIns="0" tIns="12065" rIns="0" bIns="0" rtlCol="0">
-            <a:spAutoFit/>
-          </a:bodyPr>
-          <a:lstStyle/>
-          <a:p>
-            <a:pPr marL="12700">
-              <a:lnSpc>
-                <a:spcPct val="100000"/>
-              </a:lnSpc>
-              <a:spcBef>
-                <a:spcPts val="95"/>
-              </a:spcBef>
-            </a:pPr>
-            <a:r>
-              <a:rPr sz="6600" b="1" spc="-110" dirty="0">
-                <a:solidFill>
-                  <a:schemeClr val="bg1"/>
-                </a:solidFill>
+              <a:rPr sz="6600" b="1" spc="-200" dirty="0">
                 <a:latin typeface="Diagramm Bold"/>
                 <a:cs typeface="Diagramm Bold"/>
               </a:rPr>
-              <a:t>VIDE</a:t>
-            </a:r>
-            <a:r>
-              <a:rPr sz="6600" b="1" spc="-480" dirty="0">
-                <a:solidFill>
-                  <a:schemeClr val="bg1"/>
-                </a:solidFill>
+              <a:t>VIDEO/IMAGE</a:t>
+            </a:r>
+            <a:r>
+              <a:rPr sz="6600" b="1" spc="405" dirty="0">
                 <a:latin typeface="Diagramm Bold"/>
                 <a:cs typeface="Diagramm Bold"/>
               </a:rPr>
-              <a:t>O</a:t>
-            </a:r>
-            <a:r>
-              <a:rPr sz="6600" b="1" spc="25" dirty="0">
-                <a:solidFill>
-                  <a:schemeClr val="bg1"/>
-                </a:solidFill>
+              <a:t> </a:t>
+            </a:r>
+            <a:r>
+              <a:rPr sz="6600" b="1" spc="-204" dirty="0">
                 <a:latin typeface="Diagramm Bold"/>
                 <a:cs typeface="Diagramm Bold"/>
               </a:rPr>
-              <a:t>/</a:t>
-            </a:r>
-            <a:r>
-              <a:rPr sz="6600" b="1" spc="-135" dirty="0">
-                <a:solidFill>
-                  <a:schemeClr val="bg1"/>
-                </a:solidFill>
+              <a:t>FULL</a:t>
+            </a:r>
+            <a:r>
+              <a:rPr sz="6600" b="1" spc="409" dirty="0">
                 <a:latin typeface="Diagramm Bold"/>
                 <a:cs typeface="Diagramm Bold"/>
               </a:rPr>
-              <a:t>IM</a:t>
-            </a:r>
-            <a:r>
-              <a:rPr sz="6600" b="1" spc="-409" dirty="0">
-                <a:solidFill>
-                  <a:schemeClr val="bg1"/>
-                </a:solidFill>
+              <a:t> </a:t>
+            </a:r>
+            <a:r>
+              <a:rPr sz="6600" b="1" spc="-225" dirty="0">
                 <a:latin typeface="Diagramm Bold"/>
                 <a:cs typeface="Diagramm Bold"/>
               </a:rPr>
-              <a:t>A</a:t>
-            </a:r>
-            <a:r>
-              <a:rPr sz="6600" b="1" spc="-220" dirty="0">
-                <a:solidFill>
-                  <a:schemeClr val="bg1"/>
-                </a:solidFill>
-                <a:latin typeface="Diagramm Bold"/>
-                <a:cs typeface="Diagramm Bold"/>
-              </a:rPr>
-              <a:t>G</a:t>
-            </a:r>
-            <a:r>
-              <a:rPr sz="6600" b="1" spc="-430" dirty="0">
-                <a:solidFill>
-                  <a:schemeClr val="bg1"/>
-                </a:solidFill>
-                <a:latin typeface="Diagramm Bold"/>
-                <a:cs typeface="Diagramm Bold"/>
-              </a:rPr>
-              <a:t>E</a:t>
+              <a:t>SCREEN</a:t>
             </a:r>
             <a:endParaRPr sz="6600" dirty="0">
-              <a:solidFill>
-                <a:schemeClr val="bg1"/>
-              </a:solidFill>
               <a:latin typeface="Diagramm Bold"/>
               <a:cs typeface="Diagramm Bold"/>
             </a:endParaRPr>
@@ -6449,81 +8498,12 @@
       </p:sp>
       <p:sp>
         <p:nvSpPr>
-          <p:cNvPr id="12" name="object 12"/>
-          <p:cNvSpPr txBox="1"/>
-          <p:nvPr/>
-        </p:nvSpPr>
-        <p:spPr>
-          <a:xfrm>
-            <a:off x="14017993" y="5820886"/>
-            <a:ext cx="2101850" cy="402590"/>
-          </a:xfrm>
-          <a:prstGeom prst="rect">
-            <a:avLst/>
-          </a:prstGeom>
-        </p:spPr>
-        <p:txBody>
-          <a:bodyPr vert="horz" wrap="square" lIns="0" tIns="15240" rIns="0" bIns="0" rtlCol="0">
-            <a:spAutoFit/>
-          </a:bodyPr>
-          <a:lstStyle/>
-          <a:p>
-            <a:pPr marL="12700">
-              <a:lnSpc>
-                <a:spcPct val="100000"/>
-              </a:lnSpc>
-              <a:spcBef>
-                <a:spcPts val="120"/>
-              </a:spcBef>
-            </a:pPr>
-            <a:r>
-              <a:rPr sz="2450" b="1" spc="-70" dirty="0">
-                <a:solidFill>
-                  <a:schemeClr val="bg1"/>
-                </a:solidFill>
-                <a:latin typeface="Diagramm Bold"/>
-                <a:cs typeface="Diagramm Bold"/>
-              </a:rPr>
-              <a:t>(NO</a:t>
-            </a:r>
-            <a:r>
-              <a:rPr sz="2450" b="1" spc="114" dirty="0">
-                <a:solidFill>
-                  <a:schemeClr val="bg1"/>
-                </a:solidFill>
-                <a:latin typeface="Diagramm Bold"/>
-                <a:cs typeface="Diagramm Bold"/>
-              </a:rPr>
-              <a:t> </a:t>
-            </a:r>
-            <a:r>
-              <a:rPr sz="2450" b="1" spc="-55" dirty="0">
-                <a:solidFill>
-                  <a:schemeClr val="bg1"/>
-                </a:solidFill>
-                <a:latin typeface="Diagramm Bold"/>
-                <a:cs typeface="Diagramm Bold"/>
-              </a:rPr>
-              <a:t>BORDER)</a:t>
-            </a:r>
-            <a:endParaRPr sz="2450" dirty="0">
-              <a:solidFill>
-                <a:schemeClr val="bg1"/>
-              </a:solidFill>
-              <a:latin typeface="Diagramm Bold"/>
-              <a:cs typeface="Diagramm Bold"/>
-            </a:endParaRPr>
-          </a:p>
-        </p:txBody>
-      </p:sp>
-      <p:sp>
-        <p:nvSpPr>
-          <p:cNvPr id="13" name="object 13"/>
+          <p:cNvPr id="4" name="object 4"/>
           <p:cNvSpPr txBox="1">
             <a:spLocks noGrp="1"/>
           </p:cNvSpPr>
           <p:nvPr>
-            <p:ph type="title"/>
+            <p:ph type="ctrTitle"/>
           </p:nvPr>
         </p:nvSpPr>
         <p:spPr>
@@ -6574,63 +8554,6 @@
               </a:solidFill>
               <a:latin typeface="Diagramm Light"/>
               <a:cs typeface="Diagramm Light"/>
-            </a:endParaRPr>
-          </a:p>
-        </p:txBody>
-      </p:sp>
-      <p:sp>
-        <p:nvSpPr>
-          <p:cNvPr id="14" name="object 14"/>
-          <p:cNvSpPr txBox="1"/>
-          <p:nvPr/>
-        </p:nvSpPr>
-        <p:spPr>
-          <a:xfrm>
-            <a:off x="507192" y="1659609"/>
-            <a:ext cx="1029969" cy="402590"/>
-          </a:xfrm>
-          <a:prstGeom prst="rect">
-            <a:avLst/>
-          </a:prstGeom>
-        </p:spPr>
-        <p:txBody>
-          <a:bodyPr vert="horz" wrap="square" lIns="0" tIns="15240" rIns="0" bIns="0" rtlCol="0">
-            <a:spAutoFit/>
-          </a:bodyPr>
-          <a:lstStyle/>
-          <a:p>
-            <a:pPr marL="12700">
-              <a:lnSpc>
-                <a:spcPct val="100000"/>
-              </a:lnSpc>
-              <a:spcBef>
-                <a:spcPts val="120"/>
-              </a:spcBef>
-            </a:pPr>
-            <a:r>
-              <a:rPr sz="2450" spc="15" dirty="0">
-                <a:latin typeface="Diagramm"/>
-                <a:cs typeface="Diagramm"/>
-              </a:rPr>
-              <a:t>T</a:t>
-            </a:r>
-            <a:r>
-              <a:rPr sz="2450" spc="20" dirty="0">
-                <a:latin typeface="Diagramm"/>
-                <a:cs typeface="Diagramm"/>
-              </a:rPr>
-              <a:t>E</a:t>
-            </a:r>
-            <a:r>
-              <a:rPr sz="2450" spc="15" dirty="0">
-                <a:latin typeface="Diagramm"/>
-                <a:cs typeface="Diagramm"/>
-              </a:rPr>
-              <a:t>XTE</a:t>
-            </a:r>
-            <a:endParaRPr sz="2450">
-              <a:latin typeface="Diagramm"/>
-              <a:cs typeface="Diagramm"/>
             </a:endParaRPr>
           </a:p>
         </p:txBody>
@@ -6643,7 +8566,7 @@
 </p:sld>
 </file>
 
-<file path=ppt/slides/slide21.xml><?xml version="1.0" encoding="utf-8"?>
+<file path=ppt/slides/slide27.xml><?xml version="1.0" encoding="utf-8"?>
 <p:sld xmlns:a="http://schemas.openxmlformats.org/drawingml/2006/main" xmlns:r="http://schemas.openxmlformats.org/officeDocument/2006/relationships" xmlns:p="http://schemas.openxmlformats.org/presentationml/2006/main" showMasterSp="0">
   <p:cSld>
     <p:spTree>
@@ -6684,16 +8607,126 @@
           </a:prstGeom>
         </p:spPr>
       </p:pic>
-      <p:sp>
-        <p:nvSpPr>
+      <p:pic>
+        <p:nvPicPr>
           <p:cNvPr id="3" name="object 3"/>
+          <p:cNvPicPr/>
+          <p:nvPr/>
+        </p:nvPicPr>
+        <p:blipFill>
+          <a:blip r:embed="rId3" cstate="print"/>
+          <a:stretch>
+            <a:fillRect/>
+          </a:stretch>
+        </p:blipFill>
+        <p:spPr>
+          <a:xfrm>
+            <a:off x="6753723" y="3"/>
+            <a:ext cx="13350376" cy="11308549"/>
+          </a:xfrm>
+          <a:prstGeom prst="rect">
+            <a:avLst/>
+          </a:prstGeom>
+        </p:spPr>
+      </p:pic>
+      <p:pic>
+        <p:nvPicPr>
+          <p:cNvPr id="4" name="object 4"/>
+          <p:cNvPicPr/>
+          <p:nvPr/>
+        </p:nvPicPr>
+        <p:blipFill>
+          <a:blip r:embed="rId4" cstate="print"/>
+          <a:stretch>
+            <a:fillRect/>
+          </a:stretch>
+        </p:blipFill>
+        <p:spPr>
+          <a:xfrm>
+            <a:off x="460779" y="8439489"/>
+            <a:ext cx="1350720" cy="1811459"/>
+          </a:xfrm>
+          <a:prstGeom prst="rect">
+            <a:avLst/>
+          </a:prstGeom>
+        </p:spPr>
+      </p:pic>
+      <p:pic>
+        <p:nvPicPr>
+          <p:cNvPr id="5" name="object 5"/>
+          <p:cNvPicPr/>
+          <p:nvPr/>
+        </p:nvPicPr>
+        <p:blipFill>
+          <a:blip r:embed="rId4" cstate="print"/>
+          <a:stretch>
+            <a:fillRect/>
+          </a:stretch>
+        </p:blipFill>
+        <p:spPr>
+          <a:xfrm>
+            <a:off x="1947636" y="8439489"/>
+            <a:ext cx="1350750" cy="1811459"/>
+          </a:xfrm>
+          <a:prstGeom prst="rect">
+            <a:avLst/>
+          </a:prstGeom>
+        </p:spPr>
+      </p:pic>
+      <p:pic>
+        <p:nvPicPr>
+          <p:cNvPr id="6" name="object 6"/>
+          <p:cNvPicPr/>
+          <p:nvPr/>
+        </p:nvPicPr>
+        <p:blipFill>
+          <a:blip r:embed="rId4" cstate="print"/>
+          <a:stretch>
+            <a:fillRect/>
+          </a:stretch>
+        </p:blipFill>
+        <p:spPr>
+          <a:xfrm>
+            <a:off x="3444970" y="8439489"/>
+            <a:ext cx="1350752" cy="1811459"/>
+          </a:xfrm>
+          <a:prstGeom prst="rect">
+            <a:avLst/>
+          </a:prstGeom>
+        </p:spPr>
+      </p:pic>
+      <p:pic>
+        <p:nvPicPr>
+          <p:cNvPr id="7" name="object 7"/>
+          <p:cNvPicPr/>
+          <p:nvPr/>
+        </p:nvPicPr>
+        <p:blipFill>
+          <a:blip r:embed="rId4" cstate="print"/>
+          <a:stretch>
+            <a:fillRect/>
+          </a:stretch>
+        </p:blipFill>
+        <p:spPr>
+          <a:xfrm>
+            <a:off x="4942305" y="8439489"/>
+            <a:ext cx="1350750" cy="1811459"/>
+          </a:xfrm>
+          <a:prstGeom prst="rect">
+            <a:avLst/>
+          </a:prstGeom>
+        </p:spPr>
+      </p:pic>
+      <p:sp>
+        <p:nvSpPr>
+          <p:cNvPr id="8" name="object 8"/>
           <p:cNvSpPr txBox="1"/>
           <p:nvPr/>
         </p:nvSpPr>
         <p:spPr>
           <a:xfrm>
-            <a:off x="4215863" y="4920431"/>
-            <a:ext cx="11653520" cy="1030605"/>
+            <a:off x="381541" y="10580816"/>
+            <a:ext cx="5995035" cy="314960"/>
           </a:xfrm>
           <a:prstGeom prst="rect">
             <a:avLst/>
@@ -6714,28 +8747,248 @@
               </a:spcBef>
             </a:pPr>
             <a:r>
+              <a:rPr sz="1900" spc="-5" dirty="0">
+                <a:solidFill>
+                  <a:schemeClr val="bg1"/>
+                </a:solidFill>
+                <a:latin typeface="Diagramm"/>
+                <a:cs typeface="Diagramm"/>
+              </a:rPr>
+              <a:t>COURTINE</a:t>
+            </a:r>
+            <a:r>
+              <a:rPr sz="1900" spc="-10" dirty="0">
+                <a:solidFill>
+                  <a:schemeClr val="bg1"/>
+                </a:solidFill>
+                <a:latin typeface="Diagramm"/>
+                <a:cs typeface="Diagramm"/>
+              </a:rPr>
+              <a:t> </a:t>
+            </a:r>
+            <a:r>
+              <a:rPr sz="1900" spc="-5" dirty="0">
+                <a:solidFill>
+                  <a:schemeClr val="bg1"/>
+                </a:solidFill>
+                <a:latin typeface="Diagramm"/>
+                <a:cs typeface="Diagramm"/>
+              </a:rPr>
+              <a:t>ET AL. </a:t>
+            </a:r>
+            <a:r>
+              <a:rPr sz="1900" dirty="0">
+                <a:solidFill>
+                  <a:schemeClr val="bg1"/>
+                </a:solidFill>
+                <a:latin typeface="Diagramm"/>
+                <a:cs typeface="Diagramm"/>
+              </a:rPr>
+              <a:t>¦</a:t>
+            </a:r>
+            <a:r>
+              <a:rPr sz="1900" spc="-10" dirty="0">
+                <a:solidFill>
+                  <a:schemeClr val="bg1"/>
+                </a:solidFill>
+                <a:latin typeface="Diagramm"/>
+                <a:cs typeface="Diagramm"/>
+              </a:rPr>
+              <a:t> </a:t>
+            </a:r>
+            <a:r>
+              <a:rPr sz="1900" spc="-30" dirty="0">
+                <a:solidFill>
+                  <a:schemeClr val="bg1"/>
+                </a:solidFill>
+                <a:latin typeface="Diagramm"/>
+                <a:cs typeface="Diagramm"/>
+              </a:rPr>
+              <a:t>NATURE</a:t>
+            </a:r>
+            <a:r>
+              <a:rPr sz="1900" spc="-5" dirty="0">
+                <a:solidFill>
+                  <a:schemeClr val="bg1"/>
+                </a:solidFill>
+                <a:latin typeface="Diagramm"/>
+                <a:cs typeface="Diagramm"/>
+              </a:rPr>
+              <a:t> NEUROSCIENCE </a:t>
+            </a:r>
+            <a:r>
+              <a:rPr sz="1900" dirty="0">
+                <a:solidFill>
+                  <a:schemeClr val="bg1"/>
+                </a:solidFill>
+                <a:latin typeface="Diagramm"/>
+                <a:cs typeface="Diagramm"/>
+              </a:rPr>
+              <a:t>¦</a:t>
+            </a:r>
+            <a:r>
+              <a:rPr sz="1900" spc="-10" dirty="0">
+                <a:solidFill>
+                  <a:schemeClr val="bg1"/>
+                </a:solidFill>
+                <a:latin typeface="Diagramm"/>
+                <a:cs typeface="Diagramm"/>
+              </a:rPr>
+              <a:t> </a:t>
+            </a:r>
+            <a:r>
+              <a:rPr sz="1900" spc="-5" dirty="0">
+                <a:solidFill>
+                  <a:schemeClr val="bg1"/>
+                </a:solidFill>
+                <a:latin typeface="Diagramm"/>
+                <a:cs typeface="Diagramm"/>
+              </a:rPr>
+              <a:t>2009</a:t>
+            </a:r>
+            <a:endParaRPr sz="1900" dirty="0">
+              <a:solidFill>
+                <a:schemeClr val="bg1"/>
+              </a:solidFill>
+              <a:latin typeface="Diagramm"/>
+              <a:cs typeface="Diagramm"/>
+            </a:endParaRPr>
+          </a:p>
+        </p:txBody>
+      </p:sp>
+      <p:sp>
+        <p:nvSpPr>
+          <p:cNvPr id="9" name="object 9"/>
+          <p:cNvSpPr txBox="1"/>
+          <p:nvPr/>
+        </p:nvSpPr>
+        <p:spPr>
+          <a:xfrm>
+            <a:off x="507192" y="1659609"/>
+            <a:ext cx="1029969" cy="402590"/>
+          </a:xfrm>
+          <a:prstGeom prst="rect">
+            <a:avLst/>
+          </a:prstGeom>
+        </p:spPr>
+        <p:txBody>
+          <a:bodyPr vert="horz" wrap="square" lIns="0" tIns="15240" rIns="0" bIns="0" rtlCol="0">
+            <a:spAutoFit/>
+          </a:bodyPr>
+          <a:lstStyle/>
+          <a:p>
+            <a:pPr marL="12700">
+              <a:lnSpc>
+                <a:spcPct val="100000"/>
+              </a:lnSpc>
+              <a:spcBef>
+                <a:spcPts val="120"/>
+              </a:spcBef>
+            </a:pPr>
+            <a:r>
+              <a:rPr sz="2450" spc="15" dirty="0">
+                <a:solidFill>
+                  <a:schemeClr val="bg1"/>
+                </a:solidFill>
+                <a:latin typeface="Diagramm"/>
+                <a:cs typeface="Diagramm"/>
+              </a:rPr>
+              <a:t>T</a:t>
+            </a:r>
+            <a:r>
+              <a:rPr sz="2450" spc="20" dirty="0">
+                <a:solidFill>
+                  <a:schemeClr val="bg1"/>
+                </a:solidFill>
+                <a:latin typeface="Diagramm"/>
+                <a:cs typeface="Diagramm"/>
+              </a:rPr>
+              <a:t>E</a:t>
+            </a:r>
+            <a:r>
+              <a:rPr sz="2450" spc="15" dirty="0">
+                <a:solidFill>
+                  <a:schemeClr val="bg1"/>
+                </a:solidFill>
+                <a:latin typeface="Diagramm"/>
+                <a:cs typeface="Diagramm"/>
+              </a:rPr>
+              <a:t>XTE</a:t>
+            </a:r>
+            <a:endParaRPr sz="2450" dirty="0">
+              <a:solidFill>
+                <a:schemeClr val="bg1"/>
+              </a:solidFill>
+              <a:latin typeface="Diagramm"/>
+              <a:cs typeface="Diagramm"/>
+            </a:endParaRPr>
+          </a:p>
+        </p:txBody>
+      </p:sp>
+      <p:sp>
+        <p:nvSpPr>
+          <p:cNvPr id="10" name="object 10"/>
+          <p:cNvSpPr txBox="1"/>
+          <p:nvPr/>
+        </p:nvSpPr>
+        <p:spPr>
+          <a:xfrm>
+            <a:off x="8072676" y="4920431"/>
+            <a:ext cx="10955655" cy="1030605"/>
+          </a:xfrm>
+          <a:prstGeom prst="rect">
+            <a:avLst/>
+          </a:prstGeom>
+        </p:spPr>
+        <p:txBody>
+          <a:bodyPr vert="horz" wrap="square" lIns="0" tIns="12065" rIns="0" bIns="0" rtlCol="0">
+            <a:spAutoFit/>
+          </a:bodyPr>
+          <a:lstStyle/>
+          <a:p>
+            <a:pPr marL="12700">
+              <a:lnSpc>
+                <a:spcPct val="100000"/>
+              </a:lnSpc>
+              <a:spcBef>
+                <a:spcPts val="95"/>
+              </a:spcBef>
+            </a:pPr>
+            <a:r>
               <a:rPr sz="6600" b="1" spc="-200" dirty="0">
+                <a:solidFill>
+                  <a:schemeClr val="bg1"/>
+                </a:solidFill>
                 <a:latin typeface="Diagramm Bold"/>
                 <a:cs typeface="Diagramm Bold"/>
               </a:rPr>
               <a:t>VIDEO/IMAGE</a:t>
             </a:r>
             <a:r>
-              <a:rPr sz="6600" b="1" spc="405" dirty="0">
+              <a:rPr sz="6600" b="1" spc="409" dirty="0">
+                <a:solidFill>
+                  <a:schemeClr val="bg1"/>
+                </a:solidFill>
                 <a:latin typeface="Diagramm Bold"/>
                 <a:cs typeface="Diagramm Bold"/>
               </a:rPr>
               <a:t> </a:t>
             </a:r>
             <a:r>
-              <a:rPr sz="6600" b="1" spc="-204" dirty="0">
+              <a:rPr sz="6600" b="1" spc="-195" dirty="0">
+                <a:solidFill>
+                  <a:schemeClr val="bg1"/>
+                </a:solidFill>
                 <a:latin typeface="Diagramm Bold"/>
                 <a:cs typeface="Diagramm Bold"/>
               </a:rPr>
-              <a:t>FULL</a:t>
+              <a:t>2/3</a:t>
             </a:r>
             <a:r>
               <a:rPr sz="6600" b="1" spc="409" dirty="0">
+                <a:solidFill>
+                  <a:schemeClr val="bg1"/>
+                </a:solidFill>
                 <a:latin typeface="Diagramm Bold"/>
                 <a:cs typeface="Diagramm Bold"/>
               </a:rPr>
@@ -6743,12 +8996,18 @@
             </a:r>
             <a:r>
               <a:rPr sz="6600" b="1" spc="-225" dirty="0">
+                <a:solidFill>
+                  <a:schemeClr val="bg1"/>
+                </a:solidFill>
                 <a:latin typeface="Diagramm Bold"/>
                 <a:cs typeface="Diagramm Bold"/>
               </a:rPr>
               <a:t>SCREEN</a:t>
             </a:r>
             <a:endParaRPr sz="6600" dirty="0">
+              <a:solidFill>
+                <a:schemeClr val="bg1"/>
+              </a:solidFill>
               <a:latin typeface="Diagramm Bold"/>
               <a:cs typeface="Diagramm Bold"/>
             </a:endParaRPr>
@@ -6757,15 +9016,19 @@
       </p:sp>
       <p:sp>
         <p:nvSpPr>
-          <p:cNvPr id="4" name="object 4"/>
+          <p:cNvPr id="11" name="object 11"/>
           <p:cNvSpPr txBox="1">
             <a:spLocks noGrp="1"/>
           </p:cNvSpPr>
           <p:nvPr>
-            <p:ph type="ctrTitle"/>
+            <p:ph type="title"/>
           </p:nvPr>
         </p:nvSpPr>
         <p:spPr>
+          <a:xfrm>
+            <a:off x="478701" y="396875"/>
+            <a:ext cx="19118207" cy="1031240"/>
+          </a:xfrm>
           <a:prstGeom prst="rect">
             <a:avLst/>
           </a:prstGeom>
@@ -6825,7 +9088,7 @@
 </p:sld>
 </file>
 
-<file path=ppt/slides/slide22.xml><?xml version="1.0" encoding="utf-8"?>
+<file path=ppt/slides/slide28.xml><?xml version="1.0" encoding="utf-8"?>
 <p:sld xmlns:a="http://schemas.openxmlformats.org/drawingml/2006/main" xmlns:r="http://schemas.openxmlformats.org/officeDocument/2006/relationships" xmlns:p="http://schemas.openxmlformats.org/presentationml/2006/main" showMasterSp="0">
   <p:cSld>
     <p:spTree>
@@ -6880,8 +9143,8 @@
         </p:blipFill>
         <p:spPr>
           <a:xfrm>
-            <a:off x="6753723" y="3"/>
-            <a:ext cx="13350376" cy="11308549"/>
+            <a:off x="575958" y="8439489"/>
+            <a:ext cx="1350720" cy="1811459"/>
           </a:xfrm>
           <a:prstGeom prst="rect">
             <a:avLst/>
@@ -6891,6 +9154,255 @@
       <p:pic>
         <p:nvPicPr>
           <p:cNvPr id="4" name="object 4"/>
+          <p:cNvPicPr/>
+          <p:nvPr/>
+        </p:nvPicPr>
+        <p:blipFill>
+          <a:blip r:embed="rId3" cstate="print"/>
+          <a:stretch>
+            <a:fillRect/>
+          </a:stretch>
+        </p:blipFill>
+        <p:spPr>
+          <a:xfrm>
+            <a:off x="2062813" y="8439489"/>
+            <a:ext cx="1350750" cy="1811459"/>
+          </a:xfrm>
+          <a:prstGeom prst="rect">
+            <a:avLst/>
+          </a:prstGeom>
+        </p:spPr>
+      </p:pic>
+      <p:pic>
+        <p:nvPicPr>
+          <p:cNvPr id="5" name="object 5"/>
+          <p:cNvPicPr/>
+          <p:nvPr/>
+        </p:nvPicPr>
+        <p:blipFill>
+          <a:blip r:embed="rId3" cstate="print"/>
+          <a:stretch>
+            <a:fillRect/>
+          </a:stretch>
+        </p:blipFill>
+        <p:spPr>
+          <a:xfrm>
+            <a:off x="3560148" y="8439489"/>
+            <a:ext cx="1350750" cy="1811459"/>
+          </a:xfrm>
+          <a:prstGeom prst="rect">
+            <a:avLst/>
+          </a:prstGeom>
+        </p:spPr>
+      </p:pic>
+      <p:pic>
+        <p:nvPicPr>
+          <p:cNvPr id="6" name="object 6"/>
+          <p:cNvPicPr/>
+          <p:nvPr/>
+        </p:nvPicPr>
+        <p:blipFill>
+          <a:blip r:embed="rId3" cstate="print"/>
+          <a:stretch>
+            <a:fillRect/>
+          </a:stretch>
+        </p:blipFill>
+        <p:spPr>
+          <a:xfrm>
+            <a:off x="5057481" y="8439489"/>
+            <a:ext cx="1350752" cy="1811459"/>
+          </a:xfrm>
+          <a:prstGeom prst="rect">
+            <a:avLst/>
+          </a:prstGeom>
+        </p:spPr>
+      </p:pic>
+      <p:pic>
+        <p:nvPicPr>
+          <p:cNvPr id="7" name="object 7"/>
+          <p:cNvPicPr/>
+          <p:nvPr/>
+        </p:nvPicPr>
+        <p:blipFill>
+          <a:blip r:embed="rId3" cstate="print"/>
+          <a:stretch>
+            <a:fillRect/>
+          </a:stretch>
+        </p:blipFill>
+        <p:spPr>
+          <a:xfrm>
+            <a:off x="6554816" y="8439489"/>
+            <a:ext cx="1350752" cy="1811459"/>
+          </a:xfrm>
+          <a:prstGeom prst="rect">
+            <a:avLst/>
+          </a:prstGeom>
+        </p:spPr>
+      </p:pic>
+      <p:pic>
+        <p:nvPicPr>
+          <p:cNvPr id="8" name="object 8"/>
+          <p:cNvPicPr/>
+          <p:nvPr/>
+        </p:nvPicPr>
+        <p:blipFill>
+          <a:blip r:embed="rId3" cstate="print"/>
+          <a:stretch>
+            <a:fillRect/>
+          </a:stretch>
+        </p:blipFill>
+        <p:spPr>
+          <a:xfrm>
+            <a:off x="8052152" y="8439489"/>
+            <a:ext cx="1350750" cy="1811459"/>
+          </a:xfrm>
+          <a:prstGeom prst="rect">
+            <a:avLst/>
+          </a:prstGeom>
+        </p:spPr>
+      </p:pic>
+      <p:sp>
+        <p:nvSpPr>
+          <p:cNvPr id="9" name="object 9"/>
+          <p:cNvSpPr txBox="1"/>
+          <p:nvPr/>
+        </p:nvSpPr>
+        <p:spPr>
+          <a:xfrm>
+            <a:off x="1983343" y="10570298"/>
+            <a:ext cx="5995035" cy="314960"/>
+          </a:xfrm>
+          <a:prstGeom prst="rect">
+            <a:avLst/>
+          </a:prstGeom>
+        </p:spPr>
+        <p:txBody>
+          <a:bodyPr vert="horz" wrap="square" lIns="0" tIns="12065" rIns="0" bIns="0" rtlCol="0">
+            <a:spAutoFit/>
+          </a:bodyPr>
+          <a:lstStyle/>
+          <a:p>
+            <a:pPr marL="12700">
+              <a:lnSpc>
+                <a:spcPct val="100000"/>
+              </a:lnSpc>
+              <a:spcBef>
+                <a:spcPts val="95"/>
+              </a:spcBef>
+            </a:pPr>
+            <a:r>
+              <a:rPr sz="1900" spc="-5" dirty="0">
+                <a:solidFill>
+                  <a:schemeClr val="bg1"/>
+                </a:solidFill>
+                <a:latin typeface="Diagramm"/>
+                <a:cs typeface="Diagramm"/>
+              </a:rPr>
+              <a:t>COURTINE</a:t>
+            </a:r>
+            <a:r>
+              <a:rPr sz="1900" spc="-10" dirty="0">
+                <a:solidFill>
+                  <a:schemeClr val="bg1"/>
+                </a:solidFill>
+                <a:latin typeface="Diagramm"/>
+                <a:cs typeface="Diagramm"/>
+              </a:rPr>
+              <a:t> </a:t>
+            </a:r>
+            <a:r>
+              <a:rPr sz="1900" spc="-5" dirty="0">
+                <a:solidFill>
+                  <a:schemeClr val="bg1"/>
+                </a:solidFill>
+                <a:latin typeface="Diagramm"/>
+                <a:cs typeface="Diagramm"/>
+              </a:rPr>
+              <a:t>ET AL. </a:t>
+            </a:r>
+            <a:r>
+              <a:rPr sz="1900" dirty="0">
+                <a:solidFill>
+                  <a:schemeClr val="bg1"/>
+                </a:solidFill>
+                <a:latin typeface="Diagramm"/>
+                <a:cs typeface="Diagramm"/>
+              </a:rPr>
+              <a:t>¦</a:t>
+            </a:r>
+            <a:r>
+              <a:rPr sz="1900" spc="-10" dirty="0">
+                <a:solidFill>
+                  <a:schemeClr val="bg1"/>
+                </a:solidFill>
+                <a:latin typeface="Diagramm"/>
+                <a:cs typeface="Diagramm"/>
+              </a:rPr>
+              <a:t> </a:t>
+            </a:r>
+            <a:r>
+              <a:rPr sz="1900" spc="-30" dirty="0">
+                <a:solidFill>
+                  <a:schemeClr val="bg1"/>
+                </a:solidFill>
+                <a:latin typeface="Diagramm"/>
+                <a:cs typeface="Diagramm"/>
+              </a:rPr>
+              <a:t>NATURE</a:t>
+            </a:r>
+            <a:r>
+              <a:rPr sz="1900" spc="-5" dirty="0">
+                <a:solidFill>
+                  <a:schemeClr val="bg1"/>
+                </a:solidFill>
+                <a:latin typeface="Diagramm"/>
+                <a:cs typeface="Diagramm"/>
+              </a:rPr>
+              <a:t> NEUROSCIENCE </a:t>
+            </a:r>
+            <a:r>
+              <a:rPr sz="1900" dirty="0">
+                <a:solidFill>
+                  <a:schemeClr val="bg1"/>
+                </a:solidFill>
+                <a:latin typeface="Diagramm"/>
+                <a:cs typeface="Diagramm"/>
+              </a:rPr>
+              <a:t>¦</a:t>
+            </a:r>
+            <a:r>
+              <a:rPr sz="1900" spc="-10" dirty="0">
+                <a:solidFill>
+                  <a:schemeClr val="bg1"/>
+                </a:solidFill>
+                <a:latin typeface="Diagramm"/>
+                <a:cs typeface="Diagramm"/>
+              </a:rPr>
+              <a:t> </a:t>
+            </a:r>
+            <a:r>
+              <a:rPr sz="1900" spc="-5" dirty="0">
+                <a:solidFill>
+                  <a:schemeClr val="bg1"/>
+                </a:solidFill>
+                <a:latin typeface="Diagramm"/>
+                <a:cs typeface="Diagramm"/>
+              </a:rPr>
+              <a:t>2009</a:t>
+            </a:r>
+            <a:endParaRPr sz="1900" dirty="0">
+              <a:solidFill>
+                <a:schemeClr val="bg1"/>
+              </a:solidFill>
+              <a:latin typeface="Diagramm"/>
+              <a:cs typeface="Diagramm"/>
+            </a:endParaRPr>
+          </a:p>
+        </p:txBody>
+      </p:sp>
+      <p:pic>
+        <p:nvPicPr>
+          <p:cNvPr id="10" name="object 10"/>
           <p:cNvPicPr/>
           <p:nvPr/>
         </p:nvPicPr>
@@ -6902,90 +9414,24 @@
         </p:blipFill>
         <p:spPr>
           <a:xfrm>
-            <a:off x="460779" y="8439489"/>
-            <a:ext cx="1350720" cy="1811459"/>
+            <a:off x="10093918" y="3"/>
+            <a:ext cx="10010181" cy="11308549"/>
           </a:xfrm>
           <a:prstGeom prst="rect">
             <a:avLst/>
           </a:prstGeom>
         </p:spPr>
       </p:pic>
-      <p:pic>
-        <p:nvPicPr>
-          <p:cNvPr id="5" name="object 5"/>
-          <p:cNvPicPr/>
-          <p:nvPr/>
-        </p:nvPicPr>
-        <p:blipFill>
-          <a:blip r:embed="rId4" cstate="print"/>
-          <a:stretch>
-            <a:fillRect/>
-          </a:stretch>
-        </p:blipFill>
-        <p:spPr>
-          <a:xfrm>
-            <a:off x="1947636" y="8439489"/>
-            <a:ext cx="1350750" cy="1811459"/>
-          </a:xfrm>
-          <a:prstGeom prst="rect">
-            <a:avLst/>
-          </a:prstGeom>
-        </p:spPr>
-      </p:pic>
-      <p:pic>
-        <p:nvPicPr>
-          <p:cNvPr id="6" name="object 6"/>
-          <p:cNvPicPr/>
-          <p:nvPr/>
-        </p:nvPicPr>
-        <p:blipFill>
-          <a:blip r:embed="rId4" cstate="print"/>
-          <a:stretch>
-            <a:fillRect/>
-          </a:stretch>
-        </p:blipFill>
-        <p:spPr>
-          <a:xfrm>
-            <a:off x="3444970" y="8439489"/>
-            <a:ext cx="1350752" cy="1811459"/>
-          </a:xfrm>
-          <a:prstGeom prst="rect">
-            <a:avLst/>
-          </a:prstGeom>
-        </p:spPr>
-      </p:pic>
-      <p:pic>
-        <p:nvPicPr>
-          <p:cNvPr id="7" name="object 7"/>
-          <p:cNvPicPr/>
-          <p:nvPr/>
-        </p:nvPicPr>
-        <p:blipFill>
-          <a:blip r:embed="rId4" cstate="print"/>
-          <a:stretch>
-            <a:fillRect/>
-          </a:stretch>
-        </p:blipFill>
-        <p:spPr>
-          <a:xfrm>
-            <a:off x="4942305" y="8439489"/>
-            <a:ext cx="1350750" cy="1811459"/>
-          </a:xfrm>
-          <a:prstGeom prst="rect">
-            <a:avLst/>
-          </a:prstGeom>
-        </p:spPr>
-      </p:pic>
-      <p:sp>
-        <p:nvSpPr>
-          <p:cNvPr id="8" name="object 8"/>
+      <p:sp>
+        <p:nvSpPr>
+          <p:cNvPr id="11" name="object 11"/>
           <p:cNvSpPr txBox="1"/>
           <p:nvPr/>
         </p:nvSpPr>
         <p:spPr>
           <a:xfrm>
-            <a:off x="381541" y="10580816"/>
-            <a:ext cx="5995035" cy="314960"/>
+            <a:off x="12194899" y="4920431"/>
+            <a:ext cx="5748020" cy="1030605"/>
           </a:xfrm>
           <a:prstGeom prst="rect">
             <a:avLst/>
@@ -7006,262 +9452,74 @@
               </a:spcBef>
             </a:pPr>
             <a:r>
-              <a:rPr sz="1900" spc="-5" dirty="0">
-                <a:solidFill>
-                  <a:schemeClr val="bg1"/>
-                </a:solidFill>
-                <a:latin typeface="Diagramm"/>
-                <a:cs typeface="Diagramm"/>
-              </a:rPr>
-              <a:t>COURTINE</a:t>
-            </a:r>
-            <a:r>
-              <a:rPr sz="1900" spc="-10" dirty="0">
-                <a:solidFill>
-                  <a:schemeClr val="bg1"/>
-                </a:solidFill>
-                <a:latin typeface="Diagramm"/>
-                <a:cs typeface="Diagramm"/>
-              </a:rPr>
-              <a:t> </a:t>
-            </a:r>
-            <a:r>
-              <a:rPr sz="1900" spc="-5" dirty="0">
-                <a:solidFill>
-                  <a:schemeClr val="bg1"/>
-                </a:solidFill>
-                <a:latin typeface="Diagramm"/>
-                <a:cs typeface="Diagramm"/>
-              </a:rPr>
-              <a:t>ET AL. </a:t>
-            </a:r>
-            <a:r>
-              <a:rPr sz="1900" dirty="0">
-                <a:solidFill>
-                  <a:schemeClr val="bg1"/>
-                </a:solidFill>
-                <a:latin typeface="Diagramm"/>
-                <a:cs typeface="Diagramm"/>
-              </a:rPr>
-              <a:t>¦</a:t>
-            </a:r>
-            <a:r>
-              <a:rPr sz="1900" spc="-10" dirty="0">
-                <a:solidFill>
-                  <a:schemeClr val="bg1"/>
-                </a:solidFill>
-                <a:latin typeface="Diagramm"/>
-                <a:cs typeface="Diagramm"/>
-              </a:rPr>
-              <a:t> </a:t>
-            </a:r>
-            <a:r>
-              <a:rPr sz="1900" spc="-30" dirty="0">
-                <a:solidFill>
-                  <a:schemeClr val="bg1"/>
-                </a:solidFill>
-                <a:latin typeface="Diagramm"/>
-                <a:cs typeface="Diagramm"/>
-              </a:rPr>
-              <a:t>NATURE</a:t>
-            </a:r>
-            <a:r>
-              <a:rPr sz="1900" spc="-5" dirty="0">
-                <a:solidFill>
-                  <a:schemeClr val="bg1"/>
-                </a:solidFill>
-                <a:latin typeface="Diagramm"/>
-                <a:cs typeface="Diagramm"/>
-              </a:rPr>
-              <a:t> NEUROSCIENCE </a:t>
-            </a:r>
-            <a:r>
-              <a:rPr sz="1900" dirty="0">
-                <a:solidFill>
-                  <a:schemeClr val="bg1"/>
-                </a:solidFill>
-                <a:latin typeface="Diagramm"/>
-                <a:cs typeface="Diagramm"/>
-              </a:rPr>
-              <a:t>¦</a:t>
-            </a:r>
-            <a:r>
-              <a:rPr sz="1900" spc="-10" dirty="0">
-                <a:solidFill>
-                  <a:schemeClr val="bg1"/>
-                </a:solidFill>
-                <a:latin typeface="Diagramm"/>
-                <a:cs typeface="Diagramm"/>
-              </a:rPr>
-              <a:t> </a:t>
-            </a:r>
-            <a:r>
-              <a:rPr sz="1900" spc="-5" dirty="0">
-                <a:solidFill>
-                  <a:schemeClr val="bg1"/>
-                </a:solidFill>
-                <a:latin typeface="Diagramm"/>
-                <a:cs typeface="Diagramm"/>
-              </a:rPr>
-              <a:t>2009</a:t>
-            </a:r>
-            <a:endParaRPr sz="1900" dirty="0">
-              <a:solidFill>
-                <a:schemeClr val="bg1"/>
-              </a:solidFill>
-              <a:latin typeface="Diagramm"/>
-              <a:cs typeface="Diagramm"/>
-            </a:endParaRPr>
-          </a:p>
-        </p:txBody>
-      </p:sp>
-      <p:sp>
-        <p:nvSpPr>
-          <p:cNvPr id="9" name="object 9"/>
-          <p:cNvSpPr txBox="1"/>
-          <p:nvPr/>
-        </p:nvSpPr>
-        <p:spPr>
-          <a:xfrm>
-            <a:off x="507192" y="1659609"/>
-            <a:ext cx="1029969" cy="402590"/>
-          </a:xfrm>
-          <a:prstGeom prst="rect">
-            <a:avLst/>
-          </a:prstGeom>
-        </p:spPr>
-        <p:txBody>
-          <a:bodyPr vert="horz" wrap="square" lIns="0" tIns="15240" rIns="0" bIns="0" rtlCol="0">
-            <a:spAutoFit/>
-          </a:bodyPr>
-          <a:lstStyle/>
-          <a:p>
-            <a:pPr marL="12700">
-              <a:lnSpc>
-                <a:spcPct val="100000"/>
-              </a:lnSpc>
-              <a:spcBef>
-                <a:spcPts val="120"/>
-              </a:spcBef>
-            </a:pPr>
-            <a:r>
-              <a:rPr sz="2450" spc="15" dirty="0">
-                <a:solidFill>
-                  <a:schemeClr val="bg1"/>
-                </a:solidFill>
-                <a:latin typeface="Diagramm"/>
-                <a:cs typeface="Diagramm"/>
-              </a:rPr>
-              <a:t>T</a:t>
-            </a:r>
-            <a:r>
-              <a:rPr sz="2450" spc="20" dirty="0">
-                <a:solidFill>
-                  <a:schemeClr val="bg1"/>
-                </a:solidFill>
-                <a:latin typeface="Diagramm"/>
-                <a:cs typeface="Diagramm"/>
-              </a:rPr>
-              <a:t>E</a:t>
-            </a:r>
-            <a:r>
-              <a:rPr sz="2450" spc="15" dirty="0">
-                <a:solidFill>
-                  <a:schemeClr val="bg1"/>
-                </a:solidFill>
-                <a:latin typeface="Diagramm"/>
-                <a:cs typeface="Diagramm"/>
-              </a:rPr>
-              <a:t>XTE</a:t>
-            </a:r>
-            <a:endParaRPr sz="2450" dirty="0">
-              <a:solidFill>
-                <a:schemeClr val="bg1"/>
-              </a:solidFill>
-              <a:latin typeface="Diagramm"/>
-              <a:cs typeface="Diagramm"/>
-            </a:endParaRPr>
-          </a:p>
-        </p:txBody>
-      </p:sp>
-      <p:sp>
-        <p:nvSpPr>
-          <p:cNvPr id="10" name="object 10"/>
-          <p:cNvSpPr txBox="1"/>
-          <p:nvPr/>
-        </p:nvSpPr>
-        <p:spPr>
-          <a:xfrm>
-            <a:off x="8072676" y="4920431"/>
-            <a:ext cx="10955655" cy="1030605"/>
-          </a:xfrm>
-          <a:prstGeom prst="rect">
-            <a:avLst/>
-          </a:prstGeom>
-        </p:spPr>
-        <p:txBody>
-          <a:bodyPr vert="horz" wrap="square" lIns="0" tIns="12065" rIns="0" bIns="0" rtlCol="0">
-            <a:spAutoFit/>
-          </a:bodyPr>
-          <a:lstStyle/>
-          <a:p>
-            <a:pPr marL="12700">
-              <a:lnSpc>
-                <a:spcPct val="100000"/>
-              </a:lnSpc>
-              <a:spcBef>
-                <a:spcPts val="95"/>
-              </a:spcBef>
-            </a:pPr>
-            <a:r>
-              <a:rPr sz="6600" b="1" spc="-200" dirty="0">
+              <a:rPr sz="6600" b="1" spc="-110" dirty="0">
                 <a:solidFill>
                   <a:schemeClr val="bg1"/>
                 </a:solidFill>
                 <a:latin typeface="Diagramm Bold"/>
                 <a:cs typeface="Diagramm Bold"/>
               </a:rPr>
-              <a:t>VIDEO/IMAGE</a:t>
-            </a:r>
-            <a:r>
-              <a:rPr sz="6600" b="1" spc="409" dirty="0">
+              <a:t>VIDE</a:t>
+            </a:r>
+            <a:r>
+              <a:rPr sz="6600" b="1" spc="-480" dirty="0">
                 <a:solidFill>
                   <a:schemeClr val="bg1"/>
                 </a:solidFill>
                 <a:latin typeface="Diagramm Bold"/>
                 <a:cs typeface="Diagramm Bold"/>
               </a:rPr>
-              <a:t> </a:t>
-            </a:r>
-            <a:r>
-              <a:rPr sz="6600" b="1" spc="-195" dirty="0">
+              <a:t>O</a:t>
+            </a:r>
+            <a:r>
+              <a:rPr sz="6600" b="1" spc="25" dirty="0">
                 <a:solidFill>
                   <a:schemeClr val="bg1"/>
                 </a:solidFill>
                 <a:latin typeface="Diagramm Bold"/>
                 <a:cs typeface="Diagramm Bold"/>
               </a:rPr>
-              <a:t>2/3</a:t>
-            </a:r>
-            <a:r>
-              <a:rPr sz="6600" b="1" spc="409" dirty="0">
+              <a:t>/</a:t>
+            </a:r>
+            <a:r>
+              <a:rPr sz="6600" b="1" spc="-135" dirty="0">
                 <a:solidFill>
                   <a:schemeClr val="bg1"/>
                 </a:solidFill>
                 <a:latin typeface="Diagramm Bold"/>
                 <a:cs typeface="Diagramm Bold"/>
               </a:rPr>
-              <a:t> </a:t>
-            </a:r>
-            <a:r>
-              <a:rPr sz="6600" b="1" spc="-225" dirty="0">
+              <a:t>IM</a:t>
+            </a:r>
+            <a:r>
+              <a:rPr sz="6600" b="1" spc="-409" dirty="0">
                 <a:solidFill>
                   <a:schemeClr val="bg1"/>
                 </a:solidFill>
                 <a:latin typeface="Diagramm Bold"/>
                 <a:cs typeface="Diagramm Bold"/>
               </a:rPr>
-              <a:t>SCREEN</a:t>
+              <a:t>A</a:t>
+            </a:r>
+            <a:r>
+              <a:rPr sz="6600" b="1" spc="-220" dirty="0">
+                <a:solidFill>
+                  <a:schemeClr val="bg1"/>
+                </a:solidFill>
+                <a:latin typeface="Diagramm Bold"/>
+                <a:cs typeface="Diagramm Bold"/>
+              </a:rPr>
+              <a:t>G</a:t>
+            </a:r>
+            <a:r>
+              <a:rPr sz="6600" b="1" spc="-430" dirty="0">
+                <a:solidFill>
+                  <a:schemeClr val="bg1"/>
+                </a:solidFill>
+                <a:latin typeface="Diagramm Bold"/>
+                <a:cs typeface="Diagramm Bold"/>
+              </a:rPr>
+              <a:t>E</a:t>
             </a:r>
             <a:endParaRPr sz="6600" dirty="0">
               <a:solidFill>
@@ -7275,7 +9533,76 @@
       </p:sp>
       <p:sp>
         <p:nvSpPr>
-          <p:cNvPr id="11" name="object 11"/>
+          <p:cNvPr id="12" name="object 12"/>
+          <p:cNvSpPr txBox="1"/>
+          <p:nvPr/>
+        </p:nvSpPr>
+        <p:spPr>
+          <a:xfrm>
+            <a:off x="14017993" y="5820886"/>
+            <a:ext cx="2101850" cy="402590"/>
+          </a:xfrm>
+          <a:prstGeom prst="rect">
+            <a:avLst/>
+          </a:prstGeom>
+        </p:spPr>
+        <p:txBody>
+          <a:bodyPr vert="horz" wrap="square" lIns="0" tIns="15240" rIns="0" bIns="0" rtlCol="0">
+            <a:spAutoFit/>
+          </a:bodyPr>
+          <a:lstStyle/>
+          <a:p>
+            <a:pPr marL="12700">
+              <a:lnSpc>
+                <a:spcPct val="100000"/>
+              </a:lnSpc>
+              <a:spcBef>
+                <a:spcPts val="120"/>
+              </a:spcBef>
+            </a:pPr>
+            <a:r>
+              <a:rPr sz="2450" b="1" spc="-70" dirty="0">
+                <a:solidFill>
+                  <a:schemeClr val="bg1"/>
+                </a:solidFill>
+                <a:latin typeface="Diagramm Bold"/>
+                <a:cs typeface="Diagramm Bold"/>
+              </a:rPr>
+              <a:t>(NO</a:t>
+            </a:r>
+            <a:r>
+              <a:rPr sz="2450" b="1" spc="114" dirty="0">
+                <a:solidFill>
+                  <a:schemeClr val="bg1"/>
+                </a:solidFill>
+                <a:latin typeface="Diagramm Bold"/>
+                <a:cs typeface="Diagramm Bold"/>
+              </a:rPr>
+              <a:t> </a:t>
+            </a:r>
+            <a:r>
+              <a:rPr sz="2450" b="1" spc="-55" dirty="0">
+                <a:solidFill>
+                  <a:schemeClr val="bg1"/>
+                </a:solidFill>
+                <a:latin typeface="Diagramm Bold"/>
+                <a:cs typeface="Diagramm Bold"/>
+              </a:rPr>
+              <a:t>BORDER)</a:t>
+            </a:r>
+            <a:endParaRPr sz="2450" dirty="0">
+              <a:solidFill>
+                <a:schemeClr val="bg1"/>
+              </a:solidFill>
+              <a:latin typeface="Diagramm Bold"/>
+              <a:cs typeface="Diagramm Bold"/>
+            </a:endParaRPr>
+          </a:p>
+        </p:txBody>
+      </p:sp>
+      <p:sp>
+        <p:nvSpPr>
+          <p:cNvPr id="13" name="object 13"/>
           <p:cNvSpPr txBox="1">
             <a:spLocks noGrp="1"/>
           </p:cNvSpPr>
@@ -7284,10 +9611,6 @@
           </p:nvPr>
         </p:nvSpPr>
         <p:spPr>
-          <a:xfrm>
-            <a:off x="478701" y="396875"/>
-            <a:ext cx="19118207" cy="1031240"/>
-          </a:xfrm>
           <a:prstGeom prst="rect">
             <a:avLst/>
           </a:prstGeom>
@@ -7339,588 +9662,6 @@
           </a:p>
         </p:txBody>
       </p:sp>
-    </p:spTree>
-  </p:cSld>
-  <p:clrMapOvr>
-    <a:masterClrMapping/>
-  </p:clrMapOvr>
-</p:sld>
-</file>
-
-<file path=ppt/slides/slide23.xml><?xml version="1.0" encoding="utf-8"?>
-<p:sld xmlns:a="http://schemas.openxmlformats.org/drawingml/2006/main" xmlns:r="http://schemas.openxmlformats.org/officeDocument/2006/relationships" xmlns:p="http://schemas.openxmlformats.org/presentationml/2006/main" showMasterSp="0">
-  <p:cSld>
-    <p:spTree>
-      <p:nvGrpSpPr>
-        <p:cNvPr id="1" name=""/>
-        <p:cNvGrpSpPr/>
-        <p:nvPr/>
-      </p:nvGrpSpPr>
-      <p:grpSpPr>
-        <a:xfrm>
-          <a:off x="0" y="0"/>
-          <a:ext cx="0" cy="0"/>
-          <a:chOff x="0" y="0"/>
-          <a:chExt cx="0" cy="0"/>
-        </a:xfrm>
-      </p:grpSpPr>
-      <p:pic>
-        <p:nvPicPr>
-          <p:cNvPr id="2" name="object 2"/>
-          <p:cNvPicPr>
-            <a:picLocks noGrp="1" noRot="1" noMove="1" noResize="1" noEditPoints="1" noAdjustHandles="1" noChangeArrowheads="1" noChangeShapeType="1" noCrop="1"/>
-          </p:cNvPicPr>
-          <p:nvPr/>
-        </p:nvPicPr>
-        <p:blipFill>
-          <a:blip r:embed="rId2" cstate="print"/>
-          <a:stretch>
-            <a:fillRect/>
-          </a:stretch>
-        </p:blipFill>
-        <p:spPr>
-          <a:xfrm>
-            <a:off x="0" y="0"/>
-            <a:ext cx="20104100" cy="11308556"/>
-          </a:xfrm>
-          <a:prstGeom prst="rect">
-            <a:avLst/>
-          </a:prstGeom>
-        </p:spPr>
-      </p:pic>
-      <p:pic>
-        <p:nvPicPr>
-          <p:cNvPr id="3" name="object 3"/>
-          <p:cNvPicPr/>
-          <p:nvPr/>
-        </p:nvPicPr>
-        <p:blipFill>
-          <a:blip r:embed="rId3" cstate="print"/>
-          <a:stretch>
-            <a:fillRect/>
-          </a:stretch>
-        </p:blipFill>
-        <p:spPr>
-          <a:xfrm>
-            <a:off x="575958" y="8439489"/>
-            <a:ext cx="1350720" cy="1811459"/>
-          </a:xfrm>
-          <a:prstGeom prst="rect">
-            <a:avLst/>
-          </a:prstGeom>
-        </p:spPr>
-      </p:pic>
-      <p:pic>
-        <p:nvPicPr>
-          <p:cNvPr id="4" name="object 4"/>
-          <p:cNvPicPr/>
-          <p:nvPr/>
-        </p:nvPicPr>
-        <p:blipFill>
-          <a:blip r:embed="rId3" cstate="print"/>
-          <a:stretch>
-            <a:fillRect/>
-          </a:stretch>
-        </p:blipFill>
-        <p:spPr>
-          <a:xfrm>
-            <a:off x="2062813" y="8439489"/>
-            <a:ext cx="1350750" cy="1811459"/>
-          </a:xfrm>
-          <a:prstGeom prst="rect">
-            <a:avLst/>
-          </a:prstGeom>
-        </p:spPr>
-      </p:pic>
-      <p:pic>
-        <p:nvPicPr>
-          <p:cNvPr id="5" name="object 5"/>
-          <p:cNvPicPr/>
-          <p:nvPr/>
-        </p:nvPicPr>
-        <p:blipFill>
-          <a:blip r:embed="rId3" cstate="print"/>
-          <a:stretch>
-            <a:fillRect/>
-          </a:stretch>
-        </p:blipFill>
-        <p:spPr>
-          <a:xfrm>
-            <a:off x="3560148" y="8439489"/>
-            <a:ext cx="1350750" cy="1811459"/>
-          </a:xfrm>
-          <a:prstGeom prst="rect">
-            <a:avLst/>
-          </a:prstGeom>
-        </p:spPr>
-      </p:pic>
-      <p:pic>
-        <p:nvPicPr>
-          <p:cNvPr id="6" name="object 6"/>
-          <p:cNvPicPr/>
-          <p:nvPr/>
-        </p:nvPicPr>
-        <p:blipFill>
-          <a:blip r:embed="rId3" cstate="print"/>
-          <a:stretch>
-            <a:fillRect/>
-          </a:stretch>
-        </p:blipFill>
-        <p:spPr>
-          <a:xfrm>
-            <a:off x="5057481" y="8439489"/>
-            <a:ext cx="1350752" cy="1811459"/>
-          </a:xfrm>
-          <a:prstGeom prst="rect">
-            <a:avLst/>
-          </a:prstGeom>
-        </p:spPr>
-      </p:pic>
-      <p:pic>
-        <p:nvPicPr>
-          <p:cNvPr id="7" name="object 7"/>
-          <p:cNvPicPr/>
-          <p:nvPr/>
-        </p:nvPicPr>
-        <p:blipFill>
-          <a:blip r:embed="rId3" cstate="print"/>
-          <a:stretch>
-            <a:fillRect/>
-          </a:stretch>
-        </p:blipFill>
-        <p:spPr>
-          <a:xfrm>
-            <a:off x="6554816" y="8439489"/>
-            <a:ext cx="1350752" cy="1811459"/>
-          </a:xfrm>
-          <a:prstGeom prst="rect">
-            <a:avLst/>
-          </a:prstGeom>
-        </p:spPr>
-      </p:pic>
-      <p:pic>
-        <p:nvPicPr>
-          <p:cNvPr id="8" name="object 8"/>
-          <p:cNvPicPr/>
-          <p:nvPr/>
-        </p:nvPicPr>
-        <p:blipFill>
-          <a:blip r:embed="rId3" cstate="print"/>
-          <a:stretch>
-            <a:fillRect/>
-          </a:stretch>
-        </p:blipFill>
-        <p:spPr>
-          <a:xfrm>
-            <a:off x="8052152" y="8439489"/>
-            <a:ext cx="1350750" cy="1811459"/>
-          </a:xfrm>
-          <a:prstGeom prst="rect">
-            <a:avLst/>
-          </a:prstGeom>
-        </p:spPr>
-      </p:pic>
-      <p:sp>
-        <p:nvSpPr>
-          <p:cNvPr id="9" name="object 9"/>
-          <p:cNvSpPr txBox="1"/>
-          <p:nvPr/>
-        </p:nvSpPr>
-        <p:spPr>
-          <a:xfrm>
-            <a:off x="1983343" y="10570298"/>
-            <a:ext cx="5995035" cy="314960"/>
-          </a:xfrm>
-          <a:prstGeom prst="rect">
-            <a:avLst/>
-          </a:prstGeom>
-        </p:spPr>
-        <p:txBody>
-          <a:bodyPr vert="horz" wrap="square" lIns="0" tIns="12065" rIns="0" bIns="0" rtlCol="0">
-            <a:spAutoFit/>
-          </a:bodyPr>
-          <a:lstStyle/>
-          <a:p>
-            <a:pPr marL="12700">
-              <a:lnSpc>
-                <a:spcPct val="100000"/>
-              </a:lnSpc>
-              <a:spcBef>
-                <a:spcPts val="95"/>
-              </a:spcBef>
-            </a:pPr>
-            <a:r>
-              <a:rPr sz="1900" spc="-5" dirty="0">
-                <a:solidFill>
-                  <a:schemeClr val="bg1"/>
-                </a:solidFill>
-                <a:latin typeface="Diagramm"/>
-                <a:cs typeface="Diagramm"/>
-              </a:rPr>
-              <a:t>COURTINE</a:t>
-            </a:r>
-            <a:r>
-              <a:rPr sz="1900" spc="-10" dirty="0">
-                <a:solidFill>
-                  <a:schemeClr val="bg1"/>
-                </a:solidFill>
-                <a:latin typeface="Diagramm"/>
-                <a:cs typeface="Diagramm"/>
-              </a:rPr>
-              <a:t> </a:t>
-            </a:r>
-            <a:r>
-              <a:rPr sz="1900" spc="-5" dirty="0">
-                <a:solidFill>
-                  <a:schemeClr val="bg1"/>
-                </a:solidFill>
-                <a:latin typeface="Diagramm"/>
-                <a:cs typeface="Diagramm"/>
-              </a:rPr>
-              <a:t>ET AL. </a:t>
-            </a:r>
-            <a:r>
-              <a:rPr sz="1900" dirty="0">
-                <a:solidFill>
-                  <a:schemeClr val="bg1"/>
-                </a:solidFill>
-                <a:latin typeface="Diagramm"/>
-                <a:cs typeface="Diagramm"/>
-              </a:rPr>
-              <a:t>¦</a:t>
-            </a:r>
-            <a:r>
-              <a:rPr sz="1900" spc="-10" dirty="0">
-                <a:solidFill>
-                  <a:schemeClr val="bg1"/>
-                </a:solidFill>
-                <a:latin typeface="Diagramm"/>
-                <a:cs typeface="Diagramm"/>
-              </a:rPr>
-              <a:t> </a:t>
-            </a:r>
-            <a:r>
-              <a:rPr sz="1900" spc="-30" dirty="0">
-                <a:solidFill>
-                  <a:schemeClr val="bg1"/>
-                </a:solidFill>
-                <a:latin typeface="Diagramm"/>
-                <a:cs typeface="Diagramm"/>
-              </a:rPr>
-              <a:t>NATURE</a:t>
-            </a:r>
-            <a:r>
-              <a:rPr sz="1900" spc="-5" dirty="0">
-                <a:solidFill>
-                  <a:schemeClr val="bg1"/>
-                </a:solidFill>
-                <a:latin typeface="Diagramm"/>
-                <a:cs typeface="Diagramm"/>
-              </a:rPr>
-              <a:t> NEUROSCIENCE </a:t>
-            </a:r>
-            <a:r>
-              <a:rPr sz="1900" dirty="0">
-                <a:solidFill>
-                  <a:schemeClr val="bg1"/>
-                </a:solidFill>
-                <a:latin typeface="Diagramm"/>
-                <a:cs typeface="Diagramm"/>
-              </a:rPr>
-              <a:t>¦</a:t>
-            </a:r>
-            <a:r>
-              <a:rPr sz="1900" spc="-10" dirty="0">
-                <a:solidFill>
-                  <a:schemeClr val="bg1"/>
-                </a:solidFill>
-                <a:latin typeface="Diagramm"/>
-                <a:cs typeface="Diagramm"/>
-              </a:rPr>
-              <a:t> </a:t>
-            </a:r>
-            <a:r>
-              <a:rPr sz="1900" spc="-5" dirty="0">
-                <a:solidFill>
-                  <a:schemeClr val="bg1"/>
-                </a:solidFill>
-                <a:latin typeface="Diagramm"/>
-                <a:cs typeface="Diagramm"/>
-              </a:rPr>
-              <a:t>2009</a:t>
-            </a:r>
-            <a:endParaRPr sz="1900" dirty="0">
-              <a:solidFill>
-                <a:schemeClr val="bg1"/>
-              </a:solidFill>
-              <a:latin typeface="Diagramm"/>
-              <a:cs typeface="Diagramm"/>
-            </a:endParaRPr>
-          </a:p>
-        </p:txBody>
-      </p:sp>
-      <p:pic>
-        <p:nvPicPr>
-          <p:cNvPr id="10" name="object 10"/>
-          <p:cNvPicPr/>
-          <p:nvPr/>
-        </p:nvPicPr>
-        <p:blipFill>
-          <a:blip r:embed="rId4" cstate="print"/>
-          <a:stretch>
-            <a:fillRect/>
-          </a:stretch>
-        </p:blipFill>
-        <p:spPr>
-          <a:xfrm>
-            <a:off x="10093918" y="3"/>
-            <a:ext cx="10010181" cy="11308549"/>
-          </a:xfrm>
-          <a:prstGeom prst="rect">
-            <a:avLst/>
-          </a:prstGeom>
-        </p:spPr>
-      </p:pic>
-      <p:sp>
-        <p:nvSpPr>
-          <p:cNvPr id="11" name="object 11"/>
-          <p:cNvSpPr txBox="1"/>
-          <p:nvPr/>
-        </p:nvSpPr>
-        <p:spPr>
-          <a:xfrm>
-            <a:off x="12194899" y="4920431"/>
-            <a:ext cx="5748020" cy="1030605"/>
-          </a:xfrm>
-          <a:prstGeom prst="rect">
-            <a:avLst/>
-          </a:prstGeom>
-        </p:spPr>
-        <p:txBody>
-          <a:bodyPr vert="horz" wrap="square" lIns="0" tIns="12065" rIns="0" bIns="0" rtlCol="0">
-            <a:spAutoFit/>
-          </a:bodyPr>
-          <a:lstStyle/>
-          <a:p>
-            <a:pPr marL="12700">
-              <a:lnSpc>
-                <a:spcPct val="100000"/>
-              </a:lnSpc>
-              <a:spcBef>
-                <a:spcPts val="95"/>
-              </a:spcBef>
-            </a:pPr>
-            <a:r>
-              <a:rPr sz="6600" b="1" spc="-110" dirty="0">
-                <a:solidFill>
-                  <a:schemeClr val="bg1"/>
-                </a:solidFill>
-                <a:latin typeface="Diagramm Bold"/>
-                <a:cs typeface="Diagramm Bold"/>
-              </a:rPr>
-              <a:t>VIDE</a:t>
-            </a:r>
-            <a:r>
-              <a:rPr sz="6600" b="1" spc="-480" dirty="0">
-                <a:solidFill>
-                  <a:schemeClr val="bg1"/>
-                </a:solidFill>
-                <a:latin typeface="Diagramm Bold"/>
-                <a:cs typeface="Diagramm Bold"/>
-              </a:rPr>
-              <a:t>O</a:t>
-            </a:r>
-            <a:r>
-              <a:rPr sz="6600" b="1" spc="25" dirty="0">
-                <a:solidFill>
-                  <a:schemeClr val="bg1"/>
-                </a:solidFill>
-                <a:latin typeface="Diagramm Bold"/>
-                <a:cs typeface="Diagramm Bold"/>
-              </a:rPr>
-              <a:t>/</a:t>
-            </a:r>
-            <a:r>
-              <a:rPr sz="6600" b="1" spc="-135" dirty="0">
-                <a:solidFill>
-                  <a:schemeClr val="bg1"/>
-                </a:solidFill>
-                <a:latin typeface="Diagramm Bold"/>
-                <a:cs typeface="Diagramm Bold"/>
-              </a:rPr>
-              <a:t>IM</a:t>
-            </a:r>
-            <a:r>
-              <a:rPr sz="6600" b="1" spc="-409" dirty="0">
-                <a:solidFill>
-                  <a:schemeClr val="bg1"/>
-                </a:solidFill>
-                <a:latin typeface="Diagramm Bold"/>
-                <a:cs typeface="Diagramm Bold"/>
-              </a:rPr>
-              <a:t>A</a:t>
-            </a:r>
-            <a:r>
-              <a:rPr sz="6600" b="1" spc="-220" dirty="0">
-                <a:solidFill>
-                  <a:schemeClr val="bg1"/>
-                </a:solidFill>
-                <a:latin typeface="Diagramm Bold"/>
-                <a:cs typeface="Diagramm Bold"/>
-              </a:rPr>
-              <a:t>G</a:t>
-            </a:r>
-            <a:r>
-              <a:rPr sz="6600" b="1" spc="-430" dirty="0">
-                <a:solidFill>
-                  <a:schemeClr val="bg1"/>
-                </a:solidFill>
-                <a:latin typeface="Diagramm Bold"/>
-                <a:cs typeface="Diagramm Bold"/>
-              </a:rPr>
-              <a:t>E</a:t>
-            </a:r>
-            <a:endParaRPr sz="6600" dirty="0">
-              <a:solidFill>
-                <a:schemeClr val="bg1"/>
-              </a:solidFill>
-              <a:latin typeface="Diagramm Bold"/>
-              <a:cs typeface="Diagramm Bold"/>
-            </a:endParaRPr>
-          </a:p>
-        </p:txBody>
-      </p:sp>
-      <p:sp>
-        <p:nvSpPr>
-          <p:cNvPr id="12" name="object 12"/>
-          <p:cNvSpPr txBox="1"/>
-          <p:nvPr/>
-        </p:nvSpPr>
-        <p:spPr>
-          <a:xfrm>
-            <a:off x="14017993" y="5820886"/>
-            <a:ext cx="2101850" cy="402590"/>
-          </a:xfrm>
-          <a:prstGeom prst="rect">
-            <a:avLst/>
-          </a:prstGeom>
-        </p:spPr>
-        <p:txBody>
-          <a:bodyPr vert="horz" wrap="square" lIns="0" tIns="15240" rIns="0" bIns="0" rtlCol="0">
-            <a:spAutoFit/>
-          </a:bodyPr>
-          <a:lstStyle/>
-          <a:p>
-            <a:pPr marL="12700">
-              <a:lnSpc>
-                <a:spcPct val="100000"/>
-              </a:lnSpc>
-              <a:spcBef>
-                <a:spcPts val="120"/>
-              </a:spcBef>
-            </a:pPr>
-            <a:r>
-              <a:rPr sz="2450" b="1" spc="-70" dirty="0">
-                <a:solidFill>
-                  <a:schemeClr val="bg1"/>
-                </a:solidFill>
-                <a:latin typeface="Diagramm Bold"/>
-                <a:cs typeface="Diagramm Bold"/>
-              </a:rPr>
-              <a:t>(NO</a:t>
-            </a:r>
-            <a:r>
-              <a:rPr sz="2450" b="1" spc="114" dirty="0">
-                <a:solidFill>
-                  <a:schemeClr val="bg1"/>
-                </a:solidFill>
-                <a:latin typeface="Diagramm Bold"/>
-                <a:cs typeface="Diagramm Bold"/>
-              </a:rPr>
-              <a:t> </a:t>
-            </a:r>
-            <a:r>
-              <a:rPr sz="2450" b="1" spc="-55" dirty="0">
-                <a:solidFill>
-                  <a:schemeClr val="bg1"/>
-                </a:solidFill>
-                <a:latin typeface="Diagramm Bold"/>
-                <a:cs typeface="Diagramm Bold"/>
-              </a:rPr>
-              <a:t>BORDER)</a:t>
-            </a:r>
-            <a:endParaRPr sz="2450" dirty="0">
-              <a:solidFill>
-                <a:schemeClr val="bg1"/>
-              </a:solidFill>
-              <a:latin typeface="Diagramm Bold"/>
-              <a:cs typeface="Diagramm Bold"/>
-            </a:endParaRPr>
-          </a:p>
-        </p:txBody>
-      </p:sp>
-      <p:sp>
-        <p:nvSpPr>
-          <p:cNvPr id="13" name="object 13"/>
-          <p:cNvSpPr txBox="1">
-            <a:spLocks noGrp="1"/>
-          </p:cNvSpPr>
-          <p:nvPr>
-            <p:ph type="title"/>
-          </p:nvPr>
-        </p:nvSpPr>
-        <p:spPr>
-          <a:prstGeom prst="rect">
-            <a:avLst/>
-          </a:prstGeom>
-        </p:spPr>
-        <p:txBody>
-          <a:bodyPr vert="horz" wrap="square" lIns="0" tIns="12065" rIns="0" bIns="0" rtlCol="0">
-            <a:spAutoFit/>
-          </a:bodyPr>
-          <a:lstStyle/>
-          <a:p>
-            <a:pPr marL="12799060">
-              <a:lnSpc>
-                <a:spcPts val="3960"/>
-              </a:lnSpc>
-              <a:spcBef>
-                <a:spcPts val="95"/>
-              </a:spcBef>
-            </a:pPr>
-            <a:r>
-              <a:rPr lang="en-US" kern="0" spc="-5" dirty="0">
-                <a:solidFill>
-                  <a:schemeClr val="bg1"/>
-                </a:solidFill>
-              </a:rPr>
-              <a:t>Weighted Least Squares Estimation </a:t>
-            </a:r>
-            <a:br>
-              <a:rPr lang="en-US" kern="0" spc="-5" dirty="0">
-                <a:solidFill>
-                  <a:schemeClr val="bg1"/>
-                </a:solidFill>
-              </a:rPr>
-            </a:br>
-            <a:r>
-              <a:rPr lang="en-US" b="0" kern="0" spc="-5" dirty="0">
-                <a:solidFill>
-                  <a:schemeClr val="bg1"/>
-                </a:solidFill>
-              </a:rPr>
-              <a:t>3D Body Part Trajectories</a:t>
-            </a:r>
-            <a:endParaRPr lang="en-US" b="0" kern="0" spc="-10" dirty="0">
-              <a:solidFill>
-                <a:schemeClr val="bg1"/>
-              </a:solidFill>
-              <a:latin typeface="Diagramm Light"/>
-              <a:cs typeface="Diagramm Light"/>
-            </a:endParaRPr>
-          </a:p>
-        </p:txBody>
-      </p:sp>
       <p:sp>
         <p:nvSpPr>
           <p:cNvPr id="14" name="object 14"/>
@@ -7986,896 +9727,6 @@
               </a:solidFill>
               <a:latin typeface="Diagramm"/>
               <a:cs typeface="Diagramm"/>
-            </a:endParaRPr>
-          </a:p>
-        </p:txBody>
-      </p:sp>
-    </p:spTree>
-  </p:cSld>
-  <p:clrMapOvr>
-    <a:masterClrMapping/>
-  </p:clrMapOvr>
-</p:sld>
-</file>
-
-<file path=ppt/slides/slide24.xml><?xml version="1.0" encoding="utf-8"?>
-<p:sld xmlns:a="http://schemas.openxmlformats.org/drawingml/2006/main" xmlns:r="http://schemas.openxmlformats.org/officeDocument/2006/relationships" xmlns:p="http://schemas.openxmlformats.org/presentationml/2006/main">
-  <p:cSld>
-    <p:spTree>
-      <p:nvGrpSpPr>
-        <p:cNvPr id="1" name=""/>
-        <p:cNvGrpSpPr/>
-        <p:nvPr/>
-      </p:nvGrpSpPr>
-      <p:grpSpPr>
-        <a:xfrm>
-          <a:off x="0" y="0"/>
-          <a:ext cx="0" cy="0"/>
-          <a:chOff x="0" y="0"/>
-          <a:chExt cx="0" cy="0"/>
-        </a:xfrm>
-      </p:grpSpPr>
-      <p:pic>
-        <p:nvPicPr>
-          <p:cNvPr id="2" name="object 2"/>
-          <p:cNvPicPr>
-            <a:picLocks noGrp="1" noRot="1" noMove="1" noResize="1" noEditPoints="1" noAdjustHandles="1" noChangeArrowheads="1" noChangeShapeType="1" noCrop="1"/>
-          </p:cNvPicPr>
-          <p:nvPr/>
-        </p:nvPicPr>
-        <p:blipFill>
-          <a:blip r:embed="rId2" cstate="print"/>
-          <a:stretch>
-            <a:fillRect/>
-          </a:stretch>
-        </p:blipFill>
-        <p:spPr>
-          <a:xfrm>
-            <a:off x="0" y="0"/>
-            <a:ext cx="20104100" cy="11308556"/>
-          </a:xfrm>
-          <a:prstGeom prst="rect">
-            <a:avLst/>
-          </a:prstGeom>
-        </p:spPr>
-      </p:pic>
-      <p:sp>
-        <p:nvSpPr>
-          <p:cNvPr id="3" name="object 3"/>
-          <p:cNvSpPr txBox="1"/>
-          <p:nvPr/>
-        </p:nvSpPr>
-        <p:spPr>
-          <a:xfrm>
-            <a:off x="507192" y="1659609"/>
-            <a:ext cx="636270" cy="402590"/>
-          </a:xfrm>
-          <a:prstGeom prst="rect">
-            <a:avLst/>
-          </a:prstGeom>
-        </p:spPr>
-        <p:txBody>
-          <a:bodyPr vert="horz" wrap="square" lIns="0" tIns="15240" rIns="0" bIns="0" rtlCol="0">
-            <a:spAutoFit/>
-          </a:bodyPr>
-          <a:lstStyle/>
-          <a:p>
-            <a:pPr marL="12700">
-              <a:lnSpc>
-                <a:spcPct val="100000"/>
-              </a:lnSpc>
-              <a:spcBef>
-                <a:spcPts val="120"/>
-              </a:spcBef>
-            </a:pPr>
-            <a:r>
-              <a:rPr sz="2450" spc="-254" dirty="0">
-                <a:solidFill>
-                  <a:schemeClr val="bg1"/>
-                </a:solidFill>
-                <a:latin typeface="Diagramm"/>
-                <a:cs typeface="Diagramm"/>
-              </a:rPr>
-              <a:t>T</a:t>
-            </a:r>
-            <a:r>
-              <a:rPr sz="2450" spc="-40" dirty="0">
-                <a:solidFill>
-                  <a:schemeClr val="bg1"/>
-                </a:solidFill>
-                <a:latin typeface="Diagramm"/>
-                <a:cs typeface="Diagramm"/>
-              </a:rPr>
-              <a:t>e</a:t>
-            </a:r>
-            <a:r>
-              <a:rPr sz="2450" spc="-5" dirty="0">
-                <a:solidFill>
-                  <a:schemeClr val="bg1"/>
-                </a:solidFill>
-                <a:latin typeface="Diagramm"/>
-                <a:cs typeface="Diagramm"/>
-              </a:rPr>
-              <a:t>x</a:t>
-            </a:r>
-            <a:r>
-              <a:rPr sz="2450" spc="-90" dirty="0">
-                <a:solidFill>
-                  <a:schemeClr val="bg1"/>
-                </a:solidFill>
-                <a:latin typeface="Diagramm"/>
-                <a:cs typeface="Diagramm"/>
-              </a:rPr>
-              <a:t>t</a:t>
-            </a:r>
-            <a:endParaRPr sz="2450" dirty="0">
-              <a:solidFill>
-                <a:schemeClr val="bg1"/>
-              </a:solidFill>
-              <a:latin typeface="Diagramm"/>
-              <a:cs typeface="Diagramm"/>
-            </a:endParaRPr>
-          </a:p>
-        </p:txBody>
-      </p:sp>
-      <p:sp>
-        <p:nvSpPr>
-          <p:cNvPr id="4" name="object 4"/>
-          <p:cNvSpPr txBox="1">
-            <a:spLocks noGrp="1"/>
-          </p:cNvSpPr>
-          <p:nvPr>
-            <p:ph type="title"/>
-          </p:nvPr>
-        </p:nvSpPr>
-        <p:spPr>
-          <a:prstGeom prst="rect">
-            <a:avLst/>
-          </a:prstGeom>
-        </p:spPr>
-        <p:txBody>
-          <a:bodyPr vert="horz" wrap="square" lIns="0" tIns="12065" rIns="0" bIns="0" rtlCol="0">
-            <a:spAutoFit/>
-          </a:bodyPr>
-          <a:lstStyle/>
-          <a:p>
-            <a:pPr marL="12799060">
-              <a:lnSpc>
-                <a:spcPts val="3960"/>
-              </a:lnSpc>
-              <a:spcBef>
-                <a:spcPts val="95"/>
-              </a:spcBef>
-            </a:pPr>
-            <a:r>
-              <a:rPr lang="en-US" kern="0" spc="-5" dirty="0">
-                <a:solidFill>
-                  <a:schemeClr val="bg1"/>
-                </a:solidFill>
-              </a:rPr>
-              <a:t>Weighted Least Squares Estimation </a:t>
-            </a:r>
-            <a:br>
-              <a:rPr lang="en-US" kern="0" spc="-5" dirty="0">
-                <a:solidFill>
-                  <a:schemeClr val="bg1"/>
-                </a:solidFill>
-              </a:rPr>
-            </a:br>
-            <a:r>
-              <a:rPr lang="en-US" b="0" kern="0" spc="-5" dirty="0">
-                <a:solidFill>
-                  <a:schemeClr val="bg1"/>
-                </a:solidFill>
-              </a:rPr>
-              <a:t>3D Body Part Trajectories</a:t>
-            </a:r>
-            <a:endParaRPr lang="en-US" b="0" kern="0" spc="-10" dirty="0">
-              <a:solidFill>
-                <a:schemeClr val="bg1"/>
-              </a:solidFill>
-              <a:latin typeface="Diagramm Light"/>
-              <a:cs typeface="Diagramm Light"/>
-            </a:endParaRPr>
-          </a:p>
-        </p:txBody>
-      </p:sp>
-    </p:spTree>
-  </p:cSld>
-  <p:clrMapOvr>
-    <a:masterClrMapping/>
-  </p:clrMapOvr>
-</p:sld>
-</file>
-
-<file path=ppt/slides/slide25.xml><?xml version="1.0" encoding="utf-8"?>
-<p:sld xmlns:a="http://schemas.openxmlformats.org/drawingml/2006/main" xmlns:r="http://schemas.openxmlformats.org/officeDocument/2006/relationships" xmlns:p="http://schemas.openxmlformats.org/presentationml/2006/main">
-  <p:cSld>
-    <p:spTree>
-      <p:nvGrpSpPr>
-        <p:cNvPr id="1" name=""/>
-        <p:cNvGrpSpPr/>
-        <p:nvPr/>
-      </p:nvGrpSpPr>
-      <p:grpSpPr>
-        <a:xfrm>
-          <a:off x="0" y="0"/>
-          <a:ext cx="0" cy="0"/>
-          <a:chOff x="0" y="0"/>
-          <a:chExt cx="0" cy="0"/>
-        </a:xfrm>
-      </p:grpSpPr>
-      <p:pic>
-        <p:nvPicPr>
-          <p:cNvPr id="2" name="object 2"/>
-          <p:cNvPicPr>
-            <a:picLocks noGrp="1" noRot="1" noMove="1" noResize="1" noEditPoints="1" noAdjustHandles="1" noChangeArrowheads="1" noChangeShapeType="1" noCrop="1"/>
-          </p:cNvPicPr>
-          <p:nvPr/>
-        </p:nvPicPr>
-        <p:blipFill>
-          <a:blip r:embed="rId2" cstate="print"/>
-          <a:stretch>
-            <a:fillRect/>
-          </a:stretch>
-        </p:blipFill>
-        <p:spPr>
-          <a:xfrm>
-            <a:off x="0" y="0"/>
-            <a:ext cx="20104100" cy="11308556"/>
-          </a:xfrm>
-          <a:prstGeom prst="rect">
-            <a:avLst/>
-          </a:prstGeom>
-        </p:spPr>
-      </p:pic>
-      <p:sp>
-        <p:nvSpPr>
-          <p:cNvPr id="3" name="object 3"/>
-          <p:cNvSpPr txBox="1"/>
-          <p:nvPr/>
-        </p:nvSpPr>
-        <p:spPr>
-          <a:xfrm>
-            <a:off x="507192" y="1659609"/>
-            <a:ext cx="636270" cy="402590"/>
-          </a:xfrm>
-          <a:prstGeom prst="rect">
-            <a:avLst/>
-          </a:prstGeom>
-        </p:spPr>
-        <p:txBody>
-          <a:bodyPr vert="horz" wrap="square" lIns="0" tIns="15240" rIns="0" bIns="0" rtlCol="0">
-            <a:spAutoFit/>
-          </a:bodyPr>
-          <a:lstStyle/>
-          <a:p>
-            <a:pPr marL="12700">
-              <a:lnSpc>
-                <a:spcPct val="100000"/>
-              </a:lnSpc>
-              <a:spcBef>
-                <a:spcPts val="120"/>
-              </a:spcBef>
-            </a:pPr>
-            <a:r>
-              <a:rPr sz="2450" spc="-254" dirty="0">
-                <a:solidFill>
-                  <a:schemeClr val="bg1"/>
-                </a:solidFill>
-                <a:latin typeface="Diagramm"/>
-                <a:cs typeface="Diagramm"/>
-              </a:rPr>
-              <a:t>T</a:t>
-            </a:r>
-            <a:r>
-              <a:rPr sz="2450" spc="-40" dirty="0">
-                <a:solidFill>
-                  <a:schemeClr val="bg1"/>
-                </a:solidFill>
-                <a:latin typeface="Diagramm"/>
-                <a:cs typeface="Diagramm"/>
-              </a:rPr>
-              <a:t>e</a:t>
-            </a:r>
-            <a:r>
-              <a:rPr sz="2450" spc="-5" dirty="0">
-                <a:solidFill>
-                  <a:schemeClr val="bg1"/>
-                </a:solidFill>
-                <a:latin typeface="Diagramm"/>
-                <a:cs typeface="Diagramm"/>
-              </a:rPr>
-              <a:t>x</a:t>
-            </a:r>
-            <a:r>
-              <a:rPr sz="2450" spc="-90" dirty="0">
-                <a:solidFill>
-                  <a:schemeClr val="bg1"/>
-                </a:solidFill>
-                <a:latin typeface="Diagramm"/>
-                <a:cs typeface="Diagramm"/>
-              </a:rPr>
-              <a:t>t</a:t>
-            </a:r>
-            <a:endParaRPr sz="2450" dirty="0">
-              <a:solidFill>
-                <a:schemeClr val="bg1"/>
-              </a:solidFill>
-              <a:latin typeface="Diagramm"/>
-              <a:cs typeface="Diagramm"/>
-            </a:endParaRPr>
-          </a:p>
-        </p:txBody>
-      </p:sp>
-      <p:sp>
-        <p:nvSpPr>
-          <p:cNvPr id="4" name="object 4"/>
-          <p:cNvSpPr txBox="1">
-            <a:spLocks noGrp="1"/>
-          </p:cNvSpPr>
-          <p:nvPr>
-            <p:ph type="title"/>
-          </p:nvPr>
-        </p:nvSpPr>
-        <p:spPr>
-          <a:prstGeom prst="rect">
-            <a:avLst/>
-          </a:prstGeom>
-        </p:spPr>
-        <p:txBody>
-          <a:bodyPr vert="horz" wrap="square" lIns="0" tIns="12065" rIns="0" bIns="0" rtlCol="0">
-            <a:spAutoFit/>
-          </a:bodyPr>
-          <a:lstStyle/>
-          <a:p>
-            <a:pPr marL="12799060">
-              <a:lnSpc>
-                <a:spcPts val="3960"/>
-              </a:lnSpc>
-              <a:spcBef>
-                <a:spcPts val="95"/>
-              </a:spcBef>
-            </a:pPr>
-            <a:r>
-              <a:rPr lang="en-US" kern="0" spc="-5" dirty="0">
-                <a:solidFill>
-                  <a:schemeClr val="bg1"/>
-                </a:solidFill>
-              </a:rPr>
-              <a:t>Weighted Least Squares Estimation </a:t>
-            </a:r>
-            <a:br>
-              <a:rPr lang="en-US" kern="0" spc="-5" dirty="0">
-                <a:solidFill>
-                  <a:schemeClr val="bg1"/>
-                </a:solidFill>
-              </a:rPr>
-            </a:br>
-            <a:r>
-              <a:rPr lang="en-US" b="0" kern="0" spc="-5" dirty="0">
-                <a:solidFill>
-                  <a:schemeClr val="bg1"/>
-                </a:solidFill>
-              </a:rPr>
-              <a:t>3D Body Part Trajectories</a:t>
-            </a:r>
-            <a:endParaRPr lang="en-US" b="0" kern="0" spc="-10" dirty="0">
-              <a:solidFill>
-                <a:schemeClr val="bg1"/>
-              </a:solidFill>
-              <a:latin typeface="Diagramm Light"/>
-              <a:cs typeface="Diagramm Light"/>
-            </a:endParaRPr>
-          </a:p>
-        </p:txBody>
-      </p:sp>
-    </p:spTree>
-  </p:cSld>
-  <p:clrMapOvr>
-    <a:masterClrMapping/>
-  </p:clrMapOvr>
-</p:sld>
-</file>
-
-<file path=ppt/slides/slide26.xml><?xml version="1.0" encoding="utf-8"?>
-<p:sld xmlns:a="http://schemas.openxmlformats.org/drawingml/2006/main" xmlns:r="http://schemas.openxmlformats.org/officeDocument/2006/relationships" xmlns:p="http://schemas.openxmlformats.org/presentationml/2006/main">
-  <p:cSld>
-    <p:spTree>
-      <p:nvGrpSpPr>
-        <p:cNvPr id="1" name=""/>
-        <p:cNvGrpSpPr/>
-        <p:nvPr/>
-      </p:nvGrpSpPr>
-      <p:grpSpPr>
-        <a:xfrm>
-          <a:off x="0" y="0"/>
-          <a:ext cx="0" cy="0"/>
-          <a:chOff x="0" y="0"/>
-          <a:chExt cx="0" cy="0"/>
-        </a:xfrm>
-      </p:grpSpPr>
-      <p:pic>
-        <p:nvPicPr>
-          <p:cNvPr id="2" name="object 2"/>
-          <p:cNvPicPr>
-            <a:picLocks noGrp="1" noRot="1" noMove="1" noResize="1" noEditPoints="1" noAdjustHandles="1" noChangeArrowheads="1" noChangeShapeType="1" noCrop="1"/>
-          </p:cNvPicPr>
-          <p:nvPr/>
-        </p:nvPicPr>
-        <p:blipFill>
-          <a:blip r:embed="rId2" cstate="print"/>
-          <a:stretch>
-            <a:fillRect/>
-          </a:stretch>
-        </p:blipFill>
-        <p:spPr>
-          <a:xfrm>
-            <a:off x="0" y="0"/>
-            <a:ext cx="20104100" cy="11308556"/>
-          </a:xfrm>
-          <a:prstGeom prst="rect">
-            <a:avLst/>
-          </a:prstGeom>
-        </p:spPr>
-      </p:pic>
-      <p:sp>
-        <p:nvSpPr>
-          <p:cNvPr id="3" name="object 3"/>
-          <p:cNvSpPr txBox="1"/>
-          <p:nvPr/>
-        </p:nvSpPr>
-        <p:spPr>
-          <a:xfrm>
-            <a:off x="507192" y="1659609"/>
-            <a:ext cx="636270" cy="402590"/>
-          </a:xfrm>
-          <a:prstGeom prst="rect">
-            <a:avLst/>
-          </a:prstGeom>
-        </p:spPr>
-        <p:txBody>
-          <a:bodyPr vert="horz" wrap="square" lIns="0" tIns="15240" rIns="0" bIns="0" rtlCol="0">
-            <a:spAutoFit/>
-          </a:bodyPr>
-          <a:lstStyle/>
-          <a:p>
-            <a:pPr marL="12700">
-              <a:lnSpc>
-                <a:spcPct val="100000"/>
-              </a:lnSpc>
-              <a:spcBef>
-                <a:spcPts val="120"/>
-              </a:spcBef>
-            </a:pPr>
-            <a:r>
-              <a:rPr sz="2450" spc="-254" dirty="0">
-                <a:latin typeface="Diagramm"/>
-                <a:cs typeface="Diagramm"/>
-              </a:rPr>
-              <a:t>T</a:t>
-            </a:r>
-            <a:r>
-              <a:rPr sz="2450" spc="-40" dirty="0">
-                <a:latin typeface="Diagramm"/>
-                <a:cs typeface="Diagramm"/>
-              </a:rPr>
-              <a:t>e</a:t>
-            </a:r>
-            <a:r>
-              <a:rPr sz="2450" spc="-5" dirty="0">
-                <a:latin typeface="Diagramm"/>
-                <a:cs typeface="Diagramm"/>
-              </a:rPr>
-              <a:t>x</a:t>
-            </a:r>
-            <a:r>
-              <a:rPr sz="2450" spc="-90" dirty="0">
-                <a:latin typeface="Diagramm"/>
-                <a:cs typeface="Diagramm"/>
-              </a:rPr>
-              <a:t>t</a:t>
-            </a:r>
-            <a:endParaRPr sz="2450">
-              <a:latin typeface="Diagramm"/>
-              <a:cs typeface="Diagramm"/>
-            </a:endParaRPr>
-          </a:p>
-        </p:txBody>
-      </p:sp>
-      <p:sp>
-        <p:nvSpPr>
-          <p:cNvPr id="4" name="object 4"/>
-          <p:cNvSpPr txBox="1">
-            <a:spLocks noGrp="1"/>
-          </p:cNvSpPr>
-          <p:nvPr>
-            <p:ph type="title"/>
-          </p:nvPr>
-        </p:nvSpPr>
-        <p:spPr>
-          <a:prstGeom prst="rect">
-            <a:avLst/>
-          </a:prstGeom>
-        </p:spPr>
-        <p:txBody>
-          <a:bodyPr vert="horz" wrap="square" lIns="0" tIns="12065" rIns="0" bIns="0" rtlCol="0">
-            <a:spAutoFit/>
-          </a:bodyPr>
-          <a:lstStyle/>
-          <a:p>
-            <a:pPr marL="12799060">
-              <a:lnSpc>
-                <a:spcPts val="3960"/>
-              </a:lnSpc>
-              <a:spcBef>
-                <a:spcPts val="95"/>
-              </a:spcBef>
-            </a:pPr>
-            <a:r>
-              <a:rPr lang="en-US" kern="0" spc="-5" dirty="0"/>
-              <a:t>Weighted Least Squares Estimation </a:t>
-            </a:r>
-            <a:br>
-              <a:rPr lang="en-US" kern="0" spc="-5" dirty="0"/>
-            </a:br>
-            <a:r>
-              <a:rPr lang="en-US" b="0" kern="0" spc="-5" dirty="0"/>
-              <a:t>3D Body Part Trajectories</a:t>
-            </a:r>
-            <a:endParaRPr lang="en-US" b="0" kern="0" spc="-10" dirty="0">
-              <a:latin typeface="Diagramm Light"/>
-              <a:cs typeface="Diagramm Light"/>
-            </a:endParaRPr>
-          </a:p>
-        </p:txBody>
-      </p:sp>
-    </p:spTree>
-  </p:cSld>
-  <p:clrMapOvr>
-    <a:masterClrMapping/>
-  </p:clrMapOvr>
-</p:sld>
-</file>
-
-<file path=ppt/slides/slide27.xml><?xml version="1.0" encoding="utf-8"?>
-<p:sld xmlns:a="http://schemas.openxmlformats.org/drawingml/2006/main" xmlns:r="http://schemas.openxmlformats.org/officeDocument/2006/relationships" xmlns:p="http://schemas.openxmlformats.org/presentationml/2006/main">
-  <p:cSld>
-    <p:spTree>
-      <p:nvGrpSpPr>
-        <p:cNvPr id="1" name=""/>
-        <p:cNvGrpSpPr/>
-        <p:nvPr/>
-      </p:nvGrpSpPr>
-      <p:grpSpPr>
-        <a:xfrm>
-          <a:off x="0" y="0"/>
-          <a:ext cx="0" cy="0"/>
-          <a:chOff x="0" y="0"/>
-          <a:chExt cx="0" cy="0"/>
-        </a:xfrm>
-      </p:grpSpPr>
-      <p:pic>
-        <p:nvPicPr>
-          <p:cNvPr id="2" name="object 2"/>
-          <p:cNvPicPr>
-            <a:picLocks noGrp="1" noRot="1" noMove="1" noResize="1" noEditPoints="1" noAdjustHandles="1" noChangeArrowheads="1" noChangeShapeType="1" noCrop="1"/>
-          </p:cNvPicPr>
-          <p:nvPr/>
-        </p:nvPicPr>
-        <p:blipFill>
-          <a:blip r:embed="rId2" cstate="print"/>
-          <a:stretch>
-            <a:fillRect/>
-          </a:stretch>
-        </p:blipFill>
-        <p:spPr>
-          <a:xfrm>
-            <a:off x="0" y="0"/>
-            <a:ext cx="20104100" cy="11308556"/>
-          </a:xfrm>
-          <a:prstGeom prst="rect">
-            <a:avLst/>
-          </a:prstGeom>
-        </p:spPr>
-      </p:pic>
-      <p:sp>
-        <p:nvSpPr>
-          <p:cNvPr id="3" name="object 3"/>
-          <p:cNvSpPr txBox="1"/>
-          <p:nvPr/>
-        </p:nvSpPr>
-        <p:spPr>
-          <a:xfrm>
-            <a:off x="507192" y="1659609"/>
-            <a:ext cx="636270" cy="402590"/>
-          </a:xfrm>
-          <a:prstGeom prst="rect">
-            <a:avLst/>
-          </a:prstGeom>
-        </p:spPr>
-        <p:txBody>
-          <a:bodyPr vert="horz" wrap="square" lIns="0" tIns="15240" rIns="0" bIns="0" rtlCol="0">
-            <a:spAutoFit/>
-          </a:bodyPr>
-          <a:lstStyle/>
-          <a:p>
-            <a:pPr marL="12700">
-              <a:lnSpc>
-                <a:spcPct val="100000"/>
-              </a:lnSpc>
-              <a:spcBef>
-                <a:spcPts val="120"/>
-              </a:spcBef>
-            </a:pPr>
-            <a:r>
-              <a:rPr sz="2450" spc="-254" dirty="0">
-                <a:latin typeface="Diagramm"/>
-                <a:cs typeface="Diagramm"/>
-              </a:rPr>
-              <a:t>T</a:t>
-            </a:r>
-            <a:r>
-              <a:rPr sz="2450" spc="-40" dirty="0">
-                <a:latin typeface="Diagramm"/>
-                <a:cs typeface="Diagramm"/>
-              </a:rPr>
-              <a:t>e</a:t>
-            </a:r>
-            <a:r>
-              <a:rPr sz="2450" spc="-5" dirty="0">
-                <a:latin typeface="Diagramm"/>
-                <a:cs typeface="Diagramm"/>
-              </a:rPr>
-              <a:t>x</a:t>
-            </a:r>
-            <a:r>
-              <a:rPr sz="2450" spc="-90" dirty="0">
-                <a:latin typeface="Diagramm"/>
-                <a:cs typeface="Diagramm"/>
-              </a:rPr>
-              <a:t>t</a:t>
-            </a:r>
-            <a:endParaRPr sz="2450">
-              <a:latin typeface="Diagramm"/>
-              <a:cs typeface="Diagramm"/>
-            </a:endParaRPr>
-          </a:p>
-        </p:txBody>
-      </p:sp>
-      <p:sp>
-        <p:nvSpPr>
-          <p:cNvPr id="4" name="object 4"/>
-          <p:cNvSpPr txBox="1">
-            <a:spLocks noGrp="1"/>
-          </p:cNvSpPr>
-          <p:nvPr>
-            <p:ph type="title"/>
-          </p:nvPr>
-        </p:nvSpPr>
-        <p:spPr>
-          <a:prstGeom prst="rect">
-            <a:avLst/>
-          </a:prstGeom>
-        </p:spPr>
-        <p:txBody>
-          <a:bodyPr vert="horz" wrap="square" lIns="0" tIns="12065" rIns="0" bIns="0" rtlCol="0">
-            <a:spAutoFit/>
-          </a:bodyPr>
-          <a:lstStyle/>
-          <a:p>
-            <a:pPr marL="12799060">
-              <a:lnSpc>
-                <a:spcPts val="3960"/>
-              </a:lnSpc>
-              <a:spcBef>
-                <a:spcPts val="95"/>
-              </a:spcBef>
-            </a:pPr>
-            <a:r>
-              <a:rPr lang="en-US" kern="0" spc="-5" dirty="0"/>
-              <a:t>Weighted Least Squares Estimation </a:t>
-            </a:r>
-            <a:br>
-              <a:rPr lang="en-US" kern="0" spc="-5" dirty="0"/>
-            </a:br>
-            <a:r>
-              <a:rPr lang="en-US" b="0" kern="0" spc="-5" dirty="0"/>
-              <a:t>3D Body Part Trajectories</a:t>
-            </a:r>
-            <a:endParaRPr lang="en-US" b="0" kern="0" spc="-10" dirty="0">
-              <a:latin typeface="Diagramm Light"/>
-              <a:cs typeface="Diagramm Light"/>
-            </a:endParaRPr>
-          </a:p>
-        </p:txBody>
-      </p:sp>
-    </p:spTree>
-  </p:cSld>
-  <p:clrMapOvr>
-    <a:masterClrMapping/>
-  </p:clrMapOvr>
-</p:sld>
-</file>
-
-<file path=ppt/slides/slide28.xml><?xml version="1.0" encoding="utf-8"?>
-<p:sld xmlns:a="http://schemas.openxmlformats.org/drawingml/2006/main" xmlns:r="http://schemas.openxmlformats.org/officeDocument/2006/relationships" xmlns:p="http://schemas.openxmlformats.org/presentationml/2006/main">
-  <p:cSld>
-    <p:spTree>
-      <p:nvGrpSpPr>
-        <p:cNvPr id="1" name=""/>
-        <p:cNvGrpSpPr/>
-        <p:nvPr/>
-      </p:nvGrpSpPr>
-      <p:grpSpPr>
-        <a:xfrm>
-          <a:off x="0" y="0"/>
-          <a:ext cx="0" cy="0"/>
-          <a:chOff x="0" y="0"/>
-          <a:chExt cx="0" cy="0"/>
-        </a:xfrm>
-      </p:grpSpPr>
-      <p:pic>
-        <p:nvPicPr>
-          <p:cNvPr id="2" name="object 2"/>
-          <p:cNvPicPr>
-            <a:picLocks noGrp="1" noRot="1" noMove="1" noResize="1" noEditPoints="1" noAdjustHandles="1" noChangeArrowheads="1" noChangeShapeType="1" noCrop="1"/>
-          </p:cNvPicPr>
-          <p:nvPr/>
-        </p:nvPicPr>
-        <p:blipFill>
-          <a:blip r:embed="rId2" cstate="print"/>
-          <a:stretch>
-            <a:fillRect/>
-          </a:stretch>
-        </p:blipFill>
-        <p:spPr>
-          <a:xfrm>
-            <a:off x="0" y="0"/>
-            <a:ext cx="20104100" cy="11308556"/>
-          </a:xfrm>
-          <a:prstGeom prst="rect">
-            <a:avLst/>
-          </a:prstGeom>
-        </p:spPr>
-      </p:pic>
-      <p:sp>
-        <p:nvSpPr>
-          <p:cNvPr id="3" name="object 3"/>
-          <p:cNvSpPr txBox="1"/>
-          <p:nvPr/>
-        </p:nvSpPr>
-        <p:spPr>
-          <a:xfrm>
-            <a:off x="507192" y="1659609"/>
-            <a:ext cx="636270" cy="402590"/>
-          </a:xfrm>
-          <a:prstGeom prst="rect">
-            <a:avLst/>
-          </a:prstGeom>
-        </p:spPr>
-        <p:txBody>
-          <a:bodyPr vert="horz" wrap="square" lIns="0" tIns="15240" rIns="0" bIns="0" rtlCol="0">
-            <a:spAutoFit/>
-          </a:bodyPr>
-          <a:lstStyle/>
-          <a:p>
-            <a:pPr marL="12700">
-              <a:lnSpc>
-                <a:spcPct val="100000"/>
-              </a:lnSpc>
-              <a:spcBef>
-                <a:spcPts val="120"/>
-              </a:spcBef>
-            </a:pPr>
-            <a:r>
-              <a:rPr sz="2450" spc="-254" dirty="0">
-                <a:solidFill>
-                  <a:schemeClr val="bg1"/>
-                </a:solidFill>
-                <a:latin typeface="Diagramm"/>
-                <a:cs typeface="Diagramm"/>
-              </a:rPr>
-              <a:t>T</a:t>
-            </a:r>
-            <a:r>
-              <a:rPr sz="2450" spc="-40" dirty="0">
-                <a:solidFill>
-                  <a:schemeClr val="bg1"/>
-                </a:solidFill>
-                <a:latin typeface="Diagramm"/>
-                <a:cs typeface="Diagramm"/>
-              </a:rPr>
-              <a:t>e</a:t>
-            </a:r>
-            <a:r>
-              <a:rPr sz="2450" spc="-5" dirty="0">
-                <a:solidFill>
-                  <a:schemeClr val="bg1"/>
-                </a:solidFill>
-                <a:latin typeface="Diagramm"/>
-                <a:cs typeface="Diagramm"/>
-              </a:rPr>
-              <a:t>x</a:t>
-            </a:r>
-            <a:r>
-              <a:rPr sz="2450" spc="-90" dirty="0">
-                <a:solidFill>
-                  <a:schemeClr val="bg1"/>
-                </a:solidFill>
-                <a:latin typeface="Diagramm"/>
-                <a:cs typeface="Diagramm"/>
-              </a:rPr>
-              <a:t>t</a:t>
-            </a:r>
-            <a:endParaRPr sz="2450" dirty="0">
-              <a:solidFill>
-                <a:schemeClr val="bg1"/>
-              </a:solidFill>
-              <a:latin typeface="Diagramm"/>
-              <a:cs typeface="Diagramm"/>
-            </a:endParaRPr>
-          </a:p>
-        </p:txBody>
-      </p:sp>
-      <p:sp>
-        <p:nvSpPr>
-          <p:cNvPr id="4" name="object 4"/>
-          <p:cNvSpPr txBox="1">
-            <a:spLocks noGrp="1"/>
-          </p:cNvSpPr>
-          <p:nvPr>
-            <p:ph type="title"/>
-          </p:nvPr>
-        </p:nvSpPr>
-        <p:spPr>
-          <a:prstGeom prst="rect">
-            <a:avLst/>
-          </a:prstGeom>
-        </p:spPr>
-        <p:txBody>
-          <a:bodyPr vert="horz" wrap="square" lIns="0" tIns="12065" rIns="0" bIns="0" rtlCol="0">
-            <a:spAutoFit/>
-          </a:bodyPr>
-          <a:lstStyle/>
-          <a:p>
-            <a:pPr marL="12799060">
-              <a:lnSpc>
-                <a:spcPts val="3960"/>
-              </a:lnSpc>
-              <a:spcBef>
-                <a:spcPts val="95"/>
-              </a:spcBef>
-            </a:pPr>
-            <a:r>
-              <a:rPr lang="en-US" kern="0" spc="-5" dirty="0">
-                <a:solidFill>
-                  <a:schemeClr val="bg1"/>
-                </a:solidFill>
-              </a:rPr>
-              <a:t>Weighted Least Squares Estimation </a:t>
-            </a:r>
-            <a:br>
-              <a:rPr lang="en-US" kern="0" spc="-5" dirty="0">
-                <a:solidFill>
-                  <a:schemeClr val="bg1"/>
-                </a:solidFill>
-              </a:rPr>
-            </a:br>
-            <a:r>
-              <a:rPr lang="en-US" b="0" kern="0" spc="-5" dirty="0">
-                <a:solidFill>
-                  <a:schemeClr val="bg1"/>
-                </a:solidFill>
-              </a:rPr>
-              <a:t>3D Body Part Trajectories</a:t>
-            </a:r>
-            <a:endParaRPr lang="en-US" b="0" kern="0" spc="-10" dirty="0">
-              <a:solidFill>
-                <a:schemeClr val="bg1"/>
-              </a:solidFill>
-              <a:latin typeface="Diagramm Light"/>
-              <a:cs typeface="Diagramm Light"/>
             </a:endParaRPr>
           </a:p>
         </p:txBody>
@@ -9259,6 +10110,896 @@
         <p:spPr>
           <a:xfrm>
             <a:off x="0" y="0"/>
+            <a:ext cx="20104100" cy="11308556"/>
+          </a:xfrm>
+          <a:prstGeom prst="rect">
+            <a:avLst/>
+          </a:prstGeom>
+        </p:spPr>
+      </p:pic>
+      <p:sp>
+        <p:nvSpPr>
+          <p:cNvPr id="3" name="object 3"/>
+          <p:cNvSpPr txBox="1"/>
+          <p:nvPr/>
+        </p:nvSpPr>
+        <p:spPr>
+          <a:xfrm>
+            <a:off x="507192" y="1659609"/>
+            <a:ext cx="636270" cy="402590"/>
+          </a:xfrm>
+          <a:prstGeom prst="rect">
+            <a:avLst/>
+          </a:prstGeom>
+        </p:spPr>
+        <p:txBody>
+          <a:bodyPr vert="horz" wrap="square" lIns="0" tIns="15240" rIns="0" bIns="0" rtlCol="0">
+            <a:spAutoFit/>
+          </a:bodyPr>
+          <a:lstStyle/>
+          <a:p>
+            <a:pPr marL="12700">
+              <a:lnSpc>
+                <a:spcPct val="100000"/>
+              </a:lnSpc>
+              <a:spcBef>
+                <a:spcPts val="120"/>
+              </a:spcBef>
+            </a:pPr>
+            <a:r>
+              <a:rPr sz="2450" spc="-254" dirty="0">
+                <a:solidFill>
+                  <a:schemeClr val="bg1"/>
+                </a:solidFill>
+                <a:latin typeface="Diagramm"/>
+                <a:cs typeface="Diagramm"/>
+              </a:rPr>
+              <a:t>T</a:t>
+            </a:r>
+            <a:r>
+              <a:rPr sz="2450" spc="-40" dirty="0">
+                <a:solidFill>
+                  <a:schemeClr val="bg1"/>
+                </a:solidFill>
+                <a:latin typeface="Diagramm"/>
+                <a:cs typeface="Diagramm"/>
+              </a:rPr>
+              <a:t>e</a:t>
+            </a:r>
+            <a:r>
+              <a:rPr sz="2450" spc="-5" dirty="0">
+                <a:solidFill>
+                  <a:schemeClr val="bg1"/>
+                </a:solidFill>
+                <a:latin typeface="Diagramm"/>
+                <a:cs typeface="Diagramm"/>
+              </a:rPr>
+              <a:t>x</a:t>
+            </a:r>
+            <a:r>
+              <a:rPr sz="2450" spc="-90" dirty="0">
+                <a:solidFill>
+                  <a:schemeClr val="bg1"/>
+                </a:solidFill>
+                <a:latin typeface="Diagramm"/>
+                <a:cs typeface="Diagramm"/>
+              </a:rPr>
+              <a:t>t</a:t>
+            </a:r>
+            <a:endParaRPr sz="2450" dirty="0">
+              <a:solidFill>
+                <a:schemeClr val="bg1"/>
+              </a:solidFill>
+              <a:latin typeface="Diagramm"/>
+              <a:cs typeface="Diagramm"/>
+            </a:endParaRPr>
+          </a:p>
+        </p:txBody>
+      </p:sp>
+      <p:sp>
+        <p:nvSpPr>
+          <p:cNvPr id="4" name="object 4"/>
+          <p:cNvSpPr txBox="1">
+            <a:spLocks noGrp="1"/>
+          </p:cNvSpPr>
+          <p:nvPr>
+            <p:ph type="title"/>
+          </p:nvPr>
+        </p:nvSpPr>
+        <p:spPr>
+          <a:prstGeom prst="rect">
+            <a:avLst/>
+          </a:prstGeom>
+        </p:spPr>
+        <p:txBody>
+          <a:bodyPr vert="horz" wrap="square" lIns="0" tIns="12065" rIns="0" bIns="0" rtlCol="0">
+            <a:spAutoFit/>
+          </a:bodyPr>
+          <a:lstStyle/>
+          <a:p>
+            <a:pPr marL="12799060">
+              <a:lnSpc>
+                <a:spcPts val="3960"/>
+              </a:lnSpc>
+              <a:spcBef>
+                <a:spcPts val="95"/>
+              </a:spcBef>
+            </a:pPr>
+            <a:r>
+              <a:rPr lang="en-US" kern="0" spc="-5" dirty="0">
+                <a:solidFill>
+                  <a:schemeClr val="bg1"/>
+                </a:solidFill>
+              </a:rPr>
+              <a:t>Weighted Least Squares Estimation </a:t>
+            </a:r>
+            <a:br>
+              <a:rPr lang="en-US" kern="0" spc="-5" dirty="0">
+                <a:solidFill>
+                  <a:schemeClr val="bg1"/>
+                </a:solidFill>
+              </a:rPr>
+            </a:br>
+            <a:r>
+              <a:rPr lang="en-US" b="0" kern="0" spc="-5" dirty="0">
+                <a:solidFill>
+                  <a:schemeClr val="bg1"/>
+                </a:solidFill>
+              </a:rPr>
+              <a:t>3D Body Part Trajectories</a:t>
+            </a:r>
+            <a:endParaRPr lang="en-US" b="0" kern="0" spc="-10" dirty="0">
+              <a:solidFill>
+                <a:schemeClr val="bg1"/>
+              </a:solidFill>
+              <a:latin typeface="Diagramm Light"/>
+              <a:cs typeface="Diagramm Light"/>
+            </a:endParaRPr>
+          </a:p>
+        </p:txBody>
+      </p:sp>
+    </p:spTree>
+  </p:cSld>
+  <p:clrMapOvr>
+    <a:masterClrMapping/>
+  </p:clrMapOvr>
+</p:sld>
+</file>
+
+<file path=ppt/slides/slide31.xml><?xml version="1.0" encoding="utf-8"?>
+<p:sld xmlns:a="http://schemas.openxmlformats.org/drawingml/2006/main" xmlns:r="http://schemas.openxmlformats.org/officeDocument/2006/relationships" xmlns:p="http://schemas.openxmlformats.org/presentationml/2006/main">
+  <p:cSld>
+    <p:spTree>
+      <p:nvGrpSpPr>
+        <p:cNvPr id="1" name=""/>
+        <p:cNvGrpSpPr/>
+        <p:nvPr/>
+      </p:nvGrpSpPr>
+      <p:grpSpPr>
+        <a:xfrm>
+          <a:off x="0" y="0"/>
+          <a:ext cx="0" cy="0"/>
+          <a:chOff x="0" y="0"/>
+          <a:chExt cx="0" cy="0"/>
+        </a:xfrm>
+      </p:grpSpPr>
+      <p:pic>
+        <p:nvPicPr>
+          <p:cNvPr id="2" name="object 2"/>
+          <p:cNvPicPr>
+            <a:picLocks noGrp="1" noRot="1" noMove="1" noResize="1" noEditPoints="1" noAdjustHandles="1" noChangeArrowheads="1" noChangeShapeType="1" noCrop="1"/>
+          </p:cNvPicPr>
+          <p:nvPr/>
+        </p:nvPicPr>
+        <p:blipFill>
+          <a:blip r:embed="rId2" cstate="print"/>
+          <a:stretch>
+            <a:fillRect/>
+          </a:stretch>
+        </p:blipFill>
+        <p:spPr>
+          <a:xfrm>
+            <a:off x="0" y="0"/>
+            <a:ext cx="20104100" cy="11308556"/>
+          </a:xfrm>
+          <a:prstGeom prst="rect">
+            <a:avLst/>
+          </a:prstGeom>
+        </p:spPr>
+      </p:pic>
+      <p:sp>
+        <p:nvSpPr>
+          <p:cNvPr id="3" name="object 3"/>
+          <p:cNvSpPr txBox="1"/>
+          <p:nvPr/>
+        </p:nvSpPr>
+        <p:spPr>
+          <a:xfrm>
+            <a:off x="507192" y="1659609"/>
+            <a:ext cx="636270" cy="402590"/>
+          </a:xfrm>
+          <a:prstGeom prst="rect">
+            <a:avLst/>
+          </a:prstGeom>
+        </p:spPr>
+        <p:txBody>
+          <a:bodyPr vert="horz" wrap="square" lIns="0" tIns="15240" rIns="0" bIns="0" rtlCol="0">
+            <a:spAutoFit/>
+          </a:bodyPr>
+          <a:lstStyle/>
+          <a:p>
+            <a:pPr marL="12700">
+              <a:lnSpc>
+                <a:spcPct val="100000"/>
+              </a:lnSpc>
+              <a:spcBef>
+                <a:spcPts val="120"/>
+              </a:spcBef>
+            </a:pPr>
+            <a:r>
+              <a:rPr sz="2450" spc="-254" dirty="0">
+                <a:latin typeface="Diagramm"/>
+                <a:cs typeface="Diagramm"/>
+              </a:rPr>
+              <a:t>T</a:t>
+            </a:r>
+            <a:r>
+              <a:rPr sz="2450" spc="-40" dirty="0">
+                <a:latin typeface="Diagramm"/>
+                <a:cs typeface="Diagramm"/>
+              </a:rPr>
+              <a:t>e</a:t>
+            </a:r>
+            <a:r>
+              <a:rPr sz="2450" spc="-5" dirty="0">
+                <a:latin typeface="Diagramm"/>
+                <a:cs typeface="Diagramm"/>
+              </a:rPr>
+              <a:t>x</a:t>
+            </a:r>
+            <a:r>
+              <a:rPr sz="2450" spc="-90" dirty="0">
+                <a:latin typeface="Diagramm"/>
+                <a:cs typeface="Diagramm"/>
+              </a:rPr>
+              <a:t>t</a:t>
+            </a:r>
+            <a:endParaRPr sz="2450">
+              <a:latin typeface="Diagramm"/>
+              <a:cs typeface="Diagramm"/>
+            </a:endParaRPr>
+          </a:p>
+        </p:txBody>
+      </p:sp>
+      <p:sp>
+        <p:nvSpPr>
+          <p:cNvPr id="4" name="object 4"/>
+          <p:cNvSpPr txBox="1">
+            <a:spLocks noGrp="1"/>
+          </p:cNvSpPr>
+          <p:nvPr>
+            <p:ph type="title"/>
+          </p:nvPr>
+        </p:nvSpPr>
+        <p:spPr>
+          <a:prstGeom prst="rect">
+            <a:avLst/>
+          </a:prstGeom>
+        </p:spPr>
+        <p:txBody>
+          <a:bodyPr vert="horz" wrap="square" lIns="0" tIns="12065" rIns="0" bIns="0" rtlCol="0">
+            <a:spAutoFit/>
+          </a:bodyPr>
+          <a:lstStyle/>
+          <a:p>
+            <a:pPr marL="12799060">
+              <a:lnSpc>
+                <a:spcPts val="3960"/>
+              </a:lnSpc>
+              <a:spcBef>
+                <a:spcPts val="95"/>
+              </a:spcBef>
+            </a:pPr>
+            <a:r>
+              <a:rPr lang="en-US" kern="0" spc="-5" dirty="0"/>
+              <a:t>Weighted Least Squares Estimation </a:t>
+            </a:r>
+            <a:br>
+              <a:rPr lang="en-US" kern="0" spc="-5" dirty="0"/>
+            </a:br>
+            <a:r>
+              <a:rPr lang="en-US" b="0" kern="0" spc="-5" dirty="0"/>
+              <a:t>3D Body Part Trajectories</a:t>
+            </a:r>
+            <a:endParaRPr lang="en-US" b="0" kern="0" spc="-10" dirty="0">
+              <a:latin typeface="Diagramm Light"/>
+              <a:cs typeface="Diagramm Light"/>
+            </a:endParaRPr>
+          </a:p>
+        </p:txBody>
+      </p:sp>
+    </p:spTree>
+  </p:cSld>
+  <p:clrMapOvr>
+    <a:masterClrMapping/>
+  </p:clrMapOvr>
+</p:sld>
+</file>
+
+<file path=ppt/slides/slide32.xml><?xml version="1.0" encoding="utf-8"?>
+<p:sld xmlns:a="http://schemas.openxmlformats.org/drawingml/2006/main" xmlns:r="http://schemas.openxmlformats.org/officeDocument/2006/relationships" xmlns:p="http://schemas.openxmlformats.org/presentationml/2006/main">
+  <p:cSld>
+    <p:spTree>
+      <p:nvGrpSpPr>
+        <p:cNvPr id="1" name=""/>
+        <p:cNvGrpSpPr/>
+        <p:nvPr/>
+      </p:nvGrpSpPr>
+      <p:grpSpPr>
+        <a:xfrm>
+          <a:off x="0" y="0"/>
+          <a:ext cx="0" cy="0"/>
+          <a:chOff x="0" y="0"/>
+          <a:chExt cx="0" cy="0"/>
+        </a:xfrm>
+      </p:grpSpPr>
+      <p:pic>
+        <p:nvPicPr>
+          <p:cNvPr id="2" name="object 2"/>
+          <p:cNvPicPr>
+            <a:picLocks noGrp="1" noRot="1" noMove="1" noResize="1" noEditPoints="1" noAdjustHandles="1" noChangeArrowheads="1" noChangeShapeType="1" noCrop="1"/>
+          </p:cNvPicPr>
+          <p:nvPr/>
+        </p:nvPicPr>
+        <p:blipFill>
+          <a:blip r:embed="rId2" cstate="print"/>
+          <a:stretch>
+            <a:fillRect/>
+          </a:stretch>
+        </p:blipFill>
+        <p:spPr>
+          <a:xfrm>
+            <a:off x="0" y="0"/>
+            <a:ext cx="20104100" cy="11308556"/>
+          </a:xfrm>
+          <a:prstGeom prst="rect">
+            <a:avLst/>
+          </a:prstGeom>
+        </p:spPr>
+      </p:pic>
+      <p:sp>
+        <p:nvSpPr>
+          <p:cNvPr id="3" name="object 3"/>
+          <p:cNvSpPr txBox="1"/>
+          <p:nvPr/>
+        </p:nvSpPr>
+        <p:spPr>
+          <a:xfrm>
+            <a:off x="507192" y="1659609"/>
+            <a:ext cx="636270" cy="402590"/>
+          </a:xfrm>
+          <a:prstGeom prst="rect">
+            <a:avLst/>
+          </a:prstGeom>
+        </p:spPr>
+        <p:txBody>
+          <a:bodyPr vert="horz" wrap="square" lIns="0" tIns="15240" rIns="0" bIns="0" rtlCol="0">
+            <a:spAutoFit/>
+          </a:bodyPr>
+          <a:lstStyle/>
+          <a:p>
+            <a:pPr marL="12700">
+              <a:lnSpc>
+                <a:spcPct val="100000"/>
+              </a:lnSpc>
+              <a:spcBef>
+                <a:spcPts val="120"/>
+              </a:spcBef>
+            </a:pPr>
+            <a:r>
+              <a:rPr sz="2450" spc="-254" dirty="0">
+                <a:latin typeface="Diagramm"/>
+                <a:cs typeface="Diagramm"/>
+              </a:rPr>
+              <a:t>T</a:t>
+            </a:r>
+            <a:r>
+              <a:rPr sz="2450" spc="-40" dirty="0">
+                <a:latin typeface="Diagramm"/>
+                <a:cs typeface="Diagramm"/>
+              </a:rPr>
+              <a:t>e</a:t>
+            </a:r>
+            <a:r>
+              <a:rPr sz="2450" spc="-5" dirty="0">
+                <a:latin typeface="Diagramm"/>
+                <a:cs typeface="Diagramm"/>
+              </a:rPr>
+              <a:t>x</a:t>
+            </a:r>
+            <a:r>
+              <a:rPr sz="2450" spc="-90" dirty="0">
+                <a:latin typeface="Diagramm"/>
+                <a:cs typeface="Diagramm"/>
+              </a:rPr>
+              <a:t>t</a:t>
+            </a:r>
+            <a:endParaRPr sz="2450">
+              <a:latin typeface="Diagramm"/>
+              <a:cs typeface="Diagramm"/>
+            </a:endParaRPr>
+          </a:p>
+        </p:txBody>
+      </p:sp>
+      <p:sp>
+        <p:nvSpPr>
+          <p:cNvPr id="4" name="object 4"/>
+          <p:cNvSpPr txBox="1">
+            <a:spLocks noGrp="1"/>
+          </p:cNvSpPr>
+          <p:nvPr>
+            <p:ph type="title"/>
+          </p:nvPr>
+        </p:nvSpPr>
+        <p:spPr>
+          <a:prstGeom prst="rect">
+            <a:avLst/>
+          </a:prstGeom>
+        </p:spPr>
+        <p:txBody>
+          <a:bodyPr vert="horz" wrap="square" lIns="0" tIns="12065" rIns="0" bIns="0" rtlCol="0">
+            <a:spAutoFit/>
+          </a:bodyPr>
+          <a:lstStyle/>
+          <a:p>
+            <a:pPr marL="12799060">
+              <a:lnSpc>
+                <a:spcPts val="3960"/>
+              </a:lnSpc>
+              <a:spcBef>
+                <a:spcPts val="95"/>
+              </a:spcBef>
+            </a:pPr>
+            <a:r>
+              <a:rPr lang="en-US" kern="0" spc="-5" dirty="0"/>
+              <a:t>Weighted Least Squares Estimation </a:t>
+            </a:r>
+            <a:br>
+              <a:rPr lang="en-US" kern="0" spc="-5" dirty="0"/>
+            </a:br>
+            <a:r>
+              <a:rPr lang="en-US" b="0" kern="0" spc="-5" dirty="0"/>
+              <a:t>3D Body Part Trajectories</a:t>
+            </a:r>
+            <a:endParaRPr lang="en-US" b="0" kern="0" spc="-10" dirty="0">
+              <a:latin typeface="Diagramm Light"/>
+              <a:cs typeface="Diagramm Light"/>
+            </a:endParaRPr>
+          </a:p>
+        </p:txBody>
+      </p:sp>
+    </p:spTree>
+  </p:cSld>
+  <p:clrMapOvr>
+    <a:masterClrMapping/>
+  </p:clrMapOvr>
+</p:sld>
+</file>
+
+<file path=ppt/slides/slide33.xml><?xml version="1.0" encoding="utf-8"?>
+<p:sld xmlns:a="http://schemas.openxmlformats.org/drawingml/2006/main" xmlns:r="http://schemas.openxmlformats.org/officeDocument/2006/relationships" xmlns:p="http://schemas.openxmlformats.org/presentationml/2006/main">
+  <p:cSld>
+    <p:spTree>
+      <p:nvGrpSpPr>
+        <p:cNvPr id="1" name=""/>
+        <p:cNvGrpSpPr/>
+        <p:nvPr/>
+      </p:nvGrpSpPr>
+      <p:grpSpPr>
+        <a:xfrm>
+          <a:off x="0" y="0"/>
+          <a:ext cx="0" cy="0"/>
+          <a:chOff x="0" y="0"/>
+          <a:chExt cx="0" cy="0"/>
+        </a:xfrm>
+      </p:grpSpPr>
+      <p:pic>
+        <p:nvPicPr>
+          <p:cNvPr id="2" name="object 2"/>
+          <p:cNvPicPr>
+            <a:picLocks noGrp="1" noRot="1" noMove="1" noResize="1" noEditPoints="1" noAdjustHandles="1" noChangeArrowheads="1" noChangeShapeType="1" noCrop="1"/>
+          </p:cNvPicPr>
+          <p:nvPr/>
+        </p:nvPicPr>
+        <p:blipFill>
+          <a:blip r:embed="rId2" cstate="print"/>
+          <a:stretch>
+            <a:fillRect/>
+          </a:stretch>
+        </p:blipFill>
+        <p:spPr>
+          <a:xfrm>
+            <a:off x="0" y="0"/>
+            <a:ext cx="20104100" cy="11308556"/>
+          </a:xfrm>
+          <a:prstGeom prst="rect">
+            <a:avLst/>
+          </a:prstGeom>
+        </p:spPr>
+      </p:pic>
+      <p:sp>
+        <p:nvSpPr>
+          <p:cNvPr id="3" name="object 3"/>
+          <p:cNvSpPr txBox="1"/>
+          <p:nvPr/>
+        </p:nvSpPr>
+        <p:spPr>
+          <a:xfrm>
+            <a:off x="507192" y="1659609"/>
+            <a:ext cx="636270" cy="402590"/>
+          </a:xfrm>
+          <a:prstGeom prst="rect">
+            <a:avLst/>
+          </a:prstGeom>
+        </p:spPr>
+        <p:txBody>
+          <a:bodyPr vert="horz" wrap="square" lIns="0" tIns="15240" rIns="0" bIns="0" rtlCol="0">
+            <a:spAutoFit/>
+          </a:bodyPr>
+          <a:lstStyle/>
+          <a:p>
+            <a:pPr marL="12700">
+              <a:lnSpc>
+                <a:spcPct val="100000"/>
+              </a:lnSpc>
+              <a:spcBef>
+                <a:spcPts val="120"/>
+              </a:spcBef>
+            </a:pPr>
+            <a:r>
+              <a:rPr sz="2450" spc="-254" dirty="0">
+                <a:solidFill>
+                  <a:schemeClr val="bg1"/>
+                </a:solidFill>
+                <a:latin typeface="Diagramm"/>
+                <a:cs typeface="Diagramm"/>
+              </a:rPr>
+              <a:t>T</a:t>
+            </a:r>
+            <a:r>
+              <a:rPr sz="2450" spc="-40" dirty="0">
+                <a:solidFill>
+                  <a:schemeClr val="bg1"/>
+                </a:solidFill>
+                <a:latin typeface="Diagramm"/>
+                <a:cs typeface="Diagramm"/>
+              </a:rPr>
+              <a:t>e</a:t>
+            </a:r>
+            <a:r>
+              <a:rPr sz="2450" spc="-5" dirty="0">
+                <a:solidFill>
+                  <a:schemeClr val="bg1"/>
+                </a:solidFill>
+                <a:latin typeface="Diagramm"/>
+                <a:cs typeface="Diagramm"/>
+              </a:rPr>
+              <a:t>x</a:t>
+            </a:r>
+            <a:r>
+              <a:rPr sz="2450" spc="-90" dirty="0">
+                <a:solidFill>
+                  <a:schemeClr val="bg1"/>
+                </a:solidFill>
+                <a:latin typeface="Diagramm"/>
+                <a:cs typeface="Diagramm"/>
+              </a:rPr>
+              <a:t>t</a:t>
+            </a:r>
+            <a:endParaRPr sz="2450" dirty="0">
+              <a:solidFill>
+                <a:schemeClr val="bg1"/>
+              </a:solidFill>
+              <a:latin typeface="Diagramm"/>
+              <a:cs typeface="Diagramm"/>
+            </a:endParaRPr>
+          </a:p>
+        </p:txBody>
+      </p:sp>
+      <p:sp>
+        <p:nvSpPr>
+          <p:cNvPr id="4" name="object 4"/>
+          <p:cNvSpPr txBox="1">
+            <a:spLocks noGrp="1"/>
+          </p:cNvSpPr>
+          <p:nvPr>
+            <p:ph type="title"/>
+          </p:nvPr>
+        </p:nvSpPr>
+        <p:spPr>
+          <a:prstGeom prst="rect">
+            <a:avLst/>
+          </a:prstGeom>
+        </p:spPr>
+        <p:txBody>
+          <a:bodyPr vert="horz" wrap="square" lIns="0" tIns="12065" rIns="0" bIns="0" rtlCol="0">
+            <a:spAutoFit/>
+          </a:bodyPr>
+          <a:lstStyle/>
+          <a:p>
+            <a:pPr marL="12799060">
+              <a:lnSpc>
+                <a:spcPts val="3960"/>
+              </a:lnSpc>
+              <a:spcBef>
+                <a:spcPts val="95"/>
+              </a:spcBef>
+            </a:pPr>
+            <a:r>
+              <a:rPr lang="en-US" kern="0" spc="-5" dirty="0">
+                <a:solidFill>
+                  <a:schemeClr val="bg1"/>
+                </a:solidFill>
+              </a:rPr>
+              <a:t>Weighted Least Squares Estimation </a:t>
+            </a:r>
+            <a:br>
+              <a:rPr lang="en-US" kern="0" spc="-5" dirty="0">
+                <a:solidFill>
+                  <a:schemeClr val="bg1"/>
+                </a:solidFill>
+              </a:rPr>
+            </a:br>
+            <a:r>
+              <a:rPr lang="en-US" b="0" kern="0" spc="-5" dirty="0">
+                <a:solidFill>
+                  <a:schemeClr val="bg1"/>
+                </a:solidFill>
+              </a:rPr>
+              <a:t>3D Body Part Trajectories</a:t>
+            </a:r>
+            <a:endParaRPr lang="en-US" b="0" kern="0" spc="-10" dirty="0">
+              <a:solidFill>
+                <a:schemeClr val="bg1"/>
+              </a:solidFill>
+              <a:latin typeface="Diagramm Light"/>
+              <a:cs typeface="Diagramm Light"/>
+            </a:endParaRPr>
+          </a:p>
+        </p:txBody>
+      </p:sp>
+    </p:spTree>
+  </p:cSld>
+  <p:clrMapOvr>
+    <a:masterClrMapping/>
+  </p:clrMapOvr>
+</p:sld>
+</file>
+
+<file path=ppt/slides/slide34.xml><?xml version="1.0" encoding="utf-8"?>
+<p:sld xmlns:a="http://schemas.openxmlformats.org/drawingml/2006/main" xmlns:r="http://schemas.openxmlformats.org/officeDocument/2006/relationships" xmlns:p="http://schemas.openxmlformats.org/presentationml/2006/main">
+  <p:cSld>
+    <p:spTree>
+      <p:nvGrpSpPr>
+        <p:cNvPr id="1" name=""/>
+        <p:cNvGrpSpPr/>
+        <p:nvPr/>
+      </p:nvGrpSpPr>
+      <p:grpSpPr>
+        <a:xfrm>
+          <a:off x="0" y="0"/>
+          <a:ext cx="0" cy="0"/>
+          <a:chOff x="0" y="0"/>
+          <a:chExt cx="0" cy="0"/>
+        </a:xfrm>
+      </p:grpSpPr>
+      <p:pic>
+        <p:nvPicPr>
+          <p:cNvPr id="2" name="object 2"/>
+          <p:cNvPicPr>
+            <a:picLocks noGrp="1" noRot="1" noMove="1" noResize="1" noEditPoints="1" noAdjustHandles="1" noChangeArrowheads="1" noChangeShapeType="1" noCrop="1"/>
+          </p:cNvPicPr>
+          <p:nvPr/>
+        </p:nvPicPr>
+        <p:blipFill>
+          <a:blip r:embed="rId2" cstate="print"/>
+          <a:stretch>
+            <a:fillRect/>
+          </a:stretch>
+        </p:blipFill>
+        <p:spPr>
+          <a:xfrm>
+            <a:off x="0" y="0"/>
+            <a:ext cx="20104100" cy="11308556"/>
+          </a:xfrm>
+          <a:prstGeom prst="rect">
+            <a:avLst/>
+          </a:prstGeom>
+        </p:spPr>
+      </p:pic>
+      <p:sp>
+        <p:nvSpPr>
+          <p:cNvPr id="3" name="object 3"/>
+          <p:cNvSpPr txBox="1"/>
+          <p:nvPr/>
+        </p:nvSpPr>
+        <p:spPr>
+          <a:xfrm>
+            <a:off x="507192" y="1659609"/>
+            <a:ext cx="636270" cy="402590"/>
+          </a:xfrm>
+          <a:prstGeom prst="rect">
+            <a:avLst/>
+          </a:prstGeom>
+        </p:spPr>
+        <p:txBody>
+          <a:bodyPr vert="horz" wrap="square" lIns="0" tIns="15240" rIns="0" bIns="0" rtlCol="0">
+            <a:spAutoFit/>
+          </a:bodyPr>
+          <a:lstStyle/>
+          <a:p>
+            <a:pPr marL="12700">
+              <a:lnSpc>
+                <a:spcPct val="100000"/>
+              </a:lnSpc>
+              <a:spcBef>
+                <a:spcPts val="120"/>
+              </a:spcBef>
+            </a:pPr>
+            <a:r>
+              <a:rPr sz="2450" spc="-254" dirty="0">
+                <a:solidFill>
+                  <a:schemeClr val="bg1"/>
+                </a:solidFill>
+                <a:latin typeface="Diagramm"/>
+                <a:cs typeface="Diagramm"/>
+              </a:rPr>
+              <a:t>T</a:t>
+            </a:r>
+            <a:r>
+              <a:rPr sz="2450" spc="-40" dirty="0">
+                <a:solidFill>
+                  <a:schemeClr val="bg1"/>
+                </a:solidFill>
+                <a:latin typeface="Diagramm"/>
+                <a:cs typeface="Diagramm"/>
+              </a:rPr>
+              <a:t>e</a:t>
+            </a:r>
+            <a:r>
+              <a:rPr sz="2450" spc="-5" dirty="0">
+                <a:solidFill>
+                  <a:schemeClr val="bg1"/>
+                </a:solidFill>
+                <a:latin typeface="Diagramm"/>
+                <a:cs typeface="Diagramm"/>
+              </a:rPr>
+              <a:t>x</a:t>
+            </a:r>
+            <a:r>
+              <a:rPr sz="2450" spc="-90" dirty="0">
+                <a:solidFill>
+                  <a:schemeClr val="bg1"/>
+                </a:solidFill>
+                <a:latin typeface="Diagramm"/>
+                <a:cs typeface="Diagramm"/>
+              </a:rPr>
+              <a:t>t</a:t>
+            </a:r>
+            <a:endParaRPr sz="2450" dirty="0">
+              <a:solidFill>
+                <a:schemeClr val="bg1"/>
+              </a:solidFill>
+              <a:latin typeface="Diagramm"/>
+              <a:cs typeface="Diagramm"/>
+            </a:endParaRPr>
+          </a:p>
+        </p:txBody>
+      </p:sp>
+      <p:sp>
+        <p:nvSpPr>
+          <p:cNvPr id="4" name="object 4"/>
+          <p:cNvSpPr txBox="1">
+            <a:spLocks noGrp="1"/>
+          </p:cNvSpPr>
+          <p:nvPr>
+            <p:ph type="title"/>
+          </p:nvPr>
+        </p:nvSpPr>
+        <p:spPr>
+          <a:prstGeom prst="rect">
+            <a:avLst/>
+          </a:prstGeom>
+        </p:spPr>
+        <p:txBody>
+          <a:bodyPr vert="horz" wrap="square" lIns="0" tIns="12065" rIns="0" bIns="0" rtlCol="0">
+            <a:spAutoFit/>
+          </a:bodyPr>
+          <a:lstStyle/>
+          <a:p>
+            <a:pPr marL="12799060">
+              <a:lnSpc>
+                <a:spcPts val="3960"/>
+              </a:lnSpc>
+              <a:spcBef>
+                <a:spcPts val="95"/>
+              </a:spcBef>
+            </a:pPr>
+            <a:r>
+              <a:rPr lang="en-US" kern="0" spc="-5" dirty="0">
+                <a:solidFill>
+                  <a:schemeClr val="bg1"/>
+                </a:solidFill>
+              </a:rPr>
+              <a:t>Weighted Least Squares Estimation </a:t>
+            </a:r>
+            <a:br>
+              <a:rPr lang="en-US" kern="0" spc="-5" dirty="0">
+                <a:solidFill>
+                  <a:schemeClr val="bg1"/>
+                </a:solidFill>
+              </a:rPr>
+            </a:br>
+            <a:r>
+              <a:rPr lang="en-US" b="0" kern="0" spc="-5" dirty="0">
+                <a:solidFill>
+                  <a:schemeClr val="bg1"/>
+                </a:solidFill>
+              </a:rPr>
+              <a:t>3D Body Part Trajectories</a:t>
+            </a:r>
+            <a:endParaRPr lang="en-US" b="0" kern="0" spc="-10" dirty="0">
+              <a:solidFill>
+                <a:schemeClr val="bg1"/>
+              </a:solidFill>
+              <a:latin typeface="Diagramm Light"/>
+              <a:cs typeface="Diagramm Light"/>
+            </a:endParaRPr>
+          </a:p>
+        </p:txBody>
+      </p:sp>
+    </p:spTree>
+  </p:cSld>
+  <p:clrMapOvr>
+    <a:masterClrMapping/>
+  </p:clrMapOvr>
+</p:sld>
+</file>
+
+<file path=ppt/slides/slide35.xml><?xml version="1.0" encoding="utf-8"?>
+<p:sld xmlns:a="http://schemas.openxmlformats.org/drawingml/2006/main" xmlns:r="http://schemas.openxmlformats.org/officeDocument/2006/relationships" xmlns:p="http://schemas.openxmlformats.org/presentationml/2006/main">
+  <p:cSld>
+    <p:spTree>
+      <p:nvGrpSpPr>
+        <p:cNvPr id="1" name=""/>
+        <p:cNvGrpSpPr/>
+        <p:nvPr/>
+      </p:nvGrpSpPr>
+      <p:grpSpPr>
+        <a:xfrm>
+          <a:off x="0" y="0"/>
+          <a:ext cx="0" cy="0"/>
+          <a:chOff x="0" y="0"/>
+          <a:chExt cx="0" cy="0"/>
+        </a:xfrm>
+      </p:grpSpPr>
+      <p:pic>
+        <p:nvPicPr>
+          <p:cNvPr id="2" name="object 2"/>
+          <p:cNvPicPr>
+            <a:picLocks noGrp="1" noRot="1" noMove="1" noResize="1" noEditPoints="1" noAdjustHandles="1" noChangeArrowheads="1" noChangeShapeType="1" noCrop="1"/>
+          </p:cNvPicPr>
+          <p:nvPr/>
+        </p:nvPicPr>
+        <p:blipFill>
+          <a:blip r:embed="rId2" cstate="print"/>
+          <a:stretch>
+            <a:fillRect/>
+          </a:stretch>
+        </p:blipFill>
+        <p:spPr>
+          <a:xfrm>
+            <a:off x="0" y="0"/>
             <a:ext cx="20104100" cy="11277143"/>
           </a:xfrm>
           <a:prstGeom prst="rect">
@@ -9395,7 +11136,7 @@
 </p:sld>
 </file>
 
-<file path=ppt/slides/slide31.xml><?xml version="1.0" encoding="utf-8"?>
+<file path=ppt/slides/slide36.xml><?xml version="1.0" encoding="utf-8"?>
 <p:sld xmlns:a="http://schemas.openxmlformats.org/drawingml/2006/main" xmlns:r="http://schemas.openxmlformats.org/officeDocument/2006/relationships" xmlns:p="http://schemas.openxmlformats.org/presentationml/2006/main">
   <p:cSld>
     <p:spTree>
@@ -10327,7 +12068,7 @@
                 <a:latin typeface="Diagramm Bold"/>
                 <a:cs typeface="Diagramm Bold"/>
               </a:rPr>
-              <a:t>Plan For Revision</a:t>
+              <a:t>Event Marking Application</a:t>
             </a:r>
             <a:endParaRPr sz="6600" b="1" dirty="0">
               <a:solidFill>
@@ -10468,7 +12209,7 @@
         <p:spPr>
           <a:xfrm>
             <a:off x="1289050" y="2517919"/>
-            <a:ext cx="16535400" cy="6273512"/>
+            <a:ext cx="16535400" cy="2172390"/>
           </a:xfrm>
           <a:prstGeom prst="rect">
             <a:avLst/>
@@ -10493,7 +12234,7 @@
                 <a:latin typeface="Diagramm"/>
                 <a:cs typeface="Diagramm"/>
               </a:rPr>
-              <a:t>Single-frame iterative approach:</a:t>
+              <a:t>Custom GUI for Marking Behavioral Events </a:t>
             </a:r>
           </a:p>
           <a:p>
@@ -10511,79 +12252,20 @@
             </a:endParaRPr>
           </a:p>
           <a:p>
-            <a:pPr marL="584200" indent="-571500">
+            <a:pPr marL="12700">
               <a:lnSpc>
                 <a:spcPct val="150000"/>
               </a:lnSpc>
               <a:spcBef>
                 <a:spcPts val="120"/>
               </a:spcBef>
-              <a:buFont typeface="Arial" panose="020B0604020202020204" pitchFamily="34" charset="0"/>
-              <a:buChar char="•"/>
             </a:pPr>
             <a:r>
               <a:rPr lang="en-US" sz="4400" dirty="0">
                 <a:latin typeface="Diagramm"/>
                 <a:cs typeface="Diagramm"/>
               </a:rPr>
-              <a:t>Construct equation for estimating one 3D point at a time</a:t>
-            </a:r>
-          </a:p>
-          <a:p>
-            <a:pPr marL="584200" indent="-571500">
-              <a:lnSpc>
-                <a:spcPct val="150000"/>
-              </a:lnSpc>
-              <a:spcBef>
-                <a:spcPts val="120"/>
-              </a:spcBef>
-              <a:buFont typeface="Arial" panose="020B0604020202020204" pitchFamily="34" charset="0"/>
-              <a:buChar char="•"/>
-            </a:pPr>
-            <a:r>
-              <a:rPr lang="en-US" sz="4400" dirty="0">
-                <a:latin typeface="Diagramm"/>
-                <a:cs typeface="Diagramm"/>
-              </a:rPr>
-              <a:t>Minimize size of matrices for inversion</a:t>
-            </a:r>
-          </a:p>
-          <a:p>
-            <a:pPr marL="584200" indent="-571500">
-              <a:lnSpc>
-                <a:spcPct val="150000"/>
-              </a:lnSpc>
-              <a:spcBef>
-                <a:spcPts val="120"/>
-              </a:spcBef>
-              <a:buFont typeface="Arial" panose="020B0604020202020204" pitchFamily="34" charset="0"/>
-              <a:buChar char="•"/>
-            </a:pPr>
-            <a:r>
-              <a:rPr lang="en-US" sz="4400" dirty="0">
-                <a:latin typeface="Diagramm"/>
-                <a:cs typeface="Diagramm"/>
-              </a:rPr>
-              <a:t>Capitalize on CPU speed vs. large linear operations</a:t>
-            </a:r>
-          </a:p>
-          <a:p>
-            <a:pPr marL="584200" indent="-571500">
-              <a:lnSpc>
-                <a:spcPct val="150000"/>
-              </a:lnSpc>
-              <a:spcBef>
-                <a:spcPts val="120"/>
-              </a:spcBef>
-              <a:buFont typeface="Arial" panose="020B0604020202020204" pitchFamily="34" charset="0"/>
-              <a:buChar char="•"/>
-            </a:pPr>
-            <a:r>
-              <a:rPr lang="en-US" sz="4400" dirty="0">
-                <a:latin typeface="Diagramm"/>
-                <a:cs typeface="Diagramm"/>
-              </a:rPr>
-              <a:t>Continuously update projection matrix for each point to minimize transformation error</a:t>
+              <a:t>Summarize the app here</a:t>
             </a:r>
           </a:p>
         </p:txBody>
@@ -10645,10 +12327,55 @@
           </a:p>
         </p:txBody>
       </p:sp>
+      <p:sp>
+        <p:nvSpPr>
+          <p:cNvPr id="9" name="object 3">
+            <a:extLst>
+              <a:ext uri="{FF2B5EF4-FFF2-40B4-BE49-F238E27FC236}">
+                <a16:creationId xmlns:a16="http://schemas.microsoft.com/office/drawing/2014/main" id="{4FD33930-9F7C-5764-EE13-BE56A7E81C1E}"/>
+              </a:ext>
+            </a:extLst>
+          </p:cNvPr>
+          <p:cNvSpPr txBox="1"/>
+          <p:nvPr/>
+        </p:nvSpPr>
+        <p:spPr>
+          <a:xfrm>
+            <a:off x="492946" y="382194"/>
+            <a:ext cx="11506200" cy="630942"/>
+          </a:xfrm>
+          <a:prstGeom prst="rect">
+            <a:avLst/>
+          </a:prstGeom>
+        </p:spPr>
+        <p:txBody>
+          <a:bodyPr vert="horz" wrap="square" lIns="0" tIns="15240" rIns="0" bIns="0" rtlCol="0">
+            <a:spAutoFit/>
+          </a:bodyPr>
+          <a:lstStyle/>
+          <a:p>
+            <a:pPr marL="12700">
+              <a:lnSpc>
+                <a:spcPct val="100000"/>
+              </a:lnSpc>
+              <a:spcBef>
+                <a:spcPts val="120"/>
+              </a:spcBef>
+            </a:pPr>
+            <a:r>
+              <a:rPr lang="en-US" sz="4000" b="1" spc="-254" dirty="0">
+                <a:latin typeface="Diagramm"/>
+                <a:cs typeface="Diagramm"/>
+              </a:rPr>
+              <a:t>Event Marking Application :: Introduction</a:t>
+            </a:r>
+          </a:p>
+        </p:txBody>
+      </p:sp>
     </p:spTree>
     <p:extLst>
       <p:ext uri="{BB962C8B-B14F-4D97-AF65-F5344CB8AC3E}">
-        <p14:creationId xmlns:p14="http://schemas.microsoft.com/office/powerpoint/2010/main" val="430438349"/>
+        <p14:creationId xmlns:p14="http://schemas.microsoft.com/office/powerpoint/2010/main" val="497130846"/>
       </p:ext>
     </p:extLst>
   </p:cSld>

--- a/wls_gated_dlc_triangulation/Weighted_Least_Squares.pptx
+++ b/wls_gated_dlc_triangulation/Weighted_Least_Squares.pptx
@@ -243,7 +243,7 @@
           <a:p>
             <a:fld id="{579C439E-8EF2-3F4B-88D4-5AEF9FA194D5}" type="datetimeFigureOut">
               <a:rPr lang="en-US" smtClean="0"/>
-              <a:t>7/9/24</a:t>
+              <a:t>7/10/24</a:t>
             </a:fld>
             <a:endParaRPr lang="en-US"/>
           </a:p>
@@ -823,7 +823,7 @@
           <a:p>
             <a:fld id="{1D8BD707-D9CF-40AE-B4C6-C98DA3205C09}" type="datetimeFigureOut">
               <a:rPr lang="en-US"/>
-              <a:t>7/9/24</a:t>
+              <a:t>7/10/24</a:t>
             </a:fld>
             <a:endParaRPr lang="en-US"/>
           </a:p>
@@ -994,7 +994,7 @@
           <a:p>
             <a:fld id="{1D8BD707-D9CF-40AE-B4C6-C98DA3205C09}" type="datetimeFigureOut">
               <a:rPr lang="en-US"/>
-              <a:t>7/9/24</a:t>
+              <a:t>7/10/24</a:t>
             </a:fld>
             <a:endParaRPr lang="en-US"/>
           </a:p>
@@ -1208,7 +1208,7 @@
           <a:p>
             <a:fld id="{1D8BD707-D9CF-40AE-B4C6-C98DA3205C09}" type="datetimeFigureOut">
               <a:rPr lang="en-US"/>
-              <a:t>7/9/24</a:t>
+              <a:t>7/10/24</a:t>
             </a:fld>
             <a:endParaRPr lang="en-US"/>
           </a:p>
@@ -1414,7 +1414,7 @@
           <a:p>
             <a:fld id="{1D8BD707-D9CF-40AE-B4C6-C98DA3205C09}" type="datetimeFigureOut">
               <a:rPr lang="en-US"/>
-              <a:t>7/9/24</a:t>
+              <a:t>7/10/24</a:t>
             </a:fld>
             <a:endParaRPr lang="en-US"/>
           </a:p>
@@ -1533,7 +1533,7 @@
           <a:p>
             <a:fld id="{1D8BD707-D9CF-40AE-B4C6-C98DA3205C09}" type="datetimeFigureOut">
               <a:rPr lang="en-US"/>
-              <a:t>7/9/24</a:t>
+              <a:t>7/10/24</a:t>
             </a:fld>
             <a:endParaRPr lang="en-US"/>
           </a:p>
@@ -1752,7 +1752,7 @@
           <a:p>
             <a:fld id="{1D8BD707-D9CF-40AE-B4C6-C98DA3205C09}" type="datetimeFigureOut">
               <a:rPr lang="en-US"/>
-              <a:t>7/9/24</a:t>
+              <a:t>7/10/24</a:t>
             </a:fld>
             <a:endParaRPr lang="en-US"/>
           </a:p>
@@ -5235,14 +5235,14 @@
                 </a:spcBef>
               </a:pPr>
               <a:r>
-                <a:rPr lang="en-US" sz="1200" b="1" spc="-254" dirty="0">
+                <a:rPr lang="en-US" sz="1200" spc="-254" dirty="0">
                   <a:latin typeface="Diagramm"/>
                   <a:cs typeface="Diagramm"/>
                 </a:rPr>
                 <a:t>                      </a:t>
               </a:r>
               <a:r>
-                <a:rPr lang="en-US" sz="6000" b="1" spc="-254" dirty="0">
+                <a:rPr lang="en-US" sz="6000" spc="-254" dirty="0">
                   <a:latin typeface="Diagramm"/>
                   <a:cs typeface="Diagramm"/>
                 </a:rPr>
@@ -5356,14 +5356,14 @@
                 </a:spcBef>
               </a:pPr>
               <a:r>
-                <a:rPr lang="en-US" sz="1200" b="1" spc="-254" dirty="0">
+                <a:rPr lang="en-US" sz="1200" spc="-254" dirty="0">
                   <a:latin typeface="Diagramm"/>
                   <a:cs typeface="Diagramm"/>
                 </a:rPr>
                 <a:t>                      </a:t>
               </a:r>
               <a:r>
-                <a:rPr lang="en-US" sz="6000" b="1" spc="-254" dirty="0">
+                <a:rPr lang="en-US" sz="6000" spc="-254" dirty="0">
                   <a:latin typeface="Diagramm"/>
                   <a:cs typeface="Diagramm"/>
                 </a:rPr>
@@ -5477,14 +5477,14 @@
                 </a:spcBef>
               </a:pPr>
               <a:r>
-                <a:rPr lang="en-US" sz="1200" b="1" spc="-254" dirty="0">
+                <a:rPr lang="en-US" sz="1200" spc="-254" dirty="0">
                   <a:latin typeface="Diagramm"/>
                   <a:cs typeface="Diagramm"/>
                 </a:rPr>
                 <a:t>                      </a:t>
               </a:r>
               <a:r>
-                <a:rPr lang="en-US" sz="6000" b="1" spc="-254" dirty="0">
+                <a:rPr lang="en-US" sz="6000" spc="-254" dirty="0">
                   <a:latin typeface="Diagramm"/>
                   <a:cs typeface="Diagramm"/>
                 </a:rPr>
